--- a/Materials/Richards_English.pptx
+++ b/Materials/Richards_English.pptx
@@ -221,7 +221,7 @@
           <a:p>
             <a:fld id="{4D0C6883-54F1-064A-A731-D2789FFABA37}" type="datetimeFigureOut">
               <a:rPr lang="it-IT" smtClean="0"/>
-              <a:t>27/10/2017</a:t>
+              <a:t>07/11/2017</a:t>
             </a:fld>
             <a:endParaRPr lang="en-GB"/>
           </a:p>
@@ -670,7 +670,7 @@
           <a:p>
             <a:fld id="{D3F618D5-3DB9-B146-87ED-A3BCB7C64B91}" type="datetimeFigureOut">
               <a:rPr lang="it-IT" smtClean="0"/>
-              <a:t>27/10/2017</a:t>
+              <a:t>07/11/2017</a:t>
             </a:fld>
             <a:endParaRPr lang="en-GB"/>
           </a:p>
@@ -840,7 +840,7 @@
           <a:p>
             <a:fld id="{D3F618D5-3DB9-B146-87ED-A3BCB7C64B91}" type="datetimeFigureOut">
               <a:rPr lang="it-IT" smtClean="0"/>
-              <a:t>27/10/2017</a:t>
+              <a:t>07/11/2017</a:t>
             </a:fld>
             <a:endParaRPr lang="en-GB"/>
           </a:p>
@@ -1020,7 +1020,7 @@
           <a:p>
             <a:fld id="{D3F618D5-3DB9-B146-87ED-A3BCB7C64B91}" type="datetimeFigureOut">
               <a:rPr lang="it-IT" smtClean="0"/>
-              <a:t>27/10/2017</a:t>
+              <a:t>07/11/2017</a:t>
             </a:fld>
             <a:endParaRPr lang="en-GB"/>
           </a:p>
@@ -1226,7 +1226,7 @@
           </a:ln>
           <a:extLst>
             <a:ext uri="{C572A759-6A51-4108-AA02-DFA0A04FC94B}">
-              <ma14:wrappingTextBoxFlag xmlns:ma14="http://schemas.microsoft.com/office/mac/drawingml/2011/main" xmlns="" val="1"/>
+              <ma14:wrappingTextBoxFlag xmlns="" xmlns:ma14="http://schemas.microsoft.com/office/mac/drawingml/2011/main" val="1"/>
             </a:ext>
           </a:extLst>
         </p:spPr>
@@ -1443,7 +1443,7 @@
           <a:p>
             <a:fld id="{D3F618D5-3DB9-B146-87ED-A3BCB7C64B91}" type="datetimeFigureOut">
               <a:rPr lang="it-IT" smtClean="0"/>
-              <a:t>27/10/2017</a:t>
+              <a:t>07/11/2017</a:t>
             </a:fld>
             <a:endParaRPr lang="en-GB"/>
           </a:p>
@@ -1689,7 +1689,7 @@
           <a:p>
             <a:fld id="{D3F618D5-3DB9-B146-87ED-A3BCB7C64B91}" type="datetimeFigureOut">
               <a:rPr lang="it-IT" smtClean="0"/>
-              <a:t>27/10/2017</a:t>
+              <a:t>07/11/2017</a:t>
             </a:fld>
             <a:endParaRPr lang="en-GB"/>
           </a:p>
@@ -1977,7 +1977,7 @@
           <a:p>
             <a:fld id="{D3F618D5-3DB9-B146-87ED-A3BCB7C64B91}" type="datetimeFigureOut">
               <a:rPr lang="it-IT" smtClean="0"/>
-              <a:t>27/10/2017</a:t>
+              <a:t>07/11/2017</a:t>
             </a:fld>
             <a:endParaRPr lang="en-GB"/>
           </a:p>
@@ -2399,7 +2399,7 @@
           <a:p>
             <a:fld id="{D3F618D5-3DB9-B146-87ED-A3BCB7C64B91}" type="datetimeFigureOut">
               <a:rPr lang="it-IT" smtClean="0"/>
-              <a:t>27/10/2017</a:t>
+              <a:t>07/11/2017</a:t>
             </a:fld>
             <a:endParaRPr lang="en-GB"/>
           </a:p>
@@ -2517,7 +2517,7 @@
           <a:p>
             <a:fld id="{D3F618D5-3DB9-B146-87ED-A3BCB7C64B91}" type="datetimeFigureOut">
               <a:rPr lang="it-IT" smtClean="0"/>
-              <a:t>27/10/2017</a:t>
+              <a:t>07/11/2017</a:t>
             </a:fld>
             <a:endParaRPr lang="en-GB"/>
           </a:p>
@@ -2612,7 +2612,7 @@
           <a:p>
             <a:fld id="{D3F618D5-3DB9-B146-87ED-A3BCB7C64B91}" type="datetimeFigureOut">
               <a:rPr lang="it-IT" smtClean="0"/>
-              <a:t>27/10/2017</a:t>
+              <a:t>07/11/2017</a:t>
             </a:fld>
             <a:endParaRPr lang="en-GB"/>
           </a:p>
@@ -2889,7 +2889,7 @@
           <a:p>
             <a:fld id="{D3F618D5-3DB9-B146-87ED-A3BCB7C64B91}" type="datetimeFigureOut">
               <a:rPr lang="it-IT" smtClean="0"/>
-              <a:t>27/10/2017</a:t>
+              <a:t>07/11/2017</a:t>
             </a:fld>
             <a:endParaRPr lang="en-GB"/>
           </a:p>
@@ -3142,7 +3142,7 @@
           <a:p>
             <a:fld id="{D3F618D5-3DB9-B146-87ED-A3BCB7C64B91}" type="datetimeFigureOut">
               <a:rPr lang="it-IT" smtClean="0"/>
-              <a:t>27/10/2017</a:t>
+              <a:t>07/11/2017</a:t>
             </a:fld>
             <a:endParaRPr lang="en-GB"/>
           </a:p>
@@ -3355,7 +3355,7 @@
           <a:p>
             <a:fld id="{D3F618D5-3DB9-B146-87ED-A3BCB7C64B91}" type="datetimeFigureOut">
               <a:rPr lang="it-IT" smtClean="0"/>
-              <a:t>27/10/2017</a:t>
+              <a:t>07/11/2017</a:t>
             </a:fld>
             <a:endParaRPr lang="en-GB"/>
           </a:p>
@@ -3750,7 +3750,7 @@
           </a:ln>
           <a:extLst>
             <a:ext uri="{C572A759-6A51-4108-AA02-DFA0A04FC94B}">
-              <ma14:wrappingTextBoxFlag xmlns:ma14="http://schemas.microsoft.com/office/mac/drawingml/2011/main" xmlns="" val="1"/>
+              <ma14:wrappingTextBoxFlag xmlns="" xmlns:ma14="http://schemas.microsoft.com/office/mac/drawingml/2011/main" val="1"/>
             </a:ext>
           </a:extLst>
         </p:spPr>
@@ -3850,7 +3850,7 @@
           </a:ln>
           <a:extLst>
             <a:ext uri="{C572A759-6A51-4108-AA02-DFA0A04FC94B}">
-              <ma14:wrappingTextBoxFlag xmlns:ma14="http://schemas.microsoft.com/office/mac/drawingml/2011/main" xmlns="" val="1"/>
+              <ma14:wrappingTextBoxFlag xmlns="" xmlns:ma14="http://schemas.microsoft.com/office/mac/drawingml/2011/main" val="1"/>
             </a:ext>
           </a:extLst>
         </p:spPr>
@@ -4027,7 +4027,7 @@
           </a:ln>
           <a:extLst>
             <a:ext uri="{C572A759-6A51-4108-AA02-DFA0A04FC94B}">
-              <ma14:wrappingTextBoxFlag xmlns:ma14="http://schemas.microsoft.com/office/mac/drawingml/2011/main" xmlns="" val="1"/>
+              <ma14:wrappingTextBoxFlag xmlns="" xmlns:ma14="http://schemas.microsoft.com/office/mac/drawingml/2011/main" val="1"/>
             </a:ext>
           </a:extLst>
         </p:spPr>
@@ -4091,7 +4091,7 @@
           </a:ln>
           <a:extLst>
             <a:ext uri="{C572A759-6A51-4108-AA02-DFA0A04FC94B}">
-              <ma14:wrappingTextBoxFlag xmlns:ma14="http://schemas.microsoft.com/office/mac/drawingml/2011/main" xmlns="" val="1"/>
+              <ma14:wrappingTextBoxFlag xmlns="" xmlns:ma14="http://schemas.microsoft.com/office/mac/drawingml/2011/main" val="1"/>
             </a:ext>
           </a:extLst>
         </p:spPr>
@@ -4261,7 +4261,6 @@
               <a:rPr lang="it-IT" sz="2000" dirty="0" smtClean="0"/>
               <a:t>.</a:t>
             </a:r>
-            <a:endParaRPr lang="it-IT" sz="2000" dirty="0" smtClean="0"/>
           </a:p>
         </p:txBody>
       </p:sp>
@@ -4489,7 +4488,7 @@
           </a:ln>
           <a:extLst>
             <a:ext uri="{C572A759-6A51-4108-AA02-DFA0A04FC94B}">
-              <ma14:wrappingTextBoxFlag xmlns:ma14="http://schemas.microsoft.com/office/mac/drawingml/2011/main" xmlns="" val="1"/>
+              <ma14:wrappingTextBoxFlag xmlns="" xmlns:ma14="http://schemas.microsoft.com/office/mac/drawingml/2011/main" val="1"/>
             </a:ext>
           </a:extLst>
         </p:spPr>
@@ -4553,7 +4552,7 @@
           </a:ln>
           <a:extLst>
             <a:ext uri="{C572A759-6A51-4108-AA02-DFA0A04FC94B}">
-              <ma14:wrappingTextBoxFlag xmlns:ma14="http://schemas.microsoft.com/office/mac/drawingml/2011/main" xmlns="" val="1"/>
+              <ma14:wrappingTextBoxFlag xmlns="" xmlns:ma14="http://schemas.microsoft.com/office/mac/drawingml/2011/main" val="1"/>
             </a:ext>
           </a:extLst>
         </p:spPr>
@@ -4719,7 +4718,7 @@
           </a:ln>
           <a:extLst>
             <a:ext uri="{C572A759-6A51-4108-AA02-DFA0A04FC94B}">
-              <ma14:wrappingTextBoxFlag xmlns:ma14="http://schemas.microsoft.com/office/mac/drawingml/2011/main" xmlns="" val="1"/>
+              <ma14:wrappingTextBoxFlag xmlns="" xmlns:ma14="http://schemas.microsoft.com/office/mac/drawingml/2011/main" val="1"/>
             </a:ext>
           </a:extLst>
         </p:spPr>
@@ -4783,7 +4782,7 @@
           </a:ln>
           <a:extLst>
             <a:ext uri="{C572A759-6A51-4108-AA02-DFA0A04FC94B}">
-              <ma14:wrappingTextBoxFlag xmlns:ma14="http://schemas.microsoft.com/office/mac/drawingml/2011/main" xmlns="" val="1"/>
+              <ma14:wrappingTextBoxFlag xmlns="" xmlns:ma14="http://schemas.microsoft.com/office/mac/drawingml/2011/main" val="1"/>
             </a:ext>
           </a:extLst>
         </p:spPr>
@@ -5330,7 +5329,7 @@
           </a:ln>
           <a:extLst>
             <a:ext uri="{C572A759-6A51-4108-AA02-DFA0A04FC94B}">
-              <ma14:wrappingTextBoxFlag xmlns:ma14="http://schemas.microsoft.com/office/mac/drawingml/2011/main" xmlns="" val="1"/>
+              <ma14:wrappingTextBoxFlag xmlns="" xmlns:ma14="http://schemas.microsoft.com/office/mac/drawingml/2011/main" val="1"/>
             </a:ext>
           </a:extLst>
         </p:spPr>
@@ -5394,7 +5393,7 @@
           </a:ln>
           <a:extLst>
             <a:ext uri="{C572A759-6A51-4108-AA02-DFA0A04FC94B}">
-              <ma14:wrappingTextBoxFlag xmlns:ma14="http://schemas.microsoft.com/office/mac/drawingml/2011/main" xmlns="" val="1"/>
+              <ma14:wrappingTextBoxFlag xmlns="" xmlns:ma14="http://schemas.microsoft.com/office/mac/drawingml/2011/main" val="1"/>
             </a:ext>
           </a:extLst>
         </p:spPr>
@@ -5654,7 +5653,7 @@
           </a:ln>
           <a:extLst>
             <a:ext uri="{C572A759-6A51-4108-AA02-DFA0A04FC94B}">
-              <ma14:wrappingTextBoxFlag xmlns:ma14="http://schemas.microsoft.com/office/mac/drawingml/2011/main" xmlns="" val="1"/>
+              <ma14:wrappingTextBoxFlag xmlns="" xmlns:ma14="http://schemas.microsoft.com/office/mac/drawingml/2011/main" val="1"/>
             </a:ext>
           </a:extLst>
         </p:spPr>
@@ -5718,7 +5717,7 @@
           </a:ln>
           <a:extLst>
             <a:ext uri="{C572A759-6A51-4108-AA02-DFA0A04FC94B}">
-              <ma14:wrappingTextBoxFlag xmlns:ma14="http://schemas.microsoft.com/office/mac/drawingml/2011/main" xmlns="" val="1"/>
+              <ma14:wrappingTextBoxFlag xmlns="" xmlns:ma14="http://schemas.microsoft.com/office/mac/drawingml/2011/main" val="1"/>
             </a:ext>
           </a:extLst>
         </p:spPr>
@@ -5956,7 +5955,7 @@
           </a:ln>
           <a:extLst>
             <a:ext uri="{C572A759-6A51-4108-AA02-DFA0A04FC94B}">
-              <ma14:wrappingTextBoxFlag xmlns:ma14="http://schemas.microsoft.com/office/mac/drawingml/2011/main" xmlns="" val="1"/>
+              <ma14:wrappingTextBoxFlag xmlns="" xmlns:ma14="http://schemas.microsoft.com/office/mac/drawingml/2011/main" val="1"/>
             </a:ext>
           </a:extLst>
         </p:spPr>
@@ -6020,7 +6019,7 @@
           </a:ln>
           <a:extLst>
             <a:ext uri="{C572A759-6A51-4108-AA02-DFA0A04FC94B}">
-              <ma14:wrappingTextBoxFlag xmlns:ma14="http://schemas.microsoft.com/office/mac/drawingml/2011/main" xmlns="" val="1"/>
+              <ma14:wrappingTextBoxFlag xmlns="" xmlns:ma14="http://schemas.microsoft.com/office/mac/drawingml/2011/main" val="1"/>
             </a:ext>
           </a:extLst>
         </p:spPr>
@@ -6387,7 +6386,7 @@
           </a:ln>
           <a:extLst>
             <a:ext uri="{C572A759-6A51-4108-AA02-DFA0A04FC94B}">
-              <ma14:wrappingTextBoxFlag xmlns:ma14="http://schemas.microsoft.com/office/mac/drawingml/2011/main" xmlns="" val="1"/>
+              <ma14:wrappingTextBoxFlag xmlns="" xmlns:ma14="http://schemas.microsoft.com/office/mac/drawingml/2011/main" val="1"/>
             </a:ext>
           </a:extLst>
         </p:spPr>
@@ -6451,7 +6450,7 @@
           </a:ln>
           <a:extLst>
             <a:ext uri="{C572A759-6A51-4108-AA02-DFA0A04FC94B}">
-              <ma14:wrappingTextBoxFlag xmlns:ma14="http://schemas.microsoft.com/office/mac/drawingml/2011/main" xmlns="" val="1"/>
+              <ma14:wrappingTextBoxFlag xmlns="" xmlns:ma14="http://schemas.microsoft.com/office/mac/drawingml/2011/main" val="1"/>
             </a:ext>
           </a:extLst>
         </p:spPr>
@@ -6818,7 +6817,7 @@
           </a:ln>
           <a:extLst>
             <a:ext uri="{C572A759-6A51-4108-AA02-DFA0A04FC94B}">
-              <ma14:wrappingTextBoxFlag xmlns:ma14="http://schemas.microsoft.com/office/mac/drawingml/2011/main" xmlns="" val="1"/>
+              <ma14:wrappingTextBoxFlag xmlns="" xmlns:ma14="http://schemas.microsoft.com/office/mac/drawingml/2011/main" val="1"/>
             </a:ext>
           </a:extLst>
         </p:spPr>
@@ -6882,7 +6881,7 @@
           </a:ln>
           <a:extLst>
             <a:ext uri="{C572A759-6A51-4108-AA02-DFA0A04FC94B}">
-              <ma14:wrappingTextBoxFlag xmlns:ma14="http://schemas.microsoft.com/office/mac/drawingml/2011/main" xmlns="" val="1"/>
+              <ma14:wrappingTextBoxFlag xmlns="" xmlns:ma14="http://schemas.microsoft.com/office/mac/drawingml/2011/main" val="1"/>
             </a:ext>
           </a:extLst>
         </p:spPr>
@@ -7237,7 +7236,7 @@
           </a:ln>
           <a:extLst>
             <a:ext uri="{C572A759-6A51-4108-AA02-DFA0A04FC94B}">
-              <ma14:wrappingTextBoxFlag xmlns:ma14="http://schemas.microsoft.com/office/mac/drawingml/2011/main" xmlns="" val="1"/>
+              <ma14:wrappingTextBoxFlag xmlns="" xmlns:ma14="http://schemas.microsoft.com/office/mac/drawingml/2011/main" val="1"/>
             </a:ext>
           </a:extLst>
         </p:spPr>
@@ -7301,7 +7300,7 @@
           </a:ln>
           <a:extLst>
             <a:ext uri="{C572A759-6A51-4108-AA02-DFA0A04FC94B}">
-              <ma14:wrappingTextBoxFlag xmlns:ma14="http://schemas.microsoft.com/office/mac/drawingml/2011/main" xmlns="" val="1"/>
+              <ma14:wrappingTextBoxFlag xmlns="" xmlns:ma14="http://schemas.microsoft.com/office/mac/drawingml/2011/main" val="1"/>
             </a:ext>
           </a:extLst>
         </p:spPr>
@@ -7580,7 +7579,7 @@
           </a:ln>
           <a:extLst>
             <a:ext uri="{C572A759-6A51-4108-AA02-DFA0A04FC94B}">
-              <ma14:wrappingTextBoxFlag xmlns:ma14="http://schemas.microsoft.com/office/mac/drawingml/2011/main" xmlns="" val="1"/>
+              <ma14:wrappingTextBoxFlag xmlns="" xmlns:ma14="http://schemas.microsoft.com/office/mac/drawingml/2011/main" val="1"/>
             </a:ext>
           </a:extLst>
         </p:spPr>
@@ -7644,7 +7643,7 @@
           </a:ln>
           <a:extLst>
             <a:ext uri="{C572A759-6A51-4108-AA02-DFA0A04FC94B}">
-              <ma14:wrappingTextBoxFlag xmlns:ma14="http://schemas.microsoft.com/office/mac/drawingml/2011/main" xmlns="" val="1"/>
+              <ma14:wrappingTextBoxFlag xmlns="" xmlns:ma14="http://schemas.microsoft.com/office/mac/drawingml/2011/main" val="1"/>
             </a:ext>
           </a:extLst>
         </p:spPr>
@@ -7892,7 +7891,7 @@
           </a:ln>
           <a:extLst>
             <a:ext uri="{C572A759-6A51-4108-AA02-DFA0A04FC94B}">
-              <ma14:wrappingTextBoxFlag xmlns:ma14="http://schemas.microsoft.com/office/mac/drawingml/2011/main" xmlns="" val="1"/>
+              <ma14:wrappingTextBoxFlag xmlns="" xmlns:ma14="http://schemas.microsoft.com/office/mac/drawingml/2011/main" val="1"/>
             </a:ext>
           </a:extLst>
         </p:spPr>
@@ -7956,7 +7955,7 @@
           </a:ln>
           <a:extLst>
             <a:ext uri="{C572A759-6A51-4108-AA02-DFA0A04FC94B}">
-              <ma14:wrappingTextBoxFlag xmlns:ma14="http://schemas.microsoft.com/office/mac/drawingml/2011/main" xmlns="" val="1"/>
+              <ma14:wrappingTextBoxFlag xmlns="" xmlns:ma14="http://schemas.microsoft.com/office/mac/drawingml/2011/main" val="1"/>
             </a:ext>
           </a:extLst>
         </p:spPr>
@@ -8122,7 +8121,7 @@
           </a:ln>
           <a:extLst>
             <a:ext uri="{C572A759-6A51-4108-AA02-DFA0A04FC94B}">
-              <ma14:wrappingTextBoxFlag xmlns:ma14="http://schemas.microsoft.com/office/mac/drawingml/2011/main" xmlns="" val="1"/>
+              <ma14:wrappingTextBoxFlag xmlns="" xmlns:ma14="http://schemas.microsoft.com/office/mac/drawingml/2011/main" val="1"/>
             </a:ext>
           </a:extLst>
         </p:spPr>
@@ -8186,7 +8185,7 @@
           </a:ln>
           <a:extLst>
             <a:ext uri="{C572A759-6A51-4108-AA02-DFA0A04FC94B}">
-              <ma14:wrappingTextBoxFlag xmlns:ma14="http://schemas.microsoft.com/office/mac/drawingml/2011/main" xmlns="" val="1"/>
+              <ma14:wrappingTextBoxFlag xmlns="" xmlns:ma14="http://schemas.microsoft.com/office/mac/drawingml/2011/main" val="1"/>
             </a:ext>
           </a:extLst>
         </p:spPr>
@@ -8434,7 +8433,7 @@
           </a:ln>
           <a:extLst>
             <a:ext uri="{C572A759-6A51-4108-AA02-DFA0A04FC94B}">
-              <ma14:wrappingTextBoxFlag xmlns:ma14="http://schemas.microsoft.com/office/mac/drawingml/2011/main" xmlns="" val="1"/>
+              <ma14:wrappingTextBoxFlag xmlns="" xmlns:ma14="http://schemas.microsoft.com/office/mac/drawingml/2011/main" val="1"/>
             </a:ext>
           </a:extLst>
         </p:spPr>
@@ -8498,7 +8497,7 @@
           </a:ln>
           <a:extLst>
             <a:ext uri="{C572A759-6A51-4108-AA02-DFA0A04FC94B}">
-              <ma14:wrappingTextBoxFlag xmlns:ma14="http://schemas.microsoft.com/office/mac/drawingml/2011/main" xmlns="" val="1"/>
+              <ma14:wrappingTextBoxFlag xmlns="" xmlns:ma14="http://schemas.microsoft.com/office/mac/drawingml/2011/main" val="1"/>
             </a:ext>
           </a:extLst>
         </p:spPr>
@@ -8746,7 +8745,7 @@
           </a:ln>
           <a:extLst>
             <a:ext uri="{C572A759-6A51-4108-AA02-DFA0A04FC94B}">
-              <ma14:wrappingTextBoxFlag xmlns:ma14="http://schemas.microsoft.com/office/mac/drawingml/2011/main" xmlns="" val="1"/>
+              <ma14:wrappingTextBoxFlag xmlns="" xmlns:ma14="http://schemas.microsoft.com/office/mac/drawingml/2011/main" val="1"/>
             </a:ext>
           </a:extLst>
         </p:spPr>
@@ -8810,7 +8809,7 @@
           </a:ln>
           <a:extLst>
             <a:ext uri="{C572A759-6A51-4108-AA02-DFA0A04FC94B}">
-              <ma14:wrappingTextBoxFlag xmlns:ma14="http://schemas.microsoft.com/office/mac/drawingml/2011/main" xmlns="" val="1"/>
+              <ma14:wrappingTextBoxFlag xmlns="" xmlns:ma14="http://schemas.microsoft.com/office/mac/drawingml/2011/main" val="1"/>
             </a:ext>
           </a:extLst>
         </p:spPr>
@@ -9058,7 +9057,7 @@
           </a:ln>
           <a:extLst>
             <a:ext uri="{C572A759-6A51-4108-AA02-DFA0A04FC94B}">
-              <ma14:wrappingTextBoxFlag xmlns:ma14="http://schemas.microsoft.com/office/mac/drawingml/2011/main" xmlns="" val="1"/>
+              <ma14:wrappingTextBoxFlag xmlns="" xmlns:ma14="http://schemas.microsoft.com/office/mac/drawingml/2011/main" val="1"/>
             </a:ext>
           </a:extLst>
         </p:spPr>
@@ -9122,7 +9121,7 @@
           </a:ln>
           <a:extLst>
             <a:ext uri="{C572A759-6A51-4108-AA02-DFA0A04FC94B}">
-              <ma14:wrappingTextBoxFlag xmlns:ma14="http://schemas.microsoft.com/office/mac/drawingml/2011/main" xmlns="" val="1"/>
+              <ma14:wrappingTextBoxFlag xmlns="" xmlns:ma14="http://schemas.microsoft.com/office/mac/drawingml/2011/main" val="1"/>
             </a:ext>
           </a:extLst>
         </p:spPr>
@@ -9317,7 +9316,7 @@
           </a:ln>
           <a:extLst>
             <a:ext uri="{C572A759-6A51-4108-AA02-DFA0A04FC94B}">
-              <ma14:wrappingTextBoxFlag xmlns:ma14="http://schemas.microsoft.com/office/mac/drawingml/2011/main" xmlns="" val="1"/>
+              <ma14:wrappingTextBoxFlag xmlns="" xmlns:ma14="http://schemas.microsoft.com/office/mac/drawingml/2011/main" val="1"/>
             </a:ext>
           </a:extLst>
         </p:spPr>
@@ -9381,7 +9380,7 @@
           </a:ln>
           <a:extLst>
             <a:ext uri="{C572A759-6A51-4108-AA02-DFA0A04FC94B}">
-              <ma14:wrappingTextBoxFlag xmlns:ma14="http://schemas.microsoft.com/office/mac/drawingml/2011/main" xmlns="" val="1"/>
+              <ma14:wrappingTextBoxFlag xmlns="" xmlns:ma14="http://schemas.microsoft.com/office/mac/drawingml/2011/main" val="1"/>
             </a:ext>
           </a:extLst>
         </p:spPr>
@@ -9856,7 +9855,7 @@
           </a:ln>
           <a:extLst>
             <a:ext uri="{C572A759-6A51-4108-AA02-DFA0A04FC94B}">
-              <ma14:wrappingTextBoxFlag xmlns:ma14="http://schemas.microsoft.com/office/mac/drawingml/2011/main" xmlns="" val="1"/>
+              <ma14:wrappingTextBoxFlag xmlns="" xmlns:ma14="http://schemas.microsoft.com/office/mac/drawingml/2011/main" val="1"/>
             </a:ext>
           </a:extLst>
         </p:spPr>
@@ -9920,7 +9919,7 @@
           </a:ln>
           <a:extLst>
             <a:ext uri="{C572A759-6A51-4108-AA02-DFA0A04FC94B}">
-              <ma14:wrappingTextBoxFlag xmlns:ma14="http://schemas.microsoft.com/office/mac/drawingml/2011/main" xmlns="" val="1"/>
+              <ma14:wrappingTextBoxFlag xmlns="" xmlns:ma14="http://schemas.microsoft.com/office/mac/drawingml/2011/main" val="1"/>
             </a:ext>
           </a:extLst>
         </p:spPr>
@@ -10190,7 +10189,7 @@
           </a:ln>
           <a:extLst>
             <a:ext uri="{C572A759-6A51-4108-AA02-DFA0A04FC94B}">
-              <ma14:wrappingTextBoxFlag xmlns:ma14="http://schemas.microsoft.com/office/mac/drawingml/2011/main" xmlns="" val="1"/>
+              <ma14:wrappingTextBoxFlag xmlns="" xmlns:ma14="http://schemas.microsoft.com/office/mac/drawingml/2011/main" val="1"/>
             </a:ext>
           </a:extLst>
         </p:spPr>
@@ -10254,7 +10253,7 @@
           </a:ln>
           <a:extLst>
             <a:ext uri="{C572A759-6A51-4108-AA02-DFA0A04FC94B}">
-              <ma14:wrappingTextBoxFlag xmlns:ma14="http://schemas.microsoft.com/office/mac/drawingml/2011/main" xmlns="" val="1"/>
+              <ma14:wrappingTextBoxFlag xmlns="" xmlns:ma14="http://schemas.microsoft.com/office/mac/drawingml/2011/main" val="1"/>
             </a:ext>
           </a:extLst>
         </p:spPr>
@@ -10597,7 +10596,7 @@
           </a:ln>
           <a:extLst>
             <a:ext uri="{C572A759-6A51-4108-AA02-DFA0A04FC94B}">
-              <ma14:wrappingTextBoxFlag xmlns:ma14="http://schemas.microsoft.com/office/mac/drawingml/2011/main" xmlns="" val="1"/>
+              <ma14:wrappingTextBoxFlag xmlns="" xmlns:ma14="http://schemas.microsoft.com/office/mac/drawingml/2011/main" val="1"/>
             </a:ext>
           </a:extLst>
         </p:spPr>
@@ -10661,7 +10660,7 @@
           </a:ln>
           <a:extLst>
             <a:ext uri="{C572A759-6A51-4108-AA02-DFA0A04FC94B}">
-              <ma14:wrappingTextBoxFlag xmlns:ma14="http://schemas.microsoft.com/office/mac/drawingml/2011/main" xmlns="" val="1"/>
+              <ma14:wrappingTextBoxFlag xmlns="" xmlns:ma14="http://schemas.microsoft.com/office/mac/drawingml/2011/main" val="1"/>
             </a:ext>
           </a:extLst>
         </p:spPr>
@@ -11003,7 +11002,7 @@
           </a:ln>
           <a:extLst>
             <a:ext uri="{C572A759-6A51-4108-AA02-DFA0A04FC94B}">
-              <ma14:wrappingTextBoxFlag xmlns:ma14="http://schemas.microsoft.com/office/mac/drawingml/2011/main" xmlns="" val="1"/>
+              <ma14:wrappingTextBoxFlag xmlns="" xmlns:ma14="http://schemas.microsoft.com/office/mac/drawingml/2011/main" val="1"/>
             </a:ext>
           </a:extLst>
         </p:spPr>
@@ -11067,7 +11066,7 @@
           </a:ln>
           <a:extLst>
             <a:ext uri="{C572A759-6A51-4108-AA02-DFA0A04FC94B}">
-              <ma14:wrappingTextBoxFlag xmlns:ma14="http://schemas.microsoft.com/office/mac/drawingml/2011/main" xmlns="" val="1"/>
+              <ma14:wrappingTextBoxFlag xmlns="" xmlns:ma14="http://schemas.microsoft.com/office/mac/drawingml/2011/main" val="1"/>
             </a:ext>
           </a:extLst>
         </p:spPr>
@@ -11738,7 +11737,7 @@
           </a:ln>
           <a:extLst>
             <a:ext uri="{C572A759-6A51-4108-AA02-DFA0A04FC94B}">
-              <ma14:wrappingTextBoxFlag xmlns:ma14="http://schemas.microsoft.com/office/mac/drawingml/2011/main" xmlns="" val="1"/>
+              <ma14:wrappingTextBoxFlag xmlns="" xmlns:ma14="http://schemas.microsoft.com/office/mac/drawingml/2011/main" val="1"/>
             </a:ext>
           </a:extLst>
         </p:spPr>
@@ -11802,7 +11801,7 @@
           </a:ln>
           <a:extLst>
             <a:ext uri="{C572A759-6A51-4108-AA02-DFA0A04FC94B}">
-              <ma14:wrappingTextBoxFlag xmlns:ma14="http://schemas.microsoft.com/office/mac/drawingml/2011/main" xmlns="" val="1"/>
+              <ma14:wrappingTextBoxFlag xmlns="" xmlns:ma14="http://schemas.microsoft.com/office/mac/drawingml/2011/main" val="1"/>
             </a:ext>
           </a:extLst>
         </p:spPr>
@@ -12417,7 +12416,7 @@
           </a:ln>
           <a:extLst>
             <a:ext uri="{C572A759-6A51-4108-AA02-DFA0A04FC94B}">
-              <ma14:wrappingTextBoxFlag xmlns:ma14="http://schemas.microsoft.com/office/mac/drawingml/2011/main" xmlns="" val="1"/>
+              <ma14:wrappingTextBoxFlag xmlns="" xmlns:ma14="http://schemas.microsoft.com/office/mac/drawingml/2011/main" val="1"/>
             </a:ext>
           </a:extLst>
         </p:spPr>
@@ -12481,7 +12480,7 @@
           </a:ln>
           <a:extLst>
             <a:ext uri="{C572A759-6A51-4108-AA02-DFA0A04FC94B}">
-              <ma14:wrappingTextBoxFlag xmlns:ma14="http://schemas.microsoft.com/office/mac/drawingml/2011/main" xmlns="" val="1"/>
+              <ma14:wrappingTextBoxFlag xmlns="" xmlns:ma14="http://schemas.microsoft.com/office/mac/drawingml/2011/main" val="1"/>
             </a:ext>
           </a:extLst>
         </p:spPr>
@@ -12929,7 +12928,7 @@
           </a:prstGeom>
           <a:extLst>
             <a:ext uri="{C572A759-6A51-4108-AA02-DFA0A04FC94B}">
-              <ma14:wrappingTextBoxFlag xmlns:ma14="http://schemas.microsoft.com/office/mac/drawingml/2011/main" xmlns="" val="1"/>
+              <ma14:wrappingTextBoxFlag xmlns="" xmlns:ma14="http://schemas.microsoft.com/office/mac/drawingml/2011/main" val="1"/>
             </a:ext>
           </a:extLst>
         </p:spPr>
@@ -12963,7 +12962,7 @@
           </a:ln>
           <a:extLst>
             <a:ext uri="{C572A759-6A51-4108-AA02-DFA0A04FC94B}">
-              <ma14:wrappingTextBoxFlag xmlns:ma14="http://schemas.microsoft.com/office/mac/drawingml/2011/main" xmlns="" val="1"/>
+              <ma14:wrappingTextBoxFlag xmlns="" xmlns:ma14="http://schemas.microsoft.com/office/mac/drawingml/2011/main" val="1"/>
             </a:ext>
           </a:extLst>
         </p:spPr>
@@ -13029,7 +13028,7 @@
           </a:ln>
           <a:extLst>
             <a:ext uri="{C572A759-6A51-4108-AA02-DFA0A04FC94B}">
-              <ma14:wrappingTextBoxFlag xmlns:ma14="http://schemas.microsoft.com/office/mac/drawingml/2011/main" xmlns="" val="1"/>
+              <ma14:wrappingTextBoxFlag xmlns="" xmlns:ma14="http://schemas.microsoft.com/office/mac/drawingml/2011/main" val="1"/>
             </a:ext>
           </a:extLst>
         </p:spPr>
@@ -13088,7 +13087,7 @@
           </a:ln>
           <a:extLst>
             <a:ext uri="{C572A759-6A51-4108-AA02-DFA0A04FC94B}">
-              <ma14:wrappingTextBoxFlag xmlns:ma14="http://schemas.microsoft.com/office/mac/drawingml/2011/main" xmlns="" val="1"/>
+              <ma14:wrappingTextBoxFlag xmlns="" xmlns:ma14="http://schemas.microsoft.com/office/mac/drawingml/2011/main" val="1"/>
             </a:ext>
           </a:extLst>
         </p:spPr>
@@ -13193,7 +13192,7 @@
           </a:ln>
           <a:extLst>
             <a:ext uri="{C572A759-6A51-4108-AA02-DFA0A04FC94B}">
-              <ma14:wrappingTextBoxFlag xmlns:ma14="http://schemas.microsoft.com/office/mac/drawingml/2011/main" xmlns="" val="1"/>
+              <ma14:wrappingTextBoxFlag xmlns="" xmlns:ma14="http://schemas.microsoft.com/office/mac/drawingml/2011/main" val="1"/>
             </a:ext>
           </a:extLst>
         </p:spPr>
@@ -13257,7 +13256,7 @@
           </a:ln>
           <a:extLst>
             <a:ext uri="{C572A759-6A51-4108-AA02-DFA0A04FC94B}">
-              <ma14:wrappingTextBoxFlag xmlns:ma14="http://schemas.microsoft.com/office/mac/drawingml/2011/main" xmlns="" val="1"/>
+              <ma14:wrappingTextBoxFlag xmlns="" xmlns:ma14="http://schemas.microsoft.com/office/mac/drawingml/2011/main" val="1"/>
             </a:ext>
           </a:extLst>
         </p:spPr>
@@ -13441,7 +13440,7 @@
           </a:ln>
           <a:extLst>
             <a:ext uri="{C572A759-6A51-4108-AA02-DFA0A04FC94B}">
-              <ma14:wrappingTextBoxFlag xmlns:ma14="http://schemas.microsoft.com/office/mac/drawingml/2011/main" xmlns="" val="1"/>
+              <ma14:wrappingTextBoxFlag xmlns="" xmlns:ma14="http://schemas.microsoft.com/office/mac/drawingml/2011/main" val="1"/>
             </a:ext>
           </a:extLst>
         </p:spPr>
@@ -13505,7 +13504,7 @@
           </a:ln>
           <a:extLst>
             <a:ext uri="{C572A759-6A51-4108-AA02-DFA0A04FC94B}">
-              <ma14:wrappingTextBoxFlag xmlns:ma14="http://schemas.microsoft.com/office/mac/drawingml/2011/main" xmlns="" val="1"/>
+              <ma14:wrappingTextBoxFlag xmlns="" xmlns:ma14="http://schemas.microsoft.com/office/mac/drawingml/2011/main" val="1"/>
             </a:ext>
           </a:extLst>
         </p:spPr>
@@ -13585,15 +13584,7 @@
             <a:pPr algn="ctr"/>
             <a:r>
               <a:rPr lang="it-IT" sz="2000" dirty="0" smtClean="0"/>
-              <a:t> </a:t>
-            </a:r>
-            <a:r>
-              <a:rPr lang="it-IT" sz="2000" dirty="0" smtClean="0"/>
-              <a:t>PARAMETERS </a:t>
-            </a:r>
-            <a:r>
-              <a:rPr lang="it-IT" sz="2000" dirty="0" smtClean="0"/>
-              <a:t>OF SWRC MODEL </a:t>
+              <a:t> PARAMETERS OF SWRC MODEL </a:t>
             </a:r>
             <a:r>
               <a:rPr lang="en-GB" sz="2000" dirty="0" smtClean="0"/>
@@ -13690,7 +13681,7 @@
           </a:ln>
           <a:extLst>
             <a:ext uri="{C572A759-6A51-4108-AA02-DFA0A04FC94B}">
-              <ma14:wrappingTextBoxFlag xmlns:ma14="http://schemas.microsoft.com/office/mac/drawingml/2011/main" xmlns="" val="1"/>
+              <ma14:wrappingTextBoxFlag xmlns="" xmlns:ma14="http://schemas.microsoft.com/office/mac/drawingml/2011/main" val="1"/>
             </a:ext>
           </a:extLst>
         </p:spPr>
@@ -13754,7 +13745,7 @@
           </a:ln>
           <a:extLst>
             <a:ext uri="{C572A759-6A51-4108-AA02-DFA0A04FC94B}">
-              <ma14:wrappingTextBoxFlag xmlns:ma14="http://schemas.microsoft.com/office/mac/drawingml/2011/main" xmlns="" val="1"/>
+              <ma14:wrappingTextBoxFlag xmlns="" xmlns:ma14="http://schemas.microsoft.com/office/mac/drawingml/2011/main" val="1"/>
             </a:ext>
           </a:extLst>
         </p:spPr>
@@ -13931,7 +13922,7 @@
           </a:ln>
           <a:extLst>
             <a:ext uri="{C572A759-6A51-4108-AA02-DFA0A04FC94B}">
-              <ma14:wrappingTextBoxFlag xmlns:ma14="http://schemas.microsoft.com/office/mac/drawingml/2011/main" xmlns="" val="1"/>
+              <ma14:wrappingTextBoxFlag xmlns="" xmlns:ma14="http://schemas.microsoft.com/office/mac/drawingml/2011/main" val="1"/>
             </a:ext>
           </a:extLst>
         </p:spPr>
@@ -13995,7 +13986,7 @@
           </a:ln>
           <a:extLst>
             <a:ext uri="{C572A759-6A51-4108-AA02-DFA0A04FC94B}">
-              <ma14:wrappingTextBoxFlag xmlns:ma14="http://schemas.microsoft.com/office/mac/drawingml/2011/main" xmlns="" val="1"/>
+              <ma14:wrappingTextBoxFlag xmlns="" xmlns:ma14="http://schemas.microsoft.com/office/mac/drawingml/2011/main" val="1"/>
             </a:ext>
           </a:extLst>
         </p:spPr>
@@ -14192,19 +14183,7 @@
           <a:p>
             <a:r>
               <a:rPr lang="it-IT" sz="2000" dirty="0" smtClean="0"/>
-              <a:t>RAINFALL HEIGTH  </a:t>
-            </a:r>
-            <a:r>
-              <a:rPr lang="it-IT" sz="2000" dirty="0" smtClean="0"/>
-              <a:t>HAS </a:t>
-            </a:r>
-            <a:r>
-              <a:rPr lang="it-IT" sz="2000" dirty="0" smtClean="0"/>
-              <a:t>TO BE EXPRESSED IN [mm</a:t>
-            </a:r>
-            <a:r>
-              <a:rPr lang="it-IT" sz="2000" dirty="0" smtClean="0"/>
-              <a:t>]</a:t>
+              <a:t>RAINFALL HEIGTH  HAS TO BE EXPRESSED IN [mm]</a:t>
             </a:r>
           </a:p>
           <a:p>
@@ -14306,7 +14285,7 @@
           </a:ln>
           <a:extLst>
             <a:ext uri="{C572A759-6A51-4108-AA02-DFA0A04FC94B}">
-              <ma14:wrappingTextBoxFlag xmlns:ma14="http://schemas.microsoft.com/office/mac/drawingml/2011/main" xmlns="" val="1"/>
+              <ma14:wrappingTextBoxFlag xmlns="" xmlns:ma14="http://schemas.microsoft.com/office/mac/drawingml/2011/main" val="1"/>
             </a:ext>
           </a:extLst>
         </p:spPr>
@@ -14370,7 +14349,7 @@
           </a:ln>
           <a:extLst>
             <a:ext uri="{C572A759-6A51-4108-AA02-DFA0A04FC94B}">
-              <ma14:wrappingTextBoxFlag xmlns:ma14="http://schemas.microsoft.com/office/mac/drawingml/2011/main" xmlns="" val="1"/>
+              <ma14:wrappingTextBoxFlag xmlns="" xmlns:ma14="http://schemas.microsoft.com/office/mac/drawingml/2011/main" val="1"/>
             </a:ext>
           </a:extLst>
         </p:spPr>
@@ -14536,7 +14515,7 @@
         </p:nvSpPr>
         <p:spPr>
           <a:xfrm>
-            <a:off x="781840" y="4890084"/>
+            <a:off x="781840" y="5284522"/>
             <a:ext cx="7580318" cy="400110"/>
           </a:xfrm>
           <a:prstGeom prst="rect">
@@ -14560,7 +14539,7 @@
       </p:sp>
       <p:pic>
         <p:nvPicPr>
-          <p:cNvPr id="7" name="Immagine 6"/>
+          <p:cNvPr id="3" name="Immagine 2"/>
           <p:cNvPicPr>
             <a:picLocks noChangeAspect="1"/>
           </p:cNvPicPr>
@@ -14580,8 +14559,8 @@
         </p:blipFill>
         <p:spPr>
           <a:xfrm>
-            <a:off x="498100" y="2933629"/>
-            <a:ext cx="7426531" cy="1566651"/>
+            <a:off x="897643" y="2882896"/>
+            <a:ext cx="7456854" cy="2132691"/>
           </a:xfrm>
           <a:prstGeom prst="rect">
             <a:avLst/>
@@ -14645,7 +14624,7 @@
           </a:ln>
           <a:extLst>
             <a:ext uri="{C572A759-6A51-4108-AA02-DFA0A04FC94B}">
-              <ma14:wrappingTextBoxFlag xmlns:ma14="http://schemas.microsoft.com/office/mac/drawingml/2011/main" xmlns="" val="1"/>
+              <ma14:wrappingTextBoxFlag xmlns="" xmlns:ma14="http://schemas.microsoft.com/office/mac/drawingml/2011/main" val="1"/>
             </a:ext>
           </a:extLst>
         </p:spPr>
@@ -14709,7 +14688,7 @@
           </a:ln>
           <a:extLst>
             <a:ext uri="{C572A759-6A51-4108-AA02-DFA0A04FC94B}">
-              <ma14:wrappingTextBoxFlag xmlns:ma14="http://schemas.microsoft.com/office/mac/drawingml/2011/main" xmlns="" val="1"/>
+              <ma14:wrappingTextBoxFlag xmlns="" xmlns:ma14="http://schemas.microsoft.com/office/mac/drawingml/2011/main" val="1"/>
             </a:ext>
           </a:extLst>
         </p:spPr>

--- a/Materials/Richards_English.pptx
+++ b/Materials/Richards_English.pptx
@@ -221,7 +221,7 @@
           <a:p>
             <a:fld id="{4D0C6883-54F1-064A-A731-D2789FFABA37}" type="datetimeFigureOut">
               <a:rPr lang="it-IT" smtClean="0"/>
-              <a:t>07/11/2017</a:t>
+              <a:t>08/11/2017</a:t>
             </a:fld>
             <a:endParaRPr lang="en-GB"/>
           </a:p>
@@ -670,7 +670,7 @@
           <a:p>
             <a:fld id="{D3F618D5-3DB9-B146-87ED-A3BCB7C64B91}" type="datetimeFigureOut">
               <a:rPr lang="it-IT" smtClean="0"/>
-              <a:t>07/11/2017</a:t>
+              <a:t>08/11/2017</a:t>
             </a:fld>
             <a:endParaRPr lang="en-GB"/>
           </a:p>
@@ -840,7 +840,7 @@
           <a:p>
             <a:fld id="{D3F618D5-3DB9-B146-87ED-A3BCB7C64B91}" type="datetimeFigureOut">
               <a:rPr lang="it-IT" smtClean="0"/>
-              <a:t>07/11/2017</a:t>
+              <a:t>08/11/2017</a:t>
             </a:fld>
             <a:endParaRPr lang="en-GB"/>
           </a:p>
@@ -1020,7 +1020,7 @@
           <a:p>
             <a:fld id="{D3F618D5-3DB9-B146-87ED-A3BCB7C64B91}" type="datetimeFigureOut">
               <a:rPr lang="it-IT" smtClean="0"/>
-              <a:t>07/11/2017</a:t>
+              <a:t>08/11/2017</a:t>
             </a:fld>
             <a:endParaRPr lang="en-GB"/>
           </a:p>
@@ -1226,7 +1226,7 @@
           </a:ln>
           <a:extLst>
             <a:ext uri="{C572A759-6A51-4108-AA02-DFA0A04FC94B}">
-              <ma14:wrappingTextBoxFlag xmlns="" xmlns:ma14="http://schemas.microsoft.com/office/mac/drawingml/2011/main" val="1"/>
+              <ma14:wrappingTextBoxFlag xmlns:ma14="http://schemas.microsoft.com/office/mac/drawingml/2011/main" xmlns="" val="1"/>
             </a:ext>
           </a:extLst>
         </p:spPr>
@@ -1443,7 +1443,7 @@
           <a:p>
             <a:fld id="{D3F618D5-3DB9-B146-87ED-A3BCB7C64B91}" type="datetimeFigureOut">
               <a:rPr lang="it-IT" smtClean="0"/>
-              <a:t>07/11/2017</a:t>
+              <a:t>08/11/2017</a:t>
             </a:fld>
             <a:endParaRPr lang="en-GB"/>
           </a:p>
@@ -1689,7 +1689,7 @@
           <a:p>
             <a:fld id="{D3F618D5-3DB9-B146-87ED-A3BCB7C64B91}" type="datetimeFigureOut">
               <a:rPr lang="it-IT" smtClean="0"/>
-              <a:t>07/11/2017</a:t>
+              <a:t>08/11/2017</a:t>
             </a:fld>
             <a:endParaRPr lang="en-GB"/>
           </a:p>
@@ -1977,7 +1977,7 @@
           <a:p>
             <a:fld id="{D3F618D5-3DB9-B146-87ED-A3BCB7C64B91}" type="datetimeFigureOut">
               <a:rPr lang="it-IT" smtClean="0"/>
-              <a:t>07/11/2017</a:t>
+              <a:t>08/11/2017</a:t>
             </a:fld>
             <a:endParaRPr lang="en-GB"/>
           </a:p>
@@ -2399,7 +2399,7 @@
           <a:p>
             <a:fld id="{D3F618D5-3DB9-B146-87ED-A3BCB7C64B91}" type="datetimeFigureOut">
               <a:rPr lang="it-IT" smtClean="0"/>
-              <a:t>07/11/2017</a:t>
+              <a:t>08/11/2017</a:t>
             </a:fld>
             <a:endParaRPr lang="en-GB"/>
           </a:p>
@@ -2517,7 +2517,7 @@
           <a:p>
             <a:fld id="{D3F618D5-3DB9-B146-87ED-A3BCB7C64B91}" type="datetimeFigureOut">
               <a:rPr lang="it-IT" smtClean="0"/>
-              <a:t>07/11/2017</a:t>
+              <a:t>08/11/2017</a:t>
             </a:fld>
             <a:endParaRPr lang="en-GB"/>
           </a:p>
@@ -2612,7 +2612,7 @@
           <a:p>
             <a:fld id="{D3F618D5-3DB9-B146-87ED-A3BCB7C64B91}" type="datetimeFigureOut">
               <a:rPr lang="it-IT" smtClean="0"/>
-              <a:t>07/11/2017</a:t>
+              <a:t>08/11/2017</a:t>
             </a:fld>
             <a:endParaRPr lang="en-GB"/>
           </a:p>
@@ -2889,7 +2889,7 @@
           <a:p>
             <a:fld id="{D3F618D5-3DB9-B146-87ED-A3BCB7C64B91}" type="datetimeFigureOut">
               <a:rPr lang="it-IT" smtClean="0"/>
-              <a:t>07/11/2017</a:t>
+              <a:t>08/11/2017</a:t>
             </a:fld>
             <a:endParaRPr lang="en-GB"/>
           </a:p>
@@ -3142,7 +3142,7 @@
           <a:p>
             <a:fld id="{D3F618D5-3DB9-B146-87ED-A3BCB7C64B91}" type="datetimeFigureOut">
               <a:rPr lang="it-IT" smtClean="0"/>
-              <a:t>07/11/2017</a:t>
+              <a:t>08/11/2017</a:t>
             </a:fld>
             <a:endParaRPr lang="en-GB"/>
           </a:p>
@@ -3355,7 +3355,7 @@
           <a:p>
             <a:fld id="{D3F618D5-3DB9-B146-87ED-A3BCB7C64B91}" type="datetimeFigureOut">
               <a:rPr lang="it-IT" smtClean="0"/>
-              <a:t>07/11/2017</a:t>
+              <a:t>08/11/2017</a:t>
             </a:fld>
             <a:endParaRPr lang="en-GB"/>
           </a:p>
@@ -3750,7 +3750,7 @@
           </a:ln>
           <a:extLst>
             <a:ext uri="{C572A759-6A51-4108-AA02-DFA0A04FC94B}">
-              <ma14:wrappingTextBoxFlag xmlns="" xmlns:ma14="http://schemas.microsoft.com/office/mac/drawingml/2011/main" val="1"/>
+              <ma14:wrappingTextBoxFlag xmlns:ma14="http://schemas.microsoft.com/office/mac/drawingml/2011/main" xmlns="" val="1"/>
             </a:ext>
           </a:extLst>
         </p:spPr>
@@ -3850,7 +3850,7 @@
           </a:ln>
           <a:extLst>
             <a:ext uri="{C572A759-6A51-4108-AA02-DFA0A04FC94B}">
-              <ma14:wrappingTextBoxFlag xmlns="" xmlns:ma14="http://schemas.microsoft.com/office/mac/drawingml/2011/main" val="1"/>
+              <ma14:wrappingTextBoxFlag xmlns:ma14="http://schemas.microsoft.com/office/mac/drawingml/2011/main" xmlns="" val="1"/>
             </a:ext>
           </a:extLst>
         </p:spPr>
@@ -4027,7 +4027,7 @@
           </a:ln>
           <a:extLst>
             <a:ext uri="{C572A759-6A51-4108-AA02-DFA0A04FC94B}">
-              <ma14:wrappingTextBoxFlag xmlns="" xmlns:ma14="http://schemas.microsoft.com/office/mac/drawingml/2011/main" val="1"/>
+              <ma14:wrappingTextBoxFlag xmlns:ma14="http://schemas.microsoft.com/office/mac/drawingml/2011/main" xmlns="" val="1"/>
             </a:ext>
           </a:extLst>
         </p:spPr>
@@ -4091,7 +4091,7 @@
           </a:ln>
           <a:extLst>
             <a:ext uri="{C572A759-6A51-4108-AA02-DFA0A04FC94B}">
-              <ma14:wrappingTextBoxFlag xmlns="" xmlns:ma14="http://schemas.microsoft.com/office/mac/drawingml/2011/main" val="1"/>
+              <ma14:wrappingTextBoxFlag xmlns:ma14="http://schemas.microsoft.com/office/mac/drawingml/2011/main" xmlns="" val="1"/>
             </a:ext>
           </a:extLst>
         </p:spPr>
@@ -4488,7 +4488,7 @@
           </a:ln>
           <a:extLst>
             <a:ext uri="{C572A759-6A51-4108-AA02-DFA0A04FC94B}">
-              <ma14:wrappingTextBoxFlag xmlns="" xmlns:ma14="http://schemas.microsoft.com/office/mac/drawingml/2011/main" val="1"/>
+              <ma14:wrappingTextBoxFlag xmlns:ma14="http://schemas.microsoft.com/office/mac/drawingml/2011/main" xmlns="" val="1"/>
             </a:ext>
           </a:extLst>
         </p:spPr>
@@ -4552,7 +4552,7 @@
           </a:ln>
           <a:extLst>
             <a:ext uri="{C572A759-6A51-4108-AA02-DFA0A04FC94B}">
-              <ma14:wrappingTextBoxFlag xmlns="" xmlns:ma14="http://schemas.microsoft.com/office/mac/drawingml/2011/main" val="1"/>
+              <ma14:wrappingTextBoxFlag xmlns:ma14="http://schemas.microsoft.com/office/mac/drawingml/2011/main" xmlns="" val="1"/>
             </a:ext>
           </a:extLst>
         </p:spPr>
@@ -4718,7 +4718,7 @@
           </a:ln>
           <a:extLst>
             <a:ext uri="{C572A759-6A51-4108-AA02-DFA0A04FC94B}">
-              <ma14:wrappingTextBoxFlag xmlns="" xmlns:ma14="http://schemas.microsoft.com/office/mac/drawingml/2011/main" val="1"/>
+              <ma14:wrappingTextBoxFlag xmlns:ma14="http://schemas.microsoft.com/office/mac/drawingml/2011/main" xmlns="" val="1"/>
             </a:ext>
           </a:extLst>
         </p:spPr>
@@ -4782,7 +4782,7 @@
           </a:ln>
           <a:extLst>
             <a:ext uri="{C572A759-6A51-4108-AA02-DFA0A04FC94B}">
-              <ma14:wrappingTextBoxFlag xmlns="" xmlns:ma14="http://schemas.microsoft.com/office/mac/drawingml/2011/main" val="1"/>
+              <ma14:wrappingTextBoxFlag xmlns:ma14="http://schemas.microsoft.com/office/mac/drawingml/2011/main" xmlns="" val="1"/>
             </a:ext>
           </a:extLst>
         </p:spPr>
@@ -5329,7 +5329,7 @@
           </a:ln>
           <a:extLst>
             <a:ext uri="{C572A759-6A51-4108-AA02-DFA0A04FC94B}">
-              <ma14:wrappingTextBoxFlag xmlns="" xmlns:ma14="http://schemas.microsoft.com/office/mac/drawingml/2011/main" val="1"/>
+              <ma14:wrappingTextBoxFlag xmlns:ma14="http://schemas.microsoft.com/office/mac/drawingml/2011/main" xmlns="" val="1"/>
             </a:ext>
           </a:extLst>
         </p:spPr>
@@ -5393,7 +5393,7 @@
           </a:ln>
           <a:extLst>
             <a:ext uri="{C572A759-6A51-4108-AA02-DFA0A04FC94B}">
-              <ma14:wrappingTextBoxFlag xmlns="" xmlns:ma14="http://schemas.microsoft.com/office/mac/drawingml/2011/main" val="1"/>
+              <ma14:wrappingTextBoxFlag xmlns:ma14="http://schemas.microsoft.com/office/mac/drawingml/2011/main" xmlns="" val="1"/>
             </a:ext>
           </a:extLst>
         </p:spPr>
@@ -5653,7 +5653,7 @@
           </a:ln>
           <a:extLst>
             <a:ext uri="{C572A759-6A51-4108-AA02-DFA0A04FC94B}">
-              <ma14:wrappingTextBoxFlag xmlns="" xmlns:ma14="http://schemas.microsoft.com/office/mac/drawingml/2011/main" val="1"/>
+              <ma14:wrappingTextBoxFlag xmlns:ma14="http://schemas.microsoft.com/office/mac/drawingml/2011/main" xmlns="" val="1"/>
             </a:ext>
           </a:extLst>
         </p:spPr>
@@ -5717,7 +5717,7 @@
           </a:ln>
           <a:extLst>
             <a:ext uri="{C572A759-6A51-4108-AA02-DFA0A04FC94B}">
-              <ma14:wrappingTextBoxFlag xmlns="" xmlns:ma14="http://schemas.microsoft.com/office/mac/drawingml/2011/main" val="1"/>
+              <ma14:wrappingTextBoxFlag xmlns:ma14="http://schemas.microsoft.com/office/mac/drawingml/2011/main" xmlns="" val="1"/>
             </a:ext>
           </a:extLst>
         </p:spPr>
@@ -5955,7 +5955,7 @@
           </a:ln>
           <a:extLst>
             <a:ext uri="{C572A759-6A51-4108-AA02-DFA0A04FC94B}">
-              <ma14:wrappingTextBoxFlag xmlns="" xmlns:ma14="http://schemas.microsoft.com/office/mac/drawingml/2011/main" val="1"/>
+              <ma14:wrappingTextBoxFlag xmlns:ma14="http://schemas.microsoft.com/office/mac/drawingml/2011/main" xmlns="" val="1"/>
             </a:ext>
           </a:extLst>
         </p:spPr>
@@ -6019,7 +6019,7 @@
           </a:ln>
           <a:extLst>
             <a:ext uri="{C572A759-6A51-4108-AA02-DFA0A04FC94B}">
-              <ma14:wrappingTextBoxFlag xmlns="" xmlns:ma14="http://schemas.microsoft.com/office/mac/drawingml/2011/main" val="1"/>
+              <ma14:wrappingTextBoxFlag xmlns:ma14="http://schemas.microsoft.com/office/mac/drawingml/2011/main" xmlns="" val="1"/>
             </a:ext>
           </a:extLst>
         </p:spPr>
@@ -6386,7 +6386,7 @@
           </a:ln>
           <a:extLst>
             <a:ext uri="{C572A759-6A51-4108-AA02-DFA0A04FC94B}">
-              <ma14:wrappingTextBoxFlag xmlns="" xmlns:ma14="http://schemas.microsoft.com/office/mac/drawingml/2011/main" val="1"/>
+              <ma14:wrappingTextBoxFlag xmlns:ma14="http://schemas.microsoft.com/office/mac/drawingml/2011/main" xmlns="" val="1"/>
             </a:ext>
           </a:extLst>
         </p:spPr>
@@ -6450,7 +6450,7 @@
           </a:ln>
           <a:extLst>
             <a:ext uri="{C572A759-6A51-4108-AA02-DFA0A04FC94B}">
-              <ma14:wrappingTextBoxFlag xmlns="" xmlns:ma14="http://schemas.microsoft.com/office/mac/drawingml/2011/main" val="1"/>
+              <ma14:wrappingTextBoxFlag xmlns:ma14="http://schemas.microsoft.com/office/mac/drawingml/2011/main" xmlns="" val="1"/>
             </a:ext>
           </a:extLst>
         </p:spPr>
@@ -6817,7 +6817,7 @@
           </a:ln>
           <a:extLst>
             <a:ext uri="{C572A759-6A51-4108-AA02-DFA0A04FC94B}">
-              <ma14:wrappingTextBoxFlag xmlns="" xmlns:ma14="http://schemas.microsoft.com/office/mac/drawingml/2011/main" val="1"/>
+              <ma14:wrappingTextBoxFlag xmlns:ma14="http://schemas.microsoft.com/office/mac/drawingml/2011/main" xmlns="" val="1"/>
             </a:ext>
           </a:extLst>
         </p:spPr>
@@ -6881,7 +6881,7 @@
           </a:ln>
           <a:extLst>
             <a:ext uri="{C572A759-6A51-4108-AA02-DFA0A04FC94B}">
-              <ma14:wrappingTextBoxFlag xmlns="" xmlns:ma14="http://schemas.microsoft.com/office/mac/drawingml/2011/main" val="1"/>
+              <ma14:wrappingTextBoxFlag xmlns:ma14="http://schemas.microsoft.com/office/mac/drawingml/2011/main" xmlns="" val="1"/>
             </a:ext>
           </a:extLst>
         </p:spPr>
@@ -7236,7 +7236,7 @@
           </a:ln>
           <a:extLst>
             <a:ext uri="{C572A759-6A51-4108-AA02-DFA0A04FC94B}">
-              <ma14:wrappingTextBoxFlag xmlns="" xmlns:ma14="http://schemas.microsoft.com/office/mac/drawingml/2011/main" val="1"/>
+              <ma14:wrappingTextBoxFlag xmlns:ma14="http://schemas.microsoft.com/office/mac/drawingml/2011/main" xmlns="" val="1"/>
             </a:ext>
           </a:extLst>
         </p:spPr>
@@ -7300,7 +7300,7 @@
           </a:ln>
           <a:extLst>
             <a:ext uri="{C572A759-6A51-4108-AA02-DFA0A04FC94B}">
-              <ma14:wrappingTextBoxFlag xmlns="" xmlns:ma14="http://schemas.microsoft.com/office/mac/drawingml/2011/main" val="1"/>
+              <ma14:wrappingTextBoxFlag xmlns:ma14="http://schemas.microsoft.com/office/mac/drawingml/2011/main" xmlns="" val="1"/>
             </a:ext>
           </a:extLst>
         </p:spPr>
@@ -7579,7 +7579,7 @@
           </a:ln>
           <a:extLst>
             <a:ext uri="{C572A759-6A51-4108-AA02-DFA0A04FC94B}">
-              <ma14:wrappingTextBoxFlag xmlns="" xmlns:ma14="http://schemas.microsoft.com/office/mac/drawingml/2011/main" val="1"/>
+              <ma14:wrappingTextBoxFlag xmlns:ma14="http://schemas.microsoft.com/office/mac/drawingml/2011/main" xmlns="" val="1"/>
             </a:ext>
           </a:extLst>
         </p:spPr>
@@ -7643,7 +7643,7 @@
           </a:ln>
           <a:extLst>
             <a:ext uri="{C572A759-6A51-4108-AA02-DFA0A04FC94B}">
-              <ma14:wrappingTextBoxFlag xmlns="" xmlns:ma14="http://schemas.microsoft.com/office/mac/drawingml/2011/main" val="1"/>
+              <ma14:wrappingTextBoxFlag xmlns:ma14="http://schemas.microsoft.com/office/mac/drawingml/2011/main" xmlns="" val="1"/>
             </a:ext>
           </a:extLst>
         </p:spPr>
@@ -7891,7 +7891,7 @@
           </a:ln>
           <a:extLst>
             <a:ext uri="{C572A759-6A51-4108-AA02-DFA0A04FC94B}">
-              <ma14:wrappingTextBoxFlag xmlns="" xmlns:ma14="http://schemas.microsoft.com/office/mac/drawingml/2011/main" val="1"/>
+              <ma14:wrappingTextBoxFlag xmlns:ma14="http://schemas.microsoft.com/office/mac/drawingml/2011/main" xmlns="" val="1"/>
             </a:ext>
           </a:extLst>
         </p:spPr>
@@ -7955,7 +7955,7 @@
           </a:ln>
           <a:extLst>
             <a:ext uri="{C572A759-6A51-4108-AA02-DFA0A04FC94B}">
-              <ma14:wrappingTextBoxFlag xmlns="" xmlns:ma14="http://schemas.microsoft.com/office/mac/drawingml/2011/main" val="1"/>
+              <ma14:wrappingTextBoxFlag xmlns:ma14="http://schemas.microsoft.com/office/mac/drawingml/2011/main" xmlns="" val="1"/>
             </a:ext>
           </a:extLst>
         </p:spPr>
@@ -8121,7 +8121,7 @@
           </a:ln>
           <a:extLst>
             <a:ext uri="{C572A759-6A51-4108-AA02-DFA0A04FC94B}">
-              <ma14:wrappingTextBoxFlag xmlns="" xmlns:ma14="http://schemas.microsoft.com/office/mac/drawingml/2011/main" val="1"/>
+              <ma14:wrappingTextBoxFlag xmlns:ma14="http://schemas.microsoft.com/office/mac/drawingml/2011/main" xmlns="" val="1"/>
             </a:ext>
           </a:extLst>
         </p:spPr>
@@ -8185,7 +8185,7 @@
           </a:ln>
           <a:extLst>
             <a:ext uri="{C572A759-6A51-4108-AA02-DFA0A04FC94B}">
-              <ma14:wrappingTextBoxFlag xmlns="" xmlns:ma14="http://schemas.microsoft.com/office/mac/drawingml/2011/main" val="1"/>
+              <ma14:wrappingTextBoxFlag xmlns:ma14="http://schemas.microsoft.com/office/mac/drawingml/2011/main" xmlns="" val="1"/>
             </a:ext>
           </a:extLst>
         </p:spPr>
@@ -8433,7 +8433,7 @@
           </a:ln>
           <a:extLst>
             <a:ext uri="{C572A759-6A51-4108-AA02-DFA0A04FC94B}">
-              <ma14:wrappingTextBoxFlag xmlns="" xmlns:ma14="http://schemas.microsoft.com/office/mac/drawingml/2011/main" val="1"/>
+              <ma14:wrappingTextBoxFlag xmlns:ma14="http://schemas.microsoft.com/office/mac/drawingml/2011/main" xmlns="" val="1"/>
             </a:ext>
           </a:extLst>
         </p:spPr>
@@ -8497,7 +8497,7 @@
           </a:ln>
           <a:extLst>
             <a:ext uri="{C572A759-6A51-4108-AA02-DFA0A04FC94B}">
-              <ma14:wrappingTextBoxFlag xmlns="" xmlns:ma14="http://schemas.microsoft.com/office/mac/drawingml/2011/main" val="1"/>
+              <ma14:wrappingTextBoxFlag xmlns:ma14="http://schemas.microsoft.com/office/mac/drawingml/2011/main" xmlns="" val="1"/>
             </a:ext>
           </a:extLst>
         </p:spPr>
@@ -8745,7 +8745,7 @@
           </a:ln>
           <a:extLst>
             <a:ext uri="{C572A759-6A51-4108-AA02-DFA0A04FC94B}">
-              <ma14:wrappingTextBoxFlag xmlns="" xmlns:ma14="http://schemas.microsoft.com/office/mac/drawingml/2011/main" val="1"/>
+              <ma14:wrappingTextBoxFlag xmlns:ma14="http://schemas.microsoft.com/office/mac/drawingml/2011/main" xmlns="" val="1"/>
             </a:ext>
           </a:extLst>
         </p:spPr>
@@ -8809,7 +8809,7 @@
           </a:ln>
           <a:extLst>
             <a:ext uri="{C572A759-6A51-4108-AA02-DFA0A04FC94B}">
-              <ma14:wrappingTextBoxFlag xmlns="" xmlns:ma14="http://schemas.microsoft.com/office/mac/drawingml/2011/main" val="1"/>
+              <ma14:wrappingTextBoxFlag xmlns:ma14="http://schemas.microsoft.com/office/mac/drawingml/2011/main" xmlns="" val="1"/>
             </a:ext>
           </a:extLst>
         </p:spPr>
@@ -9057,7 +9057,7 @@
           </a:ln>
           <a:extLst>
             <a:ext uri="{C572A759-6A51-4108-AA02-DFA0A04FC94B}">
-              <ma14:wrappingTextBoxFlag xmlns="" xmlns:ma14="http://schemas.microsoft.com/office/mac/drawingml/2011/main" val="1"/>
+              <ma14:wrappingTextBoxFlag xmlns:ma14="http://schemas.microsoft.com/office/mac/drawingml/2011/main" xmlns="" val="1"/>
             </a:ext>
           </a:extLst>
         </p:spPr>
@@ -9121,7 +9121,7 @@
           </a:ln>
           <a:extLst>
             <a:ext uri="{C572A759-6A51-4108-AA02-DFA0A04FC94B}">
-              <ma14:wrappingTextBoxFlag xmlns="" xmlns:ma14="http://schemas.microsoft.com/office/mac/drawingml/2011/main" val="1"/>
+              <ma14:wrappingTextBoxFlag xmlns:ma14="http://schemas.microsoft.com/office/mac/drawingml/2011/main" xmlns="" val="1"/>
             </a:ext>
           </a:extLst>
         </p:spPr>
@@ -9268,35 +9268,6 @@
           <a:chExt cx="0" cy="0"/>
         </a:xfrm>
       </p:grpSpPr>
-      <p:pic>
-        <p:nvPicPr>
-          <p:cNvPr id="3" name="Immagine 2"/>
-          <p:cNvPicPr>
-            <a:picLocks noChangeAspect="1"/>
-          </p:cNvPicPr>
-          <p:nvPr/>
-        </p:nvPicPr>
-        <p:blipFill rotWithShape="1">
-          <a:blip r:embed="rId2">
-            <a:extLst>
-              <a:ext uri="{28A0092B-C50C-407E-A947-70E740481C1C}">
-                <a14:useLocalDpi xmlns:a14="http://schemas.microsoft.com/office/drawing/2010/main" val="0"/>
-              </a:ext>
-            </a:extLst>
-          </a:blip>
-          <a:srcRect b="4657"/>
-          <a:stretch/>
-        </p:blipFill>
-        <p:spPr>
-          <a:xfrm>
-            <a:off x="2832844" y="2638140"/>
-            <a:ext cx="3218329" cy="3754334"/>
-          </a:xfrm>
-          <a:prstGeom prst="rect">
-            <a:avLst/>
-          </a:prstGeom>
-        </p:spPr>
-      </p:pic>
       <p:sp>
         <p:nvSpPr>
           <p:cNvPr id="154" name="Shape 154"/>
@@ -9316,7 +9287,7 @@
           </a:ln>
           <a:extLst>
             <a:ext uri="{C572A759-6A51-4108-AA02-DFA0A04FC94B}">
-              <ma14:wrappingTextBoxFlag xmlns="" xmlns:ma14="http://schemas.microsoft.com/office/mac/drawingml/2011/main" val="1"/>
+              <ma14:wrappingTextBoxFlag xmlns:ma14="http://schemas.microsoft.com/office/mac/drawingml/2011/main" xmlns="" val="1"/>
             </a:ext>
           </a:extLst>
         </p:spPr>
@@ -9380,7 +9351,7 @@
           </a:ln>
           <a:extLst>
             <a:ext uri="{C572A759-6A51-4108-AA02-DFA0A04FC94B}">
-              <ma14:wrappingTextBoxFlag xmlns="" xmlns:ma14="http://schemas.microsoft.com/office/mac/drawingml/2011/main" val="1"/>
+              <ma14:wrappingTextBoxFlag xmlns:ma14="http://schemas.microsoft.com/office/mac/drawingml/2011/main" xmlns="" val="1"/>
             </a:ext>
           </a:extLst>
         </p:spPr>
@@ -9478,326 +9449,36 @@
           </a:p>
         </p:txBody>
       </p:sp>
-      <p:sp>
-        <p:nvSpPr>
-          <p:cNvPr id="6" name="CasellaDiTesto 5"/>
-          <p:cNvSpPr txBox="1"/>
-          <p:nvPr/>
-        </p:nvSpPr>
-        <p:spPr>
-          <a:xfrm>
-            <a:off x="1098167" y="1510555"/>
-            <a:ext cx="2895600" cy="707886"/>
-          </a:xfrm>
-          <a:prstGeom prst="rect">
-            <a:avLst/>
-          </a:prstGeom>
-          <a:noFill/>
-        </p:spPr>
-        <p:txBody>
-          <a:bodyPr wrap="square" rtlCol="0">
-            <a:spAutoFit/>
-          </a:bodyPr>
-          <a:lstStyle/>
-          <a:p>
-            <a:r>
-              <a:rPr lang="it-IT" sz="2000" dirty="0" smtClean="0"/>
-              <a:t>DEPTH [m]</a:t>
-            </a:r>
-          </a:p>
-          <a:p>
-            <a:endParaRPr lang="it-IT" sz="2000" dirty="0"/>
-          </a:p>
-        </p:txBody>
-      </p:sp>
-      <p:sp>
-        <p:nvSpPr>
-          <p:cNvPr id="7" name="CasellaDiTesto 6"/>
-          <p:cNvSpPr txBox="1"/>
-          <p:nvPr/>
-        </p:nvSpPr>
-        <p:spPr>
-          <a:xfrm>
-            <a:off x="5997386" y="1489549"/>
-            <a:ext cx="2895602" cy="707886"/>
-          </a:xfrm>
-          <a:prstGeom prst="rect">
-            <a:avLst/>
-          </a:prstGeom>
-          <a:noFill/>
-        </p:spPr>
-        <p:txBody>
-          <a:bodyPr wrap="square" rtlCol="0">
-            <a:spAutoFit/>
-          </a:bodyPr>
-          <a:lstStyle/>
-          <a:p>
-            <a:r>
-              <a:rPr lang="it-IT" sz="2000" dirty="0" smtClean="0"/>
-              <a:t>WATER PRESSURE [m]</a:t>
-            </a:r>
-          </a:p>
-          <a:p>
-            <a:endParaRPr lang="it-IT" sz="2000" dirty="0"/>
-          </a:p>
-        </p:txBody>
-      </p:sp>
-      <p:sp>
-        <p:nvSpPr>
-          <p:cNvPr id="8" name="Rettangolo 7"/>
-          <p:cNvSpPr/>
-          <p:nvPr/>
-        </p:nvSpPr>
-        <p:spPr>
-          <a:xfrm>
-            <a:off x="4419600" y="2545981"/>
-            <a:ext cx="2209800" cy="3846493"/>
-          </a:xfrm>
-          <a:prstGeom prst="rect">
-            <a:avLst/>
-          </a:prstGeom>
-          <a:noFill/>
-          <a:ln w="50800">
-            <a:solidFill>
-              <a:srgbClr val="00B050"/>
-            </a:solidFill>
-          </a:ln>
-        </p:spPr>
-        <p:style>
-          <a:lnRef idx="2">
-            <a:schemeClr val="accent1">
-              <a:shade val="50000"/>
-            </a:schemeClr>
-          </a:lnRef>
-          <a:fillRef idx="1">
-            <a:schemeClr val="accent1"/>
-          </a:fillRef>
-          <a:effectRef idx="0">
-            <a:schemeClr val="accent1"/>
-          </a:effectRef>
-          <a:fontRef idx="minor">
-            <a:schemeClr val="lt1"/>
-          </a:fontRef>
-        </p:style>
-        <p:txBody>
-          <a:bodyPr rtlCol="0" anchor="ctr"/>
-          <a:lstStyle/>
-          <a:p>
-            <a:pPr algn="ctr"/>
-            <a:endParaRPr lang="it-IT" dirty="0"/>
-          </a:p>
-        </p:txBody>
-      </p:sp>
-      <p:sp>
-        <p:nvSpPr>
-          <p:cNvPr id="9" name="Rettangolo 8"/>
-          <p:cNvSpPr/>
-          <p:nvPr/>
-        </p:nvSpPr>
-        <p:spPr>
-          <a:xfrm>
-            <a:off x="5943600" y="1346116"/>
-            <a:ext cx="2519082" cy="620974"/>
-          </a:xfrm>
-          <a:prstGeom prst="rect">
-            <a:avLst/>
-          </a:prstGeom>
-          <a:noFill/>
-          <a:ln w="50800">
-            <a:solidFill>
-              <a:srgbClr val="00B050"/>
-            </a:solidFill>
-          </a:ln>
-        </p:spPr>
-        <p:style>
-          <a:lnRef idx="2">
-            <a:schemeClr val="accent1">
-              <a:shade val="50000"/>
-            </a:schemeClr>
-          </a:lnRef>
-          <a:fillRef idx="1">
-            <a:schemeClr val="accent1"/>
-          </a:fillRef>
-          <a:effectRef idx="0">
-            <a:schemeClr val="accent1"/>
-          </a:effectRef>
-          <a:fontRef idx="minor">
-            <a:schemeClr val="lt1"/>
-          </a:fontRef>
-        </p:style>
-        <p:txBody>
-          <a:bodyPr rtlCol="0" anchor="ctr"/>
-          <a:lstStyle/>
-          <a:p>
-            <a:pPr algn="ctr"/>
-            <a:endParaRPr lang="it-IT" dirty="0"/>
-          </a:p>
-        </p:txBody>
-      </p:sp>
-      <p:cxnSp>
-        <p:nvCxnSpPr>
-          <p:cNvPr id="10" name="Connettore 2 9"/>
-          <p:cNvCxnSpPr/>
-          <p:nvPr/>
-        </p:nvCxnSpPr>
-        <p:spPr>
-          <a:xfrm flipH="1">
-            <a:off x="5943600" y="1967090"/>
-            <a:ext cx="685800" cy="578891"/>
-          </a:xfrm>
-          <a:prstGeom prst="straightConnector1">
-            <a:avLst/>
-          </a:prstGeom>
-          <a:ln w="57150">
-            <a:solidFill>
-              <a:srgbClr val="00B050"/>
-            </a:solidFill>
-            <a:tailEnd type="arrow"/>
-          </a:ln>
-        </p:spPr>
-        <p:style>
-          <a:lnRef idx="1">
-            <a:schemeClr val="accent1"/>
-          </a:lnRef>
-          <a:fillRef idx="0">
-            <a:schemeClr val="accent1"/>
-          </a:fillRef>
-          <a:effectRef idx="0">
-            <a:schemeClr val="accent1"/>
-          </a:effectRef>
-          <a:fontRef idx="minor">
-            <a:schemeClr val="tx1"/>
-          </a:fontRef>
-        </p:style>
-      </p:cxnSp>
-      <p:sp>
-        <p:nvSpPr>
-          <p:cNvPr id="11" name="Rettangolo 10"/>
-          <p:cNvSpPr/>
-          <p:nvPr/>
-        </p:nvSpPr>
-        <p:spPr>
-          <a:xfrm>
-            <a:off x="2057400" y="2559530"/>
-            <a:ext cx="2209800" cy="3846493"/>
-          </a:xfrm>
-          <a:prstGeom prst="rect">
-            <a:avLst/>
-          </a:prstGeom>
-          <a:noFill/>
-          <a:ln w="50800">
-            <a:solidFill>
-              <a:srgbClr val="FF0000"/>
-            </a:solidFill>
-          </a:ln>
-        </p:spPr>
-        <p:style>
-          <a:lnRef idx="2">
-            <a:schemeClr val="accent1">
-              <a:shade val="50000"/>
-            </a:schemeClr>
-          </a:lnRef>
-          <a:fillRef idx="1">
-            <a:schemeClr val="accent1"/>
-          </a:fillRef>
-          <a:effectRef idx="0">
-            <a:schemeClr val="accent1"/>
-          </a:effectRef>
-          <a:fontRef idx="minor">
-            <a:schemeClr val="lt1"/>
-          </a:fontRef>
-        </p:style>
-        <p:txBody>
-          <a:bodyPr rtlCol="0" anchor="ctr"/>
-          <a:lstStyle/>
-          <a:p>
-            <a:pPr algn="ctr"/>
-            <a:endParaRPr lang="it-IT" dirty="0"/>
-          </a:p>
-        </p:txBody>
-      </p:sp>
-      <p:sp>
-        <p:nvSpPr>
-          <p:cNvPr id="12" name="Rettangolo 11"/>
-          <p:cNvSpPr/>
-          <p:nvPr/>
-        </p:nvSpPr>
-        <p:spPr>
-          <a:xfrm>
-            <a:off x="685800" y="1371039"/>
-            <a:ext cx="2743200" cy="620974"/>
-          </a:xfrm>
-          <a:prstGeom prst="rect">
-            <a:avLst/>
-          </a:prstGeom>
-          <a:noFill/>
-          <a:ln w="50800">
-            <a:solidFill>
-              <a:srgbClr val="FF0000"/>
-            </a:solidFill>
-          </a:ln>
-        </p:spPr>
-        <p:style>
-          <a:lnRef idx="2">
-            <a:schemeClr val="accent1">
-              <a:shade val="50000"/>
-            </a:schemeClr>
-          </a:lnRef>
-          <a:fillRef idx="1">
-            <a:schemeClr val="accent1"/>
-          </a:fillRef>
-          <a:effectRef idx="0">
-            <a:schemeClr val="accent1"/>
-          </a:effectRef>
-          <a:fontRef idx="minor">
-            <a:schemeClr val="lt1"/>
-          </a:fontRef>
-        </p:style>
-        <p:txBody>
-          <a:bodyPr rtlCol="0" anchor="ctr"/>
-          <a:lstStyle/>
-          <a:p>
-            <a:pPr algn="ctr"/>
-            <a:endParaRPr lang="it-IT" dirty="0"/>
-          </a:p>
-        </p:txBody>
-      </p:sp>
-      <p:cxnSp>
-        <p:nvCxnSpPr>
-          <p:cNvPr id="13" name="Connettore 2 12"/>
-          <p:cNvCxnSpPr/>
-          <p:nvPr/>
-        </p:nvCxnSpPr>
-        <p:spPr>
-          <a:xfrm>
-            <a:off x="1905000" y="1980639"/>
-            <a:ext cx="1066800" cy="539184"/>
-          </a:xfrm>
-          <a:prstGeom prst="straightConnector1">
-            <a:avLst/>
-          </a:prstGeom>
-          <a:ln w="57150">
-            <a:solidFill>
-              <a:srgbClr val="FF0000"/>
-            </a:solidFill>
-            <a:tailEnd type="arrow"/>
-          </a:ln>
-        </p:spPr>
-        <p:style>
-          <a:lnRef idx="1">
-            <a:schemeClr val="accent1"/>
-          </a:lnRef>
-          <a:fillRef idx="0">
-            <a:schemeClr val="accent1"/>
-          </a:fillRef>
-          <a:effectRef idx="0">
-            <a:schemeClr val="accent1"/>
-          </a:effectRef>
-          <a:fontRef idx="minor">
-            <a:schemeClr val="tx1"/>
-          </a:fontRef>
-        </p:style>
-      </p:cxnSp>
+      <p:pic>
+        <p:nvPicPr>
+          <p:cNvPr id="4" name="Immagine 3"/>
+          <p:cNvPicPr>
+            <a:picLocks noChangeAspect="1"/>
+          </p:cNvPicPr>
+          <p:nvPr/>
+        </p:nvPicPr>
+        <p:blipFill>
+          <a:blip r:embed="rId2">
+            <a:extLst>
+              <a:ext uri="{28A0092B-C50C-407E-A947-70E740481C1C}">
+                <a14:useLocalDpi xmlns:a14="http://schemas.microsoft.com/office/drawing/2010/main" val="0"/>
+              </a:ext>
+            </a:extLst>
+          </a:blip>
+          <a:stretch>
+            <a:fillRect/>
+          </a:stretch>
+        </p:blipFill>
+        <p:spPr>
+          <a:xfrm>
+            <a:off x="3101787" y="1535869"/>
+            <a:ext cx="2940423" cy="4615575"/>
+          </a:xfrm>
+          <a:prstGeom prst="rect">
+            <a:avLst/>
+          </a:prstGeom>
+        </p:spPr>
+      </p:pic>
     </p:spTree>
     <p:extLst>
       <p:ext uri="{BB962C8B-B14F-4D97-AF65-F5344CB8AC3E}">
@@ -9855,7 +9536,7 @@
           </a:ln>
           <a:extLst>
             <a:ext uri="{C572A759-6A51-4108-AA02-DFA0A04FC94B}">
-              <ma14:wrappingTextBoxFlag xmlns="" xmlns:ma14="http://schemas.microsoft.com/office/mac/drawingml/2011/main" val="1"/>
+              <ma14:wrappingTextBoxFlag xmlns:ma14="http://schemas.microsoft.com/office/mac/drawingml/2011/main" xmlns="" val="1"/>
             </a:ext>
           </a:extLst>
         </p:spPr>
@@ -9919,7 +9600,7 @@
           </a:ln>
           <a:extLst>
             <a:ext uri="{C572A759-6A51-4108-AA02-DFA0A04FC94B}">
-              <ma14:wrappingTextBoxFlag xmlns="" xmlns:ma14="http://schemas.microsoft.com/office/mac/drawingml/2011/main" val="1"/>
+              <ma14:wrappingTextBoxFlag xmlns:ma14="http://schemas.microsoft.com/office/mac/drawingml/2011/main" xmlns="" val="1"/>
             </a:ext>
           </a:extLst>
         </p:spPr>
@@ -10189,7 +9870,7 @@
           </a:ln>
           <a:extLst>
             <a:ext uri="{C572A759-6A51-4108-AA02-DFA0A04FC94B}">
-              <ma14:wrappingTextBoxFlag xmlns="" xmlns:ma14="http://schemas.microsoft.com/office/mac/drawingml/2011/main" val="1"/>
+              <ma14:wrappingTextBoxFlag xmlns:ma14="http://schemas.microsoft.com/office/mac/drawingml/2011/main" xmlns="" val="1"/>
             </a:ext>
           </a:extLst>
         </p:spPr>
@@ -10253,7 +9934,7 @@
           </a:ln>
           <a:extLst>
             <a:ext uri="{C572A759-6A51-4108-AA02-DFA0A04FC94B}">
-              <ma14:wrappingTextBoxFlag xmlns="" xmlns:ma14="http://schemas.microsoft.com/office/mac/drawingml/2011/main" val="1"/>
+              <ma14:wrappingTextBoxFlag xmlns:ma14="http://schemas.microsoft.com/office/mac/drawingml/2011/main" xmlns="" val="1"/>
             </a:ext>
           </a:extLst>
         </p:spPr>
@@ -10596,7 +10277,7 @@
           </a:ln>
           <a:extLst>
             <a:ext uri="{C572A759-6A51-4108-AA02-DFA0A04FC94B}">
-              <ma14:wrappingTextBoxFlag xmlns="" xmlns:ma14="http://schemas.microsoft.com/office/mac/drawingml/2011/main" val="1"/>
+              <ma14:wrappingTextBoxFlag xmlns:ma14="http://schemas.microsoft.com/office/mac/drawingml/2011/main" xmlns="" val="1"/>
             </a:ext>
           </a:extLst>
         </p:spPr>
@@ -10660,7 +10341,7 @@
           </a:ln>
           <a:extLst>
             <a:ext uri="{C572A759-6A51-4108-AA02-DFA0A04FC94B}">
-              <ma14:wrappingTextBoxFlag xmlns="" xmlns:ma14="http://schemas.microsoft.com/office/mac/drawingml/2011/main" val="1"/>
+              <ma14:wrappingTextBoxFlag xmlns:ma14="http://schemas.microsoft.com/office/mac/drawingml/2011/main" xmlns="" val="1"/>
             </a:ext>
           </a:extLst>
         </p:spPr>
@@ -11002,7 +10683,7 @@
           </a:ln>
           <a:extLst>
             <a:ext uri="{C572A759-6A51-4108-AA02-DFA0A04FC94B}">
-              <ma14:wrappingTextBoxFlag xmlns="" xmlns:ma14="http://schemas.microsoft.com/office/mac/drawingml/2011/main" val="1"/>
+              <ma14:wrappingTextBoxFlag xmlns:ma14="http://schemas.microsoft.com/office/mac/drawingml/2011/main" xmlns="" val="1"/>
             </a:ext>
           </a:extLst>
         </p:spPr>
@@ -11066,7 +10747,7 @@
           </a:ln>
           <a:extLst>
             <a:ext uri="{C572A759-6A51-4108-AA02-DFA0A04FC94B}">
-              <ma14:wrappingTextBoxFlag xmlns="" xmlns:ma14="http://schemas.microsoft.com/office/mac/drawingml/2011/main" val="1"/>
+              <ma14:wrappingTextBoxFlag xmlns:ma14="http://schemas.microsoft.com/office/mac/drawingml/2011/main" xmlns="" val="1"/>
             </a:ext>
           </a:extLst>
         </p:spPr>
@@ -11737,7 +11418,7 @@
           </a:ln>
           <a:extLst>
             <a:ext uri="{C572A759-6A51-4108-AA02-DFA0A04FC94B}">
-              <ma14:wrappingTextBoxFlag xmlns="" xmlns:ma14="http://schemas.microsoft.com/office/mac/drawingml/2011/main" val="1"/>
+              <ma14:wrappingTextBoxFlag xmlns:ma14="http://schemas.microsoft.com/office/mac/drawingml/2011/main" xmlns="" val="1"/>
             </a:ext>
           </a:extLst>
         </p:spPr>
@@ -11801,7 +11482,7 @@
           </a:ln>
           <a:extLst>
             <a:ext uri="{C572A759-6A51-4108-AA02-DFA0A04FC94B}">
-              <ma14:wrappingTextBoxFlag xmlns="" xmlns:ma14="http://schemas.microsoft.com/office/mac/drawingml/2011/main" val="1"/>
+              <ma14:wrappingTextBoxFlag xmlns:ma14="http://schemas.microsoft.com/office/mac/drawingml/2011/main" xmlns="" val="1"/>
             </a:ext>
           </a:extLst>
         </p:spPr>
@@ -12416,7 +12097,7 @@
           </a:ln>
           <a:extLst>
             <a:ext uri="{C572A759-6A51-4108-AA02-DFA0A04FC94B}">
-              <ma14:wrappingTextBoxFlag xmlns="" xmlns:ma14="http://schemas.microsoft.com/office/mac/drawingml/2011/main" val="1"/>
+              <ma14:wrappingTextBoxFlag xmlns:ma14="http://schemas.microsoft.com/office/mac/drawingml/2011/main" xmlns="" val="1"/>
             </a:ext>
           </a:extLst>
         </p:spPr>
@@ -12480,7 +12161,7 @@
           </a:ln>
           <a:extLst>
             <a:ext uri="{C572A759-6A51-4108-AA02-DFA0A04FC94B}">
-              <ma14:wrappingTextBoxFlag xmlns="" xmlns:ma14="http://schemas.microsoft.com/office/mac/drawingml/2011/main" val="1"/>
+              <ma14:wrappingTextBoxFlag xmlns:ma14="http://schemas.microsoft.com/office/mac/drawingml/2011/main" xmlns="" val="1"/>
             </a:ext>
           </a:extLst>
         </p:spPr>
@@ -12928,7 +12609,7 @@
           </a:prstGeom>
           <a:extLst>
             <a:ext uri="{C572A759-6A51-4108-AA02-DFA0A04FC94B}">
-              <ma14:wrappingTextBoxFlag xmlns="" xmlns:ma14="http://schemas.microsoft.com/office/mac/drawingml/2011/main" val="1"/>
+              <ma14:wrappingTextBoxFlag xmlns:ma14="http://schemas.microsoft.com/office/mac/drawingml/2011/main" xmlns="" val="1"/>
             </a:ext>
           </a:extLst>
         </p:spPr>
@@ -12962,7 +12643,7 @@
           </a:ln>
           <a:extLst>
             <a:ext uri="{C572A759-6A51-4108-AA02-DFA0A04FC94B}">
-              <ma14:wrappingTextBoxFlag xmlns="" xmlns:ma14="http://schemas.microsoft.com/office/mac/drawingml/2011/main" val="1"/>
+              <ma14:wrappingTextBoxFlag xmlns:ma14="http://schemas.microsoft.com/office/mac/drawingml/2011/main" xmlns="" val="1"/>
             </a:ext>
           </a:extLst>
         </p:spPr>
@@ -13028,7 +12709,7 @@
           </a:ln>
           <a:extLst>
             <a:ext uri="{C572A759-6A51-4108-AA02-DFA0A04FC94B}">
-              <ma14:wrappingTextBoxFlag xmlns="" xmlns:ma14="http://schemas.microsoft.com/office/mac/drawingml/2011/main" val="1"/>
+              <ma14:wrappingTextBoxFlag xmlns:ma14="http://schemas.microsoft.com/office/mac/drawingml/2011/main" xmlns="" val="1"/>
             </a:ext>
           </a:extLst>
         </p:spPr>
@@ -13087,7 +12768,7 @@
           </a:ln>
           <a:extLst>
             <a:ext uri="{C572A759-6A51-4108-AA02-DFA0A04FC94B}">
-              <ma14:wrappingTextBoxFlag xmlns="" xmlns:ma14="http://schemas.microsoft.com/office/mac/drawingml/2011/main" val="1"/>
+              <ma14:wrappingTextBoxFlag xmlns:ma14="http://schemas.microsoft.com/office/mac/drawingml/2011/main" xmlns="" val="1"/>
             </a:ext>
           </a:extLst>
         </p:spPr>
@@ -13192,7 +12873,7 @@
           </a:ln>
           <a:extLst>
             <a:ext uri="{C572A759-6A51-4108-AA02-DFA0A04FC94B}">
-              <ma14:wrappingTextBoxFlag xmlns="" xmlns:ma14="http://schemas.microsoft.com/office/mac/drawingml/2011/main" val="1"/>
+              <ma14:wrappingTextBoxFlag xmlns:ma14="http://schemas.microsoft.com/office/mac/drawingml/2011/main" xmlns="" val="1"/>
             </a:ext>
           </a:extLst>
         </p:spPr>
@@ -13256,7 +12937,7 @@
           </a:ln>
           <a:extLst>
             <a:ext uri="{C572A759-6A51-4108-AA02-DFA0A04FC94B}">
-              <ma14:wrappingTextBoxFlag xmlns="" xmlns:ma14="http://schemas.microsoft.com/office/mac/drawingml/2011/main" val="1"/>
+              <ma14:wrappingTextBoxFlag xmlns:ma14="http://schemas.microsoft.com/office/mac/drawingml/2011/main" xmlns="" val="1"/>
             </a:ext>
           </a:extLst>
         </p:spPr>
@@ -13440,7 +13121,7 @@
           </a:ln>
           <a:extLst>
             <a:ext uri="{C572A759-6A51-4108-AA02-DFA0A04FC94B}">
-              <ma14:wrappingTextBoxFlag xmlns="" xmlns:ma14="http://schemas.microsoft.com/office/mac/drawingml/2011/main" val="1"/>
+              <ma14:wrappingTextBoxFlag xmlns:ma14="http://schemas.microsoft.com/office/mac/drawingml/2011/main" xmlns="" val="1"/>
             </a:ext>
           </a:extLst>
         </p:spPr>
@@ -13504,7 +13185,7 @@
           </a:ln>
           <a:extLst>
             <a:ext uri="{C572A759-6A51-4108-AA02-DFA0A04FC94B}">
-              <ma14:wrappingTextBoxFlag xmlns="" xmlns:ma14="http://schemas.microsoft.com/office/mac/drawingml/2011/main" val="1"/>
+              <ma14:wrappingTextBoxFlag xmlns:ma14="http://schemas.microsoft.com/office/mac/drawingml/2011/main" xmlns="" val="1"/>
             </a:ext>
           </a:extLst>
         </p:spPr>
@@ -13681,7 +13362,7 @@
           </a:ln>
           <a:extLst>
             <a:ext uri="{C572A759-6A51-4108-AA02-DFA0A04FC94B}">
-              <ma14:wrappingTextBoxFlag xmlns="" xmlns:ma14="http://schemas.microsoft.com/office/mac/drawingml/2011/main" val="1"/>
+              <ma14:wrappingTextBoxFlag xmlns:ma14="http://schemas.microsoft.com/office/mac/drawingml/2011/main" xmlns="" val="1"/>
             </a:ext>
           </a:extLst>
         </p:spPr>
@@ -13745,7 +13426,7 @@
           </a:ln>
           <a:extLst>
             <a:ext uri="{C572A759-6A51-4108-AA02-DFA0A04FC94B}">
-              <ma14:wrappingTextBoxFlag xmlns="" xmlns:ma14="http://schemas.microsoft.com/office/mac/drawingml/2011/main" val="1"/>
+              <ma14:wrappingTextBoxFlag xmlns:ma14="http://schemas.microsoft.com/office/mac/drawingml/2011/main" xmlns="" val="1"/>
             </a:ext>
           </a:extLst>
         </p:spPr>
@@ -13922,7 +13603,7 @@
           </a:ln>
           <a:extLst>
             <a:ext uri="{C572A759-6A51-4108-AA02-DFA0A04FC94B}">
-              <ma14:wrappingTextBoxFlag xmlns="" xmlns:ma14="http://schemas.microsoft.com/office/mac/drawingml/2011/main" val="1"/>
+              <ma14:wrappingTextBoxFlag xmlns:ma14="http://schemas.microsoft.com/office/mac/drawingml/2011/main" xmlns="" val="1"/>
             </a:ext>
           </a:extLst>
         </p:spPr>
@@ -13986,7 +13667,7 @@
           </a:ln>
           <a:extLst>
             <a:ext uri="{C572A759-6A51-4108-AA02-DFA0A04FC94B}">
-              <ma14:wrappingTextBoxFlag xmlns="" xmlns:ma14="http://schemas.microsoft.com/office/mac/drawingml/2011/main" val="1"/>
+              <ma14:wrappingTextBoxFlag xmlns:ma14="http://schemas.microsoft.com/office/mac/drawingml/2011/main" xmlns="" val="1"/>
             </a:ext>
           </a:extLst>
         </p:spPr>
@@ -14285,7 +13966,7 @@
           </a:ln>
           <a:extLst>
             <a:ext uri="{C572A759-6A51-4108-AA02-DFA0A04FC94B}">
-              <ma14:wrappingTextBoxFlag xmlns="" xmlns:ma14="http://schemas.microsoft.com/office/mac/drawingml/2011/main" val="1"/>
+              <ma14:wrappingTextBoxFlag xmlns:ma14="http://schemas.microsoft.com/office/mac/drawingml/2011/main" xmlns="" val="1"/>
             </a:ext>
           </a:extLst>
         </p:spPr>
@@ -14349,7 +14030,7 @@
           </a:ln>
           <a:extLst>
             <a:ext uri="{C572A759-6A51-4108-AA02-DFA0A04FC94B}">
-              <ma14:wrappingTextBoxFlag xmlns="" xmlns:ma14="http://schemas.microsoft.com/office/mac/drawingml/2011/main" val="1"/>
+              <ma14:wrappingTextBoxFlag xmlns:ma14="http://schemas.microsoft.com/office/mac/drawingml/2011/main" xmlns="" val="1"/>
             </a:ext>
           </a:extLst>
         </p:spPr>
@@ -14624,7 +14305,7 @@
           </a:ln>
           <a:extLst>
             <a:ext uri="{C572A759-6A51-4108-AA02-DFA0A04FC94B}">
-              <ma14:wrappingTextBoxFlag xmlns="" xmlns:ma14="http://schemas.microsoft.com/office/mac/drawingml/2011/main" val="1"/>
+              <ma14:wrappingTextBoxFlag xmlns:ma14="http://schemas.microsoft.com/office/mac/drawingml/2011/main" xmlns="" val="1"/>
             </a:ext>
           </a:extLst>
         </p:spPr>
@@ -14688,7 +14369,7 @@
           </a:ln>
           <a:extLst>
             <a:ext uri="{C572A759-6A51-4108-AA02-DFA0A04FC94B}">
-              <ma14:wrappingTextBoxFlag xmlns="" xmlns:ma14="http://schemas.microsoft.com/office/mac/drawingml/2011/main" val="1"/>
+              <ma14:wrappingTextBoxFlag xmlns:ma14="http://schemas.microsoft.com/office/mac/drawingml/2011/main" xmlns="" val="1"/>
             </a:ext>
           </a:extLst>
         </p:spPr>

--- a/Materials/Richards_English.pptx
+++ b/Materials/Richards_English.pptx
@@ -221,7 +221,7 @@
           <a:p>
             <a:fld id="{4D0C6883-54F1-064A-A731-D2789FFABA37}" type="datetimeFigureOut">
               <a:rPr lang="it-IT" smtClean="0"/>
-              <a:t>08/11/2017</a:t>
+              <a:t>13/11/2017</a:t>
             </a:fld>
             <a:endParaRPr lang="en-GB"/>
           </a:p>
@@ -670,7 +670,7 @@
           <a:p>
             <a:fld id="{D3F618D5-3DB9-B146-87ED-A3BCB7C64B91}" type="datetimeFigureOut">
               <a:rPr lang="it-IT" smtClean="0"/>
-              <a:t>08/11/2017</a:t>
+              <a:t>13/11/2017</a:t>
             </a:fld>
             <a:endParaRPr lang="en-GB"/>
           </a:p>
@@ -840,7 +840,7 @@
           <a:p>
             <a:fld id="{D3F618D5-3DB9-B146-87ED-A3BCB7C64B91}" type="datetimeFigureOut">
               <a:rPr lang="it-IT" smtClean="0"/>
-              <a:t>08/11/2017</a:t>
+              <a:t>13/11/2017</a:t>
             </a:fld>
             <a:endParaRPr lang="en-GB"/>
           </a:p>
@@ -1020,7 +1020,7 @@
           <a:p>
             <a:fld id="{D3F618D5-3DB9-B146-87ED-A3BCB7C64B91}" type="datetimeFigureOut">
               <a:rPr lang="it-IT" smtClean="0"/>
-              <a:t>08/11/2017</a:t>
+              <a:t>13/11/2017</a:t>
             </a:fld>
             <a:endParaRPr lang="en-GB"/>
           </a:p>
@@ -1226,7 +1226,7 @@
           </a:ln>
           <a:extLst>
             <a:ext uri="{C572A759-6A51-4108-AA02-DFA0A04FC94B}">
-              <ma14:wrappingTextBoxFlag xmlns:ma14="http://schemas.microsoft.com/office/mac/drawingml/2011/main" xmlns="" val="1"/>
+              <ma14:wrappingTextBoxFlag xmlns="" xmlns:ma14="http://schemas.microsoft.com/office/mac/drawingml/2011/main" val="1"/>
             </a:ext>
           </a:extLst>
         </p:spPr>
@@ -1443,7 +1443,7 @@
           <a:p>
             <a:fld id="{D3F618D5-3DB9-B146-87ED-A3BCB7C64B91}" type="datetimeFigureOut">
               <a:rPr lang="it-IT" smtClean="0"/>
-              <a:t>08/11/2017</a:t>
+              <a:t>13/11/2017</a:t>
             </a:fld>
             <a:endParaRPr lang="en-GB"/>
           </a:p>
@@ -1689,7 +1689,7 @@
           <a:p>
             <a:fld id="{D3F618D5-3DB9-B146-87ED-A3BCB7C64B91}" type="datetimeFigureOut">
               <a:rPr lang="it-IT" smtClean="0"/>
-              <a:t>08/11/2017</a:t>
+              <a:t>13/11/2017</a:t>
             </a:fld>
             <a:endParaRPr lang="en-GB"/>
           </a:p>
@@ -1977,7 +1977,7 @@
           <a:p>
             <a:fld id="{D3F618D5-3DB9-B146-87ED-A3BCB7C64B91}" type="datetimeFigureOut">
               <a:rPr lang="it-IT" smtClean="0"/>
-              <a:t>08/11/2017</a:t>
+              <a:t>13/11/2017</a:t>
             </a:fld>
             <a:endParaRPr lang="en-GB"/>
           </a:p>
@@ -2399,7 +2399,7 @@
           <a:p>
             <a:fld id="{D3F618D5-3DB9-B146-87ED-A3BCB7C64B91}" type="datetimeFigureOut">
               <a:rPr lang="it-IT" smtClean="0"/>
-              <a:t>08/11/2017</a:t>
+              <a:t>13/11/2017</a:t>
             </a:fld>
             <a:endParaRPr lang="en-GB"/>
           </a:p>
@@ -2517,7 +2517,7 @@
           <a:p>
             <a:fld id="{D3F618D5-3DB9-B146-87ED-A3BCB7C64B91}" type="datetimeFigureOut">
               <a:rPr lang="it-IT" smtClean="0"/>
-              <a:t>08/11/2017</a:t>
+              <a:t>13/11/2017</a:t>
             </a:fld>
             <a:endParaRPr lang="en-GB"/>
           </a:p>
@@ -2612,7 +2612,7 @@
           <a:p>
             <a:fld id="{D3F618D5-3DB9-B146-87ED-A3BCB7C64B91}" type="datetimeFigureOut">
               <a:rPr lang="it-IT" smtClean="0"/>
-              <a:t>08/11/2017</a:t>
+              <a:t>13/11/2017</a:t>
             </a:fld>
             <a:endParaRPr lang="en-GB"/>
           </a:p>
@@ -2889,7 +2889,7 @@
           <a:p>
             <a:fld id="{D3F618D5-3DB9-B146-87ED-A3BCB7C64B91}" type="datetimeFigureOut">
               <a:rPr lang="it-IT" smtClean="0"/>
-              <a:t>08/11/2017</a:t>
+              <a:t>13/11/2017</a:t>
             </a:fld>
             <a:endParaRPr lang="en-GB"/>
           </a:p>
@@ -3142,7 +3142,7 @@
           <a:p>
             <a:fld id="{D3F618D5-3DB9-B146-87ED-A3BCB7C64B91}" type="datetimeFigureOut">
               <a:rPr lang="it-IT" smtClean="0"/>
-              <a:t>08/11/2017</a:t>
+              <a:t>13/11/2017</a:t>
             </a:fld>
             <a:endParaRPr lang="en-GB"/>
           </a:p>
@@ -3355,7 +3355,7 @@
           <a:p>
             <a:fld id="{D3F618D5-3DB9-B146-87ED-A3BCB7C64B91}" type="datetimeFigureOut">
               <a:rPr lang="it-IT" smtClean="0"/>
-              <a:t>08/11/2017</a:t>
+              <a:t>13/11/2017</a:t>
             </a:fld>
             <a:endParaRPr lang="en-GB"/>
           </a:p>
@@ -3750,7 +3750,7 @@
           </a:ln>
           <a:extLst>
             <a:ext uri="{C572A759-6A51-4108-AA02-DFA0A04FC94B}">
-              <ma14:wrappingTextBoxFlag xmlns:ma14="http://schemas.microsoft.com/office/mac/drawingml/2011/main" xmlns="" val="1"/>
+              <ma14:wrappingTextBoxFlag xmlns="" xmlns:ma14="http://schemas.microsoft.com/office/mac/drawingml/2011/main" val="1"/>
             </a:ext>
           </a:extLst>
         </p:spPr>
@@ -3850,7 +3850,7 @@
           </a:ln>
           <a:extLst>
             <a:ext uri="{C572A759-6A51-4108-AA02-DFA0A04FC94B}">
-              <ma14:wrappingTextBoxFlag xmlns:ma14="http://schemas.microsoft.com/office/mac/drawingml/2011/main" xmlns="" val="1"/>
+              <ma14:wrappingTextBoxFlag xmlns="" xmlns:ma14="http://schemas.microsoft.com/office/mac/drawingml/2011/main" val="1"/>
             </a:ext>
           </a:extLst>
         </p:spPr>
@@ -4027,7 +4027,7 @@
           </a:ln>
           <a:extLst>
             <a:ext uri="{C572A759-6A51-4108-AA02-DFA0A04FC94B}">
-              <ma14:wrappingTextBoxFlag xmlns:ma14="http://schemas.microsoft.com/office/mac/drawingml/2011/main" xmlns="" val="1"/>
+              <ma14:wrappingTextBoxFlag xmlns="" xmlns:ma14="http://schemas.microsoft.com/office/mac/drawingml/2011/main" val="1"/>
             </a:ext>
           </a:extLst>
         </p:spPr>
@@ -4091,7 +4091,7 @@
           </a:ln>
           <a:extLst>
             <a:ext uri="{C572A759-6A51-4108-AA02-DFA0A04FC94B}">
-              <ma14:wrappingTextBoxFlag xmlns:ma14="http://schemas.microsoft.com/office/mac/drawingml/2011/main" xmlns="" val="1"/>
+              <ma14:wrappingTextBoxFlag xmlns="" xmlns:ma14="http://schemas.microsoft.com/office/mac/drawingml/2011/main" val="1"/>
             </a:ext>
           </a:extLst>
         </p:spPr>
@@ -4488,7 +4488,7 @@
           </a:ln>
           <a:extLst>
             <a:ext uri="{C572A759-6A51-4108-AA02-DFA0A04FC94B}">
-              <ma14:wrappingTextBoxFlag xmlns:ma14="http://schemas.microsoft.com/office/mac/drawingml/2011/main" xmlns="" val="1"/>
+              <ma14:wrappingTextBoxFlag xmlns="" xmlns:ma14="http://schemas.microsoft.com/office/mac/drawingml/2011/main" val="1"/>
             </a:ext>
           </a:extLst>
         </p:spPr>
@@ -4552,7 +4552,7 @@
           </a:ln>
           <a:extLst>
             <a:ext uri="{C572A759-6A51-4108-AA02-DFA0A04FC94B}">
-              <ma14:wrappingTextBoxFlag xmlns:ma14="http://schemas.microsoft.com/office/mac/drawingml/2011/main" xmlns="" val="1"/>
+              <ma14:wrappingTextBoxFlag xmlns="" xmlns:ma14="http://schemas.microsoft.com/office/mac/drawingml/2011/main" val="1"/>
             </a:ext>
           </a:extLst>
         </p:spPr>
@@ -4718,7 +4718,7 @@
           </a:ln>
           <a:extLst>
             <a:ext uri="{C572A759-6A51-4108-AA02-DFA0A04FC94B}">
-              <ma14:wrappingTextBoxFlag xmlns:ma14="http://schemas.microsoft.com/office/mac/drawingml/2011/main" xmlns="" val="1"/>
+              <ma14:wrappingTextBoxFlag xmlns="" xmlns:ma14="http://schemas.microsoft.com/office/mac/drawingml/2011/main" val="1"/>
             </a:ext>
           </a:extLst>
         </p:spPr>
@@ -4782,7 +4782,7 @@
           </a:ln>
           <a:extLst>
             <a:ext uri="{C572A759-6A51-4108-AA02-DFA0A04FC94B}">
-              <ma14:wrappingTextBoxFlag xmlns:ma14="http://schemas.microsoft.com/office/mac/drawingml/2011/main" xmlns="" val="1"/>
+              <ma14:wrappingTextBoxFlag xmlns="" xmlns:ma14="http://schemas.microsoft.com/office/mac/drawingml/2011/main" val="1"/>
             </a:ext>
           </a:extLst>
         </p:spPr>
@@ -5329,7 +5329,7 @@
           </a:ln>
           <a:extLst>
             <a:ext uri="{C572A759-6A51-4108-AA02-DFA0A04FC94B}">
-              <ma14:wrappingTextBoxFlag xmlns:ma14="http://schemas.microsoft.com/office/mac/drawingml/2011/main" xmlns="" val="1"/>
+              <ma14:wrappingTextBoxFlag xmlns="" xmlns:ma14="http://schemas.microsoft.com/office/mac/drawingml/2011/main" val="1"/>
             </a:ext>
           </a:extLst>
         </p:spPr>
@@ -5393,7 +5393,7 @@
           </a:ln>
           <a:extLst>
             <a:ext uri="{C572A759-6A51-4108-AA02-DFA0A04FC94B}">
-              <ma14:wrappingTextBoxFlag xmlns:ma14="http://schemas.microsoft.com/office/mac/drawingml/2011/main" xmlns="" val="1"/>
+              <ma14:wrappingTextBoxFlag xmlns="" xmlns:ma14="http://schemas.microsoft.com/office/mac/drawingml/2011/main" val="1"/>
             </a:ext>
           </a:extLst>
         </p:spPr>
@@ -5653,7 +5653,7 @@
           </a:ln>
           <a:extLst>
             <a:ext uri="{C572A759-6A51-4108-AA02-DFA0A04FC94B}">
-              <ma14:wrappingTextBoxFlag xmlns:ma14="http://schemas.microsoft.com/office/mac/drawingml/2011/main" xmlns="" val="1"/>
+              <ma14:wrappingTextBoxFlag xmlns="" xmlns:ma14="http://schemas.microsoft.com/office/mac/drawingml/2011/main" val="1"/>
             </a:ext>
           </a:extLst>
         </p:spPr>
@@ -5717,7 +5717,7 @@
           </a:ln>
           <a:extLst>
             <a:ext uri="{C572A759-6A51-4108-AA02-DFA0A04FC94B}">
-              <ma14:wrappingTextBoxFlag xmlns:ma14="http://schemas.microsoft.com/office/mac/drawingml/2011/main" xmlns="" val="1"/>
+              <ma14:wrappingTextBoxFlag xmlns="" xmlns:ma14="http://schemas.microsoft.com/office/mac/drawingml/2011/main" val="1"/>
             </a:ext>
           </a:extLst>
         </p:spPr>
@@ -5955,7 +5955,7 @@
           </a:ln>
           <a:extLst>
             <a:ext uri="{C572A759-6A51-4108-AA02-DFA0A04FC94B}">
-              <ma14:wrappingTextBoxFlag xmlns:ma14="http://schemas.microsoft.com/office/mac/drawingml/2011/main" xmlns="" val="1"/>
+              <ma14:wrappingTextBoxFlag xmlns="" xmlns:ma14="http://schemas.microsoft.com/office/mac/drawingml/2011/main" val="1"/>
             </a:ext>
           </a:extLst>
         </p:spPr>
@@ -6019,7 +6019,7 @@
           </a:ln>
           <a:extLst>
             <a:ext uri="{C572A759-6A51-4108-AA02-DFA0A04FC94B}">
-              <ma14:wrappingTextBoxFlag xmlns:ma14="http://schemas.microsoft.com/office/mac/drawingml/2011/main" xmlns="" val="1"/>
+              <ma14:wrappingTextBoxFlag xmlns="" xmlns:ma14="http://schemas.microsoft.com/office/mac/drawingml/2011/main" val="1"/>
             </a:ext>
           </a:extLst>
         </p:spPr>
@@ -6386,7 +6386,7 @@
           </a:ln>
           <a:extLst>
             <a:ext uri="{C572A759-6A51-4108-AA02-DFA0A04FC94B}">
-              <ma14:wrappingTextBoxFlag xmlns:ma14="http://schemas.microsoft.com/office/mac/drawingml/2011/main" xmlns="" val="1"/>
+              <ma14:wrappingTextBoxFlag xmlns="" xmlns:ma14="http://schemas.microsoft.com/office/mac/drawingml/2011/main" val="1"/>
             </a:ext>
           </a:extLst>
         </p:spPr>
@@ -6450,7 +6450,7 @@
           </a:ln>
           <a:extLst>
             <a:ext uri="{C572A759-6A51-4108-AA02-DFA0A04FC94B}">
-              <ma14:wrappingTextBoxFlag xmlns:ma14="http://schemas.microsoft.com/office/mac/drawingml/2011/main" xmlns="" val="1"/>
+              <ma14:wrappingTextBoxFlag xmlns="" xmlns:ma14="http://schemas.microsoft.com/office/mac/drawingml/2011/main" val="1"/>
             </a:ext>
           </a:extLst>
         </p:spPr>
@@ -6817,7 +6817,7 @@
           </a:ln>
           <a:extLst>
             <a:ext uri="{C572A759-6A51-4108-AA02-DFA0A04FC94B}">
-              <ma14:wrappingTextBoxFlag xmlns:ma14="http://schemas.microsoft.com/office/mac/drawingml/2011/main" xmlns="" val="1"/>
+              <ma14:wrappingTextBoxFlag xmlns="" xmlns:ma14="http://schemas.microsoft.com/office/mac/drawingml/2011/main" val="1"/>
             </a:ext>
           </a:extLst>
         </p:spPr>
@@ -6881,7 +6881,7 @@
           </a:ln>
           <a:extLst>
             <a:ext uri="{C572A759-6A51-4108-AA02-DFA0A04FC94B}">
-              <ma14:wrappingTextBoxFlag xmlns:ma14="http://schemas.microsoft.com/office/mac/drawingml/2011/main" xmlns="" val="1"/>
+              <ma14:wrappingTextBoxFlag xmlns="" xmlns:ma14="http://schemas.microsoft.com/office/mac/drawingml/2011/main" val="1"/>
             </a:ext>
           </a:extLst>
         </p:spPr>
@@ -7236,7 +7236,7 @@
           </a:ln>
           <a:extLst>
             <a:ext uri="{C572A759-6A51-4108-AA02-DFA0A04FC94B}">
-              <ma14:wrappingTextBoxFlag xmlns:ma14="http://schemas.microsoft.com/office/mac/drawingml/2011/main" xmlns="" val="1"/>
+              <ma14:wrappingTextBoxFlag xmlns="" xmlns:ma14="http://schemas.microsoft.com/office/mac/drawingml/2011/main" val="1"/>
             </a:ext>
           </a:extLst>
         </p:spPr>
@@ -7300,7 +7300,7 @@
           </a:ln>
           <a:extLst>
             <a:ext uri="{C572A759-6A51-4108-AA02-DFA0A04FC94B}">
-              <ma14:wrappingTextBoxFlag xmlns:ma14="http://schemas.microsoft.com/office/mac/drawingml/2011/main" xmlns="" val="1"/>
+              <ma14:wrappingTextBoxFlag xmlns="" xmlns:ma14="http://schemas.microsoft.com/office/mac/drawingml/2011/main" val="1"/>
             </a:ext>
           </a:extLst>
         </p:spPr>
@@ -7579,7 +7579,7 @@
           </a:ln>
           <a:extLst>
             <a:ext uri="{C572A759-6A51-4108-AA02-DFA0A04FC94B}">
-              <ma14:wrappingTextBoxFlag xmlns:ma14="http://schemas.microsoft.com/office/mac/drawingml/2011/main" xmlns="" val="1"/>
+              <ma14:wrappingTextBoxFlag xmlns="" xmlns:ma14="http://schemas.microsoft.com/office/mac/drawingml/2011/main" val="1"/>
             </a:ext>
           </a:extLst>
         </p:spPr>
@@ -7643,7 +7643,7 @@
           </a:ln>
           <a:extLst>
             <a:ext uri="{C572A759-6A51-4108-AA02-DFA0A04FC94B}">
-              <ma14:wrappingTextBoxFlag xmlns:ma14="http://schemas.microsoft.com/office/mac/drawingml/2011/main" xmlns="" val="1"/>
+              <ma14:wrappingTextBoxFlag xmlns="" xmlns:ma14="http://schemas.microsoft.com/office/mac/drawingml/2011/main" val="1"/>
             </a:ext>
           </a:extLst>
         </p:spPr>
@@ -7891,7 +7891,7 @@
           </a:ln>
           <a:extLst>
             <a:ext uri="{C572A759-6A51-4108-AA02-DFA0A04FC94B}">
-              <ma14:wrappingTextBoxFlag xmlns:ma14="http://schemas.microsoft.com/office/mac/drawingml/2011/main" xmlns="" val="1"/>
+              <ma14:wrappingTextBoxFlag xmlns="" xmlns:ma14="http://schemas.microsoft.com/office/mac/drawingml/2011/main" val="1"/>
             </a:ext>
           </a:extLst>
         </p:spPr>
@@ -7955,7 +7955,7 @@
           </a:ln>
           <a:extLst>
             <a:ext uri="{C572A759-6A51-4108-AA02-DFA0A04FC94B}">
-              <ma14:wrappingTextBoxFlag xmlns:ma14="http://schemas.microsoft.com/office/mac/drawingml/2011/main" xmlns="" val="1"/>
+              <ma14:wrappingTextBoxFlag xmlns="" xmlns:ma14="http://schemas.microsoft.com/office/mac/drawingml/2011/main" val="1"/>
             </a:ext>
           </a:extLst>
         </p:spPr>
@@ -8121,7 +8121,7 @@
           </a:ln>
           <a:extLst>
             <a:ext uri="{C572A759-6A51-4108-AA02-DFA0A04FC94B}">
-              <ma14:wrappingTextBoxFlag xmlns:ma14="http://schemas.microsoft.com/office/mac/drawingml/2011/main" xmlns="" val="1"/>
+              <ma14:wrappingTextBoxFlag xmlns="" xmlns:ma14="http://schemas.microsoft.com/office/mac/drawingml/2011/main" val="1"/>
             </a:ext>
           </a:extLst>
         </p:spPr>
@@ -8185,7 +8185,7 @@
           </a:ln>
           <a:extLst>
             <a:ext uri="{C572A759-6A51-4108-AA02-DFA0A04FC94B}">
-              <ma14:wrappingTextBoxFlag xmlns:ma14="http://schemas.microsoft.com/office/mac/drawingml/2011/main" xmlns="" val="1"/>
+              <ma14:wrappingTextBoxFlag xmlns="" xmlns:ma14="http://schemas.microsoft.com/office/mac/drawingml/2011/main" val="1"/>
             </a:ext>
           </a:extLst>
         </p:spPr>
@@ -8433,7 +8433,7 @@
           </a:ln>
           <a:extLst>
             <a:ext uri="{C572A759-6A51-4108-AA02-DFA0A04FC94B}">
-              <ma14:wrappingTextBoxFlag xmlns:ma14="http://schemas.microsoft.com/office/mac/drawingml/2011/main" xmlns="" val="1"/>
+              <ma14:wrappingTextBoxFlag xmlns="" xmlns:ma14="http://schemas.microsoft.com/office/mac/drawingml/2011/main" val="1"/>
             </a:ext>
           </a:extLst>
         </p:spPr>
@@ -8497,7 +8497,7 @@
           </a:ln>
           <a:extLst>
             <a:ext uri="{C572A759-6A51-4108-AA02-DFA0A04FC94B}">
-              <ma14:wrappingTextBoxFlag xmlns:ma14="http://schemas.microsoft.com/office/mac/drawingml/2011/main" xmlns="" val="1"/>
+              <ma14:wrappingTextBoxFlag xmlns="" xmlns:ma14="http://schemas.microsoft.com/office/mac/drawingml/2011/main" val="1"/>
             </a:ext>
           </a:extLst>
         </p:spPr>
@@ -8745,7 +8745,7 @@
           </a:ln>
           <a:extLst>
             <a:ext uri="{C572A759-6A51-4108-AA02-DFA0A04FC94B}">
-              <ma14:wrappingTextBoxFlag xmlns:ma14="http://schemas.microsoft.com/office/mac/drawingml/2011/main" xmlns="" val="1"/>
+              <ma14:wrappingTextBoxFlag xmlns="" xmlns:ma14="http://schemas.microsoft.com/office/mac/drawingml/2011/main" val="1"/>
             </a:ext>
           </a:extLst>
         </p:spPr>
@@ -8809,7 +8809,7 @@
           </a:ln>
           <a:extLst>
             <a:ext uri="{C572A759-6A51-4108-AA02-DFA0A04FC94B}">
-              <ma14:wrappingTextBoxFlag xmlns:ma14="http://schemas.microsoft.com/office/mac/drawingml/2011/main" xmlns="" val="1"/>
+              <ma14:wrappingTextBoxFlag xmlns="" xmlns:ma14="http://schemas.microsoft.com/office/mac/drawingml/2011/main" val="1"/>
             </a:ext>
           </a:extLst>
         </p:spPr>
@@ -9057,7 +9057,7 @@
           </a:ln>
           <a:extLst>
             <a:ext uri="{C572A759-6A51-4108-AA02-DFA0A04FC94B}">
-              <ma14:wrappingTextBoxFlag xmlns:ma14="http://schemas.microsoft.com/office/mac/drawingml/2011/main" xmlns="" val="1"/>
+              <ma14:wrappingTextBoxFlag xmlns="" xmlns:ma14="http://schemas.microsoft.com/office/mac/drawingml/2011/main" val="1"/>
             </a:ext>
           </a:extLst>
         </p:spPr>
@@ -9121,7 +9121,7 @@
           </a:ln>
           <a:extLst>
             <a:ext uri="{C572A759-6A51-4108-AA02-DFA0A04FC94B}">
-              <ma14:wrappingTextBoxFlag xmlns:ma14="http://schemas.microsoft.com/office/mac/drawingml/2011/main" xmlns="" val="1"/>
+              <ma14:wrappingTextBoxFlag xmlns="" xmlns:ma14="http://schemas.microsoft.com/office/mac/drawingml/2011/main" val="1"/>
             </a:ext>
           </a:extLst>
         </p:spPr>
@@ -9287,7 +9287,7 @@
           </a:ln>
           <a:extLst>
             <a:ext uri="{C572A759-6A51-4108-AA02-DFA0A04FC94B}">
-              <ma14:wrappingTextBoxFlag xmlns:ma14="http://schemas.microsoft.com/office/mac/drawingml/2011/main" xmlns="" val="1"/>
+              <ma14:wrappingTextBoxFlag xmlns="" xmlns:ma14="http://schemas.microsoft.com/office/mac/drawingml/2011/main" val="1"/>
             </a:ext>
           </a:extLst>
         </p:spPr>
@@ -9351,7 +9351,7 @@
           </a:ln>
           <a:extLst>
             <a:ext uri="{C572A759-6A51-4108-AA02-DFA0A04FC94B}">
-              <ma14:wrappingTextBoxFlag xmlns:ma14="http://schemas.microsoft.com/office/mac/drawingml/2011/main" xmlns="" val="1"/>
+              <ma14:wrappingTextBoxFlag xmlns="" xmlns:ma14="http://schemas.microsoft.com/office/mac/drawingml/2011/main" val="1"/>
             </a:ext>
           </a:extLst>
         </p:spPr>
@@ -9536,7 +9536,7 @@
           </a:ln>
           <a:extLst>
             <a:ext uri="{C572A759-6A51-4108-AA02-DFA0A04FC94B}">
-              <ma14:wrappingTextBoxFlag xmlns:ma14="http://schemas.microsoft.com/office/mac/drawingml/2011/main" xmlns="" val="1"/>
+              <ma14:wrappingTextBoxFlag xmlns="" xmlns:ma14="http://schemas.microsoft.com/office/mac/drawingml/2011/main" val="1"/>
             </a:ext>
           </a:extLst>
         </p:spPr>
@@ -9600,7 +9600,7 @@
           </a:ln>
           <a:extLst>
             <a:ext uri="{C572A759-6A51-4108-AA02-DFA0A04FC94B}">
-              <ma14:wrappingTextBoxFlag xmlns:ma14="http://schemas.microsoft.com/office/mac/drawingml/2011/main" xmlns="" val="1"/>
+              <ma14:wrappingTextBoxFlag xmlns="" xmlns:ma14="http://schemas.microsoft.com/office/mac/drawingml/2011/main" val="1"/>
             </a:ext>
           </a:extLst>
         </p:spPr>
@@ -9870,7 +9870,7 @@
           </a:ln>
           <a:extLst>
             <a:ext uri="{C572A759-6A51-4108-AA02-DFA0A04FC94B}">
-              <ma14:wrappingTextBoxFlag xmlns:ma14="http://schemas.microsoft.com/office/mac/drawingml/2011/main" xmlns="" val="1"/>
+              <ma14:wrappingTextBoxFlag xmlns="" xmlns:ma14="http://schemas.microsoft.com/office/mac/drawingml/2011/main" val="1"/>
             </a:ext>
           </a:extLst>
         </p:spPr>
@@ -9934,7 +9934,7 @@
           </a:ln>
           <a:extLst>
             <a:ext uri="{C572A759-6A51-4108-AA02-DFA0A04FC94B}">
-              <ma14:wrappingTextBoxFlag xmlns:ma14="http://schemas.microsoft.com/office/mac/drawingml/2011/main" xmlns="" val="1"/>
+              <ma14:wrappingTextBoxFlag xmlns="" xmlns:ma14="http://schemas.microsoft.com/office/mac/drawingml/2011/main" val="1"/>
             </a:ext>
           </a:extLst>
         </p:spPr>
@@ -10277,7 +10277,7 @@
           </a:ln>
           <a:extLst>
             <a:ext uri="{C572A759-6A51-4108-AA02-DFA0A04FC94B}">
-              <ma14:wrappingTextBoxFlag xmlns:ma14="http://schemas.microsoft.com/office/mac/drawingml/2011/main" xmlns="" val="1"/>
+              <ma14:wrappingTextBoxFlag xmlns="" xmlns:ma14="http://schemas.microsoft.com/office/mac/drawingml/2011/main" val="1"/>
             </a:ext>
           </a:extLst>
         </p:spPr>
@@ -10341,7 +10341,7 @@
           </a:ln>
           <a:extLst>
             <a:ext uri="{C572A759-6A51-4108-AA02-DFA0A04FC94B}">
-              <ma14:wrappingTextBoxFlag xmlns:ma14="http://schemas.microsoft.com/office/mac/drawingml/2011/main" xmlns="" val="1"/>
+              <ma14:wrappingTextBoxFlag xmlns="" xmlns:ma14="http://schemas.microsoft.com/office/mac/drawingml/2011/main" val="1"/>
             </a:ext>
           </a:extLst>
         </p:spPr>
@@ -10664,6 +10664,36 @@
           <a:chExt cx="0" cy="0"/>
         </a:xfrm>
       </p:grpSpPr>
+      <p:pic>
+        <p:nvPicPr>
+          <p:cNvPr id="3" name="Immagine 2"/>
+          <p:cNvPicPr>
+            <a:picLocks noChangeAspect="1"/>
+          </p:cNvPicPr>
+          <p:nvPr/>
+        </p:nvPicPr>
+        <p:blipFill>
+          <a:blip r:embed="rId2">
+            <a:extLst>
+              <a:ext uri="{28A0092B-C50C-407E-A947-70E740481C1C}">
+                <a14:useLocalDpi xmlns:a14="http://schemas.microsoft.com/office/drawing/2010/main" val="0"/>
+              </a:ext>
+            </a:extLst>
+          </a:blip>
+          <a:stretch>
+            <a:fillRect/>
+          </a:stretch>
+        </p:blipFill>
+        <p:spPr>
+          <a:xfrm>
+            <a:off x="660820" y="3396165"/>
+            <a:ext cx="5130380" cy="2185831"/>
+          </a:xfrm>
+          <a:prstGeom prst="rect">
+            <a:avLst/>
+          </a:prstGeom>
+        </p:spPr>
+      </p:pic>
       <p:sp>
         <p:nvSpPr>
           <p:cNvPr id="154" name="Shape 154"/>
@@ -10683,7 +10713,7 @@
           </a:ln>
           <a:extLst>
             <a:ext uri="{C572A759-6A51-4108-AA02-DFA0A04FC94B}">
-              <ma14:wrappingTextBoxFlag xmlns:ma14="http://schemas.microsoft.com/office/mac/drawingml/2011/main" xmlns="" val="1"/>
+              <ma14:wrappingTextBoxFlag xmlns="" xmlns:ma14="http://schemas.microsoft.com/office/mac/drawingml/2011/main" val="1"/>
             </a:ext>
           </a:extLst>
         </p:spPr>
@@ -10747,7 +10777,7 @@
           </a:ln>
           <a:extLst>
             <a:ext uri="{C572A759-6A51-4108-AA02-DFA0A04FC94B}">
-              <ma14:wrappingTextBoxFlag xmlns:ma14="http://schemas.microsoft.com/office/mac/drawingml/2011/main" xmlns="" val="1"/>
+              <ma14:wrappingTextBoxFlag xmlns="" xmlns:ma14="http://schemas.microsoft.com/office/mac/drawingml/2011/main" val="1"/>
             </a:ext>
           </a:extLst>
         </p:spPr>
@@ -10826,36 +10856,6 @@
           </a:p>
         </p:txBody>
       </p:sp>
-      <p:pic>
-        <p:nvPicPr>
-          <p:cNvPr id="10" name="Segnaposto contenuto 3"/>
-          <p:cNvPicPr>
-            <a:picLocks noChangeAspect="1"/>
-          </p:cNvPicPr>
-          <p:nvPr/>
-        </p:nvPicPr>
-        <p:blipFill>
-          <a:blip r:embed="rId2">
-            <a:extLst>
-              <a:ext uri="{28A0092B-C50C-407E-A947-70E740481C1C}">
-                <a14:useLocalDpi xmlns:a14="http://schemas.microsoft.com/office/drawing/2010/main" val="0"/>
-              </a:ext>
-            </a:extLst>
-          </a:blip>
-          <a:stretch>
-            <a:fillRect/>
-          </a:stretch>
-        </p:blipFill>
-        <p:spPr>
-          <a:xfrm>
-            <a:off x="381000" y="3016626"/>
-            <a:ext cx="6646459" cy="2401177"/>
-          </a:xfrm>
-          <a:prstGeom prst="rect">
-            <a:avLst/>
-          </a:prstGeom>
-        </p:spPr>
-      </p:pic>
       <p:sp>
         <p:nvSpPr>
           <p:cNvPr id="11" name="CasellaDiTesto 10"/>
@@ -10864,7 +10864,7 @@
         </p:nvSpPr>
         <p:spPr>
           <a:xfrm>
-            <a:off x="4572000" y="1111626"/>
+            <a:off x="484188" y="1111626"/>
             <a:ext cx="4038600" cy="707886"/>
           </a:xfrm>
           <a:prstGeom prst="rect">
@@ -10895,7 +10895,7 @@
         </p:nvSpPr>
         <p:spPr>
           <a:xfrm>
-            <a:off x="3853981" y="2940426"/>
+            <a:off x="398069" y="3135729"/>
             <a:ext cx="3537419" cy="569893"/>
           </a:xfrm>
           <a:prstGeom prst="rect">
@@ -10941,7 +10941,7 @@
         </p:nvSpPr>
         <p:spPr>
           <a:xfrm>
-            <a:off x="4419600" y="1111626"/>
+            <a:off x="331788" y="1111626"/>
             <a:ext cx="4191000" cy="1219200"/>
           </a:xfrm>
           <a:prstGeom prst="rect">
@@ -10987,7 +10987,7 @@
         </p:nvCxnSpPr>
         <p:spPr>
           <a:xfrm>
-            <a:off x="5791200" y="2407026"/>
+            <a:off x="1703388" y="2407026"/>
             <a:ext cx="0" cy="609600"/>
           </a:xfrm>
           <a:prstGeom prst="straightConnector1">
@@ -11130,7 +11130,7 @@
         <p:spPr>
           <a:xfrm>
             <a:off x="1981200" y="3778626"/>
-            <a:ext cx="4419600" cy="1600200"/>
+            <a:ext cx="4419600" cy="1803370"/>
           </a:xfrm>
           <a:prstGeom prst="rect">
             <a:avLst/>
@@ -11257,8 +11257,8 @@
         </p:nvSpPr>
         <p:spPr>
           <a:xfrm>
-            <a:off x="304800" y="3778626"/>
-            <a:ext cx="1616497" cy="1567033"/>
+            <a:off x="376516" y="3778626"/>
+            <a:ext cx="1616497" cy="1803370"/>
           </a:xfrm>
           <a:prstGeom prst="rect">
             <a:avLst/>
@@ -11371,7 +11371,7 @@
       </p:grpSpPr>
       <p:pic>
         <p:nvPicPr>
-          <p:cNvPr id="3" name="Immagine 2"/>
+          <p:cNvPr id="4" name="Immagine 3"/>
           <p:cNvPicPr>
             <a:picLocks noChangeAspect="1"/>
           </p:cNvPicPr>
@@ -11391,8 +11391,8 @@
         </p:blipFill>
         <p:spPr>
           <a:xfrm>
-            <a:off x="428100" y="3042386"/>
-            <a:ext cx="7103371" cy="2303273"/>
+            <a:off x="468985" y="3140210"/>
+            <a:ext cx="4746844" cy="2216426"/>
           </a:xfrm>
           <a:prstGeom prst="rect">
             <a:avLst/>
@@ -11418,7 +11418,7 @@
           </a:ln>
           <a:extLst>
             <a:ext uri="{C572A759-6A51-4108-AA02-DFA0A04FC94B}">
-              <ma14:wrappingTextBoxFlag xmlns:ma14="http://schemas.microsoft.com/office/mac/drawingml/2011/main" xmlns="" val="1"/>
+              <ma14:wrappingTextBoxFlag xmlns="" xmlns:ma14="http://schemas.microsoft.com/office/mac/drawingml/2011/main" val="1"/>
             </a:ext>
           </a:extLst>
         </p:spPr>
@@ -11482,7 +11482,7 @@
           </a:ln>
           <a:extLst>
             <a:ext uri="{C572A759-6A51-4108-AA02-DFA0A04FC94B}">
-              <ma14:wrappingTextBoxFlag xmlns:ma14="http://schemas.microsoft.com/office/mac/drawingml/2011/main" xmlns="" val="1"/>
+              <ma14:wrappingTextBoxFlag xmlns="" xmlns:ma14="http://schemas.microsoft.com/office/mac/drawingml/2011/main" val="1"/>
             </a:ext>
           </a:extLst>
         </p:spPr>
@@ -11569,7 +11569,7 @@
         </p:nvSpPr>
         <p:spPr>
           <a:xfrm>
-            <a:off x="4572000" y="1111626"/>
+            <a:off x="1039987" y="1039910"/>
             <a:ext cx="4038600" cy="707886"/>
           </a:xfrm>
           <a:prstGeom prst="rect">
@@ -11600,7 +11600,7 @@
         </p:nvSpPr>
         <p:spPr>
           <a:xfrm>
-            <a:off x="3853981" y="2940426"/>
+            <a:off x="321968" y="2868710"/>
             <a:ext cx="3537419" cy="569893"/>
           </a:xfrm>
           <a:prstGeom prst="rect">
@@ -11646,7 +11646,7 @@
         </p:nvSpPr>
         <p:spPr>
           <a:xfrm>
-            <a:off x="4419600" y="1111626"/>
+            <a:off x="887587" y="1039910"/>
             <a:ext cx="4191000" cy="1219200"/>
           </a:xfrm>
           <a:prstGeom prst="rect">
@@ -11692,7 +11692,7 @@
         </p:nvCxnSpPr>
         <p:spPr>
           <a:xfrm>
-            <a:off x="5791200" y="2407026"/>
+            <a:off x="2259187" y="2335310"/>
             <a:ext cx="0" cy="609600"/>
           </a:xfrm>
           <a:prstGeom prst="straightConnector1">
@@ -11838,8 +11838,8 @@
         </p:nvSpPr>
         <p:spPr>
           <a:xfrm>
-            <a:off x="1981200" y="3778626"/>
-            <a:ext cx="4419600" cy="1600200"/>
+            <a:off x="1981200" y="3510319"/>
+            <a:ext cx="4419600" cy="1868507"/>
           </a:xfrm>
           <a:prstGeom prst="rect">
             <a:avLst/>
@@ -12002,8 +12002,8 @@
         </p:nvSpPr>
         <p:spPr>
           <a:xfrm>
-            <a:off x="304800" y="3778626"/>
-            <a:ext cx="1616497" cy="1567033"/>
+            <a:off x="304800" y="3510320"/>
+            <a:ext cx="1616497" cy="1835340"/>
           </a:xfrm>
           <a:prstGeom prst="rect">
             <a:avLst/>
@@ -12097,7 +12097,7 @@
           </a:ln>
           <a:extLst>
             <a:ext uri="{C572A759-6A51-4108-AA02-DFA0A04FC94B}">
-              <ma14:wrappingTextBoxFlag xmlns:ma14="http://schemas.microsoft.com/office/mac/drawingml/2011/main" xmlns="" val="1"/>
+              <ma14:wrappingTextBoxFlag xmlns="" xmlns:ma14="http://schemas.microsoft.com/office/mac/drawingml/2011/main" val="1"/>
             </a:ext>
           </a:extLst>
         </p:spPr>
@@ -12161,7 +12161,7 @@
           </a:ln>
           <a:extLst>
             <a:ext uri="{C572A759-6A51-4108-AA02-DFA0A04FC94B}">
-              <ma14:wrappingTextBoxFlag xmlns:ma14="http://schemas.microsoft.com/office/mac/drawingml/2011/main" xmlns="" val="1"/>
+              <ma14:wrappingTextBoxFlag xmlns="" xmlns:ma14="http://schemas.microsoft.com/office/mac/drawingml/2011/main" val="1"/>
             </a:ext>
           </a:extLst>
         </p:spPr>
@@ -12609,7 +12609,7 @@
           </a:prstGeom>
           <a:extLst>
             <a:ext uri="{C572A759-6A51-4108-AA02-DFA0A04FC94B}">
-              <ma14:wrappingTextBoxFlag xmlns:ma14="http://schemas.microsoft.com/office/mac/drawingml/2011/main" xmlns="" val="1"/>
+              <ma14:wrappingTextBoxFlag xmlns="" xmlns:ma14="http://schemas.microsoft.com/office/mac/drawingml/2011/main" val="1"/>
             </a:ext>
           </a:extLst>
         </p:spPr>
@@ -12643,7 +12643,7 @@
           </a:ln>
           <a:extLst>
             <a:ext uri="{C572A759-6A51-4108-AA02-DFA0A04FC94B}">
-              <ma14:wrappingTextBoxFlag xmlns:ma14="http://schemas.microsoft.com/office/mac/drawingml/2011/main" xmlns="" val="1"/>
+              <ma14:wrappingTextBoxFlag xmlns="" xmlns:ma14="http://schemas.microsoft.com/office/mac/drawingml/2011/main" val="1"/>
             </a:ext>
           </a:extLst>
         </p:spPr>
@@ -12709,7 +12709,7 @@
           </a:ln>
           <a:extLst>
             <a:ext uri="{C572A759-6A51-4108-AA02-DFA0A04FC94B}">
-              <ma14:wrappingTextBoxFlag xmlns:ma14="http://schemas.microsoft.com/office/mac/drawingml/2011/main" xmlns="" val="1"/>
+              <ma14:wrappingTextBoxFlag xmlns="" xmlns:ma14="http://schemas.microsoft.com/office/mac/drawingml/2011/main" val="1"/>
             </a:ext>
           </a:extLst>
         </p:spPr>
@@ -12768,7 +12768,7 @@
           </a:ln>
           <a:extLst>
             <a:ext uri="{C572A759-6A51-4108-AA02-DFA0A04FC94B}">
-              <ma14:wrappingTextBoxFlag xmlns:ma14="http://schemas.microsoft.com/office/mac/drawingml/2011/main" xmlns="" val="1"/>
+              <ma14:wrappingTextBoxFlag xmlns="" xmlns:ma14="http://schemas.microsoft.com/office/mac/drawingml/2011/main" val="1"/>
             </a:ext>
           </a:extLst>
         </p:spPr>
@@ -12873,7 +12873,7 @@
           </a:ln>
           <a:extLst>
             <a:ext uri="{C572A759-6A51-4108-AA02-DFA0A04FC94B}">
-              <ma14:wrappingTextBoxFlag xmlns:ma14="http://schemas.microsoft.com/office/mac/drawingml/2011/main" xmlns="" val="1"/>
+              <ma14:wrappingTextBoxFlag xmlns="" xmlns:ma14="http://schemas.microsoft.com/office/mac/drawingml/2011/main" val="1"/>
             </a:ext>
           </a:extLst>
         </p:spPr>
@@ -12937,7 +12937,7 @@
           </a:ln>
           <a:extLst>
             <a:ext uri="{C572A759-6A51-4108-AA02-DFA0A04FC94B}">
-              <ma14:wrappingTextBoxFlag xmlns:ma14="http://schemas.microsoft.com/office/mac/drawingml/2011/main" xmlns="" val="1"/>
+              <ma14:wrappingTextBoxFlag xmlns="" xmlns:ma14="http://schemas.microsoft.com/office/mac/drawingml/2011/main" val="1"/>
             </a:ext>
           </a:extLst>
         </p:spPr>
@@ -13121,7 +13121,7 @@
           </a:ln>
           <a:extLst>
             <a:ext uri="{C572A759-6A51-4108-AA02-DFA0A04FC94B}">
-              <ma14:wrappingTextBoxFlag xmlns:ma14="http://schemas.microsoft.com/office/mac/drawingml/2011/main" xmlns="" val="1"/>
+              <ma14:wrappingTextBoxFlag xmlns="" xmlns:ma14="http://schemas.microsoft.com/office/mac/drawingml/2011/main" val="1"/>
             </a:ext>
           </a:extLst>
         </p:spPr>
@@ -13185,7 +13185,7 @@
           </a:ln>
           <a:extLst>
             <a:ext uri="{C572A759-6A51-4108-AA02-DFA0A04FC94B}">
-              <ma14:wrappingTextBoxFlag xmlns:ma14="http://schemas.microsoft.com/office/mac/drawingml/2011/main" xmlns="" val="1"/>
+              <ma14:wrappingTextBoxFlag xmlns="" xmlns:ma14="http://schemas.microsoft.com/office/mac/drawingml/2011/main" val="1"/>
             </a:ext>
           </a:extLst>
         </p:spPr>
@@ -13362,7 +13362,7 @@
           </a:ln>
           <a:extLst>
             <a:ext uri="{C572A759-6A51-4108-AA02-DFA0A04FC94B}">
-              <ma14:wrappingTextBoxFlag xmlns:ma14="http://schemas.microsoft.com/office/mac/drawingml/2011/main" xmlns="" val="1"/>
+              <ma14:wrappingTextBoxFlag xmlns="" xmlns:ma14="http://schemas.microsoft.com/office/mac/drawingml/2011/main" val="1"/>
             </a:ext>
           </a:extLst>
         </p:spPr>
@@ -13426,7 +13426,7 @@
           </a:ln>
           <a:extLst>
             <a:ext uri="{C572A759-6A51-4108-AA02-DFA0A04FC94B}">
-              <ma14:wrappingTextBoxFlag xmlns:ma14="http://schemas.microsoft.com/office/mac/drawingml/2011/main" xmlns="" val="1"/>
+              <ma14:wrappingTextBoxFlag xmlns="" xmlns:ma14="http://schemas.microsoft.com/office/mac/drawingml/2011/main" val="1"/>
             </a:ext>
           </a:extLst>
         </p:spPr>
@@ -13603,7 +13603,7 @@
           </a:ln>
           <a:extLst>
             <a:ext uri="{C572A759-6A51-4108-AA02-DFA0A04FC94B}">
-              <ma14:wrappingTextBoxFlag xmlns:ma14="http://schemas.microsoft.com/office/mac/drawingml/2011/main" xmlns="" val="1"/>
+              <ma14:wrappingTextBoxFlag xmlns="" xmlns:ma14="http://schemas.microsoft.com/office/mac/drawingml/2011/main" val="1"/>
             </a:ext>
           </a:extLst>
         </p:spPr>
@@ -13667,7 +13667,7 @@
           </a:ln>
           <a:extLst>
             <a:ext uri="{C572A759-6A51-4108-AA02-DFA0A04FC94B}">
-              <ma14:wrappingTextBoxFlag xmlns:ma14="http://schemas.microsoft.com/office/mac/drawingml/2011/main" xmlns="" val="1"/>
+              <ma14:wrappingTextBoxFlag xmlns="" xmlns:ma14="http://schemas.microsoft.com/office/mac/drawingml/2011/main" val="1"/>
             </a:ext>
           </a:extLst>
         </p:spPr>
@@ -13966,7 +13966,7 @@
           </a:ln>
           <a:extLst>
             <a:ext uri="{C572A759-6A51-4108-AA02-DFA0A04FC94B}">
-              <ma14:wrappingTextBoxFlag xmlns:ma14="http://schemas.microsoft.com/office/mac/drawingml/2011/main" xmlns="" val="1"/>
+              <ma14:wrappingTextBoxFlag xmlns="" xmlns:ma14="http://schemas.microsoft.com/office/mac/drawingml/2011/main" val="1"/>
             </a:ext>
           </a:extLst>
         </p:spPr>
@@ -14030,7 +14030,7 @@
           </a:ln>
           <a:extLst>
             <a:ext uri="{C572A759-6A51-4108-AA02-DFA0A04FC94B}">
-              <ma14:wrappingTextBoxFlag xmlns:ma14="http://schemas.microsoft.com/office/mac/drawingml/2011/main" xmlns="" val="1"/>
+              <ma14:wrappingTextBoxFlag xmlns="" xmlns:ma14="http://schemas.microsoft.com/office/mac/drawingml/2011/main" val="1"/>
             </a:ext>
           </a:extLst>
         </p:spPr>
@@ -14305,7 +14305,7 @@
           </a:ln>
           <a:extLst>
             <a:ext uri="{C572A759-6A51-4108-AA02-DFA0A04FC94B}">
-              <ma14:wrappingTextBoxFlag xmlns:ma14="http://schemas.microsoft.com/office/mac/drawingml/2011/main" xmlns="" val="1"/>
+              <ma14:wrappingTextBoxFlag xmlns="" xmlns:ma14="http://schemas.microsoft.com/office/mac/drawingml/2011/main" val="1"/>
             </a:ext>
           </a:extLst>
         </p:spPr>
@@ -14369,7 +14369,7 @@
           </a:ln>
           <a:extLst>
             <a:ext uri="{C572A759-6A51-4108-AA02-DFA0A04FC94B}">
-              <ma14:wrappingTextBoxFlag xmlns:ma14="http://schemas.microsoft.com/office/mac/drawingml/2011/main" xmlns="" val="1"/>
+              <ma14:wrappingTextBoxFlag xmlns="" xmlns:ma14="http://schemas.microsoft.com/office/mac/drawingml/2011/main" val="1"/>
             </a:ext>
           </a:extLst>
         </p:spPr>

--- a/Materials/Richards_English.pptx
+++ b/Materials/Richards_English.pptx
@@ -5,7 +5,7 @@
     <p:sldMasterId id="2147483648" r:id="rId1"/>
   </p:sldMasterIdLst>
   <p:notesMasterIdLst>
-    <p:notesMasterId r:id="rId32"/>
+    <p:notesMasterId r:id="rId35"/>
   </p:notesMasterIdLst>
   <p:sldIdLst>
     <p:sldId id="285" r:id="rId2"/>
@@ -29,15 +29,18 @@
     <p:sldId id="334" r:id="rId20"/>
     <p:sldId id="335" r:id="rId21"/>
     <p:sldId id="336" r:id="rId22"/>
-    <p:sldId id="337" r:id="rId23"/>
-    <p:sldId id="338" r:id="rId24"/>
-    <p:sldId id="339" r:id="rId25"/>
-    <p:sldId id="340" r:id="rId26"/>
-    <p:sldId id="341" r:id="rId27"/>
-    <p:sldId id="342" r:id="rId28"/>
-    <p:sldId id="343" r:id="rId29"/>
-    <p:sldId id="345" r:id="rId30"/>
-    <p:sldId id="273" r:id="rId31"/>
+    <p:sldId id="359" r:id="rId23"/>
+    <p:sldId id="337" r:id="rId24"/>
+    <p:sldId id="338" r:id="rId25"/>
+    <p:sldId id="339" r:id="rId26"/>
+    <p:sldId id="340" r:id="rId27"/>
+    <p:sldId id="357" r:id="rId28"/>
+    <p:sldId id="358" r:id="rId29"/>
+    <p:sldId id="341" r:id="rId30"/>
+    <p:sldId id="342" r:id="rId31"/>
+    <p:sldId id="343" r:id="rId32"/>
+    <p:sldId id="345" r:id="rId33"/>
+    <p:sldId id="273" r:id="rId34"/>
   </p:sldIdLst>
   <p:sldSz cx="9144000" cy="6858000" type="screen4x3"/>
   <p:notesSz cx="6858000" cy="9144000"/>
@@ -221,7 +224,7 @@
           <a:p>
             <a:fld id="{4D0C6883-54F1-064A-A731-D2789FFABA37}" type="datetimeFigureOut">
               <a:rPr lang="it-IT" smtClean="0"/>
-              <a:t>13/11/2017</a:t>
+              <a:t>14/11/2017</a:t>
             </a:fld>
             <a:endParaRPr lang="en-GB"/>
           </a:p>
@@ -670,7 +673,7 @@
           <a:p>
             <a:fld id="{D3F618D5-3DB9-B146-87ED-A3BCB7C64B91}" type="datetimeFigureOut">
               <a:rPr lang="it-IT" smtClean="0"/>
-              <a:t>13/11/2017</a:t>
+              <a:t>14/11/2017</a:t>
             </a:fld>
             <a:endParaRPr lang="en-GB"/>
           </a:p>
@@ -840,7 +843,7 @@
           <a:p>
             <a:fld id="{D3F618D5-3DB9-B146-87ED-A3BCB7C64B91}" type="datetimeFigureOut">
               <a:rPr lang="it-IT" smtClean="0"/>
-              <a:t>13/11/2017</a:t>
+              <a:t>14/11/2017</a:t>
             </a:fld>
             <a:endParaRPr lang="en-GB"/>
           </a:p>
@@ -1020,7 +1023,7 @@
           <a:p>
             <a:fld id="{D3F618D5-3DB9-B146-87ED-A3BCB7C64B91}" type="datetimeFigureOut">
               <a:rPr lang="it-IT" smtClean="0"/>
-              <a:t>13/11/2017</a:t>
+              <a:t>14/11/2017</a:t>
             </a:fld>
             <a:endParaRPr lang="en-GB"/>
           </a:p>
@@ -1443,7 +1446,7 @@
           <a:p>
             <a:fld id="{D3F618D5-3DB9-B146-87ED-A3BCB7C64B91}" type="datetimeFigureOut">
               <a:rPr lang="it-IT" smtClean="0"/>
-              <a:t>13/11/2017</a:t>
+              <a:t>14/11/2017</a:t>
             </a:fld>
             <a:endParaRPr lang="en-GB"/>
           </a:p>
@@ -1689,7 +1692,7 @@
           <a:p>
             <a:fld id="{D3F618D5-3DB9-B146-87ED-A3BCB7C64B91}" type="datetimeFigureOut">
               <a:rPr lang="it-IT" smtClean="0"/>
-              <a:t>13/11/2017</a:t>
+              <a:t>14/11/2017</a:t>
             </a:fld>
             <a:endParaRPr lang="en-GB"/>
           </a:p>
@@ -1977,7 +1980,7 @@
           <a:p>
             <a:fld id="{D3F618D5-3DB9-B146-87ED-A3BCB7C64B91}" type="datetimeFigureOut">
               <a:rPr lang="it-IT" smtClean="0"/>
-              <a:t>13/11/2017</a:t>
+              <a:t>14/11/2017</a:t>
             </a:fld>
             <a:endParaRPr lang="en-GB"/>
           </a:p>
@@ -2399,7 +2402,7 @@
           <a:p>
             <a:fld id="{D3F618D5-3DB9-B146-87ED-A3BCB7C64B91}" type="datetimeFigureOut">
               <a:rPr lang="it-IT" smtClean="0"/>
-              <a:t>13/11/2017</a:t>
+              <a:t>14/11/2017</a:t>
             </a:fld>
             <a:endParaRPr lang="en-GB"/>
           </a:p>
@@ -2517,7 +2520,7 @@
           <a:p>
             <a:fld id="{D3F618D5-3DB9-B146-87ED-A3BCB7C64B91}" type="datetimeFigureOut">
               <a:rPr lang="it-IT" smtClean="0"/>
-              <a:t>13/11/2017</a:t>
+              <a:t>14/11/2017</a:t>
             </a:fld>
             <a:endParaRPr lang="en-GB"/>
           </a:p>
@@ -2612,7 +2615,7 @@
           <a:p>
             <a:fld id="{D3F618D5-3DB9-B146-87ED-A3BCB7C64B91}" type="datetimeFigureOut">
               <a:rPr lang="it-IT" smtClean="0"/>
-              <a:t>13/11/2017</a:t>
+              <a:t>14/11/2017</a:t>
             </a:fld>
             <a:endParaRPr lang="en-GB"/>
           </a:p>
@@ -2889,7 +2892,7 @@
           <a:p>
             <a:fld id="{D3F618D5-3DB9-B146-87ED-A3BCB7C64B91}" type="datetimeFigureOut">
               <a:rPr lang="it-IT" smtClean="0"/>
-              <a:t>13/11/2017</a:t>
+              <a:t>14/11/2017</a:t>
             </a:fld>
             <a:endParaRPr lang="en-GB"/>
           </a:p>
@@ -3142,7 +3145,7 @@
           <a:p>
             <a:fld id="{D3F618D5-3DB9-B146-87ED-A3BCB7C64B91}" type="datetimeFigureOut">
               <a:rPr lang="it-IT" smtClean="0"/>
-              <a:t>13/11/2017</a:t>
+              <a:t>14/11/2017</a:t>
             </a:fld>
             <a:endParaRPr lang="en-GB"/>
           </a:p>
@@ -3355,7 +3358,7 @@
           <a:p>
             <a:fld id="{D3F618D5-3DB9-B146-87ED-A3BCB7C64B91}" type="datetimeFigureOut">
               <a:rPr lang="it-IT" smtClean="0"/>
-              <a:t>13/11/2017</a:t>
+              <a:t>14/11/2017</a:t>
             </a:fld>
             <a:endParaRPr lang="en-GB"/>
           </a:p>
@@ -8036,7 +8039,7 @@
       </p:sp>
       <p:pic>
         <p:nvPicPr>
-          <p:cNvPr id="3" name="Immagine 2"/>
+          <p:cNvPr id="4" name="Immagine 3"/>
           <p:cNvPicPr>
             <a:picLocks noChangeAspect="1"/>
           </p:cNvPicPr>
@@ -8056,8 +8059,8 @@
         </p:blipFill>
         <p:spPr>
           <a:xfrm>
-            <a:off x="143522" y="1532966"/>
-            <a:ext cx="8915414" cy="3845858"/>
+            <a:off x="0" y="1506071"/>
+            <a:ext cx="9138901" cy="3729317"/>
           </a:xfrm>
           <a:prstGeom prst="rect">
             <a:avLst/>
@@ -8890,7 +8893,7 @@
       </p:sp>
       <p:sp>
         <p:nvSpPr>
-          <p:cNvPr id="5" name="Titolo 1"/>
+          <p:cNvPr id="6" name="Titolo 1"/>
           <p:cNvSpPr txBox="1">
             <a:spLocks/>
           </p:cNvSpPr>
@@ -8898,7 +8901,7 @@
         </p:nvSpPr>
         <p:spPr>
           <a:xfrm>
-            <a:off x="457200" y="1371600"/>
+            <a:off x="533400" y="1697265"/>
             <a:ext cx="8229600" cy="1143000"/>
           </a:xfrm>
           <a:prstGeom prst="rect">
@@ -8906,11 +8909,11 @@
           </a:prstGeom>
         </p:spPr>
         <p:txBody>
-          <a:bodyPr>
+          <a:bodyPr vert="horz" lIns="91440" tIns="45720" rIns="91440" bIns="45720" rtlCol="0" anchor="ctr">
             <a:noAutofit/>
           </a:bodyPr>
           <a:lstStyle>
-            <a:lvl1pPr algn="ctr" defTabSz="457200" rtl="0" eaLnBrk="1" latinLnBrk="0" hangingPunct="1">
+            <a:lvl1pPr algn="ctr" defTabSz="914400" rtl="0" eaLnBrk="1" latinLnBrk="0" hangingPunct="1">
               <a:spcBef>
                 <a:spcPct val="0"/>
               </a:spcBef>
@@ -8928,7 +8931,11 @@
           <a:p>
             <a:r>
               <a:rPr lang="it-IT" sz="2000" dirty="0" smtClean="0"/>
-              <a:t>PATH OF THE OUTPUT FOLDER</a:t>
+              <a:t>FILE PATH FOR THE </a:t>
+            </a:r>
+            <a:r>
+              <a:rPr lang="it-IT" sz="2000" dirty="0" smtClean="0"/>
+              <a:t>SOURCE/SINK TERM</a:t>
             </a:r>
             <a:endParaRPr lang="it-IT" sz="2000" dirty="0"/>
           </a:p>
@@ -8942,8 +8949,8 @@
         </p:nvCxnSpPr>
         <p:spPr>
           <a:xfrm>
-            <a:off x="4314825" y="2115671"/>
-            <a:ext cx="0" cy="911464"/>
+            <a:off x="7273688" y="2460796"/>
+            <a:ext cx="0" cy="1045935"/>
           </a:xfrm>
           <a:prstGeom prst="straightConnector1">
             <a:avLst/>
@@ -8992,8 +8999,8 @@
         </p:blipFill>
         <p:spPr>
           <a:xfrm>
-            <a:off x="2065692" y="3219420"/>
-            <a:ext cx="5369595" cy="814698"/>
+            <a:off x="424600" y="3544629"/>
+            <a:ext cx="8447200" cy="807840"/>
           </a:xfrm>
           <a:prstGeom prst="rect">
             <a:avLst/>
@@ -9003,7 +9010,7 @@
     </p:spTree>
     <p:extLst>
       <p:ext uri="{BB962C8B-B14F-4D97-AF65-F5344CB8AC3E}">
-        <p14:creationId xmlns:p14="http://schemas.microsoft.com/office/powerpoint/2010/main" val="414435941"/>
+        <p14:creationId xmlns:p14="http://schemas.microsoft.com/office/powerpoint/2010/main" val="2447935455"/>
       </p:ext>
     </p:extLst>
   </p:cSld>
@@ -9194,15 +9201,97 @@
             <a:pPr algn="ctr"/>
             <a:r>
               <a:rPr lang="en-GB" sz="2000" dirty="0" smtClean="0"/>
-              <a:t>.sim file: connect </a:t>
+              <a:t>.sim file: parameters </a:t>
             </a:r>
             <a:endParaRPr lang="en-GB" sz="2000" dirty="0"/>
           </a:p>
         </p:txBody>
       </p:sp>
+      <p:sp>
+        <p:nvSpPr>
+          <p:cNvPr id="5" name="Titolo 1"/>
+          <p:cNvSpPr txBox="1">
+            <a:spLocks/>
+          </p:cNvSpPr>
+          <p:nvPr/>
+        </p:nvSpPr>
+        <p:spPr>
+          <a:xfrm>
+            <a:off x="457200" y="1371600"/>
+            <a:ext cx="8229600" cy="1143000"/>
+          </a:xfrm>
+          <a:prstGeom prst="rect">
+            <a:avLst/>
+          </a:prstGeom>
+        </p:spPr>
+        <p:txBody>
+          <a:bodyPr>
+            <a:noAutofit/>
+          </a:bodyPr>
+          <a:lstStyle>
+            <a:lvl1pPr algn="ctr" defTabSz="457200" rtl="0" eaLnBrk="1" latinLnBrk="0" hangingPunct="1">
+              <a:spcBef>
+                <a:spcPct val="0"/>
+              </a:spcBef>
+              <a:buNone/>
+              <a:defRPr sz="4400" kern="1200">
+                <a:solidFill>
+                  <a:schemeClr val="tx1"/>
+                </a:solidFill>
+                <a:latin typeface="+mj-lt"/>
+                <a:ea typeface="+mj-ea"/>
+                <a:cs typeface="+mj-cs"/>
+              </a:defRPr>
+            </a:lvl1pPr>
+          </a:lstStyle>
+          <a:p>
+            <a:r>
+              <a:rPr lang="it-IT" sz="2000" dirty="0" smtClean="0"/>
+              <a:t>PATH OF THE OUTPUT FOLDER</a:t>
+            </a:r>
+            <a:endParaRPr lang="it-IT" sz="2000" dirty="0"/>
+          </a:p>
+        </p:txBody>
+      </p:sp>
+      <p:cxnSp>
+        <p:nvCxnSpPr>
+          <p:cNvPr id="7" name="Connettore 2 6"/>
+          <p:cNvCxnSpPr/>
+          <p:nvPr/>
+        </p:nvCxnSpPr>
+        <p:spPr>
+          <a:xfrm>
+            <a:off x="4314825" y="2115671"/>
+            <a:ext cx="0" cy="911464"/>
+          </a:xfrm>
+          <a:prstGeom prst="straightConnector1">
+            <a:avLst/>
+          </a:prstGeom>
+          <a:ln w="57150">
+            <a:solidFill>
+              <a:srgbClr val="FF0000"/>
+            </a:solidFill>
+            <a:tailEnd type="arrow"/>
+          </a:ln>
+        </p:spPr>
+        <p:style>
+          <a:lnRef idx="1">
+            <a:schemeClr val="accent1"/>
+          </a:lnRef>
+          <a:fillRef idx="0">
+            <a:schemeClr val="accent1"/>
+          </a:fillRef>
+          <a:effectRef idx="0">
+            <a:schemeClr val="accent1"/>
+          </a:effectRef>
+          <a:fontRef idx="minor">
+            <a:schemeClr val="tx1"/>
+          </a:fontRef>
+        </p:style>
+      </p:cxnSp>
       <p:pic>
         <p:nvPicPr>
-          <p:cNvPr id="5" name="Segnaposto contenuto 3"/>
+          <p:cNvPr id="3" name="Immagine 2"/>
           <p:cNvPicPr>
             <a:picLocks noChangeAspect="1"/>
           </p:cNvPicPr>
@@ -9222,8 +9311,8 @@
         </p:blipFill>
         <p:spPr>
           <a:xfrm>
-            <a:off x="821004" y="1649505"/>
-            <a:ext cx="7501990" cy="3810000"/>
+            <a:off x="2065692" y="3219420"/>
+            <a:ext cx="5369595" cy="814698"/>
           </a:xfrm>
           <a:prstGeom prst="rect">
             <a:avLst/>
@@ -9233,7 +9322,7 @@
     </p:spTree>
     <p:extLst>
       <p:ext uri="{BB962C8B-B14F-4D97-AF65-F5344CB8AC3E}">
-        <p14:creationId xmlns:p14="http://schemas.microsoft.com/office/powerpoint/2010/main" val="4270181486"/>
+        <p14:creationId xmlns:p14="http://schemas.microsoft.com/office/powerpoint/2010/main" val="414435941"/>
       </p:ext>
     </p:extLst>
   </p:cSld>
@@ -9408,7 +9497,7 @@
         <p:spPr>
           <a:xfrm>
             <a:off x="1708712" y="524867"/>
-            <a:ext cx="5726575" cy="707886"/>
+            <a:ext cx="5726575" cy="400110"/>
           </a:xfrm>
           <a:prstGeom prst="rect">
             <a:avLst/>
@@ -9423,27 +9512,8 @@
           <a:p>
             <a:pPr algn="ctr"/>
             <a:r>
-              <a:rPr lang="it-IT" sz="2000" dirty="0" smtClean="0"/>
-              <a:t>INPUT </a:t>
-            </a:r>
-            <a:r>
-              <a:rPr lang="it-IT" sz="2000" dirty="0"/>
-              <a:t>FILE </a:t>
-            </a:r>
-            <a:r>
-              <a:rPr lang="it-IT" sz="2000" dirty="0" smtClean="0"/>
-              <a:t>FOR</a:t>
-            </a:r>
-            <a:r>
-              <a:rPr lang="it-IT" sz="2000" dirty="0"/>
-              <a:t/>
-            </a:r>
-            <a:br>
-              <a:rPr lang="it-IT" sz="2000" dirty="0"/>
-            </a:br>
-            <a:r>
-              <a:rPr lang="it-IT" sz="2000" dirty="0" smtClean="0"/>
-              <a:t>THE INITIAL CONDITION</a:t>
+              <a:rPr lang="en-GB" sz="2000" dirty="0" smtClean="0"/>
+              <a:t>.sim file: connect </a:t>
             </a:r>
             <a:endParaRPr lang="en-GB" sz="2000" dirty="0"/>
           </a:p>
@@ -9451,7 +9521,7 @@
       </p:sp>
       <p:pic>
         <p:nvPicPr>
-          <p:cNvPr id="4" name="Immagine 3"/>
+          <p:cNvPr id="3" name="Immagine 2"/>
           <p:cNvPicPr>
             <a:picLocks noChangeAspect="1"/>
           </p:cNvPicPr>
@@ -9471,8 +9541,8 @@
         </p:blipFill>
         <p:spPr>
           <a:xfrm>
-            <a:off x="3101787" y="1535869"/>
-            <a:ext cx="2940423" cy="4615575"/>
+            <a:off x="1054756" y="1344706"/>
+            <a:ext cx="7103126" cy="4209261"/>
           </a:xfrm>
           <a:prstGeom prst="rect">
             <a:avLst/>
@@ -9482,7 +9552,7 @@
     </p:spTree>
     <p:extLst>
       <p:ext uri="{BB962C8B-B14F-4D97-AF65-F5344CB8AC3E}">
-        <p14:creationId xmlns:p14="http://schemas.microsoft.com/office/powerpoint/2010/main" val="187457067"/>
+        <p14:creationId xmlns:p14="http://schemas.microsoft.com/office/powerpoint/2010/main" val="4270181486"/>
       </p:ext>
     </p:extLst>
   </p:cSld>
@@ -9698,125 +9768,40 @@
           </a:p>
         </p:txBody>
       </p:sp>
-      <p:sp>
-        <p:nvSpPr>
-          <p:cNvPr id="15" name="CasellaDiTesto 14"/>
-          <p:cNvSpPr txBox="1"/>
-          <p:nvPr/>
-        </p:nvSpPr>
-        <p:spPr>
-          <a:xfrm>
-            <a:off x="228600" y="1905000"/>
-            <a:ext cx="7315200" cy="1692771"/>
-          </a:xfrm>
-          <a:prstGeom prst="rect">
-            <a:avLst/>
-          </a:prstGeom>
-          <a:noFill/>
-        </p:spPr>
-        <p:txBody>
-          <a:bodyPr wrap="square" rtlCol="0">
-            <a:spAutoFit/>
-          </a:bodyPr>
-          <a:lstStyle/>
-          <a:p>
-            <a:pPr algn="just"/>
-            <a:r>
-              <a:rPr lang="it-IT" sz="2000" dirty="0" smtClean="0"/>
-              <a:t>THE FIRST LINE REFERS TO THE DEEPEST LAYER.</a:t>
-            </a:r>
-          </a:p>
-          <a:p>
-            <a:pPr algn="just"/>
-            <a:endParaRPr lang="it-IT" sz="2000" dirty="0" smtClean="0"/>
-          </a:p>
-          <a:p>
-            <a:pPr algn="just"/>
-            <a:r>
-              <a:rPr lang="it-IT" sz="2000" dirty="0" smtClean="0"/>
-              <a:t>THE DEPTH OF THE DEEPEST LAYER IS ALWAYS SMALLER THAN  </a:t>
-            </a:r>
-            <a:r>
-              <a:rPr lang="it-IT" sz="2000" i="1" dirty="0" err="1" smtClean="0">
-                <a:solidFill>
-                  <a:srgbClr val="0070C0"/>
-                </a:solidFill>
-              </a:rPr>
-              <a:t>spaceBottom</a:t>
-            </a:r>
-            <a:endParaRPr lang="it-IT" sz="2000" i="1" dirty="0" smtClean="0">
-              <a:solidFill>
-                <a:srgbClr val="0070C0"/>
-              </a:solidFill>
-            </a:endParaRPr>
-          </a:p>
-          <a:p>
-            <a:pPr algn="just"/>
-            <a:endParaRPr lang="it-IT" sz="2400" i="1" dirty="0">
-              <a:solidFill>
-                <a:srgbClr val="0070C0"/>
-              </a:solidFill>
-            </a:endParaRPr>
-          </a:p>
-        </p:txBody>
-      </p:sp>
-      <p:sp>
-        <p:nvSpPr>
-          <p:cNvPr id="16" name="CasellaDiTesto 15"/>
-          <p:cNvSpPr txBox="1"/>
-          <p:nvPr/>
-        </p:nvSpPr>
-        <p:spPr>
-          <a:xfrm>
-            <a:off x="1976651" y="4267200"/>
-            <a:ext cx="6858000" cy="1323439"/>
-          </a:xfrm>
-          <a:prstGeom prst="rect">
-            <a:avLst/>
-          </a:prstGeom>
-          <a:noFill/>
-        </p:spPr>
-        <p:txBody>
-          <a:bodyPr wrap="square" rtlCol="0">
-            <a:spAutoFit/>
-          </a:bodyPr>
-          <a:lstStyle/>
-          <a:p>
-            <a:pPr algn="just"/>
-            <a:r>
-              <a:rPr lang="it-IT" sz="2000" dirty="0" smtClean="0"/>
-              <a:t>THE LAST LINE REFERS TO THE UPPERMOST LAYER.  </a:t>
-            </a:r>
-          </a:p>
-          <a:p>
-            <a:pPr algn="just"/>
-            <a:endParaRPr lang="it-IT" sz="2000" dirty="0"/>
-          </a:p>
-          <a:p>
-            <a:pPr algn="just"/>
-            <a:r>
-              <a:rPr lang="it-IT" sz="2000" dirty="0" smtClean="0"/>
-              <a:t>THIS DEPTH IS ALWAYS GRATER THAN </a:t>
-            </a:r>
-            <a:r>
-              <a:rPr lang="it-IT" sz="2000" i="1" dirty="0" smtClean="0">
-                <a:solidFill>
-                  <a:srgbClr val="0070C0"/>
-                </a:solidFill>
-              </a:rPr>
-              <a:t>0m</a:t>
-            </a:r>
-          </a:p>
-          <a:p>
-            <a:pPr algn="just"/>
-            <a:endParaRPr lang="it-IT" sz="2000" dirty="0"/>
-          </a:p>
-        </p:txBody>
-      </p:sp>
+      <p:pic>
+        <p:nvPicPr>
+          <p:cNvPr id="4" name="Immagine 3"/>
+          <p:cNvPicPr>
+            <a:picLocks noChangeAspect="1"/>
+          </p:cNvPicPr>
+          <p:nvPr/>
+        </p:nvPicPr>
+        <p:blipFill>
+          <a:blip r:embed="rId2">
+            <a:extLst>
+              <a:ext uri="{28A0092B-C50C-407E-A947-70E740481C1C}">
+                <a14:useLocalDpi xmlns:a14="http://schemas.microsoft.com/office/drawing/2010/main" val="0"/>
+              </a:ext>
+            </a:extLst>
+          </a:blip>
+          <a:stretch>
+            <a:fillRect/>
+          </a:stretch>
+        </p:blipFill>
+        <p:spPr>
+          <a:xfrm>
+            <a:off x="3101787" y="1535869"/>
+            <a:ext cx="2940423" cy="4615575"/>
+          </a:xfrm>
+          <a:prstGeom prst="rect">
+            <a:avLst/>
+          </a:prstGeom>
+        </p:spPr>
+      </p:pic>
     </p:spTree>
     <p:extLst>
       <p:ext uri="{BB962C8B-B14F-4D97-AF65-F5344CB8AC3E}">
-        <p14:creationId xmlns:p14="http://schemas.microsoft.com/office/powerpoint/2010/main" val="1606213145"/>
+        <p14:creationId xmlns:p14="http://schemas.microsoft.com/office/powerpoint/2010/main" val="187457067"/>
       </p:ext>
     </p:extLst>
   </p:cSld>
@@ -10026,144 +10011,22 @@
             </a:br>
             <a:r>
               <a:rPr lang="it-IT" sz="2000" dirty="0" smtClean="0"/>
-              <a:t>THE TOP BOUNDARY CONDITION</a:t>
+              <a:t>THE INITIAL CONDITION</a:t>
             </a:r>
             <a:endParaRPr lang="en-GB" sz="2000" dirty="0"/>
           </a:p>
         </p:txBody>
       </p:sp>
-      <p:pic>
-        <p:nvPicPr>
-          <p:cNvPr id="15" name="Segnaposto contenuto 4"/>
-          <p:cNvPicPr>
-            <a:picLocks noChangeAspect="1"/>
-          </p:cNvPicPr>
-          <p:nvPr/>
-        </p:nvPicPr>
-        <p:blipFill>
-          <a:blip r:embed="rId2">
-            <a:extLst>
-              <a:ext uri="{28A0092B-C50C-407E-A947-70E740481C1C}">
-                <a14:useLocalDpi xmlns:a14="http://schemas.microsoft.com/office/drawing/2010/main" val="0"/>
-              </a:ext>
-            </a:extLst>
-          </a:blip>
-          <a:stretch>
-            <a:fillRect/>
-          </a:stretch>
-        </p:blipFill>
-        <p:spPr>
-          <a:xfrm>
-            <a:off x="533400" y="1371600"/>
-            <a:ext cx="4495800" cy="4720590"/>
-          </a:xfrm>
-          <a:prstGeom prst="rect">
-            <a:avLst/>
-          </a:prstGeom>
-        </p:spPr>
-      </p:pic>
-      <p:sp>
-        <p:nvSpPr>
-          <p:cNvPr id="16" name="Rettangolo 15"/>
-          <p:cNvSpPr/>
-          <p:nvPr/>
-        </p:nvSpPr>
-        <p:spPr>
-          <a:xfrm>
-            <a:off x="3276600" y="3048000"/>
-            <a:ext cx="1981200" cy="3084493"/>
-          </a:xfrm>
-          <a:prstGeom prst="rect">
-            <a:avLst/>
-          </a:prstGeom>
-          <a:noFill/>
-          <a:ln w="50800">
-            <a:solidFill>
-              <a:srgbClr val="00B050"/>
-            </a:solidFill>
-          </a:ln>
-        </p:spPr>
-        <p:style>
-          <a:lnRef idx="2">
-            <a:schemeClr val="accent1">
-              <a:shade val="50000"/>
-            </a:schemeClr>
-          </a:lnRef>
-          <a:fillRef idx="1">
-            <a:schemeClr val="accent1"/>
-          </a:fillRef>
-          <a:effectRef idx="0">
-            <a:schemeClr val="accent1"/>
-          </a:effectRef>
-          <a:fontRef idx="minor">
-            <a:schemeClr val="lt1"/>
-          </a:fontRef>
-        </p:style>
-        <p:txBody>
-          <a:bodyPr rtlCol="0" anchor="ctr"/>
-          <a:lstStyle/>
-          <a:p>
-            <a:pPr algn="ctr"/>
-            <a:endParaRPr lang="it-IT" dirty="0"/>
-          </a:p>
-        </p:txBody>
-      </p:sp>
-      <p:sp>
-        <p:nvSpPr>
-          <p:cNvPr id="17" name="Rettangolo 16"/>
-          <p:cNvSpPr/>
-          <p:nvPr/>
-        </p:nvSpPr>
-        <p:spPr>
-          <a:xfrm>
-            <a:off x="5791200" y="1828800"/>
-            <a:ext cx="3124200" cy="1219200"/>
-          </a:xfrm>
-          <a:prstGeom prst="rect">
-            <a:avLst/>
-          </a:prstGeom>
-          <a:noFill/>
-          <a:ln w="50800">
-            <a:solidFill>
-              <a:srgbClr val="00B050"/>
-            </a:solidFill>
-          </a:ln>
-        </p:spPr>
-        <p:style>
-          <a:lnRef idx="2">
-            <a:schemeClr val="accent1">
-              <a:shade val="50000"/>
-            </a:schemeClr>
-          </a:lnRef>
-          <a:fillRef idx="1">
-            <a:schemeClr val="accent1"/>
-          </a:fillRef>
-          <a:effectRef idx="0">
-            <a:schemeClr val="accent1"/>
-          </a:effectRef>
-          <a:fontRef idx="minor">
-            <a:schemeClr val="lt1"/>
-          </a:fontRef>
-        </p:style>
-        <p:txBody>
-          <a:bodyPr rtlCol="0" anchor="ctr"/>
-          <a:lstStyle/>
-          <a:p>
-            <a:pPr algn="ctr"/>
-            <a:endParaRPr lang="it-IT" dirty="0"/>
-          </a:p>
-        </p:txBody>
-      </p:sp>
-      <p:sp>
-        <p:nvSpPr>
-          <p:cNvPr id="18" name="CasellaDiTesto 17"/>
+      <p:sp>
+        <p:nvSpPr>
+          <p:cNvPr id="15" name="CasellaDiTesto 14"/>
           <p:cNvSpPr txBox="1"/>
           <p:nvPr/>
         </p:nvSpPr>
         <p:spPr>
           <a:xfrm>
-            <a:off x="5970490" y="2203551"/>
-            <a:ext cx="3041176" cy="400110"/>
+            <a:off x="228600" y="1905000"/>
+            <a:ext cx="7315200" cy="1692771"/>
           </a:xfrm>
           <a:prstGeom prst="rect">
             <a:avLst/>
@@ -10176,54 +10039,103 @@
           </a:bodyPr>
           <a:lstStyle/>
           <a:p>
+            <a:pPr algn="just"/>
             <a:r>
               <a:rPr lang="it-IT" sz="2000" dirty="0" smtClean="0"/>
-              <a:t>RAINFALL HEIGHT [mm]</a:t>
-            </a:r>
+              <a:t>THE FIRST LINE REFERS TO THE DEEPEST LAYER.</a:t>
+            </a:r>
+          </a:p>
+          <a:p>
+            <a:pPr algn="just"/>
+            <a:endParaRPr lang="it-IT" sz="2000" dirty="0" smtClean="0"/>
+          </a:p>
+          <a:p>
+            <a:pPr algn="just"/>
+            <a:r>
+              <a:rPr lang="it-IT" sz="2000" dirty="0" smtClean="0"/>
+              <a:t>THE DEPTH OF THE DEEPEST LAYER IS ALWAYS SMALLER THAN  </a:t>
+            </a:r>
+            <a:r>
+              <a:rPr lang="it-IT" sz="2000" i="1" dirty="0" err="1" smtClean="0">
+                <a:solidFill>
+                  <a:srgbClr val="0070C0"/>
+                </a:solidFill>
+              </a:rPr>
+              <a:t>spaceBottom</a:t>
+            </a:r>
+            <a:endParaRPr lang="it-IT" sz="2000" i="1" dirty="0" smtClean="0">
+              <a:solidFill>
+                <a:srgbClr val="0070C0"/>
+              </a:solidFill>
+            </a:endParaRPr>
+          </a:p>
+          <a:p>
+            <a:pPr algn="just"/>
+            <a:endParaRPr lang="it-IT" sz="2400" i="1" dirty="0">
+              <a:solidFill>
+                <a:srgbClr val="0070C0"/>
+              </a:solidFill>
+            </a:endParaRPr>
+          </a:p>
+        </p:txBody>
+      </p:sp>
+      <p:sp>
+        <p:nvSpPr>
+          <p:cNvPr id="16" name="CasellaDiTesto 15"/>
+          <p:cNvSpPr txBox="1"/>
+          <p:nvPr/>
+        </p:nvSpPr>
+        <p:spPr>
+          <a:xfrm>
+            <a:off x="1976651" y="4267200"/>
+            <a:ext cx="6858000" cy="1323439"/>
+          </a:xfrm>
+          <a:prstGeom prst="rect">
+            <a:avLst/>
+          </a:prstGeom>
+          <a:noFill/>
+        </p:spPr>
+        <p:txBody>
+          <a:bodyPr wrap="square" rtlCol="0">
+            <a:spAutoFit/>
+          </a:bodyPr>
+          <a:lstStyle/>
+          <a:p>
+            <a:pPr algn="just"/>
+            <a:r>
+              <a:rPr lang="it-IT" sz="2000" dirty="0" smtClean="0"/>
+              <a:t>THE LAST LINE REFERS TO THE UPPERMOST LAYER.  </a:t>
+            </a:r>
+          </a:p>
+          <a:p>
+            <a:pPr algn="just"/>
             <a:endParaRPr lang="it-IT" sz="2000" dirty="0"/>
           </a:p>
-        </p:txBody>
-      </p:sp>
-      <p:cxnSp>
-        <p:nvCxnSpPr>
-          <p:cNvPr id="19" name="Connettore 2 18"/>
-          <p:cNvCxnSpPr/>
-          <p:nvPr/>
-        </p:nvCxnSpPr>
-        <p:spPr>
-          <a:xfrm flipH="1">
-            <a:off x="5257800" y="2403901"/>
-            <a:ext cx="533400" cy="609600"/>
-          </a:xfrm>
-          <a:prstGeom prst="straightConnector1">
-            <a:avLst/>
-          </a:prstGeom>
-          <a:ln w="57150">
-            <a:solidFill>
-              <a:srgbClr val="00B050"/>
-            </a:solidFill>
-            <a:tailEnd type="arrow"/>
-          </a:ln>
-        </p:spPr>
-        <p:style>
-          <a:lnRef idx="1">
-            <a:schemeClr val="accent1"/>
-          </a:lnRef>
-          <a:fillRef idx="0">
-            <a:schemeClr val="accent1"/>
-          </a:fillRef>
-          <a:effectRef idx="0">
-            <a:schemeClr val="accent1"/>
-          </a:effectRef>
-          <a:fontRef idx="minor">
-            <a:schemeClr val="tx1"/>
-          </a:fontRef>
-        </p:style>
-      </p:cxnSp>
+          <a:p>
+            <a:pPr algn="just"/>
+            <a:r>
+              <a:rPr lang="it-IT" sz="2000" dirty="0" smtClean="0"/>
+              <a:t>THIS DEPTH IS ALWAYS GRATER THAN </a:t>
+            </a:r>
+            <a:r>
+              <a:rPr lang="it-IT" sz="2000" i="1" dirty="0" smtClean="0">
+                <a:solidFill>
+                  <a:srgbClr val="0070C0"/>
+                </a:solidFill>
+              </a:rPr>
+              <a:t>0m</a:t>
+            </a:r>
+          </a:p>
+          <a:p>
+            <a:pPr algn="just"/>
+            <a:endParaRPr lang="it-IT" sz="2000" dirty="0"/>
+          </a:p>
+        </p:txBody>
+      </p:sp>
     </p:spTree>
     <p:extLst>
       <p:ext uri="{BB962C8B-B14F-4D97-AF65-F5344CB8AC3E}">
-        <p14:creationId xmlns:p14="http://schemas.microsoft.com/office/powerpoint/2010/main" val="2231745101"/>
+        <p14:creationId xmlns:p14="http://schemas.microsoft.com/office/powerpoint/2010/main" val="1606213145"/>
       </p:ext>
     </p:extLst>
   </p:cSld>
@@ -10424,135 +10336,24 @@
               <a:rPr lang="it-IT" sz="2000" dirty="0" smtClean="0"/>
               <a:t>FOR</a:t>
             </a:r>
-          </a:p>
-          <a:p>
-            <a:pPr algn="ctr"/>
+            <a:r>
+              <a:rPr lang="it-IT" sz="2000" dirty="0"/>
+              <a:t/>
+            </a:r>
+            <a:br>
+              <a:rPr lang="it-IT" sz="2000" dirty="0"/>
+            </a:br>
             <a:r>
               <a:rPr lang="it-IT" sz="2000" dirty="0" smtClean="0"/>
-              <a:t>THE BOTTOM BOUNDARY CONDITION</a:t>
+              <a:t>THE SOURCE/SINK TERM</a:t>
             </a:r>
             <a:endParaRPr lang="en-GB" sz="2000" dirty="0"/>
           </a:p>
         </p:txBody>
       </p:sp>
-      <p:sp>
-        <p:nvSpPr>
-          <p:cNvPr id="17" name="Rettangolo 16"/>
-          <p:cNvSpPr/>
-          <p:nvPr/>
-        </p:nvSpPr>
-        <p:spPr>
-          <a:xfrm>
-            <a:off x="5791200" y="1828800"/>
-            <a:ext cx="3124200" cy="1219200"/>
-          </a:xfrm>
-          <a:prstGeom prst="rect">
-            <a:avLst/>
-          </a:prstGeom>
-          <a:noFill/>
-          <a:ln w="50800">
-            <a:solidFill>
-              <a:srgbClr val="00B050"/>
-            </a:solidFill>
-          </a:ln>
-        </p:spPr>
-        <p:style>
-          <a:lnRef idx="2">
-            <a:schemeClr val="accent1">
-              <a:shade val="50000"/>
-            </a:schemeClr>
-          </a:lnRef>
-          <a:fillRef idx="1">
-            <a:schemeClr val="accent1"/>
-          </a:fillRef>
-          <a:effectRef idx="0">
-            <a:schemeClr val="accent1"/>
-          </a:effectRef>
-          <a:fontRef idx="minor">
-            <a:schemeClr val="lt1"/>
-          </a:fontRef>
-        </p:style>
-        <p:txBody>
-          <a:bodyPr rtlCol="0" anchor="ctr"/>
-          <a:lstStyle/>
-          <a:p>
-            <a:pPr algn="ctr"/>
-            <a:endParaRPr lang="it-IT" dirty="0"/>
-          </a:p>
-        </p:txBody>
-      </p:sp>
-      <p:sp>
-        <p:nvSpPr>
-          <p:cNvPr id="18" name="CasellaDiTesto 17"/>
-          <p:cNvSpPr txBox="1"/>
-          <p:nvPr/>
-        </p:nvSpPr>
-        <p:spPr>
-          <a:xfrm>
-            <a:off x="5886499" y="1990161"/>
-            <a:ext cx="3041176" cy="1323439"/>
-          </a:xfrm>
-          <a:prstGeom prst="rect">
-            <a:avLst/>
-          </a:prstGeom>
-          <a:noFill/>
-        </p:spPr>
-        <p:txBody>
-          <a:bodyPr wrap="square" rtlCol="0">
-            <a:spAutoFit/>
-          </a:bodyPr>
-          <a:lstStyle/>
-          <a:p>
-            <a:r>
-              <a:rPr lang="it-IT" sz="2000" dirty="0" smtClean="0"/>
-              <a:t>WATER PRESSURE AT THE BOTTOM OF THE DOMAIN  [m]</a:t>
-            </a:r>
-            <a:endParaRPr lang="it-IT" sz="2000" dirty="0"/>
-          </a:p>
-          <a:p>
-            <a:endParaRPr lang="it-IT" sz="2000" dirty="0"/>
-          </a:p>
-        </p:txBody>
-      </p:sp>
-      <p:cxnSp>
-        <p:nvCxnSpPr>
-          <p:cNvPr id="19" name="Connettore 2 18"/>
-          <p:cNvCxnSpPr/>
-          <p:nvPr/>
-        </p:nvCxnSpPr>
-        <p:spPr>
-          <a:xfrm flipH="1">
-            <a:off x="5257800" y="2403901"/>
-            <a:ext cx="533400" cy="609600"/>
-          </a:xfrm>
-          <a:prstGeom prst="straightConnector1">
-            <a:avLst/>
-          </a:prstGeom>
-          <a:ln w="57150">
-            <a:solidFill>
-              <a:srgbClr val="00B050"/>
-            </a:solidFill>
-            <a:tailEnd type="arrow"/>
-          </a:ln>
-        </p:spPr>
-        <p:style>
-          <a:lnRef idx="1">
-            <a:schemeClr val="accent1"/>
-          </a:lnRef>
-          <a:fillRef idx="0">
-            <a:schemeClr val="accent1"/>
-          </a:fillRef>
-          <a:effectRef idx="0">
-            <a:schemeClr val="accent1"/>
-          </a:effectRef>
-          <a:fontRef idx="minor">
-            <a:schemeClr val="tx1"/>
-          </a:fontRef>
-        </p:style>
-      </p:cxnSp>
       <p:pic>
         <p:nvPicPr>
-          <p:cNvPr id="10" name="Segnaposto contenuto 4"/>
+          <p:cNvPr id="3" name="Immagine 2"/>
           <p:cNvPicPr>
             <a:picLocks noChangeAspect="1"/>
           </p:cNvPicPr>
@@ -10572,64 +10373,18 @@
         </p:blipFill>
         <p:spPr>
           <a:xfrm>
-            <a:off x="685800" y="1828800"/>
-            <a:ext cx="4257833" cy="4025261"/>
+            <a:off x="3623337" y="1389597"/>
+            <a:ext cx="2221651" cy="4921572"/>
           </a:xfrm>
           <a:prstGeom prst="rect">
             <a:avLst/>
           </a:prstGeom>
         </p:spPr>
       </p:pic>
-      <p:sp>
-        <p:nvSpPr>
-          <p:cNvPr id="16" name="Rettangolo 15"/>
-          <p:cNvSpPr/>
-          <p:nvPr/>
-        </p:nvSpPr>
-        <p:spPr>
-          <a:xfrm>
-            <a:off x="3276600" y="3048000"/>
-            <a:ext cx="1981200" cy="3084493"/>
-          </a:xfrm>
-          <a:prstGeom prst="rect">
-            <a:avLst/>
-          </a:prstGeom>
-          <a:noFill/>
-          <a:ln w="50800">
-            <a:solidFill>
-              <a:srgbClr val="00B050"/>
-            </a:solidFill>
-          </a:ln>
-        </p:spPr>
-        <p:style>
-          <a:lnRef idx="2">
-            <a:schemeClr val="accent1">
-              <a:shade val="50000"/>
-            </a:schemeClr>
-          </a:lnRef>
-          <a:fillRef idx="1">
-            <a:schemeClr val="accent1"/>
-          </a:fillRef>
-          <a:effectRef idx="0">
-            <a:schemeClr val="accent1"/>
-          </a:effectRef>
-          <a:fontRef idx="minor">
-            <a:schemeClr val="lt1"/>
-          </a:fontRef>
-        </p:style>
-        <p:txBody>
-          <a:bodyPr rtlCol="0" anchor="ctr"/>
-          <a:lstStyle/>
-          <a:p>
-            <a:pPr algn="ctr"/>
-            <a:endParaRPr lang="it-IT" dirty="0"/>
-          </a:p>
-        </p:txBody>
-      </p:sp>
     </p:spTree>
     <p:extLst>
       <p:ext uri="{BB962C8B-B14F-4D97-AF65-F5344CB8AC3E}">
-        <p14:creationId xmlns:p14="http://schemas.microsoft.com/office/powerpoint/2010/main" val="3893143138"/>
+        <p14:creationId xmlns:p14="http://schemas.microsoft.com/office/powerpoint/2010/main" val="1491247893"/>
       </p:ext>
     </p:extLst>
   </p:cSld>
@@ -10664,36 +10419,6 @@
           <a:chExt cx="0" cy="0"/>
         </a:xfrm>
       </p:grpSpPr>
-      <p:pic>
-        <p:nvPicPr>
-          <p:cNvPr id="3" name="Immagine 2"/>
-          <p:cNvPicPr>
-            <a:picLocks noChangeAspect="1"/>
-          </p:cNvPicPr>
-          <p:nvPr/>
-        </p:nvPicPr>
-        <p:blipFill>
-          <a:blip r:embed="rId2">
-            <a:extLst>
-              <a:ext uri="{28A0092B-C50C-407E-A947-70E740481C1C}">
-                <a14:useLocalDpi xmlns:a14="http://schemas.microsoft.com/office/drawing/2010/main" val="0"/>
-              </a:ext>
-            </a:extLst>
-          </a:blip>
-          <a:stretch>
-            <a:fillRect/>
-          </a:stretch>
-        </p:blipFill>
-        <p:spPr>
-          <a:xfrm>
-            <a:off x="660820" y="3396165"/>
-            <a:ext cx="5130380" cy="2185831"/>
-          </a:xfrm>
-          <a:prstGeom prst="rect">
-            <a:avLst/>
-          </a:prstGeom>
-        </p:spPr>
-      </p:pic>
       <p:sp>
         <p:nvSpPr>
           <p:cNvPr id="154" name="Shape 154"/>
@@ -10834,7 +10559,7 @@
         <p:spPr>
           <a:xfrm>
             <a:off x="1708712" y="524867"/>
-            <a:ext cx="5726575" cy="400110"/>
+            <a:ext cx="5726575" cy="707886"/>
           </a:xfrm>
           <a:prstGeom prst="rect">
             <a:avLst/>
@@ -10850,7 +10575,26 @@
             <a:pPr algn="ctr"/>
             <a:r>
               <a:rPr lang="it-IT" sz="2000" dirty="0" smtClean="0"/>
-              <a:t>WATER PRESSURE OUTPUT FILE</a:t>
+              <a:t>INPUT </a:t>
+            </a:r>
+            <a:r>
+              <a:rPr lang="it-IT" sz="2000" dirty="0"/>
+              <a:t>FILE </a:t>
+            </a:r>
+            <a:r>
+              <a:rPr lang="it-IT" sz="2000" dirty="0" smtClean="0"/>
+              <a:t>FOR</a:t>
+            </a:r>
+            <a:r>
+              <a:rPr lang="it-IT" sz="2000" dirty="0"/>
+              <a:t/>
+            </a:r>
+            <a:br>
+              <a:rPr lang="it-IT" sz="2000" dirty="0"/>
+            </a:br>
+            <a:r>
+              <a:rPr lang="it-IT" sz="2000" dirty="0" smtClean="0"/>
+              <a:t>THE SOURCE/SINK TERM</a:t>
             </a:r>
             <a:endParaRPr lang="en-GB" sz="2000" dirty="0"/>
           </a:p>
@@ -10858,14 +10602,14 @@
       </p:sp>
       <p:sp>
         <p:nvSpPr>
-          <p:cNvPr id="11" name="CasellaDiTesto 10"/>
+          <p:cNvPr id="15" name="CasellaDiTesto 14"/>
           <p:cNvSpPr txBox="1"/>
           <p:nvPr/>
         </p:nvSpPr>
         <p:spPr>
           <a:xfrm>
-            <a:off x="484188" y="1111626"/>
-            <a:ext cx="4038600" cy="707886"/>
+            <a:off x="228600" y="1905000"/>
+            <a:ext cx="7315200" cy="1692771"/>
           </a:xfrm>
           <a:prstGeom prst="rect">
             <a:avLst/>
@@ -10881,150 +10625,53 @@
             <a:pPr algn="just"/>
             <a:r>
               <a:rPr lang="it-IT" sz="2000" dirty="0" smtClean="0"/>
-              <a:t>TIME AT WHICH THE SOLUTION IS COMPUTED</a:t>
-            </a:r>
-            <a:endParaRPr lang="it-IT" sz="2000" dirty="0"/>
-          </a:p>
-        </p:txBody>
-      </p:sp>
-      <p:sp>
-        <p:nvSpPr>
-          <p:cNvPr id="12" name="Rettangolo 11"/>
-          <p:cNvSpPr/>
-          <p:nvPr/>
-        </p:nvSpPr>
-        <p:spPr>
-          <a:xfrm>
-            <a:off x="398069" y="3135729"/>
-            <a:ext cx="3537419" cy="569893"/>
-          </a:xfrm>
-          <a:prstGeom prst="rect">
-            <a:avLst/>
-          </a:prstGeom>
-          <a:noFill/>
-          <a:ln w="50800">
-            <a:solidFill>
-              <a:srgbClr val="00B050"/>
-            </a:solidFill>
-          </a:ln>
-        </p:spPr>
-        <p:style>
-          <a:lnRef idx="2">
-            <a:schemeClr val="accent1">
-              <a:shade val="50000"/>
-            </a:schemeClr>
-          </a:lnRef>
-          <a:fillRef idx="1">
-            <a:schemeClr val="accent1"/>
-          </a:fillRef>
-          <a:effectRef idx="0">
-            <a:schemeClr val="accent1"/>
-          </a:effectRef>
-          <a:fontRef idx="minor">
-            <a:schemeClr val="lt1"/>
-          </a:fontRef>
-        </p:style>
-        <p:txBody>
-          <a:bodyPr rtlCol="0" anchor="ctr"/>
-          <a:lstStyle/>
-          <a:p>
-            <a:pPr algn="ctr"/>
-            <a:endParaRPr lang="it-IT" dirty="0"/>
-          </a:p>
-        </p:txBody>
-      </p:sp>
-      <p:sp>
-        <p:nvSpPr>
-          <p:cNvPr id="13" name="Rettangolo 12"/>
-          <p:cNvSpPr/>
-          <p:nvPr/>
-        </p:nvSpPr>
-        <p:spPr>
-          <a:xfrm>
-            <a:off x="331788" y="1111626"/>
-            <a:ext cx="4191000" cy="1219200"/>
-          </a:xfrm>
-          <a:prstGeom prst="rect">
-            <a:avLst/>
-          </a:prstGeom>
-          <a:noFill/>
-          <a:ln w="50800">
-            <a:solidFill>
-              <a:srgbClr val="00B050"/>
-            </a:solidFill>
-          </a:ln>
-        </p:spPr>
-        <p:style>
-          <a:lnRef idx="2">
-            <a:schemeClr val="accent1">
-              <a:shade val="50000"/>
-            </a:schemeClr>
-          </a:lnRef>
-          <a:fillRef idx="1">
-            <a:schemeClr val="accent1"/>
-          </a:fillRef>
-          <a:effectRef idx="0">
-            <a:schemeClr val="accent1"/>
-          </a:effectRef>
-          <a:fontRef idx="minor">
-            <a:schemeClr val="lt1"/>
-          </a:fontRef>
-        </p:style>
-        <p:txBody>
-          <a:bodyPr rtlCol="0" anchor="ctr"/>
-          <a:lstStyle/>
-          <a:p>
-            <a:pPr algn="ctr"/>
-            <a:endParaRPr lang="it-IT" dirty="0"/>
-          </a:p>
-        </p:txBody>
-      </p:sp>
-      <p:cxnSp>
-        <p:nvCxnSpPr>
-          <p:cNvPr id="20" name="Connettore 2 19"/>
-          <p:cNvCxnSpPr/>
-          <p:nvPr/>
-        </p:nvCxnSpPr>
-        <p:spPr>
-          <a:xfrm>
-            <a:off x="1703388" y="2407026"/>
-            <a:ext cx="0" cy="609600"/>
-          </a:xfrm>
-          <a:prstGeom prst="straightConnector1">
-            <a:avLst/>
-          </a:prstGeom>
-          <a:ln w="57150">
-            <a:solidFill>
-              <a:srgbClr val="00B050"/>
-            </a:solidFill>
-            <a:tailEnd type="arrow"/>
-          </a:ln>
-        </p:spPr>
-        <p:style>
-          <a:lnRef idx="1">
-            <a:schemeClr val="accent1"/>
-          </a:lnRef>
-          <a:fillRef idx="0">
-            <a:schemeClr val="accent1"/>
-          </a:fillRef>
-          <a:effectRef idx="0">
-            <a:schemeClr val="accent1"/>
-          </a:effectRef>
-          <a:fontRef idx="minor">
-            <a:schemeClr val="tx1"/>
-          </a:fontRef>
-        </p:style>
-      </p:cxnSp>
-      <p:sp>
-        <p:nvSpPr>
-          <p:cNvPr id="21" name="CasellaDiTesto 20"/>
+              <a:t>THE FIRST LINE REFERS TO THE DEEPEST LAYER.</a:t>
+            </a:r>
+          </a:p>
+          <a:p>
+            <a:pPr algn="just"/>
+            <a:endParaRPr lang="it-IT" sz="2000" dirty="0" smtClean="0"/>
+          </a:p>
+          <a:p>
+            <a:pPr algn="just"/>
+            <a:r>
+              <a:rPr lang="it-IT" sz="2000" dirty="0" smtClean="0"/>
+              <a:t>THE DEPTH OF THE DEEPEST LAYER IS ALWAYS SMALLER THAN  </a:t>
+            </a:r>
+            <a:r>
+              <a:rPr lang="it-IT" sz="2000" i="1" dirty="0" err="1" smtClean="0">
+                <a:solidFill>
+                  <a:srgbClr val="0070C0"/>
+                </a:solidFill>
+              </a:rPr>
+              <a:t>spaceBottom</a:t>
+            </a:r>
+            <a:endParaRPr lang="it-IT" sz="2000" i="1" dirty="0" smtClean="0">
+              <a:solidFill>
+                <a:srgbClr val="0070C0"/>
+              </a:solidFill>
+            </a:endParaRPr>
+          </a:p>
+          <a:p>
+            <a:pPr algn="just"/>
+            <a:endParaRPr lang="it-IT" sz="2400" i="1" dirty="0">
+              <a:solidFill>
+                <a:srgbClr val="0070C0"/>
+              </a:solidFill>
+            </a:endParaRPr>
+          </a:p>
+        </p:txBody>
+      </p:sp>
+      <p:sp>
+        <p:nvSpPr>
+          <p:cNvPr id="16" name="CasellaDiTesto 15"/>
           <p:cNvSpPr txBox="1"/>
           <p:nvPr/>
         </p:nvSpPr>
         <p:spPr>
           <a:xfrm>
-            <a:off x="439264" y="5979458"/>
-            <a:ext cx="2403143" cy="400110"/>
+            <a:off x="1976651" y="4267200"/>
+            <a:ext cx="6858000" cy="1323439"/>
           </a:xfrm>
           <a:prstGeom prst="rect">
             <a:avLst/>
@@ -11037,304 +10684,41 @@
           </a:bodyPr>
           <a:lstStyle/>
           <a:p>
+            <a:pPr algn="just"/>
             <a:r>
               <a:rPr lang="it-IT" sz="2000" dirty="0" smtClean="0"/>
-              <a:t>DEPTH [m]</a:t>
-            </a:r>
+              <a:t>THE LAST LINE REFERS TO THE UPPERMOST LAYER.  </a:t>
+            </a:r>
+          </a:p>
+          <a:p>
+            <a:pPr algn="just"/>
             <a:endParaRPr lang="it-IT" sz="2000" dirty="0"/>
           </a:p>
-        </p:txBody>
-      </p:sp>
-      <p:sp>
-        <p:nvSpPr>
-          <p:cNvPr id="22" name="CasellaDiTesto 21"/>
-          <p:cNvSpPr txBox="1"/>
-          <p:nvPr/>
-        </p:nvSpPr>
-        <p:spPr>
-          <a:xfrm>
-            <a:off x="4665270" y="5997406"/>
-            <a:ext cx="2900915" cy="400110"/>
-          </a:xfrm>
-          <a:prstGeom prst="rect">
-            <a:avLst/>
-          </a:prstGeom>
-          <a:noFill/>
-        </p:spPr>
-        <p:txBody>
-          <a:bodyPr wrap="square" rtlCol="0">
-            <a:spAutoFit/>
-          </a:bodyPr>
-          <a:lstStyle/>
-          <a:p>
+          <a:p>
+            <a:pPr algn="just"/>
             <a:r>
               <a:rPr lang="it-IT" sz="2000" dirty="0" smtClean="0"/>
-              <a:t>WATER PRESSURE [m]</a:t>
-            </a:r>
+              <a:t>THIS DEPTH IS ALWAYS GRATER THAN </a:t>
+            </a:r>
+            <a:r>
+              <a:rPr lang="it-IT" sz="2000" i="1" dirty="0" smtClean="0">
+                <a:solidFill>
+                  <a:srgbClr val="0070C0"/>
+                </a:solidFill>
+              </a:rPr>
+              <a:t>0m</a:t>
+            </a:r>
+          </a:p>
+          <a:p>
+            <a:pPr algn="just"/>
             <a:endParaRPr lang="it-IT" sz="2000" dirty="0"/>
           </a:p>
         </p:txBody>
       </p:sp>
-      <p:sp>
-        <p:nvSpPr>
-          <p:cNvPr id="23" name="Rettangolo 22"/>
-          <p:cNvSpPr/>
-          <p:nvPr/>
-        </p:nvSpPr>
-        <p:spPr>
-          <a:xfrm>
-            <a:off x="3930181" y="5912226"/>
-            <a:ext cx="3537419" cy="569893"/>
-          </a:xfrm>
-          <a:prstGeom prst="rect">
-            <a:avLst/>
-          </a:prstGeom>
-          <a:noFill/>
-          <a:ln w="50800">
-            <a:solidFill>
-              <a:srgbClr val="0070C0"/>
-            </a:solidFill>
-          </a:ln>
-        </p:spPr>
-        <p:style>
-          <a:lnRef idx="2">
-            <a:schemeClr val="accent1">
-              <a:shade val="50000"/>
-            </a:schemeClr>
-          </a:lnRef>
-          <a:fillRef idx="1">
-            <a:schemeClr val="accent1"/>
-          </a:fillRef>
-          <a:effectRef idx="0">
-            <a:schemeClr val="accent1"/>
-          </a:effectRef>
-          <a:fontRef idx="minor">
-            <a:schemeClr val="lt1"/>
-          </a:fontRef>
-        </p:style>
-        <p:txBody>
-          <a:bodyPr rtlCol="0" anchor="ctr"/>
-          <a:lstStyle/>
-          <a:p>
-            <a:pPr algn="ctr"/>
-            <a:endParaRPr lang="it-IT" dirty="0"/>
-          </a:p>
-        </p:txBody>
-      </p:sp>
-      <p:sp>
-        <p:nvSpPr>
-          <p:cNvPr id="24" name="Rettangolo 23"/>
-          <p:cNvSpPr/>
-          <p:nvPr/>
-        </p:nvSpPr>
-        <p:spPr>
-          <a:xfrm>
-            <a:off x="1981200" y="3778626"/>
-            <a:ext cx="4419600" cy="1803370"/>
-          </a:xfrm>
-          <a:prstGeom prst="rect">
-            <a:avLst/>
-          </a:prstGeom>
-          <a:noFill/>
-          <a:ln w="50800">
-            <a:solidFill>
-              <a:srgbClr val="0070C0"/>
-            </a:solidFill>
-          </a:ln>
-        </p:spPr>
-        <p:style>
-          <a:lnRef idx="2">
-            <a:schemeClr val="accent1">
-              <a:shade val="50000"/>
-            </a:schemeClr>
-          </a:lnRef>
-          <a:fillRef idx="1">
-            <a:schemeClr val="accent1"/>
-          </a:fillRef>
-          <a:effectRef idx="0">
-            <a:schemeClr val="accent1"/>
-          </a:effectRef>
-          <a:fontRef idx="minor">
-            <a:schemeClr val="lt1"/>
-          </a:fontRef>
-        </p:style>
-        <p:txBody>
-          <a:bodyPr rtlCol="0" anchor="ctr"/>
-          <a:lstStyle/>
-          <a:p>
-            <a:pPr algn="ctr"/>
-            <a:endParaRPr lang="it-IT" dirty="0"/>
-          </a:p>
-        </p:txBody>
-      </p:sp>
-      <p:cxnSp>
-        <p:nvCxnSpPr>
-          <p:cNvPr id="25" name="Connettore 2 24"/>
-          <p:cNvCxnSpPr/>
-          <p:nvPr/>
-        </p:nvCxnSpPr>
-        <p:spPr>
-          <a:xfrm>
-            <a:off x="5867400" y="5455026"/>
-            <a:ext cx="0" cy="424033"/>
-          </a:xfrm>
-          <a:prstGeom prst="straightConnector1">
-            <a:avLst/>
-          </a:prstGeom>
-          <a:ln w="57150">
-            <a:solidFill>
-              <a:srgbClr val="0070C0"/>
-            </a:solidFill>
-            <a:tailEnd type="arrow"/>
-          </a:ln>
-        </p:spPr>
-        <p:style>
-          <a:lnRef idx="1">
-            <a:schemeClr val="accent1"/>
-          </a:lnRef>
-          <a:fillRef idx="0">
-            <a:schemeClr val="accent1"/>
-          </a:fillRef>
-          <a:effectRef idx="0">
-            <a:schemeClr val="accent1"/>
-          </a:effectRef>
-          <a:fontRef idx="minor">
-            <a:schemeClr val="tx1"/>
-          </a:fontRef>
-        </p:style>
-      </p:cxnSp>
-      <p:sp>
-        <p:nvSpPr>
-          <p:cNvPr id="26" name="Rettangolo 25"/>
-          <p:cNvSpPr/>
-          <p:nvPr/>
-        </p:nvSpPr>
-        <p:spPr>
-          <a:xfrm>
-            <a:off x="-15922" y="5879059"/>
-            <a:ext cx="3537419" cy="569893"/>
-          </a:xfrm>
-          <a:prstGeom prst="rect">
-            <a:avLst/>
-          </a:prstGeom>
-          <a:noFill/>
-          <a:ln w="50800">
-            <a:solidFill>
-              <a:srgbClr val="FF0000"/>
-            </a:solidFill>
-          </a:ln>
-        </p:spPr>
-        <p:style>
-          <a:lnRef idx="2">
-            <a:schemeClr val="accent1">
-              <a:shade val="50000"/>
-            </a:schemeClr>
-          </a:lnRef>
-          <a:fillRef idx="1">
-            <a:schemeClr val="accent1"/>
-          </a:fillRef>
-          <a:effectRef idx="0">
-            <a:schemeClr val="accent1"/>
-          </a:effectRef>
-          <a:fontRef idx="minor">
-            <a:schemeClr val="lt1"/>
-          </a:fontRef>
-        </p:style>
-        <p:txBody>
-          <a:bodyPr rtlCol="0" anchor="ctr"/>
-          <a:lstStyle/>
-          <a:p>
-            <a:pPr algn="ctr"/>
-            <a:endParaRPr lang="it-IT" dirty="0"/>
-          </a:p>
-        </p:txBody>
-      </p:sp>
-      <p:sp>
-        <p:nvSpPr>
-          <p:cNvPr id="27" name="Rettangolo 26"/>
-          <p:cNvSpPr/>
-          <p:nvPr/>
-        </p:nvSpPr>
-        <p:spPr>
-          <a:xfrm>
-            <a:off x="376516" y="3778626"/>
-            <a:ext cx="1616497" cy="1803370"/>
-          </a:xfrm>
-          <a:prstGeom prst="rect">
-            <a:avLst/>
-          </a:prstGeom>
-          <a:noFill/>
-          <a:ln w="50800">
-            <a:solidFill>
-              <a:srgbClr val="FF0000"/>
-            </a:solidFill>
-          </a:ln>
-        </p:spPr>
-        <p:style>
-          <a:lnRef idx="2">
-            <a:schemeClr val="accent1">
-              <a:shade val="50000"/>
-            </a:schemeClr>
-          </a:lnRef>
-          <a:fillRef idx="1">
-            <a:schemeClr val="accent1"/>
-          </a:fillRef>
-          <a:effectRef idx="0">
-            <a:schemeClr val="accent1"/>
-          </a:effectRef>
-          <a:fontRef idx="minor">
-            <a:schemeClr val="lt1"/>
-          </a:fontRef>
-        </p:style>
-        <p:txBody>
-          <a:bodyPr rtlCol="0" anchor="ctr"/>
-          <a:lstStyle/>
-          <a:p>
-            <a:pPr algn="ctr"/>
-            <a:endParaRPr lang="it-IT" dirty="0"/>
-          </a:p>
-        </p:txBody>
-      </p:sp>
-      <p:cxnSp>
-        <p:nvCxnSpPr>
-          <p:cNvPr id="28" name="Connettore 2 27"/>
-          <p:cNvCxnSpPr/>
-          <p:nvPr/>
-        </p:nvCxnSpPr>
-        <p:spPr>
-          <a:xfrm>
-            <a:off x="1371600" y="5345659"/>
-            <a:ext cx="0" cy="609600"/>
-          </a:xfrm>
-          <a:prstGeom prst="straightConnector1">
-            <a:avLst/>
-          </a:prstGeom>
-          <a:ln w="57150">
-            <a:solidFill>
-              <a:srgbClr val="FF0000"/>
-            </a:solidFill>
-            <a:tailEnd type="arrow"/>
-          </a:ln>
-        </p:spPr>
-        <p:style>
-          <a:lnRef idx="1">
-            <a:schemeClr val="accent1"/>
-          </a:lnRef>
-          <a:fillRef idx="0">
-            <a:schemeClr val="accent1"/>
-          </a:fillRef>
-          <a:effectRef idx="0">
-            <a:schemeClr val="accent1"/>
-          </a:effectRef>
-          <a:fontRef idx="minor">
-            <a:schemeClr val="tx1"/>
-          </a:fontRef>
-        </p:style>
-      </p:cxnSp>
     </p:spTree>
     <p:extLst>
       <p:ext uri="{BB962C8B-B14F-4D97-AF65-F5344CB8AC3E}">
-        <p14:creationId xmlns:p14="http://schemas.microsoft.com/office/powerpoint/2010/main" val="3867650883"/>
+        <p14:creationId xmlns:p14="http://schemas.microsoft.com/office/powerpoint/2010/main" val="688381796"/>
       </p:ext>
     </p:extLst>
   </p:cSld>
@@ -11369,36 +10753,6 @@
           <a:chExt cx="0" cy="0"/>
         </a:xfrm>
       </p:grpSpPr>
-      <p:pic>
-        <p:nvPicPr>
-          <p:cNvPr id="4" name="Immagine 3"/>
-          <p:cNvPicPr>
-            <a:picLocks noChangeAspect="1"/>
-          </p:cNvPicPr>
-          <p:nvPr/>
-        </p:nvPicPr>
-        <p:blipFill>
-          <a:blip r:embed="rId2">
-            <a:extLst>
-              <a:ext uri="{28A0092B-C50C-407E-A947-70E740481C1C}">
-                <a14:useLocalDpi xmlns:a14="http://schemas.microsoft.com/office/drawing/2010/main" val="0"/>
-              </a:ext>
-            </a:extLst>
-          </a:blip>
-          <a:stretch>
-            <a:fillRect/>
-          </a:stretch>
-        </p:blipFill>
-        <p:spPr>
-          <a:xfrm>
-            <a:off x="468985" y="3140210"/>
-            <a:ext cx="4746844" cy="2216426"/>
-          </a:xfrm>
-          <a:prstGeom prst="rect">
-            <a:avLst/>
-          </a:prstGeom>
-        </p:spPr>
-      </p:pic>
       <p:sp>
         <p:nvSpPr>
           <p:cNvPr id="154" name="Shape 154"/>
@@ -11539,7 +10893,7 @@
         <p:spPr>
           <a:xfrm>
             <a:off x="1708712" y="524867"/>
-            <a:ext cx="5726575" cy="400110"/>
+            <a:ext cx="5726575" cy="707886"/>
           </a:xfrm>
           <a:prstGeom prst="rect">
             <a:avLst/>
@@ -11555,53 +10909,71 @@
             <a:pPr algn="ctr"/>
             <a:r>
               <a:rPr lang="it-IT" sz="2000" dirty="0" smtClean="0"/>
-              <a:t>WATER CONTENT OUTPUT FILE</a:t>
+              <a:t>INPUT </a:t>
+            </a:r>
+            <a:r>
+              <a:rPr lang="it-IT" sz="2000" dirty="0"/>
+              <a:t>FILE </a:t>
+            </a:r>
+            <a:r>
+              <a:rPr lang="it-IT" sz="2000" dirty="0" smtClean="0"/>
+              <a:t>FOR</a:t>
+            </a:r>
+            <a:r>
+              <a:rPr lang="it-IT" sz="2000" dirty="0"/>
+              <a:t/>
+            </a:r>
+            <a:br>
+              <a:rPr lang="it-IT" sz="2000" dirty="0"/>
+            </a:br>
+            <a:r>
+              <a:rPr lang="it-IT" sz="2000" dirty="0" smtClean="0"/>
+              <a:t>THE TOP BOUNDARY CONDITION</a:t>
             </a:r>
             <a:endParaRPr lang="en-GB" sz="2000" dirty="0"/>
           </a:p>
         </p:txBody>
       </p:sp>
-      <p:sp>
-        <p:nvSpPr>
-          <p:cNvPr id="11" name="CasellaDiTesto 10"/>
-          <p:cNvSpPr txBox="1"/>
-          <p:nvPr/>
-        </p:nvSpPr>
-        <p:spPr>
-          <a:xfrm>
-            <a:off x="1039987" y="1039910"/>
-            <a:ext cx="4038600" cy="707886"/>
-          </a:xfrm>
-          <a:prstGeom prst="rect">
-            <a:avLst/>
-          </a:prstGeom>
-          <a:noFill/>
-        </p:spPr>
-        <p:txBody>
-          <a:bodyPr wrap="square" rtlCol="0">
-            <a:spAutoFit/>
-          </a:bodyPr>
-          <a:lstStyle/>
-          <a:p>
-            <a:pPr algn="just"/>
-            <a:r>
-              <a:rPr lang="it-IT" sz="2000" dirty="0" smtClean="0"/>
-              <a:t>TIME AT WHICH THE SOLUTION IS COMPUTED</a:t>
-            </a:r>
-            <a:endParaRPr lang="it-IT" sz="2000" dirty="0"/>
-          </a:p>
-        </p:txBody>
-      </p:sp>
-      <p:sp>
-        <p:nvSpPr>
-          <p:cNvPr id="12" name="Rettangolo 11"/>
+      <p:pic>
+        <p:nvPicPr>
+          <p:cNvPr id="15" name="Segnaposto contenuto 4"/>
+          <p:cNvPicPr>
+            <a:picLocks noChangeAspect="1"/>
+          </p:cNvPicPr>
+          <p:nvPr/>
+        </p:nvPicPr>
+        <p:blipFill>
+          <a:blip r:embed="rId2">
+            <a:extLst>
+              <a:ext uri="{28A0092B-C50C-407E-A947-70E740481C1C}">
+                <a14:useLocalDpi xmlns:a14="http://schemas.microsoft.com/office/drawing/2010/main" val="0"/>
+              </a:ext>
+            </a:extLst>
+          </a:blip>
+          <a:stretch>
+            <a:fillRect/>
+          </a:stretch>
+        </p:blipFill>
+        <p:spPr>
+          <a:xfrm>
+            <a:off x="533400" y="1371600"/>
+            <a:ext cx="4495800" cy="4720590"/>
+          </a:xfrm>
+          <a:prstGeom prst="rect">
+            <a:avLst/>
+          </a:prstGeom>
+        </p:spPr>
+      </p:pic>
+      <p:sp>
+        <p:nvSpPr>
+          <p:cNvPr id="16" name="Rettangolo 15"/>
           <p:cNvSpPr/>
           <p:nvPr/>
         </p:nvSpPr>
         <p:spPr>
           <a:xfrm>
-            <a:off x="321968" y="2868710"/>
-            <a:ext cx="3537419" cy="569893"/>
+            <a:off x="3276600" y="3048000"/>
+            <a:ext cx="1981200" cy="3084493"/>
           </a:xfrm>
           <a:prstGeom prst="rect">
             <a:avLst/>
@@ -11640,14 +11012,14 @@
       </p:sp>
       <p:sp>
         <p:nvSpPr>
-          <p:cNvPr id="13" name="Rettangolo 12"/>
+          <p:cNvPr id="17" name="Rettangolo 16"/>
           <p:cNvSpPr/>
           <p:nvPr/>
         </p:nvSpPr>
         <p:spPr>
           <a:xfrm>
-            <a:off x="887587" y="1039910"/>
-            <a:ext cx="4191000" cy="1219200"/>
+            <a:off x="5791200" y="1828800"/>
+            <a:ext cx="3124200" cy="1219200"/>
           </a:xfrm>
           <a:prstGeom prst="rect">
             <a:avLst/>
@@ -11684,16 +11056,46 @@
           </a:p>
         </p:txBody>
       </p:sp>
+      <p:sp>
+        <p:nvSpPr>
+          <p:cNvPr id="18" name="CasellaDiTesto 17"/>
+          <p:cNvSpPr txBox="1"/>
+          <p:nvPr/>
+        </p:nvSpPr>
+        <p:spPr>
+          <a:xfrm>
+            <a:off x="5970490" y="2203551"/>
+            <a:ext cx="3041176" cy="400110"/>
+          </a:xfrm>
+          <a:prstGeom prst="rect">
+            <a:avLst/>
+          </a:prstGeom>
+          <a:noFill/>
+        </p:spPr>
+        <p:txBody>
+          <a:bodyPr wrap="square" rtlCol="0">
+            <a:spAutoFit/>
+          </a:bodyPr>
+          <a:lstStyle/>
+          <a:p>
+            <a:r>
+              <a:rPr lang="it-IT" sz="2000" dirty="0" smtClean="0"/>
+              <a:t>RAINFALL HEIGHT [mm]</a:t>
+            </a:r>
+            <a:endParaRPr lang="it-IT" sz="2000" dirty="0"/>
+          </a:p>
+        </p:txBody>
+      </p:sp>
       <p:cxnSp>
         <p:nvCxnSpPr>
-          <p:cNvPr id="20" name="Connettore 2 19"/>
+          <p:cNvPr id="19" name="Connettore 2 18"/>
           <p:cNvCxnSpPr/>
           <p:nvPr/>
         </p:nvCxnSpPr>
         <p:spPr>
-          <a:xfrm>
-            <a:off x="2259187" y="2335310"/>
-            <a:ext cx="0" cy="609600"/>
+          <a:xfrm flipH="1">
+            <a:off x="5257800" y="2403901"/>
+            <a:ext cx="533400" cy="609600"/>
           </a:xfrm>
           <a:prstGeom prst="straightConnector1">
             <a:avLst/>
@@ -11720,330 +11122,10 @@
           </a:fontRef>
         </p:style>
       </p:cxnSp>
-      <p:sp>
-        <p:nvSpPr>
-          <p:cNvPr id="21" name="CasellaDiTesto 20"/>
-          <p:cNvSpPr txBox="1"/>
-          <p:nvPr/>
-        </p:nvSpPr>
-        <p:spPr>
-          <a:xfrm>
-            <a:off x="439264" y="5943600"/>
-            <a:ext cx="2403143" cy="400110"/>
-          </a:xfrm>
-          <a:prstGeom prst="rect">
-            <a:avLst/>
-          </a:prstGeom>
-          <a:noFill/>
-        </p:spPr>
-        <p:txBody>
-          <a:bodyPr wrap="square" rtlCol="0">
-            <a:spAutoFit/>
-          </a:bodyPr>
-          <a:lstStyle/>
-          <a:p>
-            <a:r>
-              <a:rPr lang="it-IT" sz="2000" dirty="0" smtClean="0"/>
-              <a:t>DEPTH [m]</a:t>
-            </a:r>
-            <a:endParaRPr lang="it-IT" sz="2000" dirty="0"/>
-          </a:p>
-        </p:txBody>
-      </p:sp>
-      <p:sp>
-        <p:nvSpPr>
-          <p:cNvPr id="22" name="CasellaDiTesto 21"/>
-          <p:cNvSpPr txBox="1"/>
-          <p:nvPr/>
-        </p:nvSpPr>
-        <p:spPr>
-          <a:xfrm>
-            <a:off x="4352361" y="5907761"/>
-            <a:ext cx="3200400" cy="400110"/>
-          </a:xfrm>
-          <a:prstGeom prst="rect">
-            <a:avLst/>
-          </a:prstGeom>
-          <a:noFill/>
-        </p:spPr>
-        <p:txBody>
-          <a:bodyPr wrap="square" rtlCol="0">
-            <a:spAutoFit/>
-          </a:bodyPr>
-          <a:lstStyle/>
-          <a:p>
-            <a:r>
-              <a:rPr lang="it-IT" sz="2000" smtClean="0"/>
-              <a:t>WATER CONTENT </a:t>
-            </a:r>
-            <a:r>
-              <a:rPr lang="it-IT" sz="2000" dirty="0" smtClean="0"/>
-              <a:t>[-]</a:t>
-            </a:r>
-            <a:endParaRPr lang="it-IT" sz="2000" dirty="0"/>
-          </a:p>
-        </p:txBody>
-      </p:sp>
-      <p:sp>
-        <p:nvSpPr>
-          <p:cNvPr id="23" name="Rettangolo 22"/>
-          <p:cNvSpPr/>
-          <p:nvPr/>
-        </p:nvSpPr>
-        <p:spPr>
-          <a:xfrm>
-            <a:off x="3930181" y="5786723"/>
-            <a:ext cx="3537419" cy="569893"/>
-          </a:xfrm>
-          <a:prstGeom prst="rect">
-            <a:avLst/>
-          </a:prstGeom>
-          <a:noFill/>
-          <a:ln w="50800">
-            <a:solidFill>
-              <a:srgbClr val="0070C0"/>
-            </a:solidFill>
-          </a:ln>
-        </p:spPr>
-        <p:style>
-          <a:lnRef idx="2">
-            <a:schemeClr val="accent1">
-              <a:shade val="50000"/>
-            </a:schemeClr>
-          </a:lnRef>
-          <a:fillRef idx="1">
-            <a:schemeClr val="accent1"/>
-          </a:fillRef>
-          <a:effectRef idx="0">
-            <a:schemeClr val="accent1"/>
-          </a:effectRef>
-          <a:fontRef idx="minor">
-            <a:schemeClr val="lt1"/>
-          </a:fontRef>
-        </p:style>
-        <p:txBody>
-          <a:bodyPr rtlCol="0" anchor="ctr"/>
-          <a:lstStyle/>
-          <a:p>
-            <a:pPr algn="ctr"/>
-            <a:endParaRPr lang="it-IT" dirty="0"/>
-          </a:p>
-        </p:txBody>
-      </p:sp>
-      <p:sp>
-        <p:nvSpPr>
-          <p:cNvPr id="24" name="Rettangolo 23"/>
-          <p:cNvSpPr/>
-          <p:nvPr/>
-        </p:nvSpPr>
-        <p:spPr>
-          <a:xfrm>
-            <a:off x="1981200" y="3510319"/>
-            <a:ext cx="4419600" cy="1868507"/>
-          </a:xfrm>
-          <a:prstGeom prst="rect">
-            <a:avLst/>
-          </a:prstGeom>
-          <a:noFill/>
-          <a:ln w="50800">
-            <a:solidFill>
-              <a:srgbClr val="0070C0"/>
-            </a:solidFill>
-          </a:ln>
-        </p:spPr>
-        <p:style>
-          <a:lnRef idx="2">
-            <a:schemeClr val="accent1">
-              <a:shade val="50000"/>
-            </a:schemeClr>
-          </a:lnRef>
-          <a:fillRef idx="1">
-            <a:schemeClr val="accent1"/>
-          </a:fillRef>
-          <a:effectRef idx="0">
-            <a:schemeClr val="accent1"/>
-          </a:effectRef>
-          <a:fontRef idx="minor">
-            <a:schemeClr val="lt1"/>
-          </a:fontRef>
-        </p:style>
-        <p:txBody>
-          <a:bodyPr rtlCol="0" anchor="ctr"/>
-          <a:lstStyle/>
-          <a:p>
-            <a:pPr algn="ctr"/>
-            <a:endParaRPr lang="it-IT" dirty="0"/>
-          </a:p>
-        </p:txBody>
-      </p:sp>
-      <p:cxnSp>
-        <p:nvCxnSpPr>
-          <p:cNvPr id="25" name="Connettore 2 24"/>
-          <p:cNvCxnSpPr/>
-          <p:nvPr/>
-        </p:nvCxnSpPr>
-        <p:spPr>
-          <a:xfrm>
-            <a:off x="5867400" y="5455026"/>
-            <a:ext cx="0" cy="424033"/>
-          </a:xfrm>
-          <a:prstGeom prst="straightConnector1">
-            <a:avLst/>
-          </a:prstGeom>
-          <a:ln w="57150">
-            <a:solidFill>
-              <a:srgbClr val="0070C0"/>
-            </a:solidFill>
-            <a:tailEnd type="arrow"/>
-          </a:ln>
-        </p:spPr>
-        <p:style>
-          <a:lnRef idx="1">
-            <a:schemeClr val="accent1"/>
-          </a:lnRef>
-          <a:fillRef idx="0">
-            <a:schemeClr val="accent1"/>
-          </a:fillRef>
-          <a:effectRef idx="0">
-            <a:schemeClr val="accent1"/>
-          </a:effectRef>
-          <a:fontRef idx="minor">
-            <a:schemeClr val="tx1"/>
-          </a:fontRef>
-        </p:style>
-      </p:cxnSp>
-      <p:sp>
-        <p:nvSpPr>
-          <p:cNvPr id="26" name="Rettangolo 25"/>
-          <p:cNvSpPr/>
-          <p:nvPr/>
-        </p:nvSpPr>
-        <p:spPr>
-          <a:xfrm>
-            <a:off x="-15922" y="5807343"/>
-            <a:ext cx="3537419" cy="569893"/>
-          </a:xfrm>
-          <a:prstGeom prst="rect">
-            <a:avLst/>
-          </a:prstGeom>
-          <a:noFill/>
-          <a:ln w="50800">
-            <a:solidFill>
-              <a:srgbClr val="FF0000"/>
-            </a:solidFill>
-          </a:ln>
-        </p:spPr>
-        <p:style>
-          <a:lnRef idx="2">
-            <a:schemeClr val="accent1">
-              <a:shade val="50000"/>
-            </a:schemeClr>
-          </a:lnRef>
-          <a:fillRef idx="1">
-            <a:schemeClr val="accent1"/>
-          </a:fillRef>
-          <a:effectRef idx="0">
-            <a:schemeClr val="accent1"/>
-          </a:effectRef>
-          <a:fontRef idx="minor">
-            <a:schemeClr val="lt1"/>
-          </a:fontRef>
-        </p:style>
-        <p:txBody>
-          <a:bodyPr rtlCol="0" anchor="ctr"/>
-          <a:lstStyle/>
-          <a:p>
-            <a:pPr algn="ctr"/>
-            <a:endParaRPr lang="it-IT" dirty="0"/>
-          </a:p>
-        </p:txBody>
-      </p:sp>
-      <p:cxnSp>
-        <p:nvCxnSpPr>
-          <p:cNvPr id="28" name="Connettore 2 27"/>
-          <p:cNvCxnSpPr/>
-          <p:nvPr/>
-        </p:nvCxnSpPr>
-        <p:spPr>
-          <a:xfrm>
-            <a:off x="1371600" y="5345659"/>
-            <a:ext cx="0" cy="609600"/>
-          </a:xfrm>
-          <a:prstGeom prst="straightConnector1">
-            <a:avLst/>
-          </a:prstGeom>
-          <a:ln w="57150">
-            <a:solidFill>
-              <a:srgbClr val="FF0000"/>
-            </a:solidFill>
-            <a:tailEnd type="arrow"/>
-          </a:ln>
-        </p:spPr>
-        <p:style>
-          <a:lnRef idx="1">
-            <a:schemeClr val="accent1"/>
-          </a:lnRef>
-          <a:fillRef idx="0">
-            <a:schemeClr val="accent1"/>
-          </a:fillRef>
-          <a:effectRef idx="0">
-            <a:schemeClr val="accent1"/>
-          </a:effectRef>
-          <a:fontRef idx="minor">
-            <a:schemeClr val="tx1"/>
-          </a:fontRef>
-        </p:style>
-      </p:cxnSp>
-      <p:sp>
-        <p:nvSpPr>
-          <p:cNvPr id="27" name="Rettangolo 26"/>
-          <p:cNvSpPr/>
-          <p:nvPr/>
-        </p:nvSpPr>
-        <p:spPr>
-          <a:xfrm>
-            <a:off x="304800" y="3510320"/>
-            <a:ext cx="1616497" cy="1835340"/>
-          </a:xfrm>
-          <a:prstGeom prst="rect">
-            <a:avLst/>
-          </a:prstGeom>
-          <a:noFill/>
-          <a:ln w="50800">
-            <a:solidFill>
-              <a:srgbClr val="FF0000"/>
-            </a:solidFill>
-          </a:ln>
-        </p:spPr>
-        <p:style>
-          <a:lnRef idx="2">
-            <a:schemeClr val="accent1">
-              <a:shade val="50000"/>
-            </a:schemeClr>
-          </a:lnRef>
-          <a:fillRef idx="1">
-            <a:schemeClr val="accent1"/>
-          </a:fillRef>
-          <a:effectRef idx="0">
-            <a:schemeClr val="accent1"/>
-          </a:effectRef>
-          <a:fontRef idx="minor">
-            <a:schemeClr val="lt1"/>
-          </a:fontRef>
-        </p:style>
-        <p:txBody>
-          <a:bodyPr rtlCol="0" anchor="ctr"/>
-          <a:lstStyle/>
-          <a:p>
-            <a:pPr algn="ctr"/>
-            <a:endParaRPr lang="it-IT" dirty="0"/>
-          </a:p>
-        </p:txBody>
-      </p:sp>
     </p:spTree>
     <p:extLst>
       <p:ext uri="{BB962C8B-B14F-4D97-AF65-F5344CB8AC3E}">
-        <p14:creationId xmlns:p14="http://schemas.microsoft.com/office/powerpoint/2010/main" val="1826655048"/>
+        <p14:creationId xmlns:p14="http://schemas.microsoft.com/office/powerpoint/2010/main" val="2231745101"/>
       </p:ext>
     </p:extLst>
   </p:cSld>
@@ -12564,6 +11646,1826 @@
           <a:chExt cx="0" cy="0"/>
         </a:xfrm>
       </p:grpSpPr>
+      <p:sp>
+        <p:nvSpPr>
+          <p:cNvPr id="154" name="Shape 154"/>
+          <p:cNvSpPr/>
+          <p:nvPr/>
+        </p:nvSpPr>
+        <p:spPr>
+          <a:xfrm>
+            <a:off x="0" y="-8930"/>
+            <a:ext cx="7563445" cy="349131"/>
+          </a:xfrm>
+          <a:prstGeom prst="rect">
+            <a:avLst/>
+          </a:prstGeom>
+          <a:ln w="12700">
+            <a:miter lim="400000"/>
+          </a:ln>
+          <a:extLst>
+            <a:ext uri="{C572A759-6A51-4108-AA02-DFA0A04FC94B}">
+              <ma14:wrappingTextBoxFlag xmlns="" xmlns:ma14="http://schemas.microsoft.com/office/mac/drawingml/2011/main" val="1"/>
+            </a:ext>
+          </a:extLst>
+        </p:spPr>
+        <p:txBody>
+          <a:bodyPr lIns="35717" tIns="35717" rIns="35717" bIns="35717">
+            <a:spAutoFit/>
+          </a:bodyPr>
+          <a:lstStyle>
+            <a:lvl1pPr algn="l" defTabSz="647700">
+              <a:tabLst>
+                <a:tab pos="355600" algn="l"/>
+                <a:tab pos="711200" algn="l"/>
+                <a:tab pos="1079500" algn="l"/>
+                <a:tab pos="1435100" algn="l"/>
+                <a:tab pos="1790700" algn="l"/>
+                <a:tab pos="2159000" algn="l"/>
+                <a:tab pos="2514600" algn="l"/>
+                <a:tab pos="2870200" algn="l"/>
+                <a:tab pos="3238500" algn="l"/>
+                <a:tab pos="3594100" algn="l"/>
+                <a:tab pos="3949700" algn="l"/>
+                <a:tab pos="4318000" algn="l"/>
+              </a:tabLst>
+              <a:defRPr sz="1800">
+                <a:solidFill>
+                  <a:srgbClr val="F1FEF6"/>
+                </a:solidFill>
+                <a:latin typeface="Lucida Bright"/>
+                <a:ea typeface="Lucida Bright"/>
+                <a:cs typeface="Lucida Bright"/>
+                <a:sym typeface="Lucida Bright"/>
+              </a:defRPr>
+            </a:lvl1pPr>
+          </a:lstStyle>
+          <a:p>
+            <a:pPr algn="just"/>
+            <a:r>
+              <a:rPr lang="en-US" dirty="0" smtClean="0"/>
+              <a:t>Solving Richards’ equation with OMS console</a:t>
+            </a:r>
+            <a:endParaRPr lang="en-US" dirty="0"/>
+          </a:p>
+        </p:txBody>
+      </p:sp>
+      <p:sp>
+        <p:nvSpPr>
+          <p:cNvPr id="14" name="Shape 154"/>
+          <p:cNvSpPr/>
+          <p:nvPr/>
+        </p:nvSpPr>
+        <p:spPr>
+          <a:xfrm>
+            <a:off x="1049289" y="6508869"/>
+            <a:ext cx="2354957" cy="349131"/>
+          </a:xfrm>
+          <a:prstGeom prst="rect">
+            <a:avLst/>
+          </a:prstGeom>
+          <a:ln w="12700">
+            <a:miter lim="400000"/>
+          </a:ln>
+          <a:extLst>
+            <a:ext uri="{C572A759-6A51-4108-AA02-DFA0A04FC94B}">
+              <ma14:wrappingTextBoxFlag xmlns="" xmlns:ma14="http://schemas.microsoft.com/office/mac/drawingml/2011/main" val="1"/>
+            </a:ext>
+          </a:extLst>
+        </p:spPr>
+        <p:txBody>
+          <a:bodyPr wrap="square" lIns="35717" tIns="35717" rIns="35717" bIns="35717">
+            <a:spAutoFit/>
+          </a:bodyPr>
+          <a:lstStyle>
+            <a:lvl1pPr algn="l" defTabSz="647700">
+              <a:tabLst>
+                <a:tab pos="355600" algn="l"/>
+                <a:tab pos="711200" algn="l"/>
+                <a:tab pos="1079500" algn="l"/>
+                <a:tab pos="1435100" algn="l"/>
+                <a:tab pos="1790700" algn="l"/>
+                <a:tab pos="2159000" algn="l"/>
+                <a:tab pos="2514600" algn="l"/>
+                <a:tab pos="2870200" algn="l"/>
+                <a:tab pos="3238500" algn="l"/>
+                <a:tab pos="3594100" algn="l"/>
+                <a:tab pos="3949700" algn="l"/>
+                <a:tab pos="4318000" algn="l"/>
+              </a:tabLst>
+              <a:defRPr sz="1800">
+                <a:solidFill>
+                  <a:srgbClr val="F1FEF6"/>
+                </a:solidFill>
+                <a:latin typeface="Lucida Bright"/>
+                <a:ea typeface="Lucida Bright"/>
+                <a:cs typeface="Lucida Bright"/>
+                <a:sym typeface="Lucida Bright"/>
+              </a:defRPr>
+            </a:lvl1pPr>
+          </a:lstStyle>
+          <a:p>
+            <a:r>
+              <a:rPr lang="it-IT" dirty="0"/>
+              <a:t> </a:t>
+            </a:r>
+            <a:r>
+              <a:rPr lang="it-IT" dirty="0" smtClean="0"/>
+              <a:t>&amp;  N. Tubini</a:t>
+            </a:r>
+            <a:endParaRPr dirty="0"/>
+          </a:p>
+        </p:txBody>
+      </p:sp>
+      <p:sp>
+        <p:nvSpPr>
+          <p:cNvPr id="2" name="CasellaDiTesto 1"/>
+          <p:cNvSpPr txBox="1"/>
+          <p:nvPr/>
+        </p:nvSpPr>
+        <p:spPr>
+          <a:xfrm>
+            <a:off x="1708712" y="524867"/>
+            <a:ext cx="5726575" cy="707886"/>
+          </a:xfrm>
+          <a:prstGeom prst="rect">
+            <a:avLst/>
+          </a:prstGeom>
+          <a:noFill/>
+        </p:spPr>
+        <p:txBody>
+          <a:bodyPr wrap="square" rtlCol="0">
+            <a:spAutoFit/>
+          </a:bodyPr>
+          <a:lstStyle/>
+          <a:p>
+            <a:pPr algn="ctr"/>
+            <a:r>
+              <a:rPr lang="it-IT" sz="2000" dirty="0" smtClean="0"/>
+              <a:t>INPUT </a:t>
+            </a:r>
+            <a:r>
+              <a:rPr lang="it-IT" sz="2000" dirty="0"/>
+              <a:t>FILE </a:t>
+            </a:r>
+            <a:r>
+              <a:rPr lang="it-IT" sz="2000" dirty="0" smtClean="0"/>
+              <a:t>FOR</a:t>
+            </a:r>
+          </a:p>
+          <a:p>
+            <a:pPr algn="ctr"/>
+            <a:r>
+              <a:rPr lang="it-IT" sz="2000" dirty="0" smtClean="0"/>
+              <a:t>THE BOTTOM BOUNDARY CONDITION</a:t>
+            </a:r>
+            <a:endParaRPr lang="en-GB" sz="2000" dirty="0"/>
+          </a:p>
+        </p:txBody>
+      </p:sp>
+      <p:sp>
+        <p:nvSpPr>
+          <p:cNvPr id="17" name="Rettangolo 16"/>
+          <p:cNvSpPr/>
+          <p:nvPr/>
+        </p:nvSpPr>
+        <p:spPr>
+          <a:xfrm>
+            <a:off x="5791200" y="1828800"/>
+            <a:ext cx="3124200" cy="1219200"/>
+          </a:xfrm>
+          <a:prstGeom prst="rect">
+            <a:avLst/>
+          </a:prstGeom>
+          <a:noFill/>
+          <a:ln w="50800">
+            <a:solidFill>
+              <a:srgbClr val="00B050"/>
+            </a:solidFill>
+          </a:ln>
+        </p:spPr>
+        <p:style>
+          <a:lnRef idx="2">
+            <a:schemeClr val="accent1">
+              <a:shade val="50000"/>
+            </a:schemeClr>
+          </a:lnRef>
+          <a:fillRef idx="1">
+            <a:schemeClr val="accent1"/>
+          </a:fillRef>
+          <a:effectRef idx="0">
+            <a:schemeClr val="accent1"/>
+          </a:effectRef>
+          <a:fontRef idx="minor">
+            <a:schemeClr val="lt1"/>
+          </a:fontRef>
+        </p:style>
+        <p:txBody>
+          <a:bodyPr rtlCol="0" anchor="ctr"/>
+          <a:lstStyle/>
+          <a:p>
+            <a:pPr algn="ctr"/>
+            <a:endParaRPr lang="it-IT" dirty="0"/>
+          </a:p>
+        </p:txBody>
+      </p:sp>
+      <p:sp>
+        <p:nvSpPr>
+          <p:cNvPr id="18" name="CasellaDiTesto 17"/>
+          <p:cNvSpPr txBox="1"/>
+          <p:nvPr/>
+        </p:nvSpPr>
+        <p:spPr>
+          <a:xfrm>
+            <a:off x="5886499" y="1990161"/>
+            <a:ext cx="3041176" cy="1323439"/>
+          </a:xfrm>
+          <a:prstGeom prst="rect">
+            <a:avLst/>
+          </a:prstGeom>
+          <a:noFill/>
+        </p:spPr>
+        <p:txBody>
+          <a:bodyPr wrap="square" rtlCol="0">
+            <a:spAutoFit/>
+          </a:bodyPr>
+          <a:lstStyle/>
+          <a:p>
+            <a:r>
+              <a:rPr lang="it-IT" sz="2000" dirty="0" smtClean="0"/>
+              <a:t>WATER PRESSURE AT THE BOTTOM OF THE DOMAIN  [m]</a:t>
+            </a:r>
+            <a:endParaRPr lang="it-IT" sz="2000" dirty="0"/>
+          </a:p>
+          <a:p>
+            <a:endParaRPr lang="it-IT" sz="2000" dirty="0"/>
+          </a:p>
+        </p:txBody>
+      </p:sp>
+      <p:cxnSp>
+        <p:nvCxnSpPr>
+          <p:cNvPr id="19" name="Connettore 2 18"/>
+          <p:cNvCxnSpPr/>
+          <p:nvPr/>
+        </p:nvCxnSpPr>
+        <p:spPr>
+          <a:xfrm flipH="1">
+            <a:off x="5257800" y="2403901"/>
+            <a:ext cx="533400" cy="609600"/>
+          </a:xfrm>
+          <a:prstGeom prst="straightConnector1">
+            <a:avLst/>
+          </a:prstGeom>
+          <a:ln w="57150">
+            <a:solidFill>
+              <a:srgbClr val="00B050"/>
+            </a:solidFill>
+            <a:tailEnd type="arrow"/>
+          </a:ln>
+        </p:spPr>
+        <p:style>
+          <a:lnRef idx="1">
+            <a:schemeClr val="accent1"/>
+          </a:lnRef>
+          <a:fillRef idx="0">
+            <a:schemeClr val="accent1"/>
+          </a:fillRef>
+          <a:effectRef idx="0">
+            <a:schemeClr val="accent1"/>
+          </a:effectRef>
+          <a:fontRef idx="minor">
+            <a:schemeClr val="tx1"/>
+          </a:fontRef>
+        </p:style>
+      </p:cxnSp>
+      <p:pic>
+        <p:nvPicPr>
+          <p:cNvPr id="10" name="Segnaposto contenuto 4"/>
+          <p:cNvPicPr>
+            <a:picLocks noChangeAspect="1"/>
+          </p:cNvPicPr>
+          <p:nvPr/>
+        </p:nvPicPr>
+        <p:blipFill>
+          <a:blip r:embed="rId2">
+            <a:extLst>
+              <a:ext uri="{28A0092B-C50C-407E-A947-70E740481C1C}">
+                <a14:useLocalDpi xmlns:a14="http://schemas.microsoft.com/office/drawing/2010/main" val="0"/>
+              </a:ext>
+            </a:extLst>
+          </a:blip>
+          <a:stretch>
+            <a:fillRect/>
+          </a:stretch>
+        </p:blipFill>
+        <p:spPr>
+          <a:xfrm>
+            <a:off x="685800" y="1828800"/>
+            <a:ext cx="4257833" cy="4025261"/>
+          </a:xfrm>
+          <a:prstGeom prst="rect">
+            <a:avLst/>
+          </a:prstGeom>
+        </p:spPr>
+      </p:pic>
+      <p:sp>
+        <p:nvSpPr>
+          <p:cNvPr id="16" name="Rettangolo 15"/>
+          <p:cNvSpPr/>
+          <p:nvPr/>
+        </p:nvSpPr>
+        <p:spPr>
+          <a:xfrm>
+            <a:off x="3276600" y="3048000"/>
+            <a:ext cx="1981200" cy="3084493"/>
+          </a:xfrm>
+          <a:prstGeom prst="rect">
+            <a:avLst/>
+          </a:prstGeom>
+          <a:noFill/>
+          <a:ln w="50800">
+            <a:solidFill>
+              <a:srgbClr val="00B050"/>
+            </a:solidFill>
+          </a:ln>
+        </p:spPr>
+        <p:style>
+          <a:lnRef idx="2">
+            <a:schemeClr val="accent1">
+              <a:shade val="50000"/>
+            </a:schemeClr>
+          </a:lnRef>
+          <a:fillRef idx="1">
+            <a:schemeClr val="accent1"/>
+          </a:fillRef>
+          <a:effectRef idx="0">
+            <a:schemeClr val="accent1"/>
+          </a:effectRef>
+          <a:fontRef idx="minor">
+            <a:schemeClr val="lt1"/>
+          </a:fontRef>
+        </p:style>
+        <p:txBody>
+          <a:bodyPr rtlCol="0" anchor="ctr"/>
+          <a:lstStyle/>
+          <a:p>
+            <a:pPr algn="ctr"/>
+            <a:endParaRPr lang="it-IT" dirty="0"/>
+          </a:p>
+        </p:txBody>
+      </p:sp>
+    </p:spTree>
+    <p:extLst>
+      <p:ext uri="{BB962C8B-B14F-4D97-AF65-F5344CB8AC3E}">
+        <p14:creationId xmlns:p14="http://schemas.microsoft.com/office/powerpoint/2010/main" val="3893143138"/>
+      </p:ext>
+    </p:extLst>
+  </p:cSld>
+  <p:clrMapOvr>
+    <a:masterClrMapping/>
+  </p:clrMapOvr>
+  <p:transition spd="med"/>
+  <p:timing>
+    <p:tnLst>
+      <p:par>
+        <p:cTn id="1" dur="indefinite" restart="never" nodeType="tmRoot"/>
+      </p:par>
+    </p:tnLst>
+  </p:timing>
+</p:sld>
+</file>
+
+<file path=ppt/slides/slide31.xml><?xml version="1.0" encoding="utf-8"?>
+<p:sld xmlns:a="http://schemas.openxmlformats.org/drawingml/2006/main" xmlns:r="http://schemas.openxmlformats.org/officeDocument/2006/relationships" xmlns:p="http://schemas.openxmlformats.org/presentationml/2006/main">
+  <p:cSld>
+    <p:spTree>
+      <p:nvGrpSpPr>
+        <p:cNvPr id="1" name=""/>
+        <p:cNvGrpSpPr/>
+        <p:nvPr/>
+      </p:nvGrpSpPr>
+      <p:grpSpPr>
+        <a:xfrm>
+          <a:off x="0" y="0"/>
+          <a:ext cx="0" cy="0"/>
+          <a:chOff x="0" y="0"/>
+          <a:chExt cx="0" cy="0"/>
+        </a:xfrm>
+      </p:grpSpPr>
+      <p:pic>
+        <p:nvPicPr>
+          <p:cNvPr id="3" name="Immagine 2"/>
+          <p:cNvPicPr>
+            <a:picLocks noChangeAspect="1"/>
+          </p:cNvPicPr>
+          <p:nvPr/>
+        </p:nvPicPr>
+        <p:blipFill>
+          <a:blip r:embed="rId2">
+            <a:extLst>
+              <a:ext uri="{28A0092B-C50C-407E-A947-70E740481C1C}">
+                <a14:useLocalDpi xmlns:a14="http://schemas.microsoft.com/office/drawing/2010/main" val="0"/>
+              </a:ext>
+            </a:extLst>
+          </a:blip>
+          <a:stretch>
+            <a:fillRect/>
+          </a:stretch>
+        </p:blipFill>
+        <p:spPr>
+          <a:xfrm>
+            <a:off x="660820" y="3396165"/>
+            <a:ext cx="5130380" cy="2185831"/>
+          </a:xfrm>
+          <a:prstGeom prst="rect">
+            <a:avLst/>
+          </a:prstGeom>
+        </p:spPr>
+      </p:pic>
+      <p:sp>
+        <p:nvSpPr>
+          <p:cNvPr id="154" name="Shape 154"/>
+          <p:cNvSpPr/>
+          <p:nvPr/>
+        </p:nvSpPr>
+        <p:spPr>
+          <a:xfrm>
+            <a:off x="0" y="-8930"/>
+            <a:ext cx="7563445" cy="349131"/>
+          </a:xfrm>
+          <a:prstGeom prst="rect">
+            <a:avLst/>
+          </a:prstGeom>
+          <a:ln w="12700">
+            <a:miter lim="400000"/>
+          </a:ln>
+          <a:extLst>
+            <a:ext uri="{C572A759-6A51-4108-AA02-DFA0A04FC94B}">
+              <ma14:wrappingTextBoxFlag xmlns="" xmlns:ma14="http://schemas.microsoft.com/office/mac/drawingml/2011/main" val="1"/>
+            </a:ext>
+          </a:extLst>
+        </p:spPr>
+        <p:txBody>
+          <a:bodyPr lIns="35717" tIns="35717" rIns="35717" bIns="35717">
+            <a:spAutoFit/>
+          </a:bodyPr>
+          <a:lstStyle>
+            <a:lvl1pPr algn="l" defTabSz="647700">
+              <a:tabLst>
+                <a:tab pos="355600" algn="l"/>
+                <a:tab pos="711200" algn="l"/>
+                <a:tab pos="1079500" algn="l"/>
+                <a:tab pos="1435100" algn="l"/>
+                <a:tab pos="1790700" algn="l"/>
+                <a:tab pos="2159000" algn="l"/>
+                <a:tab pos="2514600" algn="l"/>
+                <a:tab pos="2870200" algn="l"/>
+                <a:tab pos="3238500" algn="l"/>
+                <a:tab pos="3594100" algn="l"/>
+                <a:tab pos="3949700" algn="l"/>
+                <a:tab pos="4318000" algn="l"/>
+              </a:tabLst>
+              <a:defRPr sz="1800">
+                <a:solidFill>
+                  <a:srgbClr val="F1FEF6"/>
+                </a:solidFill>
+                <a:latin typeface="Lucida Bright"/>
+                <a:ea typeface="Lucida Bright"/>
+                <a:cs typeface="Lucida Bright"/>
+                <a:sym typeface="Lucida Bright"/>
+              </a:defRPr>
+            </a:lvl1pPr>
+          </a:lstStyle>
+          <a:p>
+            <a:pPr algn="just"/>
+            <a:r>
+              <a:rPr lang="en-US" dirty="0" smtClean="0"/>
+              <a:t>Solving Richards’ equation with OMS console</a:t>
+            </a:r>
+            <a:endParaRPr lang="en-US" dirty="0"/>
+          </a:p>
+        </p:txBody>
+      </p:sp>
+      <p:sp>
+        <p:nvSpPr>
+          <p:cNvPr id="14" name="Shape 154"/>
+          <p:cNvSpPr/>
+          <p:nvPr/>
+        </p:nvSpPr>
+        <p:spPr>
+          <a:xfrm>
+            <a:off x="1049289" y="6508869"/>
+            <a:ext cx="2354957" cy="349131"/>
+          </a:xfrm>
+          <a:prstGeom prst="rect">
+            <a:avLst/>
+          </a:prstGeom>
+          <a:ln w="12700">
+            <a:miter lim="400000"/>
+          </a:ln>
+          <a:extLst>
+            <a:ext uri="{C572A759-6A51-4108-AA02-DFA0A04FC94B}">
+              <ma14:wrappingTextBoxFlag xmlns="" xmlns:ma14="http://schemas.microsoft.com/office/mac/drawingml/2011/main" val="1"/>
+            </a:ext>
+          </a:extLst>
+        </p:spPr>
+        <p:txBody>
+          <a:bodyPr wrap="square" lIns="35717" tIns="35717" rIns="35717" bIns="35717">
+            <a:spAutoFit/>
+          </a:bodyPr>
+          <a:lstStyle>
+            <a:lvl1pPr algn="l" defTabSz="647700">
+              <a:tabLst>
+                <a:tab pos="355600" algn="l"/>
+                <a:tab pos="711200" algn="l"/>
+                <a:tab pos="1079500" algn="l"/>
+                <a:tab pos="1435100" algn="l"/>
+                <a:tab pos="1790700" algn="l"/>
+                <a:tab pos="2159000" algn="l"/>
+                <a:tab pos="2514600" algn="l"/>
+                <a:tab pos="2870200" algn="l"/>
+                <a:tab pos="3238500" algn="l"/>
+                <a:tab pos="3594100" algn="l"/>
+                <a:tab pos="3949700" algn="l"/>
+                <a:tab pos="4318000" algn="l"/>
+              </a:tabLst>
+              <a:defRPr sz="1800">
+                <a:solidFill>
+                  <a:srgbClr val="F1FEF6"/>
+                </a:solidFill>
+                <a:latin typeface="Lucida Bright"/>
+                <a:ea typeface="Lucida Bright"/>
+                <a:cs typeface="Lucida Bright"/>
+                <a:sym typeface="Lucida Bright"/>
+              </a:defRPr>
+            </a:lvl1pPr>
+          </a:lstStyle>
+          <a:p>
+            <a:r>
+              <a:rPr lang="it-IT" dirty="0"/>
+              <a:t> </a:t>
+            </a:r>
+            <a:r>
+              <a:rPr lang="it-IT" dirty="0" smtClean="0"/>
+              <a:t>&amp;  N. Tubini</a:t>
+            </a:r>
+            <a:endParaRPr dirty="0"/>
+          </a:p>
+        </p:txBody>
+      </p:sp>
+      <p:sp>
+        <p:nvSpPr>
+          <p:cNvPr id="2" name="CasellaDiTesto 1"/>
+          <p:cNvSpPr txBox="1"/>
+          <p:nvPr/>
+        </p:nvSpPr>
+        <p:spPr>
+          <a:xfrm>
+            <a:off x="1708712" y="524867"/>
+            <a:ext cx="5726575" cy="400110"/>
+          </a:xfrm>
+          <a:prstGeom prst="rect">
+            <a:avLst/>
+          </a:prstGeom>
+          <a:noFill/>
+        </p:spPr>
+        <p:txBody>
+          <a:bodyPr wrap="square" rtlCol="0">
+            <a:spAutoFit/>
+          </a:bodyPr>
+          <a:lstStyle/>
+          <a:p>
+            <a:pPr algn="ctr"/>
+            <a:r>
+              <a:rPr lang="it-IT" sz="2000" dirty="0" smtClean="0"/>
+              <a:t>WATER PRESSURE OUTPUT FILE</a:t>
+            </a:r>
+            <a:endParaRPr lang="en-GB" sz="2000" dirty="0"/>
+          </a:p>
+        </p:txBody>
+      </p:sp>
+      <p:sp>
+        <p:nvSpPr>
+          <p:cNvPr id="11" name="CasellaDiTesto 10"/>
+          <p:cNvSpPr txBox="1"/>
+          <p:nvPr/>
+        </p:nvSpPr>
+        <p:spPr>
+          <a:xfrm>
+            <a:off x="484188" y="1111626"/>
+            <a:ext cx="4038600" cy="707886"/>
+          </a:xfrm>
+          <a:prstGeom prst="rect">
+            <a:avLst/>
+          </a:prstGeom>
+          <a:noFill/>
+        </p:spPr>
+        <p:txBody>
+          <a:bodyPr wrap="square" rtlCol="0">
+            <a:spAutoFit/>
+          </a:bodyPr>
+          <a:lstStyle/>
+          <a:p>
+            <a:pPr algn="just"/>
+            <a:r>
+              <a:rPr lang="it-IT" sz="2000" dirty="0" smtClean="0"/>
+              <a:t>TIME AT WHICH THE SOLUTION IS COMPUTED</a:t>
+            </a:r>
+            <a:endParaRPr lang="it-IT" sz="2000" dirty="0"/>
+          </a:p>
+        </p:txBody>
+      </p:sp>
+      <p:sp>
+        <p:nvSpPr>
+          <p:cNvPr id="12" name="Rettangolo 11"/>
+          <p:cNvSpPr/>
+          <p:nvPr/>
+        </p:nvSpPr>
+        <p:spPr>
+          <a:xfrm>
+            <a:off x="398069" y="3135729"/>
+            <a:ext cx="3537419" cy="569893"/>
+          </a:xfrm>
+          <a:prstGeom prst="rect">
+            <a:avLst/>
+          </a:prstGeom>
+          <a:noFill/>
+          <a:ln w="50800">
+            <a:solidFill>
+              <a:srgbClr val="00B050"/>
+            </a:solidFill>
+          </a:ln>
+        </p:spPr>
+        <p:style>
+          <a:lnRef idx="2">
+            <a:schemeClr val="accent1">
+              <a:shade val="50000"/>
+            </a:schemeClr>
+          </a:lnRef>
+          <a:fillRef idx="1">
+            <a:schemeClr val="accent1"/>
+          </a:fillRef>
+          <a:effectRef idx="0">
+            <a:schemeClr val="accent1"/>
+          </a:effectRef>
+          <a:fontRef idx="minor">
+            <a:schemeClr val="lt1"/>
+          </a:fontRef>
+        </p:style>
+        <p:txBody>
+          <a:bodyPr rtlCol="0" anchor="ctr"/>
+          <a:lstStyle/>
+          <a:p>
+            <a:pPr algn="ctr"/>
+            <a:endParaRPr lang="it-IT" dirty="0"/>
+          </a:p>
+        </p:txBody>
+      </p:sp>
+      <p:sp>
+        <p:nvSpPr>
+          <p:cNvPr id="13" name="Rettangolo 12"/>
+          <p:cNvSpPr/>
+          <p:nvPr/>
+        </p:nvSpPr>
+        <p:spPr>
+          <a:xfrm>
+            <a:off x="331788" y="1111626"/>
+            <a:ext cx="4191000" cy="1219200"/>
+          </a:xfrm>
+          <a:prstGeom prst="rect">
+            <a:avLst/>
+          </a:prstGeom>
+          <a:noFill/>
+          <a:ln w="50800">
+            <a:solidFill>
+              <a:srgbClr val="00B050"/>
+            </a:solidFill>
+          </a:ln>
+        </p:spPr>
+        <p:style>
+          <a:lnRef idx="2">
+            <a:schemeClr val="accent1">
+              <a:shade val="50000"/>
+            </a:schemeClr>
+          </a:lnRef>
+          <a:fillRef idx="1">
+            <a:schemeClr val="accent1"/>
+          </a:fillRef>
+          <a:effectRef idx="0">
+            <a:schemeClr val="accent1"/>
+          </a:effectRef>
+          <a:fontRef idx="minor">
+            <a:schemeClr val="lt1"/>
+          </a:fontRef>
+        </p:style>
+        <p:txBody>
+          <a:bodyPr rtlCol="0" anchor="ctr"/>
+          <a:lstStyle/>
+          <a:p>
+            <a:pPr algn="ctr"/>
+            <a:endParaRPr lang="it-IT" dirty="0"/>
+          </a:p>
+        </p:txBody>
+      </p:sp>
+      <p:cxnSp>
+        <p:nvCxnSpPr>
+          <p:cNvPr id="20" name="Connettore 2 19"/>
+          <p:cNvCxnSpPr/>
+          <p:nvPr/>
+        </p:nvCxnSpPr>
+        <p:spPr>
+          <a:xfrm>
+            <a:off x="1703388" y="2407026"/>
+            <a:ext cx="0" cy="609600"/>
+          </a:xfrm>
+          <a:prstGeom prst="straightConnector1">
+            <a:avLst/>
+          </a:prstGeom>
+          <a:ln w="57150">
+            <a:solidFill>
+              <a:srgbClr val="00B050"/>
+            </a:solidFill>
+            <a:tailEnd type="arrow"/>
+          </a:ln>
+        </p:spPr>
+        <p:style>
+          <a:lnRef idx="1">
+            <a:schemeClr val="accent1"/>
+          </a:lnRef>
+          <a:fillRef idx="0">
+            <a:schemeClr val="accent1"/>
+          </a:fillRef>
+          <a:effectRef idx="0">
+            <a:schemeClr val="accent1"/>
+          </a:effectRef>
+          <a:fontRef idx="minor">
+            <a:schemeClr val="tx1"/>
+          </a:fontRef>
+        </p:style>
+      </p:cxnSp>
+      <p:sp>
+        <p:nvSpPr>
+          <p:cNvPr id="21" name="CasellaDiTesto 20"/>
+          <p:cNvSpPr txBox="1"/>
+          <p:nvPr/>
+        </p:nvSpPr>
+        <p:spPr>
+          <a:xfrm>
+            <a:off x="439264" y="5979458"/>
+            <a:ext cx="2403143" cy="400110"/>
+          </a:xfrm>
+          <a:prstGeom prst="rect">
+            <a:avLst/>
+          </a:prstGeom>
+          <a:noFill/>
+        </p:spPr>
+        <p:txBody>
+          <a:bodyPr wrap="square" rtlCol="0">
+            <a:spAutoFit/>
+          </a:bodyPr>
+          <a:lstStyle/>
+          <a:p>
+            <a:r>
+              <a:rPr lang="it-IT" sz="2000" dirty="0" smtClean="0"/>
+              <a:t>DEPTH [m]</a:t>
+            </a:r>
+            <a:endParaRPr lang="it-IT" sz="2000" dirty="0"/>
+          </a:p>
+        </p:txBody>
+      </p:sp>
+      <p:sp>
+        <p:nvSpPr>
+          <p:cNvPr id="22" name="CasellaDiTesto 21"/>
+          <p:cNvSpPr txBox="1"/>
+          <p:nvPr/>
+        </p:nvSpPr>
+        <p:spPr>
+          <a:xfrm>
+            <a:off x="4665270" y="5997406"/>
+            <a:ext cx="2900915" cy="400110"/>
+          </a:xfrm>
+          <a:prstGeom prst="rect">
+            <a:avLst/>
+          </a:prstGeom>
+          <a:noFill/>
+        </p:spPr>
+        <p:txBody>
+          <a:bodyPr wrap="square" rtlCol="0">
+            <a:spAutoFit/>
+          </a:bodyPr>
+          <a:lstStyle/>
+          <a:p>
+            <a:r>
+              <a:rPr lang="it-IT" sz="2000" dirty="0" smtClean="0"/>
+              <a:t>WATER PRESSURE [m]</a:t>
+            </a:r>
+            <a:endParaRPr lang="it-IT" sz="2000" dirty="0"/>
+          </a:p>
+        </p:txBody>
+      </p:sp>
+      <p:sp>
+        <p:nvSpPr>
+          <p:cNvPr id="23" name="Rettangolo 22"/>
+          <p:cNvSpPr/>
+          <p:nvPr/>
+        </p:nvSpPr>
+        <p:spPr>
+          <a:xfrm>
+            <a:off x="3930181" y="5912226"/>
+            <a:ext cx="3537419" cy="569893"/>
+          </a:xfrm>
+          <a:prstGeom prst="rect">
+            <a:avLst/>
+          </a:prstGeom>
+          <a:noFill/>
+          <a:ln w="50800">
+            <a:solidFill>
+              <a:srgbClr val="0070C0"/>
+            </a:solidFill>
+          </a:ln>
+        </p:spPr>
+        <p:style>
+          <a:lnRef idx="2">
+            <a:schemeClr val="accent1">
+              <a:shade val="50000"/>
+            </a:schemeClr>
+          </a:lnRef>
+          <a:fillRef idx="1">
+            <a:schemeClr val="accent1"/>
+          </a:fillRef>
+          <a:effectRef idx="0">
+            <a:schemeClr val="accent1"/>
+          </a:effectRef>
+          <a:fontRef idx="minor">
+            <a:schemeClr val="lt1"/>
+          </a:fontRef>
+        </p:style>
+        <p:txBody>
+          <a:bodyPr rtlCol="0" anchor="ctr"/>
+          <a:lstStyle/>
+          <a:p>
+            <a:pPr algn="ctr"/>
+            <a:endParaRPr lang="it-IT" dirty="0"/>
+          </a:p>
+        </p:txBody>
+      </p:sp>
+      <p:sp>
+        <p:nvSpPr>
+          <p:cNvPr id="24" name="Rettangolo 23"/>
+          <p:cNvSpPr/>
+          <p:nvPr/>
+        </p:nvSpPr>
+        <p:spPr>
+          <a:xfrm>
+            <a:off x="1981200" y="3778626"/>
+            <a:ext cx="4419600" cy="1803370"/>
+          </a:xfrm>
+          <a:prstGeom prst="rect">
+            <a:avLst/>
+          </a:prstGeom>
+          <a:noFill/>
+          <a:ln w="50800">
+            <a:solidFill>
+              <a:srgbClr val="0070C0"/>
+            </a:solidFill>
+          </a:ln>
+        </p:spPr>
+        <p:style>
+          <a:lnRef idx="2">
+            <a:schemeClr val="accent1">
+              <a:shade val="50000"/>
+            </a:schemeClr>
+          </a:lnRef>
+          <a:fillRef idx="1">
+            <a:schemeClr val="accent1"/>
+          </a:fillRef>
+          <a:effectRef idx="0">
+            <a:schemeClr val="accent1"/>
+          </a:effectRef>
+          <a:fontRef idx="minor">
+            <a:schemeClr val="lt1"/>
+          </a:fontRef>
+        </p:style>
+        <p:txBody>
+          <a:bodyPr rtlCol="0" anchor="ctr"/>
+          <a:lstStyle/>
+          <a:p>
+            <a:pPr algn="ctr"/>
+            <a:endParaRPr lang="it-IT" dirty="0"/>
+          </a:p>
+        </p:txBody>
+      </p:sp>
+      <p:cxnSp>
+        <p:nvCxnSpPr>
+          <p:cNvPr id="25" name="Connettore 2 24"/>
+          <p:cNvCxnSpPr/>
+          <p:nvPr/>
+        </p:nvCxnSpPr>
+        <p:spPr>
+          <a:xfrm>
+            <a:off x="5867400" y="5581996"/>
+            <a:ext cx="0" cy="297063"/>
+          </a:xfrm>
+          <a:prstGeom prst="straightConnector1">
+            <a:avLst/>
+          </a:prstGeom>
+          <a:ln w="57150">
+            <a:solidFill>
+              <a:srgbClr val="0070C0"/>
+            </a:solidFill>
+            <a:tailEnd type="arrow"/>
+          </a:ln>
+        </p:spPr>
+        <p:style>
+          <a:lnRef idx="1">
+            <a:schemeClr val="accent1"/>
+          </a:lnRef>
+          <a:fillRef idx="0">
+            <a:schemeClr val="accent1"/>
+          </a:fillRef>
+          <a:effectRef idx="0">
+            <a:schemeClr val="accent1"/>
+          </a:effectRef>
+          <a:fontRef idx="minor">
+            <a:schemeClr val="tx1"/>
+          </a:fontRef>
+        </p:style>
+      </p:cxnSp>
+      <p:sp>
+        <p:nvSpPr>
+          <p:cNvPr id="26" name="Rettangolo 25"/>
+          <p:cNvSpPr/>
+          <p:nvPr/>
+        </p:nvSpPr>
+        <p:spPr>
+          <a:xfrm>
+            <a:off x="342659" y="5861130"/>
+            <a:ext cx="1710258" cy="569893"/>
+          </a:xfrm>
+          <a:prstGeom prst="rect">
+            <a:avLst/>
+          </a:prstGeom>
+          <a:noFill/>
+          <a:ln w="50800">
+            <a:solidFill>
+              <a:srgbClr val="FF0000"/>
+            </a:solidFill>
+          </a:ln>
+        </p:spPr>
+        <p:style>
+          <a:lnRef idx="2">
+            <a:schemeClr val="accent1">
+              <a:shade val="50000"/>
+            </a:schemeClr>
+          </a:lnRef>
+          <a:fillRef idx="1">
+            <a:schemeClr val="accent1"/>
+          </a:fillRef>
+          <a:effectRef idx="0">
+            <a:schemeClr val="accent1"/>
+          </a:effectRef>
+          <a:fontRef idx="minor">
+            <a:schemeClr val="lt1"/>
+          </a:fontRef>
+        </p:style>
+        <p:txBody>
+          <a:bodyPr rtlCol="0" anchor="ctr"/>
+          <a:lstStyle/>
+          <a:p>
+            <a:pPr algn="ctr"/>
+            <a:endParaRPr lang="it-IT" dirty="0"/>
+          </a:p>
+        </p:txBody>
+      </p:sp>
+      <p:sp>
+        <p:nvSpPr>
+          <p:cNvPr id="27" name="Rettangolo 26"/>
+          <p:cNvSpPr/>
+          <p:nvPr/>
+        </p:nvSpPr>
+        <p:spPr>
+          <a:xfrm>
+            <a:off x="376516" y="3778626"/>
+            <a:ext cx="1616497" cy="1803370"/>
+          </a:xfrm>
+          <a:prstGeom prst="rect">
+            <a:avLst/>
+          </a:prstGeom>
+          <a:noFill/>
+          <a:ln w="50800">
+            <a:solidFill>
+              <a:srgbClr val="FF0000"/>
+            </a:solidFill>
+          </a:ln>
+        </p:spPr>
+        <p:style>
+          <a:lnRef idx="2">
+            <a:schemeClr val="accent1">
+              <a:shade val="50000"/>
+            </a:schemeClr>
+          </a:lnRef>
+          <a:fillRef idx="1">
+            <a:schemeClr val="accent1"/>
+          </a:fillRef>
+          <a:effectRef idx="0">
+            <a:schemeClr val="accent1"/>
+          </a:effectRef>
+          <a:fontRef idx="minor">
+            <a:schemeClr val="lt1"/>
+          </a:fontRef>
+        </p:style>
+        <p:txBody>
+          <a:bodyPr rtlCol="0" anchor="ctr"/>
+          <a:lstStyle/>
+          <a:p>
+            <a:pPr algn="ctr"/>
+            <a:endParaRPr lang="it-IT" dirty="0"/>
+          </a:p>
+        </p:txBody>
+      </p:sp>
+      <p:cxnSp>
+        <p:nvCxnSpPr>
+          <p:cNvPr id="28" name="Connettore 2 27"/>
+          <p:cNvCxnSpPr/>
+          <p:nvPr/>
+        </p:nvCxnSpPr>
+        <p:spPr>
+          <a:xfrm>
+            <a:off x="1371600" y="5560814"/>
+            <a:ext cx="0" cy="304800"/>
+          </a:xfrm>
+          <a:prstGeom prst="straightConnector1">
+            <a:avLst/>
+          </a:prstGeom>
+          <a:ln w="57150">
+            <a:solidFill>
+              <a:srgbClr val="FF0000"/>
+            </a:solidFill>
+            <a:tailEnd type="arrow"/>
+          </a:ln>
+        </p:spPr>
+        <p:style>
+          <a:lnRef idx="1">
+            <a:schemeClr val="accent1"/>
+          </a:lnRef>
+          <a:fillRef idx="0">
+            <a:schemeClr val="accent1"/>
+          </a:fillRef>
+          <a:effectRef idx="0">
+            <a:schemeClr val="accent1"/>
+          </a:effectRef>
+          <a:fontRef idx="minor">
+            <a:schemeClr val="tx1"/>
+          </a:fontRef>
+        </p:style>
+      </p:cxnSp>
+    </p:spTree>
+    <p:extLst>
+      <p:ext uri="{BB962C8B-B14F-4D97-AF65-F5344CB8AC3E}">
+        <p14:creationId xmlns:p14="http://schemas.microsoft.com/office/powerpoint/2010/main" val="3867650883"/>
+      </p:ext>
+    </p:extLst>
+  </p:cSld>
+  <p:clrMapOvr>
+    <a:masterClrMapping/>
+  </p:clrMapOvr>
+  <p:transition spd="med"/>
+  <p:timing>
+    <p:tnLst>
+      <p:par>
+        <p:cTn id="1" dur="indefinite" restart="never" nodeType="tmRoot"/>
+      </p:par>
+    </p:tnLst>
+  </p:timing>
+</p:sld>
+</file>
+
+<file path=ppt/slides/slide32.xml><?xml version="1.0" encoding="utf-8"?>
+<p:sld xmlns:a="http://schemas.openxmlformats.org/drawingml/2006/main" xmlns:r="http://schemas.openxmlformats.org/officeDocument/2006/relationships" xmlns:p="http://schemas.openxmlformats.org/presentationml/2006/main">
+  <p:cSld>
+    <p:spTree>
+      <p:nvGrpSpPr>
+        <p:cNvPr id="1" name=""/>
+        <p:cNvGrpSpPr/>
+        <p:nvPr/>
+      </p:nvGrpSpPr>
+      <p:grpSpPr>
+        <a:xfrm>
+          <a:off x="0" y="0"/>
+          <a:ext cx="0" cy="0"/>
+          <a:chOff x="0" y="0"/>
+          <a:chExt cx="0" cy="0"/>
+        </a:xfrm>
+      </p:grpSpPr>
+      <p:pic>
+        <p:nvPicPr>
+          <p:cNvPr id="4" name="Immagine 3"/>
+          <p:cNvPicPr>
+            <a:picLocks noChangeAspect="1"/>
+          </p:cNvPicPr>
+          <p:nvPr/>
+        </p:nvPicPr>
+        <p:blipFill>
+          <a:blip r:embed="rId2">
+            <a:extLst>
+              <a:ext uri="{28A0092B-C50C-407E-A947-70E740481C1C}">
+                <a14:useLocalDpi xmlns:a14="http://schemas.microsoft.com/office/drawing/2010/main" val="0"/>
+              </a:ext>
+            </a:extLst>
+          </a:blip>
+          <a:stretch>
+            <a:fillRect/>
+          </a:stretch>
+        </p:blipFill>
+        <p:spPr>
+          <a:xfrm>
+            <a:off x="468985" y="3140210"/>
+            <a:ext cx="4746844" cy="2216426"/>
+          </a:xfrm>
+          <a:prstGeom prst="rect">
+            <a:avLst/>
+          </a:prstGeom>
+        </p:spPr>
+      </p:pic>
+      <p:sp>
+        <p:nvSpPr>
+          <p:cNvPr id="154" name="Shape 154"/>
+          <p:cNvSpPr/>
+          <p:nvPr/>
+        </p:nvSpPr>
+        <p:spPr>
+          <a:xfrm>
+            <a:off x="0" y="-8930"/>
+            <a:ext cx="7563445" cy="349131"/>
+          </a:xfrm>
+          <a:prstGeom prst="rect">
+            <a:avLst/>
+          </a:prstGeom>
+          <a:ln w="12700">
+            <a:miter lim="400000"/>
+          </a:ln>
+          <a:extLst>
+            <a:ext uri="{C572A759-6A51-4108-AA02-DFA0A04FC94B}">
+              <ma14:wrappingTextBoxFlag xmlns="" xmlns:ma14="http://schemas.microsoft.com/office/mac/drawingml/2011/main" val="1"/>
+            </a:ext>
+          </a:extLst>
+        </p:spPr>
+        <p:txBody>
+          <a:bodyPr lIns="35717" tIns="35717" rIns="35717" bIns="35717">
+            <a:spAutoFit/>
+          </a:bodyPr>
+          <a:lstStyle>
+            <a:lvl1pPr algn="l" defTabSz="647700">
+              <a:tabLst>
+                <a:tab pos="355600" algn="l"/>
+                <a:tab pos="711200" algn="l"/>
+                <a:tab pos="1079500" algn="l"/>
+                <a:tab pos="1435100" algn="l"/>
+                <a:tab pos="1790700" algn="l"/>
+                <a:tab pos="2159000" algn="l"/>
+                <a:tab pos="2514600" algn="l"/>
+                <a:tab pos="2870200" algn="l"/>
+                <a:tab pos="3238500" algn="l"/>
+                <a:tab pos="3594100" algn="l"/>
+                <a:tab pos="3949700" algn="l"/>
+                <a:tab pos="4318000" algn="l"/>
+              </a:tabLst>
+              <a:defRPr sz="1800">
+                <a:solidFill>
+                  <a:srgbClr val="F1FEF6"/>
+                </a:solidFill>
+                <a:latin typeface="Lucida Bright"/>
+                <a:ea typeface="Lucida Bright"/>
+                <a:cs typeface="Lucida Bright"/>
+                <a:sym typeface="Lucida Bright"/>
+              </a:defRPr>
+            </a:lvl1pPr>
+          </a:lstStyle>
+          <a:p>
+            <a:pPr algn="just"/>
+            <a:r>
+              <a:rPr lang="en-US" dirty="0" smtClean="0"/>
+              <a:t>Solving Richards’ equation with OMS console</a:t>
+            </a:r>
+            <a:endParaRPr lang="en-US" dirty="0"/>
+          </a:p>
+        </p:txBody>
+      </p:sp>
+      <p:sp>
+        <p:nvSpPr>
+          <p:cNvPr id="14" name="Shape 154"/>
+          <p:cNvSpPr/>
+          <p:nvPr/>
+        </p:nvSpPr>
+        <p:spPr>
+          <a:xfrm>
+            <a:off x="1049289" y="6508869"/>
+            <a:ext cx="2354957" cy="349131"/>
+          </a:xfrm>
+          <a:prstGeom prst="rect">
+            <a:avLst/>
+          </a:prstGeom>
+          <a:ln w="12700">
+            <a:miter lim="400000"/>
+          </a:ln>
+          <a:extLst>
+            <a:ext uri="{C572A759-6A51-4108-AA02-DFA0A04FC94B}">
+              <ma14:wrappingTextBoxFlag xmlns="" xmlns:ma14="http://schemas.microsoft.com/office/mac/drawingml/2011/main" val="1"/>
+            </a:ext>
+          </a:extLst>
+        </p:spPr>
+        <p:txBody>
+          <a:bodyPr wrap="square" lIns="35717" tIns="35717" rIns="35717" bIns="35717">
+            <a:spAutoFit/>
+          </a:bodyPr>
+          <a:lstStyle>
+            <a:lvl1pPr algn="l" defTabSz="647700">
+              <a:tabLst>
+                <a:tab pos="355600" algn="l"/>
+                <a:tab pos="711200" algn="l"/>
+                <a:tab pos="1079500" algn="l"/>
+                <a:tab pos="1435100" algn="l"/>
+                <a:tab pos="1790700" algn="l"/>
+                <a:tab pos="2159000" algn="l"/>
+                <a:tab pos="2514600" algn="l"/>
+                <a:tab pos="2870200" algn="l"/>
+                <a:tab pos="3238500" algn="l"/>
+                <a:tab pos="3594100" algn="l"/>
+                <a:tab pos="3949700" algn="l"/>
+                <a:tab pos="4318000" algn="l"/>
+              </a:tabLst>
+              <a:defRPr sz="1800">
+                <a:solidFill>
+                  <a:srgbClr val="F1FEF6"/>
+                </a:solidFill>
+                <a:latin typeface="Lucida Bright"/>
+                <a:ea typeface="Lucida Bright"/>
+                <a:cs typeface="Lucida Bright"/>
+                <a:sym typeface="Lucida Bright"/>
+              </a:defRPr>
+            </a:lvl1pPr>
+          </a:lstStyle>
+          <a:p>
+            <a:r>
+              <a:rPr lang="it-IT" dirty="0"/>
+              <a:t> </a:t>
+            </a:r>
+            <a:r>
+              <a:rPr lang="it-IT" dirty="0" smtClean="0"/>
+              <a:t>&amp;  N. Tubini</a:t>
+            </a:r>
+            <a:endParaRPr dirty="0"/>
+          </a:p>
+        </p:txBody>
+      </p:sp>
+      <p:sp>
+        <p:nvSpPr>
+          <p:cNvPr id="2" name="CasellaDiTesto 1"/>
+          <p:cNvSpPr txBox="1"/>
+          <p:nvPr/>
+        </p:nvSpPr>
+        <p:spPr>
+          <a:xfrm>
+            <a:off x="1708712" y="524867"/>
+            <a:ext cx="5726575" cy="400110"/>
+          </a:xfrm>
+          <a:prstGeom prst="rect">
+            <a:avLst/>
+          </a:prstGeom>
+          <a:noFill/>
+        </p:spPr>
+        <p:txBody>
+          <a:bodyPr wrap="square" rtlCol="0">
+            <a:spAutoFit/>
+          </a:bodyPr>
+          <a:lstStyle/>
+          <a:p>
+            <a:pPr algn="ctr"/>
+            <a:r>
+              <a:rPr lang="it-IT" sz="2000" dirty="0" smtClean="0"/>
+              <a:t>WATER CONTENT OUTPUT FILE</a:t>
+            </a:r>
+            <a:endParaRPr lang="en-GB" sz="2000" dirty="0"/>
+          </a:p>
+        </p:txBody>
+      </p:sp>
+      <p:sp>
+        <p:nvSpPr>
+          <p:cNvPr id="11" name="CasellaDiTesto 10"/>
+          <p:cNvSpPr txBox="1"/>
+          <p:nvPr/>
+        </p:nvSpPr>
+        <p:spPr>
+          <a:xfrm>
+            <a:off x="1039987" y="1039910"/>
+            <a:ext cx="4038600" cy="707886"/>
+          </a:xfrm>
+          <a:prstGeom prst="rect">
+            <a:avLst/>
+          </a:prstGeom>
+          <a:noFill/>
+        </p:spPr>
+        <p:txBody>
+          <a:bodyPr wrap="square" rtlCol="0">
+            <a:spAutoFit/>
+          </a:bodyPr>
+          <a:lstStyle/>
+          <a:p>
+            <a:pPr algn="just"/>
+            <a:r>
+              <a:rPr lang="it-IT" sz="2000" dirty="0" smtClean="0"/>
+              <a:t>TIME AT WHICH THE SOLUTION IS COMPUTED</a:t>
+            </a:r>
+            <a:endParaRPr lang="it-IT" sz="2000" dirty="0"/>
+          </a:p>
+        </p:txBody>
+      </p:sp>
+      <p:sp>
+        <p:nvSpPr>
+          <p:cNvPr id="12" name="Rettangolo 11"/>
+          <p:cNvSpPr/>
+          <p:nvPr/>
+        </p:nvSpPr>
+        <p:spPr>
+          <a:xfrm>
+            <a:off x="321968" y="2868710"/>
+            <a:ext cx="3537419" cy="569893"/>
+          </a:xfrm>
+          <a:prstGeom prst="rect">
+            <a:avLst/>
+          </a:prstGeom>
+          <a:noFill/>
+          <a:ln w="50800">
+            <a:solidFill>
+              <a:srgbClr val="00B050"/>
+            </a:solidFill>
+          </a:ln>
+        </p:spPr>
+        <p:style>
+          <a:lnRef idx="2">
+            <a:schemeClr val="accent1">
+              <a:shade val="50000"/>
+            </a:schemeClr>
+          </a:lnRef>
+          <a:fillRef idx="1">
+            <a:schemeClr val="accent1"/>
+          </a:fillRef>
+          <a:effectRef idx="0">
+            <a:schemeClr val="accent1"/>
+          </a:effectRef>
+          <a:fontRef idx="minor">
+            <a:schemeClr val="lt1"/>
+          </a:fontRef>
+        </p:style>
+        <p:txBody>
+          <a:bodyPr rtlCol="0" anchor="ctr"/>
+          <a:lstStyle/>
+          <a:p>
+            <a:pPr algn="ctr"/>
+            <a:endParaRPr lang="it-IT" dirty="0"/>
+          </a:p>
+        </p:txBody>
+      </p:sp>
+      <p:sp>
+        <p:nvSpPr>
+          <p:cNvPr id="13" name="Rettangolo 12"/>
+          <p:cNvSpPr/>
+          <p:nvPr/>
+        </p:nvSpPr>
+        <p:spPr>
+          <a:xfrm>
+            <a:off x="887587" y="1039910"/>
+            <a:ext cx="4191000" cy="1219200"/>
+          </a:xfrm>
+          <a:prstGeom prst="rect">
+            <a:avLst/>
+          </a:prstGeom>
+          <a:noFill/>
+          <a:ln w="50800">
+            <a:solidFill>
+              <a:srgbClr val="00B050"/>
+            </a:solidFill>
+          </a:ln>
+        </p:spPr>
+        <p:style>
+          <a:lnRef idx="2">
+            <a:schemeClr val="accent1">
+              <a:shade val="50000"/>
+            </a:schemeClr>
+          </a:lnRef>
+          <a:fillRef idx="1">
+            <a:schemeClr val="accent1"/>
+          </a:fillRef>
+          <a:effectRef idx="0">
+            <a:schemeClr val="accent1"/>
+          </a:effectRef>
+          <a:fontRef idx="minor">
+            <a:schemeClr val="lt1"/>
+          </a:fontRef>
+        </p:style>
+        <p:txBody>
+          <a:bodyPr rtlCol="0" anchor="ctr"/>
+          <a:lstStyle/>
+          <a:p>
+            <a:pPr algn="ctr"/>
+            <a:endParaRPr lang="it-IT" dirty="0"/>
+          </a:p>
+        </p:txBody>
+      </p:sp>
+      <p:cxnSp>
+        <p:nvCxnSpPr>
+          <p:cNvPr id="20" name="Connettore 2 19"/>
+          <p:cNvCxnSpPr/>
+          <p:nvPr/>
+        </p:nvCxnSpPr>
+        <p:spPr>
+          <a:xfrm>
+            <a:off x="2259187" y="2335310"/>
+            <a:ext cx="0" cy="609600"/>
+          </a:xfrm>
+          <a:prstGeom prst="straightConnector1">
+            <a:avLst/>
+          </a:prstGeom>
+          <a:ln w="57150">
+            <a:solidFill>
+              <a:srgbClr val="00B050"/>
+            </a:solidFill>
+            <a:tailEnd type="arrow"/>
+          </a:ln>
+        </p:spPr>
+        <p:style>
+          <a:lnRef idx="1">
+            <a:schemeClr val="accent1"/>
+          </a:lnRef>
+          <a:fillRef idx="0">
+            <a:schemeClr val="accent1"/>
+          </a:fillRef>
+          <a:effectRef idx="0">
+            <a:schemeClr val="accent1"/>
+          </a:effectRef>
+          <a:fontRef idx="minor">
+            <a:schemeClr val="tx1"/>
+          </a:fontRef>
+        </p:style>
+      </p:cxnSp>
+      <p:sp>
+        <p:nvSpPr>
+          <p:cNvPr id="21" name="CasellaDiTesto 20"/>
+          <p:cNvSpPr txBox="1"/>
+          <p:nvPr/>
+        </p:nvSpPr>
+        <p:spPr>
+          <a:xfrm>
+            <a:off x="439264" y="5943600"/>
+            <a:ext cx="2403143" cy="400110"/>
+          </a:xfrm>
+          <a:prstGeom prst="rect">
+            <a:avLst/>
+          </a:prstGeom>
+          <a:noFill/>
+        </p:spPr>
+        <p:txBody>
+          <a:bodyPr wrap="square" rtlCol="0">
+            <a:spAutoFit/>
+          </a:bodyPr>
+          <a:lstStyle/>
+          <a:p>
+            <a:r>
+              <a:rPr lang="it-IT" sz="2000" dirty="0" smtClean="0"/>
+              <a:t>DEPTH [m]</a:t>
+            </a:r>
+            <a:endParaRPr lang="it-IT" sz="2000" dirty="0"/>
+          </a:p>
+        </p:txBody>
+      </p:sp>
+      <p:sp>
+        <p:nvSpPr>
+          <p:cNvPr id="22" name="CasellaDiTesto 21"/>
+          <p:cNvSpPr txBox="1"/>
+          <p:nvPr/>
+        </p:nvSpPr>
+        <p:spPr>
+          <a:xfrm>
+            <a:off x="4352361" y="5907761"/>
+            <a:ext cx="3200400" cy="400110"/>
+          </a:xfrm>
+          <a:prstGeom prst="rect">
+            <a:avLst/>
+          </a:prstGeom>
+          <a:noFill/>
+        </p:spPr>
+        <p:txBody>
+          <a:bodyPr wrap="square" rtlCol="0">
+            <a:spAutoFit/>
+          </a:bodyPr>
+          <a:lstStyle/>
+          <a:p>
+            <a:r>
+              <a:rPr lang="it-IT" sz="2000" smtClean="0"/>
+              <a:t>WATER CONTENT </a:t>
+            </a:r>
+            <a:r>
+              <a:rPr lang="it-IT" sz="2000" dirty="0" smtClean="0"/>
+              <a:t>[-]</a:t>
+            </a:r>
+            <a:endParaRPr lang="it-IT" sz="2000" dirty="0"/>
+          </a:p>
+        </p:txBody>
+      </p:sp>
+      <p:sp>
+        <p:nvSpPr>
+          <p:cNvPr id="23" name="Rettangolo 22"/>
+          <p:cNvSpPr/>
+          <p:nvPr/>
+        </p:nvSpPr>
+        <p:spPr>
+          <a:xfrm>
+            <a:off x="3930181" y="5786723"/>
+            <a:ext cx="3537419" cy="569893"/>
+          </a:xfrm>
+          <a:prstGeom prst="rect">
+            <a:avLst/>
+          </a:prstGeom>
+          <a:noFill/>
+          <a:ln w="50800">
+            <a:solidFill>
+              <a:srgbClr val="0070C0"/>
+            </a:solidFill>
+          </a:ln>
+        </p:spPr>
+        <p:style>
+          <a:lnRef idx="2">
+            <a:schemeClr val="accent1">
+              <a:shade val="50000"/>
+            </a:schemeClr>
+          </a:lnRef>
+          <a:fillRef idx="1">
+            <a:schemeClr val="accent1"/>
+          </a:fillRef>
+          <a:effectRef idx="0">
+            <a:schemeClr val="accent1"/>
+          </a:effectRef>
+          <a:fontRef idx="minor">
+            <a:schemeClr val="lt1"/>
+          </a:fontRef>
+        </p:style>
+        <p:txBody>
+          <a:bodyPr rtlCol="0" anchor="ctr"/>
+          <a:lstStyle/>
+          <a:p>
+            <a:pPr algn="ctr"/>
+            <a:endParaRPr lang="it-IT" dirty="0"/>
+          </a:p>
+        </p:txBody>
+      </p:sp>
+      <p:sp>
+        <p:nvSpPr>
+          <p:cNvPr id="24" name="Rettangolo 23"/>
+          <p:cNvSpPr/>
+          <p:nvPr/>
+        </p:nvSpPr>
+        <p:spPr>
+          <a:xfrm>
+            <a:off x="1981200" y="3510319"/>
+            <a:ext cx="4419600" cy="1868507"/>
+          </a:xfrm>
+          <a:prstGeom prst="rect">
+            <a:avLst/>
+          </a:prstGeom>
+          <a:noFill/>
+          <a:ln w="50800">
+            <a:solidFill>
+              <a:srgbClr val="0070C0"/>
+            </a:solidFill>
+          </a:ln>
+        </p:spPr>
+        <p:style>
+          <a:lnRef idx="2">
+            <a:schemeClr val="accent1">
+              <a:shade val="50000"/>
+            </a:schemeClr>
+          </a:lnRef>
+          <a:fillRef idx="1">
+            <a:schemeClr val="accent1"/>
+          </a:fillRef>
+          <a:effectRef idx="0">
+            <a:schemeClr val="accent1"/>
+          </a:effectRef>
+          <a:fontRef idx="minor">
+            <a:schemeClr val="lt1"/>
+          </a:fontRef>
+        </p:style>
+        <p:txBody>
+          <a:bodyPr rtlCol="0" anchor="ctr"/>
+          <a:lstStyle/>
+          <a:p>
+            <a:pPr algn="ctr"/>
+            <a:endParaRPr lang="it-IT" dirty="0"/>
+          </a:p>
+        </p:txBody>
+      </p:sp>
+      <p:cxnSp>
+        <p:nvCxnSpPr>
+          <p:cNvPr id="25" name="Connettore 2 24"/>
+          <p:cNvCxnSpPr/>
+          <p:nvPr/>
+        </p:nvCxnSpPr>
+        <p:spPr>
+          <a:xfrm>
+            <a:off x="5867400" y="5426350"/>
+            <a:ext cx="0" cy="309277"/>
+          </a:xfrm>
+          <a:prstGeom prst="straightConnector1">
+            <a:avLst/>
+          </a:prstGeom>
+          <a:ln w="57150">
+            <a:solidFill>
+              <a:srgbClr val="0070C0"/>
+            </a:solidFill>
+            <a:tailEnd type="arrow"/>
+          </a:ln>
+        </p:spPr>
+        <p:style>
+          <a:lnRef idx="1">
+            <a:schemeClr val="accent1"/>
+          </a:lnRef>
+          <a:fillRef idx="0">
+            <a:schemeClr val="accent1"/>
+          </a:fillRef>
+          <a:effectRef idx="0">
+            <a:schemeClr val="accent1"/>
+          </a:effectRef>
+          <a:fontRef idx="minor">
+            <a:schemeClr val="tx1"/>
+          </a:fontRef>
+        </p:style>
+      </p:cxnSp>
+      <p:sp>
+        <p:nvSpPr>
+          <p:cNvPr id="26" name="Rettangolo 25"/>
+          <p:cNvSpPr/>
+          <p:nvPr/>
+        </p:nvSpPr>
+        <p:spPr>
+          <a:xfrm>
+            <a:off x="360587" y="5807343"/>
+            <a:ext cx="1578639" cy="569893"/>
+          </a:xfrm>
+          <a:prstGeom prst="rect">
+            <a:avLst/>
+          </a:prstGeom>
+          <a:noFill/>
+          <a:ln w="50800">
+            <a:solidFill>
+              <a:srgbClr val="FF0000"/>
+            </a:solidFill>
+          </a:ln>
+        </p:spPr>
+        <p:style>
+          <a:lnRef idx="2">
+            <a:schemeClr val="accent1">
+              <a:shade val="50000"/>
+            </a:schemeClr>
+          </a:lnRef>
+          <a:fillRef idx="1">
+            <a:schemeClr val="accent1"/>
+          </a:fillRef>
+          <a:effectRef idx="0">
+            <a:schemeClr val="accent1"/>
+          </a:effectRef>
+          <a:fontRef idx="minor">
+            <a:schemeClr val="lt1"/>
+          </a:fontRef>
+        </p:style>
+        <p:txBody>
+          <a:bodyPr rtlCol="0" anchor="ctr"/>
+          <a:lstStyle/>
+          <a:p>
+            <a:pPr algn="ctr"/>
+            <a:endParaRPr lang="it-IT" dirty="0"/>
+          </a:p>
+        </p:txBody>
+      </p:sp>
+      <p:cxnSp>
+        <p:nvCxnSpPr>
+          <p:cNvPr id="28" name="Connettore 2 27"/>
+          <p:cNvCxnSpPr/>
+          <p:nvPr/>
+        </p:nvCxnSpPr>
+        <p:spPr>
+          <a:xfrm>
+            <a:off x="1371600" y="5417382"/>
+            <a:ext cx="0" cy="304800"/>
+          </a:xfrm>
+          <a:prstGeom prst="straightConnector1">
+            <a:avLst/>
+          </a:prstGeom>
+          <a:ln w="57150">
+            <a:solidFill>
+              <a:srgbClr val="FF0000"/>
+            </a:solidFill>
+            <a:tailEnd type="arrow"/>
+          </a:ln>
+        </p:spPr>
+        <p:style>
+          <a:lnRef idx="1">
+            <a:schemeClr val="accent1"/>
+          </a:lnRef>
+          <a:fillRef idx="0">
+            <a:schemeClr val="accent1"/>
+          </a:fillRef>
+          <a:effectRef idx="0">
+            <a:schemeClr val="accent1"/>
+          </a:effectRef>
+          <a:fontRef idx="minor">
+            <a:schemeClr val="tx1"/>
+          </a:fontRef>
+        </p:style>
+      </p:cxnSp>
+      <p:sp>
+        <p:nvSpPr>
+          <p:cNvPr id="27" name="Rettangolo 26"/>
+          <p:cNvSpPr/>
+          <p:nvPr/>
+        </p:nvSpPr>
+        <p:spPr>
+          <a:xfrm>
+            <a:off x="304800" y="3510320"/>
+            <a:ext cx="1616497" cy="1835340"/>
+          </a:xfrm>
+          <a:prstGeom prst="rect">
+            <a:avLst/>
+          </a:prstGeom>
+          <a:noFill/>
+          <a:ln w="50800">
+            <a:solidFill>
+              <a:srgbClr val="FF0000"/>
+            </a:solidFill>
+          </a:ln>
+        </p:spPr>
+        <p:style>
+          <a:lnRef idx="2">
+            <a:schemeClr val="accent1">
+              <a:shade val="50000"/>
+            </a:schemeClr>
+          </a:lnRef>
+          <a:fillRef idx="1">
+            <a:schemeClr val="accent1"/>
+          </a:fillRef>
+          <a:effectRef idx="0">
+            <a:schemeClr val="accent1"/>
+          </a:effectRef>
+          <a:fontRef idx="minor">
+            <a:schemeClr val="lt1"/>
+          </a:fontRef>
+        </p:style>
+        <p:txBody>
+          <a:bodyPr rtlCol="0" anchor="ctr"/>
+          <a:lstStyle/>
+          <a:p>
+            <a:pPr algn="ctr"/>
+            <a:endParaRPr lang="it-IT" dirty="0"/>
+          </a:p>
+        </p:txBody>
+      </p:sp>
+    </p:spTree>
+    <p:extLst>
+      <p:ext uri="{BB962C8B-B14F-4D97-AF65-F5344CB8AC3E}">
+        <p14:creationId xmlns:p14="http://schemas.microsoft.com/office/powerpoint/2010/main" val="1826655048"/>
+      </p:ext>
+    </p:extLst>
+  </p:cSld>
+  <p:clrMapOvr>
+    <a:masterClrMapping/>
+  </p:clrMapOvr>
+  <p:transition spd="med"/>
+  <p:timing>
+    <p:tnLst>
+      <p:par>
+        <p:cTn id="1" dur="indefinite" restart="never" nodeType="tmRoot"/>
+      </p:par>
+    </p:tnLst>
+  </p:timing>
+</p:sld>
+</file>
+
+<file path=ppt/slides/slide33.xml><?xml version="1.0" encoding="utf-8"?>
+<p:sld xmlns:a="http://schemas.openxmlformats.org/drawingml/2006/main" xmlns:r="http://schemas.openxmlformats.org/officeDocument/2006/relationships" xmlns:p="http://schemas.openxmlformats.org/presentationml/2006/main">
+  <p:cSld>
+    <p:spTree>
+      <p:nvGrpSpPr>
+        <p:cNvPr id="1" name=""/>
+        <p:cNvGrpSpPr/>
+        <p:nvPr/>
+      </p:nvGrpSpPr>
+      <p:grpSpPr>
+        <a:xfrm>
+          <a:off x="0" y="0"/>
+          <a:ext cx="0" cy="0"/>
+          <a:chOff x="0" y="0"/>
+          <a:chExt cx="0" cy="0"/>
+        </a:xfrm>
+      </p:grpSpPr>
       <p:pic>
         <p:nvPicPr>
           <p:cNvPr id="390" name="image.png"/>
@@ -12618,7 +13520,7 @@
           <a:lstStyle/>
           <a:p>
             <a:fld id="{86CB4B4D-7CA3-9044-876B-883B54F8677D}" type="slidenum">
-              <a:t>30</a:t>
+              <a:t>33</a:t>
             </a:fld>
             <a:endParaRPr/>
           </a:p>

--- a/Materials/Richards_English.pptx
+++ b/Materials/Richards_English.pptx
@@ -5,7 +5,7 @@
     <p:sldMasterId id="2147483648" r:id="rId1"/>
   </p:sldMasterIdLst>
   <p:notesMasterIdLst>
-    <p:notesMasterId r:id="rId39"/>
+    <p:notesMasterId r:id="rId29"/>
   </p:notesMasterIdLst>
   <p:sldIdLst>
     <p:sldId id="285" r:id="rId2"/>
@@ -19,32 +19,22 @@
     <p:sldId id="332" r:id="rId10"/>
     <p:sldId id="360" r:id="rId11"/>
     <p:sldId id="348" r:id="rId12"/>
-    <p:sldId id="350" r:id="rId13"/>
-    <p:sldId id="351" r:id="rId14"/>
-    <p:sldId id="352" r:id="rId15"/>
-    <p:sldId id="353" r:id="rId16"/>
-    <p:sldId id="354" r:id="rId17"/>
-    <p:sldId id="355" r:id="rId18"/>
-    <p:sldId id="356" r:id="rId19"/>
-    <p:sldId id="333" r:id="rId20"/>
-    <p:sldId id="361" r:id="rId21"/>
-    <p:sldId id="334" r:id="rId22"/>
-    <p:sldId id="335" r:id="rId23"/>
-    <p:sldId id="336" r:id="rId24"/>
-    <p:sldId id="359" r:id="rId25"/>
-    <p:sldId id="337" r:id="rId26"/>
-    <p:sldId id="338" r:id="rId27"/>
-    <p:sldId id="339" r:id="rId28"/>
-    <p:sldId id="340" r:id="rId29"/>
-    <p:sldId id="357" r:id="rId30"/>
-    <p:sldId id="358" r:id="rId31"/>
-    <p:sldId id="341" r:id="rId32"/>
-    <p:sldId id="342" r:id="rId33"/>
-    <p:sldId id="343" r:id="rId34"/>
-    <p:sldId id="345" r:id="rId35"/>
-    <p:sldId id="362" r:id="rId36"/>
-    <p:sldId id="363" r:id="rId37"/>
-    <p:sldId id="273" r:id="rId38"/>
+    <p:sldId id="356" r:id="rId13"/>
+    <p:sldId id="333" r:id="rId14"/>
+    <p:sldId id="361" r:id="rId15"/>
+    <p:sldId id="334" r:id="rId16"/>
+    <p:sldId id="335" r:id="rId17"/>
+    <p:sldId id="336" r:id="rId18"/>
+    <p:sldId id="359" r:id="rId19"/>
+    <p:sldId id="337" r:id="rId20"/>
+    <p:sldId id="338" r:id="rId21"/>
+    <p:sldId id="339" r:id="rId22"/>
+    <p:sldId id="340" r:id="rId23"/>
+    <p:sldId id="357" r:id="rId24"/>
+    <p:sldId id="358" r:id="rId25"/>
+    <p:sldId id="341" r:id="rId26"/>
+    <p:sldId id="342" r:id="rId27"/>
+    <p:sldId id="273" r:id="rId28"/>
   </p:sldIdLst>
   <p:sldSz cx="9144000" cy="6858000" type="screen4x3"/>
   <p:notesSz cx="6858000" cy="9144000"/>
@@ -244,7 +234,7 @@
           <a:p>
             <a:fld id="{4D0C6883-54F1-064A-A731-D2789FFABA37}" type="datetimeFigureOut">
               <a:rPr lang="it-IT" smtClean="0"/>
-              <a:t>05/03/2018</a:t>
+              <a:t>01/05/2018</a:t>
             </a:fld>
             <a:endParaRPr lang="en-GB"/>
           </a:p>
@@ -693,7 +683,7 @@
           <a:p>
             <a:fld id="{D3F618D5-3DB9-B146-87ED-A3BCB7C64B91}" type="datetimeFigureOut">
               <a:rPr lang="it-IT" smtClean="0"/>
-              <a:t>05/03/2018</a:t>
+              <a:t>01/05/2018</a:t>
             </a:fld>
             <a:endParaRPr lang="en-GB"/>
           </a:p>
@@ -863,7 +853,7 @@
           <a:p>
             <a:fld id="{D3F618D5-3DB9-B146-87ED-A3BCB7C64B91}" type="datetimeFigureOut">
               <a:rPr lang="it-IT" smtClean="0"/>
-              <a:t>05/03/2018</a:t>
+              <a:t>01/05/2018</a:t>
             </a:fld>
             <a:endParaRPr lang="en-GB"/>
           </a:p>
@@ -1043,7 +1033,7 @@
           <a:p>
             <a:fld id="{D3F618D5-3DB9-B146-87ED-A3BCB7C64B91}" type="datetimeFigureOut">
               <a:rPr lang="it-IT" smtClean="0"/>
-              <a:t>05/03/2018</a:t>
+              <a:t>01/05/2018</a:t>
             </a:fld>
             <a:endParaRPr lang="en-GB"/>
           </a:p>
@@ -1249,7 +1239,7 @@
           </a:ln>
           <a:extLst>
             <a:ext uri="{C572A759-6A51-4108-AA02-DFA0A04FC94B}">
-              <ma14:wrappingTextBoxFlag xmlns="" xmlns:ma14="http://schemas.microsoft.com/office/mac/drawingml/2011/main" val="1"/>
+              <ma14:wrappingTextBoxFlag xmlns:ma14="http://schemas.microsoft.com/office/mac/drawingml/2011/main" xmlns="" val="1"/>
             </a:ext>
           </a:extLst>
         </p:spPr>
@@ -1466,7 +1456,7 @@
           <a:p>
             <a:fld id="{D3F618D5-3DB9-B146-87ED-A3BCB7C64B91}" type="datetimeFigureOut">
               <a:rPr lang="it-IT" smtClean="0"/>
-              <a:t>05/03/2018</a:t>
+              <a:t>01/05/2018</a:t>
             </a:fld>
             <a:endParaRPr lang="en-GB"/>
           </a:p>
@@ -1712,7 +1702,7 @@
           <a:p>
             <a:fld id="{D3F618D5-3DB9-B146-87ED-A3BCB7C64B91}" type="datetimeFigureOut">
               <a:rPr lang="it-IT" smtClean="0"/>
-              <a:t>05/03/2018</a:t>
+              <a:t>01/05/2018</a:t>
             </a:fld>
             <a:endParaRPr lang="en-GB"/>
           </a:p>
@@ -2000,7 +1990,7 @@
           <a:p>
             <a:fld id="{D3F618D5-3DB9-B146-87ED-A3BCB7C64B91}" type="datetimeFigureOut">
               <a:rPr lang="it-IT" smtClean="0"/>
-              <a:t>05/03/2018</a:t>
+              <a:t>01/05/2018</a:t>
             </a:fld>
             <a:endParaRPr lang="en-GB"/>
           </a:p>
@@ -2422,7 +2412,7 @@
           <a:p>
             <a:fld id="{D3F618D5-3DB9-B146-87ED-A3BCB7C64B91}" type="datetimeFigureOut">
               <a:rPr lang="it-IT" smtClean="0"/>
-              <a:t>05/03/2018</a:t>
+              <a:t>01/05/2018</a:t>
             </a:fld>
             <a:endParaRPr lang="en-GB"/>
           </a:p>
@@ -2540,7 +2530,7 @@
           <a:p>
             <a:fld id="{D3F618D5-3DB9-B146-87ED-A3BCB7C64B91}" type="datetimeFigureOut">
               <a:rPr lang="it-IT" smtClean="0"/>
-              <a:t>05/03/2018</a:t>
+              <a:t>01/05/2018</a:t>
             </a:fld>
             <a:endParaRPr lang="en-GB"/>
           </a:p>
@@ -2635,7 +2625,7 @@
           <a:p>
             <a:fld id="{D3F618D5-3DB9-B146-87ED-A3BCB7C64B91}" type="datetimeFigureOut">
               <a:rPr lang="it-IT" smtClean="0"/>
-              <a:t>05/03/2018</a:t>
+              <a:t>01/05/2018</a:t>
             </a:fld>
             <a:endParaRPr lang="en-GB"/>
           </a:p>
@@ -2912,7 +2902,7 @@
           <a:p>
             <a:fld id="{D3F618D5-3DB9-B146-87ED-A3BCB7C64B91}" type="datetimeFigureOut">
               <a:rPr lang="it-IT" smtClean="0"/>
-              <a:t>05/03/2018</a:t>
+              <a:t>01/05/2018</a:t>
             </a:fld>
             <a:endParaRPr lang="en-GB"/>
           </a:p>
@@ -3165,7 +3155,7 @@
           <a:p>
             <a:fld id="{D3F618D5-3DB9-B146-87ED-A3BCB7C64B91}" type="datetimeFigureOut">
               <a:rPr lang="it-IT" smtClean="0"/>
-              <a:t>05/03/2018</a:t>
+              <a:t>01/05/2018</a:t>
             </a:fld>
             <a:endParaRPr lang="en-GB"/>
           </a:p>
@@ -3378,7 +3368,7 @@
           <a:p>
             <a:fld id="{D3F618D5-3DB9-B146-87ED-A3BCB7C64B91}" type="datetimeFigureOut">
               <a:rPr lang="it-IT" smtClean="0"/>
-              <a:t>05/03/2018</a:t>
+              <a:t>01/05/2018</a:t>
             </a:fld>
             <a:endParaRPr lang="en-GB"/>
           </a:p>
@@ -3773,7 +3763,7 @@
           </a:ln>
           <a:extLst>
             <a:ext uri="{C572A759-6A51-4108-AA02-DFA0A04FC94B}">
-              <ma14:wrappingTextBoxFlag xmlns="" xmlns:ma14="http://schemas.microsoft.com/office/mac/drawingml/2011/main" val="1"/>
+              <ma14:wrappingTextBoxFlag xmlns:ma14="http://schemas.microsoft.com/office/mac/drawingml/2011/main" xmlns="" val="1"/>
             </a:ext>
           </a:extLst>
         </p:spPr>
@@ -3873,7 +3863,7 @@
           </a:ln>
           <a:extLst>
             <a:ext uri="{C572A759-6A51-4108-AA02-DFA0A04FC94B}">
-              <ma14:wrappingTextBoxFlag xmlns="" xmlns:ma14="http://schemas.microsoft.com/office/mac/drawingml/2011/main" val="1"/>
+              <ma14:wrappingTextBoxFlag xmlns:ma14="http://schemas.microsoft.com/office/mac/drawingml/2011/main" xmlns="" val="1"/>
             </a:ext>
           </a:extLst>
         </p:spPr>
@@ -4039,7 +4029,7 @@
           </a:ln>
           <a:extLst>
             <a:ext uri="{C572A759-6A51-4108-AA02-DFA0A04FC94B}">
-              <ma14:wrappingTextBoxFlag xmlns="" xmlns:ma14="http://schemas.microsoft.com/office/mac/drawingml/2011/main" val="1"/>
+              <ma14:wrappingTextBoxFlag xmlns:ma14="http://schemas.microsoft.com/office/mac/drawingml/2011/main" xmlns="" val="1"/>
             </a:ext>
           </a:extLst>
         </p:spPr>
@@ -4102,7 +4092,7 @@
           </a:ln>
           <a:extLst>
             <a:ext uri="{C572A759-6A51-4108-AA02-DFA0A04FC94B}">
-              <ma14:wrappingTextBoxFlag xmlns="" xmlns:ma14="http://schemas.microsoft.com/office/mac/drawingml/2011/main" val="1"/>
+              <ma14:wrappingTextBoxFlag xmlns:ma14="http://schemas.microsoft.com/office/mac/drawingml/2011/main" xmlns="" val="1"/>
             </a:ext>
           </a:extLst>
         </p:spPr>
@@ -4263,7 +4253,7 @@
           </a:ln>
           <a:extLst>
             <a:ext uri="{C572A759-6A51-4108-AA02-DFA0A04FC94B}">
-              <ma14:wrappingTextBoxFlag xmlns="" xmlns:ma14="http://schemas.microsoft.com/office/mac/drawingml/2011/main" val="1"/>
+              <ma14:wrappingTextBoxFlag xmlns:ma14="http://schemas.microsoft.com/office/mac/drawingml/2011/main" xmlns="" val="1"/>
             </a:ext>
           </a:extLst>
         </p:spPr>
@@ -4326,7 +4316,7 @@
           </a:ln>
           <a:extLst>
             <a:ext uri="{C572A759-6A51-4108-AA02-DFA0A04FC94B}">
-              <ma14:wrappingTextBoxFlag xmlns="" xmlns:ma14="http://schemas.microsoft.com/office/mac/drawingml/2011/main" val="1"/>
+              <ma14:wrappingTextBoxFlag xmlns:ma14="http://schemas.microsoft.com/office/mac/drawingml/2011/main" xmlns="" val="1"/>
             </a:ext>
           </a:extLst>
         </p:spPr>
@@ -4628,7 +4618,7 @@
           </a:ln>
           <a:extLst>
             <a:ext uri="{C572A759-6A51-4108-AA02-DFA0A04FC94B}">
-              <ma14:wrappingTextBoxFlag xmlns="" xmlns:ma14="http://schemas.microsoft.com/office/mac/drawingml/2011/main" val="1"/>
+              <ma14:wrappingTextBoxFlag xmlns:ma14="http://schemas.microsoft.com/office/mac/drawingml/2011/main" xmlns="" val="1"/>
             </a:ext>
           </a:extLst>
         </p:spPr>
@@ -4691,7 +4681,7 @@
           </a:ln>
           <a:extLst>
             <a:ext uri="{C572A759-6A51-4108-AA02-DFA0A04FC94B}">
-              <ma14:wrappingTextBoxFlag xmlns="" xmlns:ma14="http://schemas.microsoft.com/office/mac/drawingml/2011/main" val="1"/>
+              <ma14:wrappingTextBoxFlag xmlns:ma14="http://schemas.microsoft.com/office/mac/drawingml/2011/main" xmlns="" val="1"/>
             </a:ext>
           </a:extLst>
         </p:spPr>
@@ -4765,36 +4755,6 @@
           </a:p>
         </p:txBody>
       </p:sp>
-      <p:pic>
-        <p:nvPicPr>
-          <p:cNvPr id="3" name="Immagine 2"/>
-          <p:cNvPicPr>
-            <a:picLocks noChangeAspect="1"/>
-          </p:cNvPicPr>
-          <p:nvPr/>
-        </p:nvPicPr>
-        <p:blipFill>
-          <a:blip r:embed="rId2">
-            <a:extLst>
-              <a:ext uri="{28A0092B-C50C-407E-A947-70E740481C1C}">
-                <a14:useLocalDpi xmlns:a14="http://schemas.microsoft.com/office/drawing/2010/main" val="0"/>
-              </a:ext>
-            </a:extLst>
-          </a:blip>
-          <a:stretch>
-            <a:fillRect/>
-          </a:stretch>
-        </p:blipFill>
-        <p:spPr>
-          <a:xfrm>
-            <a:off x="544577" y="1667442"/>
-            <a:ext cx="7817392" cy="1983230"/>
-          </a:xfrm>
-          <a:prstGeom prst="rect">
-            <a:avLst/>
-          </a:prstGeom>
-        </p:spPr>
-      </p:pic>
       <p:sp>
         <p:nvSpPr>
           <p:cNvPr id="7" name="Titolo 1"/>
@@ -4835,7 +4795,7 @@
           <a:p>
             <a:r>
               <a:rPr lang="it-IT" sz="2000" dirty="0"/>
-              <a:t>‘’</a:t>
+              <a:t>’</a:t>
             </a:r>
             <a:r>
               <a:rPr lang="it-IT" sz="2000" dirty="0" err="1"/>
@@ -4849,296 +4809,52 @@
               <a:rPr lang="it-IT" sz="2000" dirty="0">
                 <a:sym typeface="Wingdings" panose="05000000000000000000" pitchFamily="2" charset="2"/>
               </a:rPr>
-              <a:t> </a:t>
+              <a:t> JUST ONE </a:t>
             </a:r>
             <a:r>
               <a:rPr lang="it-IT" sz="2000" dirty="0"/>
-              <a:t>JUST ONE ITERATION</a:t>
-            </a:r>
-          </a:p>
-        </p:txBody>
-      </p:sp>
-      <mc:AlternateContent xmlns:mc="http://schemas.openxmlformats.org/markup-compatibility/2006" xmlns:a14="http://schemas.microsoft.com/office/drawing/2010/main">
-        <mc:Choice Requires="a14">
-          <p:sp>
-            <p:nvSpPr>
-              <p:cNvPr id="5" name="CasellaDiTesto 4"/>
-              <p:cNvSpPr txBox="1"/>
-              <p:nvPr/>
-            </p:nvSpPr>
-            <p:spPr>
-              <a:xfrm>
-                <a:off x="228605" y="4642853"/>
-                <a:ext cx="5060578" cy="400110"/>
-              </a:xfrm>
-              <a:prstGeom prst="rect">
-                <a:avLst/>
-              </a:prstGeom>
-              <a:noFill/>
-            </p:spPr>
-            <p:txBody>
-              <a:bodyPr wrap="square" rtlCol="0">
-                <a:spAutoFit/>
-              </a:bodyPr>
-              <a:lstStyle/>
-              <a:p>
-                <a:r>
-                  <a:rPr lang="it-IT" sz="2000" dirty="0"/>
-                  <a:t>TOLERANCE IS SET TO </a:t>
-                </a:r>
-                <a14:m>
-                  <m:oMath xmlns:m="http://schemas.openxmlformats.org/officeDocument/2006/math">
-                    <m:r>
-                      <a:rPr lang="it-IT" sz="2000" b="0" i="0" smtClean="0">
-                        <a:latin typeface="Cambria Math"/>
-                      </a:rPr>
-                      <m:t> </m:t>
-                    </m:r>
-                    <m:sSup>
-                      <m:sSupPr>
-                        <m:ctrlPr>
-                          <a:rPr lang="it-IT" sz="2000" i="1" smtClean="0">
-                            <a:latin typeface="Cambria Math" panose="02040503050406030204" pitchFamily="18" charset="0"/>
-                          </a:rPr>
-                        </m:ctrlPr>
-                      </m:sSupPr>
-                      <m:e>
-                        <m:r>
-                          <a:rPr lang="it-IT" sz="2000" b="0" i="1" smtClean="0">
-                            <a:latin typeface="Cambria Math"/>
-                          </a:rPr>
-                          <m:t>10</m:t>
-                        </m:r>
-                      </m:e>
-                      <m:sup>
-                        <m:r>
-                          <a:rPr lang="it-IT" sz="2000" b="0" i="1" smtClean="0">
-                            <a:latin typeface="Cambria Math"/>
-                          </a:rPr>
-                          <m:t>−11</m:t>
-                        </m:r>
-                      </m:sup>
-                    </m:sSup>
-                  </m:oMath>
-                </a14:m>
-                <a:endParaRPr lang="it-IT" sz="2000" dirty="0"/>
-              </a:p>
-            </p:txBody>
-          </p:sp>
-        </mc:Choice>
-        <mc:Fallback xmlns="">
-          <p:sp>
-            <p:nvSpPr>
-              <p:cNvPr id="5" name="CasellaDiTesto 4"/>
-              <p:cNvSpPr txBox="1">
-                <a:spLocks noRot="1" noChangeAspect="1" noMove="1" noResize="1" noEditPoints="1" noAdjustHandles="1" noChangeArrowheads="1" noChangeShapeType="1" noTextEdit="1"/>
-              </p:cNvSpPr>
-              <p:nvPr/>
-            </p:nvSpPr>
-            <p:spPr>
-              <a:xfrm>
-                <a:off x="228605" y="4642853"/>
-                <a:ext cx="5060578" cy="400110"/>
-              </a:xfrm>
-              <a:prstGeom prst="rect">
-                <a:avLst/>
-              </a:prstGeom>
-              <a:blipFill rotWithShape="1">
-                <a:blip r:embed="rId3"/>
-                <a:stretch>
-                  <a:fillRect l="-1325" t="-7692" b="-27692"/>
-                </a:stretch>
-              </a:blipFill>
-            </p:spPr>
-            <p:txBody>
-              <a:bodyPr/>
-              <a:lstStyle/>
-              <a:p>
-                <a:r>
-                  <a:rPr lang="it-IT">
-                    <a:noFill/>
-                  </a:rPr>
-                  <a:t> </a:t>
-                </a:r>
-              </a:p>
-            </p:txBody>
-          </p:sp>
-        </mc:Fallback>
-      </mc:AlternateContent>
-      <p:sp>
-        <p:nvSpPr>
-          <p:cNvPr id="9" name="Rettangolo 8"/>
-          <p:cNvSpPr/>
-          <p:nvPr/>
-        </p:nvSpPr>
-        <p:spPr>
-          <a:xfrm>
-            <a:off x="5277444" y="3340185"/>
-            <a:ext cx="3175887" cy="310487"/>
-          </a:xfrm>
-          <a:prstGeom prst="rect">
-            <a:avLst/>
-          </a:prstGeom>
-          <a:noFill/>
-          <a:ln w="50800">
-            <a:solidFill>
-              <a:srgbClr val="FF0000"/>
-            </a:solidFill>
-          </a:ln>
-        </p:spPr>
-        <p:style>
-          <a:lnRef idx="2">
-            <a:schemeClr val="accent1">
-              <a:shade val="50000"/>
-            </a:schemeClr>
-          </a:lnRef>
-          <a:fillRef idx="1">
-            <a:schemeClr val="accent1"/>
-          </a:fillRef>
-          <a:effectRef idx="0">
-            <a:schemeClr val="accent1"/>
-          </a:effectRef>
-          <a:fontRef idx="minor">
-            <a:schemeClr val="lt1"/>
-          </a:fontRef>
-        </p:style>
-        <p:txBody>
-          <a:bodyPr rtlCol="0" anchor="ctr"/>
-          <a:lstStyle/>
-          <a:p>
-            <a:pPr algn="ctr"/>
-            <a:endParaRPr lang="it-IT" dirty="0"/>
-          </a:p>
-        </p:txBody>
-      </p:sp>
-      <p:cxnSp>
-        <p:nvCxnSpPr>
-          <p:cNvPr id="10" name="Connettore 2 9"/>
-          <p:cNvCxnSpPr/>
-          <p:nvPr/>
-        </p:nvCxnSpPr>
-        <p:spPr>
-          <a:xfrm>
-            <a:off x="6844691" y="3739946"/>
-            <a:ext cx="0" cy="539184"/>
-          </a:xfrm>
-          <a:prstGeom prst="straightConnector1">
-            <a:avLst/>
-          </a:prstGeom>
-          <a:ln w="57150">
-            <a:solidFill>
-              <a:srgbClr val="FF0000"/>
-            </a:solidFill>
-            <a:tailEnd type="arrow"/>
-          </a:ln>
-        </p:spPr>
-        <p:style>
-          <a:lnRef idx="1">
-            <a:schemeClr val="accent1"/>
-          </a:lnRef>
-          <a:fillRef idx="0">
-            <a:schemeClr val="accent1"/>
-          </a:fillRef>
-          <a:effectRef idx="0">
-            <a:schemeClr val="accent1"/>
-          </a:effectRef>
-          <a:fontRef idx="minor">
-            <a:schemeClr val="tx1"/>
-          </a:fontRef>
-        </p:style>
-      </p:cxnSp>
-      <p:sp>
-        <p:nvSpPr>
-          <p:cNvPr id="15" name="Rettangolo 14"/>
-          <p:cNvSpPr/>
-          <p:nvPr/>
-        </p:nvSpPr>
-        <p:spPr>
-          <a:xfrm>
-            <a:off x="228607" y="4687664"/>
-            <a:ext cx="4558553" cy="399761"/>
-          </a:xfrm>
-          <a:prstGeom prst="rect">
-            <a:avLst/>
-          </a:prstGeom>
-          <a:noFill/>
-          <a:ln w="50800">
-            <a:solidFill>
-              <a:srgbClr val="FF0000"/>
-            </a:solidFill>
-          </a:ln>
-        </p:spPr>
-        <p:style>
-          <a:lnRef idx="2">
-            <a:schemeClr val="accent1">
-              <a:shade val="50000"/>
-            </a:schemeClr>
-          </a:lnRef>
-          <a:fillRef idx="1">
-            <a:schemeClr val="accent1"/>
-          </a:fillRef>
-          <a:effectRef idx="0">
-            <a:schemeClr val="accent1"/>
-          </a:effectRef>
-          <a:fontRef idx="minor">
-            <a:schemeClr val="lt1"/>
-          </a:fontRef>
-        </p:style>
-        <p:txBody>
-          <a:bodyPr rtlCol="0" anchor="ctr"/>
-          <a:lstStyle/>
-          <a:p>
-            <a:pPr algn="ctr"/>
-            <a:endParaRPr lang="it-IT" dirty="0"/>
-          </a:p>
-        </p:txBody>
-      </p:sp>
-      <p:cxnSp>
-        <p:nvCxnSpPr>
-          <p:cNvPr id="16" name="Connettore 2 15"/>
-          <p:cNvCxnSpPr/>
-          <p:nvPr/>
-        </p:nvCxnSpPr>
-        <p:spPr>
-          <a:xfrm>
-            <a:off x="4787160" y="4887544"/>
-            <a:ext cx="502023" cy="0"/>
-          </a:xfrm>
-          <a:prstGeom prst="straightConnector1">
-            <a:avLst/>
-          </a:prstGeom>
-          <a:ln w="57150">
-            <a:solidFill>
-              <a:srgbClr val="FF0000"/>
-            </a:solidFill>
-            <a:tailEnd type="arrow"/>
-          </a:ln>
-        </p:spPr>
-        <p:style>
-          <a:lnRef idx="1">
-            <a:schemeClr val="accent1"/>
-          </a:lnRef>
-          <a:fillRef idx="0">
-            <a:schemeClr val="accent1"/>
-          </a:fillRef>
-          <a:effectRef idx="0">
-            <a:schemeClr val="accent1"/>
-          </a:effectRef>
-          <a:fontRef idx="minor">
-            <a:schemeClr val="tx1"/>
-          </a:fontRef>
-        </p:style>
-      </p:cxnSp>
-      <p:sp>
-        <p:nvSpPr>
-          <p:cNvPr id="18" name="CasellaDiTesto 17"/>
+              <a:t>ITERATION</a:t>
+            </a:r>
+          </a:p>
+          <a:p>
+            <a:endParaRPr lang="it-IT" sz="2000" dirty="0"/>
+          </a:p>
+          <a:p>
+            <a:r>
+              <a:rPr lang="it-IT" sz="2000" dirty="0"/>
+              <a:t>‘’</a:t>
+            </a:r>
+            <a:r>
+              <a:rPr lang="it-IT" sz="2000" dirty="0" err="1"/>
+              <a:t>solver.nestedNewton</a:t>
+            </a:r>
+            <a:r>
+              <a:rPr lang="it-IT" sz="2000" dirty="0"/>
+              <a:t>’’ ‘’1’’ </a:t>
+            </a:r>
+            <a:r>
+              <a:rPr lang="it-IT" sz="2000" dirty="0">
+                <a:sym typeface="Wingdings" panose="05000000000000000000" pitchFamily="2" charset="2"/>
+              </a:rPr>
+              <a:t> NESTED</a:t>
+            </a:r>
+            <a:r>
+              <a:rPr lang="it-IT" sz="2000" dirty="0"/>
+              <a:t> ITERATION </a:t>
+            </a:r>
+          </a:p>
+        </p:txBody>
+      </p:sp>
+      <p:sp>
+        <p:nvSpPr>
+          <p:cNvPr id="3" name="CasellaDiTesto 2"/>
           <p:cNvSpPr txBox="1"/>
           <p:nvPr/>
         </p:nvSpPr>
         <p:spPr>
           <a:xfrm>
-            <a:off x="5277444" y="4279130"/>
-            <a:ext cx="3741049" cy="1631216"/>
+            <a:off x="322729" y="2617694"/>
+            <a:ext cx="8440271" cy="1631216"/>
           </a:xfrm>
           <a:prstGeom prst="rect">
             <a:avLst/>
@@ -5151,25 +4867,21 @@
           </a:bodyPr>
           <a:lstStyle/>
           <a:p>
+            <a:pPr algn="just"/>
             <a:r>
               <a:rPr lang="it-IT" sz="2000" dirty="0"/>
-              <a:t>AT THE ITERATION                    </a:t>
-            </a:r>
-            <a:r>
-              <a:rPr lang="it-IT" sz="2000" i="1" dirty="0"/>
-              <a:t>Outer  </a:t>
-            </a:r>
-            <a:r>
-              <a:rPr lang="it-IT" sz="2000" i="1" dirty="0" err="1"/>
-              <a:t>iterarion</a:t>
-            </a:r>
-            <a:r>
-              <a:rPr lang="it-IT" sz="2000" i="1" dirty="0"/>
-              <a:t> 4 </a:t>
-            </a:r>
+              <a:t>IT MAY HAPPEN THAT THE CHOOSEN TOLERANCE IS NEVER REACHED.</a:t>
+            </a:r>
+          </a:p>
+          <a:p>
+            <a:pPr algn="just"/>
+            <a:endParaRPr lang="it-IT" sz="2000" dirty="0"/>
+          </a:p>
+          <a:p>
+            <a:pPr algn="just"/>
             <a:r>
               <a:rPr lang="it-IT" sz="2000" dirty="0"/>
-              <a:t>THE ERRORE IS SMALLER THAN THE TOLERANCE HENCE THE CODE FORWARDS TO THE NEXT TIME STEP</a:t>
+              <a:t>IN THIS CASE THE CODE RUNS A CERTAIN NUMBER OF ITERATIONS AFTER THAT THE SOLUTION FOUND IS TAKEN AS THE SOLUTION OF THE CURRENT TIME STEP, DOES NOT MATTER HOW BIG IS THE ERROR.</a:t>
             </a:r>
           </a:p>
         </p:txBody>
@@ -5177,7 +4889,7 @@
     </p:spTree>
     <p:extLst>
       <p:ext uri="{BB962C8B-B14F-4D97-AF65-F5344CB8AC3E}">
-        <p14:creationId xmlns:p14="http://schemas.microsoft.com/office/powerpoint/2010/main" val="2971155006"/>
+        <p14:creationId xmlns:p14="http://schemas.microsoft.com/office/powerpoint/2010/main" val="1241823583"/>
       </p:ext>
     </p:extLst>
   </p:cSld>
@@ -5224,7 +4936,7 @@
           </a:ln>
           <a:extLst>
             <a:ext uri="{C572A759-6A51-4108-AA02-DFA0A04FC94B}">
-              <ma14:wrappingTextBoxFlag xmlns="" xmlns:ma14="http://schemas.microsoft.com/office/mac/drawingml/2011/main" val="1"/>
+              <ma14:wrappingTextBoxFlag xmlns:ma14="http://schemas.microsoft.com/office/mac/drawingml/2011/main" xmlns="" val="1"/>
             </a:ext>
           </a:extLst>
         </p:spPr>
@@ -5287,7 +4999,7 @@
           </a:ln>
           <a:extLst>
             <a:ext uri="{C572A759-6A51-4108-AA02-DFA0A04FC94B}">
-              <ma14:wrappingTextBoxFlag xmlns="" xmlns:ma14="http://schemas.microsoft.com/office/mac/drawingml/2011/main" val="1"/>
+              <ma14:wrappingTextBoxFlag xmlns:ma14="http://schemas.microsoft.com/office/mac/drawingml/2011/main" xmlns="" val="1"/>
             </a:ext>
           </a:extLst>
         </p:spPr>
@@ -5361,132 +5073,134 @@
           </a:p>
         </p:txBody>
       </p:sp>
+      <p:cxnSp>
+        <p:nvCxnSpPr>
+          <p:cNvPr id="5" name="Connettore 2 4"/>
+          <p:cNvCxnSpPr/>
+          <p:nvPr/>
+        </p:nvCxnSpPr>
+        <p:spPr>
+          <a:xfrm flipV="1">
+            <a:off x="2667000" y="4229100"/>
+            <a:ext cx="0" cy="403890"/>
+          </a:xfrm>
+          <a:prstGeom prst="straightConnector1">
+            <a:avLst/>
+          </a:prstGeom>
+          <a:ln w="57150">
+            <a:solidFill>
+              <a:srgbClr val="FF0000"/>
+            </a:solidFill>
+            <a:tailEnd type="arrow"/>
+          </a:ln>
+        </p:spPr>
+        <p:style>
+          <a:lnRef idx="1">
+            <a:schemeClr val="accent1"/>
+          </a:lnRef>
+          <a:fillRef idx="0">
+            <a:schemeClr val="accent1"/>
+          </a:fillRef>
+          <a:effectRef idx="0">
+            <a:schemeClr val="accent1"/>
+          </a:effectRef>
+          <a:fontRef idx="minor">
+            <a:schemeClr val="tx1"/>
+          </a:fontRef>
+        </p:style>
+      </p:cxnSp>
+      <p:sp>
+        <p:nvSpPr>
+          <p:cNvPr id="6" name="CasellaDiTesto 5"/>
+          <p:cNvSpPr txBox="1"/>
+          <p:nvPr/>
+        </p:nvSpPr>
+        <p:spPr>
+          <a:xfrm>
+            <a:off x="457200" y="4632990"/>
+            <a:ext cx="5257800" cy="400110"/>
+          </a:xfrm>
+          <a:prstGeom prst="rect">
+            <a:avLst/>
+          </a:prstGeom>
+          <a:noFill/>
+        </p:spPr>
+        <p:txBody>
+          <a:bodyPr wrap="square" rtlCol="0">
+            <a:spAutoFit/>
+          </a:bodyPr>
+          <a:lstStyle/>
+          <a:p>
+            <a:pPr algn="ctr"/>
+            <a:r>
+              <a:rPr lang="it-IT" sz="2000" dirty="0" err="1"/>
+              <a:t>Solver.tTimestep</a:t>
+            </a:r>
+            <a:r>
+              <a:rPr lang="it-IT" sz="2000" dirty="0"/>
+              <a:t> </a:t>
+            </a:r>
+            <a:r>
+              <a:rPr lang="it-IT" sz="2000" dirty="0" err="1"/>
+              <a:t>is</a:t>
+            </a:r>
+            <a:r>
+              <a:rPr lang="it-IT" sz="2000" dirty="0"/>
+              <a:t> </a:t>
+            </a:r>
+            <a:r>
+              <a:rPr lang="it-IT" sz="2000" dirty="0" err="1"/>
+              <a:t>expressed</a:t>
+            </a:r>
+            <a:r>
+              <a:rPr lang="it-IT" sz="2000" dirty="0"/>
+              <a:t> in </a:t>
+            </a:r>
+            <a:r>
+              <a:rPr lang="it-IT" sz="2000" dirty="0" err="1"/>
+              <a:t>seconds</a:t>
+            </a:r>
+            <a:r>
+              <a:rPr lang="it-IT" sz="2000" dirty="0"/>
+              <a:t>.</a:t>
+            </a:r>
+          </a:p>
+        </p:txBody>
+      </p:sp>
       <p:pic>
         <p:nvPicPr>
-          <p:cNvPr id="3" name="Immagine 2"/>
+          <p:cNvPr id="4" name="Picture 3">
+            <a:extLst>
+              <a:ext uri="{FF2B5EF4-FFF2-40B4-BE49-F238E27FC236}">
+                <a16:creationId xmlns:a16="http://schemas.microsoft.com/office/drawing/2014/main" id="{82DF5CE9-A415-4AC2-B6F0-A22B0F889FE1}"/>
+              </a:ext>
+            </a:extLst>
+          </p:cNvPr>
           <p:cNvPicPr>
             <a:picLocks noChangeAspect="1"/>
           </p:cNvPicPr>
           <p:nvPr/>
         </p:nvPicPr>
         <p:blipFill>
-          <a:blip r:embed="rId2">
-            <a:extLst>
-              <a:ext uri="{28A0092B-C50C-407E-A947-70E740481C1C}">
-                <a14:useLocalDpi xmlns:a14="http://schemas.microsoft.com/office/drawing/2010/main" val="0"/>
-              </a:ext>
-            </a:extLst>
-          </a:blip>
+          <a:blip r:embed="rId2"/>
           <a:stretch>
             <a:fillRect/>
           </a:stretch>
         </p:blipFill>
         <p:spPr>
           <a:xfrm>
-            <a:off x="544577" y="1667442"/>
-            <a:ext cx="7817392" cy="1983230"/>
+            <a:off x="1270629" y="2174564"/>
+            <a:ext cx="6395351" cy="1275148"/>
           </a:xfrm>
           <a:prstGeom prst="rect">
             <a:avLst/>
           </a:prstGeom>
         </p:spPr>
       </p:pic>
-      <p:sp>
-        <p:nvSpPr>
-          <p:cNvPr id="7" name="Titolo 1"/>
-          <p:cNvSpPr txBox="1">
-            <a:spLocks/>
-          </p:cNvSpPr>
-          <p:nvPr/>
-        </p:nvSpPr>
-        <p:spPr>
-          <a:xfrm>
-            <a:off x="533400" y="1160930"/>
-            <a:ext cx="8229600" cy="775447"/>
-          </a:xfrm>
-          <a:prstGeom prst="rect">
-            <a:avLst/>
-          </a:prstGeom>
-        </p:spPr>
-        <p:txBody>
-          <a:bodyPr>
-            <a:noAutofit/>
-          </a:bodyPr>
-          <a:lstStyle>
-            <a:lvl1pPr algn="ctr" defTabSz="457200" rtl="0" eaLnBrk="1" latinLnBrk="0" hangingPunct="1">
-              <a:spcBef>
-                <a:spcPct val="0"/>
-              </a:spcBef>
-              <a:buNone/>
-              <a:defRPr sz="4400" kern="1200">
-                <a:solidFill>
-                  <a:schemeClr val="tx1"/>
-                </a:solidFill>
-                <a:latin typeface="+mj-lt"/>
-                <a:ea typeface="+mj-ea"/>
-                <a:cs typeface="+mj-cs"/>
-              </a:defRPr>
-            </a:lvl1pPr>
-          </a:lstStyle>
-          <a:p>
-            <a:r>
-              <a:rPr lang="it-IT" sz="2000" dirty="0"/>
-              <a:t>‘’</a:t>
-            </a:r>
-            <a:r>
-              <a:rPr lang="it-IT" sz="2000" dirty="0" err="1"/>
-              <a:t>solver.nestedNewton</a:t>
-            </a:r>
-            <a:r>
-              <a:rPr lang="it-IT" sz="2000" dirty="0"/>
-              <a:t>’’ ‘’0’’ </a:t>
-            </a:r>
-            <a:r>
-              <a:rPr lang="it-IT" sz="2000" dirty="0">
-                <a:sym typeface="Wingdings" panose="05000000000000000000" pitchFamily="2" charset="2"/>
-              </a:rPr>
-              <a:t> </a:t>
-            </a:r>
-            <a:r>
-              <a:rPr lang="it-IT" sz="2000" dirty="0"/>
-              <a:t>JUST ONE SIMULATION</a:t>
-            </a:r>
-          </a:p>
-        </p:txBody>
-      </p:sp>
-      <p:sp>
-        <p:nvSpPr>
-          <p:cNvPr id="4" name="CasellaDiTesto 3"/>
-          <p:cNvSpPr txBox="1"/>
-          <p:nvPr/>
-        </p:nvSpPr>
-        <p:spPr>
-          <a:xfrm>
-            <a:off x="1266236" y="4679578"/>
-            <a:ext cx="8218423" cy="400110"/>
-          </a:xfrm>
-          <a:prstGeom prst="rect">
-            <a:avLst/>
-          </a:prstGeom>
-          <a:noFill/>
-        </p:spPr>
-        <p:txBody>
-          <a:bodyPr wrap="square" rtlCol="0">
-            <a:spAutoFit/>
-          </a:bodyPr>
-          <a:lstStyle/>
-          <a:p>
-            <a:r>
-              <a:rPr lang="it-IT" sz="2000" dirty="0"/>
-              <a:t>WITH JUST ONE SIMULATION THE CODE IS FASTER</a:t>
-            </a:r>
-          </a:p>
-        </p:txBody>
-      </p:sp>
     </p:spTree>
     <p:extLst>
       <p:ext uri="{BB962C8B-B14F-4D97-AF65-F5344CB8AC3E}">
-        <p14:creationId xmlns:p14="http://schemas.microsoft.com/office/powerpoint/2010/main" val="1409489473"/>
+        <p14:creationId xmlns:p14="http://schemas.microsoft.com/office/powerpoint/2010/main" val="2565674058"/>
       </p:ext>
     </p:extLst>
   </p:cSld>
@@ -5533,7 +5247,7 @@
           </a:ln>
           <a:extLst>
             <a:ext uri="{C572A759-6A51-4108-AA02-DFA0A04FC94B}">
-              <ma14:wrappingTextBoxFlag xmlns="" xmlns:ma14="http://schemas.microsoft.com/office/mac/drawingml/2011/main" val="1"/>
+              <ma14:wrappingTextBoxFlag xmlns:ma14="http://schemas.microsoft.com/office/mac/drawingml/2011/main" xmlns="" val="1"/>
             </a:ext>
           </a:extLst>
         </p:spPr>
@@ -5596,7 +5310,7 @@
           </a:ln>
           <a:extLst>
             <a:ext uri="{C572A759-6A51-4108-AA02-DFA0A04FC94B}">
-              <ma14:wrappingTextBoxFlag xmlns="" xmlns:ma14="http://schemas.microsoft.com/office/mac/drawingml/2011/main" val="1"/>
+              <ma14:wrappingTextBoxFlag xmlns:ma14="http://schemas.microsoft.com/office/mac/drawingml/2011/main" xmlns="" val="1"/>
             </a:ext>
           </a:extLst>
         </p:spPr>
@@ -5670,110 +5384,40 @@
           </a:p>
         </p:txBody>
       </p:sp>
-      <p:sp>
-        <p:nvSpPr>
-          <p:cNvPr id="7" name="Titolo 1"/>
-          <p:cNvSpPr txBox="1">
-            <a:spLocks/>
-          </p:cNvSpPr>
-          <p:nvPr/>
-        </p:nvSpPr>
-        <p:spPr>
-          <a:xfrm>
-            <a:off x="533400" y="1160930"/>
-            <a:ext cx="8229600" cy="775447"/>
-          </a:xfrm>
-          <a:prstGeom prst="rect">
-            <a:avLst/>
-          </a:prstGeom>
-        </p:spPr>
-        <p:txBody>
-          <a:bodyPr>
-            <a:noAutofit/>
-          </a:bodyPr>
-          <a:lstStyle>
-            <a:lvl1pPr algn="ctr" defTabSz="457200" rtl="0" eaLnBrk="1" latinLnBrk="0" hangingPunct="1">
-              <a:spcBef>
-                <a:spcPct val="0"/>
-              </a:spcBef>
-              <a:buNone/>
-              <a:defRPr sz="4400" kern="1200">
-                <a:solidFill>
-                  <a:schemeClr val="tx1"/>
-                </a:solidFill>
-                <a:latin typeface="+mj-lt"/>
-                <a:ea typeface="+mj-ea"/>
-                <a:cs typeface="+mj-cs"/>
-              </a:defRPr>
-            </a:lvl1pPr>
-          </a:lstStyle>
-          <a:p>
-            <a:r>
-              <a:rPr lang="it-IT" sz="2000" dirty="0"/>
-              <a:t>‘’</a:t>
-            </a:r>
-            <a:r>
-              <a:rPr lang="it-IT" sz="2000" dirty="0" err="1"/>
-              <a:t>solver.nestedNewton</a:t>
-            </a:r>
-            <a:r>
-              <a:rPr lang="it-IT" sz="2000" dirty="0"/>
-              <a:t>’’ ‘’0’’ </a:t>
-            </a:r>
-            <a:r>
-              <a:rPr lang="it-IT" sz="2000" dirty="0">
-                <a:sym typeface="Wingdings" panose="05000000000000000000" pitchFamily="2" charset="2"/>
-              </a:rPr>
-              <a:t> </a:t>
-            </a:r>
-            <a:r>
-              <a:rPr lang="it-IT" sz="2000" dirty="0"/>
-              <a:t>JUST ONE ITERATION</a:t>
-            </a:r>
-          </a:p>
-        </p:txBody>
-      </p:sp>
-      <p:sp>
-        <p:nvSpPr>
-          <p:cNvPr id="4" name="CasellaDiTesto 3"/>
-          <p:cNvSpPr txBox="1"/>
-          <p:nvPr/>
-        </p:nvSpPr>
-        <p:spPr>
-          <a:xfrm>
-            <a:off x="800071" y="2366684"/>
-            <a:ext cx="8218423" cy="1015663"/>
-          </a:xfrm>
-          <a:prstGeom prst="rect">
-            <a:avLst/>
-          </a:prstGeom>
-          <a:noFill/>
-        </p:spPr>
-        <p:txBody>
-          <a:bodyPr wrap="square" rtlCol="0">
-            <a:spAutoFit/>
-          </a:bodyPr>
-          <a:lstStyle/>
-          <a:p>
-            <a:pPr algn="ctr"/>
-            <a:r>
-              <a:rPr lang="it-IT" sz="2000" dirty="0"/>
-              <a:t>IF WITH JUST ONE ITERATION THE ERROR IS NEVER SMALLER THAN THE TOLERANCE, YOU SHOULD TRY TO USE THE NESTED ITERATION </a:t>
-            </a:r>
-          </a:p>
-          <a:p>
-            <a:pPr algn="ctr"/>
-            <a:r>
-              <a:rPr lang="it-IT" sz="2000" dirty="0"/>
-              <a:t>(NESTED NEWTON)</a:t>
-            </a:r>
-          </a:p>
-        </p:txBody>
-      </p:sp>
+      <p:pic>
+        <p:nvPicPr>
+          <p:cNvPr id="4" name="Picture 3">
+            <a:extLst>
+              <a:ext uri="{FF2B5EF4-FFF2-40B4-BE49-F238E27FC236}">
+                <a16:creationId xmlns:a16="http://schemas.microsoft.com/office/drawing/2014/main" id="{880B0E35-6D97-483B-8FAE-237DC882BB89}"/>
+              </a:ext>
+            </a:extLst>
+          </p:cNvPr>
+          <p:cNvPicPr>
+            <a:picLocks noChangeAspect="1"/>
+          </p:cNvPicPr>
+          <p:nvPr/>
+        </p:nvPicPr>
+        <p:blipFill>
+          <a:blip r:embed="rId2"/>
+          <a:stretch>
+            <a:fillRect/>
+          </a:stretch>
+        </p:blipFill>
+        <p:spPr>
+          <a:xfrm>
+            <a:off x="697115" y="2225011"/>
+            <a:ext cx="8270019" cy="1203990"/>
+          </a:xfrm>
+          <a:prstGeom prst="rect">
+            <a:avLst/>
+          </a:prstGeom>
+        </p:spPr>
+      </p:pic>
     </p:spTree>
     <p:extLst>
       <p:ext uri="{BB962C8B-B14F-4D97-AF65-F5344CB8AC3E}">
-        <p14:creationId xmlns:p14="http://schemas.microsoft.com/office/powerpoint/2010/main" val="3806205260"/>
+        <p14:creationId xmlns:p14="http://schemas.microsoft.com/office/powerpoint/2010/main" val="136693257"/>
       </p:ext>
     </p:extLst>
   </p:cSld>
@@ -5820,7 +5464,7 @@
           </a:ln>
           <a:extLst>
             <a:ext uri="{C572A759-6A51-4108-AA02-DFA0A04FC94B}">
-              <ma14:wrappingTextBoxFlag xmlns="" xmlns:ma14="http://schemas.microsoft.com/office/mac/drawingml/2011/main" val="1"/>
+              <ma14:wrappingTextBoxFlag xmlns:ma14="http://schemas.microsoft.com/office/mac/drawingml/2011/main" xmlns="" val="1"/>
             </a:ext>
           </a:extLst>
         </p:spPr>
@@ -5883,7 +5527,7 @@
           </a:ln>
           <a:extLst>
             <a:ext uri="{C572A759-6A51-4108-AA02-DFA0A04FC94B}">
-              <ma14:wrappingTextBoxFlag xmlns="" xmlns:ma14="http://schemas.microsoft.com/office/mac/drawingml/2011/main" val="1"/>
+              <ma14:wrappingTextBoxFlag xmlns:ma14="http://schemas.microsoft.com/office/mac/drawingml/2011/main" xmlns="" val="1"/>
             </a:ext>
           </a:extLst>
         </p:spPr>
@@ -5959,7 +5603,7 @@
       </p:sp>
       <p:sp>
         <p:nvSpPr>
-          <p:cNvPr id="7" name="Titolo 1"/>
+          <p:cNvPr id="5" name="Titolo 1"/>
           <p:cNvSpPr txBox="1">
             <a:spLocks/>
           </p:cNvSpPr>
@@ -5967,7 +5611,7 @@
         </p:nvSpPr>
         <p:spPr>
           <a:xfrm>
-            <a:off x="533400" y="1160930"/>
+            <a:off x="533400" y="1739152"/>
             <a:ext cx="8229600" cy="775447"/>
           </a:xfrm>
           <a:prstGeom prst="rect">
@@ -5997,87 +5641,14 @@
           <a:p>
             <a:r>
               <a:rPr lang="it-IT" sz="2000" dirty="0"/>
-              <a:t>‘’</a:t>
-            </a:r>
-            <a:r>
-              <a:rPr lang="it-IT" sz="2000" dirty="0" err="1"/>
-              <a:t>solver.nestedNewton</a:t>
-            </a:r>
-            <a:r>
-              <a:rPr lang="it-IT" sz="2000" dirty="0"/>
-              <a:t>’’ ‘’1’’ </a:t>
-            </a:r>
-            <a:r>
-              <a:rPr lang="it-IT" sz="2000" dirty="0">
-                <a:sym typeface="Wingdings" panose="05000000000000000000" pitchFamily="2" charset="2"/>
-              </a:rPr>
-              <a:t> </a:t>
-            </a:r>
-            <a:r>
-              <a:rPr lang="it-IT" sz="2000" dirty="0"/>
-              <a:t>NESTED ITERATION</a:t>
-            </a:r>
-          </a:p>
-        </p:txBody>
-      </p:sp>
-      <p:sp>
-        <p:nvSpPr>
-          <p:cNvPr id="18" name="CasellaDiTesto 17"/>
-          <p:cNvSpPr txBox="1"/>
-          <p:nvPr/>
-        </p:nvSpPr>
-        <p:spPr>
-          <a:xfrm>
-            <a:off x="4648200" y="1688370"/>
-            <a:ext cx="3741049" cy="1323439"/>
-          </a:xfrm>
-          <a:prstGeom prst="rect">
-            <a:avLst/>
-          </a:prstGeom>
-          <a:noFill/>
-        </p:spPr>
-        <p:txBody>
-          <a:bodyPr wrap="square" rtlCol="0">
-            <a:spAutoFit/>
-          </a:bodyPr>
-          <a:lstStyle/>
-          <a:p>
-            <a:pPr algn="just"/>
-            <a:r>
-              <a:rPr lang="it-IT" sz="2000" i="1" dirty="0"/>
-              <a:t>Outer  </a:t>
-            </a:r>
-            <a:r>
-              <a:rPr lang="it-IT" sz="2000" i="1" dirty="0" err="1"/>
-              <a:t>iterarion</a:t>
-            </a:r>
-            <a:r>
-              <a:rPr lang="it-IT" sz="2000" i="1" dirty="0"/>
-              <a:t> 0 </a:t>
-            </a:r>
-            <a:r>
-              <a:rPr lang="it-IT" sz="2000" dirty="0"/>
-              <a:t>IS NOT SMALLER THAN THE TOLERANCE, HENCE THE NESTED ITERATION STARTS </a:t>
-            </a:r>
-            <a:r>
-              <a:rPr lang="it-IT" sz="2000" i="1" dirty="0"/>
-              <a:t>Inner  </a:t>
-            </a:r>
-            <a:r>
-              <a:rPr lang="it-IT" sz="2000" i="1" dirty="0" err="1"/>
-              <a:t>iterarion</a:t>
-            </a:r>
-            <a:r>
-              <a:rPr lang="it-IT" sz="2000" i="1" dirty="0"/>
-              <a:t> </a:t>
-            </a:r>
-            <a:endParaRPr lang="it-IT" sz="2000" dirty="0"/>
+              <a:t>FILE PATH FOR THE TOP BOUNDARY CONDITION</a:t>
+            </a:r>
           </a:p>
         </p:txBody>
       </p:sp>
       <p:pic>
         <p:nvPicPr>
-          <p:cNvPr id="4" name="Immagine 3"/>
+          <p:cNvPr id="3" name="Immagine 2"/>
           <p:cNvPicPr>
             <a:picLocks noChangeAspect="1"/>
           </p:cNvPicPr>
@@ -6097,70 +5668,24 @@
         </p:blipFill>
         <p:spPr>
           <a:xfrm>
-            <a:off x="87965" y="2986620"/>
-            <a:ext cx="8282281" cy="3355584"/>
+            <a:off x="111867" y="3209365"/>
+            <a:ext cx="8920264" cy="2649072"/>
           </a:xfrm>
           <a:prstGeom prst="rect">
             <a:avLst/>
           </a:prstGeom>
         </p:spPr>
       </p:pic>
-      <p:sp>
-        <p:nvSpPr>
-          <p:cNvPr id="9" name="Rettangolo 8"/>
-          <p:cNvSpPr/>
-          <p:nvPr/>
-        </p:nvSpPr>
-        <p:spPr>
-          <a:xfrm>
-            <a:off x="4847139" y="3304314"/>
-            <a:ext cx="3175887" cy="310487"/>
-          </a:xfrm>
-          <a:prstGeom prst="rect">
-            <a:avLst/>
-          </a:prstGeom>
-          <a:noFill/>
-          <a:ln w="50800">
-            <a:solidFill>
-              <a:srgbClr val="FF0000"/>
-            </a:solidFill>
-          </a:ln>
-        </p:spPr>
-        <p:style>
-          <a:lnRef idx="2">
-            <a:schemeClr val="accent1">
-              <a:shade val="50000"/>
-            </a:schemeClr>
-          </a:lnRef>
-          <a:fillRef idx="1">
-            <a:schemeClr val="accent1"/>
-          </a:fillRef>
-          <a:effectRef idx="0">
-            <a:schemeClr val="accent1"/>
-          </a:effectRef>
-          <a:fontRef idx="minor">
-            <a:schemeClr val="lt1"/>
-          </a:fontRef>
-        </p:style>
-        <p:txBody>
-          <a:bodyPr rtlCol="0" anchor="ctr"/>
-          <a:lstStyle/>
-          <a:p>
-            <a:pPr algn="ctr"/>
-            <a:endParaRPr lang="it-IT" dirty="0"/>
-          </a:p>
-        </p:txBody>
-      </p:sp>
       <p:cxnSp>
         <p:nvCxnSpPr>
-          <p:cNvPr id="10" name="Connettore 2 9"/>
+          <p:cNvPr id="7" name="Connettore 2 6"/>
           <p:cNvCxnSpPr/>
           <p:nvPr/>
         </p:nvCxnSpPr>
         <p:spPr>
-          <a:xfrm flipV="1">
-            <a:off x="6341091" y="2796988"/>
-            <a:ext cx="0" cy="507326"/>
+          <a:xfrm>
+            <a:off x="6854822" y="2126875"/>
+            <a:ext cx="0" cy="1452282"/>
           </a:xfrm>
           <a:prstGeom prst="straightConnector1">
             <a:avLst/>
@@ -6190,7 +5715,7 @@
     </p:spTree>
     <p:extLst>
       <p:ext uri="{BB962C8B-B14F-4D97-AF65-F5344CB8AC3E}">
-        <p14:creationId xmlns:p14="http://schemas.microsoft.com/office/powerpoint/2010/main" val="2771861246"/>
+        <p14:creationId xmlns:p14="http://schemas.microsoft.com/office/powerpoint/2010/main" val="250193619"/>
       </p:ext>
     </p:extLst>
   </p:cSld>
@@ -6237,7 +5762,7 @@
           </a:ln>
           <a:extLst>
             <a:ext uri="{C572A759-6A51-4108-AA02-DFA0A04FC94B}">
-              <ma14:wrappingTextBoxFlag xmlns="" xmlns:ma14="http://schemas.microsoft.com/office/mac/drawingml/2011/main" val="1"/>
+              <ma14:wrappingTextBoxFlag xmlns:ma14="http://schemas.microsoft.com/office/mac/drawingml/2011/main" xmlns="" val="1"/>
             </a:ext>
           </a:extLst>
         </p:spPr>
@@ -6300,7 +5825,7 @@
           </a:ln>
           <a:extLst>
             <a:ext uri="{C572A759-6A51-4108-AA02-DFA0A04FC94B}">
-              <ma14:wrappingTextBoxFlag xmlns="" xmlns:ma14="http://schemas.microsoft.com/office/mac/drawingml/2011/main" val="1"/>
+              <ma14:wrappingTextBoxFlag xmlns:ma14="http://schemas.microsoft.com/office/mac/drawingml/2011/main" xmlns="" val="1"/>
             </a:ext>
           </a:extLst>
         </p:spPr>
@@ -6376,7 +5901,7 @@
       </p:sp>
       <p:sp>
         <p:nvSpPr>
-          <p:cNvPr id="7" name="Titolo 1"/>
+          <p:cNvPr id="6" name="Titolo 1"/>
           <p:cNvSpPr txBox="1">
             <a:spLocks/>
           </p:cNvSpPr>
@@ -6384,19 +5909,19 @@
         </p:nvSpPr>
         <p:spPr>
           <a:xfrm>
-            <a:off x="533400" y="1160930"/>
-            <a:ext cx="8229600" cy="775447"/>
-          </a:xfrm>
-          <a:prstGeom prst="rect">
-            <a:avLst/>
-          </a:prstGeom>
-        </p:spPr>
-        <p:txBody>
-          <a:bodyPr>
+            <a:off x="457199" y="1497075"/>
+            <a:ext cx="8229600" cy="1143000"/>
+          </a:xfrm>
+          <a:prstGeom prst="rect">
+            <a:avLst/>
+          </a:prstGeom>
+        </p:spPr>
+        <p:txBody>
+          <a:bodyPr vert="horz" lIns="91440" tIns="45720" rIns="91440" bIns="45720" rtlCol="0" anchor="ctr">
             <a:noAutofit/>
           </a:bodyPr>
           <a:lstStyle>
-            <a:lvl1pPr algn="ctr" defTabSz="457200" rtl="0" eaLnBrk="1" latinLnBrk="0" hangingPunct="1">
+            <a:lvl1pPr algn="ctr" defTabSz="914400" rtl="0" eaLnBrk="1" latinLnBrk="0" hangingPunct="1">
               <a:spcBef>
                 <a:spcPct val="0"/>
               </a:spcBef>
@@ -6414,87 +5939,14 @@
           <a:p>
             <a:r>
               <a:rPr lang="it-IT" sz="2000" dirty="0"/>
-              <a:t>‘’</a:t>
-            </a:r>
-            <a:r>
-              <a:rPr lang="it-IT" sz="2000" dirty="0" err="1"/>
-              <a:t>solver.nestedNewton</a:t>
-            </a:r>
-            <a:r>
-              <a:rPr lang="it-IT" sz="2000" dirty="0"/>
-              <a:t>’’ ‘’1’’ </a:t>
-            </a:r>
-            <a:r>
-              <a:rPr lang="it-IT" sz="2000" dirty="0">
-                <a:sym typeface="Wingdings" panose="05000000000000000000" pitchFamily="2" charset="2"/>
-              </a:rPr>
-              <a:t> NESTED I</a:t>
-            </a:r>
-            <a:r>
-              <a:rPr lang="it-IT" sz="2000" dirty="0"/>
-              <a:t>TERATION </a:t>
-            </a:r>
-          </a:p>
-        </p:txBody>
-      </p:sp>
-      <p:sp>
-        <p:nvSpPr>
-          <p:cNvPr id="18" name="CasellaDiTesto 17"/>
-          <p:cNvSpPr txBox="1"/>
-          <p:nvPr/>
-        </p:nvSpPr>
-        <p:spPr>
-          <a:xfrm>
-            <a:off x="3781723" y="5183042"/>
-            <a:ext cx="4981278" cy="1015663"/>
-          </a:xfrm>
-          <a:prstGeom prst="rect">
-            <a:avLst/>
-          </a:prstGeom>
-          <a:noFill/>
-        </p:spPr>
-        <p:txBody>
-          <a:bodyPr wrap="square" rtlCol="0">
-            <a:spAutoFit/>
-          </a:bodyPr>
-          <a:lstStyle/>
-          <a:p>
-            <a:pPr algn="just"/>
-            <a:r>
-              <a:rPr lang="it-IT" sz="2000" i="1" dirty="0"/>
-              <a:t>Inner  </a:t>
-            </a:r>
-            <a:r>
-              <a:rPr lang="it-IT" sz="2000" i="1" dirty="0" err="1"/>
-              <a:t>iterarion</a:t>
-            </a:r>
-            <a:r>
-              <a:rPr lang="it-IT" sz="2000" i="1" dirty="0"/>
-              <a:t> 6 </a:t>
-            </a:r>
-            <a:r>
-              <a:rPr lang="it-IT" sz="2000" dirty="0"/>
-              <a:t> IS SMALLER THAN TOLERANCE, HENCE THE CODE FORWARDS WITH THE MAIN ITERATION </a:t>
-            </a:r>
-            <a:r>
-              <a:rPr lang="it-IT" sz="2000" i="1" dirty="0"/>
-              <a:t>Outer  </a:t>
-            </a:r>
-            <a:r>
-              <a:rPr lang="it-IT" sz="2000" i="1" dirty="0" err="1"/>
-              <a:t>iterarion</a:t>
-            </a:r>
-            <a:r>
-              <a:rPr lang="it-IT" sz="2000" i="1" dirty="0"/>
-              <a:t> 1 </a:t>
-            </a:r>
-            <a:endParaRPr lang="it-IT" sz="2000" dirty="0"/>
+              <a:t>FILE PATH FOR THE BOTTOM BOUNDARY CONDITION</a:t>
+            </a:r>
           </a:p>
         </p:txBody>
       </p:sp>
       <p:pic>
         <p:nvPicPr>
-          <p:cNvPr id="4" name="Immagine 3"/>
+          <p:cNvPr id="3" name="Immagine 2"/>
           <p:cNvPicPr>
             <a:picLocks noChangeAspect="1"/>
           </p:cNvPicPr>
@@ -6514,70 +5966,24 @@
         </p:blipFill>
         <p:spPr>
           <a:xfrm>
-            <a:off x="213471" y="1626522"/>
-            <a:ext cx="8282281" cy="3355584"/>
+            <a:off x="58222" y="3245222"/>
+            <a:ext cx="9085778" cy="2850775"/>
           </a:xfrm>
           <a:prstGeom prst="rect">
             <a:avLst/>
           </a:prstGeom>
         </p:spPr>
       </p:pic>
-      <p:sp>
-        <p:nvSpPr>
-          <p:cNvPr id="9" name="Rettangolo 8"/>
-          <p:cNvSpPr/>
-          <p:nvPr/>
-        </p:nvSpPr>
-        <p:spPr>
-          <a:xfrm>
-            <a:off x="5319865" y="4287903"/>
-            <a:ext cx="3175887" cy="310487"/>
-          </a:xfrm>
-          <a:prstGeom prst="rect">
-            <a:avLst/>
-          </a:prstGeom>
-          <a:noFill/>
-          <a:ln w="50800">
-            <a:solidFill>
-              <a:srgbClr val="FF0000"/>
-            </a:solidFill>
-          </a:ln>
-        </p:spPr>
-        <p:style>
-          <a:lnRef idx="2">
-            <a:schemeClr val="accent1">
-              <a:shade val="50000"/>
-            </a:schemeClr>
-          </a:lnRef>
-          <a:fillRef idx="1">
-            <a:schemeClr val="accent1"/>
-          </a:fillRef>
-          <a:effectRef idx="0">
-            <a:schemeClr val="accent1"/>
-          </a:effectRef>
-          <a:fontRef idx="minor">
-            <a:schemeClr val="lt1"/>
-          </a:fontRef>
-        </p:style>
-        <p:txBody>
-          <a:bodyPr rtlCol="0" anchor="ctr"/>
-          <a:lstStyle/>
-          <a:p>
-            <a:pPr algn="ctr"/>
-            <a:endParaRPr lang="it-IT" dirty="0"/>
-          </a:p>
-        </p:txBody>
-      </p:sp>
       <p:cxnSp>
         <p:nvCxnSpPr>
-          <p:cNvPr id="10" name="Connettore 2 9"/>
+          <p:cNvPr id="7" name="Connettore 2 6"/>
           <p:cNvCxnSpPr/>
           <p:nvPr/>
         </p:nvCxnSpPr>
         <p:spPr>
           <a:xfrm>
-            <a:off x="8109079" y="4598390"/>
-            <a:ext cx="0" cy="601139"/>
+            <a:off x="7010400" y="2348753"/>
+            <a:ext cx="0" cy="1337257"/>
           </a:xfrm>
           <a:prstGeom prst="straightConnector1">
             <a:avLst/>
@@ -6607,7 +6013,7 @@
     </p:spTree>
     <p:extLst>
       <p:ext uri="{BB962C8B-B14F-4D97-AF65-F5344CB8AC3E}">
-        <p14:creationId xmlns:p14="http://schemas.microsoft.com/office/powerpoint/2010/main" val="1140200589"/>
+        <p14:creationId xmlns:p14="http://schemas.microsoft.com/office/powerpoint/2010/main" val="2780188266"/>
       </p:ext>
     </p:extLst>
   </p:cSld>
@@ -6654,7 +6060,7 @@
           </a:ln>
           <a:extLst>
             <a:ext uri="{C572A759-6A51-4108-AA02-DFA0A04FC94B}">
-              <ma14:wrappingTextBoxFlag xmlns="" xmlns:ma14="http://schemas.microsoft.com/office/mac/drawingml/2011/main" val="1"/>
+              <ma14:wrappingTextBoxFlag xmlns:ma14="http://schemas.microsoft.com/office/mac/drawingml/2011/main" xmlns="" val="1"/>
             </a:ext>
           </a:extLst>
         </p:spPr>
@@ -6717,7 +6123,7 @@
           </a:ln>
           <a:extLst>
             <a:ext uri="{C572A759-6A51-4108-AA02-DFA0A04FC94B}">
-              <ma14:wrappingTextBoxFlag xmlns="" xmlns:ma14="http://schemas.microsoft.com/office/mac/drawingml/2011/main" val="1"/>
+              <ma14:wrappingTextBoxFlag xmlns:ma14="http://schemas.microsoft.com/office/mac/drawingml/2011/main" xmlns="" val="1"/>
             </a:ext>
           </a:extLst>
         </p:spPr>
@@ -6793,7 +6199,7 @@
       </p:sp>
       <p:sp>
         <p:nvSpPr>
-          <p:cNvPr id="7" name="Titolo 1"/>
+          <p:cNvPr id="6" name="Titolo 1"/>
           <p:cNvSpPr txBox="1">
             <a:spLocks/>
           </p:cNvSpPr>
@@ -6801,19 +6207,19 @@
         </p:nvSpPr>
         <p:spPr>
           <a:xfrm>
-            <a:off x="533400" y="1160930"/>
-            <a:ext cx="8229600" cy="775447"/>
-          </a:xfrm>
-          <a:prstGeom prst="rect">
-            <a:avLst/>
-          </a:prstGeom>
-        </p:spPr>
-        <p:txBody>
-          <a:bodyPr>
+            <a:off x="533400" y="1697265"/>
+            <a:ext cx="8229600" cy="1143000"/>
+          </a:xfrm>
+          <a:prstGeom prst="rect">
+            <a:avLst/>
+          </a:prstGeom>
+        </p:spPr>
+        <p:txBody>
+          <a:bodyPr vert="horz" lIns="91440" tIns="45720" rIns="91440" bIns="45720" rtlCol="0" anchor="ctr">
             <a:noAutofit/>
           </a:bodyPr>
           <a:lstStyle>
-            <a:lvl1pPr algn="ctr" defTabSz="457200" rtl="0" eaLnBrk="1" latinLnBrk="0" hangingPunct="1">
+            <a:lvl1pPr algn="ctr" defTabSz="914400" rtl="0" eaLnBrk="1" latinLnBrk="0" hangingPunct="1">
               <a:spcBef>
                 <a:spcPct val="0"/>
               </a:spcBef>
@@ -6831,157 +6237,21 @@
           <a:p>
             <a:r>
               <a:rPr lang="it-IT" sz="2000" dirty="0"/>
-              <a:t>‘’</a:t>
-            </a:r>
-            <a:r>
-              <a:rPr lang="it-IT" sz="2000" dirty="0" err="1"/>
-              <a:t>solver.nestedNewton</a:t>
-            </a:r>
-            <a:r>
-              <a:rPr lang="it-IT" sz="2000" dirty="0"/>
-              <a:t>’’ ‘’1’’ </a:t>
-            </a:r>
-            <a:r>
-              <a:rPr lang="it-IT" sz="2000" dirty="0">
-                <a:sym typeface="Wingdings" panose="05000000000000000000" pitchFamily="2" charset="2"/>
-              </a:rPr>
-              <a:t> </a:t>
-            </a:r>
-            <a:r>
-              <a:rPr lang="it-IT" sz="2000" dirty="0"/>
-              <a:t>NESTED ITERATION</a:t>
-            </a:r>
-          </a:p>
-        </p:txBody>
-      </p:sp>
-      <p:sp>
-        <p:nvSpPr>
-          <p:cNvPr id="18" name="CasellaDiTesto 17"/>
-          <p:cNvSpPr txBox="1"/>
-          <p:nvPr/>
-        </p:nvSpPr>
-        <p:spPr>
-          <a:xfrm>
-            <a:off x="4069977" y="5332784"/>
-            <a:ext cx="4243072" cy="1015663"/>
-          </a:xfrm>
-          <a:prstGeom prst="rect">
-            <a:avLst/>
-          </a:prstGeom>
-          <a:noFill/>
-        </p:spPr>
-        <p:txBody>
-          <a:bodyPr wrap="square" rtlCol="0">
-            <a:spAutoFit/>
-          </a:bodyPr>
-          <a:lstStyle/>
-          <a:p>
-            <a:pPr algn="just"/>
-            <a:r>
-              <a:rPr lang="it-IT" sz="2000" i="1" dirty="0"/>
-              <a:t>Outer  </a:t>
-            </a:r>
-            <a:r>
-              <a:rPr lang="it-IT" sz="2000" i="1" dirty="0" err="1"/>
-              <a:t>iterarion</a:t>
-            </a:r>
-            <a:r>
-              <a:rPr lang="it-IT" sz="2000" i="1" dirty="0"/>
-              <a:t> 3 </a:t>
-            </a:r>
-            <a:r>
-              <a:rPr lang="it-IT" sz="2000" dirty="0"/>
-              <a:t> IS SMALLER THAN THE TOLERANCE, HENCE THE CODE FORWARDS WITH THE NEXT TIME STEP</a:t>
-            </a:r>
-          </a:p>
-        </p:txBody>
-      </p:sp>
-      <p:pic>
-        <p:nvPicPr>
-          <p:cNvPr id="6" name="Immagine 5"/>
-          <p:cNvPicPr>
-            <a:picLocks noChangeAspect="1"/>
-          </p:cNvPicPr>
-          <p:nvPr/>
-        </p:nvPicPr>
-        <p:blipFill>
-          <a:blip r:embed="rId2">
-            <a:extLst>
-              <a:ext uri="{28A0092B-C50C-407E-A947-70E740481C1C}">
-                <a14:useLocalDpi xmlns:a14="http://schemas.microsoft.com/office/drawing/2010/main" val="0"/>
-              </a:ext>
-            </a:extLst>
-          </a:blip>
-          <a:stretch>
-            <a:fillRect/>
-          </a:stretch>
-        </p:blipFill>
-        <p:spPr>
-          <a:xfrm>
-            <a:off x="371643" y="1597818"/>
-            <a:ext cx="8741953" cy="3448102"/>
-          </a:xfrm>
-          <a:prstGeom prst="rect">
-            <a:avLst/>
-          </a:prstGeom>
-        </p:spPr>
-      </p:pic>
-      <p:sp>
-        <p:nvSpPr>
-          <p:cNvPr id="9" name="Rettangolo 8"/>
-          <p:cNvSpPr/>
-          <p:nvPr/>
-        </p:nvSpPr>
-        <p:spPr>
-          <a:xfrm>
-            <a:off x="5301934" y="4323761"/>
-            <a:ext cx="3175887" cy="310487"/>
-          </a:xfrm>
-          <a:prstGeom prst="rect">
-            <a:avLst/>
-          </a:prstGeom>
-          <a:noFill/>
-          <a:ln w="50800">
-            <a:solidFill>
-              <a:srgbClr val="FF0000"/>
-            </a:solidFill>
-          </a:ln>
-        </p:spPr>
-        <p:style>
-          <a:lnRef idx="2">
-            <a:schemeClr val="accent1">
-              <a:shade val="50000"/>
-            </a:schemeClr>
-          </a:lnRef>
-          <a:fillRef idx="1">
-            <a:schemeClr val="accent1"/>
-          </a:fillRef>
-          <a:effectRef idx="0">
-            <a:schemeClr val="accent1"/>
-          </a:effectRef>
-          <a:fontRef idx="minor">
-            <a:schemeClr val="lt1"/>
-          </a:fontRef>
-        </p:style>
-        <p:txBody>
-          <a:bodyPr rtlCol="0" anchor="ctr"/>
-          <a:lstStyle/>
-          <a:p>
-            <a:pPr algn="ctr"/>
-            <a:endParaRPr lang="it-IT" dirty="0"/>
+              <a:t>FILE PATH FOR THE INITIAL CONDITION OF THE WATER PRESSURE</a:t>
+            </a:r>
           </a:p>
         </p:txBody>
       </p:sp>
       <p:cxnSp>
         <p:nvCxnSpPr>
-          <p:cNvPr id="10" name="Connettore 2 9"/>
+          <p:cNvPr id="7" name="Connettore 2 6"/>
           <p:cNvCxnSpPr/>
           <p:nvPr/>
         </p:nvCxnSpPr>
         <p:spPr>
           <a:xfrm>
-            <a:off x="6465437" y="4687664"/>
-            <a:ext cx="0" cy="601139"/>
+            <a:off x="7273688" y="2460796"/>
+            <a:ext cx="0" cy="1045935"/>
           </a:xfrm>
           <a:prstGeom prst="straightConnector1">
             <a:avLst/>
@@ -7008,10 +6278,40 @@
           </a:fontRef>
         </p:style>
       </p:cxnSp>
+      <p:pic>
+        <p:nvPicPr>
+          <p:cNvPr id="4" name="Immagine 3"/>
+          <p:cNvPicPr>
+            <a:picLocks noChangeAspect="1"/>
+          </p:cNvPicPr>
+          <p:nvPr/>
+        </p:nvPicPr>
+        <p:blipFill>
+          <a:blip r:embed="rId2">
+            <a:extLst>
+              <a:ext uri="{28A0092B-C50C-407E-A947-70E740481C1C}">
+                <a14:useLocalDpi xmlns:a14="http://schemas.microsoft.com/office/drawing/2010/main" val="0"/>
+              </a:ext>
+            </a:extLst>
+          </a:blip>
+          <a:stretch>
+            <a:fillRect/>
+          </a:stretch>
+        </p:blipFill>
+        <p:spPr>
+          <a:xfrm>
+            <a:off x="512589" y="3530944"/>
+            <a:ext cx="8631411" cy="812181"/>
+          </a:xfrm>
+          <a:prstGeom prst="rect">
+            <a:avLst/>
+          </a:prstGeom>
+        </p:spPr>
+      </p:pic>
     </p:spTree>
     <p:extLst>
       <p:ext uri="{BB962C8B-B14F-4D97-AF65-F5344CB8AC3E}">
-        <p14:creationId xmlns:p14="http://schemas.microsoft.com/office/powerpoint/2010/main" val="2988067947"/>
+        <p14:creationId xmlns:p14="http://schemas.microsoft.com/office/powerpoint/2010/main" val="1835223851"/>
       </p:ext>
     </p:extLst>
   </p:cSld>
@@ -7058,7 +6358,7 @@
           </a:ln>
           <a:extLst>
             <a:ext uri="{C572A759-6A51-4108-AA02-DFA0A04FC94B}">
-              <ma14:wrappingTextBoxFlag xmlns="" xmlns:ma14="http://schemas.microsoft.com/office/mac/drawingml/2011/main" val="1"/>
+              <ma14:wrappingTextBoxFlag xmlns:ma14="http://schemas.microsoft.com/office/mac/drawingml/2011/main" xmlns="" val="1"/>
             </a:ext>
           </a:extLst>
         </p:spPr>
@@ -7121,7 +6421,7 @@
           </a:ln>
           <a:extLst>
             <a:ext uri="{C572A759-6A51-4108-AA02-DFA0A04FC94B}">
-              <ma14:wrappingTextBoxFlag xmlns="" xmlns:ma14="http://schemas.microsoft.com/office/mac/drawingml/2011/main" val="1"/>
+              <ma14:wrappingTextBoxFlag xmlns:ma14="http://schemas.microsoft.com/office/mac/drawingml/2011/main" xmlns="" val="1"/>
             </a:ext>
           </a:extLst>
         </p:spPr>
@@ -7197,7 +6497,7 @@
       </p:sp>
       <p:sp>
         <p:nvSpPr>
-          <p:cNvPr id="7" name="Titolo 1"/>
+          <p:cNvPr id="6" name="Titolo 1"/>
           <p:cNvSpPr txBox="1">
             <a:spLocks/>
           </p:cNvSpPr>
@@ -7205,19 +6505,19 @@
         </p:nvSpPr>
         <p:spPr>
           <a:xfrm>
-            <a:off x="533400" y="1160930"/>
-            <a:ext cx="8229600" cy="775447"/>
-          </a:xfrm>
-          <a:prstGeom prst="rect">
-            <a:avLst/>
-          </a:prstGeom>
-        </p:spPr>
-        <p:txBody>
-          <a:bodyPr>
+            <a:off x="533400" y="1697265"/>
+            <a:ext cx="8229600" cy="1143000"/>
+          </a:xfrm>
+          <a:prstGeom prst="rect">
+            <a:avLst/>
+          </a:prstGeom>
+        </p:spPr>
+        <p:txBody>
+          <a:bodyPr vert="horz" lIns="91440" tIns="45720" rIns="91440" bIns="45720" rtlCol="0" anchor="ctr">
             <a:noAutofit/>
           </a:bodyPr>
           <a:lstStyle>
-            <a:lvl1pPr algn="ctr" defTabSz="457200" rtl="0" eaLnBrk="1" latinLnBrk="0" hangingPunct="1">
+            <a:lvl1pPr algn="ctr" defTabSz="914400" rtl="0" eaLnBrk="1" latinLnBrk="0" hangingPunct="1">
               <a:spcBef>
                 <a:spcPct val="0"/>
               </a:spcBef>
@@ -7235,101 +6535,81 @@
           <a:p>
             <a:r>
               <a:rPr lang="it-IT" sz="2000" dirty="0"/>
-              <a:t>’</a:t>
-            </a:r>
-            <a:r>
-              <a:rPr lang="it-IT" sz="2000" dirty="0" err="1"/>
-              <a:t>solver.nestedNewton</a:t>
-            </a:r>
-            <a:r>
-              <a:rPr lang="it-IT" sz="2000" dirty="0"/>
-              <a:t>’’ ‘’0’’ </a:t>
-            </a:r>
-            <a:r>
-              <a:rPr lang="it-IT" sz="2000" dirty="0">
-                <a:sym typeface="Wingdings" panose="05000000000000000000" pitchFamily="2" charset="2"/>
-              </a:rPr>
-              <a:t> JUST ONE </a:t>
-            </a:r>
-            <a:r>
-              <a:rPr lang="it-IT" sz="2000" dirty="0"/>
-              <a:t>ITERATION</a:t>
-            </a:r>
-          </a:p>
-          <a:p>
-            <a:endParaRPr lang="it-IT" sz="2000" dirty="0"/>
-          </a:p>
-          <a:p>
-            <a:r>
-              <a:rPr lang="it-IT" sz="2000" dirty="0"/>
-              <a:t>‘’</a:t>
-            </a:r>
-            <a:r>
-              <a:rPr lang="it-IT" sz="2000" dirty="0" err="1"/>
-              <a:t>solver.nestedNewton</a:t>
-            </a:r>
-            <a:r>
-              <a:rPr lang="it-IT" sz="2000" dirty="0"/>
-              <a:t>’’ ‘’1’’ </a:t>
-            </a:r>
-            <a:r>
-              <a:rPr lang="it-IT" sz="2000" dirty="0">
-                <a:sym typeface="Wingdings" panose="05000000000000000000" pitchFamily="2" charset="2"/>
-              </a:rPr>
-              <a:t> NESTED</a:t>
-            </a:r>
-            <a:r>
-              <a:rPr lang="it-IT" sz="2000" dirty="0"/>
-              <a:t> ITERATION </a:t>
-            </a:r>
-          </a:p>
-        </p:txBody>
-      </p:sp>
-      <p:sp>
-        <p:nvSpPr>
-          <p:cNvPr id="3" name="CasellaDiTesto 2"/>
-          <p:cNvSpPr txBox="1"/>
-          <p:nvPr/>
-        </p:nvSpPr>
-        <p:spPr>
-          <a:xfrm>
-            <a:off x="322729" y="2617694"/>
-            <a:ext cx="8440271" cy="1631216"/>
-          </a:xfrm>
-          <a:prstGeom prst="rect">
-            <a:avLst/>
-          </a:prstGeom>
-          <a:noFill/>
-        </p:spPr>
-        <p:txBody>
-          <a:bodyPr wrap="square" rtlCol="0">
-            <a:spAutoFit/>
-          </a:bodyPr>
-          <a:lstStyle/>
-          <a:p>
-            <a:pPr algn="just"/>
-            <a:r>
-              <a:rPr lang="it-IT" sz="2000" dirty="0"/>
-              <a:t>IT MAY HAPPEN THAT THE CHOOSEN TOLERANCE IS NEVER REACHED.</a:t>
-            </a:r>
-          </a:p>
-          <a:p>
-            <a:pPr algn="just"/>
-            <a:endParaRPr lang="it-IT" sz="2000" dirty="0"/>
-          </a:p>
-          <a:p>
-            <a:pPr algn="just"/>
-            <a:r>
-              <a:rPr lang="it-IT" sz="2000" dirty="0"/>
-              <a:t>IN THIS CASE THE CODE RUNS A CERTAIN NUMBER OF ITERATIONS AFTER THAT THE SOLUTION FOUND IS TAKEN AS THE SOLUTION OF THE CURRENT TIME STEP, DOES NOT MATTER HOW BIG IS THE ERROR.</a:t>
-            </a:r>
-          </a:p>
-        </p:txBody>
-      </p:sp>
+              <a:t>FILE PATH FOR THE SOURCE/SINK TERM</a:t>
+            </a:r>
+          </a:p>
+        </p:txBody>
+      </p:sp>
+      <p:cxnSp>
+        <p:nvCxnSpPr>
+          <p:cNvPr id="7" name="Connettore 2 6"/>
+          <p:cNvCxnSpPr/>
+          <p:nvPr/>
+        </p:nvCxnSpPr>
+        <p:spPr>
+          <a:xfrm>
+            <a:off x="7273688" y="2460796"/>
+            <a:ext cx="0" cy="1045935"/>
+          </a:xfrm>
+          <a:prstGeom prst="straightConnector1">
+            <a:avLst/>
+          </a:prstGeom>
+          <a:ln w="57150">
+            <a:solidFill>
+              <a:srgbClr val="FF0000"/>
+            </a:solidFill>
+            <a:tailEnd type="arrow"/>
+          </a:ln>
+        </p:spPr>
+        <p:style>
+          <a:lnRef idx="1">
+            <a:schemeClr val="accent1"/>
+          </a:lnRef>
+          <a:fillRef idx="0">
+            <a:schemeClr val="accent1"/>
+          </a:fillRef>
+          <a:effectRef idx="0">
+            <a:schemeClr val="accent1"/>
+          </a:effectRef>
+          <a:fontRef idx="minor">
+            <a:schemeClr val="tx1"/>
+          </a:fontRef>
+        </p:style>
+      </p:cxnSp>
+      <p:pic>
+        <p:nvPicPr>
+          <p:cNvPr id="3" name="Immagine 2"/>
+          <p:cNvPicPr>
+            <a:picLocks noChangeAspect="1"/>
+          </p:cNvPicPr>
+          <p:nvPr/>
+        </p:nvPicPr>
+        <p:blipFill>
+          <a:blip r:embed="rId2">
+            <a:extLst>
+              <a:ext uri="{28A0092B-C50C-407E-A947-70E740481C1C}">
+                <a14:useLocalDpi xmlns:a14="http://schemas.microsoft.com/office/drawing/2010/main" val="0"/>
+              </a:ext>
+            </a:extLst>
+          </a:blip>
+          <a:stretch>
+            <a:fillRect/>
+          </a:stretch>
+        </p:blipFill>
+        <p:spPr>
+          <a:xfrm>
+            <a:off x="424600" y="3544629"/>
+            <a:ext cx="8447200" cy="807840"/>
+          </a:xfrm>
+          <a:prstGeom prst="rect">
+            <a:avLst/>
+          </a:prstGeom>
+        </p:spPr>
+      </p:pic>
     </p:spTree>
     <p:extLst>
       <p:ext uri="{BB962C8B-B14F-4D97-AF65-F5344CB8AC3E}">
-        <p14:creationId xmlns:p14="http://schemas.microsoft.com/office/powerpoint/2010/main" val="1241823583"/>
+        <p14:creationId xmlns:p14="http://schemas.microsoft.com/office/powerpoint/2010/main" val="2447935455"/>
       </p:ext>
     </p:extLst>
   </p:cSld>
@@ -7376,7 +6656,7 @@
           </a:ln>
           <a:extLst>
             <a:ext uri="{C572A759-6A51-4108-AA02-DFA0A04FC94B}">
-              <ma14:wrappingTextBoxFlag xmlns="" xmlns:ma14="http://schemas.microsoft.com/office/mac/drawingml/2011/main" val="1"/>
+              <ma14:wrappingTextBoxFlag xmlns:ma14="http://schemas.microsoft.com/office/mac/drawingml/2011/main" xmlns="" val="1"/>
             </a:ext>
           </a:extLst>
         </p:spPr>
@@ -7439,7 +6719,7 @@
           </a:ln>
           <a:extLst>
             <a:ext uri="{C572A759-6A51-4108-AA02-DFA0A04FC94B}">
-              <ma14:wrappingTextBoxFlag xmlns="" xmlns:ma14="http://schemas.microsoft.com/office/mac/drawingml/2011/main" val="1"/>
+              <ma14:wrappingTextBoxFlag xmlns:ma14="http://schemas.microsoft.com/office/mac/drawingml/2011/main" xmlns="" val="1"/>
             </a:ext>
           </a:extLst>
         </p:spPr>
@@ -7513,16 +6793,61 @@
           </a:p>
         </p:txBody>
       </p:sp>
+      <p:sp>
+        <p:nvSpPr>
+          <p:cNvPr id="5" name="Titolo 1"/>
+          <p:cNvSpPr txBox="1">
+            <a:spLocks/>
+          </p:cNvSpPr>
+          <p:nvPr/>
+        </p:nvSpPr>
+        <p:spPr>
+          <a:xfrm>
+            <a:off x="457200" y="1371600"/>
+            <a:ext cx="8229600" cy="1143000"/>
+          </a:xfrm>
+          <a:prstGeom prst="rect">
+            <a:avLst/>
+          </a:prstGeom>
+        </p:spPr>
+        <p:txBody>
+          <a:bodyPr>
+            <a:noAutofit/>
+          </a:bodyPr>
+          <a:lstStyle>
+            <a:lvl1pPr algn="ctr" defTabSz="457200" rtl="0" eaLnBrk="1" latinLnBrk="0" hangingPunct="1">
+              <a:spcBef>
+                <a:spcPct val="0"/>
+              </a:spcBef>
+              <a:buNone/>
+              <a:defRPr sz="4400" kern="1200">
+                <a:solidFill>
+                  <a:schemeClr val="tx1"/>
+                </a:solidFill>
+                <a:latin typeface="+mj-lt"/>
+                <a:ea typeface="+mj-ea"/>
+                <a:cs typeface="+mj-cs"/>
+              </a:defRPr>
+            </a:lvl1pPr>
+          </a:lstStyle>
+          <a:p>
+            <a:r>
+              <a:rPr lang="it-IT" sz="2000" dirty="0"/>
+              <a:t>PATH OF THE OUTPUT FOLDER</a:t>
+            </a:r>
+          </a:p>
+        </p:txBody>
+      </p:sp>
       <p:cxnSp>
         <p:nvCxnSpPr>
-          <p:cNvPr id="5" name="Connettore 2 4"/>
+          <p:cNvPr id="7" name="Connettore 2 6"/>
           <p:cNvCxnSpPr/>
           <p:nvPr/>
         </p:nvCxnSpPr>
         <p:spPr>
-          <a:xfrm flipV="1">
-            <a:off x="2667000" y="4229100"/>
-            <a:ext cx="0" cy="403890"/>
+          <a:xfrm>
+            <a:off x="4314825" y="2115671"/>
+            <a:ext cx="0" cy="911464"/>
           </a:xfrm>
           <a:prstGeom prst="straightConnector1">
             <a:avLst/>
@@ -7549,88 +6874,30 @@
           </a:fontRef>
         </p:style>
       </p:cxnSp>
-      <p:sp>
-        <p:nvSpPr>
-          <p:cNvPr id="6" name="CasellaDiTesto 5"/>
-          <p:cNvSpPr txBox="1"/>
-          <p:nvPr/>
-        </p:nvSpPr>
-        <p:spPr>
-          <a:xfrm>
-            <a:off x="457200" y="4632990"/>
-            <a:ext cx="5257800" cy="400110"/>
-          </a:xfrm>
-          <a:prstGeom prst="rect">
-            <a:avLst/>
-          </a:prstGeom>
-          <a:noFill/>
-        </p:spPr>
-        <p:txBody>
-          <a:bodyPr wrap="square" rtlCol="0">
-            <a:spAutoFit/>
-          </a:bodyPr>
-          <a:lstStyle/>
-          <a:p>
-            <a:pPr algn="ctr"/>
-            <a:r>
-              <a:rPr lang="it-IT" sz="2000" dirty="0" err="1"/>
-              <a:t>Solver.tTimestep</a:t>
-            </a:r>
-            <a:r>
-              <a:rPr lang="it-IT" sz="2000" dirty="0"/>
-              <a:t> </a:t>
-            </a:r>
-            <a:r>
-              <a:rPr lang="it-IT" sz="2000" dirty="0" err="1"/>
-              <a:t>is</a:t>
-            </a:r>
-            <a:r>
-              <a:rPr lang="it-IT" sz="2000" dirty="0"/>
-              <a:t> </a:t>
-            </a:r>
-            <a:r>
-              <a:rPr lang="it-IT" sz="2000" dirty="0" err="1"/>
-              <a:t>expressed</a:t>
-            </a:r>
-            <a:r>
-              <a:rPr lang="it-IT" sz="2000" dirty="0"/>
-              <a:t> in </a:t>
-            </a:r>
-            <a:r>
-              <a:rPr lang="it-IT" sz="2000" dirty="0" err="1"/>
-              <a:t>seconds</a:t>
-            </a:r>
-            <a:r>
-              <a:rPr lang="it-IT" sz="2000" dirty="0"/>
-              <a:t>.</a:t>
-            </a:r>
-          </a:p>
-        </p:txBody>
-      </p:sp>
       <p:pic>
         <p:nvPicPr>
-          <p:cNvPr id="4" name="Picture 3">
-            <a:extLst>
-              <a:ext uri="{FF2B5EF4-FFF2-40B4-BE49-F238E27FC236}">
-                <a16:creationId xmlns:a16="http://schemas.microsoft.com/office/drawing/2014/main" id="{82DF5CE9-A415-4AC2-B6F0-A22B0F889FE1}"/>
-              </a:ext>
-            </a:extLst>
-          </p:cNvPr>
+          <p:cNvPr id="3" name="Immagine 2"/>
           <p:cNvPicPr>
             <a:picLocks noChangeAspect="1"/>
           </p:cNvPicPr>
           <p:nvPr/>
         </p:nvPicPr>
         <p:blipFill>
-          <a:blip r:embed="rId2"/>
+          <a:blip r:embed="rId2">
+            <a:extLst>
+              <a:ext uri="{28A0092B-C50C-407E-A947-70E740481C1C}">
+                <a14:useLocalDpi xmlns:a14="http://schemas.microsoft.com/office/drawing/2010/main" val="0"/>
+              </a:ext>
+            </a:extLst>
+          </a:blip>
           <a:stretch>
             <a:fillRect/>
           </a:stretch>
         </p:blipFill>
         <p:spPr>
           <a:xfrm>
-            <a:off x="1270629" y="2174564"/>
-            <a:ext cx="6395351" cy="1275148"/>
+            <a:off x="2065692" y="3219420"/>
+            <a:ext cx="5369595" cy="814698"/>
           </a:xfrm>
           <a:prstGeom prst="rect">
             <a:avLst/>
@@ -7640,7 +6907,7 @@
     </p:spTree>
     <p:extLst>
       <p:ext uri="{BB962C8B-B14F-4D97-AF65-F5344CB8AC3E}">
-        <p14:creationId xmlns:p14="http://schemas.microsoft.com/office/powerpoint/2010/main" val="2565674058"/>
+        <p14:creationId xmlns:p14="http://schemas.microsoft.com/office/powerpoint/2010/main" val="414435941"/>
       </p:ext>
     </p:extLst>
   </p:cSld>
@@ -7687,7 +6954,7 @@
           </a:ln>
           <a:extLst>
             <a:ext uri="{C572A759-6A51-4108-AA02-DFA0A04FC94B}">
-              <ma14:wrappingTextBoxFlag xmlns="" xmlns:ma14="http://schemas.microsoft.com/office/mac/drawingml/2011/main" val="1"/>
+              <ma14:wrappingTextBoxFlag xmlns:ma14="http://schemas.microsoft.com/office/mac/drawingml/2011/main" xmlns="" val="1"/>
             </a:ext>
           </a:extLst>
         </p:spPr>
@@ -7750,7 +7017,7 @@
           </a:ln>
           <a:extLst>
             <a:ext uri="{C572A759-6A51-4108-AA02-DFA0A04FC94B}">
-              <ma14:wrappingTextBoxFlag xmlns="" xmlns:ma14="http://schemas.microsoft.com/office/mac/drawingml/2011/main" val="1"/>
+              <ma14:wrappingTextBoxFlag xmlns:ma14="http://schemas.microsoft.com/office/mac/drawingml/2011/main" xmlns="" val="1"/>
             </a:ext>
           </a:extLst>
         </p:spPr>
@@ -7826,28 +7093,28 @@
       </p:sp>
       <p:pic>
         <p:nvPicPr>
-          <p:cNvPr id="4" name="Immagine 3"/>
+          <p:cNvPr id="5" name="Picture 4" descr="A screenshot of a cell phone&#10;&#10;Description generated with high confidence">
+            <a:extLst>
+              <a:ext uri="{FF2B5EF4-FFF2-40B4-BE49-F238E27FC236}">
+                <a16:creationId xmlns:a16="http://schemas.microsoft.com/office/drawing/2014/main" id="{A15A022A-1C08-4427-9C70-3A9ACF9842D4}"/>
+              </a:ext>
+            </a:extLst>
+          </p:cNvPr>
           <p:cNvPicPr>
             <a:picLocks noChangeAspect="1"/>
           </p:cNvPicPr>
           <p:nvPr/>
         </p:nvPicPr>
         <p:blipFill>
-          <a:blip r:embed="rId2">
-            <a:extLst>
-              <a:ext uri="{28A0092B-C50C-407E-A947-70E740481C1C}">
-                <a14:useLocalDpi xmlns:a14="http://schemas.microsoft.com/office/drawing/2010/main" val="0"/>
-              </a:ext>
-            </a:extLst>
-          </a:blip>
+          <a:blip r:embed="rId2"/>
           <a:stretch>
             <a:fillRect/>
           </a:stretch>
         </p:blipFill>
         <p:spPr>
           <a:xfrm>
-            <a:off x="0" y="1506071"/>
-            <a:ext cx="9138901" cy="3729317"/>
+            <a:off x="176169" y="1573240"/>
+            <a:ext cx="8891741" cy="3753769"/>
           </a:xfrm>
           <a:prstGeom prst="rect">
             <a:avLst/>
@@ -7904,7 +7171,7 @@
           </a:ln>
           <a:extLst>
             <a:ext uri="{C572A759-6A51-4108-AA02-DFA0A04FC94B}">
-              <ma14:wrappingTextBoxFlag xmlns="" xmlns:ma14="http://schemas.microsoft.com/office/mac/drawingml/2011/main" val="1"/>
+              <ma14:wrappingTextBoxFlag xmlns:ma14="http://schemas.microsoft.com/office/mac/drawingml/2011/main" xmlns="" val="1"/>
             </a:ext>
           </a:extLst>
         </p:spPr>
@@ -7967,7 +7234,7 @@
           </a:ln>
           <a:extLst>
             <a:ext uri="{C572A759-6A51-4108-AA02-DFA0A04FC94B}">
-              <ma14:wrappingTextBoxFlag xmlns="" xmlns:ma14="http://schemas.microsoft.com/office/mac/drawingml/2011/main" val="1"/>
+              <ma14:wrappingTextBoxFlag xmlns:ma14="http://schemas.microsoft.com/office/mac/drawingml/2011/main" xmlns="" val="1"/>
             </a:ext>
           </a:extLst>
         </p:spPr>
@@ -8036,17 +7303,17 @@
             <a:pPr algn="ctr"/>
             <a:r>
               <a:rPr lang="en-GB" sz="2000" dirty="0"/>
-              <a:t>.sim file: parameters </a:t>
+              <a:t>.sim file: connect </a:t>
             </a:r>
           </a:p>
         </p:txBody>
       </p:sp>
       <p:pic>
         <p:nvPicPr>
-          <p:cNvPr id="4" name="Picture 3">
+          <p:cNvPr id="5" name="Picture 4" descr="A screenshot of a cell phone&#10;&#10;Description generated with very high confidence">
             <a:extLst>
               <a:ext uri="{FF2B5EF4-FFF2-40B4-BE49-F238E27FC236}">
-                <a16:creationId xmlns:a16="http://schemas.microsoft.com/office/drawing/2014/main" id="{880B0E35-6D97-483B-8FAE-237DC882BB89}"/>
+                <a16:creationId xmlns:a16="http://schemas.microsoft.com/office/drawing/2014/main" id="{89FD50FC-F50D-49CC-A9D6-AB10A46F4B46}"/>
               </a:ext>
             </a:extLst>
           </p:cNvPr>
@@ -8063,8 +7330,8 @@
         </p:blipFill>
         <p:spPr>
           <a:xfrm>
-            <a:off x="697115" y="2225011"/>
-            <a:ext cx="8270019" cy="1203990"/>
+            <a:off x="1929470" y="1109643"/>
+            <a:ext cx="5368954" cy="5195103"/>
           </a:xfrm>
           <a:prstGeom prst="rect">
             <a:avLst/>
@@ -8074,7 +7341,7 @@
     </p:spTree>
     <p:extLst>
       <p:ext uri="{BB962C8B-B14F-4D97-AF65-F5344CB8AC3E}">
-        <p14:creationId xmlns:p14="http://schemas.microsoft.com/office/powerpoint/2010/main" val="136693257"/>
+        <p14:creationId xmlns:p14="http://schemas.microsoft.com/office/powerpoint/2010/main" val="4270181486"/>
       </p:ext>
     </p:extLst>
   </p:cSld>
@@ -8121,7 +7388,7 @@
           </a:ln>
           <a:extLst>
             <a:ext uri="{C572A759-6A51-4108-AA02-DFA0A04FC94B}">
-              <ma14:wrappingTextBoxFlag xmlns="" xmlns:ma14="http://schemas.microsoft.com/office/mac/drawingml/2011/main" val="1"/>
+              <ma14:wrappingTextBoxFlag xmlns:ma14="http://schemas.microsoft.com/office/mac/drawingml/2011/main" xmlns="" val="1"/>
             </a:ext>
           </a:extLst>
         </p:spPr>
@@ -8184,7 +7451,7 @@
           </a:ln>
           <a:extLst>
             <a:ext uri="{C572A759-6A51-4108-AA02-DFA0A04FC94B}">
-              <ma14:wrappingTextBoxFlag xmlns="" xmlns:ma14="http://schemas.microsoft.com/office/mac/drawingml/2011/main" val="1"/>
+              <ma14:wrappingTextBoxFlag xmlns:ma14="http://schemas.microsoft.com/office/mac/drawingml/2011/main" xmlns="" val="1"/>
             </a:ext>
           </a:extLst>
         </p:spPr>
@@ -8237,7 +7504,7 @@
         <p:spPr>
           <a:xfrm>
             <a:off x="1708712" y="524867"/>
-            <a:ext cx="5726575" cy="400110"/>
+            <a:ext cx="5726575" cy="707886"/>
           </a:xfrm>
           <a:prstGeom prst="rect">
             <a:avLst/>
@@ -8252,60 +7519,23 @@
           <a:p>
             <a:pPr algn="ctr"/>
             <a:r>
-              <a:rPr lang="en-GB" sz="2000" dirty="0"/>
-              <a:t>.sim file: parameters </a:t>
-            </a:r>
-          </a:p>
-        </p:txBody>
-      </p:sp>
-      <p:sp>
-        <p:nvSpPr>
-          <p:cNvPr id="5" name="Titolo 1"/>
-          <p:cNvSpPr txBox="1">
-            <a:spLocks/>
-          </p:cNvSpPr>
-          <p:nvPr/>
-        </p:nvSpPr>
-        <p:spPr>
-          <a:xfrm>
-            <a:off x="533400" y="1739152"/>
-            <a:ext cx="8229600" cy="775447"/>
-          </a:xfrm>
-          <a:prstGeom prst="rect">
-            <a:avLst/>
-          </a:prstGeom>
-        </p:spPr>
-        <p:txBody>
-          <a:bodyPr>
-            <a:noAutofit/>
-          </a:bodyPr>
-          <a:lstStyle>
-            <a:lvl1pPr algn="ctr" defTabSz="457200" rtl="0" eaLnBrk="1" latinLnBrk="0" hangingPunct="1">
-              <a:spcBef>
-                <a:spcPct val="0"/>
-              </a:spcBef>
-              <a:buNone/>
-              <a:defRPr sz="4400" kern="1200">
-                <a:solidFill>
-                  <a:schemeClr val="tx1"/>
-                </a:solidFill>
-                <a:latin typeface="+mj-lt"/>
-                <a:ea typeface="+mj-ea"/>
-                <a:cs typeface="+mj-cs"/>
-              </a:defRPr>
-            </a:lvl1pPr>
-          </a:lstStyle>
-          <a:p>
-            <a:r>
               <a:rPr lang="it-IT" sz="2000" dirty="0"/>
-              <a:t>FILE PATH FOR THE TOP BOUNDARY CONDITION</a:t>
-            </a:r>
+              <a:t>INPUT FILE FOR</a:t>
+            </a:r>
+            <a:br>
+              <a:rPr lang="it-IT" sz="2000" dirty="0"/>
+            </a:br>
+            <a:r>
+              <a:rPr lang="it-IT" sz="2000" dirty="0"/>
+              <a:t>THE INITIAL CONDITION</a:t>
+            </a:r>
+            <a:endParaRPr lang="en-GB" sz="2000" dirty="0"/>
           </a:p>
         </p:txBody>
       </p:sp>
       <p:pic>
         <p:nvPicPr>
-          <p:cNvPr id="3" name="Immagine 2"/>
+          <p:cNvPr id="4" name="Immagine 3"/>
           <p:cNvPicPr>
             <a:picLocks noChangeAspect="1"/>
           </p:cNvPicPr>
@@ -8325,54 +7555,18 @@
         </p:blipFill>
         <p:spPr>
           <a:xfrm>
-            <a:off x="111867" y="3209365"/>
-            <a:ext cx="8920264" cy="2649072"/>
+            <a:off x="3101787" y="1535869"/>
+            <a:ext cx="2940423" cy="4615575"/>
           </a:xfrm>
           <a:prstGeom prst="rect">
             <a:avLst/>
           </a:prstGeom>
         </p:spPr>
       </p:pic>
-      <p:cxnSp>
-        <p:nvCxnSpPr>
-          <p:cNvPr id="7" name="Connettore 2 6"/>
-          <p:cNvCxnSpPr/>
-          <p:nvPr/>
-        </p:nvCxnSpPr>
-        <p:spPr>
-          <a:xfrm>
-            <a:off x="6854822" y="2126875"/>
-            <a:ext cx="0" cy="1452282"/>
-          </a:xfrm>
-          <a:prstGeom prst="straightConnector1">
-            <a:avLst/>
-          </a:prstGeom>
-          <a:ln w="57150">
-            <a:solidFill>
-              <a:srgbClr val="FF0000"/>
-            </a:solidFill>
-            <a:tailEnd type="arrow"/>
-          </a:ln>
-        </p:spPr>
-        <p:style>
-          <a:lnRef idx="1">
-            <a:schemeClr val="accent1"/>
-          </a:lnRef>
-          <a:fillRef idx="0">
-            <a:schemeClr val="accent1"/>
-          </a:fillRef>
-          <a:effectRef idx="0">
-            <a:schemeClr val="accent1"/>
-          </a:effectRef>
-          <a:fontRef idx="minor">
-            <a:schemeClr val="tx1"/>
-          </a:fontRef>
-        </p:style>
-      </p:cxnSp>
     </p:spTree>
     <p:extLst>
       <p:ext uri="{BB962C8B-B14F-4D97-AF65-F5344CB8AC3E}">
-        <p14:creationId xmlns:p14="http://schemas.microsoft.com/office/powerpoint/2010/main" val="250193619"/>
+        <p14:creationId xmlns:p14="http://schemas.microsoft.com/office/powerpoint/2010/main" val="187457067"/>
       </p:ext>
     </p:extLst>
   </p:cSld>
@@ -8419,7 +7613,7 @@
           </a:ln>
           <a:extLst>
             <a:ext uri="{C572A759-6A51-4108-AA02-DFA0A04FC94B}">
-              <ma14:wrappingTextBoxFlag xmlns="" xmlns:ma14="http://schemas.microsoft.com/office/mac/drawingml/2011/main" val="1"/>
+              <ma14:wrappingTextBoxFlag xmlns:ma14="http://schemas.microsoft.com/office/mac/drawingml/2011/main" xmlns="" val="1"/>
             </a:ext>
           </a:extLst>
         </p:spPr>
@@ -8482,7 +7676,7 @@
           </a:ln>
           <a:extLst>
             <a:ext uri="{C572A759-6A51-4108-AA02-DFA0A04FC94B}">
-              <ma14:wrappingTextBoxFlag xmlns="" xmlns:ma14="http://schemas.microsoft.com/office/mac/drawingml/2011/main" val="1"/>
+              <ma14:wrappingTextBoxFlag xmlns:ma14="http://schemas.microsoft.com/office/mac/drawingml/2011/main" xmlns="" val="1"/>
             </a:ext>
           </a:extLst>
         </p:spPr>
@@ -8535,7 +7729,7 @@
         <p:spPr>
           <a:xfrm>
             <a:off x="1708712" y="524867"/>
-            <a:ext cx="5726575" cy="400110"/>
+            <a:ext cx="5726575" cy="707886"/>
           </a:xfrm>
           <a:prstGeom prst="rect">
             <a:avLst/>
@@ -8550,127 +7744,139 @@
           <a:p>
             <a:pPr algn="ctr"/>
             <a:r>
-              <a:rPr lang="en-GB" sz="2000" dirty="0"/>
-              <a:t>.sim file: parameters </a:t>
-            </a:r>
-          </a:p>
-        </p:txBody>
-      </p:sp>
-      <p:sp>
-        <p:nvSpPr>
-          <p:cNvPr id="6" name="Titolo 1"/>
-          <p:cNvSpPr txBox="1">
-            <a:spLocks/>
-          </p:cNvSpPr>
-          <p:nvPr/>
-        </p:nvSpPr>
-        <p:spPr>
-          <a:xfrm>
-            <a:off x="457199" y="1497075"/>
-            <a:ext cx="8229600" cy="1143000"/>
-          </a:xfrm>
-          <a:prstGeom prst="rect">
-            <a:avLst/>
-          </a:prstGeom>
-        </p:spPr>
-        <p:txBody>
-          <a:bodyPr vert="horz" lIns="91440" tIns="45720" rIns="91440" bIns="45720" rtlCol="0" anchor="ctr">
-            <a:noAutofit/>
+              <a:rPr lang="it-IT" sz="2000" dirty="0"/>
+              <a:t>INPUT FILE FOR</a:t>
+            </a:r>
+            <a:br>
+              <a:rPr lang="it-IT" sz="2000" dirty="0"/>
+            </a:br>
+            <a:r>
+              <a:rPr lang="it-IT" sz="2000" dirty="0"/>
+              <a:t>THE INITIAL CONDITION</a:t>
+            </a:r>
+            <a:endParaRPr lang="en-GB" sz="2000" dirty="0"/>
+          </a:p>
+        </p:txBody>
+      </p:sp>
+      <p:sp>
+        <p:nvSpPr>
+          <p:cNvPr id="15" name="CasellaDiTesto 14"/>
+          <p:cNvSpPr txBox="1"/>
+          <p:nvPr/>
+        </p:nvSpPr>
+        <p:spPr>
+          <a:xfrm>
+            <a:off x="228600" y="1905000"/>
+            <a:ext cx="7315200" cy="1692771"/>
+          </a:xfrm>
+          <a:prstGeom prst="rect">
+            <a:avLst/>
+          </a:prstGeom>
+          <a:noFill/>
+        </p:spPr>
+        <p:txBody>
+          <a:bodyPr wrap="square" rtlCol="0">
+            <a:spAutoFit/>
           </a:bodyPr>
-          <a:lstStyle>
-            <a:lvl1pPr algn="ctr" defTabSz="914400" rtl="0" eaLnBrk="1" latinLnBrk="0" hangingPunct="1">
-              <a:spcBef>
-                <a:spcPct val="0"/>
-              </a:spcBef>
-              <a:buNone/>
-              <a:defRPr sz="4400" kern="1200">
+          <a:lstStyle/>
+          <a:p>
+            <a:pPr algn="just"/>
+            <a:r>
+              <a:rPr lang="it-IT" sz="2000" dirty="0"/>
+              <a:t>THE FIRST LINE REFERS TO THE DEEPEST LAYER.</a:t>
+            </a:r>
+          </a:p>
+          <a:p>
+            <a:pPr algn="just"/>
+            <a:endParaRPr lang="it-IT" sz="2000" dirty="0"/>
+          </a:p>
+          <a:p>
+            <a:pPr algn="just"/>
+            <a:r>
+              <a:rPr lang="it-IT" sz="2000" dirty="0"/>
+              <a:t>THE DEPTH OF THE DEEPEST LAYER IS ALWAYS SMALLER THAN  </a:t>
+            </a:r>
+            <a:r>
+              <a:rPr lang="it-IT" sz="2000" i="1" dirty="0" err="1">
                 <a:solidFill>
-                  <a:schemeClr val="tx1"/>
+                  <a:srgbClr val="0070C0"/>
                 </a:solidFill>
-                <a:latin typeface="+mj-lt"/>
-                <a:ea typeface="+mj-ea"/>
-                <a:cs typeface="+mj-cs"/>
-              </a:defRPr>
-            </a:lvl1pPr>
-          </a:lstStyle>
-          <a:p>
+              </a:rPr>
+              <a:t>spaceBottom</a:t>
+            </a:r>
+            <a:endParaRPr lang="it-IT" sz="2000" i="1" dirty="0">
+              <a:solidFill>
+                <a:srgbClr val="0070C0"/>
+              </a:solidFill>
+            </a:endParaRPr>
+          </a:p>
+          <a:p>
+            <a:pPr algn="just"/>
+            <a:endParaRPr lang="it-IT" sz="2400" i="1" dirty="0">
+              <a:solidFill>
+                <a:srgbClr val="0070C0"/>
+              </a:solidFill>
+            </a:endParaRPr>
+          </a:p>
+        </p:txBody>
+      </p:sp>
+      <p:sp>
+        <p:nvSpPr>
+          <p:cNvPr id="16" name="CasellaDiTesto 15"/>
+          <p:cNvSpPr txBox="1"/>
+          <p:nvPr/>
+        </p:nvSpPr>
+        <p:spPr>
+          <a:xfrm>
+            <a:off x="1976651" y="4267200"/>
+            <a:ext cx="6858000" cy="1323439"/>
+          </a:xfrm>
+          <a:prstGeom prst="rect">
+            <a:avLst/>
+          </a:prstGeom>
+          <a:noFill/>
+        </p:spPr>
+        <p:txBody>
+          <a:bodyPr wrap="square" rtlCol="0">
+            <a:spAutoFit/>
+          </a:bodyPr>
+          <a:lstStyle/>
+          <a:p>
+            <a:pPr algn="just"/>
             <a:r>
               <a:rPr lang="it-IT" sz="2000" dirty="0"/>
-              <a:t>FILE PATH FOR THE BOTTOM BOUNDARY CONDITION</a:t>
-            </a:r>
-          </a:p>
-        </p:txBody>
-      </p:sp>
-      <p:pic>
-        <p:nvPicPr>
-          <p:cNvPr id="3" name="Immagine 2"/>
-          <p:cNvPicPr>
-            <a:picLocks noChangeAspect="1"/>
-          </p:cNvPicPr>
-          <p:nvPr/>
-        </p:nvPicPr>
-        <p:blipFill>
-          <a:blip r:embed="rId2">
-            <a:extLst>
-              <a:ext uri="{28A0092B-C50C-407E-A947-70E740481C1C}">
-                <a14:useLocalDpi xmlns:a14="http://schemas.microsoft.com/office/drawing/2010/main" val="0"/>
-              </a:ext>
-            </a:extLst>
-          </a:blip>
-          <a:stretch>
-            <a:fillRect/>
-          </a:stretch>
-        </p:blipFill>
-        <p:spPr>
-          <a:xfrm>
-            <a:off x="58222" y="3245222"/>
-            <a:ext cx="9085778" cy="2850775"/>
-          </a:xfrm>
-          <a:prstGeom prst="rect">
-            <a:avLst/>
-          </a:prstGeom>
-        </p:spPr>
-      </p:pic>
-      <p:cxnSp>
-        <p:nvCxnSpPr>
-          <p:cNvPr id="7" name="Connettore 2 6"/>
-          <p:cNvCxnSpPr/>
-          <p:nvPr/>
-        </p:nvCxnSpPr>
-        <p:spPr>
-          <a:xfrm>
-            <a:off x="7010400" y="2348753"/>
-            <a:ext cx="0" cy="1337257"/>
-          </a:xfrm>
-          <a:prstGeom prst="straightConnector1">
-            <a:avLst/>
-          </a:prstGeom>
-          <a:ln w="57150">
-            <a:solidFill>
-              <a:srgbClr val="FF0000"/>
-            </a:solidFill>
-            <a:tailEnd type="arrow"/>
-          </a:ln>
-        </p:spPr>
-        <p:style>
-          <a:lnRef idx="1">
-            <a:schemeClr val="accent1"/>
-          </a:lnRef>
-          <a:fillRef idx="0">
-            <a:schemeClr val="accent1"/>
-          </a:fillRef>
-          <a:effectRef idx="0">
-            <a:schemeClr val="accent1"/>
-          </a:effectRef>
-          <a:fontRef idx="minor">
-            <a:schemeClr val="tx1"/>
-          </a:fontRef>
-        </p:style>
-      </p:cxnSp>
+              <a:t>THE LAST LINE REFERS TO THE UPPERMOST LAYER.  </a:t>
+            </a:r>
+          </a:p>
+          <a:p>
+            <a:pPr algn="just"/>
+            <a:endParaRPr lang="it-IT" sz="2000" dirty="0"/>
+          </a:p>
+          <a:p>
+            <a:pPr algn="just"/>
+            <a:r>
+              <a:rPr lang="it-IT" sz="2000" dirty="0"/>
+              <a:t>THIS DEPTH IS ALWAYS GRATER THAN </a:t>
+            </a:r>
+            <a:r>
+              <a:rPr lang="it-IT" sz="2000" i="1" dirty="0">
+                <a:solidFill>
+                  <a:srgbClr val="0070C0"/>
+                </a:solidFill>
+              </a:rPr>
+              <a:t>0m</a:t>
+            </a:r>
+          </a:p>
+          <a:p>
+            <a:pPr algn="just"/>
+            <a:endParaRPr lang="it-IT" sz="2000" dirty="0"/>
+          </a:p>
+        </p:txBody>
+      </p:sp>
     </p:spTree>
     <p:extLst>
       <p:ext uri="{BB962C8B-B14F-4D97-AF65-F5344CB8AC3E}">
-        <p14:creationId xmlns:p14="http://schemas.microsoft.com/office/powerpoint/2010/main" val="2780188266"/>
+        <p14:creationId xmlns:p14="http://schemas.microsoft.com/office/powerpoint/2010/main" val="1606213145"/>
       </p:ext>
     </p:extLst>
   </p:cSld>
@@ -8717,7 +7923,7 @@
           </a:ln>
           <a:extLst>
             <a:ext uri="{C572A759-6A51-4108-AA02-DFA0A04FC94B}">
-              <ma14:wrappingTextBoxFlag xmlns="" xmlns:ma14="http://schemas.microsoft.com/office/mac/drawingml/2011/main" val="1"/>
+              <ma14:wrappingTextBoxFlag xmlns:ma14="http://schemas.microsoft.com/office/mac/drawingml/2011/main" xmlns="" val="1"/>
             </a:ext>
           </a:extLst>
         </p:spPr>
@@ -8780,7 +7986,7 @@
           </a:ln>
           <a:extLst>
             <a:ext uri="{C572A759-6A51-4108-AA02-DFA0A04FC94B}">
-              <ma14:wrappingTextBoxFlag xmlns="" xmlns:ma14="http://schemas.microsoft.com/office/mac/drawingml/2011/main" val="1"/>
+              <ma14:wrappingTextBoxFlag xmlns:ma14="http://schemas.microsoft.com/office/mac/drawingml/2011/main" xmlns="" val="1"/>
             </a:ext>
           </a:extLst>
         </p:spPr>
@@ -8833,7 +8039,7 @@
         <p:spPr>
           <a:xfrm>
             <a:off x="1708712" y="524867"/>
-            <a:ext cx="5726575" cy="400110"/>
+            <a:ext cx="5726575" cy="707886"/>
           </a:xfrm>
           <a:prstGeom prst="rect">
             <a:avLst/>
@@ -8848,96 +8054,23 @@
           <a:p>
             <a:pPr algn="ctr"/>
             <a:r>
-              <a:rPr lang="en-GB" sz="2000" dirty="0"/>
-              <a:t>.sim file: parameters </a:t>
-            </a:r>
-          </a:p>
-        </p:txBody>
-      </p:sp>
-      <p:sp>
-        <p:nvSpPr>
-          <p:cNvPr id="6" name="Titolo 1"/>
-          <p:cNvSpPr txBox="1">
-            <a:spLocks/>
-          </p:cNvSpPr>
-          <p:nvPr/>
-        </p:nvSpPr>
-        <p:spPr>
-          <a:xfrm>
-            <a:off x="533400" y="1697265"/>
-            <a:ext cx="8229600" cy="1143000"/>
-          </a:xfrm>
-          <a:prstGeom prst="rect">
-            <a:avLst/>
-          </a:prstGeom>
-        </p:spPr>
-        <p:txBody>
-          <a:bodyPr vert="horz" lIns="91440" tIns="45720" rIns="91440" bIns="45720" rtlCol="0" anchor="ctr">
-            <a:noAutofit/>
-          </a:bodyPr>
-          <a:lstStyle>
-            <a:lvl1pPr algn="ctr" defTabSz="914400" rtl="0" eaLnBrk="1" latinLnBrk="0" hangingPunct="1">
-              <a:spcBef>
-                <a:spcPct val="0"/>
-              </a:spcBef>
-              <a:buNone/>
-              <a:defRPr sz="4400" kern="1200">
-                <a:solidFill>
-                  <a:schemeClr val="tx1"/>
-                </a:solidFill>
-                <a:latin typeface="+mj-lt"/>
-                <a:ea typeface="+mj-ea"/>
-                <a:cs typeface="+mj-cs"/>
-              </a:defRPr>
-            </a:lvl1pPr>
-          </a:lstStyle>
-          <a:p>
-            <a:r>
               <a:rPr lang="it-IT" sz="2000" dirty="0"/>
-              <a:t>FILE PATH FOR THE INITIAL CONDITION OF THE WATER PRESSURE</a:t>
-            </a:r>
-          </a:p>
-        </p:txBody>
-      </p:sp>
-      <p:cxnSp>
-        <p:nvCxnSpPr>
-          <p:cNvPr id="7" name="Connettore 2 6"/>
-          <p:cNvCxnSpPr/>
-          <p:nvPr/>
-        </p:nvCxnSpPr>
-        <p:spPr>
-          <a:xfrm>
-            <a:off x="7273688" y="2460796"/>
-            <a:ext cx="0" cy="1045935"/>
-          </a:xfrm>
-          <a:prstGeom prst="straightConnector1">
-            <a:avLst/>
-          </a:prstGeom>
-          <a:ln w="57150">
-            <a:solidFill>
-              <a:srgbClr val="FF0000"/>
-            </a:solidFill>
-            <a:tailEnd type="arrow"/>
-          </a:ln>
-        </p:spPr>
-        <p:style>
-          <a:lnRef idx="1">
-            <a:schemeClr val="accent1"/>
-          </a:lnRef>
-          <a:fillRef idx="0">
-            <a:schemeClr val="accent1"/>
-          </a:fillRef>
-          <a:effectRef idx="0">
-            <a:schemeClr val="accent1"/>
-          </a:effectRef>
-          <a:fontRef idx="minor">
-            <a:schemeClr val="tx1"/>
-          </a:fontRef>
-        </p:style>
-      </p:cxnSp>
+              <a:t>INPUT FILE FOR</a:t>
+            </a:r>
+            <a:br>
+              <a:rPr lang="it-IT" sz="2000" dirty="0"/>
+            </a:br>
+            <a:r>
+              <a:rPr lang="it-IT" sz="2000" dirty="0"/>
+              <a:t>THE SOURCE/SINK TERM</a:t>
+            </a:r>
+            <a:endParaRPr lang="en-GB" sz="2000" dirty="0"/>
+          </a:p>
+        </p:txBody>
+      </p:sp>
       <p:pic>
         <p:nvPicPr>
-          <p:cNvPr id="4" name="Immagine 3"/>
+          <p:cNvPr id="3" name="Immagine 2"/>
           <p:cNvPicPr>
             <a:picLocks noChangeAspect="1"/>
           </p:cNvPicPr>
@@ -8957,8 +8090,8 @@
         </p:blipFill>
         <p:spPr>
           <a:xfrm>
-            <a:off x="512589" y="3530944"/>
-            <a:ext cx="8631411" cy="812181"/>
+            <a:off x="3623337" y="1389597"/>
+            <a:ext cx="2221651" cy="4921572"/>
           </a:xfrm>
           <a:prstGeom prst="rect">
             <a:avLst/>
@@ -8968,7 +8101,7 @@
     </p:spTree>
     <p:extLst>
       <p:ext uri="{BB962C8B-B14F-4D97-AF65-F5344CB8AC3E}">
-        <p14:creationId xmlns:p14="http://schemas.microsoft.com/office/powerpoint/2010/main" val="1835223851"/>
+        <p14:creationId xmlns:p14="http://schemas.microsoft.com/office/powerpoint/2010/main" val="1491247893"/>
       </p:ext>
     </p:extLst>
   </p:cSld>
@@ -9015,7 +8148,7 @@
           </a:ln>
           <a:extLst>
             <a:ext uri="{C572A759-6A51-4108-AA02-DFA0A04FC94B}">
-              <ma14:wrappingTextBoxFlag xmlns="" xmlns:ma14="http://schemas.microsoft.com/office/mac/drawingml/2011/main" val="1"/>
+              <ma14:wrappingTextBoxFlag xmlns:ma14="http://schemas.microsoft.com/office/mac/drawingml/2011/main" xmlns="" val="1"/>
             </a:ext>
           </a:extLst>
         </p:spPr>
@@ -9078,7 +8211,7 @@
           </a:ln>
           <a:extLst>
             <a:ext uri="{C572A759-6A51-4108-AA02-DFA0A04FC94B}">
-              <ma14:wrappingTextBoxFlag xmlns="" xmlns:ma14="http://schemas.microsoft.com/office/mac/drawingml/2011/main" val="1"/>
+              <ma14:wrappingTextBoxFlag xmlns:ma14="http://schemas.microsoft.com/office/mac/drawingml/2011/main" xmlns="" val="1"/>
             </a:ext>
           </a:extLst>
         </p:spPr>
@@ -9131,7 +8264,7 @@
         <p:spPr>
           <a:xfrm>
             <a:off x="1708712" y="524867"/>
-            <a:ext cx="5726575" cy="400110"/>
+            <a:ext cx="5726575" cy="707886"/>
           </a:xfrm>
           <a:prstGeom prst="rect">
             <a:avLst/>
@@ -9146,127 +8279,139 @@
           <a:p>
             <a:pPr algn="ctr"/>
             <a:r>
-              <a:rPr lang="en-GB" sz="2000" dirty="0"/>
-              <a:t>.sim file: parameters </a:t>
-            </a:r>
-          </a:p>
-        </p:txBody>
-      </p:sp>
-      <p:sp>
-        <p:nvSpPr>
-          <p:cNvPr id="6" name="Titolo 1"/>
-          <p:cNvSpPr txBox="1">
-            <a:spLocks/>
-          </p:cNvSpPr>
-          <p:nvPr/>
-        </p:nvSpPr>
-        <p:spPr>
-          <a:xfrm>
-            <a:off x="533400" y="1697265"/>
-            <a:ext cx="8229600" cy="1143000"/>
-          </a:xfrm>
-          <a:prstGeom prst="rect">
-            <a:avLst/>
-          </a:prstGeom>
-        </p:spPr>
-        <p:txBody>
-          <a:bodyPr vert="horz" lIns="91440" tIns="45720" rIns="91440" bIns="45720" rtlCol="0" anchor="ctr">
-            <a:noAutofit/>
+              <a:rPr lang="it-IT" sz="2000" dirty="0"/>
+              <a:t>INPUT FILE FOR</a:t>
+            </a:r>
+            <a:br>
+              <a:rPr lang="it-IT" sz="2000" dirty="0"/>
+            </a:br>
+            <a:r>
+              <a:rPr lang="it-IT" sz="2000" dirty="0"/>
+              <a:t>THE SOURCE/SINK TERM</a:t>
+            </a:r>
+            <a:endParaRPr lang="en-GB" sz="2000" dirty="0"/>
+          </a:p>
+        </p:txBody>
+      </p:sp>
+      <p:sp>
+        <p:nvSpPr>
+          <p:cNvPr id="15" name="CasellaDiTesto 14"/>
+          <p:cNvSpPr txBox="1"/>
+          <p:nvPr/>
+        </p:nvSpPr>
+        <p:spPr>
+          <a:xfrm>
+            <a:off x="228600" y="1905000"/>
+            <a:ext cx="7315200" cy="1692771"/>
+          </a:xfrm>
+          <a:prstGeom prst="rect">
+            <a:avLst/>
+          </a:prstGeom>
+          <a:noFill/>
+        </p:spPr>
+        <p:txBody>
+          <a:bodyPr wrap="square" rtlCol="0">
+            <a:spAutoFit/>
           </a:bodyPr>
-          <a:lstStyle>
-            <a:lvl1pPr algn="ctr" defTabSz="914400" rtl="0" eaLnBrk="1" latinLnBrk="0" hangingPunct="1">
-              <a:spcBef>
-                <a:spcPct val="0"/>
-              </a:spcBef>
-              <a:buNone/>
-              <a:defRPr sz="4400" kern="1200">
+          <a:lstStyle/>
+          <a:p>
+            <a:pPr algn="just"/>
+            <a:r>
+              <a:rPr lang="it-IT" sz="2000" dirty="0"/>
+              <a:t>THE FIRST LINE REFERS TO THE DEEPEST LAYER.</a:t>
+            </a:r>
+          </a:p>
+          <a:p>
+            <a:pPr algn="just"/>
+            <a:endParaRPr lang="it-IT" sz="2000" dirty="0"/>
+          </a:p>
+          <a:p>
+            <a:pPr algn="just"/>
+            <a:r>
+              <a:rPr lang="it-IT" sz="2000" dirty="0"/>
+              <a:t>THE DEPTH OF THE DEEPEST LAYER IS ALWAYS SMALLER THAN  </a:t>
+            </a:r>
+            <a:r>
+              <a:rPr lang="it-IT" sz="2000" i="1" dirty="0" err="1">
                 <a:solidFill>
-                  <a:schemeClr val="tx1"/>
+                  <a:srgbClr val="0070C0"/>
                 </a:solidFill>
-                <a:latin typeface="+mj-lt"/>
-                <a:ea typeface="+mj-ea"/>
-                <a:cs typeface="+mj-cs"/>
-              </a:defRPr>
-            </a:lvl1pPr>
-          </a:lstStyle>
-          <a:p>
+              </a:rPr>
+              <a:t>spaceBottom</a:t>
+            </a:r>
+            <a:endParaRPr lang="it-IT" sz="2000" i="1" dirty="0">
+              <a:solidFill>
+                <a:srgbClr val="0070C0"/>
+              </a:solidFill>
+            </a:endParaRPr>
+          </a:p>
+          <a:p>
+            <a:pPr algn="just"/>
+            <a:endParaRPr lang="it-IT" sz="2400" i="1" dirty="0">
+              <a:solidFill>
+                <a:srgbClr val="0070C0"/>
+              </a:solidFill>
+            </a:endParaRPr>
+          </a:p>
+        </p:txBody>
+      </p:sp>
+      <p:sp>
+        <p:nvSpPr>
+          <p:cNvPr id="16" name="CasellaDiTesto 15"/>
+          <p:cNvSpPr txBox="1"/>
+          <p:nvPr/>
+        </p:nvSpPr>
+        <p:spPr>
+          <a:xfrm>
+            <a:off x="1976651" y="4267200"/>
+            <a:ext cx="6858000" cy="1323439"/>
+          </a:xfrm>
+          <a:prstGeom prst="rect">
+            <a:avLst/>
+          </a:prstGeom>
+          <a:noFill/>
+        </p:spPr>
+        <p:txBody>
+          <a:bodyPr wrap="square" rtlCol="0">
+            <a:spAutoFit/>
+          </a:bodyPr>
+          <a:lstStyle/>
+          <a:p>
+            <a:pPr algn="just"/>
             <a:r>
               <a:rPr lang="it-IT" sz="2000" dirty="0"/>
-              <a:t>FILE PATH FOR THE SOURCE/SINK TERM</a:t>
-            </a:r>
-          </a:p>
-        </p:txBody>
-      </p:sp>
-      <p:cxnSp>
-        <p:nvCxnSpPr>
-          <p:cNvPr id="7" name="Connettore 2 6"/>
-          <p:cNvCxnSpPr/>
-          <p:nvPr/>
-        </p:nvCxnSpPr>
-        <p:spPr>
-          <a:xfrm>
-            <a:off x="7273688" y="2460796"/>
-            <a:ext cx="0" cy="1045935"/>
-          </a:xfrm>
-          <a:prstGeom prst="straightConnector1">
-            <a:avLst/>
-          </a:prstGeom>
-          <a:ln w="57150">
-            <a:solidFill>
-              <a:srgbClr val="FF0000"/>
-            </a:solidFill>
-            <a:tailEnd type="arrow"/>
-          </a:ln>
-        </p:spPr>
-        <p:style>
-          <a:lnRef idx="1">
-            <a:schemeClr val="accent1"/>
-          </a:lnRef>
-          <a:fillRef idx="0">
-            <a:schemeClr val="accent1"/>
-          </a:fillRef>
-          <a:effectRef idx="0">
-            <a:schemeClr val="accent1"/>
-          </a:effectRef>
-          <a:fontRef idx="minor">
-            <a:schemeClr val="tx1"/>
-          </a:fontRef>
-        </p:style>
-      </p:cxnSp>
-      <p:pic>
-        <p:nvPicPr>
-          <p:cNvPr id="3" name="Immagine 2"/>
-          <p:cNvPicPr>
-            <a:picLocks noChangeAspect="1"/>
-          </p:cNvPicPr>
-          <p:nvPr/>
-        </p:nvPicPr>
-        <p:blipFill>
-          <a:blip r:embed="rId2">
-            <a:extLst>
-              <a:ext uri="{28A0092B-C50C-407E-A947-70E740481C1C}">
-                <a14:useLocalDpi xmlns:a14="http://schemas.microsoft.com/office/drawing/2010/main" val="0"/>
-              </a:ext>
-            </a:extLst>
-          </a:blip>
-          <a:stretch>
-            <a:fillRect/>
-          </a:stretch>
-        </p:blipFill>
-        <p:spPr>
-          <a:xfrm>
-            <a:off x="424600" y="3544629"/>
-            <a:ext cx="8447200" cy="807840"/>
-          </a:xfrm>
-          <a:prstGeom prst="rect">
-            <a:avLst/>
-          </a:prstGeom>
-        </p:spPr>
-      </p:pic>
+              <a:t>THE LAST LINE REFERS TO THE UPPERMOST LAYER.  </a:t>
+            </a:r>
+          </a:p>
+          <a:p>
+            <a:pPr algn="just"/>
+            <a:endParaRPr lang="it-IT" sz="2000" dirty="0"/>
+          </a:p>
+          <a:p>
+            <a:pPr algn="just"/>
+            <a:r>
+              <a:rPr lang="it-IT" sz="2000" dirty="0"/>
+              <a:t>THIS DEPTH IS ALWAYS GRATER THAN </a:t>
+            </a:r>
+            <a:r>
+              <a:rPr lang="it-IT" sz="2000" i="1" dirty="0">
+                <a:solidFill>
+                  <a:srgbClr val="0070C0"/>
+                </a:solidFill>
+              </a:rPr>
+              <a:t>0m</a:t>
+            </a:r>
+          </a:p>
+          <a:p>
+            <a:pPr algn="just"/>
+            <a:endParaRPr lang="it-IT" sz="2000" dirty="0"/>
+          </a:p>
+        </p:txBody>
+      </p:sp>
     </p:spTree>
     <p:extLst>
       <p:ext uri="{BB962C8B-B14F-4D97-AF65-F5344CB8AC3E}">
-        <p14:creationId xmlns:p14="http://schemas.microsoft.com/office/powerpoint/2010/main" val="2447935455"/>
+        <p14:creationId xmlns:p14="http://schemas.microsoft.com/office/powerpoint/2010/main" val="688381796"/>
       </p:ext>
     </p:extLst>
   </p:cSld>
@@ -9313,7 +8458,7 @@
           </a:ln>
           <a:extLst>
             <a:ext uri="{C572A759-6A51-4108-AA02-DFA0A04FC94B}">
-              <ma14:wrappingTextBoxFlag xmlns="" xmlns:ma14="http://schemas.microsoft.com/office/mac/drawingml/2011/main" val="1"/>
+              <ma14:wrappingTextBoxFlag xmlns:ma14="http://schemas.microsoft.com/office/mac/drawingml/2011/main" xmlns="" val="1"/>
             </a:ext>
           </a:extLst>
         </p:spPr>
@@ -9376,7 +8521,7 @@
           </a:ln>
           <a:extLst>
             <a:ext uri="{C572A759-6A51-4108-AA02-DFA0A04FC94B}">
-              <ma14:wrappingTextBoxFlag xmlns="" xmlns:ma14="http://schemas.microsoft.com/office/mac/drawingml/2011/main" val="1"/>
+              <ma14:wrappingTextBoxFlag xmlns:ma14="http://schemas.microsoft.com/office/mac/drawingml/2011/main" xmlns="" val="1"/>
             </a:ext>
           </a:extLst>
         </p:spPr>
@@ -9429,7 +8574,7 @@
         <p:spPr>
           <a:xfrm>
             <a:off x="1708712" y="524867"/>
-            <a:ext cx="5726575" cy="400110"/>
+            <a:ext cx="5726575" cy="707886"/>
           </a:xfrm>
           <a:prstGeom prst="rect">
             <a:avLst/>
@@ -9444,74 +8589,188 @@
           <a:p>
             <a:pPr algn="ctr"/>
             <a:r>
-              <a:rPr lang="en-GB" sz="2000" dirty="0"/>
-              <a:t>.sim file: parameters </a:t>
-            </a:r>
-          </a:p>
-        </p:txBody>
-      </p:sp>
-      <p:sp>
-        <p:nvSpPr>
-          <p:cNvPr id="5" name="Titolo 1"/>
-          <p:cNvSpPr txBox="1">
-            <a:spLocks/>
-          </p:cNvSpPr>
-          <p:nvPr/>
-        </p:nvSpPr>
-        <p:spPr>
-          <a:xfrm>
-            <a:off x="457200" y="1371600"/>
-            <a:ext cx="8229600" cy="1143000"/>
-          </a:xfrm>
-          <a:prstGeom prst="rect">
-            <a:avLst/>
-          </a:prstGeom>
-        </p:spPr>
-        <p:txBody>
-          <a:bodyPr>
-            <a:noAutofit/>
+              <a:rPr lang="it-IT" sz="2000" dirty="0"/>
+              <a:t>INPUT FILE FOR</a:t>
+            </a:r>
+            <a:br>
+              <a:rPr lang="it-IT" sz="2000" dirty="0"/>
+            </a:br>
+            <a:r>
+              <a:rPr lang="it-IT" sz="2000" dirty="0"/>
+              <a:t>THE TOP BOUNDARY CONDITION</a:t>
+            </a:r>
+            <a:endParaRPr lang="en-GB" sz="2000" dirty="0"/>
+          </a:p>
+        </p:txBody>
+      </p:sp>
+      <p:pic>
+        <p:nvPicPr>
+          <p:cNvPr id="15" name="Segnaposto contenuto 4"/>
+          <p:cNvPicPr>
+            <a:picLocks noChangeAspect="1"/>
+          </p:cNvPicPr>
+          <p:nvPr/>
+        </p:nvPicPr>
+        <p:blipFill>
+          <a:blip r:embed="rId2">
+            <a:extLst>
+              <a:ext uri="{28A0092B-C50C-407E-A947-70E740481C1C}">
+                <a14:useLocalDpi xmlns:a14="http://schemas.microsoft.com/office/drawing/2010/main" val="0"/>
+              </a:ext>
+            </a:extLst>
+          </a:blip>
+          <a:stretch>
+            <a:fillRect/>
+          </a:stretch>
+        </p:blipFill>
+        <p:spPr>
+          <a:xfrm>
+            <a:off x="533400" y="1371600"/>
+            <a:ext cx="4495800" cy="4720590"/>
+          </a:xfrm>
+          <a:prstGeom prst="rect">
+            <a:avLst/>
+          </a:prstGeom>
+        </p:spPr>
+      </p:pic>
+      <p:sp>
+        <p:nvSpPr>
+          <p:cNvPr id="16" name="Rettangolo 15"/>
+          <p:cNvSpPr/>
+          <p:nvPr/>
+        </p:nvSpPr>
+        <p:spPr>
+          <a:xfrm>
+            <a:off x="3276600" y="3048000"/>
+            <a:ext cx="1981200" cy="3084493"/>
+          </a:xfrm>
+          <a:prstGeom prst="rect">
+            <a:avLst/>
+          </a:prstGeom>
+          <a:noFill/>
+          <a:ln w="50800">
+            <a:solidFill>
+              <a:srgbClr val="00B050"/>
+            </a:solidFill>
+          </a:ln>
+        </p:spPr>
+        <p:style>
+          <a:lnRef idx="2">
+            <a:schemeClr val="accent1">
+              <a:shade val="50000"/>
+            </a:schemeClr>
+          </a:lnRef>
+          <a:fillRef idx="1">
+            <a:schemeClr val="accent1"/>
+          </a:fillRef>
+          <a:effectRef idx="0">
+            <a:schemeClr val="accent1"/>
+          </a:effectRef>
+          <a:fontRef idx="minor">
+            <a:schemeClr val="lt1"/>
+          </a:fontRef>
+        </p:style>
+        <p:txBody>
+          <a:bodyPr rtlCol="0" anchor="ctr"/>
+          <a:lstStyle/>
+          <a:p>
+            <a:pPr algn="ctr"/>
+            <a:endParaRPr lang="it-IT" dirty="0"/>
+          </a:p>
+        </p:txBody>
+      </p:sp>
+      <p:sp>
+        <p:nvSpPr>
+          <p:cNvPr id="17" name="Rettangolo 16"/>
+          <p:cNvSpPr/>
+          <p:nvPr/>
+        </p:nvSpPr>
+        <p:spPr>
+          <a:xfrm>
+            <a:off x="5791200" y="1828800"/>
+            <a:ext cx="3124200" cy="1219200"/>
+          </a:xfrm>
+          <a:prstGeom prst="rect">
+            <a:avLst/>
+          </a:prstGeom>
+          <a:noFill/>
+          <a:ln w="50800">
+            <a:solidFill>
+              <a:srgbClr val="00B050"/>
+            </a:solidFill>
+          </a:ln>
+        </p:spPr>
+        <p:style>
+          <a:lnRef idx="2">
+            <a:schemeClr val="accent1">
+              <a:shade val="50000"/>
+            </a:schemeClr>
+          </a:lnRef>
+          <a:fillRef idx="1">
+            <a:schemeClr val="accent1"/>
+          </a:fillRef>
+          <a:effectRef idx="0">
+            <a:schemeClr val="accent1"/>
+          </a:effectRef>
+          <a:fontRef idx="minor">
+            <a:schemeClr val="lt1"/>
+          </a:fontRef>
+        </p:style>
+        <p:txBody>
+          <a:bodyPr rtlCol="0" anchor="ctr"/>
+          <a:lstStyle/>
+          <a:p>
+            <a:pPr algn="ctr"/>
+            <a:endParaRPr lang="it-IT" dirty="0"/>
+          </a:p>
+        </p:txBody>
+      </p:sp>
+      <p:sp>
+        <p:nvSpPr>
+          <p:cNvPr id="18" name="CasellaDiTesto 17"/>
+          <p:cNvSpPr txBox="1"/>
+          <p:nvPr/>
+        </p:nvSpPr>
+        <p:spPr>
+          <a:xfrm>
+            <a:off x="5970490" y="2203551"/>
+            <a:ext cx="3041176" cy="400110"/>
+          </a:xfrm>
+          <a:prstGeom prst="rect">
+            <a:avLst/>
+          </a:prstGeom>
+          <a:noFill/>
+        </p:spPr>
+        <p:txBody>
+          <a:bodyPr wrap="square" rtlCol="0">
+            <a:spAutoFit/>
           </a:bodyPr>
-          <a:lstStyle>
-            <a:lvl1pPr algn="ctr" defTabSz="457200" rtl="0" eaLnBrk="1" latinLnBrk="0" hangingPunct="1">
-              <a:spcBef>
-                <a:spcPct val="0"/>
-              </a:spcBef>
-              <a:buNone/>
-              <a:defRPr sz="4400" kern="1200">
-                <a:solidFill>
-                  <a:schemeClr val="tx1"/>
-                </a:solidFill>
-                <a:latin typeface="+mj-lt"/>
-                <a:ea typeface="+mj-ea"/>
-                <a:cs typeface="+mj-cs"/>
-              </a:defRPr>
-            </a:lvl1pPr>
-          </a:lstStyle>
+          <a:lstStyle/>
           <a:p>
             <a:r>
               <a:rPr lang="it-IT" sz="2000" dirty="0"/>
-              <a:t>PATH OF THE OUTPUT FOLDER</a:t>
+              <a:t>RAINFALL HEIGHT [mm]</a:t>
             </a:r>
           </a:p>
         </p:txBody>
       </p:sp>
       <p:cxnSp>
         <p:nvCxnSpPr>
-          <p:cNvPr id="7" name="Connettore 2 6"/>
+          <p:cNvPr id="19" name="Connettore 2 18"/>
           <p:cNvCxnSpPr/>
           <p:nvPr/>
         </p:nvCxnSpPr>
         <p:spPr>
-          <a:xfrm>
-            <a:off x="4314825" y="2115671"/>
-            <a:ext cx="0" cy="911464"/>
+          <a:xfrm flipH="1">
+            <a:off x="5257800" y="2403901"/>
+            <a:ext cx="533400" cy="609600"/>
           </a:xfrm>
           <a:prstGeom prst="straightConnector1">
             <a:avLst/>
           </a:prstGeom>
           <a:ln w="57150">
             <a:solidFill>
-              <a:srgbClr val="FF0000"/>
+              <a:srgbClr val="00B050"/>
             </a:solidFill>
             <a:tailEnd type="arrow"/>
           </a:ln>
@@ -9531,40 +8790,10 @@
           </a:fontRef>
         </p:style>
       </p:cxnSp>
-      <p:pic>
-        <p:nvPicPr>
-          <p:cNvPr id="3" name="Immagine 2"/>
-          <p:cNvPicPr>
-            <a:picLocks noChangeAspect="1"/>
-          </p:cNvPicPr>
-          <p:nvPr/>
-        </p:nvPicPr>
-        <p:blipFill>
-          <a:blip r:embed="rId2">
-            <a:extLst>
-              <a:ext uri="{28A0092B-C50C-407E-A947-70E740481C1C}">
-                <a14:useLocalDpi xmlns:a14="http://schemas.microsoft.com/office/drawing/2010/main" val="0"/>
-              </a:ext>
-            </a:extLst>
-          </a:blip>
-          <a:stretch>
-            <a:fillRect/>
-          </a:stretch>
-        </p:blipFill>
-        <p:spPr>
-          <a:xfrm>
-            <a:off x="2065692" y="3219420"/>
-            <a:ext cx="5369595" cy="814698"/>
-          </a:xfrm>
-          <a:prstGeom prst="rect">
-            <a:avLst/>
-          </a:prstGeom>
-        </p:spPr>
-      </p:pic>
     </p:spTree>
     <p:extLst>
       <p:ext uri="{BB962C8B-B14F-4D97-AF65-F5344CB8AC3E}">
-        <p14:creationId xmlns:p14="http://schemas.microsoft.com/office/powerpoint/2010/main" val="414435941"/>
+        <p14:creationId xmlns:p14="http://schemas.microsoft.com/office/powerpoint/2010/main" val="2231745101"/>
       </p:ext>
     </p:extLst>
   </p:cSld>
@@ -9611,7 +8840,7 @@
           </a:ln>
           <a:extLst>
             <a:ext uri="{C572A759-6A51-4108-AA02-DFA0A04FC94B}">
-              <ma14:wrappingTextBoxFlag xmlns="" xmlns:ma14="http://schemas.microsoft.com/office/mac/drawingml/2011/main" val="1"/>
+              <ma14:wrappingTextBoxFlag xmlns:ma14="http://schemas.microsoft.com/office/mac/drawingml/2011/main" xmlns="" val="1"/>
             </a:ext>
           </a:extLst>
         </p:spPr>
@@ -9674,7 +8903,7 @@
           </a:ln>
           <a:extLst>
             <a:ext uri="{C572A759-6A51-4108-AA02-DFA0A04FC94B}">
-              <ma14:wrappingTextBoxFlag xmlns="" xmlns:ma14="http://schemas.microsoft.com/office/mac/drawingml/2011/main" val="1"/>
+              <ma14:wrappingTextBoxFlag xmlns:ma14="http://schemas.microsoft.com/office/mac/drawingml/2011/main" xmlns="" val="1"/>
             </a:ext>
           </a:extLst>
         </p:spPr>
@@ -9727,7 +8956,7 @@
         <p:spPr>
           <a:xfrm>
             <a:off x="1708712" y="524867"/>
-            <a:ext cx="5726575" cy="400110"/>
+            <a:ext cx="5726575" cy="707886"/>
           </a:xfrm>
           <a:prstGeom prst="rect">
             <a:avLst/>
@@ -9742,15 +8971,137 @@
           <a:p>
             <a:pPr algn="ctr"/>
             <a:r>
-              <a:rPr lang="en-GB" sz="2000" dirty="0"/>
-              <a:t>.sim file: connect </a:t>
-            </a:r>
-          </a:p>
-        </p:txBody>
-      </p:sp>
+              <a:rPr lang="it-IT" sz="2000" dirty="0"/>
+              <a:t>INPUT FILE FOR</a:t>
+            </a:r>
+          </a:p>
+          <a:p>
+            <a:pPr algn="ctr"/>
+            <a:r>
+              <a:rPr lang="it-IT" sz="2000" dirty="0"/>
+              <a:t>THE BOTTOM BOUNDARY CONDITION</a:t>
+            </a:r>
+            <a:endParaRPr lang="en-GB" sz="2000" dirty="0"/>
+          </a:p>
+        </p:txBody>
+      </p:sp>
+      <p:sp>
+        <p:nvSpPr>
+          <p:cNvPr id="17" name="Rettangolo 16"/>
+          <p:cNvSpPr/>
+          <p:nvPr/>
+        </p:nvSpPr>
+        <p:spPr>
+          <a:xfrm>
+            <a:off x="5791200" y="1828800"/>
+            <a:ext cx="3124200" cy="1219200"/>
+          </a:xfrm>
+          <a:prstGeom prst="rect">
+            <a:avLst/>
+          </a:prstGeom>
+          <a:noFill/>
+          <a:ln w="50800">
+            <a:solidFill>
+              <a:srgbClr val="00B050"/>
+            </a:solidFill>
+          </a:ln>
+        </p:spPr>
+        <p:style>
+          <a:lnRef idx="2">
+            <a:schemeClr val="accent1">
+              <a:shade val="50000"/>
+            </a:schemeClr>
+          </a:lnRef>
+          <a:fillRef idx="1">
+            <a:schemeClr val="accent1"/>
+          </a:fillRef>
+          <a:effectRef idx="0">
+            <a:schemeClr val="accent1"/>
+          </a:effectRef>
+          <a:fontRef idx="minor">
+            <a:schemeClr val="lt1"/>
+          </a:fontRef>
+        </p:style>
+        <p:txBody>
+          <a:bodyPr rtlCol="0" anchor="ctr"/>
+          <a:lstStyle/>
+          <a:p>
+            <a:pPr algn="ctr"/>
+            <a:endParaRPr lang="it-IT" dirty="0"/>
+          </a:p>
+        </p:txBody>
+      </p:sp>
+      <p:sp>
+        <p:nvSpPr>
+          <p:cNvPr id="18" name="CasellaDiTesto 17"/>
+          <p:cNvSpPr txBox="1"/>
+          <p:nvPr/>
+        </p:nvSpPr>
+        <p:spPr>
+          <a:xfrm>
+            <a:off x="5886499" y="1990161"/>
+            <a:ext cx="3041176" cy="1323439"/>
+          </a:xfrm>
+          <a:prstGeom prst="rect">
+            <a:avLst/>
+          </a:prstGeom>
+          <a:noFill/>
+        </p:spPr>
+        <p:txBody>
+          <a:bodyPr wrap="square" rtlCol="0">
+            <a:spAutoFit/>
+          </a:bodyPr>
+          <a:lstStyle/>
+          <a:p>
+            <a:r>
+              <a:rPr lang="it-IT" sz="2000" dirty="0"/>
+              <a:t>WATER PRESSURE AT THE BOTTOM OF THE DOMAIN  [m]</a:t>
+            </a:r>
+          </a:p>
+          <a:p>
+            <a:endParaRPr lang="it-IT" sz="2000" dirty="0"/>
+          </a:p>
+        </p:txBody>
+      </p:sp>
+      <p:cxnSp>
+        <p:nvCxnSpPr>
+          <p:cNvPr id="19" name="Connettore 2 18"/>
+          <p:cNvCxnSpPr/>
+          <p:nvPr/>
+        </p:nvCxnSpPr>
+        <p:spPr>
+          <a:xfrm flipH="1">
+            <a:off x="5257800" y="2403901"/>
+            <a:ext cx="533400" cy="609600"/>
+          </a:xfrm>
+          <a:prstGeom prst="straightConnector1">
+            <a:avLst/>
+          </a:prstGeom>
+          <a:ln w="57150">
+            <a:solidFill>
+              <a:srgbClr val="00B050"/>
+            </a:solidFill>
+            <a:tailEnd type="arrow"/>
+          </a:ln>
+        </p:spPr>
+        <p:style>
+          <a:lnRef idx="1">
+            <a:schemeClr val="accent1"/>
+          </a:lnRef>
+          <a:fillRef idx="0">
+            <a:schemeClr val="accent1"/>
+          </a:fillRef>
+          <a:effectRef idx="0">
+            <a:schemeClr val="accent1"/>
+          </a:effectRef>
+          <a:fontRef idx="minor">
+            <a:schemeClr val="tx1"/>
+          </a:fontRef>
+        </p:style>
+      </p:cxnSp>
       <p:pic>
         <p:nvPicPr>
-          <p:cNvPr id="3" name="Immagine 2"/>
+          <p:cNvPr id="10" name="Segnaposto contenuto 4"/>
           <p:cNvPicPr>
             <a:picLocks noChangeAspect="1"/>
           </p:cNvPicPr>
@@ -9770,18 +9121,64 @@
         </p:blipFill>
         <p:spPr>
           <a:xfrm>
-            <a:off x="1054756" y="1344706"/>
-            <a:ext cx="7103126" cy="4209261"/>
+            <a:off x="685800" y="1828800"/>
+            <a:ext cx="4257833" cy="4025261"/>
           </a:xfrm>
           <a:prstGeom prst="rect">
             <a:avLst/>
           </a:prstGeom>
         </p:spPr>
       </p:pic>
+      <p:sp>
+        <p:nvSpPr>
+          <p:cNvPr id="16" name="Rettangolo 15"/>
+          <p:cNvSpPr/>
+          <p:nvPr/>
+        </p:nvSpPr>
+        <p:spPr>
+          <a:xfrm>
+            <a:off x="3276600" y="3048000"/>
+            <a:ext cx="1981200" cy="3084493"/>
+          </a:xfrm>
+          <a:prstGeom prst="rect">
+            <a:avLst/>
+          </a:prstGeom>
+          <a:noFill/>
+          <a:ln w="50800">
+            <a:solidFill>
+              <a:srgbClr val="00B050"/>
+            </a:solidFill>
+          </a:ln>
+        </p:spPr>
+        <p:style>
+          <a:lnRef idx="2">
+            <a:schemeClr val="accent1">
+              <a:shade val="50000"/>
+            </a:schemeClr>
+          </a:lnRef>
+          <a:fillRef idx="1">
+            <a:schemeClr val="accent1"/>
+          </a:fillRef>
+          <a:effectRef idx="0">
+            <a:schemeClr val="accent1"/>
+          </a:effectRef>
+          <a:fontRef idx="minor">
+            <a:schemeClr val="lt1"/>
+          </a:fontRef>
+        </p:style>
+        <p:txBody>
+          <a:bodyPr rtlCol="0" anchor="ctr"/>
+          <a:lstStyle/>
+          <a:p>
+            <a:pPr algn="ctr"/>
+            <a:endParaRPr lang="it-IT" dirty="0"/>
+          </a:p>
+        </p:txBody>
+      </p:sp>
     </p:spTree>
     <p:extLst>
       <p:ext uri="{BB962C8B-B14F-4D97-AF65-F5344CB8AC3E}">
-        <p14:creationId xmlns:p14="http://schemas.microsoft.com/office/powerpoint/2010/main" val="4270181486"/>
+        <p14:creationId xmlns:p14="http://schemas.microsoft.com/office/powerpoint/2010/main" val="3893143138"/>
       </p:ext>
     </p:extLst>
   </p:cSld>
@@ -9809,9 +9206,69 @@
           <a:chExt cx="0" cy="0"/>
         </a:xfrm>
       </p:grpSpPr>
-      <p:sp>
-        <p:nvSpPr>
-          <p:cNvPr id="154" name="Shape 154"/>
+      <p:pic>
+        <p:nvPicPr>
+          <p:cNvPr id="390" name="image.png"/>
+          <p:cNvPicPr>
+            <a:picLocks/>
+          </p:cNvPicPr>
+          <p:nvPr/>
+        </p:nvPicPr>
+        <p:blipFill>
+          <a:blip r:embed="rId2">
+            <a:extLst/>
+          </a:blip>
+          <a:stretch>
+            <a:fillRect/>
+          </a:stretch>
+        </p:blipFill>
+        <p:spPr>
+          <a:xfrm>
+            <a:off x="3036094" y="2091222"/>
+            <a:ext cx="3071813" cy="2955727"/>
+          </a:xfrm>
+          <a:prstGeom prst="rect">
+            <a:avLst/>
+          </a:prstGeom>
+          <a:ln w="12700">
+            <a:miter lim="400000"/>
+          </a:ln>
+        </p:spPr>
+      </p:pic>
+      <p:sp>
+        <p:nvSpPr>
+          <p:cNvPr id="391" name="Shape 391"/>
+          <p:cNvSpPr>
+            <a:spLocks noGrp="1"/>
+          </p:cNvSpPr>
+          <p:nvPr>
+            <p:ph type="sldNum" sz="quarter" idx="2"/>
+          </p:nvPr>
+        </p:nvSpPr>
+        <p:spPr>
+          <a:prstGeom prst="rect">
+            <a:avLst/>
+          </a:prstGeom>
+          <a:extLst>
+            <a:ext uri="{C572A759-6A51-4108-AA02-DFA0A04FC94B}">
+              <ma14:wrappingTextBoxFlag xmlns:ma14="http://schemas.microsoft.com/office/mac/drawingml/2011/main" xmlns="" val="1"/>
+            </a:ext>
+          </a:extLst>
+        </p:spPr>
+        <p:txBody>
+          <a:bodyPr/>
+          <a:lstStyle/>
+          <a:p>
+            <a:fld id="{86CB4B4D-7CA3-9044-876B-883B54F8677D}" type="slidenum">
+              <a:t>27</a:t>
+            </a:fld>
+            <a:endParaRPr/>
+          </a:p>
+        </p:txBody>
+      </p:sp>
+      <p:sp>
+        <p:nvSpPr>
+          <p:cNvPr id="392" name="Shape 392"/>
           <p:cNvSpPr/>
           <p:nvPr/>
         </p:nvSpPr>
@@ -9828,7 +9285,7 @@
           </a:ln>
           <a:extLst>
             <a:ext uri="{C572A759-6A51-4108-AA02-DFA0A04FC94B}">
-              <ma14:wrappingTextBoxFlag xmlns="" xmlns:ma14="http://schemas.microsoft.com/office/mac/drawingml/2011/main" val="1"/>
+              <ma14:wrappingTextBoxFlag xmlns:ma14="http://schemas.microsoft.com/office/mac/drawingml/2011/main" xmlns="" val="1"/>
             </a:ext>
           </a:extLst>
         </p:spPr>
@@ -9864,24 +9321,23 @@
             </a:lvl1pPr>
           </a:lstStyle>
           <a:p>
-            <a:pPr algn="just"/>
-            <a:r>
-              <a:rPr lang="en-US" dirty="0"/>
-              <a:t>Solving Richards’ equation with OMS console</a:t>
-            </a:r>
-          </a:p>
-        </p:txBody>
-      </p:sp>
-      <p:sp>
-        <p:nvSpPr>
-          <p:cNvPr id="14" name="Shape 154"/>
+            <a:r>
+              <a:rPr dirty="0"/>
+              <a:t>Thank you for your attention !</a:t>
+            </a:r>
+          </a:p>
+        </p:txBody>
+      </p:sp>
+      <p:sp>
+        <p:nvSpPr>
+          <p:cNvPr id="393" name="Shape 393"/>
           <p:cNvSpPr/>
           <p:nvPr/>
         </p:nvSpPr>
         <p:spPr>
-          <a:xfrm>
-            <a:off x="1049289" y="6508869"/>
-            <a:ext cx="2354957" cy="349131"/>
+          <a:xfrm rot="16199996">
+            <a:off x="1625204" y="3642598"/>
+            <a:ext cx="2473524" cy="223243"/>
           </a:xfrm>
           <a:prstGeom prst="rect">
             <a:avLst/>
@@ -9891,7 +9347,66 @@
           </a:ln>
           <a:extLst>
             <a:ext uri="{C572A759-6A51-4108-AA02-DFA0A04FC94B}">
-              <ma14:wrappingTextBoxFlag xmlns="" xmlns:ma14="http://schemas.microsoft.com/office/mac/drawingml/2011/main" val="1"/>
+              <ma14:wrappingTextBoxFlag xmlns:ma14="http://schemas.microsoft.com/office/mac/drawingml/2011/main" xmlns="" val="1"/>
+            </a:ext>
+          </a:extLst>
+        </p:spPr>
+        <p:txBody>
+          <a:bodyPr lIns="35717" tIns="35717" rIns="35717" bIns="35717"/>
+          <a:lstStyle>
+            <a:lvl1pPr algn="l" defTabSz="647700">
+              <a:tabLst>
+                <a:tab pos="355600" algn="l"/>
+                <a:tab pos="711200" algn="l"/>
+                <a:tab pos="1079500" algn="l"/>
+                <a:tab pos="1435100" algn="l"/>
+                <a:tab pos="1790700" algn="l"/>
+                <a:tab pos="2159000" algn="l"/>
+                <a:tab pos="2514600" algn="l"/>
+                <a:tab pos="2870200" algn="l"/>
+                <a:tab pos="3238500" algn="l"/>
+                <a:tab pos="3594100" algn="l"/>
+                <a:tab pos="3949700" algn="l"/>
+                <a:tab pos="4318000" algn="l"/>
+              </a:tabLst>
+              <a:defRPr sz="1000">
+                <a:solidFill>
+                  <a:srgbClr val="000000"/>
+                </a:solidFill>
+                <a:latin typeface="Lucida Bright"/>
+                <a:ea typeface="Lucida Bright"/>
+                <a:cs typeface="Lucida Bright"/>
+                <a:sym typeface="Lucida Bright"/>
+              </a:defRPr>
+            </a:lvl1pPr>
+          </a:lstStyle>
+          <a:p>
+            <a:r>
+              <a:t>G.Ulrici - 2000 ?</a:t>
+            </a:r>
+          </a:p>
+        </p:txBody>
+      </p:sp>
+      <p:sp>
+        <p:nvSpPr>
+          <p:cNvPr id="6" name="Shape 154"/>
+          <p:cNvSpPr/>
+          <p:nvPr/>
+        </p:nvSpPr>
+        <p:spPr>
+          <a:xfrm>
+            <a:off x="1049289" y="6508869"/>
+            <a:ext cx="2354957" cy="349131"/>
+          </a:xfrm>
+          <a:prstGeom prst="rect">
+            <a:avLst/>
+          </a:prstGeom>
+          <a:ln w="12700">
+            <a:miter lim="400000"/>
+          </a:ln>
+          <a:extLst>
+            <a:ext uri="{C572A759-6A51-4108-AA02-DFA0A04FC94B}">
+              <ma14:wrappingTextBoxFlag xmlns:ma14="http://schemas.microsoft.com/office/mac/drawingml/2011/main" xmlns="" val="1"/>
             </a:ext>
           </a:extLst>
         </p:spPr>
@@ -9935,78 +9450,10 @@
           </a:p>
         </p:txBody>
       </p:sp>
-      <p:sp>
-        <p:nvSpPr>
-          <p:cNvPr id="2" name="CasellaDiTesto 1"/>
-          <p:cNvSpPr txBox="1"/>
-          <p:nvPr/>
-        </p:nvSpPr>
-        <p:spPr>
-          <a:xfrm>
-            <a:off x="1708712" y="524867"/>
-            <a:ext cx="5726575" cy="707886"/>
-          </a:xfrm>
-          <a:prstGeom prst="rect">
-            <a:avLst/>
-          </a:prstGeom>
-          <a:noFill/>
-        </p:spPr>
-        <p:txBody>
-          <a:bodyPr wrap="square" rtlCol="0">
-            <a:spAutoFit/>
-          </a:bodyPr>
-          <a:lstStyle/>
-          <a:p>
-            <a:pPr algn="ctr"/>
-            <a:r>
-              <a:rPr lang="it-IT" sz="2000" dirty="0"/>
-              <a:t>INPUT FILE FOR</a:t>
-            </a:r>
-            <a:br>
-              <a:rPr lang="it-IT" sz="2000" dirty="0"/>
-            </a:br>
-            <a:r>
-              <a:rPr lang="it-IT" sz="2000" dirty="0"/>
-              <a:t>THE INITIAL CONDITION</a:t>
-            </a:r>
-            <a:endParaRPr lang="en-GB" sz="2000" dirty="0"/>
-          </a:p>
-        </p:txBody>
-      </p:sp>
-      <p:pic>
-        <p:nvPicPr>
-          <p:cNvPr id="4" name="Immagine 3"/>
-          <p:cNvPicPr>
-            <a:picLocks noChangeAspect="1"/>
-          </p:cNvPicPr>
-          <p:nvPr/>
-        </p:nvPicPr>
-        <p:blipFill>
-          <a:blip r:embed="rId2">
-            <a:extLst>
-              <a:ext uri="{28A0092B-C50C-407E-A947-70E740481C1C}">
-                <a14:useLocalDpi xmlns:a14="http://schemas.microsoft.com/office/drawing/2010/main" val="0"/>
-              </a:ext>
-            </a:extLst>
-          </a:blip>
-          <a:stretch>
-            <a:fillRect/>
-          </a:stretch>
-        </p:blipFill>
-        <p:spPr>
-          <a:xfrm>
-            <a:off x="3101787" y="1535869"/>
-            <a:ext cx="2940423" cy="4615575"/>
-          </a:xfrm>
-          <a:prstGeom prst="rect">
-            <a:avLst/>
-          </a:prstGeom>
-        </p:spPr>
-      </p:pic>
     </p:spTree>
     <p:extLst>
       <p:ext uri="{BB962C8B-B14F-4D97-AF65-F5344CB8AC3E}">
-        <p14:creationId xmlns:p14="http://schemas.microsoft.com/office/powerpoint/2010/main" val="187457067"/>
+        <p14:creationId xmlns:p14="http://schemas.microsoft.com/office/powerpoint/2010/main" val="4211586092"/>
       </p:ext>
     </p:extLst>
   </p:cSld>
@@ -10017,7 +9464,7 @@
 </p:sld>
 </file>
 
-<file path=ppt/slides/slide28.xml><?xml version="1.0" encoding="utf-8"?>
+<file path=ppt/slides/slide3.xml><?xml version="1.0" encoding="utf-8"?>
 <p:sld xmlns:a="http://schemas.openxmlformats.org/drawingml/2006/main" xmlns:r="http://schemas.openxmlformats.org/officeDocument/2006/relationships" xmlns:p="http://schemas.openxmlformats.org/presentationml/2006/main">
   <p:cSld>
     <p:spTree>
@@ -10053,7 +9500,7 @@
           </a:ln>
           <a:extLst>
             <a:ext uri="{C572A759-6A51-4108-AA02-DFA0A04FC94B}">
-              <ma14:wrappingTextBoxFlag xmlns="" xmlns:ma14="http://schemas.microsoft.com/office/mac/drawingml/2011/main" val="1"/>
+              <ma14:wrappingTextBoxFlag xmlns:ma14="http://schemas.microsoft.com/office/mac/drawingml/2011/main" xmlns="" val="1"/>
             </a:ext>
           </a:extLst>
         </p:spPr>
@@ -10116,7 +9563,7 @@
           </a:ln>
           <a:extLst>
             <a:ext uri="{C572A759-6A51-4108-AA02-DFA0A04FC94B}">
-              <ma14:wrappingTextBoxFlag xmlns="" xmlns:ma14="http://schemas.microsoft.com/office/mac/drawingml/2011/main" val="1"/>
+              <ma14:wrappingTextBoxFlag xmlns:ma14="http://schemas.microsoft.com/office/mac/drawingml/2011/main" xmlns="" val="1"/>
             </a:ext>
           </a:extLst>
         </p:spPr>
@@ -10169,7 +9616,7 @@
         <p:spPr>
           <a:xfrm>
             <a:off x="1708712" y="524867"/>
-            <a:ext cx="5726575" cy="707886"/>
+            <a:ext cx="5726575" cy="1015663"/>
           </a:xfrm>
           <a:prstGeom prst="rect">
             <a:avLst/>
@@ -10184,30 +9631,86 @@
           <a:p>
             <a:pPr algn="ctr"/>
             <a:r>
+              <a:rPr lang="en-GB" sz="2000" dirty="0"/>
+              <a:t>.sim file</a:t>
+            </a:r>
+          </a:p>
+          <a:p>
+            <a:pPr algn="ctr"/>
+            <a:endParaRPr lang="it-IT" sz="2000" dirty="0"/>
+          </a:p>
+          <a:p>
+            <a:pPr algn="ctr"/>
+            <a:r>
               <a:rPr lang="it-IT" sz="2000" dirty="0"/>
-              <a:t>INPUT FILE FOR</a:t>
-            </a:r>
-            <a:br>
+              <a:t>DATE FORMAT:  </a:t>
+            </a:r>
+            <a:r>
+              <a:rPr lang="it-IT" sz="2000" dirty="0" err="1"/>
+              <a:t>yyyy</a:t>
+            </a:r>
+            <a:r>
               <a:rPr lang="it-IT" sz="2000" dirty="0"/>
-            </a:br>
+              <a:t>-MM-</a:t>
+            </a:r>
+            <a:r>
+              <a:rPr lang="it-IT" sz="2000" dirty="0" err="1"/>
+              <a:t>dd</a:t>
+            </a:r>
             <a:r>
               <a:rPr lang="it-IT" sz="2000" dirty="0"/>
-              <a:t>THE INITIAL CONDITION</a:t>
-            </a:r>
-            <a:endParaRPr lang="en-GB" sz="2000" dirty="0"/>
-          </a:p>
-        </p:txBody>
-      </p:sp>
-      <p:sp>
-        <p:nvSpPr>
-          <p:cNvPr id="15" name="CasellaDiTesto 14"/>
+              <a:t> </a:t>
+            </a:r>
+            <a:r>
+              <a:rPr lang="it-IT" sz="2000" dirty="0" err="1"/>
+              <a:t>HH:mm</a:t>
+            </a:r>
+            <a:endParaRPr lang="it-IT" sz="2000" dirty="0"/>
+          </a:p>
+        </p:txBody>
+      </p:sp>
+      <p:pic>
+        <p:nvPicPr>
+          <p:cNvPr id="5" name="Immagine 4"/>
+          <p:cNvPicPr>
+            <a:picLocks noChangeAspect="1"/>
+          </p:cNvPicPr>
+          <p:nvPr/>
+        </p:nvPicPr>
+        <p:blipFill rotWithShape="1">
+          <a:blip r:embed="rId2">
+            <a:extLst>
+              <a:ext uri="{28A0092B-C50C-407E-A947-70E740481C1C}">
+                <a14:useLocalDpi xmlns:a14="http://schemas.microsoft.com/office/drawing/2010/main" val="0"/>
+              </a:ext>
+            </a:extLst>
+          </a:blip>
+          <a:srcRect b="10600"/>
+          <a:stretch/>
+        </p:blipFill>
+        <p:spPr>
+          <a:xfrm>
+            <a:off x="237565" y="1965176"/>
+            <a:ext cx="5553329" cy="2625298"/>
+          </a:xfrm>
+          <a:prstGeom prst="rect">
+            <a:avLst/>
+          </a:prstGeom>
+          <a:ln>
+            <a:noFill/>
+          </a:ln>
+        </p:spPr>
+      </p:pic>
+      <p:sp>
+        <p:nvSpPr>
+          <p:cNvPr id="6" name="CasellaDiTesto 5"/>
           <p:cNvSpPr txBox="1"/>
           <p:nvPr/>
         </p:nvSpPr>
         <p:spPr>
           <a:xfrm>
-            <a:off x="228600" y="1905000"/>
-            <a:ext cx="7315200" cy="1692771"/>
+            <a:off x="6104965" y="2498576"/>
+            <a:ext cx="2438400" cy="461665"/>
           </a:xfrm>
           <a:prstGeom prst="rect">
             <a:avLst/>
@@ -10220,56 +9723,23 @@
           </a:bodyPr>
           <a:lstStyle/>
           <a:p>
-            <a:pPr algn="just"/>
-            <a:r>
-              <a:rPr lang="it-IT" sz="2000" dirty="0"/>
-              <a:t>THE FIRST LINE REFERS TO THE DEEPEST LAYER.</a:t>
-            </a:r>
-          </a:p>
-          <a:p>
-            <a:pPr algn="just"/>
-            <a:endParaRPr lang="it-IT" sz="2000" dirty="0"/>
-          </a:p>
-          <a:p>
-            <a:pPr algn="just"/>
-            <a:r>
-              <a:rPr lang="it-IT" sz="2000" dirty="0"/>
-              <a:t>THE DEPTH OF THE DEEPEST LAYER IS ALWAYS SMALLER THAN  </a:t>
-            </a:r>
-            <a:r>
-              <a:rPr lang="it-IT" sz="2000" i="1" dirty="0" err="1">
-                <a:solidFill>
-                  <a:srgbClr val="0070C0"/>
-                </a:solidFill>
-              </a:rPr>
-              <a:t>spaceBottom</a:t>
-            </a:r>
-            <a:endParaRPr lang="it-IT" sz="2000" i="1" dirty="0">
-              <a:solidFill>
-                <a:srgbClr val="0070C0"/>
-              </a:solidFill>
-            </a:endParaRPr>
-          </a:p>
-          <a:p>
-            <a:pPr algn="just"/>
-            <a:endParaRPr lang="it-IT" sz="2400" i="1" dirty="0">
-              <a:solidFill>
-                <a:srgbClr val="0070C0"/>
-              </a:solidFill>
-            </a:endParaRPr>
-          </a:p>
-        </p:txBody>
-      </p:sp>
-      <p:sp>
-        <p:nvSpPr>
-          <p:cNvPr id="16" name="CasellaDiTesto 15"/>
+            <a:r>
+              <a:rPr lang="it-IT" sz="2400" dirty="0"/>
+              <a:t>START DATE</a:t>
+            </a:r>
+          </a:p>
+        </p:txBody>
+      </p:sp>
+      <p:sp>
+        <p:nvSpPr>
+          <p:cNvPr id="7" name="CasellaDiTesto 6"/>
           <p:cNvSpPr txBox="1"/>
           <p:nvPr/>
         </p:nvSpPr>
         <p:spPr>
           <a:xfrm>
-            <a:off x="1976651" y="4267200"/>
-            <a:ext cx="6858000" cy="1323439"/>
+            <a:off x="6104965" y="3336776"/>
+            <a:ext cx="2438400" cy="461665"/>
           </a:xfrm>
           <a:prstGeom prst="rect">
             <a:avLst/>
@@ -10282,41 +9752,171 @@
           </a:bodyPr>
           <a:lstStyle/>
           <a:p>
-            <a:pPr algn="just"/>
-            <a:r>
-              <a:rPr lang="it-IT" sz="2000" dirty="0"/>
-              <a:t>THE LAST LINE REFERS TO THE UPPERMOST LAYER.  </a:t>
-            </a:r>
-          </a:p>
-          <a:p>
-            <a:pPr algn="just"/>
-            <a:endParaRPr lang="it-IT" sz="2000" dirty="0"/>
-          </a:p>
-          <a:p>
-            <a:pPr algn="just"/>
-            <a:r>
-              <a:rPr lang="it-IT" sz="2000" dirty="0"/>
-              <a:t>THIS DEPTH IS ALWAYS GRATER THAN </a:t>
-            </a:r>
-            <a:r>
-              <a:rPr lang="it-IT" sz="2000" i="1" dirty="0">
-                <a:solidFill>
-                  <a:srgbClr val="0070C0"/>
-                </a:solidFill>
-              </a:rPr>
-              <a:t>0m</a:t>
-            </a:r>
-          </a:p>
-          <a:p>
-            <a:pPr algn="just"/>
-            <a:endParaRPr lang="it-IT" sz="2000" dirty="0"/>
-          </a:p>
-        </p:txBody>
-      </p:sp>
+            <a:r>
+              <a:rPr lang="it-IT" sz="2400" dirty="0"/>
+              <a:t>END DATE</a:t>
+            </a:r>
+            <a:endParaRPr lang="it-IT" dirty="0"/>
+          </a:p>
+        </p:txBody>
+      </p:sp>
+      <p:sp>
+        <p:nvSpPr>
+          <p:cNvPr id="8" name="CasellaDiTesto 7"/>
+          <p:cNvSpPr txBox="1"/>
+          <p:nvPr/>
+        </p:nvSpPr>
+        <p:spPr>
+          <a:xfrm>
+            <a:off x="6104965" y="4174976"/>
+            <a:ext cx="3352799" cy="830997"/>
+          </a:xfrm>
+          <a:prstGeom prst="rect">
+            <a:avLst/>
+          </a:prstGeom>
+          <a:noFill/>
+        </p:spPr>
+        <p:txBody>
+          <a:bodyPr wrap="square" rtlCol="0">
+            <a:spAutoFit/>
+          </a:bodyPr>
+          <a:lstStyle/>
+          <a:p>
+            <a:r>
+              <a:rPr lang="it-IT" sz="2400" dirty="0"/>
+              <a:t>TIME STEP </a:t>
+            </a:r>
+          </a:p>
+          <a:p>
+            <a:r>
+              <a:rPr lang="it-IT" sz="2400" dirty="0"/>
+              <a:t>     </a:t>
+            </a:r>
+            <a:r>
+              <a:rPr lang="it-IT" sz="2400" dirty="0" err="1"/>
+              <a:t>expressed</a:t>
+            </a:r>
+            <a:r>
+              <a:rPr lang="it-IT" sz="2400" dirty="0"/>
+              <a:t> in minutes</a:t>
+            </a:r>
+          </a:p>
+        </p:txBody>
+      </p:sp>
+      <p:cxnSp>
+        <p:nvCxnSpPr>
+          <p:cNvPr id="12" name="Connettore 2 11"/>
+          <p:cNvCxnSpPr>
+            <a:stCxn id="6" idx="1"/>
+          </p:cNvCxnSpPr>
+          <p:nvPr/>
+        </p:nvCxnSpPr>
+        <p:spPr>
+          <a:xfrm flipH="1">
+            <a:off x="4571999" y="2729409"/>
+            <a:ext cx="1532966" cy="0"/>
+          </a:xfrm>
+          <a:prstGeom prst="straightConnector1">
+            <a:avLst/>
+          </a:prstGeom>
+          <a:ln w="57150">
+            <a:solidFill>
+              <a:srgbClr val="FF0000"/>
+            </a:solidFill>
+            <a:tailEnd type="arrow"/>
+          </a:ln>
+        </p:spPr>
+        <p:style>
+          <a:lnRef idx="1">
+            <a:schemeClr val="accent1"/>
+          </a:lnRef>
+          <a:fillRef idx="0">
+            <a:schemeClr val="accent1"/>
+          </a:fillRef>
+          <a:effectRef idx="0">
+            <a:schemeClr val="accent1"/>
+          </a:effectRef>
+          <a:fontRef idx="minor">
+            <a:schemeClr val="tx1"/>
+          </a:fontRef>
+        </p:style>
+      </p:cxnSp>
+      <p:cxnSp>
+        <p:nvCxnSpPr>
+          <p:cNvPr id="15" name="Connettore 2 14"/>
+          <p:cNvCxnSpPr/>
+          <p:nvPr/>
+        </p:nvCxnSpPr>
+        <p:spPr>
+          <a:xfrm flipH="1">
+            <a:off x="4563038" y="3545182"/>
+            <a:ext cx="1532966" cy="0"/>
+          </a:xfrm>
+          <a:prstGeom prst="straightConnector1">
+            <a:avLst/>
+          </a:prstGeom>
+          <a:ln w="57150">
+            <a:solidFill>
+              <a:srgbClr val="FF0000"/>
+            </a:solidFill>
+            <a:tailEnd type="arrow"/>
+          </a:ln>
+        </p:spPr>
+        <p:style>
+          <a:lnRef idx="1">
+            <a:schemeClr val="accent1"/>
+          </a:lnRef>
+          <a:fillRef idx="0">
+            <a:schemeClr val="accent1"/>
+          </a:fillRef>
+          <a:effectRef idx="0">
+            <a:schemeClr val="accent1"/>
+          </a:effectRef>
+          <a:fontRef idx="minor">
+            <a:schemeClr val="tx1"/>
+          </a:fontRef>
+        </p:style>
+      </p:cxnSp>
+      <p:cxnSp>
+        <p:nvCxnSpPr>
+          <p:cNvPr id="16" name="Connettore 2 15"/>
+          <p:cNvCxnSpPr/>
+          <p:nvPr/>
+        </p:nvCxnSpPr>
+        <p:spPr>
+          <a:xfrm flipH="1">
+            <a:off x="5504329" y="4405774"/>
+            <a:ext cx="663392" cy="0"/>
+          </a:xfrm>
+          <a:prstGeom prst="straightConnector1">
+            <a:avLst/>
+          </a:prstGeom>
+          <a:ln w="57150">
+            <a:solidFill>
+              <a:srgbClr val="FF0000"/>
+            </a:solidFill>
+            <a:tailEnd type="arrow"/>
+          </a:ln>
+        </p:spPr>
+        <p:style>
+          <a:lnRef idx="1">
+            <a:schemeClr val="accent1"/>
+          </a:lnRef>
+          <a:fillRef idx="0">
+            <a:schemeClr val="accent1"/>
+          </a:fillRef>
+          <a:effectRef idx="0">
+            <a:schemeClr val="accent1"/>
+          </a:effectRef>
+          <a:fontRef idx="minor">
+            <a:schemeClr val="tx1"/>
+          </a:fontRef>
+        </p:style>
+      </p:cxnSp>
     </p:spTree>
     <p:extLst>
       <p:ext uri="{BB962C8B-B14F-4D97-AF65-F5344CB8AC3E}">
-        <p14:creationId xmlns:p14="http://schemas.microsoft.com/office/powerpoint/2010/main" val="1606213145"/>
+        <p14:creationId xmlns:p14="http://schemas.microsoft.com/office/powerpoint/2010/main" val="280920713"/>
       </p:ext>
     </p:extLst>
   </p:cSld>
@@ -10327,7 +9927,7 @@
 </p:sld>
 </file>
 
-<file path=ppt/slides/slide29.xml><?xml version="1.0" encoding="utf-8"?>
+<file path=ppt/slides/slide4.xml><?xml version="1.0" encoding="utf-8"?>
 <p:sld xmlns:a="http://schemas.openxmlformats.org/drawingml/2006/main" xmlns:r="http://schemas.openxmlformats.org/officeDocument/2006/relationships" xmlns:p="http://schemas.openxmlformats.org/presentationml/2006/main">
   <p:cSld>
     <p:spTree>
@@ -10363,7 +9963,7 @@
           </a:ln>
           <a:extLst>
             <a:ext uri="{C572A759-6A51-4108-AA02-DFA0A04FC94B}">
-              <ma14:wrappingTextBoxFlag xmlns="" xmlns:ma14="http://schemas.microsoft.com/office/mac/drawingml/2011/main" val="1"/>
+              <ma14:wrappingTextBoxFlag xmlns:ma14="http://schemas.microsoft.com/office/mac/drawingml/2011/main" xmlns="" val="1"/>
             </a:ext>
           </a:extLst>
         </p:spPr>
@@ -10426,4587 +10026,7 @@
           </a:ln>
           <a:extLst>
             <a:ext uri="{C572A759-6A51-4108-AA02-DFA0A04FC94B}">
-              <ma14:wrappingTextBoxFlag xmlns="" xmlns:ma14="http://schemas.microsoft.com/office/mac/drawingml/2011/main" val="1"/>
-            </a:ext>
-          </a:extLst>
-        </p:spPr>
-        <p:txBody>
-          <a:bodyPr wrap="square" lIns="35717" tIns="35717" rIns="35717" bIns="35717">
-            <a:spAutoFit/>
-          </a:bodyPr>
-          <a:lstStyle>
-            <a:lvl1pPr algn="l" defTabSz="647700">
-              <a:tabLst>
-                <a:tab pos="355600" algn="l"/>
-                <a:tab pos="711200" algn="l"/>
-                <a:tab pos="1079500" algn="l"/>
-                <a:tab pos="1435100" algn="l"/>
-                <a:tab pos="1790700" algn="l"/>
-                <a:tab pos="2159000" algn="l"/>
-                <a:tab pos="2514600" algn="l"/>
-                <a:tab pos="2870200" algn="l"/>
-                <a:tab pos="3238500" algn="l"/>
-                <a:tab pos="3594100" algn="l"/>
-                <a:tab pos="3949700" algn="l"/>
-                <a:tab pos="4318000" algn="l"/>
-              </a:tabLst>
-              <a:defRPr sz="1800">
-                <a:solidFill>
-                  <a:srgbClr val="F1FEF6"/>
-                </a:solidFill>
-                <a:latin typeface="Lucida Bright"/>
-                <a:ea typeface="Lucida Bright"/>
-                <a:cs typeface="Lucida Bright"/>
-                <a:sym typeface="Lucida Bright"/>
-              </a:defRPr>
-            </a:lvl1pPr>
-          </a:lstStyle>
-          <a:p>
-            <a:r>
-              <a:rPr lang="it-IT" dirty="0"/>
-              <a:t> &amp;  N. Tubini</a:t>
-            </a:r>
-            <a:endParaRPr dirty="0"/>
-          </a:p>
-        </p:txBody>
-      </p:sp>
-      <p:sp>
-        <p:nvSpPr>
-          <p:cNvPr id="2" name="CasellaDiTesto 1"/>
-          <p:cNvSpPr txBox="1"/>
-          <p:nvPr/>
-        </p:nvSpPr>
-        <p:spPr>
-          <a:xfrm>
-            <a:off x="1708712" y="524867"/>
-            <a:ext cx="5726575" cy="707886"/>
-          </a:xfrm>
-          <a:prstGeom prst="rect">
-            <a:avLst/>
-          </a:prstGeom>
-          <a:noFill/>
-        </p:spPr>
-        <p:txBody>
-          <a:bodyPr wrap="square" rtlCol="0">
-            <a:spAutoFit/>
-          </a:bodyPr>
-          <a:lstStyle/>
-          <a:p>
-            <a:pPr algn="ctr"/>
-            <a:r>
-              <a:rPr lang="it-IT" sz="2000" dirty="0"/>
-              <a:t>INPUT FILE FOR</a:t>
-            </a:r>
-            <a:br>
-              <a:rPr lang="it-IT" sz="2000" dirty="0"/>
-            </a:br>
-            <a:r>
-              <a:rPr lang="it-IT" sz="2000" dirty="0"/>
-              <a:t>THE SOURCE/SINK TERM</a:t>
-            </a:r>
-            <a:endParaRPr lang="en-GB" sz="2000" dirty="0"/>
-          </a:p>
-        </p:txBody>
-      </p:sp>
-      <p:pic>
-        <p:nvPicPr>
-          <p:cNvPr id="3" name="Immagine 2"/>
-          <p:cNvPicPr>
-            <a:picLocks noChangeAspect="1"/>
-          </p:cNvPicPr>
-          <p:nvPr/>
-        </p:nvPicPr>
-        <p:blipFill>
-          <a:blip r:embed="rId2">
-            <a:extLst>
-              <a:ext uri="{28A0092B-C50C-407E-A947-70E740481C1C}">
-                <a14:useLocalDpi xmlns:a14="http://schemas.microsoft.com/office/drawing/2010/main" val="0"/>
-              </a:ext>
-            </a:extLst>
-          </a:blip>
-          <a:stretch>
-            <a:fillRect/>
-          </a:stretch>
-        </p:blipFill>
-        <p:spPr>
-          <a:xfrm>
-            <a:off x="3623337" y="1389597"/>
-            <a:ext cx="2221651" cy="4921572"/>
-          </a:xfrm>
-          <a:prstGeom prst="rect">
-            <a:avLst/>
-          </a:prstGeom>
-        </p:spPr>
-      </p:pic>
-    </p:spTree>
-    <p:extLst>
-      <p:ext uri="{BB962C8B-B14F-4D97-AF65-F5344CB8AC3E}">
-        <p14:creationId xmlns:p14="http://schemas.microsoft.com/office/powerpoint/2010/main" val="1491247893"/>
-      </p:ext>
-    </p:extLst>
-  </p:cSld>
-  <p:clrMapOvr>
-    <a:masterClrMapping/>
-  </p:clrMapOvr>
-  <p:transition spd="med"/>
-</p:sld>
-</file>
-
-<file path=ppt/slides/slide3.xml><?xml version="1.0" encoding="utf-8"?>
-<p:sld xmlns:a="http://schemas.openxmlformats.org/drawingml/2006/main" xmlns:r="http://schemas.openxmlformats.org/officeDocument/2006/relationships" xmlns:p="http://schemas.openxmlformats.org/presentationml/2006/main">
-  <p:cSld>
-    <p:spTree>
-      <p:nvGrpSpPr>
-        <p:cNvPr id="1" name=""/>
-        <p:cNvGrpSpPr/>
-        <p:nvPr/>
-      </p:nvGrpSpPr>
-      <p:grpSpPr>
-        <a:xfrm>
-          <a:off x="0" y="0"/>
-          <a:ext cx="0" cy="0"/>
-          <a:chOff x="0" y="0"/>
-          <a:chExt cx="0" cy="0"/>
-        </a:xfrm>
-      </p:grpSpPr>
-      <p:sp>
-        <p:nvSpPr>
-          <p:cNvPr id="154" name="Shape 154"/>
-          <p:cNvSpPr/>
-          <p:nvPr/>
-        </p:nvSpPr>
-        <p:spPr>
-          <a:xfrm>
-            <a:off x="0" y="-8930"/>
-            <a:ext cx="7563445" cy="349131"/>
-          </a:xfrm>
-          <a:prstGeom prst="rect">
-            <a:avLst/>
-          </a:prstGeom>
-          <a:ln w="12700">
-            <a:miter lim="400000"/>
-          </a:ln>
-          <a:extLst>
-            <a:ext uri="{C572A759-6A51-4108-AA02-DFA0A04FC94B}">
-              <ma14:wrappingTextBoxFlag xmlns="" xmlns:ma14="http://schemas.microsoft.com/office/mac/drawingml/2011/main" val="1"/>
-            </a:ext>
-          </a:extLst>
-        </p:spPr>
-        <p:txBody>
-          <a:bodyPr lIns="35717" tIns="35717" rIns="35717" bIns="35717">
-            <a:spAutoFit/>
-          </a:bodyPr>
-          <a:lstStyle>
-            <a:lvl1pPr algn="l" defTabSz="647700">
-              <a:tabLst>
-                <a:tab pos="355600" algn="l"/>
-                <a:tab pos="711200" algn="l"/>
-                <a:tab pos="1079500" algn="l"/>
-                <a:tab pos="1435100" algn="l"/>
-                <a:tab pos="1790700" algn="l"/>
-                <a:tab pos="2159000" algn="l"/>
-                <a:tab pos="2514600" algn="l"/>
-                <a:tab pos="2870200" algn="l"/>
-                <a:tab pos="3238500" algn="l"/>
-                <a:tab pos="3594100" algn="l"/>
-                <a:tab pos="3949700" algn="l"/>
-                <a:tab pos="4318000" algn="l"/>
-              </a:tabLst>
-              <a:defRPr sz="1800">
-                <a:solidFill>
-                  <a:srgbClr val="F1FEF6"/>
-                </a:solidFill>
-                <a:latin typeface="Lucida Bright"/>
-                <a:ea typeface="Lucida Bright"/>
-                <a:cs typeface="Lucida Bright"/>
-                <a:sym typeface="Lucida Bright"/>
-              </a:defRPr>
-            </a:lvl1pPr>
-          </a:lstStyle>
-          <a:p>
-            <a:pPr algn="just"/>
-            <a:r>
-              <a:rPr lang="en-US" dirty="0"/>
-              <a:t>Solving Richards’ equation with OMS console</a:t>
-            </a:r>
-          </a:p>
-        </p:txBody>
-      </p:sp>
-      <p:sp>
-        <p:nvSpPr>
-          <p:cNvPr id="14" name="Shape 154"/>
-          <p:cNvSpPr/>
-          <p:nvPr/>
-        </p:nvSpPr>
-        <p:spPr>
-          <a:xfrm>
-            <a:off x="1049289" y="6508869"/>
-            <a:ext cx="2354957" cy="349131"/>
-          </a:xfrm>
-          <a:prstGeom prst="rect">
-            <a:avLst/>
-          </a:prstGeom>
-          <a:ln w="12700">
-            <a:miter lim="400000"/>
-          </a:ln>
-          <a:extLst>
-            <a:ext uri="{C572A759-6A51-4108-AA02-DFA0A04FC94B}">
-              <ma14:wrappingTextBoxFlag xmlns="" xmlns:ma14="http://schemas.microsoft.com/office/mac/drawingml/2011/main" val="1"/>
-            </a:ext>
-          </a:extLst>
-        </p:spPr>
-        <p:txBody>
-          <a:bodyPr wrap="square" lIns="35717" tIns="35717" rIns="35717" bIns="35717">
-            <a:spAutoFit/>
-          </a:bodyPr>
-          <a:lstStyle>
-            <a:lvl1pPr algn="l" defTabSz="647700">
-              <a:tabLst>
-                <a:tab pos="355600" algn="l"/>
-                <a:tab pos="711200" algn="l"/>
-                <a:tab pos="1079500" algn="l"/>
-                <a:tab pos="1435100" algn="l"/>
-                <a:tab pos="1790700" algn="l"/>
-                <a:tab pos="2159000" algn="l"/>
-                <a:tab pos="2514600" algn="l"/>
-                <a:tab pos="2870200" algn="l"/>
-                <a:tab pos="3238500" algn="l"/>
-                <a:tab pos="3594100" algn="l"/>
-                <a:tab pos="3949700" algn="l"/>
-                <a:tab pos="4318000" algn="l"/>
-              </a:tabLst>
-              <a:defRPr sz="1800">
-                <a:solidFill>
-                  <a:srgbClr val="F1FEF6"/>
-                </a:solidFill>
-                <a:latin typeface="Lucida Bright"/>
-                <a:ea typeface="Lucida Bright"/>
-                <a:cs typeface="Lucida Bright"/>
-                <a:sym typeface="Lucida Bright"/>
-              </a:defRPr>
-            </a:lvl1pPr>
-          </a:lstStyle>
-          <a:p>
-            <a:r>
-              <a:rPr lang="it-IT" dirty="0"/>
-              <a:t> &amp;  N. Tubini</a:t>
-            </a:r>
-            <a:endParaRPr dirty="0"/>
-          </a:p>
-        </p:txBody>
-      </p:sp>
-      <p:sp>
-        <p:nvSpPr>
-          <p:cNvPr id="2" name="CasellaDiTesto 1"/>
-          <p:cNvSpPr txBox="1"/>
-          <p:nvPr/>
-        </p:nvSpPr>
-        <p:spPr>
-          <a:xfrm>
-            <a:off x="1708712" y="524867"/>
-            <a:ext cx="5726575" cy="1015663"/>
-          </a:xfrm>
-          <a:prstGeom prst="rect">
-            <a:avLst/>
-          </a:prstGeom>
-          <a:noFill/>
-        </p:spPr>
-        <p:txBody>
-          <a:bodyPr wrap="square" rtlCol="0">
-            <a:spAutoFit/>
-          </a:bodyPr>
-          <a:lstStyle/>
-          <a:p>
-            <a:pPr algn="ctr"/>
-            <a:r>
-              <a:rPr lang="en-GB" sz="2000" dirty="0"/>
-              <a:t>.sim file</a:t>
-            </a:r>
-          </a:p>
-          <a:p>
-            <a:pPr algn="ctr"/>
-            <a:endParaRPr lang="it-IT" sz="2000" dirty="0"/>
-          </a:p>
-          <a:p>
-            <a:pPr algn="ctr"/>
-            <a:r>
-              <a:rPr lang="it-IT" sz="2000" dirty="0"/>
-              <a:t>DATE FORMAT:  </a:t>
-            </a:r>
-            <a:r>
-              <a:rPr lang="it-IT" sz="2000" dirty="0" err="1"/>
-              <a:t>yyyy</a:t>
-            </a:r>
-            <a:r>
-              <a:rPr lang="it-IT" sz="2000" dirty="0"/>
-              <a:t>-MM-</a:t>
-            </a:r>
-            <a:r>
-              <a:rPr lang="it-IT" sz="2000" dirty="0" err="1"/>
-              <a:t>dd</a:t>
-            </a:r>
-            <a:r>
-              <a:rPr lang="it-IT" sz="2000" dirty="0"/>
-              <a:t> </a:t>
-            </a:r>
-            <a:r>
-              <a:rPr lang="it-IT" sz="2000" dirty="0" err="1"/>
-              <a:t>HH:mm</a:t>
-            </a:r>
-            <a:endParaRPr lang="it-IT" sz="2000" dirty="0"/>
-          </a:p>
-        </p:txBody>
-      </p:sp>
-      <p:pic>
-        <p:nvPicPr>
-          <p:cNvPr id="5" name="Immagine 4"/>
-          <p:cNvPicPr>
-            <a:picLocks noChangeAspect="1"/>
-          </p:cNvPicPr>
-          <p:nvPr/>
-        </p:nvPicPr>
-        <p:blipFill rotWithShape="1">
-          <a:blip r:embed="rId2">
-            <a:extLst>
-              <a:ext uri="{28A0092B-C50C-407E-A947-70E740481C1C}">
-                <a14:useLocalDpi xmlns:a14="http://schemas.microsoft.com/office/drawing/2010/main" val="0"/>
-              </a:ext>
-            </a:extLst>
-          </a:blip>
-          <a:srcRect b="10600"/>
-          <a:stretch/>
-        </p:blipFill>
-        <p:spPr>
-          <a:xfrm>
-            <a:off x="237565" y="1965176"/>
-            <a:ext cx="5553329" cy="2625298"/>
-          </a:xfrm>
-          <a:prstGeom prst="rect">
-            <a:avLst/>
-          </a:prstGeom>
-          <a:ln>
-            <a:noFill/>
-          </a:ln>
-        </p:spPr>
-      </p:pic>
-      <p:sp>
-        <p:nvSpPr>
-          <p:cNvPr id="6" name="CasellaDiTesto 5"/>
-          <p:cNvSpPr txBox="1"/>
-          <p:nvPr/>
-        </p:nvSpPr>
-        <p:spPr>
-          <a:xfrm>
-            <a:off x="6104965" y="2498576"/>
-            <a:ext cx="2438400" cy="461665"/>
-          </a:xfrm>
-          <a:prstGeom prst="rect">
-            <a:avLst/>
-          </a:prstGeom>
-          <a:noFill/>
-        </p:spPr>
-        <p:txBody>
-          <a:bodyPr wrap="square" rtlCol="0">
-            <a:spAutoFit/>
-          </a:bodyPr>
-          <a:lstStyle/>
-          <a:p>
-            <a:r>
-              <a:rPr lang="it-IT" sz="2400" dirty="0"/>
-              <a:t>START DATE</a:t>
-            </a:r>
-          </a:p>
-        </p:txBody>
-      </p:sp>
-      <p:sp>
-        <p:nvSpPr>
-          <p:cNvPr id="7" name="CasellaDiTesto 6"/>
-          <p:cNvSpPr txBox="1"/>
-          <p:nvPr/>
-        </p:nvSpPr>
-        <p:spPr>
-          <a:xfrm>
-            <a:off x="6104965" y="3336776"/>
-            <a:ext cx="2438400" cy="461665"/>
-          </a:xfrm>
-          <a:prstGeom prst="rect">
-            <a:avLst/>
-          </a:prstGeom>
-          <a:noFill/>
-        </p:spPr>
-        <p:txBody>
-          <a:bodyPr wrap="square" rtlCol="0">
-            <a:spAutoFit/>
-          </a:bodyPr>
-          <a:lstStyle/>
-          <a:p>
-            <a:r>
-              <a:rPr lang="it-IT" sz="2400" dirty="0"/>
-              <a:t>END DATE</a:t>
-            </a:r>
-            <a:endParaRPr lang="it-IT" dirty="0"/>
-          </a:p>
-        </p:txBody>
-      </p:sp>
-      <p:sp>
-        <p:nvSpPr>
-          <p:cNvPr id="8" name="CasellaDiTesto 7"/>
-          <p:cNvSpPr txBox="1"/>
-          <p:nvPr/>
-        </p:nvSpPr>
-        <p:spPr>
-          <a:xfrm>
-            <a:off x="6104965" y="4174976"/>
-            <a:ext cx="3352799" cy="830997"/>
-          </a:xfrm>
-          <a:prstGeom prst="rect">
-            <a:avLst/>
-          </a:prstGeom>
-          <a:noFill/>
-        </p:spPr>
-        <p:txBody>
-          <a:bodyPr wrap="square" rtlCol="0">
-            <a:spAutoFit/>
-          </a:bodyPr>
-          <a:lstStyle/>
-          <a:p>
-            <a:r>
-              <a:rPr lang="it-IT" sz="2400" dirty="0"/>
-              <a:t>TIME STEP </a:t>
-            </a:r>
-          </a:p>
-          <a:p>
-            <a:r>
-              <a:rPr lang="it-IT" sz="2400" dirty="0"/>
-              <a:t>     </a:t>
-            </a:r>
-            <a:r>
-              <a:rPr lang="it-IT" sz="2400" dirty="0" err="1"/>
-              <a:t>expressed</a:t>
-            </a:r>
-            <a:r>
-              <a:rPr lang="it-IT" sz="2400" dirty="0"/>
-              <a:t> in minutes</a:t>
-            </a:r>
-          </a:p>
-        </p:txBody>
-      </p:sp>
-      <p:cxnSp>
-        <p:nvCxnSpPr>
-          <p:cNvPr id="12" name="Connettore 2 11"/>
-          <p:cNvCxnSpPr>
-            <a:stCxn id="6" idx="1"/>
-          </p:cNvCxnSpPr>
-          <p:nvPr/>
-        </p:nvCxnSpPr>
-        <p:spPr>
-          <a:xfrm flipH="1">
-            <a:off x="4571999" y="2729409"/>
-            <a:ext cx="1532966" cy="0"/>
-          </a:xfrm>
-          <a:prstGeom prst="straightConnector1">
-            <a:avLst/>
-          </a:prstGeom>
-          <a:ln w="57150">
-            <a:solidFill>
-              <a:srgbClr val="FF0000"/>
-            </a:solidFill>
-            <a:tailEnd type="arrow"/>
-          </a:ln>
-        </p:spPr>
-        <p:style>
-          <a:lnRef idx="1">
-            <a:schemeClr val="accent1"/>
-          </a:lnRef>
-          <a:fillRef idx="0">
-            <a:schemeClr val="accent1"/>
-          </a:fillRef>
-          <a:effectRef idx="0">
-            <a:schemeClr val="accent1"/>
-          </a:effectRef>
-          <a:fontRef idx="minor">
-            <a:schemeClr val="tx1"/>
-          </a:fontRef>
-        </p:style>
-      </p:cxnSp>
-      <p:cxnSp>
-        <p:nvCxnSpPr>
-          <p:cNvPr id="15" name="Connettore 2 14"/>
-          <p:cNvCxnSpPr/>
-          <p:nvPr/>
-        </p:nvCxnSpPr>
-        <p:spPr>
-          <a:xfrm flipH="1">
-            <a:off x="4563038" y="3545182"/>
-            <a:ext cx="1532966" cy="0"/>
-          </a:xfrm>
-          <a:prstGeom prst="straightConnector1">
-            <a:avLst/>
-          </a:prstGeom>
-          <a:ln w="57150">
-            <a:solidFill>
-              <a:srgbClr val="FF0000"/>
-            </a:solidFill>
-            <a:tailEnd type="arrow"/>
-          </a:ln>
-        </p:spPr>
-        <p:style>
-          <a:lnRef idx="1">
-            <a:schemeClr val="accent1"/>
-          </a:lnRef>
-          <a:fillRef idx="0">
-            <a:schemeClr val="accent1"/>
-          </a:fillRef>
-          <a:effectRef idx="0">
-            <a:schemeClr val="accent1"/>
-          </a:effectRef>
-          <a:fontRef idx="minor">
-            <a:schemeClr val="tx1"/>
-          </a:fontRef>
-        </p:style>
-      </p:cxnSp>
-      <p:cxnSp>
-        <p:nvCxnSpPr>
-          <p:cNvPr id="16" name="Connettore 2 15"/>
-          <p:cNvCxnSpPr/>
-          <p:nvPr/>
-        </p:nvCxnSpPr>
-        <p:spPr>
-          <a:xfrm flipH="1">
-            <a:off x="5504329" y="4405774"/>
-            <a:ext cx="663392" cy="0"/>
-          </a:xfrm>
-          <a:prstGeom prst="straightConnector1">
-            <a:avLst/>
-          </a:prstGeom>
-          <a:ln w="57150">
-            <a:solidFill>
-              <a:srgbClr val="FF0000"/>
-            </a:solidFill>
-            <a:tailEnd type="arrow"/>
-          </a:ln>
-        </p:spPr>
-        <p:style>
-          <a:lnRef idx="1">
-            <a:schemeClr val="accent1"/>
-          </a:lnRef>
-          <a:fillRef idx="0">
-            <a:schemeClr val="accent1"/>
-          </a:fillRef>
-          <a:effectRef idx="0">
-            <a:schemeClr val="accent1"/>
-          </a:effectRef>
-          <a:fontRef idx="minor">
-            <a:schemeClr val="tx1"/>
-          </a:fontRef>
-        </p:style>
-      </p:cxnSp>
-    </p:spTree>
-    <p:extLst>
-      <p:ext uri="{BB962C8B-B14F-4D97-AF65-F5344CB8AC3E}">
-        <p14:creationId xmlns:p14="http://schemas.microsoft.com/office/powerpoint/2010/main" val="280920713"/>
-      </p:ext>
-    </p:extLst>
-  </p:cSld>
-  <p:clrMapOvr>
-    <a:masterClrMapping/>
-  </p:clrMapOvr>
-  <p:transition spd="med"/>
-</p:sld>
-</file>
-
-<file path=ppt/slides/slide30.xml><?xml version="1.0" encoding="utf-8"?>
-<p:sld xmlns:a="http://schemas.openxmlformats.org/drawingml/2006/main" xmlns:r="http://schemas.openxmlformats.org/officeDocument/2006/relationships" xmlns:p="http://schemas.openxmlformats.org/presentationml/2006/main">
-  <p:cSld>
-    <p:spTree>
-      <p:nvGrpSpPr>
-        <p:cNvPr id="1" name=""/>
-        <p:cNvGrpSpPr/>
-        <p:nvPr/>
-      </p:nvGrpSpPr>
-      <p:grpSpPr>
-        <a:xfrm>
-          <a:off x="0" y="0"/>
-          <a:ext cx="0" cy="0"/>
-          <a:chOff x="0" y="0"/>
-          <a:chExt cx="0" cy="0"/>
-        </a:xfrm>
-      </p:grpSpPr>
-      <p:sp>
-        <p:nvSpPr>
-          <p:cNvPr id="154" name="Shape 154"/>
-          <p:cNvSpPr/>
-          <p:nvPr/>
-        </p:nvSpPr>
-        <p:spPr>
-          <a:xfrm>
-            <a:off x="0" y="-8930"/>
-            <a:ext cx="7563445" cy="349131"/>
-          </a:xfrm>
-          <a:prstGeom prst="rect">
-            <a:avLst/>
-          </a:prstGeom>
-          <a:ln w="12700">
-            <a:miter lim="400000"/>
-          </a:ln>
-          <a:extLst>
-            <a:ext uri="{C572A759-6A51-4108-AA02-DFA0A04FC94B}">
-              <ma14:wrappingTextBoxFlag xmlns="" xmlns:ma14="http://schemas.microsoft.com/office/mac/drawingml/2011/main" val="1"/>
-            </a:ext>
-          </a:extLst>
-        </p:spPr>
-        <p:txBody>
-          <a:bodyPr lIns="35717" tIns="35717" rIns="35717" bIns="35717">
-            <a:spAutoFit/>
-          </a:bodyPr>
-          <a:lstStyle>
-            <a:lvl1pPr algn="l" defTabSz="647700">
-              <a:tabLst>
-                <a:tab pos="355600" algn="l"/>
-                <a:tab pos="711200" algn="l"/>
-                <a:tab pos="1079500" algn="l"/>
-                <a:tab pos="1435100" algn="l"/>
-                <a:tab pos="1790700" algn="l"/>
-                <a:tab pos="2159000" algn="l"/>
-                <a:tab pos="2514600" algn="l"/>
-                <a:tab pos="2870200" algn="l"/>
-                <a:tab pos="3238500" algn="l"/>
-                <a:tab pos="3594100" algn="l"/>
-                <a:tab pos="3949700" algn="l"/>
-                <a:tab pos="4318000" algn="l"/>
-              </a:tabLst>
-              <a:defRPr sz="1800">
-                <a:solidFill>
-                  <a:srgbClr val="F1FEF6"/>
-                </a:solidFill>
-                <a:latin typeface="Lucida Bright"/>
-                <a:ea typeface="Lucida Bright"/>
-                <a:cs typeface="Lucida Bright"/>
-                <a:sym typeface="Lucida Bright"/>
-              </a:defRPr>
-            </a:lvl1pPr>
-          </a:lstStyle>
-          <a:p>
-            <a:pPr algn="just"/>
-            <a:r>
-              <a:rPr lang="en-US" dirty="0"/>
-              <a:t>Solving Richards’ equation with OMS console</a:t>
-            </a:r>
-          </a:p>
-        </p:txBody>
-      </p:sp>
-      <p:sp>
-        <p:nvSpPr>
-          <p:cNvPr id="14" name="Shape 154"/>
-          <p:cNvSpPr/>
-          <p:nvPr/>
-        </p:nvSpPr>
-        <p:spPr>
-          <a:xfrm>
-            <a:off x="1049289" y="6508869"/>
-            <a:ext cx="2354957" cy="349131"/>
-          </a:xfrm>
-          <a:prstGeom prst="rect">
-            <a:avLst/>
-          </a:prstGeom>
-          <a:ln w="12700">
-            <a:miter lim="400000"/>
-          </a:ln>
-          <a:extLst>
-            <a:ext uri="{C572A759-6A51-4108-AA02-DFA0A04FC94B}">
-              <ma14:wrappingTextBoxFlag xmlns="" xmlns:ma14="http://schemas.microsoft.com/office/mac/drawingml/2011/main" val="1"/>
-            </a:ext>
-          </a:extLst>
-        </p:spPr>
-        <p:txBody>
-          <a:bodyPr wrap="square" lIns="35717" tIns="35717" rIns="35717" bIns="35717">
-            <a:spAutoFit/>
-          </a:bodyPr>
-          <a:lstStyle>
-            <a:lvl1pPr algn="l" defTabSz="647700">
-              <a:tabLst>
-                <a:tab pos="355600" algn="l"/>
-                <a:tab pos="711200" algn="l"/>
-                <a:tab pos="1079500" algn="l"/>
-                <a:tab pos="1435100" algn="l"/>
-                <a:tab pos="1790700" algn="l"/>
-                <a:tab pos="2159000" algn="l"/>
-                <a:tab pos="2514600" algn="l"/>
-                <a:tab pos="2870200" algn="l"/>
-                <a:tab pos="3238500" algn="l"/>
-                <a:tab pos="3594100" algn="l"/>
-                <a:tab pos="3949700" algn="l"/>
-                <a:tab pos="4318000" algn="l"/>
-              </a:tabLst>
-              <a:defRPr sz="1800">
-                <a:solidFill>
-                  <a:srgbClr val="F1FEF6"/>
-                </a:solidFill>
-                <a:latin typeface="Lucida Bright"/>
-                <a:ea typeface="Lucida Bright"/>
-                <a:cs typeface="Lucida Bright"/>
-                <a:sym typeface="Lucida Bright"/>
-              </a:defRPr>
-            </a:lvl1pPr>
-          </a:lstStyle>
-          <a:p>
-            <a:r>
-              <a:rPr lang="it-IT" dirty="0"/>
-              <a:t> &amp;  N. Tubini</a:t>
-            </a:r>
-            <a:endParaRPr dirty="0"/>
-          </a:p>
-        </p:txBody>
-      </p:sp>
-      <p:sp>
-        <p:nvSpPr>
-          <p:cNvPr id="2" name="CasellaDiTesto 1"/>
-          <p:cNvSpPr txBox="1"/>
-          <p:nvPr/>
-        </p:nvSpPr>
-        <p:spPr>
-          <a:xfrm>
-            <a:off x="1708712" y="524867"/>
-            <a:ext cx="5726575" cy="707886"/>
-          </a:xfrm>
-          <a:prstGeom prst="rect">
-            <a:avLst/>
-          </a:prstGeom>
-          <a:noFill/>
-        </p:spPr>
-        <p:txBody>
-          <a:bodyPr wrap="square" rtlCol="0">
-            <a:spAutoFit/>
-          </a:bodyPr>
-          <a:lstStyle/>
-          <a:p>
-            <a:pPr algn="ctr"/>
-            <a:r>
-              <a:rPr lang="it-IT" sz="2000" dirty="0"/>
-              <a:t>INPUT FILE FOR</a:t>
-            </a:r>
-            <a:br>
-              <a:rPr lang="it-IT" sz="2000" dirty="0"/>
-            </a:br>
-            <a:r>
-              <a:rPr lang="it-IT" sz="2000" dirty="0"/>
-              <a:t>THE SOURCE/SINK TERM</a:t>
-            </a:r>
-            <a:endParaRPr lang="en-GB" sz="2000" dirty="0"/>
-          </a:p>
-        </p:txBody>
-      </p:sp>
-      <p:sp>
-        <p:nvSpPr>
-          <p:cNvPr id="15" name="CasellaDiTesto 14"/>
-          <p:cNvSpPr txBox="1"/>
-          <p:nvPr/>
-        </p:nvSpPr>
-        <p:spPr>
-          <a:xfrm>
-            <a:off x="228600" y="1905000"/>
-            <a:ext cx="7315200" cy="1692771"/>
-          </a:xfrm>
-          <a:prstGeom prst="rect">
-            <a:avLst/>
-          </a:prstGeom>
-          <a:noFill/>
-        </p:spPr>
-        <p:txBody>
-          <a:bodyPr wrap="square" rtlCol="0">
-            <a:spAutoFit/>
-          </a:bodyPr>
-          <a:lstStyle/>
-          <a:p>
-            <a:pPr algn="just"/>
-            <a:r>
-              <a:rPr lang="it-IT" sz="2000" dirty="0"/>
-              <a:t>THE FIRST LINE REFERS TO THE DEEPEST LAYER.</a:t>
-            </a:r>
-          </a:p>
-          <a:p>
-            <a:pPr algn="just"/>
-            <a:endParaRPr lang="it-IT" sz="2000" dirty="0"/>
-          </a:p>
-          <a:p>
-            <a:pPr algn="just"/>
-            <a:r>
-              <a:rPr lang="it-IT" sz="2000" dirty="0"/>
-              <a:t>THE DEPTH OF THE DEEPEST LAYER IS ALWAYS SMALLER THAN  </a:t>
-            </a:r>
-            <a:r>
-              <a:rPr lang="it-IT" sz="2000" i="1" dirty="0" err="1">
-                <a:solidFill>
-                  <a:srgbClr val="0070C0"/>
-                </a:solidFill>
-              </a:rPr>
-              <a:t>spaceBottom</a:t>
-            </a:r>
-            <a:endParaRPr lang="it-IT" sz="2000" i="1" dirty="0">
-              <a:solidFill>
-                <a:srgbClr val="0070C0"/>
-              </a:solidFill>
-            </a:endParaRPr>
-          </a:p>
-          <a:p>
-            <a:pPr algn="just"/>
-            <a:endParaRPr lang="it-IT" sz="2400" i="1" dirty="0">
-              <a:solidFill>
-                <a:srgbClr val="0070C0"/>
-              </a:solidFill>
-            </a:endParaRPr>
-          </a:p>
-        </p:txBody>
-      </p:sp>
-      <p:sp>
-        <p:nvSpPr>
-          <p:cNvPr id="16" name="CasellaDiTesto 15"/>
-          <p:cNvSpPr txBox="1"/>
-          <p:nvPr/>
-        </p:nvSpPr>
-        <p:spPr>
-          <a:xfrm>
-            <a:off x="1976651" y="4267200"/>
-            <a:ext cx="6858000" cy="1323439"/>
-          </a:xfrm>
-          <a:prstGeom prst="rect">
-            <a:avLst/>
-          </a:prstGeom>
-          <a:noFill/>
-        </p:spPr>
-        <p:txBody>
-          <a:bodyPr wrap="square" rtlCol="0">
-            <a:spAutoFit/>
-          </a:bodyPr>
-          <a:lstStyle/>
-          <a:p>
-            <a:pPr algn="just"/>
-            <a:r>
-              <a:rPr lang="it-IT" sz="2000" dirty="0"/>
-              <a:t>THE LAST LINE REFERS TO THE UPPERMOST LAYER.  </a:t>
-            </a:r>
-          </a:p>
-          <a:p>
-            <a:pPr algn="just"/>
-            <a:endParaRPr lang="it-IT" sz="2000" dirty="0"/>
-          </a:p>
-          <a:p>
-            <a:pPr algn="just"/>
-            <a:r>
-              <a:rPr lang="it-IT" sz="2000" dirty="0"/>
-              <a:t>THIS DEPTH IS ALWAYS GRATER THAN </a:t>
-            </a:r>
-            <a:r>
-              <a:rPr lang="it-IT" sz="2000" i="1" dirty="0">
-                <a:solidFill>
-                  <a:srgbClr val="0070C0"/>
-                </a:solidFill>
-              </a:rPr>
-              <a:t>0m</a:t>
-            </a:r>
-          </a:p>
-          <a:p>
-            <a:pPr algn="just"/>
-            <a:endParaRPr lang="it-IT" sz="2000" dirty="0"/>
-          </a:p>
-        </p:txBody>
-      </p:sp>
-    </p:spTree>
-    <p:extLst>
-      <p:ext uri="{BB962C8B-B14F-4D97-AF65-F5344CB8AC3E}">
-        <p14:creationId xmlns:p14="http://schemas.microsoft.com/office/powerpoint/2010/main" val="688381796"/>
-      </p:ext>
-    </p:extLst>
-  </p:cSld>
-  <p:clrMapOvr>
-    <a:masterClrMapping/>
-  </p:clrMapOvr>
-  <p:transition spd="med"/>
-</p:sld>
-</file>
-
-<file path=ppt/slides/slide31.xml><?xml version="1.0" encoding="utf-8"?>
-<p:sld xmlns:a="http://schemas.openxmlformats.org/drawingml/2006/main" xmlns:r="http://schemas.openxmlformats.org/officeDocument/2006/relationships" xmlns:p="http://schemas.openxmlformats.org/presentationml/2006/main">
-  <p:cSld>
-    <p:spTree>
-      <p:nvGrpSpPr>
-        <p:cNvPr id="1" name=""/>
-        <p:cNvGrpSpPr/>
-        <p:nvPr/>
-      </p:nvGrpSpPr>
-      <p:grpSpPr>
-        <a:xfrm>
-          <a:off x="0" y="0"/>
-          <a:ext cx="0" cy="0"/>
-          <a:chOff x="0" y="0"/>
-          <a:chExt cx="0" cy="0"/>
-        </a:xfrm>
-      </p:grpSpPr>
-      <p:sp>
-        <p:nvSpPr>
-          <p:cNvPr id="154" name="Shape 154"/>
-          <p:cNvSpPr/>
-          <p:nvPr/>
-        </p:nvSpPr>
-        <p:spPr>
-          <a:xfrm>
-            <a:off x="0" y="-8930"/>
-            <a:ext cx="7563445" cy="349131"/>
-          </a:xfrm>
-          <a:prstGeom prst="rect">
-            <a:avLst/>
-          </a:prstGeom>
-          <a:ln w="12700">
-            <a:miter lim="400000"/>
-          </a:ln>
-          <a:extLst>
-            <a:ext uri="{C572A759-6A51-4108-AA02-DFA0A04FC94B}">
-              <ma14:wrappingTextBoxFlag xmlns="" xmlns:ma14="http://schemas.microsoft.com/office/mac/drawingml/2011/main" val="1"/>
-            </a:ext>
-          </a:extLst>
-        </p:spPr>
-        <p:txBody>
-          <a:bodyPr lIns="35717" tIns="35717" rIns="35717" bIns="35717">
-            <a:spAutoFit/>
-          </a:bodyPr>
-          <a:lstStyle>
-            <a:lvl1pPr algn="l" defTabSz="647700">
-              <a:tabLst>
-                <a:tab pos="355600" algn="l"/>
-                <a:tab pos="711200" algn="l"/>
-                <a:tab pos="1079500" algn="l"/>
-                <a:tab pos="1435100" algn="l"/>
-                <a:tab pos="1790700" algn="l"/>
-                <a:tab pos="2159000" algn="l"/>
-                <a:tab pos="2514600" algn="l"/>
-                <a:tab pos="2870200" algn="l"/>
-                <a:tab pos="3238500" algn="l"/>
-                <a:tab pos="3594100" algn="l"/>
-                <a:tab pos="3949700" algn="l"/>
-                <a:tab pos="4318000" algn="l"/>
-              </a:tabLst>
-              <a:defRPr sz="1800">
-                <a:solidFill>
-                  <a:srgbClr val="F1FEF6"/>
-                </a:solidFill>
-                <a:latin typeface="Lucida Bright"/>
-                <a:ea typeface="Lucida Bright"/>
-                <a:cs typeface="Lucida Bright"/>
-                <a:sym typeface="Lucida Bright"/>
-              </a:defRPr>
-            </a:lvl1pPr>
-          </a:lstStyle>
-          <a:p>
-            <a:pPr algn="just"/>
-            <a:r>
-              <a:rPr lang="en-US" dirty="0"/>
-              <a:t>Solving Richards’ equation with OMS console</a:t>
-            </a:r>
-          </a:p>
-        </p:txBody>
-      </p:sp>
-      <p:sp>
-        <p:nvSpPr>
-          <p:cNvPr id="14" name="Shape 154"/>
-          <p:cNvSpPr/>
-          <p:nvPr/>
-        </p:nvSpPr>
-        <p:spPr>
-          <a:xfrm>
-            <a:off x="1049289" y="6508869"/>
-            <a:ext cx="2354957" cy="349131"/>
-          </a:xfrm>
-          <a:prstGeom prst="rect">
-            <a:avLst/>
-          </a:prstGeom>
-          <a:ln w="12700">
-            <a:miter lim="400000"/>
-          </a:ln>
-          <a:extLst>
-            <a:ext uri="{C572A759-6A51-4108-AA02-DFA0A04FC94B}">
-              <ma14:wrappingTextBoxFlag xmlns="" xmlns:ma14="http://schemas.microsoft.com/office/mac/drawingml/2011/main" val="1"/>
-            </a:ext>
-          </a:extLst>
-        </p:spPr>
-        <p:txBody>
-          <a:bodyPr wrap="square" lIns="35717" tIns="35717" rIns="35717" bIns="35717">
-            <a:spAutoFit/>
-          </a:bodyPr>
-          <a:lstStyle>
-            <a:lvl1pPr algn="l" defTabSz="647700">
-              <a:tabLst>
-                <a:tab pos="355600" algn="l"/>
-                <a:tab pos="711200" algn="l"/>
-                <a:tab pos="1079500" algn="l"/>
-                <a:tab pos="1435100" algn="l"/>
-                <a:tab pos="1790700" algn="l"/>
-                <a:tab pos="2159000" algn="l"/>
-                <a:tab pos="2514600" algn="l"/>
-                <a:tab pos="2870200" algn="l"/>
-                <a:tab pos="3238500" algn="l"/>
-                <a:tab pos="3594100" algn="l"/>
-                <a:tab pos="3949700" algn="l"/>
-                <a:tab pos="4318000" algn="l"/>
-              </a:tabLst>
-              <a:defRPr sz="1800">
-                <a:solidFill>
-                  <a:srgbClr val="F1FEF6"/>
-                </a:solidFill>
-                <a:latin typeface="Lucida Bright"/>
-                <a:ea typeface="Lucida Bright"/>
-                <a:cs typeface="Lucida Bright"/>
-                <a:sym typeface="Lucida Bright"/>
-              </a:defRPr>
-            </a:lvl1pPr>
-          </a:lstStyle>
-          <a:p>
-            <a:r>
-              <a:rPr lang="it-IT" dirty="0"/>
-              <a:t> &amp;  N. Tubini</a:t>
-            </a:r>
-            <a:endParaRPr dirty="0"/>
-          </a:p>
-        </p:txBody>
-      </p:sp>
-      <p:sp>
-        <p:nvSpPr>
-          <p:cNvPr id="2" name="CasellaDiTesto 1"/>
-          <p:cNvSpPr txBox="1"/>
-          <p:nvPr/>
-        </p:nvSpPr>
-        <p:spPr>
-          <a:xfrm>
-            <a:off x="1708712" y="524867"/>
-            <a:ext cx="5726575" cy="707886"/>
-          </a:xfrm>
-          <a:prstGeom prst="rect">
-            <a:avLst/>
-          </a:prstGeom>
-          <a:noFill/>
-        </p:spPr>
-        <p:txBody>
-          <a:bodyPr wrap="square" rtlCol="0">
-            <a:spAutoFit/>
-          </a:bodyPr>
-          <a:lstStyle/>
-          <a:p>
-            <a:pPr algn="ctr"/>
-            <a:r>
-              <a:rPr lang="it-IT" sz="2000" dirty="0"/>
-              <a:t>INPUT FILE FOR</a:t>
-            </a:r>
-            <a:br>
-              <a:rPr lang="it-IT" sz="2000" dirty="0"/>
-            </a:br>
-            <a:r>
-              <a:rPr lang="it-IT" sz="2000" dirty="0"/>
-              <a:t>THE TOP BOUNDARY CONDITION</a:t>
-            </a:r>
-            <a:endParaRPr lang="en-GB" sz="2000" dirty="0"/>
-          </a:p>
-        </p:txBody>
-      </p:sp>
-      <p:pic>
-        <p:nvPicPr>
-          <p:cNvPr id="15" name="Segnaposto contenuto 4"/>
-          <p:cNvPicPr>
-            <a:picLocks noChangeAspect="1"/>
-          </p:cNvPicPr>
-          <p:nvPr/>
-        </p:nvPicPr>
-        <p:blipFill>
-          <a:blip r:embed="rId2">
-            <a:extLst>
-              <a:ext uri="{28A0092B-C50C-407E-A947-70E740481C1C}">
-                <a14:useLocalDpi xmlns:a14="http://schemas.microsoft.com/office/drawing/2010/main" val="0"/>
-              </a:ext>
-            </a:extLst>
-          </a:blip>
-          <a:stretch>
-            <a:fillRect/>
-          </a:stretch>
-        </p:blipFill>
-        <p:spPr>
-          <a:xfrm>
-            <a:off x="533400" y="1371600"/>
-            <a:ext cx="4495800" cy="4720590"/>
-          </a:xfrm>
-          <a:prstGeom prst="rect">
-            <a:avLst/>
-          </a:prstGeom>
-        </p:spPr>
-      </p:pic>
-      <p:sp>
-        <p:nvSpPr>
-          <p:cNvPr id="16" name="Rettangolo 15"/>
-          <p:cNvSpPr/>
-          <p:nvPr/>
-        </p:nvSpPr>
-        <p:spPr>
-          <a:xfrm>
-            <a:off x="3276600" y="3048000"/>
-            <a:ext cx="1981200" cy="3084493"/>
-          </a:xfrm>
-          <a:prstGeom prst="rect">
-            <a:avLst/>
-          </a:prstGeom>
-          <a:noFill/>
-          <a:ln w="50800">
-            <a:solidFill>
-              <a:srgbClr val="00B050"/>
-            </a:solidFill>
-          </a:ln>
-        </p:spPr>
-        <p:style>
-          <a:lnRef idx="2">
-            <a:schemeClr val="accent1">
-              <a:shade val="50000"/>
-            </a:schemeClr>
-          </a:lnRef>
-          <a:fillRef idx="1">
-            <a:schemeClr val="accent1"/>
-          </a:fillRef>
-          <a:effectRef idx="0">
-            <a:schemeClr val="accent1"/>
-          </a:effectRef>
-          <a:fontRef idx="minor">
-            <a:schemeClr val="lt1"/>
-          </a:fontRef>
-        </p:style>
-        <p:txBody>
-          <a:bodyPr rtlCol="0" anchor="ctr"/>
-          <a:lstStyle/>
-          <a:p>
-            <a:pPr algn="ctr"/>
-            <a:endParaRPr lang="it-IT" dirty="0"/>
-          </a:p>
-        </p:txBody>
-      </p:sp>
-      <p:sp>
-        <p:nvSpPr>
-          <p:cNvPr id="17" name="Rettangolo 16"/>
-          <p:cNvSpPr/>
-          <p:nvPr/>
-        </p:nvSpPr>
-        <p:spPr>
-          <a:xfrm>
-            <a:off x="5791200" y="1828800"/>
-            <a:ext cx="3124200" cy="1219200"/>
-          </a:xfrm>
-          <a:prstGeom prst="rect">
-            <a:avLst/>
-          </a:prstGeom>
-          <a:noFill/>
-          <a:ln w="50800">
-            <a:solidFill>
-              <a:srgbClr val="00B050"/>
-            </a:solidFill>
-          </a:ln>
-        </p:spPr>
-        <p:style>
-          <a:lnRef idx="2">
-            <a:schemeClr val="accent1">
-              <a:shade val="50000"/>
-            </a:schemeClr>
-          </a:lnRef>
-          <a:fillRef idx="1">
-            <a:schemeClr val="accent1"/>
-          </a:fillRef>
-          <a:effectRef idx="0">
-            <a:schemeClr val="accent1"/>
-          </a:effectRef>
-          <a:fontRef idx="minor">
-            <a:schemeClr val="lt1"/>
-          </a:fontRef>
-        </p:style>
-        <p:txBody>
-          <a:bodyPr rtlCol="0" anchor="ctr"/>
-          <a:lstStyle/>
-          <a:p>
-            <a:pPr algn="ctr"/>
-            <a:endParaRPr lang="it-IT" dirty="0"/>
-          </a:p>
-        </p:txBody>
-      </p:sp>
-      <p:sp>
-        <p:nvSpPr>
-          <p:cNvPr id="18" name="CasellaDiTesto 17"/>
-          <p:cNvSpPr txBox="1"/>
-          <p:nvPr/>
-        </p:nvSpPr>
-        <p:spPr>
-          <a:xfrm>
-            <a:off x="5970490" y="2203551"/>
-            <a:ext cx="3041176" cy="400110"/>
-          </a:xfrm>
-          <a:prstGeom prst="rect">
-            <a:avLst/>
-          </a:prstGeom>
-          <a:noFill/>
-        </p:spPr>
-        <p:txBody>
-          <a:bodyPr wrap="square" rtlCol="0">
-            <a:spAutoFit/>
-          </a:bodyPr>
-          <a:lstStyle/>
-          <a:p>
-            <a:r>
-              <a:rPr lang="it-IT" sz="2000" dirty="0"/>
-              <a:t>RAINFALL HEIGHT [mm]</a:t>
-            </a:r>
-          </a:p>
-        </p:txBody>
-      </p:sp>
-      <p:cxnSp>
-        <p:nvCxnSpPr>
-          <p:cNvPr id="19" name="Connettore 2 18"/>
-          <p:cNvCxnSpPr/>
-          <p:nvPr/>
-        </p:nvCxnSpPr>
-        <p:spPr>
-          <a:xfrm flipH="1">
-            <a:off x="5257800" y="2403901"/>
-            <a:ext cx="533400" cy="609600"/>
-          </a:xfrm>
-          <a:prstGeom prst="straightConnector1">
-            <a:avLst/>
-          </a:prstGeom>
-          <a:ln w="57150">
-            <a:solidFill>
-              <a:srgbClr val="00B050"/>
-            </a:solidFill>
-            <a:tailEnd type="arrow"/>
-          </a:ln>
-        </p:spPr>
-        <p:style>
-          <a:lnRef idx="1">
-            <a:schemeClr val="accent1"/>
-          </a:lnRef>
-          <a:fillRef idx="0">
-            <a:schemeClr val="accent1"/>
-          </a:fillRef>
-          <a:effectRef idx="0">
-            <a:schemeClr val="accent1"/>
-          </a:effectRef>
-          <a:fontRef idx="minor">
-            <a:schemeClr val="tx1"/>
-          </a:fontRef>
-        </p:style>
-      </p:cxnSp>
-    </p:spTree>
-    <p:extLst>
-      <p:ext uri="{BB962C8B-B14F-4D97-AF65-F5344CB8AC3E}">
-        <p14:creationId xmlns:p14="http://schemas.microsoft.com/office/powerpoint/2010/main" val="2231745101"/>
-      </p:ext>
-    </p:extLst>
-  </p:cSld>
-  <p:clrMapOvr>
-    <a:masterClrMapping/>
-  </p:clrMapOvr>
-  <p:transition spd="med"/>
-</p:sld>
-</file>
-
-<file path=ppt/slides/slide32.xml><?xml version="1.0" encoding="utf-8"?>
-<p:sld xmlns:a="http://schemas.openxmlformats.org/drawingml/2006/main" xmlns:r="http://schemas.openxmlformats.org/officeDocument/2006/relationships" xmlns:p="http://schemas.openxmlformats.org/presentationml/2006/main">
-  <p:cSld>
-    <p:spTree>
-      <p:nvGrpSpPr>
-        <p:cNvPr id="1" name=""/>
-        <p:cNvGrpSpPr/>
-        <p:nvPr/>
-      </p:nvGrpSpPr>
-      <p:grpSpPr>
-        <a:xfrm>
-          <a:off x="0" y="0"/>
-          <a:ext cx="0" cy="0"/>
-          <a:chOff x="0" y="0"/>
-          <a:chExt cx="0" cy="0"/>
-        </a:xfrm>
-      </p:grpSpPr>
-      <p:sp>
-        <p:nvSpPr>
-          <p:cNvPr id="154" name="Shape 154"/>
-          <p:cNvSpPr/>
-          <p:nvPr/>
-        </p:nvSpPr>
-        <p:spPr>
-          <a:xfrm>
-            <a:off x="0" y="-8930"/>
-            <a:ext cx="7563445" cy="349131"/>
-          </a:xfrm>
-          <a:prstGeom prst="rect">
-            <a:avLst/>
-          </a:prstGeom>
-          <a:ln w="12700">
-            <a:miter lim="400000"/>
-          </a:ln>
-          <a:extLst>
-            <a:ext uri="{C572A759-6A51-4108-AA02-DFA0A04FC94B}">
-              <ma14:wrappingTextBoxFlag xmlns="" xmlns:ma14="http://schemas.microsoft.com/office/mac/drawingml/2011/main" val="1"/>
-            </a:ext>
-          </a:extLst>
-        </p:spPr>
-        <p:txBody>
-          <a:bodyPr lIns="35717" tIns="35717" rIns="35717" bIns="35717">
-            <a:spAutoFit/>
-          </a:bodyPr>
-          <a:lstStyle>
-            <a:lvl1pPr algn="l" defTabSz="647700">
-              <a:tabLst>
-                <a:tab pos="355600" algn="l"/>
-                <a:tab pos="711200" algn="l"/>
-                <a:tab pos="1079500" algn="l"/>
-                <a:tab pos="1435100" algn="l"/>
-                <a:tab pos="1790700" algn="l"/>
-                <a:tab pos="2159000" algn="l"/>
-                <a:tab pos="2514600" algn="l"/>
-                <a:tab pos="2870200" algn="l"/>
-                <a:tab pos="3238500" algn="l"/>
-                <a:tab pos="3594100" algn="l"/>
-                <a:tab pos="3949700" algn="l"/>
-                <a:tab pos="4318000" algn="l"/>
-              </a:tabLst>
-              <a:defRPr sz="1800">
-                <a:solidFill>
-                  <a:srgbClr val="F1FEF6"/>
-                </a:solidFill>
-                <a:latin typeface="Lucida Bright"/>
-                <a:ea typeface="Lucida Bright"/>
-                <a:cs typeface="Lucida Bright"/>
-                <a:sym typeface="Lucida Bright"/>
-              </a:defRPr>
-            </a:lvl1pPr>
-          </a:lstStyle>
-          <a:p>
-            <a:pPr algn="just"/>
-            <a:r>
-              <a:rPr lang="en-US" dirty="0"/>
-              <a:t>Solving Richards’ equation with OMS console</a:t>
-            </a:r>
-          </a:p>
-        </p:txBody>
-      </p:sp>
-      <p:sp>
-        <p:nvSpPr>
-          <p:cNvPr id="14" name="Shape 154"/>
-          <p:cNvSpPr/>
-          <p:nvPr/>
-        </p:nvSpPr>
-        <p:spPr>
-          <a:xfrm>
-            <a:off x="1049289" y="6508869"/>
-            <a:ext cx="2354957" cy="349131"/>
-          </a:xfrm>
-          <a:prstGeom prst="rect">
-            <a:avLst/>
-          </a:prstGeom>
-          <a:ln w="12700">
-            <a:miter lim="400000"/>
-          </a:ln>
-          <a:extLst>
-            <a:ext uri="{C572A759-6A51-4108-AA02-DFA0A04FC94B}">
-              <ma14:wrappingTextBoxFlag xmlns="" xmlns:ma14="http://schemas.microsoft.com/office/mac/drawingml/2011/main" val="1"/>
-            </a:ext>
-          </a:extLst>
-        </p:spPr>
-        <p:txBody>
-          <a:bodyPr wrap="square" lIns="35717" tIns="35717" rIns="35717" bIns="35717">
-            <a:spAutoFit/>
-          </a:bodyPr>
-          <a:lstStyle>
-            <a:lvl1pPr algn="l" defTabSz="647700">
-              <a:tabLst>
-                <a:tab pos="355600" algn="l"/>
-                <a:tab pos="711200" algn="l"/>
-                <a:tab pos="1079500" algn="l"/>
-                <a:tab pos="1435100" algn="l"/>
-                <a:tab pos="1790700" algn="l"/>
-                <a:tab pos="2159000" algn="l"/>
-                <a:tab pos="2514600" algn="l"/>
-                <a:tab pos="2870200" algn="l"/>
-                <a:tab pos="3238500" algn="l"/>
-                <a:tab pos="3594100" algn="l"/>
-                <a:tab pos="3949700" algn="l"/>
-                <a:tab pos="4318000" algn="l"/>
-              </a:tabLst>
-              <a:defRPr sz="1800">
-                <a:solidFill>
-                  <a:srgbClr val="F1FEF6"/>
-                </a:solidFill>
-                <a:latin typeface="Lucida Bright"/>
-                <a:ea typeface="Lucida Bright"/>
-                <a:cs typeface="Lucida Bright"/>
-                <a:sym typeface="Lucida Bright"/>
-              </a:defRPr>
-            </a:lvl1pPr>
-          </a:lstStyle>
-          <a:p>
-            <a:r>
-              <a:rPr lang="it-IT" dirty="0"/>
-              <a:t> &amp;  N. Tubini</a:t>
-            </a:r>
-            <a:endParaRPr dirty="0"/>
-          </a:p>
-        </p:txBody>
-      </p:sp>
-      <p:sp>
-        <p:nvSpPr>
-          <p:cNvPr id="2" name="CasellaDiTesto 1"/>
-          <p:cNvSpPr txBox="1"/>
-          <p:nvPr/>
-        </p:nvSpPr>
-        <p:spPr>
-          <a:xfrm>
-            <a:off x="1708712" y="524867"/>
-            <a:ext cx="5726575" cy="707886"/>
-          </a:xfrm>
-          <a:prstGeom prst="rect">
-            <a:avLst/>
-          </a:prstGeom>
-          <a:noFill/>
-        </p:spPr>
-        <p:txBody>
-          <a:bodyPr wrap="square" rtlCol="0">
-            <a:spAutoFit/>
-          </a:bodyPr>
-          <a:lstStyle/>
-          <a:p>
-            <a:pPr algn="ctr"/>
-            <a:r>
-              <a:rPr lang="it-IT" sz="2000" dirty="0"/>
-              <a:t>INPUT FILE FOR</a:t>
-            </a:r>
-          </a:p>
-          <a:p>
-            <a:pPr algn="ctr"/>
-            <a:r>
-              <a:rPr lang="it-IT" sz="2000" dirty="0"/>
-              <a:t>THE BOTTOM BOUNDARY CONDITION</a:t>
-            </a:r>
-            <a:endParaRPr lang="en-GB" sz="2000" dirty="0"/>
-          </a:p>
-        </p:txBody>
-      </p:sp>
-      <p:sp>
-        <p:nvSpPr>
-          <p:cNvPr id="17" name="Rettangolo 16"/>
-          <p:cNvSpPr/>
-          <p:nvPr/>
-        </p:nvSpPr>
-        <p:spPr>
-          <a:xfrm>
-            <a:off x="5791200" y="1828800"/>
-            <a:ext cx="3124200" cy="1219200"/>
-          </a:xfrm>
-          <a:prstGeom prst="rect">
-            <a:avLst/>
-          </a:prstGeom>
-          <a:noFill/>
-          <a:ln w="50800">
-            <a:solidFill>
-              <a:srgbClr val="00B050"/>
-            </a:solidFill>
-          </a:ln>
-        </p:spPr>
-        <p:style>
-          <a:lnRef idx="2">
-            <a:schemeClr val="accent1">
-              <a:shade val="50000"/>
-            </a:schemeClr>
-          </a:lnRef>
-          <a:fillRef idx="1">
-            <a:schemeClr val="accent1"/>
-          </a:fillRef>
-          <a:effectRef idx="0">
-            <a:schemeClr val="accent1"/>
-          </a:effectRef>
-          <a:fontRef idx="minor">
-            <a:schemeClr val="lt1"/>
-          </a:fontRef>
-        </p:style>
-        <p:txBody>
-          <a:bodyPr rtlCol="0" anchor="ctr"/>
-          <a:lstStyle/>
-          <a:p>
-            <a:pPr algn="ctr"/>
-            <a:endParaRPr lang="it-IT" dirty="0"/>
-          </a:p>
-        </p:txBody>
-      </p:sp>
-      <p:sp>
-        <p:nvSpPr>
-          <p:cNvPr id="18" name="CasellaDiTesto 17"/>
-          <p:cNvSpPr txBox="1"/>
-          <p:nvPr/>
-        </p:nvSpPr>
-        <p:spPr>
-          <a:xfrm>
-            <a:off x="5886499" y="1990161"/>
-            <a:ext cx="3041176" cy="1323439"/>
-          </a:xfrm>
-          <a:prstGeom prst="rect">
-            <a:avLst/>
-          </a:prstGeom>
-          <a:noFill/>
-        </p:spPr>
-        <p:txBody>
-          <a:bodyPr wrap="square" rtlCol="0">
-            <a:spAutoFit/>
-          </a:bodyPr>
-          <a:lstStyle/>
-          <a:p>
-            <a:r>
-              <a:rPr lang="it-IT" sz="2000" dirty="0"/>
-              <a:t>WATER PRESSURE AT THE BOTTOM OF THE DOMAIN  [m]</a:t>
-            </a:r>
-          </a:p>
-          <a:p>
-            <a:endParaRPr lang="it-IT" sz="2000" dirty="0"/>
-          </a:p>
-        </p:txBody>
-      </p:sp>
-      <p:cxnSp>
-        <p:nvCxnSpPr>
-          <p:cNvPr id="19" name="Connettore 2 18"/>
-          <p:cNvCxnSpPr/>
-          <p:nvPr/>
-        </p:nvCxnSpPr>
-        <p:spPr>
-          <a:xfrm flipH="1">
-            <a:off x="5257800" y="2403901"/>
-            <a:ext cx="533400" cy="609600"/>
-          </a:xfrm>
-          <a:prstGeom prst="straightConnector1">
-            <a:avLst/>
-          </a:prstGeom>
-          <a:ln w="57150">
-            <a:solidFill>
-              <a:srgbClr val="00B050"/>
-            </a:solidFill>
-            <a:tailEnd type="arrow"/>
-          </a:ln>
-        </p:spPr>
-        <p:style>
-          <a:lnRef idx="1">
-            <a:schemeClr val="accent1"/>
-          </a:lnRef>
-          <a:fillRef idx="0">
-            <a:schemeClr val="accent1"/>
-          </a:fillRef>
-          <a:effectRef idx="0">
-            <a:schemeClr val="accent1"/>
-          </a:effectRef>
-          <a:fontRef idx="minor">
-            <a:schemeClr val="tx1"/>
-          </a:fontRef>
-        </p:style>
-      </p:cxnSp>
-      <p:pic>
-        <p:nvPicPr>
-          <p:cNvPr id="10" name="Segnaposto contenuto 4"/>
-          <p:cNvPicPr>
-            <a:picLocks noChangeAspect="1"/>
-          </p:cNvPicPr>
-          <p:nvPr/>
-        </p:nvPicPr>
-        <p:blipFill>
-          <a:blip r:embed="rId2">
-            <a:extLst>
-              <a:ext uri="{28A0092B-C50C-407E-A947-70E740481C1C}">
-                <a14:useLocalDpi xmlns:a14="http://schemas.microsoft.com/office/drawing/2010/main" val="0"/>
-              </a:ext>
-            </a:extLst>
-          </a:blip>
-          <a:stretch>
-            <a:fillRect/>
-          </a:stretch>
-        </p:blipFill>
-        <p:spPr>
-          <a:xfrm>
-            <a:off x="685800" y="1828800"/>
-            <a:ext cx="4257833" cy="4025261"/>
-          </a:xfrm>
-          <a:prstGeom prst="rect">
-            <a:avLst/>
-          </a:prstGeom>
-        </p:spPr>
-      </p:pic>
-      <p:sp>
-        <p:nvSpPr>
-          <p:cNvPr id="16" name="Rettangolo 15"/>
-          <p:cNvSpPr/>
-          <p:nvPr/>
-        </p:nvSpPr>
-        <p:spPr>
-          <a:xfrm>
-            <a:off x="3276600" y="3048000"/>
-            <a:ext cx="1981200" cy="3084493"/>
-          </a:xfrm>
-          <a:prstGeom prst="rect">
-            <a:avLst/>
-          </a:prstGeom>
-          <a:noFill/>
-          <a:ln w="50800">
-            <a:solidFill>
-              <a:srgbClr val="00B050"/>
-            </a:solidFill>
-          </a:ln>
-        </p:spPr>
-        <p:style>
-          <a:lnRef idx="2">
-            <a:schemeClr val="accent1">
-              <a:shade val="50000"/>
-            </a:schemeClr>
-          </a:lnRef>
-          <a:fillRef idx="1">
-            <a:schemeClr val="accent1"/>
-          </a:fillRef>
-          <a:effectRef idx="0">
-            <a:schemeClr val="accent1"/>
-          </a:effectRef>
-          <a:fontRef idx="minor">
-            <a:schemeClr val="lt1"/>
-          </a:fontRef>
-        </p:style>
-        <p:txBody>
-          <a:bodyPr rtlCol="0" anchor="ctr"/>
-          <a:lstStyle/>
-          <a:p>
-            <a:pPr algn="ctr"/>
-            <a:endParaRPr lang="it-IT" dirty="0"/>
-          </a:p>
-        </p:txBody>
-      </p:sp>
-    </p:spTree>
-    <p:extLst>
-      <p:ext uri="{BB962C8B-B14F-4D97-AF65-F5344CB8AC3E}">
-        <p14:creationId xmlns:p14="http://schemas.microsoft.com/office/powerpoint/2010/main" val="3893143138"/>
-      </p:ext>
-    </p:extLst>
-  </p:cSld>
-  <p:clrMapOvr>
-    <a:masterClrMapping/>
-  </p:clrMapOvr>
-  <p:transition spd="med"/>
-</p:sld>
-</file>
-
-<file path=ppt/slides/slide33.xml><?xml version="1.0" encoding="utf-8"?>
-<p:sld xmlns:a="http://schemas.openxmlformats.org/drawingml/2006/main" xmlns:r="http://schemas.openxmlformats.org/officeDocument/2006/relationships" xmlns:p="http://schemas.openxmlformats.org/presentationml/2006/main">
-  <p:cSld>
-    <p:spTree>
-      <p:nvGrpSpPr>
-        <p:cNvPr id="1" name=""/>
-        <p:cNvGrpSpPr/>
-        <p:nvPr/>
-      </p:nvGrpSpPr>
-      <p:grpSpPr>
-        <a:xfrm>
-          <a:off x="0" y="0"/>
-          <a:ext cx="0" cy="0"/>
-          <a:chOff x="0" y="0"/>
-          <a:chExt cx="0" cy="0"/>
-        </a:xfrm>
-      </p:grpSpPr>
-      <p:pic>
-        <p:nvPicPr>
-          <p:cNvPr id="3" name="Immagine 2"/>
-          <p:cNvPicPr>
-            <a:picLocks noChangeAspect="1"/>
-          </p:cNvPicPr>
-          <p:nvPr/>
-        </p:nvPicPr>
-        <p:blipFill>
-          <a:blip r:embed="rId2">
-            <a:extLst>
-              <a:ext uri="{28A0092B-C50C-407E-A947-70E740481C1C}">
-                <a14:useLocalDpi xmlns:a14="http://schemas.microsoft.com/office/drawing/2010/main" val="0"/>
-              </a:ext>
-            </a:extLst>
-          </a:blip>
-          <a:stretch>
-            <a:fillRect/>
-          </a:stretch>
-        </p:blipFill>
-        <p:spPr>
-          <a:xfrm>
-            <a:off x="660820" y="3396165"/>
-            <a:ext cx="5130380" cy="2185831"/>
-          </a:xfrm>
-          <a:prstGeom prst="rect">
-            <a:avLst/>
-          </a:prstGeom>
-        </p:spPr>
-      </p:pic>
-      <p:sp>
-        <p:nvSpPr>
-          <p:cNvPr id="154" name="Shape 154"/>
-          <p:cNvSpPr/>
-          <p:nvPr/>
-        </p:nvSpPr>
-        <p:spPr>
-          <a:xfrm>
-            <a:off x="0" y="-8930"/>
-            <a:ext cx="7563445" cy="349131"/>
-          </a:xfrm>
-          <a:prstGeom prst="rect">
-            <a:avLst/>
-          </a:prstGeom>
-          <a:ln w="12700">
-            <a:miter lim="400000"/>
-          </a:ln>
-          <a:extLst>
-            <a:ext uri="{C572A759-6A51-4108-AA02-DFA0A04FC94B}">
-              <ma14:wrappingTextBoxFlag xmlns="" xmlns:ma14="http://schemas.microsoft.com/office/mac/drawingml/2011/main" val="1"/>
-            </a:ext>
-          </a:extLst>
-        </p:spPr>
-        <p:txBody>
-          <a:bodyPr lIns="35717" tIns="35717" rIns="35717" bIns="35717">
-            <a:spAutoFit/>
-          </a:bodyPr>
-          <a:lstStyle>
-            <a:lvl1pPr algn="l" defTabSz="647700">
-              <a:tabLst>
-                <a:tab pos="355600" algn="l"/>
-                <a:tab pos="711200" algn="l"/>
-                <a:tab pos="1079500" algn="l"/>
-                <a:tab pos="1435100" algn="l"/>
-                <a:tab pos="1790700" algn="l"/>
-                <a:tab pos="2159000" algn="l"/>
-                <a:tab pos="2514600" algn="l"/>
-                <a:tab pos="2870200" algn="l"/>
-                <a:tab pos="3238500" algn="l"/>
-                <a:tab pos="3594100" algn="l"/>
-                <a:tab pos="3949700" algn="l"/>
-                <a:tab pos="4318000" algn="l"/>
-              </a:tabLst>
-              <a:defRPr sz="1800">
-                <a:solidFill>
-                  <a:srgbClr val="F1FEF6"/>
-                </a:solidFill>
-                <a:latin typeface="Lucida Bright"/>
-                <a:ea typeface="Lucida Bright"/>
-                <a:cs typeface="Lucida Bright"/>
-                <a:sym typeface="Lucida Bright"/>
-              </a:defRPr>
-            </a:lvl1pPr>
-          </a:lstStyle>
-          <a:p>
-            <a:pPr algn="just"/>
-            <a:r>
-              <a:rPr lang="en-US" dirty="0"/>
-              <a:t>Solving Richards’ equation with OMS console</a:t>
-            </a:r>
-          </a:p>
-        </p:txBody>
-      </p:sp>
-      <p:sp>
-        <p:nvSpPr>
-          <p:cNvPr id="14" name="Shape 154"/>
-          <p:cNvSpPr/>
-          <p:nvPr/>
-        </p:nvSpPr>
-        <p:spPr>
-          <a:xfrm>
-            <a:off x="1049289" y="6508869"/>
-            <a:ext cx="2354957" cy="349131"/>
-          </a:xfrm>
-          <a:prstGeom prst="rect">
-            <a:avLst/>
-          </a:prstGeom>
-          <a:ln w="12700">
-            <a:miter lim="400000"/>
-          </a:ln>
-          <a:extLst>
-            <a:ext uri="{C572A759-6A51-4108-AA02-DFA0A04FC94B}">
-              <ma14:wrappingTextBoxFlag xmlns="" xmlns:ma14="http://schemas.microsoft.com/office/mac/drawingml/2011/main" val="1"/>
-            </a:ext>
-          </a:extLst>
-        </p:spPr>
-        <p:txBody>
-          <a:bodyPr wrap="square" lIns="35717" tIns="35717" rIns="35717" bIns="35717">
-            <a:spAutoFit/>
-          </a:bodyPr>
-          <a:lstStyle>
-            <a:lvl1pPr algn="l" defTabSz="647700">
-              <a:tabLst>
-                <a:tab pos="355600" algn="l"/>
-                <a:tab pos="711200" algn="l"/>
-                <a:tab pos="1079500" algn="l"/>
-                <a:tab pos="1435100" algn="l"/>
-                <a:tab pos="1790700" algn="l"/>
-                <a:tab pos="2159000" algn="l"/>
-                <a:tab pos="2514600" algn="l"/>
-                <a:tab pos="2870200" algn="l"/>
-                <a:tab pos="3238500" algn="l"/>
-                <a:tab pos="3594100" algn="l"/>
-                <a:tab pos="3949700" algn="l"/>
-                <a:tab pos="4318000" algn="l"/>
-              </a:tabLst>
-              <a:defRPr sz="1800">
-                <a:solidFill>
-                  <a:srgbClr val="F1FEF6"/>
-                </a:solidFill>
-                <a:latin typeface="Lucida Bright"/>
-                <a:ea typeface="Lucida Bright"/>
-                <a:cs typeface="Lucida Bright"/>
-                <a:sym typeface="Lucida Bright"/>
-              </a:defRPr>
-            </a:lvl1pPr>
-          </a:lstStyle>
-          <a:p>
-            <a:r>
-              <a:rPr lang="it-IT" dirty="0"/>
-              <a:t> &amp;  N. Tubini</a:t>
-            </a:r>
-            <a:endParaRPr dirty="0"/>
-          </a:p>
-        </p:txBody>
-      </p:sp>
-      <p:sp>
-        <p:nvSpPr>
-          <p:cNvPr id="2" name="CasellaDiTesto 1"/>
-          <p:cNvSpPr txBox="1"/>
-          <p:nvPr/>
-        </p:nvSpPr>
-        <p:spPr>
-          <a:xfrm>
-            <a:off x="1708712" y="524867"/>
-            <a:ext cx="5726575" cy="400110"/>
-          </a:xfrm>
-          <a:prstGeom prst="rect">
-            <a:avLst/>
-          </a:prstGeom>
-          <a:noFill/>
-        </p:spPr>
-        <p:txBody>
-          <a:bodyPr wrap="square" rtlCol="0">
-            <a:spAutoFit/>
-          </a:bodyPr>
-          <a:lstStyle/>
-          <a:p>
-            <a:pPr algn="ctr"/>
-            <a:r>
-              <a:rPr lang="it-IT" sz="2000" dirty="0"/>
-              <a:t>WATER PRESSURE OUTPUT FILE</a:t>
-            </a:r>
-            <a:endParaRPr lang="en-GB" sz="2000" dirty="0"/>
-          </a:p>
-        </p:txBody>
-      </p:sp>
-      <p:sp>
-        <p:nvSpPr>
-          <p:cNvPr id="11" name="CasellaDiTesto 10"/>
-          <p:cNvSpPr txBox="1"/>
-          <p:nvPr/>
-        </p:nvSpPr>
-        <p:spPr>
-          <a:xfrm>
-            <a:off x="484188" y="1111626"/>
-            <a:ext cx="4038600" cy="707886"/>
-          </a:xfrm>
-          <a:prstGeom prst="rect">
-            <a:avLst/>
-          </a:prstGeom>
-          <a:noFill/>
-        </p:spPr>
-        <p:txBody>
-          <a:bodyPr wrap="square" rtlCol="0">
-            <a:spAutoFit/>
-          </a:bodyPr>
-          <a:lstStyle/>
-          <a:p>
-            <a:pPr algn="just"/>
-            <a:r>
-              <a:rPr lang="it-IT" sz="2000" dirty="0"/>
-              <a:t>TIME AT WHICH THE SOLUTION IS COMPUTED</a:t>
-            </a:r>
-          </a:p>
-        </p:txBody>
-      </p:sp>
-      <p:sp>
-        <p:nvSpPr>
-          <p:cNvPr id="12" name="Rettangolo 11"/>
-          <p:cNvSpPr/>
-          <p:nvPr/>
-        </p:nvSpPr>
-        <p:spPr>
-          <a:xfrm>
-            <a:off x="398069" y="3135729"/>
-            <a:ext cx="3537419" cy="569893"/>
-          </a:xfrm>
-          <a:prstGeom prst="rect">
-            <a:avLst/>
-          </a:prstGeom>
-          <a:noFill/>
-          <a:ln w="50800">
-            <a:solidFill>
-              <a:srgbClr val="00B050"/>
-            </a:solidFill>
-          </a:ln>
-        </p:spPr>
-        <p:style>
-          <a:lnRef idx="2">
-            <a:schemeClr val="accent1">
-              <a:shade val="50000"/>
-            </a:schemeClr>
-          </a:lnRef>
-          <a:fillRef idx="1">
-            <a:schemeClr val="accent1"/>
-          </a:fillRef>
-          <a:effectRef idx="0">
-            <a:schemeClr val="accent1"/>
-          </a:effectRef>
-          <a:fontRef idx="minor">
-            <a:schemeClr val="lt1"/>
-          </a:fontRef>
-        </p:style>
-        <p:txBody>
-          <a:bodyPr rtlCol="0" anchor="ctr"/>
-          <a:lstStyle/>
-          <a:p>
-            <a:pPr algn="ctr"/>
-            <a:endParaRPr lang="it-IT" dirty="0"/>
-          </a:p>
-        </p:txBody>
-      </p:sp>
-      <p:sp>
-        <p:nvSpPr>
-          <p:cNvPr id="13" name="Rettangolo 12"/>
-          <p:cNvSpPr/>
-          <p:nvPr/>
-        </p:nvSpPr>
-        <p:spPr>
-          <a:xfrm>
-            <a:off x="331788" y="1111626"/>
-            <a:ext cx="4191000" cy="1219200"/>
-          </a:xfrm>
-          <a:prstGeom prst="rect">
-            <a:avLst/>
-          </a:prstGeom>
-          <a:noFill/>
-          <a:ln w="50800">
-            <a:solidFill>
-              <a:srgbClr val="00B050"/>
-            </a:solidFill>
-          </a:ln>
-        </p:spPr>
-        <p:style>
-          <a:lnRef idx="2">
-            <a:schemeClr val="accent1">
-              <a:shade val="50000"/>
-            </a:schemeClr>
-          </a:lnRef>
-          <a:fillRef idx="1">
-            <a:schemeClr val="accent1"/>
-          </a:fillRef>
-          <a:effectRef idx="0">
-            <a:schemeClr val="accent1"/>
-          </a:effectRef>
-          <a:fontRef idx="minor">
-            <a:schemeClr val="lt1"/>
-          </a:fontRef>
-        </p:style>
-        <p:txBody>
-          <a:bodyPr rtlCol="0" anchor="ctr"/>
-          <a:lstStyle/>
-          <a:p>
-            <a:pPr algn="ctr"/>
-            <a:endParaRPr lang="it-IT" dirty="0"/>
-          </a:p>
-        </p:txBody>
-      </p:sp>
-      <p:cxnSp>
-        <p:nvCxnSpPr>
-          <p:cNvPr id="20" name="Connettore 2 19"/>
-          <p:cNvCxnSpPr/>
-          <p:nvPr/>
-        </p:nvCxnSpPr>
-        <p:spPr>
-          <a:xfrm>
-            <a:off x="1703388" y="2407026"/>
-            <a:ext cx="0" cy="609600"/>
-          </a:xfrm>
-          <a:prstGeom prst="straightConnector1">
-            <a:avLst/>
-          </a:prstGeom>
-          <a:ln w="57150">
-            <a:solidFill>
-              <a:srgbClr val="00B050"/>
-            </a:solidFill>
-            <a:tailEnd type="arrow"/>
-          </a:ln>
-        </p:spPr>
-        <p:style>
-          <a:lnRef idx="1">
-            <a:schemeClr val="accent1"/>
-          </a:lnRef>
-          <a:fillRef idx="0">
-            <a:schemeClr val="accent1"/>
-          </a:fillRef>
-          <a:effectRef idx="0">
-            <a:schemeClr val="accent1"/>
-          </a:effectRef>
-          <a:fontRef idx="minor">
-            <a:schemeClr val="tx1"/>
-          </a:fontRef>
-        </p:style>
-      </p:cxnSp>
-      <p:sp>
-        <p:nvSpPr>
-          <p:cNvPr id="21" name="CasellaDiTesto 20"/>
-          <p:cNvSpPr txBox="1"/>
-          <p:nvPr/>
-        </p:nvSpPr>
-        <p:spPr>
-          <a:xfrm>
-            <a:off x="439264" y="5979458"/>
-            <a:ext cx="2403143" cy="400110"/>
-          </a:xfrm>
-          <a:prstGeom prst="rect">
-            <a:avLst/>
-          </a:prstGeom>
-          <a:noFill/>
-        </p:spPr>
-        <p:txBody>
-          <a:bodyPr wrap="square" rtlCol="0">
-            <a:spAutoFit/>
-          </a:bodyPr>
-          <a:lstStyle/>
-          <a:p>
-            <a:r>
-              <a:rPr lang="it-IT" sz="2000" dirty="0"/>
-              <a:t>DEPTH [m]</a:t>
-            </a:r>
-          </a:p>
-        </p:txBody>
-      </p:sp>
-      <p:sp>
-        <p:nvSpPr>
-          <p:cNvPr id="22" name="CasellaDiTesto 21"/>
-          <p:cNvSpPr txBox="1"/>
-          <p:nvPr/>
-        </p:nvSpPr>
-        <p:spPr>
-          <a:xfrm>
-            <a:off x="4665270" y="5997406"/>
-            <a:ext cx="2900915" cy="400110"/>
-          </a:xfrm>
-          <a:prstGeom prst="rect">
-            <a:avLst/>
-          </a:prstGeom>
-          <a:noFill/>
-        </p:spPr>
-        <p:txBody>
-          <a:bodyPr wrap="square" rtlCol="0">
-            <a:spAutoFit/>
-          </a:bodyPr>
-          <a:lstStyle/>
-          <a:p>
-            <a:r>
-              <a:rPr lang="it-IT" sz="2000" dirty="0"/>
-              <a:t>WATER PRESSURE [m]</a:t>
-            </a:r>
-          </a:p>
-        </p:txBody>
-      </p:sp>
-      <p:sp>
-        <p:nvSpPr>
-          <p:cNvPr id="23" name="Rettangolo 22"/>
-          <p:cNvSpPr/>
-          <p:nvPr/>
-        </p:nvSpPr>
-        <p:spPr>
-          <a:xfrm>
-            <a:off x="3930181" y="5912226"/>
-            <a:ext cx="3537419" cy="569893"/>
-          </a:xfrm>
-          <a:prstGeom prst="rect">
-            <a:avLst/>
-          </a:prstGeom>
-          <a:noFill/>
-          <a:ln w="50800">
-            <a:solidFill>
-              <a:srgbClr val="0070C0"/>
-            </a:solidFill>
-          </a:ln>
-        </p:spPr>
-        <p:style>
-          <a:lnRef idx="2">
-            <a:schemeClr val="accent1">
-              <a:shade val="50000"/>
-            </a:schemeClr>
-          </a:lnRef>
-          <a:fillRef idx="1">
-            <a:schemeClr val="accent1"/>
-          </a:fillRef>
-          <a:effectRef idx="0">
-            <a:schemeClr val="accent1"/>
-          </a:effectRef>
-          <a:fontRef idx="minor">
-            <a:schemeClr val="lt1"/>
-          </a:fontRef>
-        </p:style>
-        <p:txBody>
-          <a:bodyPr rtlCol="0" anchor="ctr"/>
-          <a:lstStyle/>
-          <a:p>
-            <a:pPr algn="ctr"/>
-            <a:endParaRPr lang="it-IT" dirty="0"/>
-          </a:p>
-        </p:txBody>
-      </p:sp>
-      <p:sp>
-        <p:nvSpPr>
-          <p:cNvPr id="24" name="Rettangolo 23"/>
-          <p:cNvSpPr/>
-          <p:nvPr/>
-        </p:nvSpPr>
-        <p:spPr>
-          <a:xfrm>
-            <a:off x="1981200" y="3778626"/>
-            <a:ext cx="4419600" cy="1803370"/>
-          </a:xfrm>
-          <a:prstGeom prst="rect">
-            <a:avLst/>
-          </a:prstGeom>
-          <a:noFill/>
-          <a:ln w="50800">
-            <a:solidFill>
-              <a:srgbClr val="0070C0"/>
-            </a:solidFill>
-          </a:ln>
-        </p:spPr>
-        <p:style>
-          <a:lnRef idx="2">
-            <a:schemeClr val="accent1">
-              <a:shade val="50000"/>
-            </a:schemeClr>
-          </a:lnRef>
-          <a:fillRef idx="1">
-            <a:schemeClr val="accent1"/>
-          </a:fillRef>
-          <a:effectRef idx="0">
-            <a:schemeClr val="accent1"/>
-          </a:effectRef>
-          <a:fontRef idx="minor">
-            <a:schemeClr val="lt1"/>
-          </a:fontRef>
-        </p:style>
-        <p:txBody>
-          <a:bodyPr rtlCol="0" anchor="ctr"/>
-          <a:lstStyle/>
-          <a:p>
-            <a:pPr algn="ctr"/>
-            <a:endParaRPr lang="it-IT" dirty="0"/>
-          </a:p>
-        </p:txBody>
-      </p:sp>
-      <p:cxnSp>
-        <p:nvCxnSpPr>
-          <p:cNvPr id="25" name="Connettore 2 24"/>
-          <p:cNvCxnSpPr/>
-          <p:nvPr/>
-        </p:nvCxnSpPr>
-        <p:spPr>
-          <a:xfrm>
-            <a:off x="5867400" y="5581996"/>
-            <a:ext cx="0" cy="297063"/>
-          </a:xfrm>
-          <a:prstGeom prst="straightConnector1">
-            <a:avLst/>
-          </a:prstGeom>
-          <a:ln w="57150">
-            <a:solidFill>
-              <a:srgbClr val="0070C0"/>
-            </a:solidFill>
-            <a:tailEnd type="arrow"/>
-          </a:ln>
-        </p:spPr>
-        <p:style>
-          <a:lnRef idx="1">
-            <a:schemeClr val="accent1"/>
-          </a:lnRef>
-          <a:fillRef idx="0">
-            <a:schemeClr val="accent1"/>
-          </a:fillRef>
-          <a:effectRef idx="0">
-            <a:schemeClr val="accent1"/>
-          </a:effectRef>
-          <a:fontRef idx="minor">
-            <a:schemeClr val="tx1"/>
-          </a:fontRef>
-        </p:style>
-      </p:cxnSp>
-      <p:sp>
-        <p:nvSpPr>
-          <p:cNvPr id="26" name="Rettangolo 25"/>
-          <p:cNvSpPr/>
-          <p:nvPr/>
-        </p:nvSpPr>
-        <p:spPr>
-          <a:xfrm>
-            <a:off x="342659" y="5861130"/>
-            <a:ext cx="1710258" cy="569893"/>
-          </a:xfrm>
-          <a:prstGeom prst="rect">
-            <a:avLst/>
-          </a:prstGeom>
-          <a:noFill/>
-          <a:ln w="50800">
-            <a:solidFill>
-              <a:srgbClr val="FF0000"/>
-            </a:solidFill>
-          </a:ln>
-        </p:spPr>
-        <p:style>
-          <a:lnRef idx="2">
-            <a:schemeClr val="accent1">
-              <a:shade val="50000"/>
-            </a:schemeClr>
-          </a:lnRef>
-          <a:fillRef idx="1">
-            <a:schemeClr val="accent1"/>
-          </a:fillRef>
-          <a:effectRef idx="0">
-            <a:schemeClr val="accent1"/>
-          </a:effectRef>
-          <a:fontRef idx="minor">
-            <a:schemeClr val="lt1"/>
-          </a:fontRef>
-        </p:style>
-        <p:txBody>
-          <a:bodyPr rtlCol="0" anchor="ctr"/>
-          <a:lstStyle/>
-          <a:p>
-            <a:pPr algn="ctr"/>
-            <a:endParaRPr lang="it-IT" dirty="0"/>
-          </a:p>
-        </p:txBody>
-      </p:sp>
-      <p:sp>
-        <p:nvSpPr>
-          <p:cNvPr id="27" name="Rettangolo 26"/>
-          <p:cNvSpPr/>
-          <p:nvPr/>
-        </p:nvSpPr>
-        <p:spPr>
-          <a:xfrm>
-            <a:off x="376516" y="3778626"/>
-            <a:ext cx="1616497" cy="1803370"/>
-          </a:xfrm>
-          <a:prstGeom prst="rect">
-            <a:avLst/>
-          </a:prstGeom>
-          <a:noFill/>
-          <a:ln w="50800">
-            <a:solidFill>
-              <a:srgbClr val="FF0000"/>
-            </a:solidFill>
-          </a:ln>
-        </p:spPr>
-        <p:style>
-          <a:lnRef idx="2">
-            <a:schemeClr val="accent1">
-              <a:shade val="50000"/>
-            </a:schemeClr>
-          </a:lnRef>
-          <a:fillRef idx="1">
-            <a:schemeClr val="accent1"/>
-          </a:fillRef>
-          <a:effectRef idx="0">
-            <a:schemeClr val="accent1"/>
-          </a:effectRef>
-          <a:fontRef idx="minor">
-            <a:schemeClr val="lt1"/>
-          </a:fontRef>
-        </p:style>
-        <p:txBody>
-          <a:bodyPr rtlCol="0" anchor="ctr"/>
-          <a:lstStyle/>
-          <a:p>
-            <a:pPr algn="ctr"/>
-            <a:endParaRPr lang="it-IT" dirty="0"/>
-          </a:p>
-        </p:txBody>
-      </p:sp>
-      <p:cxnSp>
-        <p:nvCxnSpPr>
-          <p:cNvPr id="28" name="Connettore 2 27"/>
-          <p:cNvCxnSpPr/>
-          <p:nvPr/>
-        </p:nvCxnSpPr>
-        <p:spPr>
-          <a:xfrm>
-            <a:off x="1371600" y="5560814"/>
-            <a:ext cx="0" cy="304800"/>
-          </a:xfrm>
-          <a:prstGeom prst="straightConnector1">
-            <a:avLst/>
-          </a:prstGeom>
-          <a:ln w="57150">
-            <a:solidFill>
-              <a:srgbClr val="FF0000"/>
-            </a:solidFill>
-            <a:tailEnd type="arrow"/>
-          </a:ln>
-        </p:spPr>
-        <p:style>
-          <a:lnRef idx="1">
-            <a:schemeClr val="accent1"/>
-          </a:lnRef>
-          <a:fillRef idx="0">
-            <a:schemeClr val="accent1"/>
-          </a:fillRef>
-          <a:effectRef idx="0">
-            <a:schemeClr val="accent1"/>
-          </a:effectRef>
-          <a:fontRef idx="minor">
-            <a:schemeClr val="tx1"/>
-          </a:fontRef>
-        </p:style>
-      </p:cxnSp>
-    </p:spTree>
-    <p:extLst>
-      <p:ext uri="{BB962C8B-B14F-4D97-AF65-F5344CB8AC3E}">
-        <p14:creationId xmlns:p14="http://schemas.microsoft.com/office/powerpoint/2010/main" val="3867650883"/>
-      </p:ext>
-    </p:extLst>
-  </p:cSld>
-  <p:clrMapOvr>
-    <a:masterClrMapping/>
-  </p:clrMapOvr>
-  <p:transition spd="med"/>
-</p:sld>
-</file>
-
-<file path=ppt/slides/slide34.xml><?xml version="1.0" encoding="utf-8"?>
-<p:sld xmlns:a="http://schemas.openxmlformats.org/drawingml/2006/main" xmlns:r="http://schemas.openxmlformats.org/officeDocument/2006/relationships" xmlns:p="http://schemas.openxmlformats.org/presentationml/2006/main">
-  <p:cSld>
-    <p:spTree>
-      <p:nvGrpSpPr>
-        <p:cNvPr id="1" name=""/>
-        <p:cNvGrpSpPr/>
-        <p:nvPr/>
-      </p:nvGrpSpPr>
-      <p:grpSpPr>
-        <a:xfrm>
-          <a:off x="0" y="0"/>
-          <a:ext cx="0" cy="0"/>
-          <a:chOff x="0" y="0"/>
-          <a:chExt cx="0" cy="0"/>
-        </a:xfrm>
-      </p:grpSpPr>
-      <p:pic>
-        <p:nvPicPr>
-          <p:cNvPr id="4" name="Immagine 3"/>
-          <p:cNvPicPr>
-            <a:picLocks noChangeAspect="1"/>
-          </p:cNvPicPr>
-          <p:nvPr/>
-        </p:nvPicPr>
-        <p:blipFill>
-          <a:blip r:embed="rId2">
-            <a:extLst>
-              <a:ext uri="{28A0092B-C50C-407E-A947-70E740481C1C}">
-                <a14:useLocalDpi xmlns:a14="http://schemas.microsoft.com/office/drawing/2010/main" val="0"/>
-              </a:ext>
-            </a:extLst>
-          </a:blip>
-          <a:stretch>
-            <a:fillRect/>
-          </a:stretch>
-        </p:blipFill>
-        <p:spPr>
-          <a:xfrm>
-            <a:off x="468985" y="3140210"/>
-            <a:ext cx="4746844" cy="2216426"/>
-          </a:xfrm>
-          <a:prstGeom prst="rect">
-            <a:avLst/>
-          </a:prstGeom>
-        </p:spPr>
-      </p:pic>
-      <p:sp>
-        <p:nvSpPr>
-          <p:cNvPr id="154" name="Shape 154"/>
-          <p:cNvSpPr/>
-          <p:nvPr/>
-        </p:nvSpPr>
-        <p:spPr>
-          <a:xfrm>
-            <a:off x="0" y="-8930"/>
-            <a:ext cx="7563445" cy="349131"/>
-          </a:xfrm>
-          <a:prstGeom prst="rect">
-            <a:avLst/>
-          </a:prstGeom>
-          <a:ln w="12700">
-            <a:miter lim="400000"/>
-          </a:ln>
-          <a:extLst>
-            <a:ext uri="{C572A759-6A51-4108-AA02-DFA0A04FC94B}">
-              <ma14:wrappingTextBoxFlag xmlns="" xmlns:ma14="http://schemas.microsoft.com/office/mac/drawingml/2011/main" val="1"/>
-            </a:ext>
-          </a:extLst>
-        </p:spPr>
-        <p:txBody>
-          <a:bodyPr lIns="35717" tIns="35717" rIns="35717" bIns="35717">
-            <a:spAutoFit/>
-          </a:bodyPr>
-          <a:lstStyle>
-            <a:lvl1pPr algn="l" defTabSz="647700">
-              <a:tabLst>
-                <a:tab pos="355600" algn="l"/>
-                <a:tab pos="711200" algn="l"/>
-                <a:tab pos="1079500" algn="l"/>
-                <a:tab pos="1435100" algn="l"/>
-                <a:tab pos="1790700" algn="l"/>
-                <a:tab pos="2159000" algn="l"/>
-                <a:tab pos="2514600" algn="l"/>
-                <a:tab pos="2870200" algn="l"/>
-                <a:tab pos="3238500" algn="l"/>
-                <a:tab pos="3594100" algn="l"/>
-                <a:tab pos="3949700" algn="l"/>
-                <a:tab pos="4318000" algn="l"/>
-              </a:tabLst>
-              <a:defRPr sz="1800">
-                <a:solidFill>
-                  <a:srgbClr val="F1FEF6"/>
-                </a:solidFill>
-                <a:latin typeface="Lucida Bright"/>
-                <a:ea typeface="Lucida Bright"/>
-                <a:cs typeface="Lucida Bright"/>
-                <a:sym typeface="Lucida Bright"/>
-              </a:defRPr>
-            </a:lvl1pPr>
-          </a:lstStyle>
-          <a:p>
-            <a:pPr algn="just"/>
-            <a:r>
-              <a:rPr lang="en-US" dirty="0"/>
-              <a:t>Solving Richards’ equation with OMS console</a:t>
-            </a:r>
-          </a:p>
-        </p:txBody>
-      </p:sp>
-      <p:sp>
-        <p:nvSpPr>
-          <p:cNvPr id="14" name="Shape 154"/>
-          <p:cNvSpPr/>
-          <p:nvPr/>
-        </p:nvSpPr>
-        <p:spPr>
-          <a:xfrm>
-            <a:off x="1049289" y="6508869"/>
-            <a:ext cx="2354957" cy="349131"/>
-          </a:xfrm>
-          <a:prstGeom prst="rect">
-            <a:avLst/>
-          </a:prstGeom>
-          <a:ln w="12700">
-            <a:miter lim="400000"/>
-          </a:ln>
-          <a:extLst>
-            <a:ext uri="{C572A759-6A51-4108-AA02-DFA0A04FC94B}">
-              <ma14:wrappingTextBoxFlag xmlns="" xmlns:ma14="http://schemas.microsoft.com/office/mac/drawingml/2011/main" val="1"/>
-            </a:ext>
-          </a:extLst>
-        </p:spPr>
-        <p:txBody>
-          <a:bodyPr wrap="square" lIns="35717" tIns="35717" rIns="35717" bIns="35717">
-            <a:spAutoFit/>
-          </a:bodyPr>
-          <a:lstStyle>
-            <a:lvl1pPr algn="l" defTabSz="647700">
-              <a:tabLst>
-                <a:tab pos="355600" algn="l"/>
-                <a:tab pos="711200" algn="l"/>
-                <a:tab pos="1079500" algn="l"/>
-                <a:tab pos="1435100" algn="l"/>
-                <a:tab pos="1790700" algn="l"/>
-                <a:tab pos="2159000" algn="l"/>
-                <a:tab pos="2514600" algn="l"/>
-                <a:tab pos="2870200" algn="l"/>
-                <a:tab pos="3238500" algn="l"/>
-                <a:tab pos="3594100" algn="l"/>
-                <a:tab pos="3949700" algn="l"/>
-                <a:tab pos="4318000" algn="l"/>
-              </a:tabLst>
-              <a:defRPr sz="1800">
-                <a:solidFill>
-                  <a:srgbClr val="F1FEF6"/>
-                </a:solidFill>
-                <a:latin typeface="Lucida Bright"/>
-                <a:ea typeface="Lucida Bright"/>
-                <a:cs typeface="Lucida Bright"/>
-                <a:sym typeface="Lucida Bright"/>
-              </a:defRPr>
-            </a:lvl1pPr>
-          </a:lstStyle>
-          <a:p>
-            <a:r>
-              <a:rPr lang="it-IT" dirty="0"/>
-              <a:t> &amp;  N. Tubini</a:t>
-            </a:r>
-            <a:endParaRPr dirty="0"/>
-          </a:p>
-        </p:txBody>
-      </p:sp>
-      <p:sp>
-        <p:nvSpPr>
-          <p:cNvPr id="2" name="CasellaDiTesto 1"/>
-          <p:cNvSpPr txBox="1"/>
-          <p:nvPr/>
-        </p:nvSpPr>
-        <p:spPr>
-          <a:xfrm>
-            <a:off x="1708712" y="524867"/>
-            <a:ext cx="5726575" cy="400110"/>
-          </a:xfrm>
-          <a:prstGeom prst="rect">
-            <a:avLst/>
-          </a:prstGeom>
-          <a:noFill/>
-        </p:spPr>
-        <p:txBody>
-          <a:bodyPr wrap="square" rtlCol="0">
-            <a:spAutoFit/>
-          </a:bodyPr>
-          <a:lstStyle/>
-          <a:p>
-            <a:pPr algn="ctr"/>
-            <a:r>
-              <a:rPr lang="it-IT" sz="2000" dirty="0"/>
-              <a:t>WATER CONTENT OUTPUT FILE</a:t>
-            </a:r>
-            <a:endParaRPr lang="en-GB" sz="2000" dirty="0"/>
-          </a:p>
-        </p:txBody>
-      </p:sp>
-      <p:sp>
-        <p:nvSpPr>
-          <p:cNvPr id="11" name="CasellaDiTesto 10"/>
-          <p:cNvSpPr txBox="1"/>
-          <p:nvPr/>
-        </p:nvSpPr>
-        <p:spPr>
-          <a:xfrm>
-            <a:off x="1039987" y="1039910"/>
-            <a:ext cx="4038600" cy="707886"/>
-          </a:xfrm>
-          <a:prstGeom prst="rect">
-            <a:avLst/>
-          </a:prstGeom>
-          <a:noFill/>
-        </p:spPr>
-        <p:txBody>
-          <a:bodyPr wrap="square" rtlCol="0">
-            <a:spAutoFit/>
-          </a:bodyPr>
-          <a:lstStyle/>
-          <a:p>
-            <a:pPr algn="just"/>
-            <a:r>
-              <a:rPr lang="it-IT" sz="2000" dirty="0"/>
-              <a:t>TIME AT WHICH THE SOLUTION IS COMPUTED</a:t>
-            </a:r>
-          </a:p>
-        </p:txBody>
-      </p:sp>
-      <p:sp>
-        <p:nvSpPr>
-          <p:cNvPr id="12" name="Rettangolo 11"/>
-          <p:cNvSpPr/>
-          <p:nvPr/>
-        </p:nvSpPr>
-        <p:spPr>
-          <a:xfrm>
-            <a:off x="321968" y="2868710"/>
-            <a:ext cx="3537419" cy="569893"/>
-          </a:xfrm>
-          <a:prstGeom prst="rect">
-            <a:avLst/>
-          </a:prstGeom>
-          <a:noFill/>
-          <a:ln w="50800">
-            <a:solidFill>
-              <a:srgbClr val="00B050"/>
-            </a:solidFill>
-          </a:ln>
-        </p:spPr>
-        <p:style>
-          <a:lnRef idx="2">
-            <a:schemeClr val="accent1">
-              <a:shade val="50000"/>
-            </a:schemeClr>
-          </a:lnRef>
-          <a:fillRef idx="1">
-            <a:schemeClr val="accent1"/>
-          </a:fillRef>
-          <a:effectRef idx="0">
-            <a:schemeClr val="accent1"/>
-          </a:effectRef>
-          <a:fontRef idx="minor">
-            <a:schemeClr val="lt1"/>
-          </a:fontRef>
-        </p:style>
-        <p:txBody>
-          <a:bodyPr rtlCol="0" anchor="ctr"/>
-          <a:lstStyle/>
-          <a:p>
-            <a:pPr algn="ctr"/>
-            <a:endParaRPr lang="it-IT" dirty="0"/>
-          </a:p>
-        </p:txBody>
-      </p:sp>
-      <p:sp>
-        <p:nvSpPr>
-          <p:cNvPr id="13" name="Rettangolo 12"/>
-          <p:cNvSpPr/>
-          <p:nvPr/>
-        </p:nvSpPr>
-        <p:spPr>
-          <a:xfrm>
-            <a:off x="887587" y="1039910"/>
-            <a:ext cx="4191000" cy="1219200"/>
-          </a:xfrm>
-          <a:prstGeom prst="rect">
-            <a:avLst/>
-          </a:prstGeom>
-          <a:noFill/>
-          <a:ln w="50800">
-            <a:solidFill>
-              <a:srgbClr val="00B050"/>
-            </a:solidFill>
-          </a:ln>
-        </p:spPr>
-        <p:style>
-          <a:lnRef idx="2">
-            <a:schemeClr val="accent1">
-              <a:shade val="50000"/>
-            </a:schemeClr>
-          </a:lnRef>
-          <a:fillRef idx="1">
-            <a:schemeClr val="accent1"/>
-          </a:fillRef>
-          <a:effectRef idx="0">
-            <a:schemeClr val="accent1"/>
-          </a:effectRef>
-          <a:fontRef idx="minor">
-            <a:schemeClr val="lt1"/>
-          </a:fontRef>
-        </p:style>
-        <p:txBody>
-          <a:bodyPr rtlCol="0" anchor="ctr"/>
-          <a:lstStyle/>
-          <a:p>
-            <a:pPr algn="ctr"/>
-            <a:endParaRPr lang="it-IT" dirty="0"/>
-          </a:p>
-        </p:txBody>
-      </p:sp>
-      <p:cxnSp>
-        <p:nvCxnSpPr>
-          <p:cNvPr id="20" name="Connettore 2 19"/>
-          <p:cNvCxnSpPr/>
-          <p:nvPr/>
-        </p:nvCxnSpPr>
-        <p:spPr>
-          <a:xfrm>
-            <a:off x="2259187" y="2335310"/>
-            <a:ext cx="0" cy="609600"/>
-          </a:xfrm>
-          <a:prstGeom prst="straightConnector1">
-            <a:avLst/>
-          </a:prstGeom>
-          <a:ln w="57150">
-            <a:solidFill>
-              <a:srgbClr val="00B050"/>
-            </a:solidFill>
-            <a:tailEnd type="arrow"/>
-          </a:ln>
-        </p:spPr>
-        <p:style>
-          <a:lnRef idx="1">
-            <a:schemeClr val="accent1"/>
-          </a:lnRef>
-          <a:fillRef idx="0">
-            <a:schemeClr val="accent1"/>
-          </a:fillRef>
-          <a:effectRef idx="0">
-            <a:schemeClr val="accent1"/>
-          </a:effectRef>
-          <a:fontRef idx="minor">
-            <a:schemeClr val="tx1"/>
-          </a:fontRef>
-        </p:style>
-      </p:cxnSp>
-      <p:sp>
-        <p:nvSpPr>
-          <p:cNvPr id="21" name="CasellaDiTesto 20"/>
-          <p:cNvSpPr txBox="1"/>
-          <p:nvPr/>
-        </p:nvSpPr>
-        <p:spPr>
-          <a:xfrm>
-            <a:off x="439264" y="5943600"/>
-            <a:ext cx="2403143" cy="400110"/>
-          </a:xfrm>
-          <a:prstGeom prst="rect">
-            <a:avLst/>
-          </a:prstGeom>
-          <a:noFill/>
-        </p:spPr>
-        <p:txBody>
-          <a:bodyPr wrap="square" rtlCol="0">
-            <a:spAutoFit/>
-          </a:bodyPr>
-          <a:lstStyle/>
-          <a:p>
-            <a:r>
-              <a:rPr lang="it-IT" sz="2000" dirty="0"/>
-              <a:t>DEPTH [m]</a:t>
-            </a:r>
-          </a:p>
-        </p:txBody>
-      </p:sp>
-      <p:sp>
-        <p:nvSpPr>
-          <p:cNvPr id="22" name="CasellaDiTesto 21"/>
-          <p:cNvSpPr txBox="1"/>
-          <p:nvPr/>
-        </p:nvSpPr>
-        <p:spPr>
-          <a:xfrm>
-            <a:off x="4352361" y="5907761"/>
-            <a:ext cx="3200400" cy="400110"/>
-          </a:xfrm>
-          <a:prstGeom prst="rect">
-            <a:avLst/>
-          </a:prstGeom>
-          <a:noFill/>
-        </p:spPr>
-        <p:txBody>
-          <a:bodyPr wrap="square" rtlCol="0">
-            <a:spAutoFit/>
-          </a:bodyPr>
-          <a:lstStyle/>
-          <a:p>
-            <a:r>
-              <a:rPr lang="it-IT" sz="2000"/>
-              <a:t>WATER CONTENT </a:t>
-            </a:r>
-            <a:r>
-              <a:rPr lang="it-IT" sz="2000" dirty="0"/>
-              <a:t>[-]</a:t>
-            </a:r>
-          </a:p>
-        </p:txBody>
-      </p:sp>
-      <p:sp>
-        <p:nvSpPr>
-          <p:cNvPr id="23" name="Rettangolo 22"/>
-          <p:cNvSpPr/>
-          <p:nvPr/>
-        </p:nvSpPr>
-        <p:spPr>
-          <a:xfrm>
-            <a:off x="3930181" y="5786723"/>
-            <a:ext cx="3537419" cy="569893"/>
-          </a:xfrm>
-          <a:prstGeom prst="rect">
-            <a:avLst/>
-          </a:prstGeom>
-          <a:noFill/>
-          <a:ln w="50800">
-            <a:solidFill>
-              <a:srgbClr val="0070C0"/>
-            </a:solidFill>
-          </a:ln>
-        </p:spPr>
-        <p:style>
-          <a:lnRef idx="2">
-            <a:schemeClr val="accent1">
-              <a:shade val="50000"/>
-            </a:schemeClr>
-          </a:lnRef>
-          <a:fillRef idx="1">
-            <a:schemeClr val="accent1"/>
-          </a:fillRef>
-          <a:effectRef idx="0">
-            <a:schemeClr val="accent1"/>
-          </a:effectRef>
-          <a:fontRef idx="minor">
-            <a:schemeClr val="lt1"/>
-          </a:fontRef>
-        </p:style>
-        <p:txBody>
-          <a:bodyPr rtlCol="0" anchor="ctr"/>
-          <a:lstStyle/>
-          <a:p>
-            <a:pPr algn="ctr"/>
-            <a:endParaRPr lang="it-IT" dirty="0"/>
-          </a:p>
-        </p:txBody>
-      </p:sp>
-      <p:sp>
-        <p:nvSpPr>
-          <p:cNvPr id="24" name="Rettangolo 23"/>
-          <p:cNvSpPr/>
-          <p:nvPr/>
-        </p:nvSpPr>
-        <p:spPr>
-          <a:xfrm>
-            <a:off x="1981200" y="3510319"/>
-            <a:ext cx="4419600" cy="1868507"/>
-          </a:xfrm>
-          <a:prstGeom prst="rect">
-            <a:avLst/>
-          </a:prstGeom>
-          <a:noFill/>
-          <a:ln w="50800">
-            <a:solidFill>
-              <a:srgbClr val="0070C0"/>
-            </a:solidFill>
-          </a:ln>
-        </p:spPr>
-        <p:style>
-          <a:lnRef idx="2">
-            <a:schemeClr val="accent1">
-              <a:shade val="50000"/>
-            </a:schemeClr>
-          </a:lnRef>
-          <a:fillRef idx="1">
-            <a:schemeClr val="accent1"/>
-          </a:fillRef>
-          <a:effectRef idx="0">
-            <a:schemeClr val="accent1"/>
-          </a:effectRef>
-          <a:fontRef idx="minor">
-            <a:schemeClr val="lt1"/>
-          </a:fontRef>
-        </p:style>
-        <p:txBody>
-          <a:bodyPr rtlCol="0" anchor="ctr"/>
-          <a:lstStyle/>
-          <a:p>
-            <a:pPr algn="ctr"/>
-            <a:endParaRPr lang="it-IT" dirty="0"/>
-          </a:p>
-        </p:txBody>
-      </p:sp>
-      <p:cxnSp>
-        <p:nvCxnSpPr>
-          <p:cNvPr id="25" name="Connettore 2 24"/>
-          <p:cNvCxnSpPr/>
-          <p:nvPr/>
-        </p:nvCxnSpPr>
-        <p:spPr>
-          <a:xfrm>
-            <a:off x="5867400" y="5426350"/>
-            <a:ext cx="0" cy="309277"/>
-          </a:xfrm>
-          <a:prstGeom prst="straightConnector1">
-            <a:avLst/>
-          </a:prstGeom>
-          <a:ln w="57150">
-            <a:solidFill>
-              <a:srgbClr val="0070C0"/>
-            </a:solidFill>
-            <a:tailEnd type="arrow"/>
-          </a:ln>
-        </p:spPr>
-        <p:style>
-          <a:lnRef idx="1">
-            <a:schemeClr val="accent1"/>
-          </a:lnRef>
-          <a:fillRef idx="0">
-            <a:schemeClr val="accent1"/>
-          </a:fillRef>
-          <a:effectRef idx="0">
-            <a:schemeClr val="accent1"/>
-          </a:effectRef>
-          <a:fontRef idx="minor">
-            <a:schemeClr val="tx1"/>
-          </a:fontRef>
-        </p:style>
-      </p:cxnSp>
-      <p:sp>
-        <p:nvSpPr>
-          <p:cNvPr id="26" name="Rettangolo 25"/>
-          <p:cNvSpPr/>
-          <p:nvPr/>
-        </p:nvSpPr>
-        <p:spPr>
-          <a:xfrm>
-            <a:off x="360587" y="5807343"/>
-            <a:ext cx="1578639" cy="569893"/>
-          </a:xfrm>
-          <a:prstGeom prst="rect">
-            <a:avLst/>
-          </a:prstGeom>
-          <a:noFill/>
-          <a:ln w="50800">
-            <a:solidFill>
-              <a:srgbClr val="FF0000"/>
-            </a:solidFill>
-          </a:ln>
-        </p:spPr>
-        <p:style>
-          <a:lnRef idx="2">
-            <a:schemeClr val="accent1">
-              <a:shade val="50000"/>
-            </a:schemeClr>
-          </a:lnRef>
-          <a:fillRef idx="1">
-            <a:schemeClr val="accent1"/>
-          </a:fillRef>
-          <a:effectRef idx="0">
-            <a:schemeClr val="accent1"/>
-          </a:effectRef>
-          <a:fontRef idx="minor">
-            <a:schemeClr val="lt1"/>
-          </a:fontRef>
-        </p:style>
-        <p:txBody>
-          <a:bodyPr rtlCol="0" anchor="ctr"/>
-          <a:lstStyle/>
-          <a:p>
-            <a:pPr algn="ctr"/>
-            <a:endParaRPr lang="it-IT" dirty="0"/>
-          </a:p>
-        </p:txBody>
-      </p:sp>
-      <p:cxnSp>
-        <p:nvCxnSpPr>
-          <p:cNvPr id="28" name="Connettore 2 27"/>
-          <p:cNvCxnSpPr/>
-          <p:nvPr/>
-        </p:nvCxnSpPr>
-        <p:spPr>
-          <a:xfrm>
-            <a:off x="1371600" y="5417382"/>
-            <a:ext cx="0" cy="304800"/>
-          </a:xfrm>
-          <a:prstGeom prst="straightConnector1">
-            <a:avLst/>
-          </a:prstGeom>
-          <a:ln w="57150">
-            <a:solidFill>
-              <a:srgbClr val="FF0000"/>
-            </a:solidFill>
-            <a:tailEnd type="arrow"/>
-          </a:ln>
-        </p:spPr>
-        <p:style>
-          <a:lnRef idx="1">
-            <a:schemeClr val="accent1"/>
-          </a:lnRef>
-          <a:fillRef idx="0">
-            <a:schemeClr val="accent1"/>
-          </a:fillRef>
-          <a:effectRef idx="0">
-            <a:schemeClr val="accent1"/>
-          </a:effectRef>
-          <a:fontRef idx="minor">
-            <a:schemeClr val="tx1"/>
-          </a:fontRef>
-        </p:style>
-      </p:cxnSp>
-      <p:sp>
-        <p:nvSpPr>
-          <p:cNvPr id="27" name="Rettangolo 26"/>
-          <p:cNvSpPr/>
-          <p:nvPr/>
-        </p:nvSpPr>
-        <p:spPr>
-          <a:xfrm>
-            <a:off x="304800" y="3510320"/>
-            <a:ext cx="1616497" cy="1835340"/>
-          </a:xfrm>
-          <a:prstGeom prst="rect">
-            <a:avLst/>
-          </a:prstGeom>
-          <a:noFill/>
-          <a:ln w="50800">
-            <a:solidFill>
-              <a:srgbClr val="FF0000"/>
-            </a:solidFill>
-          </a:ln>
-        </p:spPr>
-        <p:style>
-          <a:lnRef idx="2">
-            <a:schemeClr val="accent1">
-              <a:shade val="50000"/>
-            </a:schemeClr>
-          </a:lnRef>
-          <a:fillRef idx="1">
-            <a:schemeClr val="accent1"/>
-          </a:fillRef>
-          <a:effectRef idx="0">
-            <a:schemeClr val="accent1"/>
-          </a:effectRef>
-          <a:fontRef idx="minor">
-            <a:schemeClr val="lt1"/>
-          </a:fontRef>
-        </p:style>
-        <p:txBody>
-          <a:bodyPr rtlCol="0" anchor="ctr"/>
-          <a:lstStyle/>
-          <a:p>
-            <a:pPr algn="ctr"/>
-            <a:endParaRPr lang="it-IT" dirty="0"/>
-          </a:p>
-        </p:txBody>
-      </p:sp>
-    </p:spTree>
-    <p:extLst>
-      <p:ext uri="{BB962C8B-B14F-4D97-AF65-F5344CB8AC3E}">
-        <p14:creationId xmlns:p14="http://schemas.microsoft.com/office/powerpoint/2010/main" val="1826655048"/>
-      </p:ext>
-    </p:extLst>
-  </p:cSld>
-  <p:clrMapOvr>
-    <a:masterClrMapping/>
-  </p:clrMapOvr>
-  <p:transition spd="med"/>
-</p:sld>
-</file>
-
-<file path=ppt/slides/slide35.xml><?xml version="1.0" encoding="utf-8"?>
-<p:sld xmlns:a="http://schemas.openxmlformats.org/drawingml/2006/main" xmlns:r="http://schemas.openxmlformats.org/officeDocument/2006/relationships" xmlns:p="http://schemas.openxmlformats.org/presentationml/2006/main">
-  <p:cSld>
-    <p:spTree>
-      <p:nvGrpSpPr>
-        <p:cNvPr id="1" name=""/>
-        <p:cNvGrpSpPr/>
-        <p:nvPr/>
-      </p:nvGrpSpPr>
-      <p:grpSpPr>
-        <a:xfrm>
-          <a:off x="0" y="0"/>
-          <a:ext cx="0" cy="0"/>
-          <a:chOff x="0" y="0"/>
-          <a:chExt cx="0" cy="0"/>
-        </a:xfrm>
-      </p:grpSpPr>
-      <p:pic>
-        <p:nvPicPr>
-          <p:cNvPr id="5" name="Picture 4">
-            <a:extLst>
-              <a:ext uri="{FF2B5EF4-FFF2-40B4-BE49-F238E27FC236}">
-                <a16:creationId xmlns:a16="http://schemas.microsoft.com/office/drawing/2014/main" id="{D9FC6C0D-75D0-4F3A-826B-6122034C7AEF}"/>
-              </a:ext>
-            </a:extLst>
-          </p:cNvPr>
-          <p:cNvPicPr>
-            <a:picLocks noChangeAspect="1"/>
-          </p:cNvPicPr>
-          <p:nvPr/>
-        </p:nvPicPr>
-        <p:blipFill>
-          <a:blip r:embed="rId2"/>
-          <a:stretch>
-            <a:fillRect/>
-          </a:stretch>
-        </p:blipFill>
-        <p:spPr>
-          <a:xfrm>
-            <a:off x="385185" y="3093688"/>
-            <a:ext cx="6306182" cy="2298254"/>
-          </a:xfrm>
-          <a:prstGeom prst="rect">
-            <a:avLst/>
-          </a:prstGeom>
-        </p:spPr>
-      </p:pic>
-      <p:sp>
-        <p:nvSpPr>
-          <p:cNvPr id="154" name="Shape 154"/>
-          <p:cNvSpPr/>
-          <p:nvPr/>
-        </p:nvSpPr>
-        <p:spPr>
-          <a:xfrm>
-            <a:off x="0" y="-8930"/>
-            <a:ext cx="7563445" cy="349131"/>
-          </a:xfrm>
-          <a:prstGeom prst="rect">
-            <a:avLst/>
-          </a:prstGeom>
-          <a:ln w="12700">
-            <a:miter lim="400000"/>
-          </a:ln>
-          <a:extLst>
-            <a:ext uri="{C572A759-6A51-4108-AA02-DFA0A04FC94B}">
-              <ma14:wrappingTextBoxFlag xmlns="" xmlns:ma14="http://schemas.microsoft.com/office/mac/drawingml/2011/main" val="1"/>
-            </a:ext>
-          </a:extLst>
-        </p:spPr>
-        <p:txBody>
-          <a:bodyPr lIns="35717" tIns="35717" rIns="35717" bIns="35717">
-            <a:spAutoFit/>
-          </a:bodyPr>
-          <a:lstStyle>
-            <a:lvl1pPr algn="l" defTabSz="647700">
-              <a:tabLst>
-                <a:tab pos="355600" algn="l"/>
-                <a:tab pos="711200" algn="l"/>
-                <a:tab pos="1079500" algn="l"/>
-                <a:tab pos="1435100" algn="l"/>
-                <a:tab pos="1790700" algn="l"/>
-                <a:tab pos="2159000" algn="l"/>
-                <a:tab pos="2514600" algn="l"/>
-                <a:tab pos="2870200" algn="l"/>
-                <a:tab pos="3238500" algn="l"/>
-                <a:tab pos="3594100" algn="l"/>
-                <a:tab pos="3949700" algn="l"/>
-                <a:tab pos="4318000" algn="l"/>
-              </a:tabLst>
-              <a:defRPr sz="1800">
-                <a:solidFill>
-                  <a:srgbClr val="F1FEF6"/>
-                </a:solidFill>
-                <a:latin typeface="Lucida Bright"/>
-                <a:ea typeface="Lucida Bright"/>
-                <a:cs typeface="Lucida Bright"/>
-                <a:sym typeface="Lucida Bright"/>
-              </a:defRPr>
-            </a:lvl1pPr>
-          </a:lstStyle>
-          <a:p>
-            <a:pPr algn="just"/>
-            <a:r>
-              <a:rPr lang="en-US" dirty="0"/>
-              <a:t>Solving Richards’ equation with OMS console</a:t>
-            </a:r>
-          </a:p>
-        </p:txBody>
-      </p:sp>
-      <p:sp>
-        <p:nvSpPr>
-          <p:cNvPr id="14" name="Shape 154"/>
-          <p:cNvSpPr/>
-          <p:nvPr/>
-        </p:nvSpPr>
-        <p:spPr>
-          <a:xfrm>
-            <a:off x="1049289" y="6508869"/>
-            <a:ext cx="2354957" cy="349131"/>
-          </a:xfrm>
-          <a:prstGeom prst="rect">
-            <a:avLst/>
-          </a:prstGeom>
-          <a:ln w="12700">
-            <a:miter lim="400000"/>
-          </a:ln>
-          <a:extLst>
-            <a:ext uri="{C572A759-6A51-4108-AA02-DFA0A04FC94B}">
-              <ma14:wrappingTextBoxFlag xmlns="" xmlns:ma14="http://schemas.microsoft.com/office/mac/drawingml/2011/main" val="1"/>
-            </a:ext>
-          </a:extLst>
-        </p:spPr>
-        <p:txBody>
-          <a:bodyPr wrap="square" lIns="35717" tIns="35717" rIns="35717" bIns="35717">
-            <a:spAutoFit/>
-          </a:bodyPr>
-          <a:lstStyle>
-            <a:lvl1pPr algn="l" defTabSz="647700">
-              <a:tabLst>
-                <a:tab pos="355600" algn="l"/>
-                <a:tab pos="711200" algn="l"/>
-                <a:tab pos="1079500" algn="l"/>
-                <a:tab pos="1435100" algn="l"/>
-                <a:tab pos="1790700" algn="l"/>
-                <a:tab pos="2159000" algn="l"/>
-                <a:tab pos="2514600" algn="l"/>
-                <a:tab pos="2870200" algn="l"/>
-                <a:tab pos="3238500" algn="l"/>
-                <a:tab pos="3594100" algn="l"/>
-                <a:tab pos="3949700" algn="l"/>
-                <a:tab pos="4318000" algn="l"/>
-              </a:tabLst>
-              <a:defRPr sz="1800">
-                <a:solidFill>
-                  <a:srgbClr val="F1FEF6"/>
-                </a:solidFill>
-                <a:latin typeface="Lucida Bright"/>
-                <a:ea typeface="Lucida Bright"/>
-                <a:cs typeface="Lucida Bright"/>
-                <a:sym typeface="Lucida Bright"/>
-              </a:defRPr>
-            </a:lvl1pPr>
-          </a:lstStyle>
-          <a:p>
-            <a:r>
-              <a:rPr lang="it-IT" dirty="0"/>
-              <a:t> &amp;  N. Tubini</a:t>
-            </a:r>
-            <a:endParaRPr dirty="0"/>
-          </a:p>
-        </p:txBody>
-      </p:sp>
-      <p:sp>
-        <p:nvSpPr>
-          <p:cNvPr id="2" name="CasellaDiTesto 1"/>
-          <p:cNvSpPr txBox="1"/>
-          <p:nvPr/>
-        </p:nvSpPr>
-        <p:spPr>
-          <a:xfrm>
-            <a:off x="1708712" y="524867"/>
-            <a:ext cx="5726575" cy="400110"/>
-          </a:xfrm>
-          <a:prstGeom prst="rect">
-            <a:avLst/>
-          </a:prstGeom>
-          <a:noFill/>
-        </p:spPr>
-        <p:txBody>
-          <a:bodyPr wrap="square" rtlCol="0">
-            <a:spAutoFit/>
-          </a:bodyPr>
-          <a:lstStyle/>
-          <a:p>
-            <a:pPr algn="ctr"/>
-            <a:r>
-              <a:rPr lang="it-IT" sz="2000" dirty="0"/>
-              <a:t>WATER FLUX OUTPUT FILE</a:t>
-            </a:r>
-            <a:endParaRPr lang="en-GB" sz="2000" dirty="0"/>
-          </a:p>
-        </p:txBody>
-      </p:sp>
-      <p:sp>
-        <p:nvSpPr>
-          <p:cNvPr id="11" name="CasellaDiTesto 10"/>
-          <p:cNvSpPr txBox="1"/>
-          <p:nvPr/>
-        </p:nvSpPr>
-        <p:spPr>
-          <a:xfrm>
-            <a:off x="1039987" y="1039910"/>
-            <a:ext cx="4038600" cy="707886"/>
-          </a:xfrm>
-          <a:prstGeom prst="rect">
-            <a:avLst/>
-          </a:prstGeom>
-          <a:noFill/>
-        </p:spPr>
-        <p:txBody>
-          <a:bodyPr wrap="square" rtlCol="0">
-            <a:spAutoFit/>
-          </a:bodyPr>
-          <a:lstStyle/>
-          <a:p>
-            <a:pPr algn="just"/>
-            <a:r>
-              <a:rPr lang="it-IT" sz="2000" dirty="0"/>
-              <a:t>TIME AT WHICH THE SOLUTION IS COMPUTED</a:t>
-            </a:r>
-          </a:p>
-        </p:txBody>
-      </p:sp>
-      <p:sp>
-        <p:nvSpPr>
-          <p:cNvPr id="12" name="Rettangolo 11"/>
-          <p:cNvSpPr/>
-          <p:nvPr/>
-        </p:nvSpPr>
-        <p:spPr>
-          <a:xfrm>
-            <a:off x="321968" y="2868710"/>
-            <a:ext cx="3537419" cy="569893"/>
-          </a:xfrm>
-          <a:prstGeom prst="rect">
-            <a:avLst/>
-          </a:prstGeom>
-          <a:noFill/>
-          <a:ln w="50800">
-            <a:solidFill>
-              <a:srgbClr val="00B050"/>
-            </a:solidFill>
-          </a:ln>
-        </p:spPr>
-        <p:style>
-          <a:lnRef idx="2">
-            <a:schemeClr val="accent1">
-              <a:shade val="50000"/>
-            </a:schemeClr>
-          </a:lnRef>
-          <a:fillRef idx="1">
-            <a:schemeClr val="accent1"/>
-          </a:fillRef>
-          <a:effectRef idx="0">
-            <a:schemeClr val="accent1"/>
-          </a:effectRef>
-          <a:fontRef idx="minor">
-            <a:schemeClr val="lt1"/>
-          </a:fontRef>
-        </p:style>
-        <p:txBody>
-          <a:bodyPr rtlCol="0" anchor="ctr"/>
-          <a:lstStyle/>
-          <a:p>
-            <a:pPr algn="ctr"/>
-            <a:endParaRPr lang="it-IT" dirty="0"/>
-          </a:p>
-        </p:txBody>
-      </p:sp>
-      <p:sp>
-        <p:nvSpPr>
-          <p:cNvPr id="13" name="Rettangolo 12"/>
-          <p:cNvSpPr/>
-          <p:nvPr/>
-        </p:nvSpPr>
-        <p:spPr>
-          <a:xfrm>
-            <a:off x="887587" y="1039910"/>
-            <a:ext cx="4191000" cy="1219200"/>
-          </a:xfrm>
-          <a:prstGeom prst="rect">
-            <a:avLst/>
-          </a:prstGeom>
-          <a:noFill/>
-          <a:ln w="50800">
-            <a:solidFill>
-              <a:srgbClr val="00B050"/>
-            </a:solidFill>
-          </a:ln>
-        </p:spPr>
-        <p:style>
-          <a:lnRef idx="2">
-            <a:schemeClr val="accent1">
-              <a:shade val="50000"/>
-            </a:schemeClr>
-          </a:lnRef>
-          <a:fillRef idx="1">
-            <a:schemeClr val="accent1"/>
-          </a:fillRef>
-          <a:effectRef idx="0">
-            <a:schemeClr val="accent1"/>
-          </a:effectRef>
-          <a:fontRef idx="minor">
-            <a:schemeClr val="lt1"/>
-          </a:fontRef>
-        </p:style>
-        <p:txBody>
-          <a:bodyPr rtlCol="0" anchor="ctr"/>
-          <a:lstStyle/>
-          <a:p>
-            <a:pPr algn="ctr"/>
-            <a:endParaRPr lang="it-IT" dirty="0"/>
-          </a:p>
-        </p:txBody>
-      </p:sp>
-      <p:cxnSp>
-        <p:nvCxnSpPr>
-          <p:cNvPr id="20" name="Connettore 2 19"/>
-          <p:cNvCxnSpPr/>
-          <p:nvPr/>
-        </p:nvCxnSpPr>
-        <p:spPr>
-          <a:xfrm>
-            <a:off x="2259187" y="2335310"/>
-            <a:ext cx="0" cy="609600"/>
-          </a:xfrm>
-          <a:prstGeom prst="straightConnector1">
-            <a:avLst/>
-          </a:prstGeom>
-          <a:ln w="57150">
-            <a:solidFill>
-              <a:srgbClr val="00B050"/>
-            </a:solidFill>
-            <a:tailEnd type="arrow"/>
-          </a:ln>
-        </p:spPr>
-        <p:style>
-          <a:lnRef idx="1">
-            <a:schemeClr val="accent1"/>
-          </a:lnRef>
-          <a:fillRef idx="0">
-            <a:schemeClr val="accent1"/>
-          </a:fillRef>
-          <a:effectRef idx="0">
-            <a:schemeClr val="accent1"/>
-          </a:effectRef>
-          <a:fontRef idx="minor">
-            <a:schemeClr val="tx1"/>
-          </a:fontRef>
-        </p:style>
-      </p:cxnSp>
-      <p:sp>
-        <p:nvSpPr>
-          <p:cNvPr id="21" name="CasellaDiTesto 20"/>
-          <p:cNvSpPr txBox="1"/>
-          <p:nvPr/>
-        </p:nvSpPr>
-        <p:spPr>
-          <a:xfrm>
-            <a:off x="439264" y="5943600"/>
-            <a:ext cx="2403143" cy="400110"/>
-          </a:xfrm>
-          <a:prstGeom prst="rect">
-            <a:avLst/>
-          </a:prstGeom>
-          <a:noFill/>
-        </p:spPr>
-        <p:txBody>
-          <a:bodyPr wrap="square" rtlCol="0">
-            <a:spAutoFit/>
-          </a:bodyPr>
-          <a:lstStyle/>
-          <a:p>
-            <a:r>
-              <a:rPr lang="it-IT" sz="2000" dirty="0"/>
-              <a:t>DEPTH [m]</a:t>
-            </a:r>
-          </a:p>
-        </p:txBody>
-      </p:sp>
-      <p:sp>
-        <p:nvSpPr>
-          <p:cNvPr id="22" name="CasellaDiTesto 21"/>
-          <p:cNvSpPr txBox="1"/>
-          <p:nvPr/>
-        </p:nvSpPr>
-        <p:spPr>
-          <a:xfrm>
-            <a:off x="4352361" y="5871614"/>
-            <a:ext cx="3200400" cy="400110"/>
-          </a:xfrm>
-          <a:prstGeom prst="rect">
-            <a:avLst/>
-          </a:prstGeom>
-          <a:noFill/>
-        </p:spPr>
-        <p:txBody>
-          <a:bodyPr wrap="square" rtlCol="0">
-            <a:spAutoFit/>
-          </a:bodyPr>
-          <a:lstStyle/>
-          <a:p>
-            <a:r>
-              <a:rPr lang="it-IT" sz="2000" dirty="0"/>
-              <a:t>WATER FLUX [m/s]</a:t>
-            </a:r>
-          </a:p>
-        </p:txBody>
-      </p:sp>
-      <p:sp>
-        <p:nvSpPr>
-          <p:cNvPr id="23" name="Rettangolo 22"/>
-          <p:cNvSpPr/>
-          <p:nvPr/>
-        </p:nvSpPr>
-        <p:spPr>
-          <a:xfrm>
-            <a:off x="3930181" y="5786723"/>
-            <a:ext cx="3537419" cy="569893"/>
-          </a:xfrm>
-          <a:prstGeom prst="rect">
-            <a:avLst/>
-          </a:prstGeom>
-          <a:noFill/>
-          <a:ln w="50800">
-            <a:solidFill>
-              <a:srgbClr val="0070C0"/>
-            </a:solidFill>
-          </a:ln>
-        </p:spPr>
-        <p:style>
-          <a:lnRef idx="2">
-            <a:schemeClr val="accent1">
-              <a:shade val="50000"/>
-            </a:schemeClr>
-          </a:lnRef>
-          <a:fillRef idx="1">
-            <a:schemeClr val="accent1"/>
-          </a:fillRef>
-          <a:effectRef idx="0">
-            <a:schemeClr val="accent1"/>
-          </a:effectRef>
-          <a:fontRef idx="minor">
-            <a:schemeClr val="lt1"/>
-          </a:fontRef>
-        </p:style>
-        <p:txBody>
-          <a:bodyPr rtlCol="0" anchor="ctr"/>
-          <a:lstStyle/>
-          <a:p>
-            <a:pPr algn="ctr"/>
-            <a:endParaRPr lang="it-IT" dirty="0"/>
-          </a:p>
-        </p:txBody>
-      </p:sp>
-      <p:sp>
-        <p:nvSpPr>
-          <p:cNvPr id="24" name="Rettangolo 23"/>
-          <p:cNvSpPr/>
-          <p:nvPr/>
-        </p:nvSpPr>
-        <p:spPr>
-          <a:xfrm>
-            <a:off x="1981200" y="3510319"/>
-            <a:ext cx="4419600" cy="1868507"/>
-          </a:xfrm>
-          <a:prstGeom prst="rect">
-            <a:avLst/>
-          </a:prstGeom>
-          <a:noFill/>
-          <a:ln w="50800">
-            <a:solidFill>
-              <a:srgbClr val="0070C0"/>
-            </a:solidFill>
-          </a:ln>
-        </p:spPr>
-        <p:style>
-          <a:lnRef idx="2">
-            <a:schemeClr val="accent1">
-              <a:shade val="50000"/>
-            </a:schemeClr>
-          </a:lnRef>
-          <a:fillRef idx="1">
-            <a:schemeClr val="accent1"/>
-          </a:fillRef>
-          <a:effectRef idx="0">
-            <a:schemeClr val="accent1"/>
-          </a:effectRef>
-          <a:fontRef idx="minor">
-            <a:schemeClr val="lt1"/>
-          </a:fontRef>
-        </p:style>
-        <p:txBody>
-          <a:bodyPr rtlCol="0" anchor="ctr"/>
-          <a:lstStyle/>
-          <a:p>
-            <a:pPr algn="ctr"/>
-            <a:endParaRPr lang="it-IT" dirty="0"/>
-          </a:p>
-        </p:txBody>
-      </p:sp>
-      <p:cxnSp>
-        <p:nvCxnSpPr>
-          <p:cNvPr id="25" name="Connettore 2 24"/>
-          <p:cNvCxnSpPr/>
-          <p:nvPr/>
-        </p:nvCxnSpPr>
-        <p:spPr>
-          <a:xfrm>
-            <a:off x="5867400" y="5426350"/>
-            <a:ext cx="0" cy="309277"/>
-          </a:xfrm>
-          <a:prstGeom prst="straightConnector1">
-            <a:avLst/>
-          </a:prstGeom>
-          <a:ln w="57150">
-            <a:solidFill>
-              <a:srgbClr val="0070C0"/>
-            </a:solidFill>
-            <a:tailEnd type="arrow"/>
-          </a:ln>
-        </p:spPr>
-        <p:style>
-          <a:lnRef idx="1">
-            <a:schemeClr val="accent1"/>
-          </a:lnRef>
-          <a:fillRef idx="0">
-            <a:schemeClr val="accent1"/>
-          </a:fillRef>
-          <a:effectRef idx="0">
-            <a:schemeClr val="accent1"/>
-          </a:effectRef>
-          <a:fontRef idx="minor">
-            <a:schemeClr val="tx1"/>
-          </a:fontRef>
-        </p:style>
-      </p:cxnSp>
-      <p:sp>
-        <p:nvSpPr>
-          <p:cNvPr id="26" name="Rettangolo 25"/>
-          <p:cNvSpPr/>
-          <p:nvPr/>
-        </p:nvSpPr>
-        <p:spPr>
-          <a:xfrm>
-            <a:off x="360587" y="5807343"/>
-            <a:ext cx="1578639" cy="569893"/>
-          </a:xfrm>
-          <a:prstGeom prst="rect">
-            <a:avLst/>
-          </a:prstGeom>
-          <a:noFill/>
-          <a:ln w="50800">
-            <a:solidFill>
-              <a:srgbClr val="FF0000"/>
-            </a:solidFill>
-          </a:ln>
-        </p:spPr>
-        <p:style>
-          <a:lnRef idx="2">
-            <a:schemeClr val="accent1">
-              <a:shade val="50000"/>
-            </a:schemeClr>
-          </a:lnRef>
-          <a:fillRef idx="1">
-            <a:schemeClr val="accent1"/>
-          </a:fillRef>
-          <a:effectRef idx="0">
-            <a:schemeClr val="accent1"/>
-          </a:effectRef>
-          <a:fontRef idx="minor">
-            <a:schemeClr val="lt1"/>
-          </a:fontRef>
-        </p:style>
-        <p:txBody>
-          <a:bodyPr rtlCol="0" anchor="ctr"/>
-          <a:lstStyle/>
-          <a:p>
-            <a:pPr algn="ctr"/>
-            <a:endParaRPr lang="it-IT" dirty="0"/>
-          </a:p>
-        </p:txBody>
-      </p:sp>
-      <p:cxnSp>
-        <p:nvCxnSpPr>
-          <p:cNvPr id="28" name="Connettore 2 27"/>
-          <p:cNvCxnSpPr/>
-          <p:nvPr/>
-        </p:nvCxnSpPr>
-        <p:spPr>
-          <a:xfrm>
-            <a:off x="1371600" y="5417382"/>
-            <a:ext cx="0" cy="304800"/>
-          </a:xfrm>
-          <a:prstGeom prst="straightConnector1">
-            <a:avLst/>
-          </a:prstGeom>
-          <a:ln w="57150">
-            <a:solidFill>
-              <a:srgbClr val="FF0000"/>
-            </a:solidFill>
-            <a:tailEnd type="arrow"/>
-          </a:ln>
-        </p:spPr>
-        <p:style>
-          <a:lnRef idx="1">
-            <a:schemeClr val="accent1"/>
-          </a:lnRef>
-          <a:fillRef idx="0">
-            <a:schemeClr val="accent1"/>
-          </a:fillRef>
-          <a:effectRef idx="0">
-            <a:schemeClr val="accent1"/>
-          </a:effectRef>
-          <a:fontRef idx="minor">
-            <a:schemeClr val="tx1"/>
-          </a:fontRef>
-        </p:style>
-      </p:cxnSp>
-      <p:sp>
-        <p:nvSpPr>
-          <p:cNvPr id="27" name="Rettangolo 26"/>
-          <p:cNvSpPr/>
-          <p:nvPr/>
-        </p:nvSpPr>
-        <p:spPr>
-          <a:xfrm>
-            <a:off x="304800" y="3510320"/>
-            <a:ext cx="1616497" cy="1835340"/>
-          </a:xfrm>
-          <a:prstGeom prst="rect">
-            <a:avLst/>
-          </a:prstGeom>
-          <a:noFill/>
-          <a:ln w="50800">
-            <a:solidFill>
-              <a:srgbClr val="FF0000"/>
-            </a:solidFill>
-          </a:ln>
-        </p:spPr>
-        <p:style>
-          <a:lnRef idx="2">
-            <a:schemeClr val="accent1">
-              <a:shade val="50000"/>
-            </a:schemeClr>
-          </a:lnRef>
-          <a:fillRef idx="1">
-            <a:schemeClr val="accent1"/>
-          </a:fillRef>
-          <a:effectRef idx="0">
-            <a:schemeClr val="accent1"/>
-          </a:effectRef>
-          <a:fontRef idx="minor">
-            <a:schemeClr val="lt1"/>
-          </a:fontRef>
-        </p:style>
-        <p:txBody>
-          <a:bodyPr rtlCol="0" anchor="ctr"/>
-          <a:lstStyle/>
-          <a:p>
-            <a:pPr algn="ctr"/>
-            <a:endParaRPr lang="it-IT" dirty="0"/>
-          </a:p>
-        </p:txBody>
-      </p:sp>
-    </p:spTree>
-    <p:extLst>
-      <p:ext uri="{BB962C8B-B14F-4D97-AF65-F5344CB8AC3E}">
-        <p14:creationId xmlns:p14="http://schemas.microsoft.com/office/powerpoint/2010/main" val="1222525164"/>
-      </p:ext>
-    </p:extLst>
-  </p:cSld>
-  <p:clrMapOvr>
-    <a:masterClrMapping/>
-  </p:clrMapOvr>
-  <p:transition spd="med"/>
-</p:sld>
-</file>
-
-<file path=ppt/slides/slide36.xml><?xml version="1.0" encoding="utf-8"?>
-<p:sld xmlns:a="http://schemas.openxmlformats.org/drawingml/2006/main" xmlns:r="http://schemas.openxmlformats.org/officeDocument/2006/relationships" xmlns:p="http://schemas.openxmlformats.org/presentationml/2006/main">
-  <p:cSld>
-    <p:spTree>
-      <p:nvGrpSpPr>
-        <p:cNvPr id="1" name=""/>
-        <p:cNvGrpSpPr/>
-        <p:nvPr/>
-      </p:nvGrpSpPr>
-      <p:grpSpPr>
-        <a:xfrm>
-          <a:off x="0" y="0"/>
-          <a:ext cx="0" cy="0"/>
-          <a:chOff x="0" y="0"/>
-          <a:chExt cx="0" cy="0"/>
-        </a:xfrm>
-      </p:grpSpPr>
-      <p:sp>
-        <p:nvSpPr>
-          <p:cNvPr id="154" name="Shape 154"/>
-          <p:cNvSpPr/>
-          <p:nvPr/>
-        </p:nvSpPr>
-        <p:spPr>
-          <a:xfrm>
-            <a:off x="0" y="-8930"/>
-            <a:ext cx="7563445" cy="349131"/>
-          </a:xfrm>
-          <a:prstGeom prst="rect">
-            <a:avLst/>
-          </a:prstGeom>
-          <a:ln w="12700">
-            <a:miter lim="400000"/>
-          </a:ln>
-          <a:extLst>
-            <a:ext uri="{C572A759-6A51-4108-AA02-DFA0A04FC94B}">
-              <ma14:wrappingTextBoxFlag xmlns="" xmlns:ma14="http://schemas.microsoft.com/office/mac/drawingml/2011/main" val="1"/>
-            </a:ext>
-          </a:extLst>
-        </p:spPr>
-        <p:txBody>
-          <a:bodyPr lIns="35717" tIns="35717" rIns="35717" bIns="35717">
-            <a:spAutoFit/>
-          </a:bodyPr>
-          <a:lstStyle>
-            <a:lvl1pPr algn="l" defTabSz="647700">
-              <a:tabLst>
-                <a:tab pos="355600" algn="l"/>
-                <a:tab pos="711200" algn="l"/>
-                <a:tab pos="1079500" algn="l"/>
-                <a:tab pos="1435100" algn="l"/>
-                <a:tab pos="1790700" algn="l"/>
-                <a:tab pos="2159000" algn="l"/>
-                <a:tab pos="2514600" algn="l"/>
-                <a:tab pos="2870200" algn="l"/>
-                <a:tab pos="3238500" algn="l"/>
-                <a:tab pos="3594100" algn="l"/>
-                <a:tab pos="3949700" algn="l"/>
-                <a:tab pos="4318000" algn="l"/>
-              </a:tabLst>
-              <a:defRPr sz="1800">
-                <a:solidFill>
-                  <a:srgbClr val="F1FEF6"/>
-                </a:solidFill>
-                <a:latin typeface="Lucida Bright"/>
-                <a:ea typeface="Lucida Bright"/>
-                <a:cs typeface="Lucida Bright"/>
-                <a:sym typeface="Lucida Bright"/>
-              </a:defRPr>
-            </a:lvl1pPr>
-          </a:lstStyle>
-          <a:p>
-            <a:pPr algn="just"/>
-            <a:r>
-              <a:rPr lang="en-US" dirty="0"/>
-              <a:t>Solving Richards’ equation with OMS console</a:t>
-            </a:r>
-          </a:p>
-        </p:txBody>
-      </p:sp>
-      <p:sp>
-        <p:nvSpPr>
-          <p:cNvPr id="14" name="Shape 154"/>
-          <p:cNvSpPr/>
-          <p:nvPr/>
-        </p:nvSpPr>
-        <p:spPr>
-          <a:xfrm>
-            <a:off x="1049289" y="6508869"/>
-            <a:ext cx="2354957" cy="349131"/>
-          </a:xfrm>
-          <a:prstGeom prst="rect">
-            <a:avLst/>
-          </a:prstGeom>
-          <a:ln w="12700">
-            <a:miter lim="400000"/>
-          </a:ln>
-          <a:extLst>
-            <a:ext uri="{C572A759-6A51-4108-AA02-DFA0A04FC94B}">
-              <ma14:wrappingTextBoxFlag xmlns="" xmlns:ma14="http://schemas.microsoft.com/office/mac/drawingml/2011/main" val="1"/>
-            </a:ext>
-          </a:extLst>
-        </p:spPr>
-        <p:txBody>
-          <a:bodyPr wrap="square" lIns="35717" tIns="35717" rIns="35717" bIns="35717">
-            <a:spAutoFit/>
-          </a:bodyPr>
-          <a:lstStyle>
-            <a:lvl1pPr algn="l" defTabSz="647700">
-              <a:tabLst>
-                <a:tab pos="355600" algn="l"/>
-                <a:tab pos="711200" algn="l"/>
-                <a:tab pos="1079500" algn="l"/>
-                <a:tab pos="1435100" algn="l"/>
-                <a:tab pos="1790700" algn="l"/>
-                <a:tab pos="2159000" algn="l"/>
-                <a:tab pos="2514600" algn="l"/>
-                <a:tab pos="2870200" algn="l"/>
-                <a:tab pos="3238500" algn="l"/>
-                <a:tab pos="3594100" algn="l"/>
-                <a:tab pos="3949700" algn="l"/>
-                <a:tab pos="4318000" algn="l"/>
-              </a:tabLst>
-              <a:defRPr sz="1800">
-                <a:solidFill>
-                  <a:srgbClr val="F1FEF6"/>
-                </a:solidFill>
-                <a:latin typeface="Lucida Bright"/>
-                <a:ea typeface="Lucida Bright"/>
-                <a:cs typeface="Lucida Bright"/>
-                <a:sym typeface="Lucida Bright"/>
-              </a:defRPr>
-            </a:lvl1pPr>
-          </a:lstStyle>
-          <a:p>
-            <a:r>
-              <a:rPr lang="it-IT" dirty="0"/>
-              <a:t> &amp;  N. Tubini</a:t>
-            </a:r>
-            <a:endParaRPr dirty="0"/>
-          </a:p>
-        </p:txBody>
-      </p:sp>
-      <p:sp>
-        <p:nvSpPr>
-          <p:cNvPr id="2" name="CasellaDiTesto 1"/>
-          <p:cNvSpPr txBox="1"/>
-          <p:nvPr/>
-        </p:nvSpPr>
-        <p:spPr>
-          <a:xfrm>
-            <a:off x="1708712" y="524867"/>
-            <a:ext cx="5726575" cy="707886"/>
-          </a:xfrm>
-          <a:prstGeom prst="rect">
-            <a:avLst/>
-          </a:prstGeom>
-          <a:noFill/>
-        </p:spPr>
-        <p:txBody>
-          <a:bodyPr wrap="square" rtlCol="0">
-            <a:spAutoFit/>
-          </a:bodyPr>
-          <a:lstStyle/>
-          <a:p>
-            <a:pPr algn="ctr"/>
-            <a:r>
-              <a:rPr lang="it-IT" sz="2000" dirty="0"/>
-              <a:t>HYDRAULIC PARAMETRIZATION</a:t>
-            </a:r>
-          </a:p>
-          <a:p>
-            <a:pPr algn="ctr"/>
-            <a:endParaRPr lang="en-GB" sz="2000" dirty="0"/>
-          </a:p>
-        </p:txBody>
-      </p:sp>
-      <p:pic>
-        <p:nvPicPr>
-          <p:cNvPr id="4" name="Picture 3">
-            <a:extLst>
-              <a:ext uri="{FF2B5EF4-FFF2-40B4-BE49-F238E27FC236}">
-                <a16:creationId xmlns:a16="http://schemas.microsoft.com/office/drawing/2014/main" id="{DBB4D081-E821-44CA-A5FA-EAFE93DC2F92}"/>
-              </a:ext>
-            </a:extLst>
-          </p:cNvPr>
-          <p:cNvPicPr>
-            <a:picLocks noChangeAspect="1"/>
-          </p:cNvPicPr>
-          <p:nvPr/>
-        </p:nvPicPr>
-        <p:blipFill>
-          <a:blip r:embed="rId2"/>
-          <a:stretch>
-            <a:fillRect/>
-          </a:stretch>
-        </p:blipFill>
-        <p:spPr>
-          <a:xfrm>
-            <a:off x="124938" y="3143904"/>
-            <a:ext cx="8901367" cy="1656198"/>
-          </a:xfrm>
-          <a:prstGeom prst="rect">
-            <a:avLst/>
-          </a:prstGeom>
-        </p:spPr>
-      </p:pic>
-      <p:sp>
-        <p:nvSpPr>
-          <p:cNvPr id="31" name="CasellaDiTesto 10">
-            <a:extLst>
-              <a:ext uri="{FF2B5EF4-FFF2-40B4-BE49-F238E27FC236}">
-                <a16:creationId xmlns:a16="http://schemas.microsoft.com/office/drawing/2014/main" id="{2BC3C105-B91D-4CB7-9C15-8D98D809FFDB}"/>
-              </a:ext>
-            </a:extLst>
-          </p:cNvPr>
-          <p:cNvSpPr txBox="1"/>
-          <p:nvPr/>
-        </p:nvSpPr>
-        <p:spPr>
-          <a:xfrm>
-            <a:off x="1039987" y="1039910"/>
-            <a:ext cx="4038600" cy="400110"/>
-          </a:xfrm>
-          <a:prstGeom prst="rect">
-            <a:avLst/>
-          </a:prstGeom>
-          <a:noFill/>
-        </p:spPr>
-        <p:txBody>
-          <a:bodyPr wrap="square" rtlCol="0">
-            <a:spAutoFit/>
-          </a:bodyPr>
-          <a:lstStyle/>
-          <a:p>
-            <a:pPr algn="just"/>
-            <a:r>
-              <a:rPr lang="it-IT" sz="2000" dirty="0"/>
-              <a:t>SWRC MODEL</a:t>
-            </a:r>
-          </a:p>
-        </p:txBody>
-      </p:sp>
-      <p:sp>
-        <p:nvSpPr>
-          <p:cNvPr id="32" name="Rettangolo 11">
-            <a:extLst>
-              <a:ext uri="{FF2B5EF4-FFF2-40B4-BE49-F238E27FC236}">
-                <a16:creationId xmlns:a16="http://schemas.microsoft.com/office/drawing/2014/main" id="{EEC8D9E7-A97D-417F-B1E7-99B2280076E3}"/>
-              </a:ext>
-            </a:extLst>
-          </p:cNvPr>
-          <p:cNvSpPr/>
-          <p:nvPr/>
-        </p:nvSpPr>
-        <p:spPr>
-          <a:xfrm>
-            <a:off x="113741" y="2832496"/>
-            <a:ext cx="3537419" cy="569893"/>
-          </a:xfrm>
-          <a:prstGeom prst="rect">
-            <a:avLst/>
-          </a:prstGeom>
-          <a:noFill/>
-          <a:ln w="50800">
-            <a:solidFill>
-              <a:srgbClr val="00B050"/>
-            </a:solidFill>
-          </a:ln>
-        </p:spPr>
-        <p:style>
-          <a:lnRef idx="2">
-            <a:schemeClr val="accent1">
-              <a:shade val="50000"/>
-            </a:schemeClr>
-          </a:lnRef>
-          <a:fillRef idx="1">
-            <a:schemeClr val="accent1"/>
-          </a:fillRef>
-          <a:effectRef idx="0">
-            <a:schemeClr val="accent1"/>
-          </a:effectRef>
-          <a:fontRef idx="minor">
-            <a:schemeClr val="lt1"/>
-          </a:fontRef>
-        </p:style>
-        <p:txBody>
-          <a:bodyPr rtlCol="0" anchor="ctr"/>
-          <a:lstStyle/>
-          <a:p>
-            <a:pPr algn="ctr"/>
-            <a:endParaRPr lang="it-IT" dirty="0"/>
-          </a:p>
-        </p:txBody>
-      </p:sp>
-      <p:sp>
-        <p:nvSpPr>
-          <p:cNvPr id="33" name="Rettangolo 12">
-            <a:extLst>
-              <a:ext uri="{FF2B5EF4-FFF2-40B4-BE49-F238E27FC236}">
-                <a16:creationId xmlns:a16="http://schemas.microsoft.com/office/drawing/2014/main" id="{CA120679-4F81-49CE-8FC3-D027B16EB76D}"/>
-              </a:ext>
-            </a:extLst>
-          </p:cNvPr>
-          <p:cNvSpPr/>
-          <p:nvPr/>
-        </p:nvSpPr>
-        <p:spPr>
-          <a:xfrm>
-            <a:off x="887587" y="1039910"/>
-            <a:ext cx="4191000" cy="1219200"/>
-          </a:xfrm>
-          <a:prstGeom prst="rect">
-            <a:avLst/>
-          </a:prstGeom>
-          <a:noFill/>
-          <a:ln w="50800">
-            <a:solidFill>
-              <a:srgbClr val="00B050"/>
-            </a:solidFill>
-          </a:ln>
-        </p:spPr>
-        <p:style>
-          <a:lnRef idx="2">
-            <a:schemeClr val="accent1">
-              <a:shade val="50000"/>
-            </a:schemeClr>
-          </a:lnRef>
-          <a:fillRef idx="1">
-            <a:schemeClr val="accent1"/>
-          </a:fillRef>
-          <a:effectRef idx="0">
-            <a:schemeClr val="accent1"/>
-          </a:effectRef>
-          <a:fontRef idx="minor">
-            <a:schemeClr val="lt1"/>
-          </a:fontRef>
-        </p:style>
-        <p:txBody>
-          <a:bodyPr rtlCol="0" anchor="ctr"/>
-          <a:lstStyle/>
-          <a:p>
-            <a:pPr algn="ctr"/>
-            <a:endParaRPr lang="it-IT" dirty="0"/>
-          </a:p>
-        </p:txBody>
-      </p:sp>
-      <p:cxnSp>
-        <p:nvCxnSpPr>
-          <p:cNvPr id="34" name="Connettore 2 19">
-            <a:extLst>
-              <a:ext uri="{FF2B5EF4-FFF2-40B4-BE49-F238E27FC236}">
-                <a16:creationId xmlns:a16="http://schemas.microsoft.com/office/drawing/2014/main" id="{1F72B98C-50C6-416C-AE49-E36D1A465756}"/>
-              </a:ext>
-            </a:extLst>
-          </p:cNvPr>
-          <p:cNvCxnSpPr>
-            <a:cxnSpLocks/>
-          </p:cNvCxnSpPr>
-          <p:nvPr/>
-        </p:nvCxnSpPr>
-        <p:spPr>
-          <a:xfrm>
-            <a:off x="2259187" y="2390115"/>
-            <a:ext cx="0" cy="400894"/>
-          </a:xfrm>
-          <a:prstGeom prst="straightConnector1">
-            <a:avLst/>
-          </a:prstGeom>
-          <a:ln w="57150">
-            <a:solidFill>
-              <a:srgbClr val="00B050"/>
-            </a:solidFill>
-            <a:tailEnd type="arrow"/>
-          </a:ln>
-        </p:spPr>
-        <p:style>
-          <a:lnRef idx="1">
-            <a:schemeClr val="accent1"/>
-          </a:lnRef>
-          <a:fillRef idx="0">
-            <a:schemeClr val="accent1"/>
-          </a:fillRef>
-          <a:effectRef idx="0">
-            <a:schemeClr val="accent1"/>
-          </a:effectRef>
-          <a:fontRef idx="minor">
-            <a:schemeClr val="tx1"/>
-          </a:fontRef>
-        </p:style>
-      </p:cxnSp>
-      <p:sp>
-        <p:nvSpPr>
-          <p:cNvPr id="35" name="CasellaDiTesto 10">
-            <a:extLst>
-              <a:ext uri="{FF2B5EF4-FFF2-40B4-BE49-F238E27FC236}">
-                <a16:creationId xmlns:a16="http://schemas.microsoft.com/office/drawing/2014/main" id="{5288B630-46F3-4A14-9D24-5DAA34433F31}"/>
-              </a:ext>
-            </a:extLst>
-          </p:cNvPr>
-          <p:cNvSpPr txBox="1"/>
-          <p:nvPr/>
-        </p:nvSpPr>
-        <p:spPr>
-          <a:xfrm>
-            <a:off x="332307" y="5062813"/>
-            <a:ext cx="6783715" cy="1631216"/>
-          </a:xfrm>
-          <a:prstGeom prst="rect">
-            <a:avLst/>
-          </a:prstGeom>
-          <a:noFill/>
-        </p:spPr>
-        <p:txBody>
-          <a:bodyPr wrap="square" rtlCol="0">
-            <a:spAutoFit/>
-          </a:bodyPr>
-          <a:lstStyle/>
-          <a:p>
-            <a:pPr algn="just"/>
-            <a:r>
-              <a:rPr lang="it-IT" sz="2000" dirty="0"/>
-              <a:t>Se:          saturation degree as a function of Psi</a:t>
-            </a:r>
-          </a:p>
-          <a:p>
-            <a:pPr algn="just"/>
-            <a:r>
-              <a:rPr lang="it-IT" sz="2000" dirty="0"/>
-              <a:t>Theta:    water content as a function of Psi</a:t>
-            </a:r>
-          </a:p>
-          <a:p>
-            <a:pPr algn="just"/>
-            <a:r>
-              <a:rPr lang="it-IT" sz="2000" dirty="0"/>
-              <a:t>dTheta:  derivative of Theta with respect to Psi</a:t>
-            </a:r>
-          </a:p>
-          <a:p>
-            <a:pPr algn="just"/>
-            <a:r>
-              <a:rPr lang="it-IT" sz="2000" dirty="0"/>
-              <a:t>K:            hydraulic conductivity as a function o Psi</a:t>
-            </a:r>
-          </a:p>
-          <a:p>
-            <a:pPr algn="just"/>
-            <a:endParaRPr lang="it-IT" sz="2000" dirty="0"/>
-          </a:p>
-        </p:txBody>
-      </p:sp>
-    </p:spTree>
-    <p:extLst>
-      <p:ext uri="{BB962C8B-B14F-4D97-AF65-F5344CB8AC3E}">
-        <p14:creationId xmlns:p14="http://schemas.microsoft.com/office/powerpoint/2010/main" val="2964650099"/>
-      </p:ext>
-    </p:extLst>
-  </p:cSld>
-  <p:clrMapOvr>
-    <a:masterClrMapping/>
-  </p:clrMapOvr>
-  <p:transition spd="med"/>
-</p:sld>
-</file>
-
-<file path=ppt/slides/slide37.xml><?xml version="1.0" encoding="utf-8"?>
-<p:sld xmlns:a="http://schemas.openxmlformats.org/drawingml/2006/main" xmlns:r="http://schemas.openxmlformats.org/officeDocument/2006/relationships" xmlns:p="http://schemas.openxmlformats.org/presentationml/2006/main">
-  <p:cSld>
-    <p:spTree>
-      <p:nvGrpSpPr>
-        <p:cNvPr id="1" name=""/>
-        <p:cNvGrpSpPr/>
-        <p:nvPr/>
-      </p:nvGrpSpPr>
-      <p:grpSpPr>
-        <a:xfrm>
-          <a:off x="0" y="0"/>
-          <a:ext cx="0" cy="0"/>
-          <a:chOff x="0" y="0"/>
-          <a:chExt cx="0" cy="0"/>
-        </a:xfrm>
-      </p:grpSpPr>
-      <p:pic>
-        <p:nvPicPr>
-          <p:cNvPr id="390" name="image.png"/>
-          <p:cNvPicPr>
-            <a:picLocks/>
-          </p:cNvPicPr>
-          <p:nvPr/>
-        </p:nvPicPr>
-        <p:blipFill>
-          <a:blip r:embed="rId2">
-            <a:extLst/>
-          </a:blip>
-          <a:stretch>
-            <a:fillRect/>
-          </a:stretch>
-        </p:blipFill>
-        <p:spPr>
-          <a:xfrm>
-            <a:off x="3036094" y="2091222"/>
-            <a:ext cx="3071813" cy="2955727"/>
-          </a:xfrm>
-          <a:prstGeom prst="rect">
-            <a:avLst/>
-          </a:prstGeom>
-          <a:ln w="12700">
-            <a:miter lim="400000"/>
-          </a:ln>
-        </p:spPr>
-      </p:pic>
-      <p:sp>
-        <p:nvSpPr>
-          <p:cNvPr id="391" name="Shape 391"/>
-          <p:cNvSpPr>
-            <a:spLocks noGrp="1"/>
-          </p:cNvSpPr>
-          <p:nvPr>
-            <p:ph type="sldNum" sz="quarter" idx="2"/>
-          </p:nvPr>
-        </p:nvSpPr>
-        <p:spPr>
-          <a:prstGeom prst="rect">
-            <a:avLst/>
-          </a:prstGeom>
-          <a:extLst>
-            <a:ext uri="{C572A759-6A51-4108-AA02-DFA0A04FC94B}">
-              <ma14:wrappingTextBoxFlag xmlns="" xmlns:ma14="http://schemas.microsoft.com/office/mac/drawingml/2011/main" val="1"/>
-            </a:ext>
-          </a:extLst>
-        </p:spPr>
-        <p:txBody>
-          <a:bodyPr/>
-          <a:lstStyle/>
-          <a:p>
-            <a:fld id="{86CB4B4D-7CA3-9044-876B-883B54F8677D}" type="slidenum">
-              <a:t>37</a:t>
-            </a:fld>
-            <a:endParaRPr/>
-          </a:p>
-        </p:txBody>
-      </p:sp>
-      <p:sp>
-        <p:nvSpPr>
-          <p:cNvPr id="392" name="Shape 392"/>
-          <p:cNvSpPr/>
-          <p:nvPr/>
-        </p:nvSpPr>
-        <p:spPr>
-          <a:xfrm>
-            <a:off x="0" y="-8930"/>
-            <a:ext cx="7563445" cy="349131"/>
-          </a:xfrm>
-          <a:prstGeom prst="rect">
-            <a:avLst/>
-          </a:prstGeom>
-          <a:ln w="12700">
-            <a:miter lim="400000"/>
-          </a:ln>
-          <a:extLst>
-            <a:ext uri="{C572A759-6A51-4108-AA02-DFA0A04FC94B}">
-              <ma14:wrappingTextBoxFlag xmlns="" xmlns:ma14="http://schemas.microsoft.com/office/mac/drawingml/2011/main" val="1"/>
-            </a:ext>
-          </a:extLst>
-        </p:spPr>
-        <p:txBody>
-          <a:bodyPr lIns="35717" tIns="35717" rIns="35717" bIns="35717">
-            <a:spAutoFit/>
-          </a:bodyPr>
-          <a:lstStyle>
-            <a:lvl1pPr algn="l" defTabSz="647700">
-              <a:tabLst>
-                <a:tab pos="355600" algn="l"/>
-                <a:tab pos="711200" algn="l"/>
-                <a:tab pos="1079500" algn="l"/>
-                <a:tab pos="1435100" algn="l"/>
-                <a:tab pos="1790700" algn="l"/>
-                <a:tab pos="2159000" algn="l"/>
-                <a:tab pos="2514600" algn="l"/>
-                <a:tab pos="2870200" algn="l"/>
-                <a:tab pos="3238500" algn="l"/>
-                <a:tab pos="3594100" algn="l"/>
-                <a:tab pos="3949700" algn="l"/>
-                <a:tab pos="4318000" algn="l"/>
-              </a:tabLst>
-              <a:defRPr sz="1800">
-                <a:solidFill>
-                  <a:srgbClr val="F1FEF6"/>
-                </a:solidFill>
-                <a:latin typeface="Lucida Bright"/>
-                <a:ea typeface="Lucida Bright"/>
-                <a:cs typeface="Lucida Bright"/>
-                <a:sym typeface="Lucida Bright"/>
-              </a:defRPr>
-            </a:lvl1pPr>
-          </a:lstStyle>
-          <a:p>
-            <a:r>
-              <a:rPr dirty="0"/>
-              <a:t>Thank you for your attention !</a:t>
-            </a:r>
-          </a:p>
-        </p:txBody>
-      </p:sp>
-      <p:sp>
-        <p:nvSpPr>
-          <p:cNvPr id="393" name="Shape 393"/>
-          <p:cNvSpPr/>
-          <p:nvPr/>
-        </p:nvSpPr>
-        <p:spPr>
-          <a:xfrm rot="16199996">
-            <a:off x="1625204" y="3642598"/>
-            <a:ext cx="2473524" cy="223243"/>
-          </a:xfrm>
-          <a:prstGeom prst="rect">
-            <a:avLst/>
-          </a:prstGeom>
-          <a:ln w="12700">
-            <a:miter lim="400000"/>
-          </a:ln>
-          <a:extLst>
-            <a:ext uri="{C572A759-6A51-4108-AA02-DFA0A04FC94B}">
-              <ma14:wrappingTextBoxFlag xmlns="" xmlns:ma14="http://schemas.microsoft.com/office/mac/drawingml/2011/main" val="1"/>
-            </a:ext>
-          </a:extLst>
-        </p:spPr>
-        <p:txBody>
-          <a:bodyPr lIns="35717" tIns="35717" rIns="35717" bIns="35717"/>
-          <a:lstStyle>
-            <a:lvl1pPr algn="l" defTabSz="647700">
-              <a:tabLst>
-                <a:tab pos="355600" algn="l"/>
-                <a:tab pos="711200" algn="l"/>
-                <a:tab pos="1079500" algn="l"/>
-                <a:tab pos="1435100" algn="l"/>
-                <a:tab pos="1790700" algn="l"/>
-                <a:tab pos="2159000" algn="l"/>
-                <a:tab pos="2514600" algn="l"/>
-                <a:tab pos="2870200" algn="l"/>
-                <a:tab pos="3238500" algn="l"/>
-                <a:tab pos="3594100" algn="l"/>
-                <a:tab pos="3949700" algn="l"/>
-                <a:tab pos="4318000" algn="l"/>
-              </a:tabLst>
-              <a:defRPr sz="1000">
-                <a:solidFill>
-                  <a:srgbClr val="000000"/>
-                </a:solidFill>
-                <a:latin typeface="Lucida Bright"/>
-                <a:ea typeface="Lucida Bright"/>
-                <a:cs typeface="Lucida Bright"/>
-                <a:sym typeface="Lucida Bright"/>
-              </a:defRPr>
-            </a:lvl1pPr>
-          </a:lstStyle>
-          <a:p>
-            <a:r>
-              <a:t>G.Ulrici - 2000 ?</a:t>
-            </a:r>
-          </a:p>
-        </p:txBody>
-      </p:sp>
-      <p:sp>
-        <p:nvSpPr>
-          <p:cNvPr id="6" name="Shape 154"/>
-          <p:cNvSpPr/>
-          <p:nvPr/>
-        </p:nvSpPr>
-        <p:spPr>
-          <a:xfrm>
-            <a:off x="1049289" y="6508869"/>
-            <a:ext cx="2354957" cy="349131"/>
-          </a:xfrm>
-          <a:prstGeom prst="rect">
-            <a:avLst/>
-          </a:prstGeom>
-          <a:ln w="12700">
-            <a:miter lim="400000"/>
-          </a:ln>
-          <a:extLst>
-            <a:ext uri="{C572A759-6A51-4108-AA02-DFA0A04FC94B}">
-              <ma14:wrappingTextBoxFlag xmlns="" xmlns:ma14="http://schemas.microsoft.com/office/mac/drawingml/2011/main" val="1"/>
-            </a:ext>
-          </a:extLst>
-        </p:spPr>
-        <p:txBody>
-          <a:bodyPr wrap="square" lIns="35717" tIns="35717" rIns="35717" bIns="35717">
-            <a:spAutoFit/>
-          </a:bodyPr>
-          <a:lstStyle>
-            <a:lvl1pPr algn="l" defTabSz="647700">
-              <a:tabLst>
-                <a:tab pos="355600" algn="l"/>
-                <a:tab pos="711200" algn="l"/>
-                <a:tab pos="1079500" algn="l"/>
-                <a:tab pos="1435100" algn="l"/>
-                <a:tab pos="1790700" algn="l"/>
-                <a:tab pos="2159000" algn="l"/>
-                <a:tab pos="2514600" algn="l"/>
-                <a:tab pos="2870200" algn="l"/>
-                <a:tab pos="3238500" algn="l"/>
-                <a:tab pos="3594100" algn="l"/>
-                <a:tab pos="3949700" algn="l"/>
-                <a:tab pos="4318000" algn="l"/>
-              </a:tabLst>
-              <a:defRPr sz="1800">
-                <a:solidFill>
-                  <a:srgbClr val="F1FEF6"/>
-                </a:solidFill>
-                <a:latin typeface="Lucida Bright"/>
-                <a:ea typeface="Lucida Bright"/>
-                <a:cs typeface="Lucida Bright"/>
-                <a:sym typeface="Lucida Bright"/>
-              </a:defRPr>
-            </a:lvl1pPr>
-          </a:lstStyle>
-          <a:p>
-            <a:r>
-              <a:rPr lang="it-IT" dirty="0"/>
-              <a:t> &amp;  N. Tubini</a:t>
-            </a:r>
-            <a:endParaRPr dirty="0"/>
-          </a:p>
-        </p:txBody>
-      </p:sp>
-    </p:spTree>
-    <p:extLst>
-      <p:ext uri="{BB962C8B-B14F-4D97-AF65-F5344CB8AC3E}">
-        <p14:creationId xmlns:p14="http://schemas.microsoft.com/office/powerpoint/2010/main" val="4211586092"/>
-      </p:ext>
-    </p:extLst>
-  </p:cSld>
-  <p:clrMapOvr>
-    <a:masterClrMapping/>
-  </p:clrMapOvr>
-  <p:transition spd="med"/>
-</p:sld>
-</file>
-
-<file path=ppt/slides/slide4.xml><?xml version="1.0" encoding="utf-8"?>
-<p:sld xmlns:a="http://schemas.openxmlformats.org/drawingml/2006/main" xmlns:r="http://schemas.openxmlformats.org/officeDocument/2006/relationships" xmlns:p="http://schemas.openxmlformats.org/presentationml/2006/main">
-  <p:cSld>
-    <p:spTree>
-      <p:nvGrpSpPr>
-        <p:cNvPr id="1" name=""/>
-        <p:cNvGrpSpPr/>
-        <p:nvPr/>
-      </p:nvGrpSpPr>
-      <p:grpSpPr>
-        <a:xfrm>
-          <a:off x="0" y="0"/>
-          <a:ext cx="0" cy="0"/>
-          <a:chOff x="0" y="0"/>
-          <a:chExt cx="0" cy="0"/>
-        </a:xfrm>
-      </p:grpSpPr>
-      <p:sp>
-        <p:nvSpPr>
-          <p:cNvPr id="154" name="Shape 154"/>
-          <p:cNvSpPr/>
-          <p:nvPr/>
-        </p:nvSpPr>
-        <p:spPr>
-          <a:xfrm>
-            <a:off x="0" y="-8930"/>
-            <a:ext cx="7563445" cy="349131"/>
-          </a:xfrm>
-          <a:prstGeom prst="rect">
-            <a:avLst/>
-          </a:prstGeom>
-          <a:ln w="12700">
-            <a:miter lim="400000"/>
-          </a:ln>
-          <a:extLst>
-            <a:ext uri="{C572A759-6A51-4108-AA02-DFA0A04FC94B}">
-              <ma14:wrappingTextBoxFlag xmlns="" xmlns:ma14="http://schemas.microsoft.com/office/mac/drawingml/2011/main" val="1"/>
-            </a:ext>
-          </a:extLst>
-        </p:spPr>
-        <p:txBody>
-          <a:bodyPr lIns="35717" tIns="35717" rIns="35717" bIns="35717">
-            <a:spAutoFit/>
-          </a:bodyPr>
-          <a:lstStyle>
-            <a:lvl1pPr algn="l" defTabSz="647700">
-              <a:tabLst>
-                <a:tab pos="355600" algn="l"/>
-                <a:tab pos="711200" algn="l"/>
-                <a:tab pos="1079500" algn="l"/>
-                <a:tab pos="1435100" algn="l"/>
-                <a:tab pos="1790700" algn="l"/>
-                <a:tab pos="2159000" algn="l"/>
-                <a:tab pos="2514600" algn="l"/>
-                <a:tab pos="2870200" algn="l"/>
-                <a:tab pos="3238500" algn="l"/>
-                <a:tab pos="3594100" algn="l"/>
-                <a:tab pos="3949700" algn="l"/>
-                <a:tab pos="4318000" algn="l"/>
-              </a:tabLst>
-              <a:defRPr sz="1800">
-                <a:solidFill>
-                  <a:srgbClr val="F1FEF6"/>
-                </a:solidFill>
-                <a:latin typeface="Lucida Bright"/>
-                <a:ea typeface="Lucida Bright"/>
-                <a:cs typeface="Lucida Bright"/>
-                <a:sym typeface="Lucida Bright"/>
-              </a:defRPr>
-            </a:lvl1pPr>
-          </a:lstStyle>
-          <a:p>
-            <a:pPr algn="just"/>
-            <a:r>
-              <a:rPr lang="en-US" dirty="0"/>
-              <a:t>Solving Richards’ equation with OMS console</a:t>
-            </a:r>
-          </a:p>
-        </p:txBody>
-      </p:sp>
-      <p:sp>
-        <p:nvSpPr>
-          <p:cNvPr id="14" name="Shape 154"/>
-          <p:cNvSpPr/>
-          <p:nvPr/>
-        </p:nvSpPr>
-        <p:spPr>
-          <a:xfrm>
-            <a:off x="1049289" y="6508869"/>
-            <a:ext cx="2354957" cy="349131"/>
-          </a:xfrm>
-          <a:prstGeom prst="rect">
-            <a:avLst/>
-          </a:prstGeom>
-          <a:ln w="12700">
-            <a:miter lim="400000"/>
-          </a:ln>
-          <a:extLst>
-            <a:ext uri="{C572A759-6A51-4108-AA02-DFA0A04FC94B}">
-              <ma14:wrappingTextBoxFlag xmlns="" xmlns:ma14="http://schemas.microsoft.com/office/mac/drawingml/2011/main" val="1"/>
+              <ma14:wrappingTextBoxFlag xmlns:ma14="http://schemas.microsoft.com/office/mac/drawingml/2011/main" xmlns="" val="1"/>
             </a:ext>
           </a:extLst>
         </p:spPr>
@@ -15179,7 +10199,7 @@
           </a:ln>
           <a:extLst>
             <a:ext uri="{C572A759-6A51-4108-AA02-DFA0A04FC94B}">
-              <ma14:wrappingTextBoxFlag xmlns="" xmlns:ma14="http://schemas.microsoft.com/office/mac/drawingml/2011/main" val="1"/>
+              <ma14:wrappingTextBoxFlag xmlns:ma14="http://schemas.microsoft.com/office/mac/drawingml/2011/main" xmlns="" val="1"/>
             </a:ext>
           </a:extLst>
         </p:spPr>
@@ -15242,7 +10262,7 @@
           </a:ln>
           <a:extLst>
             <a:ext uri="{C572A759-6A51-4108-AA02-DFA0A04FC94B}">
-              <ma14:wrappingTextBoxFlag xmlns="" xmlns:ma14="http://schemas.microsoft.com/office/mac/drawingml/2011/main" val="1"/>
+              <ma14:wrappingTextBoxFlag xmlns:ma14="http://schemas.microsoft.com/office/mac/drawingml/2011/main" xmlns="" val="1"/>
             </a:ext>
           </a:extLst>
         </p:spPr>
@@ -15407,7 +10427,7 @@
           </a:ln>
           <a:extLst>
             <a:ext uri="{C572A759-6A51-4108-AA02-DFA0A04FC94B}">
-              <ma14:wrappingTextBoxFlag xmlns="" xmlns:ma14="http://schemas.microsoft.com/office/mac/drawingml/2011/main" val="1"/>
+              <ma14:wrappingTextBoxFlag xmlns:ma14="http://schemas.microsoft.com/office/mac/drawingml/2011/main" xmlns="" val="1"/>
             </a:ext>
           </a:extLst>
         </p:spPr>
@@ -15470,7 +10490,7 @@
           </a:ln>
           <a:extLst>
             <a:ext uri="{C572A759-6A51-4108-AA02-DFA0A04FC94B}">
-              <ma14:wrappingTextBoxFlag xmlns="" xmlns:ma14="http://schemas.microsoft.com/office/mac/drawingml/2011/main" val="1"/>
+              <ma14:wrappingTextBoxFlag xmlns:ma14="http://schemas.microsoft.com/office/mac/drawingml/2011/main" xmlns="" val="1"/>
             </a:ext>
           </a:extLst>
         </p:spPr>
@@ -15635,7 +10655,7 @@
           </a:ln>
           <a:extLst>
             <a:ext uri="{C572A759-6A51-4108-AA02-DFA0A04FC94B}">
-              <ma14:wrappingTextBoxFlag xmlns="" xmlns:ma14="http://schemas.microsoft.com/office/mac/drawingml/2011/main" val="1"/>
+              <ma14:wrappingTextBoxFlag xmlns:ma14="http://schemas.microsoft.com/office/mac/drawingml/2011/main" xmlns="" val="1"/>
             </a:ext>
           </a:extLst>
         </p:spPr>
@@ -15698,7 +10718,7 @@
           </a:ln>
           <a:extLst>
             <a:ext uri="{C572A759-6A51-4108-AA02-DFA0A04FC94B}">
-              <ma14:wrappingTextBoxFlag xmlns="" xmlns:ma14="http://schemas.microsoft.com/office/mac/drawingml/2011/main" val="1"/>
+              <ma14:wrappingTextBoxFlag xmlns:ma14="http://schemas.microsoft.com/office/mac/drawingml/2011/main" xmlns="" val="1"/>
             </a:ext>
           </a:extLst>
         </p:spPr>
@@ -15900,28 +10920,28 @@
       </p:sp>
       <p:pic>
         <p:nvPicPr>
-          <p:cNvPr id="6" name="Immagine 5"/>
+          <p:cNvPr id="7" name="Picture 6">
+            <a:extLst>
+              <a:ext uri="{FF2B5EF4-FFF2-40B4-BE49-F238E27FC236}">
+                <a16:creationId xmlns:a16="http://schemas.microsoft.com/office/drawing/2014/main" id="{6A23B4CA-27E6-469A-86A9-F61F2A4A2363}"/>
+              </a:ext>
+            </a:extLst>
+          </p:cNvPr>
           <p:cNvPicPr>
             <a:picLocks noChangeAspect="1"/>
           </p:cNvPicPr>
           <p:nvPr/>
         </p:nvPicPr>
         <p:blipFill>
-          <a:blip r:embed="rId2">
-            <a:extLst>
-              <a:ext uri="{28A0092B-C50C-407E-A947-70E740481C1C}">
-                <a14:useLocalDpi xmlns:a14="http://schemas.microsoft.com/office/drawing/2010/main" val="0"/>
-              </a:ext>
-            </a:extLst>
-          </a:blip>
+          <a:blip r:embed="rId2"/>
           <a:stretch>
             <a:fillRect/>
           </a:stretch>
         </p:blipFill>
         <p:spPr>
           <a:xfrm>
-            <a:off x="112917" y="2689411"/>
-            <a:ext cx="8654566" cy="1380565"/>
+            <a:off x="440940" y="2482598"/>
+            <a:ext cx="8127288" cy="966180"/>
           </a:xfrm>
           <a:prstGeom prst="rect">
             <a:avLst/>
@@ -15978,7 +10998,7 @@
           </a:ln>
           <a:extLst>
             <a:ext uri="{C572A759-6A51-4108-AA02-DFA0A04FC94B}">
-              <ma14:wrappingTextBoxFlag xmlns="" xmlns:ma14="http://schemas.microsoft.com/office/mac/drawingml/2011/main" val="1"/>
+              <ma14:wrappingTextBoxFlag xmlns:ma14="http://schemas.microsoft.com/office/mac/drawingml/2011/main" xmlns="" val="1"/>
             </a:ext>
           </a:extLst>
         </p:spPr>
@@ -16041,7 +11061,7 @@
           </a:ln>
           <a:extLst>
             <a:ext uri="{C572A759-6A51-4108-AA02-DFA0A04FC94B}">
-              <ma14:wrappingTextBoxFlag xmlns="" xmlns:ma14="http://schemas.microsoft.com/office/mac/drawingml/2011/main" val="1"/>
+              <ma14:wrappingTextBoxFlag xmlns:ma14="http://schemas.microsoft.com/office/mac/drawingml/2011/main" xmlns="" val="1"/>
             </a:ext>
           </a:extLst>
         </p:spPr>
@@ -16303,7 +11323,7 @@
           </a:ln>
           <a:extLst>
             <a:ext uri="{C572A759-6A51-4108-AA02-DFA0A04FC94B}">
-              <ma14:wrappingTextBoxFlag xmlns="" xmlns:ma14="http://schemas.microsoft.com/office/mac/drawingml/2011/main" val="1"/>
+              <ma14:wrappingTextBoxFlag xmlns:ma14="http://schemas.microsoft.com/office/mac/drawingml/2011/main" xmlns="" val="1"/>
             </a:ext>
           </a:extLst>
         </p:spPr>
@@ -16366,7 +11386,7 @@
           </a:ln>
           <a:extLst>
             <a:ext uri="{C572A759-6A51-4108-AA02-DFA0A04FC94B}">
-              <ma14:wrappingTextBoxFlag xmlns="" xmlns:ma14="http://schemas.microsoft.com/office/mac/drawingml/2011/main" val="1"/>
+              <ma14:wrappingTextBoxFlag xmlns:ma14="http://schemas.microsoft.com/office/mac/drawingml/2011/main" xmlns="" val="1"/>
             </a:ext>
           </a:extLst>
         </p:spPr>

--- a/Materials/Richards_English.pptx
+++ b/Materials/Richards_English.pptx
@@ -5,7 +5,7 @@
     <p:sldMasterId id="2147483648" r:id="rId1"/>
   </p:sldMasterIdLst>
   <p:notesMasterIdLst>
-    <p:notesMasterId r:id="rId39"/>
+    <p:notesMasterId r:id="rId38"/>
   </p:notesMasterIdLst>
   <p:sldIdLst>
     <p:sldId id="285" r:id="rId2"/>
@@ -17,34 +17,33 @@
     <p:sldId id="331" r:id="rId8"/>
     <p:sldId id="346" r:id="rId9"/>
     <p:sldId id="332" r:id="rId10"/>
-    <p:sldId id="360" r:id="rId11"/>
-    <p:sldId id="348" r:id="rId12"/>
-    <p:sldId id="350" r:id="rId13"/>
-    <p:sldId id="351" r:id="rId14"/>
-    <p:sldId id="352" r:id="rId15"/>
-    <p:sldId id="353" r:id="rId16"/>
-    <p:sldId id="354" r:id="rId17"/>
-    <p:sldId id="355" r:id="rId18"/>
-    <p:sldId id="356" r:id="rId19"/>
-    <p:sldId id="333" r:id="rId20"/>
-    <p:sldId id="361" r:id="rId21"/>
-    <p:sldId id="334" r:id="rId22"/>
-    <p:sldId id="335" r:id="rId23"/>
-    <p:sldId id="336" r:id="rId24"/>
-    <p:sldId id="359" r:id="rId25"/>
-    <p:sldId id="337" r:id="rId26"/>
-    <p:sldId id="338" r:id="rId27"/>
-    <p:sldId id="339" r:id="rId28"/>
-    <p:sldId id="340" r:id="rId29"/>
-    <p:sldId id="357" r:id="rId30"/>
-    <p:sldId id="358" r:id="rId31"/>
-    <p:sldId id="341" r:id="rId32"/>
-    <p:sldId id="342" r:id="rId33"/>
-    <p:sldId id="343" r:id="rId34"/>
-    <p:sldId id="345" r:id="rId35"/>
-    <p:sldId id="362" r:id="rId36"/>
-    <p:sldId id="363" r:id="rId37"/>
-    <p:sldId id="273" r:id="rId38"/>
+    <p:sldId id="348" r:id="rId11"/>
+    <p:sldId id="350" r:id="rId12"/>
+    <p:sldId id="351" r:id="rId13"/>
+    <p:sldId id="352" r:id="rId14"/>
+    <p:sldId id="353" r:id="rId15"/>
+    <p:sldId id="354" r:id="rId16"/>
+    <p:sldId id="355" r:id="rId17"/>
+    <p:sldId id="356" r:id="rId18"/>
+    <p:sldId id="333" r:id="rId19"/>
+    <p:sldId id="361" r:id="rId20"/>
+    <p:sldId id="334" r:id="rId21"/>
+    <p:sldId id="335" r:id="rId22"/>
+    <p:sldId id="336" r:id="rId23"/>
+    <p:sldId id="359" r:id="rId24"/>
+    <p:sldId id="337" r:id="rId25"/>
+    <p:sldId id="338" r:id="rId26"/>
+    <p:sldId id="339" r:id="rId27"/>
+    <p:sldId id="340" r:id="rId28"/>
+    <p:sldId id="357" r:id="rId29"/>
+    <p:sldId id="358" r:id="rId30"/>
+    <p:sldId id="341" r:id="rId31"/>
+    <p:sldId id="342" r:id="rId32"/>
+    <p:sldId id="343" r:id="rId33"/>
+    <p:sldId id="345" r:id="rId34"/>
+    <p:sldId id="362" r:id="rId35"/>
+    <p:sldId id="363" r:id="rId36"/>
+    <p:sldId id="273" r:id="rId37"/>
   </p:sldIdLst>
   <p:sldSz cx="9144000" cy="6858000" type="screen4x3"/>
   <p:notesSz cx="6858000" cy="9144000"/>
@@ -244,7 +243,7 @@
           <a:p>
             <a:fld id="{4D0C6883-54F1-064A-A731-D2789FFABA37}" type="datetimeFigureOut">
               <a:rPr lang="it-IT" smtClean="0"/>
-              <a:t>05/03/2018</a:t>
+              <a:t>09/05/2018</a:t>
             </a:fld>
             <a:endParaRPr lang="en-GB"/>
           </a:p>
@@ -693,7 +692,7 @@
           <a:p>
             <a:fld id="{D3F618D5-3DB9-B146-87ED-A3BCB7C64B91}" type="datetimeFigureOut">
               <a:rPr lang="it-IT" smtClean="0"/>
-              <a:t>05/03/2018</a:t>
+              <a:t>09/05/2018</a:t>
             </a:fld>
             <a:endParaRPr lang="en-GB"/>
           </a:p>
@@ -863,7 +862,7 @@
           <a:p>
             <a:fld id="{D3F618D5-3DB9-B146-87ED-A3BCB7C64B91}" type="datetimeFigureOut">
               <a:rPr lang="it-IT" smtClean="0"/>
-              <a:t>05/03/2018</a:t>
+              <a:t>09/05/2018</a:t>
             </a:fld>
             <a:endParaRPr lang="en-GB"/>
           </a:p>
@@ -1043,7 +1042,7 @@
           <a:p>
             <a:fld id="{D3F618D5-3DB9-B146-87ED-A3BCB7C64B91}" type="datetimeFigureOut">
               <a:rPr lang="it-IT" smtClean="0"/>
-              <a:t>05/03/2018</a:t>
+              <a:t>09/05/2018</a:t>
             </a:fld>
             <a:endParaRPr lang="en-GB"/>
           </a:p>
@@ -1249,7 +1248,7 @@
           </a:ln>
           <a:extLst>
             <a:ext uri="{C572A759-6A51-4108-AA02-DFA0A04FC94B}">
-              <ma14:wrappingTextBoxFlag xmlns="" xmlns:ma14="http://schemas.microsoft.com/office/mac/drawingml/2011/main" val="1"/>
+              <ma14:wrappingTextBoxFlag xmlns:ma14="http://schemas.microsoft.com/office/mac/drawingml/2011/main" xmlns="" val="1"/>
             </a:ext>
           </a:extLst>
         </p:spPr>
@@ -1466,7 +1465,7 @@
           <a:p>
             <a:fld id="{D3F618D5-3DB9-B146-87ED-A3BCB7C64B91}" type="datetimeFigureOut">
               <a:rPr lang="it-IT" smtClean="0"/>
-              <a:t>05/03/2018</a:t>
+              <a:t>09/05/2018</a:t>
             </a:fld>
             <a:endParaRPr lang="en-GB"/>
           </a:p>
@@ -1712,7 +1711,7 @@
           <a:p>
             <a:fld id="{D3F618D5-3DB9-B146-87ED-A3BCB7C64B91}" type="datetimeFigureOut">
               <a:rPr lang="it-IT" smtClean="0"/>
-              <a:t>05/03/2018</a:t>
+              <a:t>09/05/2018</a:t>
             </a:fld>
             <a:endParaRPr lang="en-GB"/>
           </a:p>
@@ -2000,7 +1999,7 @@
           <a:p>
             <a:fld id="{D3F618D5-3DB9-B146-87ED-A3BCB7C64B91}" type="datetimeFigureOut">
               <a:rPr lang="it-IT" smtClean="0"/>
-              <a:t>05/03/2018</a:t>
+              <a:t>09/05/2018</a:t>
             </a:fld>
             <a:endParaRPr lang="en-GB"/>
           </a:p>
@@ -2422,7 +2421,7 @@
           <a:p>
             <a:fld id="{D3F618D5-3DB9-B146-87ED-A3BCB7C64B91}" type="datetimeFigureOut">
               <a:rPr lang="it-IT" smtClean="0"/>
-              <a:t>05/03/2018</a:t>
+              <a:t>09/05/2018</a:t>
             </a:fld>
             <a:endParaRPr lang="en-GB"/>
           </a:p>
@@ -2540,7 +2539,7 @@
           <a:p>
             <a:fld id="{D3F618D5-3DB9-B146-87ED-A3BCB7C64B91}" type="datetimeFigureOut">
               <a:rPr lang="it-IT" smtClean="0"/>
-              <a:t>05/03/2018</a:t>
+              <a:t>09/05/2018</a:t>
             </a:fld>
             <a:endParaRPr lang="en-GB"/>
           </a:p>
@@ -2635,7 +2634,7 @@
           <a:p>
             <a:fld id="{D3F618D5-3DB9-B146-87ED-A3BCB7C64B91}" type="datetimeFigureOut">
               <a:rPr lang="it-IT" smtClean="0"/>
-              <a:t>05/03/2018</a:t>
+              <a:t>09/05/2018</a:t>
             </a:fld>
             <a:endParaRPr lang="en-GB"/>
           </a:p>
@@ -2912,7 +2911,7 @@
           <a:p>
             <a:fld id="{D3F618D5-3DB9-B146-87ED-A3BCB7C64B91}" type="datetimeFigureOut">
               <a:rPr lang="it-IT" smtClean="0"/>
-              <a:t>05/03/2018</a:t>
+              <a:t>09/05/2018</a:t>
             </a:fld>
             <a:endParaRPr lang="en-GB"/>
           </a:p>
@@ -3165,7 +3164,7 @@
           <a:p>
             <a:fld id="{D3F618D5-3DB9-B146-87ED-A3BCB7C64B91}" type="datetimeFigureOut">
               <a:rPr lang="it-IT" smtClean="0"/>
-              <a:t>05/03/2018</a:t>
+              <a:t>09/05/2018</a:t>
             </a:fld>
             <a:endParaRPr lang="en-GB"/>
           </a:p>
@@ -3378,7 +3377,7 @@
           <a:p>
             <a:fld id="{D3F618D5-3DB9-B146-87ED-A3BCB7C64B91}" type="datetimeFigureOut">
               <a:rPr lang="it-IT" smtClean="0"/>
-              <a:t>05/03/2018</a:t>
+              <a:t>09/05/2018</a:t>
             </a:fld>
             <a:endParaRPr lang="en-GB"/>
           </a:p>
@@ -3773,7 +3772,7 @@
           </a:ln>
           <a:extLst>
             <a:ext uri="{C572A759-6A51-4108-AA02-DFA0A04FC94B}">
-              <ma14:wrappingTextBoxFlag xmlns="" xmlns:ma14="http://schemas.microsoft.com/office/mac/drawingml/2011/main" val="1"/>
+              <ma14:wrappingTextBoxFlag xmlns:ma14="http://schemas.microsoft.com/office/mac/drawingml/2011/main" xmlns="" val="1"/>
             </a:ext>
           </a:extLst>
         </p:spPr>
@@ -3873,7 +3872,7 @@
           </a:ln>
           <a:extLst>
             <a:ext uri="{C572A759-6A51-4108-AA02-DFA0A04FC94B}">
-              <ma14:wrappingTextBoxFlag xmlns="" xmlns:ma14="http://schemas.microsoft.com/office/mac/drawingml/2011/main" val="1"/>
+              <ma14:wrappingTextBoxFlag xmlns:ma14="http://schemas.microsoft.com/office/mac/drawingml/2011/main" xmlns="" val="1"/>
             </a:ext>
           </a:extLst>
         </p:spPr>
@@ -4039,7 +4038,7 @@
           </a:ln>
           <a:extLst>
             <a:ext uri="{C572A759-6A51-4108-AA02-DFA0A04FC94B}">
-              <ma14:wrappingTextBoxFlag xmlns="" xmlns:ma14="http://schemas.microsoft.com/office/mac/drawingml/2011/main" val="1"/>
+              <ma14:wrappingTextBoxFlag xmlns:ma14="http://schemas.microsoft.com/office/mac/drawingml/2011/main" xmlns="" val="1"/>
             </a:ext>
           </a:extLst>
         </p:spPr>
@@ -4102,231 +4101,7 @@
           </a:ln>
           <a:extLst>
             <a:ext uri="{C572A759-6A51-4108-AA02-DFA0A04FC94B}">
-              <ma14:wrappingTextBoxFlag xmlns="" xmlns:ma14="http://schemas.microsoft.com/office/mac/drawingml/2011/main" val="1"/>
-            </a:ext>
-          </a:extLst>
-        </p:spPr>
-        <p:txBody>
-          <a:bodyPr wrap="square" lIns="35717" tIns="35717" rIns="35717" bIns="35717">
-            <a:spAutoFit/>
-          </a:bodyPr>
-          <a:lstStyle>
-            <a:lvl1pPr algn="l" defTabSz="647700">
-              <a:tabLst>
-                <a:tab pos="355600" algn="l"/>
-                <a:tab pos="711200" algn="l"/>
-                <a:tab pos="1079500" algn="l"/>
-                <a:tab pos="1435100" algn="l"/>
-                <a:tab pos="1790700" algn="l"/>
-                <a:tab pos="2159000" algn="l"/>
-                <a:tab pos="2514600" algn="l"/>
-                <a:tab pos="2870200" algn="l"/>
-                <a:tab pos="3238500" algn="l"/>
-                <a:tab pos="3594100" algn="l"/>
-                <a:tab pos="3949700" algn="l"/>
-                <a:tab pos="4318000" algn="l"/>
-              </a:tabLst>
-              <a:defRPr sz="1800">
-                <a:solidFill>
-                  <a:srgbClr val="F1FEF6"/>
-                </a:solidFill>
-                <a:latin typeface="Lucida Bright"/>
-                <a:ea typeface="Lucida Bright"/>
-                <a:cs typeface="Lucida Bright"/>
-                <a:sym typeface="Lucida Bright"/>
-              </a:defRPr>
-            </a:lvl1pPr>
-          </a:lstStyle>
-          <a:p>
-            <a:r>
-              <a:rPr lang="it-IT" dirty="0"/>
-              <a:t> &amp;  N. Tubini</a:t>
-            </a:r>
-            <a:endParaRPr dirty="0"/>
-          </a:p>
-        </p:txBody>
-      </p:sp>
-      <p:sp>
-        <p:nvSpPr>
-          <p:cNvPr id="2" name="CasellaDiTesto 1"/>
-          <p:cNvSpPr txBox="1"/>
-          <p:nvPr/>
-        </p:nvSpPr>
-        <p:spPr>
-          <a:xfrm>
-            <a:off x="1726641" y="524867"/>
-            <a:ext cx="5726575" cy="707886"/>
-          </a:xfrm>
-          <a:prstGeom prst="rect">
-            <a:avLst/>
-          </a:prstGeom>
-          <a:noFill/>
-        </p:spPr>
-        <p:txBody>
-          <a:bodyPr wrap="square" rtlCol="0">
-            <a:spAutoFit/>
-          </a:bodyPr>
-          <a:lstStyle/>
-          <a:p>
-            <a:pPr algn="ctr"/>
-            <a:r>
-              <a:rPr lang="en-GB" sz="2000" dirty="0"/>
-              <a:t>.sim file: parameters </a:t>
-            </a:r>
-          </a:p>
-          <a:p>
-            <a:pPr algn="ctr"/>
-            <a:r>
-              <a:rPr lang="en-GB" sz="2000" dirty="0"/>
-              <a:t>DOMAIN GEOMETRY</a:t>
-            </a:r>
-          </a:p>
-        </p:txBody>
-      </p:sp>
-      <p:pic>
-        <p:nvPicPr>
-          <p:cNvPr id="4" name="Picture 3">
-            <a:extLst>
-              <a:ext uri="{FF2B5EF4-FFF2-40B4-BE49-F238E27FC236}">
-                <a16:creationId xmlns:a16="http://schemas.microsoft.com/office/drawing/2014/main" id="{8F10831D-965A-459F-A6F5-FAC21C992025}"/>
-              </a:ext>
-            </a:extLst>
-          </p:cNvPr>
-          <p:cNvPicPr>
-            <a:picLocks noChangeAspect="1"/>
-          </p:cNvPicPr>
-          <p:nvPr/>
-        </p:nvPicPr>
-        <p:blipFill>
-          <a:blip r:embed="rId2"/>
-          <a:stretch>
-            <a:fillRect/>
-          </a:stretch>
-        </p:blipFill>
-        <p:spPr>
-          <a:xfrm>
-            <a:off x="855269" y="2639834"/>
-            <a:ext cx="7727225" cy="1338324"/>
-          </a:xfrm>
-          <a:prstGeom prst="rect">
-            <a:avLst/>
-          </a:prstGeom>
-        </p:spPr>
-      </p:pic>
-    </p:spTree>
-    <p:extLst>
-      <p:ext uri="{BB962C8B-B14F-4D97-AF65-F5344CB8AC3E}">
-        <p14:creationId xmlns:p14="http://schemas.microsoft.com/office/powerpoint/2010/main" val="3037206982"/>
-      </p:ext>
-    </p:extLst>
-  </p:cSld>
-  <p:clrMapOvr>
-    <a:masterClrMapping/>
-  </p:clrMapOvr>
-  <p:transition spd="med"/>
-</p:sld>
-</file>
-
-<file path=ppt/slides/slide11.xml><?xml version="1.0" encoding="utf-8"?>
-<p:sld xmlns:a="http://schemas.openxmlformats.org/drawingml/2006/main" xmlns:r="http://schemas.openxmlformats.org/officeDocument/2006/relationships" xmlns:p="http://schemas.openxmlformats.org/presentationml/2006/main">
-  <p:cSld>
-    <p:spTree>
-      <p:nvGrpSpPr>
-        <p:cNvPr id="1" name=""/>
-        <p:cNvGrpSpPr/>
-        <p:nvPr/>
-      </p:nvGrpSpPr>
-      <p:grpSpPr>
-        <a:xfrm>
-          <a:off x="0" y="0"/>
-          <a:ext cx="0" cy="0"/>
-          <a:chOff x="0" y="0"/>
-          <a:chExt cx="0" cy="0"/>
-        </a:xfrm>
-      </p:grpSpPr>
-      <p:sp>
-        <p:nvSpPr>
-          <p:cNvPr id="154" name="Shape 154"/>
-          <p:cNvSpPr/>
-          <p:nvPr/>
-        </p:nvSpPr>
-        <p:spPr>
-          <a:xfrm>
-            <a:off x="0" y="-8930"/>
-            <a:ext cx="7563445" cy="349131"/>
-          </a:xfrm>
-          <a:prstGeom prst="rect">
-            <a:avLst/>
-          </a:prstGeom>
-          <a:ln w="12700">
-            <a:miter lim="400000"/>
-          </a:ln>
-          <a:extLst>
-            <a:ext uri="{C572A759-6A51-4108-AA02-DFA0A04FC94B}">
-              <ma14:wrappingTextBoxFlag xmlns="" xmlns:ma14="http://schemas.microsoft.com/office/mac/drawingml/2011/main" val="1"/>
-            </a:ext>
-          </a:extLst>
-        </p:spPr>
-        <p:txBody>
-          <a:bodyPr lIns="35717" tIns="35717" rIns="35717" bIns="35717">
-            <a:spAutoFit/>
-          </a:bodyPr>
-          <a:lstStyle>
-            <a:lvl1pPr algn="l" defTabSz="647700">
-              <a:tabLst>
-                <a:tab pos="355600" algn="l"/>
-                <a:tab pos="711200" algn="l"/>
-                <a:tab pos="1079500" algn="l"/>
-                <a:tab pos="1435100" algn="l"/>
-                <a:tab pos="1790700" algn="l"/>
-                <a:tab pos="2159000" algn="l"/>
-                <a:tab pos="2514600" algn="l"/>
-                <a:tab pos="2870200" algn="l"/>
-                <a:tab pos="3238500" algn="l"/>
-                <a:tab pos="3594100" algn="l"/>
-                <a:tab pos="3949700" algn="l"/>
-                <a:tab pos="4318000" algn="l"/>
-              </a:tabLst>
-              <a:defRPr sz="1800">
-                <a:solidFill>
-                  <a:srgbClr val="F1FEF6"/>
-                </a:solidFill>
-                <a:latin typeface="Lucida Bright"/>
-                <a:ea typeface="Lucida Bright"/>
-                <a:cs typeface="Lucida Bright"/>
-                <a:sym typeface="Lucida Bright"/>
-              </a:defRPr>
-            </a:lvl1pPr>
-          </a:lstStyle>
-          <a:p>
-            <a:pPr algn="just"/>
-            <a:r>
-              <a:rPr lang="en-US" dirty="0"/>
-              <a:t>Solving Richards’ equation with OMS console</a:t>
-            </a:r>
-          </a:p>
-        </p:txBody>
-      </p:sp>
-      <p:sp>
-        <p:nvSpPr>
-          <p:cNvPr id="14" name="Shape 154"/>
-          <p:cNvSpPr/>
-          <p:nvPr/>
-        </p:nvSpPr>
-        <p:spPr>
-          <a:xfrm>
-            <a:off x="1049289" y="6508869"/>
-            <a:ext cx="2354957" cy="349131"/>
-          </a:xfrm>
-          <a:prstGeom prst="rect">
-            <a:avLst/>
-          </a:prstGeom>
-          <a:ln w="12700">
-            <a:miter lim="400000"/>
-          </a:ln>
-          <a:extLst>
-            <a:ext uri="{C572A759-6A51-4108-AA02-DFA0A04FC94B}">
-              <ma14:wrappingTextBoxFlag xmlns="" xmlns:ma14="http://schemas.microsoft.com/office/mac/drawingml/2011/main" val="1"/>
+              <ma14:wrappingTextBoxFlag xmlns:ma14="http://schemas.microsoft.com/office/mac/drawingml/2011/main" xmlns="" val="1"/>
             </a:ext>
           </a:extLst>
         </p:spPr>
@@ -4592,7 +4367,7 @@
 </p:sld>
 </file>
 
-<file path=ppt/slides/slide12.xml><?xml version="1.0" encoding="utf-8"?>
+<file path=ppt/slides/slide11.xml><?xml version="1.0" encoding="utf-8"?>
 <p:sld xmlns:a="http://schemas.openxmlformats.org/drawingml/2006/main" xmlns:r="http://schemas.openxmlformats.org/officeDocument/2006/relationships" xmlns:p="http://schemas.openxmlformats.org/presentationml/2006/main">
   <p:cSld>
     <p:spTree>
@@ -4628,7 +4403,7 @@
           </a:ln>
           <a:extLst>
             <a:ext uri="{C572A759-6A51-4108-AA02-DFA0A04FC94B}">
-              <ma14:wrappingTextBoxFlag xmlns="" xmlns:ma14="http://schemas.microsoft.com/office/mac/drawingml/2011/main" val="1"/>
+              <ma14:wrappingTextBoxFlag xmlns:ma14="http://schemas.microsoft.com/office/mac/drawingml/2011/main" xmlns="" val="1"/>
             </a:ext>
           </a:extLst>
         </p:spPr>
@@ -4691,7 +4466,7 @@
           </a:ln>
           <a:extLst>
             <a:ext uri="{C572A759-6A51-4108-AA02-DFA0A04FC94B}">
-              <ma14:wrappingTextBoxFlag xmlns="" xmlns:ma14="http://schemas.microsoft.com/office/mac/drawingml/2011/main" val="1"/>
+              <ma14:wrappingTextBoxFlag xmlns:ma14="http://schemas.microsoft.com/office/mac/drawingml/2011/main" xmlns="" val="1"/>
             </a:ext>
           </a:extLst>
         </p:spPr>
@@ -5188,7 +4963,7 @@
 </p:sld>
 </file>
 
-<file path=ppt/slides/slide13.xml><?xml version="1.0" encoding="utf-8"?>
+<file path=ppt/slides/slide12.xml><?xml version="1.0" encoding="utf-8"?>
 <p:sld xmlns:a="http://schemas.openxmlformats.org/drawingml/2006/main" xmlns:r="http://schemas.openxmlformats.org/officeDocument/2006/relationships" xmlns:p="http://schemas.openxmlformats.org/presentationml/2006/main">
   <p:cSld>
     <p:spTree>
@@ -5224,7 +4999,7 @@
           </a:ln>
           <a:extLst>
             <a:ext uri="{C572A759-6A51-4108-AA02-DFA0A04FC94B}">
-              <ma14:wrappingTextBoxFlag xmlns="" xmlns:ma14="http://schemas.microsoft.com/office/mac/drawingml/2011/main" val="1"/>
+              <ma14:wrappingTextBoxFlag xmlns:ma14="http://schemas.microsoft.com/office/mac/drawingml/2011/main" xmlns="" val="1"/>
             </a:ext>
           </a:extLst>
         </p:spPr>
@@ -5287,7 +5062,7 @@
           </a:ln>
           <a:extLst>
             <a:ext uri="{C572A759-6A51-4108-AA02-DFA0A04FC94B}">
-              <ma14:wrappingTextBoxFlag xmlns="" xmlns:ma14="http://schemas.microsoft.com/office/mac/drawingml/2011/main" val="1"/>
+              <ma14:wrappingTextBoxFlag xmlns:ma14="http://schemas.microsoft.com/office/mac/drawingml/2011/main" xmlns="" val="1"/>
             </a:ext>
           </a:extLst>
         </p:spPr>
@@ -5497,7 +5272,7 @@
 </p:sld>
 </file>
 
-<file path=ppt/slides/slide14.xml><?xml version="1.0" encoding="utf-8"?>
+<file path=ppt/slides/slide13.xml><?xml version="1.0" encoding="utf-8"?>
 <p:sld xmlns:a="http://schemas.openxmlformats.org/drawingml/2006/main" xmlns:r="http://schemas.openxmlformats.org/officeDocument/2006/relationships" xmlns:p="http://schemas.openxmlformats.org/presentationml/2006/main">
   <p:cSld>
     <p:spTree>
@@ -5533,7 +5308,7 @@
           </a:ln>
           <a:extLst>
             <a:ext uri="{C572A759-6A51-4108-AA02-DFA0A04FC94B}">
-              <ma14:wrappingTextBoxFlag xmlns="" xmlns:ma14="http://schemas.microsoft.com/office/mac/drawingml/2011/main" val="1"/>
+              <ma14:wrappingTextBoxFlag xmlns:ma14="http://schemas.microsoft.com/office/mac/drawingml/2011/main" xmlns="" val="1"/>
             </a:ext>
           </a:extLst>
         </p:spPr>
@@ -5596,7 +5371,7 @@
           </a:ln>
           <a:extLst>
             <a:ext uri="{C572A759-6A51-4108-AA02-DFA0A04FC94B}">
-              <ma14:wrappingTextBoxFlag xmlns="" xmlns:ma14="http://schemas.microsoft.com/office/mac/drawingml/2011/main" val="1"/>
+              <ma14:wrappingTextBoxFlag xmlns:ma14="http://schemas.microsoft.com/office/mac/drawingml/2011/main" xmlns="" val="1"/>
             </a:ext>
           </a:extLst>
         </p:spPr>
@@ -5784,7 +5559,7 @@
 </p:sld>
 </file>
 
-<file path=ppt/slides/slide15.xml><?xml version="1.0" encoding="utf-8"?>
+<file path=ppt/slides/slide14.xml><?xml version="1.0" encoding="utf-8"?>
 <p:sld xmlns:a="http://schemas.openxmlformats.org/drawingml/2006/main" xmlns:r="http://schemas.openxmlformats.org/officeDocument/2006/relationships" xmlns:p="http://schemas.openxmlformats.org/presentationml/2006/main">
   <p:cSld>
     <p:spTree>
@@ -5820,7 +5595,7 @@
           </a:ln>
           <a:extLst>
             <a:ext uri="{C572A759-6A51-4108-AA02-DFA0A04FC94B}">
-              <ma14:wrappingTextBoxFlag xmlns="" xmlns:ma14="http://schemas.microsoft.com/office/mac/drawingml/2011/main" val="1"/>
+              <ma14:wrappingTextBoxFlag xmlns:ma14="http://schemas.microsoft.com/office/mac/drawingml/2011/main" xmlns="" val="1"/>
             </a:ext>
           </a:extLst>
         </p:spPr>
@@ -5883,7 +5658,7 @@
           </a:ln>
           <a:extLst>
             <a:ext uri="{C572A759-6A51-4108-AA02-DFA0A04FC94B}">
-              <ma14:wrappingTextBoxFlag xmlns="" xmlns:ma14="http://schemas.microsoft.com/office/mac/drawingml/2011/main" val="1"/>
+              <ma14:wrappingTextBoxFlag xmlns:ma14="http://schemas.microsoft.com/office/mac/drawingml/2011/main" xmlns="" val="1"/>
             </a:ext>
           </a:extLst>
         </p:spPr>
@@ -6201,7 +5976,7 @@
 </p:sld>
 </file>
 
-<file path=ppt/slides/slide16.xml><?xml version="1.0" encoding="utf-8"?>
+<file path=ppt/slides/slide15.xml><?xml version="1.0" encoding="utf-8"?>
 <p:sld xmlns:a="http://schemas.openxmlformats.org/drawingml/2006/main" xmlns:r="http://schemas.openxmlformats.org/officeDocument/2006/relationships" xmlns:p="http://schemas.openxmlformats.org/presentationml/2006/main">
   <p:cSld>
     <p:spTree>
@@ -6237,7 +6012,7 @@
           </a:ln>
           <a:extLst>
             <a:ext uri="{C572A759-6A51-4108-AA02-DFA0A04FC94B}">
-              <ma14:wrappingTextBoxFlag xmlns="" xmlns:ma14="http://schemas.microsoft.com/office/mac/drawingml/2011/main" val="1"/>
+              <ma14:wrappingTextBoxFlag xmlns:ma14="http://schemas.microsoft.com/office/mac/drawingml/2011/main" xmlns="" val="1"/>
             </a:ext>
           </a:extLst>
         </p:spPr>
@@ -6300,7 +6075,7 @@
           </a:ln>
           <a:extLst>
             <a:ext uri="{C572A759-6A51-4108-AA02-DFA0A04FC94B}">
-              <ma14:wrappingTextBoxFlag xmlns="" xmlns:ma14="http://schemas.microsoft.com/office/mac/drawingml/2011/main" val="1"/>
+              <ma14:wrappingTextBoxFlag xmlns:ma14="http://schemas.microsoft.com/office/mac/drawingml/2011/main" xmlns="" val="1"/>
             </a:ext>
           </a:extLst>
         </p:spPr>
@@ -6618,7 +6393,7 @@
 </p:sld>
 </file>
 
-<file path=ppt/slides/slide17.xml><?xml version="1.0" encoding="utf-8"?>
+<file path=ppt/slides/slide16.xml><?xml version="1.0" encoding="utf-8"?>
 <p:sld xmlns:a="http://schemas.openxmlformats.org/drawingml/2006/main" xmlns:r="http://schemas.openxmlformats.org/officeDocument/2006/relationships" xmlns:p="http://schemas.openxmlformats.org/presentationml/2006/main">
   <p:cSld>
     <p:spTree>
@@ -6654,7 +6429,7 @@
           </a:ln>
           <a:extLst>
             <a:ext uri="{C572A759-6A51-4108-AA02-DFA0A04FC94B}">
-              <ma14:wrappingTextBoxFlag xmlns="" xmlns:ma14="http://schemas.microsoft.com/office/mac/drawingml/2011/main" val="1"/>
+              <ma14:wrappingTextBoxFlag xmlns:ma14="http://schemas.microsoft.com/office/mac/drawingml/2011/main" xmlns="" val="1"/>
             </a:ext>
           </a:extLst>
         </p:spPr>
@@ -6717,7 +6492,7 @@
           </a:ln>
           <a:extLst>
             <a:ext uri="{C572A759-6A51-4108-AA02-DFA0A04FC94B}">
-              <ma14:wrappingTextBoxFlag xmlns="" xmlns:ma14="http://schemas.microsoft.com/office/mac/drawingml/2011/main" val="1"/>
+              <ma14:wrappingTextBoxFlag xmlns:ma14="http://schemas.microsoft.com/office/mac/drawingml/2011/main" xmlns="" val="1"/>
             </a:ext>
           </a:extLst>
         </p:spPr>
@@ -7022,7 +6797,7 @@
 </p:sld>
 </file>
 
-<file path=ppt/slides/slide18.xml><?xml version="1.0" encoding="utf-8"?>
+<file path=ppt/slides/slide17.xml><?xml version="1.0" encoding="utf-8"?>
 <p:sld xmlns:a="http://schemas.openxmlformats.org/drawingml/2006/main" xmlns:r="http://schemas.openxmlformats.org/officeDocument/2006/relationships" xmlns:p="http://schemas.openxmlformats.org/presentationml/2006/main">
   <p:cSld>
     <p:spTree>
@@ -7058,7 +6833,7 @@
           </a:ln>
           <a:extLst>
             <a:ext uri="{C572A759-6A51-4108-AA02-DFA0A04FC94B}">
-              <ma14:wrappingTextBoxFlag xmlns="" xmlns:ma14="http://schemas.microsoft.com/office/mac/drawingml/2011/main" val="1"/>
+              <ma14:wrappingTextBoxFlag xmlns:ma14="http://schemas.microsoft.com/office/mac/drawingml/2011/main" xmlns="" val="1"/>
             </a:ext>
           </a:extLst>
         </p:spPr>
@@ -7121,7 +6896,7 @@
           </a:ln>
           <a:extLst>
             <a:ext uri="{C572A759-6A51-4108-AA02-DFA0A04FC94B}">
-              <ma14:wrappingTextBoxFlag xmlns="" xmlns:ma14="http://schemas.microsoft.com/office/mac/drawingml/2011/main" val="1"/>
+              <ma14:wrappingTextBoxFlag xmlns:ma14="http://schemas.microsoft.com/office/mac/drawingml/2011/main" xmlns="" val="1"/>
             </a:ext>
           </a:extLst>
         </p:spPr>
@@ -7340,7 +7115,7 @@
 </p:sld>
 </file>
 
-<file path=ppt/slides/slide19.xml><?xml version="1.0" encoding="utf-8"?>
+<file path=ppt/slides/slide18.xml><?xml version="1.0" encoding="utf-8"?>
 <p:sld xmlns:a="http://schemas.openxmlformats.org/drawingml/2006/main" xmlns:r="http://schemas.openxmlformats.org/officeDocument/2006/relationships" xmlns:p="http://schemas.openxmlformats.org/presentationml/2006/main">
   <p:cSld>
     <p:spTree>
@@ -7376,7 +7151,7 @@
           </a:ln>
           <a:extLst>
             <a:ext uri="{C572A759-6A51-4108-AA02-DFA0A04FC94B}">
-              <ma14:wrappingTextBoxFlag xmlns="" xmlns:ma14="http://schemas.microsoft.com/office/mac/drawingml/2011/main" val="1"/>
+              <ma14:wrappingTextBoxFlag xmlns:ma14="http://schemas.microsoft.com/office/mac/drawingml/2011/main" xmlns="" val="1"/>
             </a:ext>
           </a:extLst>
         </p:spPr>
@@ -7439,7 +7214,7 @@
           </a:ln>
           <a:extLst>
             <a:ext uri="{C572A759-6A51-4108-AA02-DFA0A04FC94B}">
-              <ma14:wrappingTextBoxFlag xmlns="" xmlns:ma14="http://schemas.microsoft.com/office/mac/drawingml/2011/main" val="1"/>
+              <ma14:wrappingTextBoxFlag xmlns:ma14="http://schemas.microsoft.com/office/mac/drawingml/2011/main" xmlns="" val="1"/>
             </a:ext>
           </a:extLst>
         </p:spPr>
@@ -7651,7 +7426,7 @@
 </p:sld>
 </file>
 
-<file path=ppt/slides/slide2.xml><?xml version="1.0" encoding="utf-8"?>
+<file path=ppt/slides/slide19.xml><?xml version="1.0" encoding="utf-8"?>
 <p:sld xmlns:a="http://schemas.openxmlformats.org/drawingml/2006/main" xmlns:r="http://schemas.openxmlformats.org/officeDocument/2006/relationships" xmlns:p="http://schemas.openxmlformats.org/presentationml/2006/main">
   <p:cSld>
     <p:spTree>
@@ -7687,7 +7462,7 @@
           </a:ln>
           <a:extLst>
             <a:ext uri="{C572A759-6A51-4108-AA02-DFA0A04FC94B}">
-              <ma14:wrappingTextBoxFlag xmlns="" xmlns:ma14="http://schemas.microsoft.com/office/mac/drawingml/2011/main" val="1"/>
+              <ma14:wrappingTextBoxFlag xmlns:ma14="http://schemas.microsoft.com/office/mac/drawingml/2011/main" xmlns="" val="1"/>
             </a:ext>
           </a:extLst>
         </p:spPr>
@@ -7750,7 +7525,224 @@
           </a:ln>
           <a:extLst>
             <a:ext uri="{C572A759-6A51-4108-AA02-DFA0A04FC94B}">
-              <ma14:wrappingTextBoxFlag xmlns="" xmlns:ma14="http://schemas.microsoft.com/office/mac/drawingml/2011/main" val="1"/>
+              <ma14:wrappingTextBoxFlag xmlns:ma14="http://schemas.microsoft.com/office/mac/drawingml/2011/main" xmlns="" val="1"/>
+            </a:ext>
+          </a:extLst>
+        </p:spPr>
+        <p:txBody>
+          <a:bodyPr wrap="square" lIns="35717" tIns="35717" rIns="35717" bIns="35717">
+            <a:spAutoFit/>
+          </a:bodyPr>
+          <a:lstStyle>
+            <a:lvl1pPr algn="l" defTabSz="647700">
+              <a:tabLst>
+                <a:tab pos="355600" algn="l"/>
+                <a:tab pos="711200" algn="l"/>
+                <a:tab pos="1079500" algn="l"/>
+                <a:tab pos="1435100" algn="l"/>
+                <a:tab pos="1790700" algn="l"/>
+                <a:tab pos="2159000" algn="l"/>
+                <a:tab pos="2514600" algn="l"/>
+                <a:tab pos="2870200" algn="l"/>
+                <a:tab pos="3238500" algn="l"/>
+                <a:tab pos="3594100" algn="l"/>
+                <a:tab pos="3949700" algn="l"/>
+                <a:tab pos="4318000" algn="l"/>
+              </a:tabLst>
+              <a:defRPr sz="1800">
+                <a:solidFill>
+                  <a:srgbClr val="F1FEF6"/>
+                </a:solidFill>
+                <a:latin typeface="Lucida Bright"/>
+                <a:ea typeface="Lucida Bright"/>
+                <a:cs typeface="Lucida Bright"/>
+                <a:sym typeface="Lucida Bright"/>
+              </a:defRPr>
+            </a:lvl1pPr>
+          </a:lstStyle>
+          <a:p>
+            <a:r>
+              <a:rPr lang="it-IT" dirty="0"/>
+              <a:t> &amp;  N. Tubini</a:t>
+            </a:r>
+            <a:endParaRPr dirty="0"/>
+          </a:p>
+        </p:txBody>
+      </p:sp>
+      <p:sp>
+        <p:nvSpPr>
+          <p:cNvPr id="2" name="CasellaDiTesto 1"/>
+          <p:cNvSpPr txBox="1"/>
+          <p:nvPr/>
+        </p:nvSpPr>
+        <p:spPr>
+          <a:xfrm>
+            <a:off x="1708712" y="524867"/>
+            <a:ext cx="5726575" cy="400110"/>
+          </a:xfrm>
+          <a:prstGeom prst="rect">
+            <a:avLst/>
+          </a:prstGeom>
+          <a:noFill/>
+        </p:spPr>
+        <p:txBody>
+          <a:bodyPr wrap="square" rtlCol="0">
+            <a:spAutoFit/>
+          </a:bodyPr>
+          <a:lstStyle/>
+          <a:p>
+            <a:pPr algn="ctr"/>
+            <a:r>
+              <a:rPr lang="en-GB" sz="2000" dirty="0"/>
+              <a:t>.sim file: parameters </a:t>
+            </a:r>
+          </a:p>
+        </p:txBody>
+      </p:sp>
+      <p:pic>
+        <p:nvPicPr>
+          <p:cNvPr id="4" name="Picture 3">
+            <a:extLst>
+              <a:ext uri="{FF2B5EF4-FFF2-40B4-BE49-F238E27FC236}">
+                <a16:creationId xmlns:a16="http://schemas.microsoft.com/office/drawing/2014/main" id="{880B0E35-6D97-483B-8FAE-237DC882BB89}"/>
+              </a:ext>
+            </a:extLst>
+          </p:cNvPr>
+          <p:cNvPicPr>
+            <a:picLocks noChangeAspect="1"/>
+          </p:cNvPicPr>
+          <p:nvPr/>
+        </p:nvPicPr>
+        <p:blipFill>
+          <a:blip r:embed="rId2"/>
+          <a:stretch>
+            <a:fillRect/>
+          </a:stretch>
+        </p:blipFill>
+        <p:spPr>
+          <a:xfrm>
+            <a:off x="697115" y="2225011"/>
+            <a:ext cx="8270019" cy="1203990"/>
+          </a:xfrm>
+          <a:prstGeom prst="rect">
+            <a:avLst/>
+          </a:prstGeom>
+        </p:spPr>
+      </p:pic>
+    </p:spTree>
+    <p:extLst>
+      <p:ext uri="{BB962C8B-B14F-4D97-AF65-F5344CB8AC3E}">
+        <p14:creationId xmlns:p14="http://schemas.microsoft.com/office/powerpoint/2010/main" val="136693257"/>
+      </p:ext>
+    </p:extLst>
+  </p:cSld>
+  <p:clrMapOvr>
+    <a:masterClrMapping/>
+  </p:clrMapOvr>
+  <p:transition spd="med"/>
+</p:sld>
+</file>
+
+<file path=ppt/slides/slide2.xml><?xml version="1.0" encoding="utf-8"?>
+<p:sld xmlns:a="http://schemas.openxmlformats.org/drawingml/2006/main" xmlns:r="http://schemas.openxmlformats.org/officeDocument/2006/relationships" xmlns:p="http://schemas.openxmlformats.org/presentationml/2006/main">
+  <p:cSld>
+    <p:spTree>
+      <p:nvGrpSpPr>
+        <p:cNvPr id="1" name=""/>
+        <p:cNvGrpSpPr/>
+        <p:nvPr/>
+      </p:nvGrpSpPr>
+      <p:grpSpPr>
+        <a:xfrm>
+          <a:off x="0" y="0"/>
+          <a:ext cx="0" cy="0"/>
+          <a:chOff x="0" y="0"/>
+          <a:chExt cx="0" cy="0"/>
+        </a:xfrm>
+      </p:grpSpPr>
+      <p:sp>
+        <p:nvSpPr>
+          <p:cNvPr id="154" name="Shape 154"/>
+          <p:cNvSpPr/>
+          <p:nvPr/>
+        </p:nvSpPr>
+        <p:spPr>
+          <a:xfrm>
+            <a:off x="0" y="-8930"/>
+            <a:ext cx="7563445" cy="349131"/>
+          </a:xfrm>
+          <a:prstGeom prst="rect">
+            <a:avLst/>
+          </a:prstGeom>
+          <a:ln w="12700">
+            <a:miter lim="400000"/>
+          </a:ln>
+          <a:extLst>
+            <a:ext uri="{C572A759-6A51-4108-AA02-DFA0A04FC94B}">
+              <ma14:wrappingTextBoxFlag xmlns:ma14="http://schemas.microsoft.com/office/mac/drawingml/2011/main" xmlns="" val="1"/>
+            </a:ext>
+          </a:extLst>
+        </p:spPr>
+        <p:txBody>
+          <a:bodyPr lIns="35717" tIns="35717" rIns="35717" bIns="35717">
+            <a:spAutoFit/>
+          </a:bodyPr>
+          <a:lstStyle>
+            <a:lvl1pPr algn="l" defTabSz="647700">
+              <a:tabLst>
+                <a:tab pos="355600" algn="l"/>
+                <a:tab pos="711200" algn="l"/>
+                <a:tab pos="1079500" algn="l"/>
+                <a:tab pos="1435100" algn="l"/>
+                <a:tab pos="1790700" algn="l"/>
+                <a:tab pos="2159000" algn="l"/>
+                <a:tab pos="2514600" algn="l"/>
+                <a:tab pos="2870200" algn="l"/>
+                <a:tab pos="3238500" algn="l"/>
+                <a:tab pos="3594100" algn="l"/>
+                <a:tab pos="3949700" algn="l"/>
+                <a:tab pos="4318000" algn="l"/>
+              </a:tabLst>
+              <a:defRPr sz="1800">
+                <a:solidFill>
+                  <a:srgbClr val="F1FEF6"/>
+                </a:solidFill>
+                <a:latin typeface="Lucida Bright"/>
+                <a:ea typeface="Lucida Bright"/>
+                <a:cs typeface="Lucida Bright"/>
+                <a:sym typeface="Lucida Bright"/>
+              </a:defRPr>
+            </a:lvl1pPr>
+          </a:lstStyle>
+          <a:p>
+            <a:pPr algn="just"/>
+            <a:r>
+              <a:rPr lang="en-US" dirty="0"/>
+              <a:t>Solving Richards’ equation with OMS console</a:t>
+            </a:r>
+          </a:p>
+        </p:txBody>
+      </p:sp>
+      <p:sp>
+        <p:nvSpPr>
+          <p:cNvPr id="14" name="Shape 154"/>
+          <p:cNvSpPr/>
+          <p:nvPr/>
+        </p:nvSpPr>
+        <p:spPr>
+          <a:xfrm>
+            <a:off x="1049289" y="6508869"/>
+            <a:ext cx="2354957" cy="349131"/>
+          </a:xfrm>
+          <a:prstGeom prst="rect">
+            <a:avLst/>
+          </a:prstGeom>
+          <a:ln w="12700">
+            <a:miter lim="400000"/>
+          </a:ln>
+          <a:extLst>
+            <a:ext uri="{C572A759-6A51-4108-AA02-DFA0A04FC94B}">
+              <ma14:wrappingTextBoxFlag xmlns:ma14="http://schemas.microsoft.com/office/mac/drawingml/2011/main" xmlns="" val="1"/>
             </a:ext>
           </a:extLst>
         </p:spPr>
@@ -7904,7 +7896,7 @@
           </a:ln>
           <a:extLst>
             <a:ext uri="{C572A759-6A51-4108-AA02-DFA0A04FC94B}">
-              <ma14:wrappingTextBoxFlag xmlns="" xmlns:ma14="http://schemas.microsoft.com/office/mac/drawingml/2011/main" val="1"/>
+              <ma14:wrappingTextBoxFlag xmlns:ma14="http://schemas.microsoft.com/office/mac/drawingml/2011/main" xmlns="" val="1"/>
             </a:ext>
           </a:extLst>
         </p:spPr>
@@ -7967,7 +7959,7 @@
           </a:ln>
           <a:extLst>
             <a:ext uri="{C572A759-6A51-4108-AA02-DFA0A04FC94B}">
-              <ma14:wrappingTextBoxFlag xmlns="" xmlns:ma14="http://schemas.microsoft.com/office/mac/drawingml/2011/main" val="1"/>
+              <ma14:wrappingTextBoxFlag xmlns:ma14="http://schemas.microsoft.com/office/mac/drawingml/2011/main" xmlns="" val="1"/>
             </a:ext>
           </a:extLst>
         </p:spPr>
@@ -8041,40 +8033,121 @@
           </a:p>
         </p:txBody>
       </p:sp>
+      <p:sp>
+        <p:nvSpPr>
+          <p:cNvPr id="5" name="Titolo 1"/>
+          <p:cNvSpPr txBox="1">
+            <a:spLocks/>
+          </p:cNvSpPr>
+          <p:nvPr/>
+        </p:nvSpPr>
+        <p:spPr>
+          <a:xfrm>
+            <a:off x="533400" y="1739152"/>
+            <a:ext cx="8229600" cy="775447"/>
+          </a:xfrm>
+          <a:prstGeom prst="rect">
+            <a:avLst/>
+          </a:prstGeom>
+        </p:spPr>
+        <p:txBody>
+          <a:bodyPr>
+            <a:noAutofit/>
+          </a:bodyPr>
+          <a:lstStyle>
+            <a:lvl1pPr algn="ctr" defTabSz="457200" rtl="0" eaLnBrk="1" latinLnBrk="0" hangingPunct="1">
+              <a:spcBef>
+                <a:spcPct val="0"/>
+              </a:spcBef>
+              <a:buNone/>
+              <a:defRPr sz="4400" kern="1200">
+                <a:solidFill>
+                  <a:schemeClr val="tx1"/>
+                </a:solidFill>
+                <a:latin typeface="+mj-lt"/>
+                <a:ea typeface="+mj-ea"/>
+                <a:cs typeface="+mj-cs"/>
+              </a:defRPr>
+            </a:lvl1pPr>
+          </a:lstStyle>
+          <a:p>
+            <a:r>
+              <a:rPr lang="it-IT" sz="2000" dirty="0"/>
+              <a:t>FILE PATH FOR THE TOP BOUNDARY CONDITION</a:t>
+            </a:r>
+          </a:p>
+        </p:txBody>
+      </p:sp>
       <p:pic>
         <p:nvPicPr>
-          <p:cNvPr id="4" name="Picture 3">
-            <a:extLst>
-              <a:ext uri="{FF2B5EF4-FFF2-40B4-BE49-F238E27FC236}">
-                <a16:creationId xmlns:a16="http://schemas.microsoft.com/office/drawing/2014/main" id="{880B0E35-6D97-483B-8FAE-237DC882BB89}"/>
-              </a:ext>
-            </a:extLst>
-          </p:cNvPr>
+          <p:cNvPr id="3" name="Immagine 2"/>
           <p:cNvPicPr>
             <a:picLocks noChangeAspect="1"/>
           </p:cNvPicPr>
           <p:nvPr/>
         </p:nvPicPr>
         <p:blipFill>
-          <a:blip r:embed="rId2"/>
+          <a:blip r:embed="rId2">
+            <a:extLst>
+              <a:ext uri="{28A0092B-C50C-407E-A947-70E740481C1C}">
+                <a14:useLocalDpi xmlns:a14="http://schemas.microsoft.com/office/drawing/2010/main" val="0"/>
+              </a:ext>
+            </a:extLst>
+          </a:blip>
           <a:stretch>
             <a:fillRect/>
           </a:stretch>
         </p:blipFill>
         <p:spPr>
           <a:xfrm>
-            <a:off x="697115" y="2225011"/>
-            <a:ext cx="8270019" cy="1203990"/>
+            <a:off x="111867" y="3209365"/>
+            <a:ext cx="8920264" cy="2649072"/>
           </a:xfrm>
           <a:prstGeom prst="rect">
             <a:avLst/>
           </a:prstGeom>
         </p:spPr>
       </p:pic>
+      <p:cxnSp>
+        <p:nvCxnSpPr>
+          <p:cNvPr id="7" name="Connettore 2 6"/>
+          <p:cNvCxnSpPr/>
+          <p:nvPr/>
+        </p:nvCxnSpPr>
+        <p:spPr>
+          <a:xfrm>
+            <a:off x="6854822" y="2126875"/>
+            <a:ext cx="0" cy="1452282"/>
+          </a:xfrm>
+          <a:prstGeom prst="straightConnector1">
+            <a:avLst/>
+          </a:prstGeom>
+          <a:ln w="57150">
+            <a:solidFill>
+              <a:srgbClr val="FF0000"/>
+            </a:solidFill>
+            <a:tailEnd type="arrow"/>
+          </a:ln>
+        </p:spPr>
+        <p:style>
+          <a:lnRef idx="1">
+            <a:schemeClr val="accent1"/>
+          </a:lnRef>
+          <a:fillRef idx="0">
+            <a:schemeClr val="accent1"/>
+          </a:fillRef>
+          <a:effectRef idx="0">
+            <a:schemeClr val="accent1"/>
+          </a:effectRef>
+          <a:fontRef idx="minor">
+            <a:schemeClr val="tx1"/>
+          </a:fontRef>
+        </p:style>
+      </p:cxnSp>
     </p:spTree>
     <p:extLst>
       <p:ext uri="{BB962C8B-B14F-4D97-AF65-F5344CB8AC3E}">
-        <p14:creationId xmlns:p14="http://schemas.microsoft.com/office/powerpoint/2010/main" val="136693257"/>
+        <p14:creationId xmlns:p14="http://schemas.microsoft.com/office/powerpoint/2010/main" val="250193619"/>
       </p:ext>
     </p:extLst>
   </p:cSld>
@@ -8121,7 +8194,7 @@
           </a:ln>
           <a:extLst>
             <a:ext uri="{C572A759-6A51-4108-AA02-DFA0A04FC94B}">
-              <ma14:wrappingTextBoxFlag xmlns="" xmlns:ma14="http://schemas.microsoft.com/office/mac/drawingml/2011/main" val="1"/>
+              <ma14:wrappingTextBoxFlag xmlns:ma14="http://schemas.microsoft.com/office/mac/drawingml/2011/main" xmlns="" val="1"/>
             </a:ext>
           </a:extLst>
         </p:spPr>
@@ -8184,7 +8257,7 @@
           </a:ln>
           <a:extLst>
             <a:ext uri="{C572A759-6A51-4108-AA02-DFA0A04FC94B}">
-              <ma14:wrappingTextBoxFlag xmlns="" xmlns:ma14="http://schemas.microsoft.com/office/mac/drawingml/2011/main" val="1"/>
+              <ma14:wrappingTextBoxFlag xmlns:ma14="http://schemas.microsoft.com/office/mac/drawingml/2011/main" xmlns="" val="1"/>
             </a:ext>
           </a:extLst>
         </p:spPr>
@@ -8260,7 +8333,7 @@
       </p:sp>
       <p:sp>
         <p:nvSpPr>
-          <p:cNvPr id="5" name="Titolo 1"/>
+          <p:cNvPr id="6" name="Titolo 1"/>
           <p:cNvSpPr txBox="1">
             <a:spLocks/>
           </p:cNvSpPr>
@@ -8268,19 +8341,19 @@
         </p:nvSpPr>
         <p:spPr>
           <a:xfrm>
-            <a:off x="533400" y="1739152"/>
-            <a:ext cx="8229600" cy="775447"/>
-          </a:xfrm>
-          <a:prstGeom prst="rect">
-            <a:avLst/>
-          </a:prstGeom>
-        </p:spPr>
-        <p:txBody>
-          <a:bodyPr>
+            <a:off x="457199" y="1497075"/>
+            <a:ext cx="8229600" cy="1143000"/>
+          </a:xfrm>
+          <a:prstGeom prst="rect">
+            <a:avLst/>
+          </a:prstGeom>
+        </p:spPr>
+        <p:txBody>
+          <a:bodyPr vert="horz" lIns="91440" tIns="45720" rIns="91440" bIns="45720" rtlCol="0" anchor="ctr">
             <a:noAutofit/>
           </a:bodyPr>
           <a:lstStyle>
-            <a:lvl1pPr algn="ctr" defTabSz="457200" rtl="0" eaLnBrk="1" latinLnBrk="0" hangingPunct="1">
+            <a:lvl1pPr algn="ctr" defTabSz="914400" rtl="0" eaLnBrk="1" latinLnBrk="0" hangingPunct="1">
               <a:spcBef>
                 <a:spcPct val="0"/>
               </a:spcBef>
@@ -8298,7 +8371,7 @@
           <a:p>
             <a:r>
               <a:rPr lang="it-IT" sz="2000" dirty="0"/>
-              <a:t>FILE PATH FOR THE TOP BOUNDARY CONDITION</a:t>
+              <a:t>FILE PATH FOR THE BOTTOM BOUNDARY CONDITION</a:t>
             </a:r>
           </a:p>
         </p:txBody>
@@ -8325,8 +8398,8 @@
         </p:blipFill>
         <p:spPr>
           <a:xfrm>
-            <a:off x="111867" y="3209365"/>
-            <a:ext cx="8920264" cy="2649072"/>
+            <a:off x="58222" y="3245222"/>
+            <a:ext cx="9085778" cy="2850775"/>
           </a:xfrm>
           <a:prstGeom prst="rect">
             <a:avLst/>
@@ -8341,8 +8414,8 @@
         </p:nvCxnSpPr>
         <p:spPr>
           <a:xfrm>
-            <a:off x="6854822" y="2126875"/>
-            <a:ext cx="0" cy="1452282"/>
+            <a:off x="7010400" y="2348753"/>
+            <a:ext cx="0" cy="1337257"/>
           </a:xfrm>
           <a:prstGeom prst="straightConnector1">
             <a:avLst/>
@@ -8372,7 +8445,7 @@
     </p:spTree>
     <p:extLst>
       <p:ext uri="{BB962C8B-B14F-4D97-AF65-F5344CB8AC3E}">
-        <p14:creationId xmlns:p14="http://schemas.microsoft.com/office/powerpoint/2010/main" val="250193619"/>
+        <p14:creationId xmlns:p14="http://schemas.microsoft.com/office/powerpoint/2010/main" val="2780188266"/>
       </p:ext>
     </p:extLst>
   </p:cSld>
@@ -8419,7 +8492,7 @@
           </a:ln>
           <a:extLst>
             <a:ext uri="{C572A759-6A51-4108-AA02-DFA0A04FC94B}">
-              <ma14:wrappingTextBoxFlag xmlns="" xmlns:ma14="http://schemas.microsoft.com/office/mac/drawingml/2011/main" val="1"/>
+              <ma14:wrappingTextBoxFlag xmlns:ma14="http://schemas.microsoft.com/office/mac/drawingml/2011/main" xmlns="" val="1"/>
             </a:ext>
           </a:extLst>
         </p:spPr>
@@ -8482,7 +8555,7 @@
           </a:ln>
           <a:extLst>
             <a:ext uri="{C572A759-6A51-4108-AA02-DFA0A04FC94B}">
-              <ma14:wrappingTextBoxFlag xmlns="" xmlns:ma14="http://schemas.microsoft.com/office/mac/drawingml/2011/main" val="1"/>
+              <ma14:wrappingTextBoxFlag xmlns:ma14="http://schemas.microsoft.com/office/mac/drawingml/2011/main" xmlns="" val="1"/>
             </a:ext>
           </a:extLst>
         </p:spPr>
@@ -8566,7 +8639,7 @@
         </p:nvSpPr>
         <p:spPr>
           <a:xfrm>
-            <a:off x="457199" y="1497075"/>
+            <a:off x="533400" y="1697265"/>
             <a:ext cx="8229600" cy="1143000"/>
           </a:xfrm>
           <a:prstGeom prst="rect">
@@ -8596,41 +8669,11 @@
           <a:p>
             <a:r>
               <a:rPr lang="it-IT" sz="2000" dirty="0"/>
-              <a:t>FILE PATH FOR THE BOTTOM BOUNDARY CONDITION</a:t>
-            </a:r>
-          </a:p>
-        </p:txBody>
-      </p:sp>
-      <p:pic>
-        <p:nvPicPr>
-          <p:cNvPr id="3" name="Immagine 2"/>
-          <p:cNvPicPr>
-            <a:picLocks noChangeAspect="1"/>
-          </p:cNvPicPr>
-          <p:nvPr/>
-        </p:nvPicPr>
-        <p:blipFill>
-          <a:blip r:embed="rId2">
-            <a:extLst>
-              <a:ext uri="{28A0092B-C50C-407E-A947-70E740481C1C}">
-                <a14:useLocalDpi xmlns:a14="http://schemas.microsoft.com/office/drawing/2010/main" val="0"/>
-              </a:ext>
-            </a:extLst>
-          </a:blip>
-          <a:stretch>
-            <a:fillRect/>
-          </a:stretch>
-        </p:blipFill>
-        <p:spPr>
-          <a:xfrm>
-            <a:off x="58222" y="3245222"/>
-            <a:ext cx="9085778" cy="2850775"/>
-          </a:xfrm>
-          <a:prstGeom prst="rect">
-            <a:avLst/>
-          </a:prstGeom>
-        </p:spPr>
-      </p:pic>
+              <a:t>FILE PATH FOR THE INITIAL CONDITION OF THE WATER PRESSURE</a:t>
+            </a:r>
+          </a:p>
+        </p:txBody>
+      </p:sp>
       <p:cxnSp>
         <p:nvCxnSpPr>
           <p:cNvPr id="7" name="Connettore 2 6"/>
@@ -8639,8 +8682,8 @@
         </p:nvCxnSpPr>
         <p:spPr>
           <a:xfrm>
-            <a:off x="7010400" y="2348753"/>
-            <a:ext cx="0" cy="1337257"/>
+            <a:off x="7273688" y="2460796"/>
+            <a:ext cx="0" cy="1045935"/>
           </a:xfrm>
           <a:prstGeom prst="straightConnector1">
             <a:avLst/>
@@ -8667,10 +8710,40 @@
           </a:fontRef>
         </p:style>
       </p:cxnSp>
+      <p:pic>
+        <p:nvPicPr>
+          <p:cNvPr id="4" name="Immagine 3"/>
+          <p:cNvPicPr>
+            <a:picLocks noChangeAspect="1"/>
+          </p:cNvPicPr>
+          <p:nvPr/>
+        </p:nvPicPr>
+        <p:blipFill>
+          <a:blip r:embed="rId2">
+            <a:extLst>
+              <a:ext uri="{28A0092B-C50C-407E-A947-70E740481C1C}">
+                <a14:useLocalDpi xmlns:a14="http://schemas.microsoft.com/office/drawing/2010/main" val="0"/>
+              </a:ext>
+            </a:extLst>
+          </a:blip>
+          <a:stretch>
+            <a:fillRect/>
+          </a:stretch>
+        </p:blipFill>
+        <p:spPr>
+          <a:xfrm>
+            <a:off x="512589" y="3530944"/>
+            <a:ext cx="8631411" cy="812181"/>
+          </a:xfrm>
+          <a:prstGeom prst="rect">
+            <a:avLst/>
+          </a:prstGeom>
+        </p:spPr>
+      </p:pic>
     </p:spTree>
     <p:extLst>
       <p:ext uri="{BB962C8B-B14F-4D97-AF65-F5344CB8AC3E}">
-        <p14:creationId xmlns:p14="http://schemas.microsoft.com/office/powerpoint/2010/main" val="2780188266"/>
+        <p14:creationId xmlns:p14="http://schemas.microsoft.com/office/powerpoint/2010/main" val="1835223851"/>
       </p:ext>
     </p:extLst>
   </p:cSld>
@@ -8717,7 +8790,7 @@
           </a:ln>
           <a:extLst>
             <a:ext uri="{C572A759-6A51-4108-AA02-DFA0A04FC94B}">
-              <ma14:wrappingTextBoxFlag xmlns="" xmlns:ma14="http://schemas.microsoft.com/office/mac/drawingml/2011/main" val="1"/>
+              <ma14:wrappingTextBoxFlag xmlns:ma14="http://schemas.microsoft.com/office/mac/drawingml/2011/main" xmlns="" val="1"/>
             </a:ext>
           </a:extLst>
         </p:spPr>
@@ -8780,7 +8853,7 @@
           </a:ln>
           <a:extLst>
             <a:ext uri="{C572A759-6A51-4108-AA02-DFA0A04FC94B}">
-              <ma14:wrappingTextBoxFlag xmlns="" xmlns:ma14="http://schemas.microsoft.com/office/mac/drawingml/2011/main" val="1"/>
+              <ma14:wrappingTextBoxFlag xmlns:ma14="http://schemas.microsoft.com/office/mac/drawingml/2011/main" xmlns="" val="1"/>
             </a:ext>
           </a:extLst>
         </p:spPr>
@@ -8894,7 +8967,7 @@
           <a:p>
             <a:r>
               <a:rPr lang="it-IT" sz="2000" dirty="0"/>
-              <a:t>FILE PATH FOR THE INITIAL CONDITION OF THE WATER PRESSURE</a:t>
+              <a:t>FILE PATH FOR THE SOURCE/SINK TERM</a:t>
             </a:r>
           </a:p>
         </p:txBody>
@@ -8937,7 +9010,7 @@
       </p:cxnSp>
       <p:pic>
         <p:nvPicPr>
-          <p:cNvPr id="4" name="Immagine 3"/>
+          <p:cNvPr id="3" name="Immagine 2"/>
           <p:cNvPicPr>
             <a:picLocks noChangeAspect="1"/>
           </p:cNvPicPr>
@@ -8957,8 +9030,8 @@
         </p:blipFill>
         <p:spPr>
           <a:xfrm>
-            <a:off x="512589" y="3530944"/>
-            <a:ext cx="8631411" cy="812181"/>
+            <a:off x="424600" y="3544629"/>
+            <a:ext cx="8447200" cy="807840"/>
           </a:xfrm>
           <a:prstGeom prst="rect">
             <a:avLst/>
@@ -8968,7 +9041,7 @@
     </p:spTree>
     <p:extLst>
       <p:ext uri="{BB962C8B-B14F-4D97-AF65-F5344CB8AC3E}">
-        <p14:creationId xmlns:p14="http://schemas.microsoft.com/office/powerpoint/2010/main" val="1835223851"/>
+        <p14:creationId xmlns:p14="http://schemas.microsoft.com/office/powerpoint/2010/main" val="2447935455"/>
       </p:ext>
     </p:extLst>
   </p:cSld>
@@ -9015,7 +9088,7 @@
           </a:ln>
           <a:extLst>
             <a:ext uri="{C572A759-6A51-4108-AA02-DFA0A04FC94B}">
-              <ma14:wrappingTextBoxFlag xmlns="" xmlns:ma14="http://schemas.microsoft.com/office/mac/drawingml/2011/main" val="1"/>
+              <ma14:wrappingTextBoxFlag xmlns:ma14="http://schemas.microsoft.com/office/mac/drawingml/2011/main" xmlns="" val="1"/>
             </a:ext>
           </a:extLst>
         </p:spPr>
@@ -9078,7 +9151,7 @@
           </a:ln>
           <a:extLst>
             <a:ext uri="{C572A759-6A51-4108-AA02-DFA0A04FC94B}">
-              <ma14:wrappingTextBoxFlag xmlns="" xmlns:ma14="http://schemas.microsoft.com/office/mac/drawingml/2011/main" val="1"/>
+              <ma14:wrappingTextBoxFlag xmlns:ma14="http://schemas.microsoft.com/office/mac/drawingml/2011/main" xmlns="" val="1"/>
             </a:ext>
           </a:extLst>
         </p:spPr>
@@ -9154,7 +9227,7 @@
       </p:sp>
       <p:sp>
         <p:nvSpPr>
-          <p:cNvPr id="6" name="Titolo 1"/>
+          <p:cNvPr id="5" name="Titolo 1"/>
           <p:cNvSpPr txBox="1">
             <a:spLocks/>
           </p:cNvSpPr>
@@ -9162,7 +9235,7 @@
         </p:nvSpPr>
         <p:spPr>
           <a:xfrm>
-            <a:off x="533400" y="1697265"/>
+            <a:off x="457200" y="1371600"/>
             <a:ext cx="8229600" cy="1143000"/>
           </a:xfrm>
           <a:prstGeom prst="rect">
@@ -9170,11 +9243,11 @@
           </a:prstGeom>
         </p:spPr>
         <p:txBody>
-          <a:bodyPr vert="horz" lIns="91440" tIns="45720" rIns="91440" bIns="45720" rtlCol="0" anchor="ctr">
+          <a:bodyPr>
             <a:noAutofit/>
           </a:bodyPr>
           <a:lstStyle>
-            <a:lvl1pPr algn="ctr" defTabSz="914400" rtl="0" eaLnBrk="1" latinLnBrk="0" hangingPunct="1">
+            <a:lvl1pPr algn="ctr" defTabSz="457200" rtl="0" eaLnBrk="1" latinLnBrk="0" hangingPunct="1">
               <a:spcBef>
                 <a:spcPct val="0"/>
               </a:spcBef>
@@ -9192,7 +9265,7 @@
           <a:p>
             <a:r>
               <a:rPr lang="it-IT" sz="2000" dirty="0"/>
-              <a:t>FILE PATH FOR THE SOURCE/SINK TERM</a:t>
+              <a:t>PATH OF THE OUTPUT FOLDER</a:t>
             </a:r>
           </a:p>
         </p:txBody>
@@ -9205,8 +9278,8 @@
         </p:nvCxnSpPr>
         <p:spPr>
           <a:xfrm>
-            <a:off x="7273688" y="2460796"/>
-            <a:ext cx="0" cy="1045935"/>
+            <a:off x="4314825" y="2115671"/>
+            <a:ext cx="0" cy="911464"/>
           </a:xfrm>
           <a:prstGeom prst="straightConnector1">
             <a:avLst/>
@@ -9255,8 +9328,8 @@
         </p:blipFill>
         <p:spPr>
           <a:xfrm>
-            <a:off x="424600" y="3544629"/>
-            <a:ext cx="8447200" cy="807840"/>
+            <a:off x="2065692" y="3219420"/>
+            <a:ext cx="5369595" cy="814698"/>
           </a:xfrm>
           <a:prstGeom prst="rect">
             <a:avLst/>
@@ -9266,7 +9339,7 @@
     </p:spTree>
     <p:extLst>
       <p:ext uri="{BB962C8B-B14F-4D97-AF65-F5344CB8AC3E}">
-        <p14:creationId xmlns:p14="http://schemas.microsoft.com/office/powerpoint/2010/main" val="2447935455"/>
+        <p14:creationId xmlns:p14="http://schemas.microsoft.com/office/powerpoint/2010/main" val="414435941"/>
       </p:ext>
     </p:extLst>
   </p:cSld>
@@ -9313,7 +9386,7 @@
           </a:ln>
           <a:extLst>
             <a:ext uri="{C572A759-6A51-4108-AA02-DFA0A04FC94B}">
-              <ma14:wrappingTextBoxFlag xmlns="" xmlns:ma14="http://schemas.microsoft.com/office/mac/drawingml/2011/main" val="1"/>
+              <ma14:wrappingTextBoxFlag xmlns:ma14="http://schemas.microsoft.com/office/mac/drawingml/2011/main" xmlns="" val="1"/>
             </a:ext>
           </a:extLst>
         </p:spPr>
@@ -9376,7 +9449,7 @@
           </a:ln>
           <a:extLst>
             <a:ext uri="{C572A759-6A51-4108-AA02-DFA0A04FC94B}">
-              <ma14:wrappingTextBoxFlag xmlns="" xmlns:ma14="http://schemas.microsoft.com/office/mac/drawingml/2011/main" val="1"/>
+              <ma14:wrappingTextBoxFlag xmlns:ma14="http://schemas.microsoft.com/office/mac/drawingml/2011/main" xmlns="" val="1"/>
             </a:ext>
           </a:extLst>
         </p:spPr>
@@ -9445,92 +9518,11 @@
             <a:pPr algn="ctr"/>
             <a:r>
               <a:rPr lang="en-GB" sz="2000" dirty="0"/>
-              <a:t>.sim file: parameters </a:t>
-            </a:r>
-          </a:p>
-        </p:txBody>
-      </p:sp>
-      <p:sp>
-        <p:nvSpPr>
-          <p:cNvPr id="5" name="Titolo 1"/>
-          <p:cNvSpPr txBox="1">
-            <a:spLocks/>
-          </p:cNvSpPr>
-          <p:nvPr/>
-        </p:nvSpPr>
-        <p:spPr>
-          <a:xfrm>
-            <a:off x="457200" y="1371600"/>
-            <a:ext cx="8229600" cy="1143000"/>
-          </a:xfrm>
-          <a:prstGeom prst="rect">
-            <a:avLst/>
-          </a:prstGeom>
-        </p:spPr>
-        <p:txBody>
-          <a:bodyPr>
-            <a:noAutofit/>
-          </a:bodyPr>
-          <a:lstStyle>
-            <a:lvl1pPr algn="ctr" defTabSz="457200" rtl="0" eaLnBrk="1" latinLnBrk="0" hangingPunct="1">
-              <a:spcBef>
-                <a:spcPct val="0"/>
-              </a:spcBef>
-              <a:buNone/>
-              <a:defRPr sz="4400" kern="1200">
-                <a:solidFill>
-                  <a:schemeClr val="tx1"/>
-                </a:solidFill>
-                <a:latin typeface="+mj-lt"/>
-                <a:ea typeface="+mj-ea"/>
-                <a:cs typeface="+mj-cs"/>
-              </a:defRPr>
-            </a:lvl1pPr>
-          </a:lstStyle>
-          <a:p>
-            <a:r>
-              <a:rPr lang="it-IT" sz="2000" dirty="0"/>
-              <a:t>PATH OF THE OUTPUT FOLDER</a:t>
-            </a:r>
-          </a:p>
-        </p:txBody>
-      </p:sp>
-      <p:cxnSp>
-        <p:nvCxnSpPr>
-          <p:cNvPr id="7" name="Connettore 2 6"/>
-          <p:cNvCxnSpPr/>
-          <p:nvPr/>
-        </p:nvCxnSpPr>
-        <p:spPr>
-          <a:xfrm>
-            <a:off x="4314825" y="2115671"/>
-            <a:ext cx="0" cy="911464"/>
-          </a:xfrm>
-          <a:prstGeom prst="straightConnector1">
-            <a:avLst/>
-          </a:prstGeom>
-          <a:ln w="57150">
-            <a:solidFill>
-              <a:srgbClr val="FF0000"/>
-            </a:solidFill>
-            <a:tailEnd type="arrow"/>
-          </a:ln>
-        </p:spPr>
-        <p:style>
-          <a:lnRef idx="1">
-            <a:schemeClr val="accent1"/>
-          </a:lnRef>
-          <a:fillRef idx="0">
-            <a:schemeClr val="accent1"/>
-          </a:fillRef>
-          <a:effectRef idx="0">
-            <a:schemeClr val="accent1"/>
-          </a:effectRef>
-          <a:fontRef idx="minor">
-            <a:schemeClr val="tx1"/>
-          </a:fontRef>
-        </p:style>
-      </p:cxnSp>
+              <a:t>.sim file: connect </a:t>
+            </a:r>
+          </a:p>
+        </p:txBody>
+      </p:sp>
       <p:pic>
         <p:nvPicPr>
           <p:cNvPr id="3" name="Immagine 2"/>
@@ -9553,8 +9545,8 @@
         </p:blipFill>
         <p:spPr>
           <a:xfrm>
-            <a:off x="2065692" y="3219420"/>
-            <a:ext cx="5369595" cy="814698"/>
+            <a:off x="1054756" y="1344706"/>
+            <a:ext cx="7103126" cy="4209261"/>
           </a:xfrm>
           <a:prstGeom prst="rect">
             <a:avLst/>
@@ -9564,7 +9556,7 @@
     </p:spTree>
     <p:extLst>
       <p:ext uri="{BB962C8B-B14F-4D97-AF65-F5344CB8AC3E}">
-        <p14:creationId xmlns:p14="http://schemas.microsoft.com/office/powerpoint/2010/main" val="414435941"/>
+        <p14:creationId xmlns:p14="http://schemas.microsoft.com/office/powerpoint/2010/main" val="4270181486"/>
       </p:ext>
     </p:extLst>
   </p:cSld>
@@ -9611,7 +9603,7 @@
           </a:ln>
           <a:extLst>
             <a:ext uri="{C572A759-6A51-4108-AA02-DFA0A04FC94B}">
-              <ma14:wrappingTextBoxFlag xmlns="" xmlns:ma14="http://schemas.microsoft.com/office/mac/drawingml/2011/main" val="1"/>
+              <ma14:wrappingTextBoxFlag xmlns:ma14="http://schemas.microsoft.com/office/mac/drawingml/2011/main" xmlns="" val="1"/>
             </a:ext>
           </a:extLst>
         </p:spPr>
@@ -9674,7 +9666,7 @@
           </a:ln>
           <a:extLst>
             <a:ext uri="{C572A759-6A51-4108-AA02-DFA0A04FC94B}">
-              <ma14:wrappingTextBoxFlag xmlns="" xmlns:ma14="http://schemas.microsoft.com/office/mac/drawingml/2011/main" val="1"/>
+              <ma14:wrappingTextBoxFlag xmlns:ma14="http://schemas.microsoft.com/office/mac/drawingml/2011/main" xmlns="" val="1"/>
             </a:ext>
           </a:extLst>
         </p:spPr>
@@ -9727,7 +9719,7 @@
         <p:spPr>
           <a:xfrm>
             <a:off x="1708712" y="524867"/>
-            <a:ext cx="5726575" cy="400110"/>
+            <a:ext cx="5726575" cy="707886"/>
           </a:xfrm>
           <a:prstGeom prst="rect">
             <a:avLst/>
@@ -9742,15 +9734,23 @@
           <a:p>
             <a:pPr algn="ctr"/>
             <a:r>
-              <a:rPr lang="en-GB" sz="2000" dirty="0"/>
-              <a:t>.sim file: connect </a:t>
-            </a:r>
+              <a:rPr lang="it-IT" sz="2000" dirty="0"/>
+              <a:t>INPUT FILE FOR</a:t>
+            </a:r>
+            <a:br>
+              <a:rPr lang="it-IT" sz="2000" dirty="0"/>
+            </a:br>
+            <a:r>
+              <a:rPr lang="it-IT" sz="2000" dirty="0"/>
+              <a:t>THE INITIAL CONDITION</a:t>
+            </a:r>
+            <a:endParaRPr lang="en-GB" sz="2000" dirty="0"/>
           </a:p>
         </p:txBody>
       </p:sp>
       <p:pic>
         <p:nvPicPr>
-          <p:cNvPr id="3" name="Immagine 2"/>
+          <p:cNvPr id="4" name="Immagine 3"/>
           <p:cNvPicPr>
             <a:picLocks noChangeAspect="1"/>
           </p:cNvPicPr>
@@ -9770,8 +9770,8 @@
         </p:blipFill>
         <p:spPr>
           <a:xfrm>
-            <a:off x="1054756" y="1344706"/>
-            <a:ext cx="7103126" cy="4209261"/>
+            <a:off x="3101787" y="1535869"/>
+            <a:ext cx="2940423" cy="4615575"/>
           </a:xfrm>
           <a:prstGeom prst="rect">
             <a:avLst/>
@@ -9781,7 +9781,7 @@
     </p:spTree>
     <p:extLst>
       <p:ext uri="{BB962C8B-B14F-4D97-AF65-F5344CB8AC3E}">
-        <p14:creationId xmlns:p14="http://schemas.microsoft.com/office/powerpoint/2010/main" val="4270181486"/>
+        <p14:creationId xmlns:p14="http://schemas.microsoft.com/office/powerpoint/2010/main" val="187457067"/>
       </p:ext>
     </p:extLst>
   </p:cSld>
@@ -9828,7 +9828,7 @@
           </a:ln>
           <a:extLst>
             <a:ext uri="{C572A759-6A51-4108-AA02-DFA0A04FC94B}">
-              <ma14:wrappingTextBoxFlag xmlns="" xmlns:ma14="http://schemas.microsoft.com/office/mac/drawingml/2011/main" val="1"/>
+              <ma14:wrappingTextBoxFlag xmlns:ma14="http://schemas.microsoft.com/office/mac/drawingml/2011/main" xmlns="" val="1"/>
             </a:ext>
           </a:extLst>
         </p:spPr>
@@ -9891,7 +9891,7 @@
           </a:ln>
           <a:extLst>
             <a:ext uri="{C572A759-6A51-4108-AA02-DFA0A04FC94B}">
-              <ma14:wrappingTextBoxFlag xmlns="" xmlns:ma14="http://schemas.microsoft.com/office/mac/drawingml/2011/main" val="1"/>
+              <ma14:wrappingTextBoxFlag xmlns:ma14="http://schemas.microsoft.com/office/mac/drawingml/2011/main" xmlns="" val="1"/>
             </a:ext>
           </a:extLst>
         </p:spPr>
@@ -9973,40 +9973,125 @@
           </a:p>
         </p:txBody>
       </p:sp>
-      <p:pic>
-        <p:nvPicPr>
-          <p:cNvPr id="4" name="Immagine 3"/>
-          <p:cNvPicPr>
-            <a:picLocks noChangeAspect="1"/>
-          </p:cNvPicPr>
-          <p:nvPr/>
-        </p:nvPicPr>
-        <p:blipFill>
-          <a:blip r:embed="rId2">
-            <a:extLst>
-              <a:ext uri="{28A0092B-C50C-407E-A947-70E740481C1C}">
-                <a14:useLocalDpi xmlns:a14="http://schemas.microsoft.com/office/drawing/2010/main" val="0"/>
-              </a:ext>
-            </a:extLst>
-          </a:blip>
-          <a:stretch>
-            <a:fillRect/>
-          </a:stretch>
-        </p:blipFill>
-        <p:spPr>
-          <a:xfrm>
-            <a:off x="3101787" y="1535869"/>
-            <a:ext cx="2940423" cy="4615575"/>
-          </a:xfrm>
-          <a:prstGeom prst="rect">
-            <a:avLst/>
-          </a:prstGeom>
-        </p:spPr>
-      </p:pic>
+      <p:sp>
+        <p:nvSpPr>
+          <p:cNvPr id="15" name="CasellaDiTesto 14"/>
+          <p:cNvSpPr txBox="1"/>
+          <p:nvPr/>
+        </p:nvSpPr>
+        <p:spPr>
+          <a:xfrm>
+            <a:off x="228600" y="1905000"/>
+            <a:ext cx="7315200" cy="1692771"/>
+          </a:xfrm>
+          <a:prstGeom prst="rect">
+            <a:avLst/>
+          </a:prstGeom>
+          <a:noFill/>
+        </p:spPr>
+        <p:txBody>
+          <a:bodyPr wrap="square" rtlCol="0">
+            <a:spAutoFit/>
+          </a:bodyPr>
+          <a:lstStyle/>
+          <a:p>
+            <a:pPr algn="just"/>
+            <a:r>
+              <a:rPr lang="it-IT" sz="2000" dirty="0"/>
+              <a:t>THE FIRST LINE REFERS TO THE DEEPEST LAYER.</a:t>
+            </a:r>
+          </a:p>
+          <a:p>
+            <a:pPr algn="just"/>
+            <a:endParaRPr lang="it-IT" sz="2000" dirty="0"/>
+          </a:p>
+          <a:p>
+            <a:pPr algn="just"/>
+            <a:r>
+              <a:rPr lang="it-IT" sz="2000" dirty="0"/>
+              <a:t>THE DEPTH OF THE DEEPEST LAYER IS ALWAYS SMALLER THAN  </a:t>
+            </a:r>
+            <a:r>
+              <a:rPr lang="it-IT" sz="2000" i="1" dirty="0" err="1">
+                <a:solidFill>
+                  <a:srgbClr val="0070C0"/>
+                </a:solidFill>
+              </a:rPr>
+              <a:t>spaceBottom</a:t>
+            </a:r>
+            <a:endParaRPr lang="it-IT" sz="2000" i="1" dirty="0">
+              <a:solidFill>
+                <a:srgbClr val="0070C0"/>
+              </a:solidFill>
+            </a:endParaRPr>
+          </a:p>
+          <a:p>
+            <a:pPr algn="just"/>
+            <a:endParaRPr lang="it-IT" sz="2400" i="1" dirty="0">
+              <a:solidFill>
+                <a:srgbClr val="0070C0"/>
+              </a:solidFill>
+            </a:endParaRPr>
+          </a:p>
+        </p:txBody>
+      </p:sp>
+      <p:sp>
+        <p:nvSpPr>
+          <p:cNvPr id="16" name="CasellaDiTesto 15"/>
+          <p:cNvSpPr txBox="1"/>
+          <p:nvPr/>
+        </p:nvSpPr>
+        <p:spPr>
+          <a:xfrm>
+            <a:off x="1976651" y="4267200"/>
+            <a:ext cx="6858000" cy="1323439"/>
+          </a:xfrm>
+          <a:prstGeom prst="rect">
+            <a:avLst/>
+          </a:prstGeom>
+          <a:noFill/>
+        </p:spPr>
+        <p:txBody>
+          <a:bodyPr wrap="square" rtlCol="0">
+            <a:spAutoFit/>
+          </a:bodyPr>
+          <a:lstStyle/>
+          <a:p>
+            <a:pPr algn="just"/>
+            <a:r>
+              <a:rPr lang="it-IT" sz="2000" dirty="0"/>
+              <a:t>THE LAST LINE REFERS TO THE UPPERMOST LAYER.  </a:t>
+            </a:r>
+          </a:p>
+          <a:p>
+            <a:pPr algn="just"/>
+            <a:endParaRPr lang="it-IT" sz="2000" dirty="0"/>
+          </a:p>
+          <a:p>
+            <a:pPr algn="just"/>
+            <a:r>
+              <a:rPr lang="it-IT" sz="2000" dirty="0"/>
+              <a:t>THIS DEPTH IS ALWAYS GRATER THAN </a:t>
+            </a:r>
+            <a:r>
+              <a:rPr lang="it-IT" sz="2000" i="1" dirty="0">
+                <a:solidFill>
+                  <a:srgbClr val="0070C0"/>
+                </a:solidFill>
+              </a:rPr>
+              <a:t>0m</a:t>
+            </a:r>
+          </a:p>
+          <a:p>
+            <a:pPr algn="just"/>
+            <a:endParaRPr lang="it-IT" sz="2000" dirty="0"/>
+          </a:p>
+        </p:txBody>
+      </p:sp>
     </p:spTree>
     <p:extLst>
       <p:ext uri="{BB962C8B-B14F-4D97-AF65-F5344CB8AC3E}">
-        <p14:creationId xmlns:p14="http://schemas.microsoft.com/office/powerpoint/2010/main" val="187457067"/>
+        <p14:creationId xmlns:p14="http://schemas.microsoft.com/office/powerpoint/2010/main" val="1606213145"/>
       </p:ext>
     </p:extLst>
   </p:cSld>
@@ -10053,7 +10138,7 @@
           </a:ln>
           <a:extLst>
             <a:ext uri="{C572A759-6A51-4108-AA02-DFA0A04FC94B}">
-              <ma14:wrappingTextBoxFlag xmlns="" xmlns:ma14="http://schemas.microsoft.com/office/mac/drawingml/2011/main" val="1"/>
+              <ma14:wrappingTextBoxFlag xmlns:ma14="http://schemas.microsoft.com/office/mac/drawingml/2011/main" xmlns="" val="1"/>
             </a:ext>
           </a:extLst>
         </p:spPr>
@@ -10116,7 +10201,7 @@
           </a:ln>
           <a:extLst>
             <a:ext uri="{C572A759-6A51-4108-AA02-DFA0A04FC94B}">
-              <ma14:wrappingTextBoxFlag xmlns="" xmlns:ma14="http://schemas.microsoft.com/office/mac/drawingml/2011/main" val="1"/>
+              <ma14:wrappingTextBoxFlag xmlns:ma14="http://schemas.microsoft.com/office/mac/drawingml/2011/main" xmlns="" val="1"/>
             </a:ext>
           </a:extLst>
         </p:spPr>
@@ -10192,131 +10277,46 @@
             </a:br>
             <a:r>
               <a:rPr lang="it-IT" sz="2000" dirty="0"/>
-              <a:t>THE INITIAL CONDITION</a:t>
+              <a:t>THE SOURCE/SINK TERM</a:t>
             </a:r>
             <a:endParaRPr lang="en-GB" sz="2000" dirty="0"/>
           </a:p>
         </p:txBody>
       </p:sp>
-      <p:sp>
-        <p:nvSpPr>
-          <p:cNvPr id="15" name="CasellaDiTesto 14"/>
-          <p:cNvSpPr txBox="1"/>
-          <p:nvPr/>
-        </p:nvSpPr>
-        <p:spPr>
-          <a:xfrm>
-            <a:off x="228600" y="1905000"/>
-            <a:ext cx="7315200" cy="1692771"/>
-          </a:xfrm>
-          <a:prstGeom prst="rect">
-            <a:avLst/>
-          </a:prstGeom>
-          <a:noFill/>
-        </p:spPr>
-        <p:txBody>
-          <a:bodyPr wrap="square" rtlCol="0">
-            <a:spAutoFit/>
-          </a:bodyPr>
-          <a:lstStyle/>
-          <a:p>
-            <a:pPr algn="just"/>
-            <a:r>
-              <a:rPr lang="it-IT" sz="2000" dirty="0"/>
-              <a:t>THE FIRST LINE REFERS TO THE DEEPEST LAYER.</a:t>
-            </a:r>
-          </a:p>
-          <a:p>
-            <a:pPr algn="just"/>
-            <a:endParaRPr lang="it-IT" sz="2000" dirty="0"/>
-          </a:p>
-          <a:p>
-            <a:pPr algn="just"/>
-            <a:r>
-              <a:rPr lang="it-IT" sz="2000" dirty="0"/>
-              <a:t>THE DEPTH OF THE DEEPEST LAYER IS ALWAYS SMALLER THAN  </a:t>
-            </a:r>
-            <a:r>
-              <a:rPr lang="it-IT" sz="2000" i="1" dirty="0" err="1">
-                <a:solidFill>
-                  <a:srgbClr val="0070C0"/>
-                </a:solidFill>
-              </a:rPr>
-              <a:t>spaceBottom</a:t>
-            </a:r>
-            <a:endParaRPr lang="it-IT" sz="2000" i="1" dirty="0">
-              <a:solidFill>
-                <a:srgbClr val="0070C0"/>
-              </a:solidFill>
-            </a:endParaRPr>
-          </a:p>
-          <a:p>
-            <a:pPr algn="just"/>
-            <a:endParaRPr lang="it-IT" sz="2400" i="1" dirty="0">
-              <a:solidFill>
-                <a:srgbClr val="0070C0"/>
-              </a:solidFill>
-            </a:endParaRPr>
-          </a:p>
-        </p:txBody>
-      </p:sp>
-      <p:sp>
-        <p:nvSpPr>
-          <p:cNvPr id="16" name="CasellaDiTesto 15"/>
-          <p:cNvSpPr txBox="1"/>
-          <p:nvPr/>
-        </p:nvSpPr>
-        <p:spPr>
-          <a:xfrm>
-            <a:off x="1976651" y="4267200"/>
-            <a:ext cx="6858000" cy="1323439"/>
-          </a:xfrm>
-          <a:prstGeom prst="rect">
-            <a:avLst/>
-          </a:prstGeom>
-          <a:noFill/>
-        </p:spPr>
-        <p:txBody>
-          <a:bodyPr wrap="square" rtlCol="0">
-            <a:spAutoFit/>
-          </a:bodyPr>
-          <a:lstStyle/>
-          <a:p>
-            <a:pPr algn="just"/>
-            <a:r>
-              <a:rPr lang="it-IT" sz="2000" dirty="0"/>
-              <a:t>THE LAST LINE REFERS TO THE UPPERMOST LAYER.  </a:t>
-            </a:r>
-          </a:p>
-          <a:p>
-            <a:pPr algn="just"/>
-            <a:endParaRPr lang="it-IT" sz="2000" dirty="0"/>
-          </a:p>
-          <a:p>
-            <a:pPr algn="just"/>
-            <a:r>
-              <a:rPr lang="it-IT" sz="2000" dirty="0"/>
-              <a:t>THIS DEPTH IS ALWAYS GRATER THAN </a:t>
-            </a:r>
-            <a:r>
-              <a:rPr lang="it-IT" sz="2000" i="1" dirty="0">
-                <a:solidFill>
-                  <a:srgbClr val="0070C0"/>
-                </a:solidFill>
-              </a:rPr>
-              <a:t>0m</a:t>
-            </a:r>
-          </a:p>
-          <a:p>
-            <a:pPr algn="just"/>
-            <a:endParaRPr lang="it-IT" sz="2000" dirty="0"/>
-          </a:p>
-        </p:txBody>
-      </p:sp>
+      <p:pic>
+        <p:nvPicPr>
+          <p:cNvPr id="3" name="Immagine 2"/>
+          <p:cNvPicPr>
+            <a:picLocks noChangeAspect="1"/>
+          </p:cNvPicPr>
+          <p:nvPr/>
+        </p:nvPicPr>
+        <p:blipFill>
+          <a:blip r:embed="rId2">
+            <a:extLst>
+              <a:ext uri="{28A0092B-C50C-407E-A947-70E740481C1C}">
+                <a14:useLocalDpi xmlns:a14="http://schemas.microsoft.com/office/drawing/2010/main" val="0"/>
+              </a:ext>
+            </a:extLst>
+          </a:blip>
+          <a:stretch>
+            <a:fillRect/>
+          </a:stretch>
+        </p:blipFill>
+        <p:spPr>
+          <a:xfrm>
+            <a:off x="3623337" y="1389597"/>
+            <a:ext cx="2221651" cy="4921572"/>
+          </a:xfrm>
+          <a:prstGeom prst="rect">
+            <a:avLst/>
+          </a:prstGeom>
+        </p:spPr>
+      </p:pic>
     </p:spTree>
     <p:extLst>
       <p:ext uri="{BB962C8B-B14F-4D97-AF65-F5344CB8AC3E}">
-        <p14:creationId xmlns:p14="http://schemas.microsoft.com/office/powerpoint/2010/main" val="1606213145"/>
+        <p14:creationId xmlns:p14="http://schemas.microsoft.com/office/powerpoint/2010/main" val="1491247893"/>
       </p:ext>
     </p:extLst>
   </p:cSld>
@@ -10363,7 +10363,7 @@
           </a:ln>
           <a:extLst>
             <a:ext uri="{C572A759-6A51-4108-AA02-DFA0A04FC94B}">
-              <ma14:wrappingTextBoxFlag xmlns="" xmlns:ma14="http://schemas.microsoft.com/office/mac/drawingml/2011/main" val="1"/>
+              <ma14:wrappingTextBoxFlag xmlns:ma14="http://schemas.microsoft.com/office/mac/drawingml/2011/main" xmlns="" val="1"/>
             </a:ext>
           </a:extLst>
         </p:spPr>
@@ -10426,7 +10426,7 @@
           </a:ln>
           <a:extLst>
             <a:ext uri="{C572A759-6A51-4108-AA02-DFA0A04FC94B}">
-              <ma14:wrappingTextBoxFlag xmlns="" xmlns:ma14="http://schemas.microsoft.com/office/mac/drawingml/2011/main" val="1"/>
+              <ma14:wrappingTextBoxFlag xmlns:ma14="http://schemas.microsoft.com/office/mac/drawingml/2011/main" xmlns="" val="1"/>
             </a:ext>
           </a:extLst>
         </p:spPr>
@@ -10508,40 +10508,125 @@
           </a:p>
         </p:txBody>
       </p:sp>
-      <p:pic>
-        <p:nvPicPr>
-          <p:cNvPr id="3" name="Immagine 2"/>
-          <p:cNvPicPr>
-            <a:picLocks noChangeAspect="1"/>
-          </p:cNvPicPr>
-          <p:nvPr/>
-        </p:nvPicPr>
-        <p:blipFill>
-          <a:blip r:embed="rId2">
-            <a:extLst>
-              <a:ext uri="{28A0092B-C50C-407E-A947-70E740481C1C}">
-                <a14:useLocalDpi xmlns:a14="http://schemas.microsoft.com/office/drawing/2010/main" val="0"/>
-              </a:ext>
-            </a:extLst>
-          </a:blip>
-          <a:stretch>
-            <a:fillRect/>
-          </a:stretch>
-        </p:blipFill>
-        <p:spPr>
-          <a:xfrm>
-            <a:off x="3623337" y="1389597"/>
-            <a:ext cx="2221651" cy="4921572"/>
-          </a:xfrm>
-          <a:prstGeom prst="rect">
-            <a:avLst/>
-          </a:prstGeom>
-        </p:spPr>
-      </p:pic>
+      <p:sp>
+        <p:nvSpPr>
+          <p:cNvPr id="15" name="CasellaDiTesto 14"/>
+          <p:cNvSpPr txBox="1"/>
+          <p:nvPr/>
+        </p:nvSpPr>
+        <p:spPr>
+          <a:xfrm>
+            <a:off x="228600" y="1905000"/>
+            <a:ext cx="7315200" cy="1692771"/>
+          </a:xfrm>
+          <a:prstGeom prst="rect">
+            <a:avLst/>
+          </a:prstGeom>
+          <a:noFill/>
+        </p:spPr>
+        <p:txBody>
+          <a:bodyPr wrap="square" rtlCol="0">
+            <a:spAutoFit/>
+          </a:bodyPr>
+          <a:lstStyle/>
+          <a:p>
+            <a:pPr algn="just"/>
+            <a:r>
+              <a:rPr lang="it-IT" sz="2000" dirty="0"/>
+              <a:t>THE FIRST LINE REFERS TO THE DEEPEST LAYER.</a:t>
+            </a:r>
+          </a:p>
+          <a:p>
+            <a:pPr algn="just"/>
+            <a:endParaRPr lang="it-IT" sz="2000" dirty="0"/>
+          </a:p>
+          <a:p>
+            <a:pPr algn="just"/>
+            <a:r>
+              <a:rPr lang="it-IT" sz="2000" dirty="0"/>
+              <a:t>THE DEPTH OF THE DEEPEST LAYER IS ALWAYS SMALLER THAN  </a:t>
+            </a:r>
+            <a:r>
+              <a:rPr lang="it-IT" sz="2000" i="1" dirty="0" err="1">
+                <a:solidFill>
+                  <a:srgbClr val="0070C0"/>
+                </a:solidFill>
+              </a:rPr>
+              <a:t>spaceBottom</a:t>
+            </a:r>
+            <a:endParaRPr lang="it-IT" sz="2000" i="1" dirty="0">
+              <a:solidFill>
+                <a:srgbClr val="0070C0"/>
+              </a:solidFill>
+            </a:endParaRPr>
+          </a:p>
+          <a:p>
+            <a:pPr algn="just"/>
+            <a:endParaRPr lang="it-IT" sz="2400" i="1" dirty="0">
+              <a:solidFill>
+                <a:srgbClr val="0070C0"/>
+              </a:solidFill>
+            </a:endParaRPr>
+          </a:p>
+        </p:txBody>
+      </p:sp>
+      <p:sp>
+        <p:nvSpPr>
+          <p:cNvPr id="16" name="CasellaDiTesto 15"/>
+          <p:cNvSpPr txBox="1"/>
+          <p:nvPr/>
+        </p:nvSpPr>
+        <p:spPr>
+          <a:xfrm>
+            <a:off x="1976651" y="4267200"/>
+            <a:ext cx="6858000" cy="1323439"/>
+          </a:xfrm>
+          <a:prstGeom prst="rect">
+            <a:avLst/>
+          </a:prstGeom>
+          <a:noFill/>
+        </p:spPr>
+        <p:txBody>
+          <a:bodyPr wrap="square" rtlCol="0">
+            <a:spAutoFit/>
+          </a:bodyPr>
+          <a:lstStyle/>
+          <a:p>
+            <a:pPr algn="just"/>
+            <a:r>
+              <a:rPr lang="it-IT" sz="2000" dirty="0"/>
+              <a:t>THE LAST LINE REFERS TO THE UPPERMOST LAYER.  </a:t>
+            </a:r>
+          </a:p>
+          <a:p>
+            <a:pPr algn="just"/>
+            <a:endParaRPr lang="it-IT" sz="2000" dirty="0"/>
+          </a:p>
+          <a:p>
+            <a:pPr algn="just"/>
+            <a:r>
+              <a:rPr lang="it-IT" sz="2000" dirty="0"/>
+              <a:t>THIS DEPTH IS ALWAYS GRATER THAN </a:t>
+            </a:r>
+            <a:r>
+              <a:rPr lang="it-IT" sz="2000" i="1" dirty="0">
+                <a:solidFill>
+                  <a:srgbClr val="0070C0"/>
+                </a:solidFill>
+              </a:rPr>
+              <a:t>0m</a:t>
+            </a:r>
+          </a:p>
+          <a:p>
+            <a:pPr algn="just"/>
+            <a:endParaRPr lang="it-IT" sz="2000" dirty="0"/>
+          </a:p>
+        </p:txBody>
+      </p:sp>
     </p:spTree>
     <p:extLst>
       <p:ext uri="{BB962C8B-B14F-4D97-AF65-F5344CB8AC3E}">
-        <p14:creationId xmlns:p14="http://schemas.microsoft.com/office/powerpoint/2010/main" val="1491247893"/>
+        <p14:creationId xmlns:p14="http://schemas.microsoft.com/office/powerpoint/2010/main" val="688381796"/>
       </p:ext>
     </p:extLst>
   </p:cSld>
@@ -10588,7 +10673,7 @@
           </a:ln>
           <a:extLst>
             <a:ext uri="{C572A759-6A51-4108-AA02-DFA0A04FC94B}">
-              <ma14:wrappingTextBoxFlag xmlns="" xmlns:ma14="http://schemas.microsoft.com/office/mac/drawingml/2011/main" val="1"/>
+              <ma14:wrappingTextBoxFlag xmlns:ma14="http://schemas.microsoft.com/office/mac/drawingml/2011/main" xmlns="" val="1"/>
             </a:ext>
           </a:extLst>
         </p:spPr>
@@ -10651,7 +10736,7 @@
           </a:ln>
           <a:extLst>
             <a:ext uri="{C572A759-6A51-4108-AA02-DFA0A04FC94B}">
-              <ma14:wrappingTextBoxFlag xmlns="" xmlns:ma14="http://schemas.microsoft.com/office/mac/drawingml/2011/main" val="1"/>
+              <ma14:wrappingTextBoxFlag xmlns:ma14="http://schemas.microsoft.com/office/mac/drawingml/2011/main" xmlns="" val="1"/>
             </a:ext>
           </a:extLst>
         </p:spPr>
@@ -11051,7 +11136,7 @@
           </a:ln>
           <a:extLst>
             <a:ext uri="{C572A759-6A51-4108-AA02-DFA0A04FC94B}">
-              <ma14:wrappingTextBoxFlag xmlns="" xmlns:ma14="http://schemas.microsoft.com/office/mac/drawingml/2011/main" val="1"/>
+              <ma14:wrappingTextBoxFlag xmlns:ma14="http://schemas.microsoft.com/office/mac/drawingml/2011/main" xmlns="" val="1"/>
             </a:ext>
           </a:extLst>
         </p:spPr>
@@ -11114,7 +11199,7 @@
           </a:ln>
           <a:extLst>
             <a:ext uri="{C572A759-6A51-4108-AA02-DFA0A04FC94B}">
-              <ma14:wrappingTextBoxFlag xmlns="" xmlns:ma14="http://schemas.microsoft.com/office/mac/drawingml/2011/main" val="1"/>
+              <ma14:wrappingTextBoxFlag xmlns:ma14="http://schemas.microsoft.com/office/mac/drawingml/2011/main" xmlns="" val="1"/>
             </a:ext>
           </a:extLst>
         </p:spPr>
@@ -11190,22 +11275,144 @@
             </a:br>
             <a:r>
               <a:rPr lang="it-IT" sz="2000" dirty="0"/>
-              <a:t>THE SOURCE/SINK TERM</a:t>
+              <a:t>THE TOP BOUNDARY CONDITION</a:t>
             </a:r>
             <a:endParaRPr lang="en-GB" sz="2000" dirty="0"/>
           </a:p>
         </p:txBody>
       </p:sp>
-      <p:sp>
-        <p:nvSpPr>
-          <p:cNvPr id="15" name="CasellaDiTesto 14"/>
+      <p:pic>
+        <p:nvPicPr>
+          <p:cNvPr id="15" name="Segnaposto contenuto 4"/>
+          <p:cNvPicPr>
+            <a:picLocks noChangeAspect="1"/>
+          </p:cNvPicPr>
+          <p:nvPr/>
+        </p:nvPicPr>
+        <p:blipFill>
+          <a:blip r:embed="rId2">
+            <a:extLst>
+              <a:ext uri="{28A0092B-C50C-407E-A947-70E740481C1C}">
+                <a14:useLocalDpi xmlns:a14="http://schemas.microsoft.com/office/drawing/2010/main" val="0"/>
+              </a:ext>
+            </a:extLst>
+          </a:blip>
+          <a:stretch>
+            <a:fillRect/>
+          </a:stretch>
+        </p:blipFill>
+        <p:spPr>
+          <a:xfrm>
+            <a:off x="533400" y="1371600"/>
+            <a:ext cx="4495800" cy="4720590"/>
+          </a:xfrm>
+          <a:prstGeom prst="rect">
+            <a:avLst/>
+          </a:prstGeom>
+        </p:spPr>
+      </p:pic>
+      <p:sp>
+        <p:nvSpPr>
+          <p:cNvPr id="16" name="Rettangolo 15"/>
+          <p:cNvSpPr/>
+          <p:nvPr/>
+        </p:nvSpPr>
+        <p:spPr>
+          <a:xfrm>
+            <a:off x="3276600" y="3048000"/>
+            <a:ext cx="1981200" cy="3084493"/>
+          </a:xfrm>
+          <a:prstGeom prst="rect">
+            <a:avLst/>
+          </a:prstGeom>
+          <a:noFill/>
+          <a:ln w="50800">
+            <a:solidFill>
+              <a:srgbClr val="00B050"/>
+            </a:solidFill>
+          </a:ln>
+        </p:spPr>
+        <p:style>
+          <a:lnRef idx="2">
+            <a:schemeClr val="accent1">
+              <a:shade val="50000"/>
+            </a:schemeClr>
+          </a:lnRef>
+          <a:fillRef idx="1">
+            <a:schemeClr val="accent1"/>
+          </a:fillRef>
+          <a:effectRef idx="0">
+            <a:schemeClr val="accent1"/>
+          </a:effectRef>
+          <a:fontRef idx="minor">
+            <a:schemeClr val="lt1"/>
+          </a:fontRef>
+        </p:style>
+        <p:txBody>
+          <a:bodyPr rtlCol="0" anchor="ctr"/>
+          <a:lstStyle/>
+          <a:p>
+            <a:pPr algn="ctr"/>
+            <a:endParaRPr lang="it-IT" dirty="0"/>
+          </a:p>
+        </p:txBody>
+      </p:sp>
+      <p:sp>
+        <p:nvSpPr>
+          <p:cNvPr id="17" name="Rettangolo 16"/>
+          <p:cNvSpPr/>
+          <p:nvPr/>
+        </p:nvSpPr>
+        <p:spPr>
+          <a:xfrm>
+            <a:off x="5791200" y="1828800"/>
+            <a:ext cx="3124200" cy="1219200"/>
+          </a:xfrm>
+          <a:prstGeom prst="rect">
+            <a:avLst/>
+          </a:prstGeom>
+          <a:noFill/>
+          <a:ln w="50800">
+            <a:solidFill>
+              <a:srgbClr val="00B050"/>
+            </a:solidFill>
+          </a:ln>
+        </p:spPr>
+        <p:style>
+          <a:lnRef idx="2">
+            <a:schemeClr val="accent1">
+              <a:shade val="50000"/>
+            </a:schemeClr>
+          </a:lnRef>
+          <a:fillRef idx="1">
+            <a:schemeClr val="accent1"/>
+          </a:fillRef>
+          <a:effectRef idx="0">
+            <a:schemeClr val="accent1"/>
+          </a:effectRef>
+          <a:fontRef idx="minor">
+            <a:schemeClr val="lt1"/>
+          </a:fontRef>
+        </p:style>
+        <p:txBody>
+          <a:bodyPr rtlCol="0" anchor="ctr"/>
+          <a:lstStyle/>
+          <a:p>
+            <a:pPr algn="ctr"/>
+            <a:endParaRPr lang="it-IT" dirty="0"/>
+          </a:p>
+        </p:txBody>
+      </p:sp>
+      <p:sp>
+        <p:nvSpPr>
+          <p:cNvPr id="18" name="CasellaDiTesto 17"/>
           <p:cNvSpPr txBox="1"/>
           <p:nvPr/>
         </p:nvSpPr>
         <p:spPr>
           <a:xfrm>
-            <a:off x="228600" y="1905000"/>
-            <a:ext cx="7315200" cy="1692771"/>
+            <a:off x="5970490" y="2203551"/>
+            <a:ext cx="3041176" cy="400110"/>
           </a:xfrm>
           <a:prstGeom prst="rect">
             <a:avLst/>
@@ -11218,103 +11425,53 @@
           </a:bodyPr>
           <a:lstStyle/>
           <a:p>
-            <a:pPr algn="just"/>
             <a:r>
               <a:rPr lang="it-IT" sz="2000" dirty="0"/>
-              <a:t>THE FIRST LINE REFERS TO THE DEEPEST LAYER.</a:t>
-            </a:r>
-          </a:p>
-          <a:p>
-            <a:pPr algn="just"/>
-            <a:endParaRPr lang="it-IT" sz="2000" dirty="0"/>
-          </a:p>
-          <a:p>
-            <a:pPr algn="just"/>
-            <a:r>
-              <a:rPr lang="it-IT" sz="2000" dirty="0"/>
-              <a:t>THE DEPTH OF THE DEEPEST LAYER IS ALWAYS SMALLER THAN  </a:t>
-            </a:r>
-            <a:r>
-              <a:rPr lang="it-IT" sz="2000" i="1" dirty="0" err="1">
-                <a:solidFill>
-                  <a:srgbClr val="0070C0"/>
-                </a:solidFill>
-              </a:rPr>
-              <a:t>spaceBottom</a:t>
-            </a:r>
-            <a:endParaRPr lang="it-IT" sz="2000" i="1" dirty="0">
-              <a:solidFill>
-                <a:srgbClr val="0070C0"/>
-              </a:solidFill>
-            </a:endParaRPr>
-          </a:p>
-          <a:p>
-            <a:pPr algn="just"/>
-            <a:endParaRPr lang="it-IT" sz="2400" i="1" dirty="0">
-              <a:solidFill>
-                <a:srgbClr val="0070C0"/>
-              </a:solidFill>
-            </a:endParaRPr>
-          </a:p>
-        </p:txBody>
-      </p:sp>
-      <p:sp>
-        <p:nvSpPr>
-          <p:cNvPr id="16" name="CasellaDiTesto 15"/>
-          <p:cNvSpPr txBox="1"/>
-          <p:nvPr/>
-        </p:nvSpPr>
-        <p:spPr>
-          <a:xfrm>
-            <a:off x="1976651" y="4267200"/>
-            <a:ext cx="6858000" cy="1323439"/>
-          </a:xfrm>
-          <a:prstGeom prst="rect">
-            <a:avLst/>
-          </a:prstGeom>
-          <a:noFill/>
-        </p:spPr>
-        <p:txBody>
-          <a:bodyPr wrap="square" rtlCol="0">
-            <a:spAutoFit/>
-          </a:bodyPr>
-          <a:lstStyle/>
-          <a:p>
-            <a:pPr algn="just"/>
-            <a:r>
-              <a:rPr lang="it-IT" sz="2000" dirty="0"/>
-              <a:t>THE LAST LINE REFERS TO THE UPPERMOST LAYER.  </a:t>
-            </a:r>
-          </a:p>
-          <a:p>
-            <a:pPr algn="just"/>
-            <a:endParaRPr lang="it-IT" sz="2000" dirty="0"/>
-          </a:p>
-          <a:p>
-            <a:pPr algn="just"/>
-            <a:r>
-              <a:rPr lang="it-IT" sz="2000" dirty="0"/>
-              <a:t>THIS DEPTH IS ALWAYS GRATER THAN </a:t>
-            </a:r>
-            <a:r>
-              <a:rPr lang="it-IT" sz="2000" i="1" dirty="0">
-                <a:solidFill>
-                  <a:srgbClr val="0070C0"/>
-                </a:solidFill>
-              </a:rPr>
-              <a:t>0m</a:t>
-            </a:r>
-          </a:p>
-          <a:p>
-            <a:pPr algn="just"/>
-            <a:endParaRPr lang="it-IT" sz="2000" dirty="0"/>
-          </a:p>
-        </p:txBody>
-      </p:sp>
+              <a:t>RAINFALL HEIGHT [mm]</a:t>
+            </a:r>
+          </a:p>
+        </p:txBody>
+      </p:sp>
+      <p:cxnSp>
+        <p:nvCxnSpPr>
+          <p:cNvPr id="19" name="Connettore 2 18"/>
+          <p:cNvCxnSpPr/>
+          <p:nvPr/>
+        </p:nvCxnSpPr>
+        <p:spPr>
+          <a:xfrm flipH="1">
+            <a:off x="5257800" y="2403901"/>
+            <a:ext cx="533400" cy="609600"/>
+          </a:xfrm>
+          <a:prstGeom prst="straightConnector1">
+            <a:avLst/>
+          </a:prstGeom>
+          <a:ln w="57150">
+            <a:solidFill>
+              <a:srgbClr val="00B050"/>
+            </a:solidFill>
+            <a:tailEnd type="arrow"/>
+          </a:ln>
+        </p:spPr>
+        <p:style>
+          <a:lnRef idx="1">
+            <a:schemeClr val="accent1"/>
+          </a:lnRef>
+          <a:fillRef idx="0">
+            <a:schemeClr val="accent1"/>
+          </a:fillRef>
+          <a:effectRef idx="0">
+            <a:schemeClr val="accent1"/>
+          </a:effectRef>
+          <a:fontRef idx="minor">
+            <a:schemeClr val="tx1"/>
+          </a:fontRef>
+        </p:style>
+      </p:cxnSp>
     </p:spTree>
     <p:extLst>
       <p:ext uri="{BB962C8B-B14F-4D97-AF65-F5344CB8AC3E}">
-        <p14:creationId xmlns:p14="http://schemas.microsoft.com/office/powerpoint/2010/main" val="688381796"/>
+        <p14:creationId xmlns:p14="http://schemas.microsoft.com/office/powerpoint/2010/main" val="2231745101"/>
       </p:ext>
     </p:extLst>
   </p:cSld>
@@ -11361,7 +11518,7 @@
           </a:ln>
           <a:extLst>
             <a:ext uri="{C572A759-6A51-4108-AA02-DFA0A04FC94B}">
-              <ma14:wrappingTextBoxFlag xmlns="" xmlns:ma14="http://schemas.microsoft.com/office/mac/drawingml/2011/main" val="1"/>
+              <ma14:wrappingTextBoxFlag xmlns:ma14="http://schemas.microsoft.com/office/mac/drawingml/2011/main" xmlns="" val="1"/>
             </a:ext>
           </a:extLst>
         </p:spPr>
@@ -11424,7 +11581,7 @@
           </a:ln>
           <a:extLst>
             <a:ext uri="{C572A759-6A51-4108-AA02-DFA0A04FC94B}">
-              <ma14:wrappingTextBoxFlag xmlns="" xmlns:ma14="http://schemas.microsoft.com/office/mac/drawingml/2011/main" val="1"/>
+              <ma14:wrappingTextBoxFlag xmlns:ma14="http://schemas.microsoft.com/office/mac/drawingml/2011/main" xmlns="" val="1"/>
             </a:ext>
           </a:extLst>
         </p:spPr>
@@ -11495,57 +11652,27 @@
               <a:rPr lang="it-IT" sz="2000" dirty="0"/>
               <a:t>INPUT FILE FOR</a:t>
             </a:r>
-            <a:br>
+          </a:p>
+          <a:p>
+            <a:pPr algn="ctr"/>
+            <a:r>
               <a:rPr lang="it-IT" sz="2000" dirty="0"/>
-            </a:br>
-            <a:r>
-              <a:rPr lang="it-IT" sz="2000" dirty="0"/>
-              <a:t>THE TOP BOUNDARY CONDITION</a:t>
+              <a:t>THE BOTTOM BOUNDARY CONDITION</a:t>
             </a:r>
             <a:endParaRPr lang="en-GB" sz="2000" dirty="0"/>
           </a:p>
         </p:txBody>
       </p:sp>
-      <p:pic>
-        <p:nvPicPr>
-          <p:cNvPr id="15" name="Segnaposto contenuto 4"/>
-          <p:cNvPicPr>
-            <a:picLocks noChangeAspect="1"/>
-          </p:cNvPicPr>
-          <p:nvPr/>
-        </p:nvPicPr>
-        <p:blipFill>
-          <a:blip r:embed="rId2">
-            <a:extLst>
-              <a:ext uri="{28A0092B-C50C-407E-A947-70E740481C1C}">
-                <a14:useLocalDpi xmlns:a14="http://schemas.microsoft.com/office/drawing/2010/main" val="0"/>
-              </a:ext>
-            </a:extLst>
-          </a:blip>
-          <a:stretch>
-            <a:fillRect/>
-          </a:stretch>
-        </p:blipFill>
-        <p:spPr>
-          <a:xfrm>
-            <a:off x="533400" y="1371600"/>
-            <a:ext cx="4495800" cy="4720590"/>
-          </a:xfrm>
-          <a:prstGeom prst="rect">
-            <a:avLst/>
-          </a:prstGeom>
-        </p:spPr>
-      </p:pic>
-      <p:sp>
-        <p:nvSpPr>
-          <p:cNvPr id="16" name="Rettangolo 15"/>
+      <p:sp>
+        <p:nvSpPr>
+          <p:cNvPr id="17" name="Rettangolo 16"/>
           <p:cNvSpPr/>
           <p:nvPr/>
         </p:nvSpPr>
         <p:spPr>
           <a:xfrm>
-            <a:off x="3276600" y="3048000"/>
-            <a:ext cx="1981200" cy="3084493"/>
+            <a:off x="5791200" y="1828800"/>
+            <a:ext cx="3124200" cy="1219200"/>
           </a:xfrm>
           <a:prstGeom prst="rect">
             <a:avLst/>
@@ -11584,14 +11711,112 @@
       </p:sp>
       <p:sp>
         <p:nvSpPr>
-          <p:cNvPr id="17" name="Rettangolo 16"/>
+          <p:cNvPr id="18" name="CasellaDiTesto 17"/>
+          <p:cNvSpPr txBox="1"/>
+          <p:nvPr/>
+        </p:nvSpPr>
+        <p:spPr>
+          <a:xfrm>
+            <a:off x="5886499" y="1990161"/>
+            <a:ext cx="3041176" cy="1323439"/>
+          </a:xfrm>
+          <a:prstGeom prst="rect">
+            <a:avLst/>
+          </a:prstGeom>
+          <a:noFill/>
+        </p:spPr>
+        <p:txBody>
+          <a:bodyPr wrap="square" rtlCol="0">
+            <a:spAutoFit/>
+          </a:bodyPr>
+          <a:lstStyle/>
+          <a:p>
+            <a:r>
+              <a:rPr lang="it-IT" sz="2000" dirty="0"/>
+              <a:t>WATER PRESSURE AT THE BOTTOM OF THE DOMAIN  [m]</a:t>
+            </a:r>
+          </a:p>
+          <a:p>
+            <a:endParaRPr lang="it-IT" sz="2000" dirty="0"/>
+          </a:p>
+        </p:txBody>
+      </p:sp>
+      <p:cxnSp>
+        <p:nvCxnSpPr>
+          <p:cNvPr id="19" name="Connettore 2 18"/>
+          <p:cNvCxnSpPr/>
+          <p:nvPr/>
+        </p:nvCxnSpPr>
+        <p:spPr>
+          <a:xfrm flipH="1">
+            <a:off x="5257800" y="2403901"/>
+            <a:ext cx="533400" cy="609600"/>
+          </a:xfrm>
+          <a:prstGeom prst="straightConnector1">
+            <a:avLst/>
+          </a:prstGeom>
+          <a:ln w="57150">
+            <a:solidFill>
+              <a:srgbClr val="00B050"/>
+            </a:solidFill>
+            <a:tailEnd type="arrow"/>
+          </a:ln>
+        </p:spPr>
+        <p:style>
+          <a:lnRef idx="1">
+            <a:schemeClr val="accent1"/>
+          </a:lnRef>
+          <a:fillRef idx="0">
+            <a:schemeClr val="accent1"/>
+          </a:fillRef>
+          <a:effectRef idx="0">
+            <a:schemeClr val="accent1"/>
+          </a:effectRef>
+          <a:fontRef idx="minor">
+            <a:schemeClr val="tx1"/>
+          </a:fontRef>
+        </p:style>
+      </p:cxnSp>
+      <p:pic>
+        <p:nvPicPr>
+          <p:cNvPr id="10" name="Segnaposto contenuto 4"/>
+          <p:cNvPicPr>
+            <a:picLocks noChangeAspect="1"/>
+          </p:cNvPicPr>
+          <p:nvPr/>
+        </p:nvPicPr>
+        <p:blipFill>
+          <a:blip r:embed="rId2">
+            <a:extLst>
+              <a:ext uri="{28A0092B-C50C-407E-A947-70E740481C1C}">
+                <a14:useLocalDpi xmlns:a14="http://schemas.microsoft.com/office/drawing/2010/main" val="0"/>
+              </a:ext>
+            </a:extLst>
+          </a:blip>
+          <a:stretch>
+            <a:fillRect/>
+          </a:stretch>
+        </p:blipFill>
+        <p:spPr>
+          <a:xfrm>
+            <a:off x="685800" y="1828800"/>
+            <a:ext cx="4257833" cy="4025261"/>
+          </a:xfrm>
+          <a:prstGeom prst="rect">
+            <a:avLst/>
+          </a:prstGeom>
+        </p:spPr>
+      </p:pic>
+      <p:sp>
+        <p:nvSpPr>
+          <p:cNvPr id="16" name="Rettangolo 15"/>
           <p:cNvSpPr/>
           <p:nvPr/>
         </p:nvSpPr>
         <p:spPr>
           <a:xfrm>
-            <a:off x="5791200" y="1828800"/>
-            <a:ext cx="3124200" cy="1219200"/>
+            <a:off x="3276600" y="3048000"/>
+            <a:ext cx="1981200" cy="3084493"/>
           </a:xfrm>
           <a:prstGeom prst="rect">
             <a:avLst/>
@@ -11628,75 +11853,10 @@
           </a:p>
         </p:txBody>
       </p:sp>
-      <p:sp>
-        <p:nvSpPr>
-          <p:cNvPr id="18" name="CasellaDiTesto 17"/>
-          <p:cNvSpPr txBox="1"/>
-          <p:nvPr/>
-        </p:nvSpPr>
-        <p:spPr>
-          <a:xfrm>
-            <a:off x="5970490" y="2203551"/>
-            <a:ext cx="3041176" cy="400110"/>
-          </a:xfrm>
-          <a:prstGeom prst="rect">
-            <a:avLst/>
-          </a:prstGeom>
-          <a:noFill/>
-        </p:spPr>
-        <p:txBody>
-          <a:bodyPr wrap="square" rtlCol="0">
-            <a:spAutoFit/>
-          </a:bodyPr>
-          <a:lstStyle/>
-          <a:p>
-            <a:r>
-              <a:rPr lang="it-IT" sz="2000" dirty="0"/>
-              <a:t>RAINFALL HEIGHT [mm]</a:t>
-            </a:r>
-          </a:p>
-        </p:txBody>
-      </p:sp>
-      <p:cxnSp>
-        <p:nvCxnSpPr>
-          <p:cNvPr id="19" name="Connettore 2 18"/>
-          <p:cNvCxnSpPr/>
-          <p:nvPr/>
-        </p:nvCxnSpPr>
-        <p:spPr>
-          <a:xfrm flipH="1">
-            <a:off x="5257800" y="2403901"/>
-            <a:ext cx="533400" cy="609600"/>
-          </a:xfrm>
-          <a:prstGeom prst="straightConnector1">
-            <a:avLst/>
-          </a:prstGeom>
-          <a:ln w="57150">
-            <a:solidFill>
-              <a:srgbClr val="00B050"/>
-            </a:solidFill>
-            <a:tailEnd type="arrow"/>
-          </a:ln>
-        </p:spPr>
-        <p:style>
-          <a:lnRef idx="1">
-            <a:schemeClr val="accent1"/>
-          </a:lnRef>
-          <a:fillRef idx="0">
-            <a:schemeClr val="accent1"/>
-          </a:fillRef>
-          <a:effectRef idx="0">
-            <a:schemeClr val="accent1"/>
-          </a:effectRef>
-          <a:fontRef idx="minor">
-            <a:schemeClr val="tx1"/>
-          </a:fontRef>
-        </p:style>
-      </p:cxnSp>
     </p:spTree>
     <p:extLst>
       <p:ext uri="{BB962C8B-B14F-4D97-AF65-F5344CB8AC3E}">
-        <p14:creationId xmlns:p14="http://schemas.microsoft.com/office/powerpoint/2010/main" val="2231745101"/>
+        <p14:creationId xmlns:p14="http://schemas.microsoft.com/office/powerpoint/2010/main" val="3893143138"/>
       </p:ext>
     </p:extLst>
   </p:cSld>
@@ -11724,6 +11884,36 @@
           <a:chExt cx="0" cy="0"/>
         </a:xfrm>
       </p:grpSpPr>
+      <p:pic>
+        <p:nvPicPr>
+          <p:cNvPr id="3" name="Immagine 2"/>
+          <p:cNvPicPr>
+            <a:picLocks noChangeAspect="1"/>
+          </p:cNvPicPr>
+          <p:nvPr/>
+        </p:nvPicPr>
+        <p:blipFill>
+          <a:blip r:embed="rId2">
+            <a:extLst>
+              <a:ext uri="{28A0092B-C50C-407E-A947-70E740481C1C}">
+                <a14:useLocalDpi xmlns:a14="http://schemas.microsoft.com/office/drawing/2010/main" val="0"/>
+              </a:ext>
+            </a:extLst>
+          </a:blip>
+          <a:stretch>
+            <a:fillRect/>
+          </a:stretch>
+        </p:blipFill>
+        <p:spPr>
+          <a:xfrm>
+            <a:off x="660820" y="3396165"/>
+            <a:ext cx="5130380" cy="2185831"/>
+          </a:xfrm>
+          <a:prstGeom prst="rect">
+            <a:avLst/>
+          </a:prstGeom>
+        </p:spPr>
+      </p:pic>
       <p:sp>
         <p:nvSpPr>
           <p:cNvPr id="154" name="Shape 154"/>
@@ -11743,7 +11933,7 @@
           </a:ln>
           <a:extLst>
             <a:ext uri="{C572A759-6A51-4108-AA02-DFA0A04FC94B}">
-              <ma14:wrappingTextBoxFlag xmlns="" xmlns:ma14="http://schemas.microsoft.com/office/mac/drawingml/2011/main" val="1"/>
+              <ma14:wrappingTextBoxFlag xmlns:ma14="http://schemas.microsoft.com/office/mac/drawingml/2011/main" xmlns="" val="1"/>
             </a:ext>
           </a:extLst>
         </p:spPr>
@@ -11806,7 +11996,7 @@
           </a:ln>
           <a:extLst>
             <a:ext uri="{C572A759-6A51-4108-AA02-DFA0A04FC94B}">
-              <ma14:wrappingTextBoxFlag xmlns="" xmlns:ma14="http://schemas.microsoft.com/office/mac/drawingml/2011/main" val="1"/>
+              <ma14:wrappingTextBoxFlag xmlns:ma14="http://schemas.microsoft.com/office/mac/drawingml/2011/main" xmlns="" val="1"/>
             </a:ext>
           </a:extLst>
         </p:spPr>
@@ -11859,7 +12049,7 @@
         <p:spPr>
           <a:xfrm>
             <a:off x="1708712" y="524867"/>
-            <a:ext cx="5726575" cy="707886"/>
+            <a:ext cx="5726575" cy="400110"/>
           </a:xfrm>
           <a:prstGeom prst="rect">
             <a:avLst/>
@@ -11875,29 +12065,52 @@
             <a:pPr algn="ctr"/>
             <a:r>
               <a:rPr lang="it-IT" sz="2000" dirty="0"/>
-              <a:t>INPUT FILE FOR</a:t>
-            </a:r>
-          </a:p>
-          <a:p>
-            <a:pPr algn="ctr"/>
+              <a:t>WATER PRESSURE OUTPUT FILE</a:t>
+            </a:r>
+            <a:endParaRPr lang="en-GB" sz="2000" dirty="0"/>
+          </a:p>
+        </p:txBody>
+      </p:sp>
+      <p:sp>
+        <p:nvSpPr>
+          <p:cNvPr id="11" name="CasellaDiTesto 10"/>
+          <p:cNvSpPr txBox="1"/>
+          <p:nvPr/>
+        </p:nvSpPr>
+        <p:spPr>
+          <a:xfrm>
+            <a:off x="484188" y="1111626"/>
+            <a:ext cx="4038600" cy="707886"/>
+          </a:xfrm>
+          <a:prstGeom prst="rect">
+            <a:avLst/>
+          </a:prstGeom>
+          <a:noFill/>
+        </p:spPr>
+        <p:txBody>
+          <a:bodyPr wrap="square" rtlCol="0">
+            <a:spAutoFit/>
+          </a:bodyPr>
+          <a:lstStyle/>
+          <a:p>
+            <a:pPr algn="just"/>
             <a:r>
               <a:rPr lang="it-IT" sz="2000" dirty="0"/>
-              <a:t>THE BOTTOM BOUNDARY CONDITION</a:t>
-            </a:r>
-            <a:endParaRPr lang="en-GB" sz="2000" dirty="0"/>
-          </a:p>
-        </p:txBody>
-      </p:sp>
-      <p:sp>
-        <p:nvSpPr>
-          <p:cNvPr id="17" name="Rettangolo 16"/>
+              <a:t>TIME AT WHICH THE SOLUTION IS COMPUTED</a:t>
+            </a:r>
+          </a:p>
+        </p:txBody>
+      </p:sp>
+      <p:sp>
+        <p:nvSpPr>
+          <p:cNvPr id="12" name="Rettangolo 11"/>
           <p:cNvSpPr/>
           <p:nvPr/>
         </p:nvSpPr>
         <p:spPr>
           <a:xfrm>
-            <a:off x="5791200" y="1828800"/>
-            <a:ext cx="3124200" cy="1219200"/>
+            <a:off x="398069" y="3135729"/>
+            <a:ext cx="3537419" cy="569893"/>
           </a:xfrm>
           <a:prstGeom prst="rect">
             <a:avLst/>
@@ -11936,112 +12149,14 @@
       </p:sp>
       <p:sp>
         <p:nvSpPr>
-          <p:cNvPr id="18" name="CasellaDiTesto 17"/>
-          <p:cNvSpPr txBox="1"/>
-          <p:nvPr/>
-        </p:nvSpPr>
-        <p:spPr>
-          <a:xfrm>
-            <a:off x="5886499" y="1990161"/>
-            <a:ext cx="3041176" cy="1323439"/>
-          </a:xfrm>
-          <a:prstGeom prst="rect">
-            <a:avLst/>
-          </a:prstGeom>
-          <a:noFill/>
-        </p:spPr>
-        <p:txBody>
-          <a:bodyPr wrap="square" rtlCol="0">
-            <a:spAutoFit/>
-          </a:bodyPr>
-          <a:lstStyle/>
-          <a:p>
-            <a:r>
-              <a:rPr lang="it-IT" sz="2000" dirty="0"/>
-              <a:t>WATER PRESSURE AT THE BOTTOM OF THE DOMAIN  [m]</a:t>
-            </a:r>
-          </a:p>
-          <a:p>
-            <a:endParaRPr lang="it-IT" sz="2000" dirty="0"/>
-          </a:p>
-        </p:txBody>
-      </p:sp>
-      <p:cxnSp>
-        <p:nvCxnSpPr>
-          <p:cNvPr id="19" name="Connettore 2 18"/>
-          <p:cNvCxnSpPr/>
-          <p:nvPr/>
-        </p:nvCxnSpPr>
-        <p:spPr>
-          <a:xfrm flipH="1">
-            <a:off x="5257800" y="2403901"/>
-            <a:ext cx="533400" cy="609600"/>
-          </a:xfrm>
-          <a:prstGeom prst="straightConnector1">
-            <a:avLst/>
-          </a:prstGeom>
-          <a:ln w="57150">
-            <a:solidFill>
-              <a:srgbClr val="00B050"/>
-            </a:solidFill>
-            <a:tailEnd type="arrow"/>
-          </a:ln>
-        </p:spPr>
-        <p:style>
-          <a:lnRef idx="1">
-            <a:schemeClr val="accent1"/>
-          </a:lnRef>
-          <a:fillRef idx="0">
-            <a:schemeClr val="accent1"/>
-          </a:fillRef>
-          <a:effectRef idx="0">
-            <a:schemeClr val="accent1"/>
-          </a:effectRef>
-          <a:fontRef idx="minor">
-            <a:schemeClr val="tx1"/>
-          </a:fontRef>
-        </p:style>
-      </p:cxnSp>
-      <p:pic>
-        <p:nvPicPr>
-          <p:cNvPr id="10" name="Segnaposto contenuto 4"/>
-          <p:cNvPicPr>
-            <a:picLocks noChangeAspect="1"/>
-          </p:cNvPicPr>
-          <p:nvPr/>
-        </p:nvPicPr>
-        <p:blipFill>
-          <a:blip r:embed="rId2">
-            <a:extLst>
-              <a:ext uri="{28A0092B-C50C-407E-A947-70E740481C1C}">
-                <a14:useLocalDpi xmlns:a14="http://schemas.microsoft.com/office/drawing/2010/main" val="0"/>
-              </a:ext>
-            </a:extLst>
-          </a:blip>
-          <a:stretch>
-            <a:fillRect/>
-          </a:stretch>
-        </p:blipFill>
-        <p:spPr>
-          <a:xfrm>
-            <a:off x="685800" y="1828800"/>
-            <a:ext cx="4257833" cy="4025261"/>
-          </a:xfrm>
-          <a:prstGeom prst="rect">
-            <a:avLst/>
-          </a:prstGeom>
-        </p:spPr>
-      </p:pic>
-      <p:sp>
-        <p:nvSpPr>
-          <p:cNvPr id="16" name="Rettangolo 15"/>
+          <p:cNvPr id="13" name="Rettangolo 12"/>
           <p:cNvSpPr/>
           <p:nvPr/>
         </p:nvSpPr>
         <p:spPr>
           <a:xfrm>
-            <a:off x="3276600" y="3048000"/>
-            <a:ext cx="1981200" cy="3084493"/>
+            <a:off x="331788" y="1111626"/>
+            <a:ext cx="4191000" cy="1219200"/>
           </a:xfrm>
           <a:prstGeom prst="rect">
             <a:avLst/>
@@ -12078,10 +12193,360 @@
           </a:p>
         </p:txBody>
       </p:sp>
+      <p:cxnSp>
+        <p:nvCxnSpPr>
+          <p:cNvPr id="20" name="Connettore 2 19"/>
+          <p:cNvCxnSpPr/>
+          <p:nvPr/>
+        </p:nvCxnSpPr>
+        <p:spPr>
+          <a:xfrm>
+            <a:off x="1703388" y="2407026"/>
+            <a:ext cx="0" cy="609600"/>
+          </a:xfrm>
+          <a:prstGeom prst="straightConnector1">
+            <a:avLst/>
+          </a:prstGeom>
+          <a:ln w="57150">
+            <a:solidFill>
+              <a:srgbClr val="00B050"/>
+            </a:solidFill>
+            <a:tailEnd type="arrow"/>
+          </a:ln>
+        </p:spPr>
+        <p:style>
+          <a:lnRef idx="1">
+            <a:schemeClr val="accent1"/>
+          </a:lnRef>
+          <a:fillRef idx="0">
+            <a:schemeClr val="accent1"/>
+          </a:fillRef>
+          <a:effectRef idx="0">
+            <a:schemeClr val="accent1"/>
+          </a:effectRef>
+          <a:fontRef idx="minor">
+            <a:schemeClr val="tx1"/>
+          </a:fontRef>
+        </p:style>
+      </p:cxnSp>
+      <p:sp>
+        <p:nvSpPr>
+          <p:cNvPr id="21" name="CasellaDiTesto 20"/>
+          <p:cNvSpPr txBox="1"/>
+          <p:nvPr/>
+        </p:nvSpPr>
+        <p:spPr>
+          <a:xfrm>
+            <a:off x="439264" y="5979458"/>
+            <a:ext cx="2403143" cy="400110"/>
+          </a:xfrm>
+          <a:prstGeom prst="rect">
+            <a:avLst/>
+          </a:prstGeom>
+          <a:noFill/>
+        </p:spPr>
+        <p:txBody>
+          <a:bodyPr wrap="square" rtlCol="0">
+            <a:spAutoFit/>
+          </a:bodyPr>
+          <a:lstStyle/>
+          <a:p>
+            <a:r>
+              <a:rPr lang="it-IT" sz="2000" dirty="0"/>
+              <a:t>DEPTH [m]</a:t>
+            </a:r>
+          </a:p>
+        </p:txBody>
+      </p:sp>
+      <p:sp>
+        <p:nvSpPr>
+          <p:cNvPr id="22" name="CasellaDiTesto 21"/>
+          <p:cNvSpPr txBox="1"/>
+          <p:nvPr/>
+        </p:nvSpPr>
+        <p:spPr>
+          <a:xfrm>
+            <a:off x="4665270" y="5997406"/>
+            <a:ext cx="2900915" cy="400110"/>
+          </a:xfrm>
+          <a:prstGeom prst="rect">
+            <a:avLst/>
+          </a:prstGeom>
+          <a:noFill/>
+        </p:spPr>
+        <p:txBody>
+          <a:bodyPr wrap="square" rtlCol="0">
+            <a:spAutoFit/>
+          </a:bodyPr>
+          <a:lstStyle/>
+          <a:p>
+            <a:r>
+              <a:rPr lang="it-IT" sz="2000" dirty="0"/>
+              <a:t>WATER PRESSURE [m]</a:t>
+            </a:r>
+          </a:p>
+        </p:txBody>
+      </p:sp>
+      <p:sp>
+        <p:nvSpPr>
+          <p:cNvPr id="23" name="Rettangolo 22"/>
+          <p:cNvSpPr/>
+          <p:nvPr/>
+        </p:nvSpPr>
+        <p:spPr>
+          <a:xfrm>
+            <a:off x="3930181" y="5912226"/>
+            <a:ext cx="3537419" cy="569893"/>
+          </a:xfrm>
+          <a:prstGeom prst="rect">
+            <a:avLst/>
+          </a:prstGeom>
+          <a:noFill/>
+          <a:ln w="50800">
+            <a:solidFill>
+              <a:srgbClr val="0070C0"/>
+            </a:solidFill>
+          </a:ln>
+        </p:spPr>
+        <p:style>
+          <a:lnRef idx="2">
+            <a:schemeClr val="accent1">
+              <a:shade val="50000"/>
+            </a:schemeClr>
+          </a:lnRef>
+          <a:fillRef idx="1">
+            <a:schemeClr val="accent1"/>
+          </a:fillRef>
+          <a:effectRef idx="0">
+            <a:schemeClr val="accent1"/>
+          </a:effectRef>
+          <a:fontRef idx="minor">
+            <a:schemeClr val="lt1"/>
+          </a:fontRef>
+        </p:style>
+        <p:txBody>
+          <a:bodyPr rtlCol="0" anchor="ctr"/>
+          <a:lstStyle/>
+          <a:p>
+            <a:pPr algn="ctr"/>
+            <a:endParaRPr lang="it-IT" dirty="0"/>
+          </a:p>
+        </p:txBody>
+      </p:sp>
+      <p:sp>
+        <p:nvSpPr>
+          <p:cNvPr id="24" name="Rettangolo 23"/>
+          <p:cNvSpPr/>
+          <p:nvPr/>
+        </p:nvSpPr>
+        <p:spPr>
+          <a:xfrm>
+            <a:off x="1981200" y="3778626"/>
+            <a:ext cx="4419600" cy="1803370"/>
+          </a:xfrm>
+          <a:prstGeom prst="rect">
+            <a:avLst/>
+          </a:prstGeom>
+          <a:noFill/>
+          <a:ln w="50800">
+            <a:solidFill>
+              <a:srgbClr val="0070C0"/>
+            </a:solidFill>
+          </a:ln>
+        </p:spPr>
+        <p:style>
+          <a:lnRef idx="2">
+            <a:schemeClr val="accent1">
+              <a:shade val="50000"/>
+            </a:schemeClr>
+          </a:lnRef>
+          <a:fillRef idx="1">
+            <a:schemeClr val="accent1"/>
+          </a:fillRef>
+          <a:effectRef idx="0">
+            <a:schemeClr val="accent1"/>
+          </a:effectRef>
+          <a:fontRef idx="minor">
+            <a:schemeClr val="lt1"/>
+          </a:fontRef>
+        </p:style>
+        <p:txBody>
+          <a:bodyPr rtlCol="0" anchor="ctr"/>
+          <a:lstStyle/>
+          <a:p>
+            <a:pPr algn="ctr"/>
+            <a:endParaRPr lang="it-IT" dirty="0"/>
+          </a:p>
+        </p:txBody>
+      </p:sp>
+      <p:cxnSp>
+        <p:nvCxnSpPr>
+          <p:cNvPr id="25" name="Connettore 2 24"/>
+          <p:cNvCxnSpPr/>
+          <p:nvPr/>
+        </p:nvCxnSpPr>
+        <p:spPr>
+          <a:xfrm>
+            <a:off x="5867400" y="5581996"/>
+            <a:ext cx="0" cy="297063"/>
+          </a:xfrm>
+          <a:prstGeom prst="straightConnector1">
+            <a:avLst/>
+          </a:prstGeom>
+          <a:ln w="57150">
+            <a:solidFill>
+              <a:srgbClr val="0070C0"/>
+            </a:solidFill>
+            <a:tailEnd type="arrow"/>
+          </a:ln>
+        </p:spPr>
+        <p:style>
+          <a:lnRef idx="1">
+            <a:schemeClr val="accent1"/>
+          </a:lnRef>
+          <a:fillRef idx="0">
+            <a:schemeClr val="accent1"/>
+          </a:fillRef>
+          <a:effectRef idx="0">
+            <a:schemeClr val="accent1"/>
+          </a:effectRef>
+          <a:fontRef idx="minor">
+            <a:schemeClr val="tx1"/>
+          </a:fontRef>
+        </p:style>
+      </p:cxnSp>
+      <p:sp>
+        <p:nvSpPr>
+          <p:cNvPr id="26" name="Rettangolo 25"/>
+          <p:cNvSpPr/>
+          <p:nvPr/>
+        </p:nvSpPr>
+        <p:spPr>
+          <a:xfrm>
+            <a:off x="342659" y="5861130"/>
+            <a:ext cx="1710258" cy="569893"/>
+          </a:xfrm>
+          <a:prstGeom prst="rect">
+            <a:avLst/>
+          </a:prstGeom>
+          <a:noFill/>
+          <a:ln w="50800">
+            <a:solidFill>
+              <a:srgbClr val="FF0000"/>
+            </a:solidFill>
+          </a:ln>
+        </p:spPr>
+        <p:style>
+          <a:lnRef idx="2">
+            <a:schemeClr val="accent1">
+              <a:shade val="50000"/>
+            </a:schemeClr>
+          </a:lnRef>
+          <a:fillRef idx="1">
+            <a:schemeClr val="accent1"/>
+          </a:fillRef>
+          <a:effectRef idx="0">
+            <a:schemeClr val="accent1"/>
+          </a:effectRef>
+          <a:fontRef idx="minor">
+            <a:schemeClr val="lt1"/>
+          </a:fontRef>
+        </p:style>
+        <p:txBody>
+          <a:bodyPr rtlCol="0" anchor="ctr"/>
+          <a:lstStyle/>
+          <a:p>
+            <a:pPr algn="ctr"/>
+            <a:endParaRPr lang="it-IT" dirty="0"/>
+          </a:p>
+        </p:txBody>
+      </p:sp>
+      <p:sp>
+        <p:nvSpPr>
+          <p:cNvPr id="27" name="Rettangolo 26"/>
+          <p:cNvSpPr/>
+          <p:nvPr/>
+        </p:nvSpPr>
+        <p:spPr>
+          <a:xfrm>
+            <a:off x="376516" y="3778626"/>
+            <a:ext cx="1616497" cy="1803370"/>
+          </a:xfrm>
+          <a:prstGeom prst="rect">
+            <a:avLst/>
+          </a:prstGeom>
+          <a:noFill/>
+          <a:ln w="50800">
+            <a:solidFill>
+              <a:srgbClr val="FF0000"/>
+            </a:solidFill>
+          </a:ln>
+        </p:spPr>
+        <p:style>
+          <a:lnRef idx="2">
+            <a:schemeClr val="accent1">
+              <a:shade val="50000"/>
+            </a:schemeClr>
+          </a:lnRef>
+          <a:fillRef idx="1">
+            <a:schemeClr val="accent1"/>
+          </a:fillRef>
+          <a:effectRef idx="0">
+            <a:schemeClr val="accent1"/>
+          </a:effectRef>
+          <a:fontRef idx="minor">
+            <a:schemeClr val="lt1"/>
+          </a:fontRef>
+        </p:style>
+        <p:txBody>
+          <a:bodyPr rtlCol="0" anchor="ctr"/>
+          <a:lstStyle/>
+          <a:p>
+            <a:pPr algn="ctr"/>
+            <a:endParaRPr lang="it-IT" dirty="0"/>
+          </a:p>
+        </p:txBody>
+      </p:sp>
+      <p:cxnSp>
+        <p:nvCxnSpPr>
+          <p:cNvPr id="28" name="Connettore 2 27"/>
+          <p:cNvCxnSpPr/>
+          <p:nvPr/>
+        </p:nvCxnSpPr>
+        <p:spPr>
+          <a:xfrm>
+            <a:off x="1371600" y="5560814"/>
+            <a:ext cx="0" cy="304800"/>
+          </a:xfrm>
+          <a:prstGeom prst="straightConnector1">
+            <a:avLst/>
+          </a:prstGeom>
+          <a:ln w="57150">
+            <a:solidFill>
+              <a:srgbClr val="FF0000"/>
+            </a:solidFill>
+            <a:tailEnd type="arrow"/>
+          </a:ln>
+        </p:spPr>
+        <p:style>
+          <a:lnRef idx="1">
+            <a:schemeClr val="accent1"/>
+          </a:lnRef>
+          <a:fillRef idx="0">
+            <a:schemeClr val="accent1"/>
+          </a:fillRef>
+          <a:effectRef idx="0">
+            <a:schemeClr val="accent1"/>
+          </a:effectRef>
+          <a:fontRef idx="minor">
+            <a:schemeClr val="tx1"/>
+          </a:fontRef>
+        </p:style>
+      </p:cxnSp>
     </p:spTree>
     <p:extLst>
       <p:ext uri="{BB962C8B-B14F-4D97-AF65-F5344CB8AC3E}">
-        <p14:creationId xmlns:p14="http://schemas.microsoft.com/office/powerpoint/2010/main" val="3893143138"/>
+        <p14:creationId xmlns:p14="http://schemas.microsoft.com/office/powerpoint/2010/main" val="3867650883"/>
       </p:ext>
     </p:extLst>
   </p:cSld>
@@ -12111,7 +12576,7 @@
       </p:grpSpPr>
       <p:pic>
         <p:nvPicPr>
-          <p:cNvPr id="3" name="Immagine 2"/>
+          <p:cNvPr id="4" name="Immagine 3"/>
           <p:cNvPicPr>
             <a:picLocks noChangeAspect="1"/>
           </p:cNvPicPr>
@@ -12131,8 +12596,8 @@
         </p:blipFill>
         <p:spPr>
           <a:xfrm>
-            <a:off x="660820" y="3396165"/>
-            <a:ext cx="5130380" cy="2185831"/>
+            <a:off x="468985" y="3140210"/>
+            <a:ext cx="4746844" cy="2216426"/>
           </a:xfrm>
           <a:prstGeom prst="rect">
             <a:avLst/>
@@ -12158,7 +12623,7 @@
           </a:ln>
           <a:extLst>
             <a:ext uri="{C572A759-6A51-4108-AA02-DFA0A04FC94B}">
-              <ma14:wrappingTextBoxFlag xmlns="" xmlns:ma14="http://schemas.microsoft.com/office/mac/drawingml/2011/main" val="1"/>
+              <ma14:wrappingTextBoxFlag xmlns:ma14="http://schemas.microsoft.com/office/mac/drawingml/2011/main" xmlns="" val="1"/>
             </a:ext>
           </a:extLst>
         </p:spPr>
@@ -12221,7 +12686,7 @@
           </a:ln>
           <a:extLst>
             <a:ext uri="{C572A759-6A51-4108-AA02-DFA0A04FC94B}">
-              <ma14:wrappingTextBoxFlag xmlns="" xmlns:ma14="http://schemas.microsoft.com/office/mac/drawingml/2011/main" val="1"/>
+              <ma14:wrappingTextBoxFlag xmlns:ma14="http://schemas.microsoft.com/office/mac/drawingml/2011/main" xmlns="" val="1"/>
             </a:ext>
           </a:extLst>
         </p:spPr>
@@ -12290,7 +12755,7 @@
             <a:pPr algn="ctr"/>
             <a:r>
               <a:rPr lang="it-IT" sz="2000" dirty="0"/>
-              <a:t>WATER PRESSURE OUTPUT FILE</a:t>
+              <a:t>WATER CONTENT OUTPUT FILE</a:t>
             </a:r>
             <a:endParaRPr lang="en-GB" sz="2000" dirty="0"/>
           </a:p>
@@ -12304,7 +12769,7 @@
         </p:nvSpPr>
         <p:spPr>
           <a:xfrm>
-            <a:off x="484188" y="1111626"/>
+            <a:off x="1039987" y="1039910"/>
             <a:ext cx="4038600" cy="707886"/>
           </a:xfrm>
           <a:prstGeom prst="rect">
@@ -12334,7 +12799,7 @@
         </p:nvSpPr>
         <p:spPr>
           <a:xfrm>
-            <a:off x="398069" y="3135729"/>
+            <a:off x="321968" y="2868710"/>
             <a:ext cx="3537419" cy="569893"/>
           </a:xfrm>
           <a:prstGeom prst="rect">
@@ -12380,7 +12845,7 @@
         </p:nvSpPr>
         <p:spPr>
           <a:xfrm>
-            <a:off x="331788" y="1111626"/>
+            <a:off x="887587" y="1039910"/>
             <a:ext cx="4191000" cy="1219200"/>
           </a:xfrm>
           <a:prstGeom prst="rect">
@@ -12426,7 +12891,7 @@
         </p:nvCxnSpPr>
         <p:spPr>
           <a:xfrm>
-            <a:off x="1703388" y="2407026"/>
+            <a:off x="2259187" y="2335310"/>
             <a:ext cx="0" cy="609600"/>
           </a:xfrm>
           <a:prstGeom prst="straightConnector1">
@@ -12462,7 +12927,7 @@
         </p:nvSpPr>
         <p:spPr>
           <a:xfrm>
-            <a:off x="439264" y="5979458"/>
+            <a:off x="439264" y="5943600"/>
             <a:ext cx="2403143" cy="400110"/>
           </a:xfrm>
           <a:prstGeom prst="rect">
@@ -12491,8 +12956,8 @@
         </p:nvSpPr>
         <p:spPr>
           <a:xfrm>
-            <a:off x="4665270" y="5997406"/>
-            <a:ext cx="2900915" cy="400110"/>
+            <a:off x="4352361" y="5907761"/>
+            <a:ext cx="3200400" cy="400110"/>
           </a:xfrm>
           <a:prstGeom prst="rect">
             <a:avLst/>
@@ -12506,8 +12971,12 @@
           <a:lstStyle/>
           <a:p>
             <a:r>
+              <a:rPr lang="it-IT" sz="2000"/>
+              <a:t>WATER CONTENT </a:t>
+            </a:r>
+            <a:r>
               <a:rPr lang="it-IT" sz="2000" dirty="0"/>
-              <a:t>WATER PRESSURE [m]</a:t>
+              <a:t>[-]</a:t>
             </a:r>
           </a:p>
         </p:txBody>
@@ -12520,7 +12989,7 @@
         </p:nvSpPr>
         <p:spPr>
           <a:xfrm>
-            <a:off x="3930181" y="5912226"/>
+            <a:off x="3930181" y="5786723"/>
             <a:ext cx="3537419" cy="569893"/>
           </a:xfrm>
           <a:prstGeom prst="rect">
@@ -12566,8 +13035,8 @@
         </p:nvSpPr>
         <p:spPr>
           <a:xfrm>
-            <a:off x="1981200" y="3778626"/>
-            <a:ext cx="4419600" cy="1803370"/>
+            <a:off x="1981200" y="3510319"/>
+            <a:ext cx="4419600" cy="1868507"/>
           </a:xfrm>
           <a:prstGeom prst="rect">
             <a:avLst/>
@@ -12612,8 +13081,8 @@
         </p:nvCxnSpPr>
         <p:spPr>
           <a:xfrm>
-            <a:off x="5867400" y="5581996"/>
-            <a:ext cx="0" cy="297063"/>
+            <a:off x="5867400" y="5426350"/>
+            <a:ext cx="0" cy="309277"/>
           </a:xfrm>
           <a:prstGeom prst="straightConnector1">
             <a:avLst/>
@@ -12648,8 +13117,8 @@
         </p:nvSpPr>
         <p:spPr>
           <a:xfrm>
-            <a:off x="342659" y="5861130"/>
-            <a:ext cx="1710258" cy="569893"/>
+            <a:off x="360587" y="5807343"/>
+            <a:ext cx="1578639" cy="569893"/>
           </a:xfrm>
           <a:prstGeom prst="rect">
             <a:avLst/>
@@ -12686,6 +13155,42 @@
           </a:p>
         </p:txBody>
       </p:sp>
+      <p:cxnSp>
+        <p:nvCxnSpPr>
+          <p:cNvPr id="28" name="Connettore 2 27"/>
+          <p:cNvCxnSpPr/>
+          <p:nvPr/>
+        </p:nvCxnSpPr>
+        <p:spPr>
+          <a:xfrm>
+            <a:off x="1371600" y="5417382"/>
+            <a:ext cx="0" cy="304800"/>
+          </a:xfrm>
+          <a:prstGeom prst="straightConnector1">
+            <a:avLst/>
+          </a:prstGeom>
+          <a:ln w="57150">
+            <a:solidFill>
+              <a:srgbClr val="FF0000"/>
+            </a:solidFill>
+            <a:tailEnd type="arrow"/>
+          </a:ln>
+        </p:spPr>
+        <p:style>
+          <a:lnRef idx="1">
+            <a:schemeClr val="accent1"/>
+          </a:lnRef>
+          <a:fillRef idx="0">
+            <a:schemeClr val="accent1"/>
+          </a:fillRef>
+          <a:effectRef idx="0">
+            <a:schemeClr val="accent1"/>
+          </a:effectRef>
+          <a:fontRef idx="minor">
+            <a:schemeClr val="tx1"/>
+          </a:fontRef>
+        </p:style>
+      </p:cxnSp>
       <p:sp>
         <p:nvSpPr>
           <p:cNvPr id="27" name="Rettangolo 26"/>
@@ -12694,8 +13199,8 @@
         </p:nvSpPr>
         <p:spPr>
           <a:xfrm>
-            <a:off x="376516" y="3778626"/>
-            <a:ext cx="1616497" cy="1803370"/>
+            <a:off x="304800" y="3510320"/>
+            <a:ext cx="1616497" cy="1835340"/>
           </a:xfrm>
           <a:prstGeom prst="rect">
             <a:avLst/>
@@ -12732,46 +13237,10 @@
           </a:p>
         </p:txBody>
       </p:sp>
-      <p:cxnSp>
-        <p:nvCxnSpPr>
-          <p:cNvPr id="28" name="Connettore 2 27"/>
-          <p:cNvCxnSpPr/>
-          <p:nvPr/>
-        </p:nvCxnSpPr>
-        <p:spPr>
-          <a:xfrm>
-            <a:off x="1371600" y="5560814"/>
-            <a:ext cx="0" cy="304800"/>
-          </a:xfrm>
-          <a:prstGeom prst="straightConnector1">
-            <a:avLst/>
-          </a:prstGeom>
-          <a:ln w="57150">
-            <a:solidFill>
-              <a:srgbClr val="FF0000"/>
-            </a:solidFill>
-            <a:tailEnd type="arrow"/>
-          </a:ln>
-        </p:spPr>
-        <p:style>
-          <a:lnRef idx="1">
-            <a:schemeClr val="accent1"/>
-          </a:lnRef>
-          <a:fillRef idx="0">
-            <a:schemeClr val="accent1"/>
-          </a:fillRef>
-          <a:effectRef idx="0">
-            <a:schemeClr val="accent1"/>
-          </a:effectRef>
-          <a:fontRef idx="minor">
-            <a:schemeClr val="tx1"/>
-          </a:fontRef>
-        </p:style>
-      </p:cxnSp>
     </p:spTree>
     <p:extLst>
       <p:ext uri="{BB962C8B-B14F-4D97-AF65-F5344CB8AC3E}">
-        <p14:creationId xmlns:p14="http://schemas.microsoft.com/office/powerpoint/2010/main" val="3867650883"/>
+        <p14:creationId xmlns:p14="http://schemas.microsoft.com/office/powerpoint/2010/main" val="1826655048"/>
       </p:ext>
     </p:extLst>
   </p:cSld>
@@ -12801,28 +13270,28 @@
       </p:grpSpPr>
       <p:pic>
         <p:nvPicPr>
-          <p:cNvPr id="4" name="Immagine 3"/>
+          <p:cNvPr id="5" name="Picture 4">
+            <a:extLst>
+              <a:ext uri="{FF2B5EF4-FFF2-40B4-BE49-F238E27FC236}">
+                <a16:creationId xmlns:a16="http://schemas.microsoft.com/office/drawing/2014/main" id="{D9FC6C0D-75D0-4F3A-826B-6122034C7AEF}"/>
+              </a:ext>
+            </a:extLst>
+          </p:cNvPr>
           <p:cNvPicPr>
             <a:picLocks noChangeAspect="1"/>
           </p:cNvPicPr>
           <p:nvPr/>
         </p:nvPicPr>
         <p:blipFill>
-          <a:blip r:embed="rId2">
-            <a:extLst>
-              <a:ext uri="{28A0092B-C50C-407E-A947-70E740481C1C}">
-                <a14:useLocalDpi xmlns:a14="http://schemas.microsoft.com/office/drawing/2010/main" val="0"/>
-              </a:ext>
-            </a:extLst>
-          </a:blip>
+          <a:blip r:embed="rId2"/>
           <a:stretch>
             <a:fillRect/>
           </a:stretch>
         </p:blipFill>
         <p:spPr>
           <a:xfrm>
-            <a:off x="468985" y="3140210"/>
-            <a:ext cx="4746844" cy="2216426"/>
+            <a:off x="385185" y="3093688"/>
+            <a:ext cx="6306182" cy="2298254"/>
           </a:xfrm>
           <a:prstGeom prst="rect">
             <a:avLst/>
@@ -12848,7 +13317,7 @@
           </a:ln>
           <a:extLst>
             <a:ext uri="{C572A759-6A51-4108-AA02-DFA0A04FC94B}">
-              <ma14:wrappingTextBoxFlag xmlns="" xmlns:ma14="http://schemas.microsoft.com/office/mac/drawingml/2011/main" val="1"/>
+              <ma14:wrappingTextBoxFlag xmlns:ma14="http://schemas.microsoft.com/office/mac/drawingml/2011/main" xmlns="" val="1"/>
             </a:ext>
           </a:extLst>
         </p:spPr>
@@ -12911,7 +13380,7 @@
           </a:ln>
           <a:extLst>
             <a:ext uri="{C572A759-6A51-4108-AA02-DFA0A04FC94B}">
-              <ma14:wrappingTextBoxFlag xmlns="" xmlns:ma14="http://schemas.microsoft.com/office/mac/drawingml/2011/main" val="1"/>
+              <ma14:wrappingTextBoxFlag xmlns:ma14="http://schemas.microsoft.com/office/mac/drawingml/2011/main" xmlns="" val="1"/>
             </a:ext>
           </a:extLst>
         </p:spPr>
@@ -12980,7 +13449,7 @@
             <a:pPr algn="ctr"/>
             <a:r>
               <a:rPr lang="it-IT" sz="2000" dirty="0"/>
-              <a:t>WATER CONTENT OUTPUT FILE</a:t>
+              <a:t>WATER FLUX OUTPUT FILE</a:t>
             </a:r>
             <a:endParaRPr lang="en-GB" sz="2000" dirty="0"/>
           </a:p>
@@ -13181,7 +13650,7 @@
         </p:nvSpPr>
         <p:spPr>
           <a:xfrm>
-            <a:off x="4352361" y="5907761"/>
+            <a:off x="4352361" y="5871614"/>
             <a:ext cx="3200400" cy="400110"/>
           </a:xfrm>
           <a:prstGeom prst="rect">
@@ -13196,12 +13665,8 @@
           <a:lstStyle/>
           <a:p>
             <a:r>
-              <a:rPr lang="it-IT" sz="2000"/>
-              <a:t>WATER CONTENT </a:t>
-            </a:r>
-            <a:r>
               <a:rPr lang="it-IT" sz="2000" dirty="0"/>
-              <a:t>[-]</a:t>
+              <a:t>WATER FLUX [m/s]</a:t>
             </a:r>
           </a:p>
         </p:txBody>
@@ -13465,7 +13930,7 @@
     </p:spTree>
     <p:extLst>
       <p:ext uri="{BB962C8B-B14F-4D97-AF65-F5344CB8AC3E}">
-        <p14:creationId xmlns:p14="http://schemas.microsoft.com/office/powerpoint/2010/main" val="1826655048"/>
+        <p14:creationId xmlns:p14="http://schemas.microsoft.com/office/powerpoint/2010/main" val="1222525164"/>
       </p:ext>
     </p:extLst>
   </p:cSld>
@@ -13493,36 +13958,6 @@
           <a:chExt cx="0" cy="0"/>
         </a:xfrm>
       </p:grpSpPr>
-      <p:pic>
-        <p:nvPicPr>
-          <p:cNvPr id="5" name="Picture 4">
-            <a:extLst>
-              <a:ext uri="{FF2B5EF4-FFF2-40B4-BE49-F238E27FC236}">
-                <a16:creationId xmlns:a16="http://schemas.microsoft.com/office/drawing/2014/main" id="{D9FC6C0D-75D0-4F3A-826B-6122034C7AEF}"/>
-              </a:ext>
-            </a:extLst>
-          </p:cNvPr>
-          <p:cNvPicPr>
-            <a:picLocks noChangeAspect="1"/>
-          </p:cNvPicPr>
-          <p:nvPr/>
-        </p:nvPicPr>
-        <p:blipFill>
-          <a:blip r:embed="rId2"/>
-          <a:stretch>
-            <a:fillRect/>
-          </a:stretch>
-        </p:blipFill>
-        <p:spPr>
-          <a:xfrm>
-            <a:off x="385185" y="3093688"/>
-            <a:ext cx="6306182" cy="2298254"/>
-          </a:xfrm>
-          <a:prstGeom prst="rect">
-            <a:avLst/>
-          </a:prstGeom>
-        </p:spPr>
-      </p:pic>
       <p:sp>
         <p:nvSpPr>
           <p:cNvPr id="154" name="Shape 154"/>
@@ -13542,7 +13977,7 @@
           </a:ln>
           <a:extLst>
             <a:ext uri="{C572A759-6A51-4108-AA02-DFA0A04FC94B}">
-              <ma14:wrappingTextBoxFlag xmlns="" xmlns:ma14="http://schemas.microsoft.com/office/mac/drawingml/2011/main" val="1"/>
+              <ma14:wrappingTextBoxFlag xmlns:ma14="http://schemas.microsoft.com/office/mac/drawingml/2011/main" xmlns="" val="1"/>
             </a:ext>
           </a:extLst>
         </p:spPr>
@@ -13605,7 +14040,7 @@
           </a:ln>
           <a:extLst>
             <a:ext uri="{C572A759-6A51-4108-AA02-DFA0A04FC94B}">
-              <ma14:wrappingTextBoxFlag xmlns="" xmlns:ma14="http://schemas.microsoft.com/office/mac/drawingml/2011/main" val="1"/>
+              <ma14:wrappingTextBoxFlag xmlns:ma14="http://schemas.microsoft.com/office/mac/drawingml/2011/main" xmlns="" val="1"/>
             </a:ext>
           </a:extLst>
         </p:spPr>
@@ -13658,7 +14093,7 @@
         <p:spPr>
           <a:xfrm>
             <a:off x="1708712" y="524867"/>
-            <a:ext cx="5726575" cy="400110"/>
+            <a:ext cx="5726575" cy="707886"/>
           </a:xfrm>
           <a:prstGeom prst="rect">
             <a:avLst/>
@@ -13674,22 +14109,61 @@
             <a:pPr algn="ctr"/>
             <a:r>
               <a:rPr lang="it-IT" sz="2000" dirty="0"/>
-              <a:t>WATER FLUX OUTPUT FILE</a:t>
-            </a:r>
+              <a:t>HYDRAULIC PARAMETRIZATION</a:t>
+            </a:r>
+          </a:p>
+          <a:p>
+            <a:pPr algn="ctr"/>
             <a:endParaRPr lang="en-GB" sz="2000" dirty="0"/>
           </a:p>
         </p:txBody>
       </p:sp>
-      <p:sp>
-        <p:nvSpPr>
-          <p:cNvPr id="11" name="CasellaDiTesto 10"/>
+      <p:pic>
+        <p:nvPicPr>
+          <p:cNvPr id="4" name="Picture 3">
+            <a:extLst>
+              <a:ext uri="{FF2B5EF4-FFF2-40B4-BE49-F238E27FC236}">
+                <a16:creationId xmlns:a16="http://schemas.microsoft.com/office/drawing/2014/main" id="{DBB4D081-E821-44CA-A5FA-EAFE93DC2F92}"/>
+              </a:ext>
+            </a:extLst>
+          </p:cNvPr>
+          <p:cNvPicPr>
+            <a:picLocks noChangeAspect="1"/>
+          </p:cNvPicPr>
+          <p:nvPr/>
+        </p:nvPicPr>
+        <p:blipFill>
+          <a:blip r:embed="rId2"/>
+          <a:stretch>
+            <a:fillRect/>
+          </a:stretch>
+        </p:blipFill>
+        <p:spPr>
+          <a:xfrm>
+            <a:off x="124938" y="3143904"/>
+            <a:ext cx="8901367" cy="1656198"/>
+          </a:xfrm>
+          <a:prstGeom prst="rect">
+            <a:avLst/>
+          </a:prstGeom>
+        </p:spPr>
+      </p:pic>
+      <p:sp>
+        <p:nvSpPr>
+          <p:cNvPr id="31" name="CasellaDiTesto 10">
+            <a:extLst>
+              <a:ext uri="{FF2B5EF4-FFF2-40B4-BE49-F238E27FC236}">
+                <a16:creationId xmlns:a16="http://schemas.microsoft.com/office/drawing/2014/main" id="{2BC3C105-B91D-4CB7-9C15-8D98D809FFDB}"/>
+              </a:ext>
+            </a:extLst>
+          </p:cNvPr>
           <p:cNvSpPr txBox="1"/>
           <p:nvPr/>
         </p:nvSpPr>
         <p:spPr>
           <a:xfrm>
             <a:off x="1039987" y="1039910"/>
-            <a:ext cx="4038600" cy="707886"/>
+            <a:ext cx="4038600" cy="400110"/>
           </a:xfrm>
           <a:prstGeom prst="rect">
             <a:avLst/>
@@ -13705,20 +14179,26 @@
             <a:pPr algn="just"/>
             <a:r>
               <a:rPr lang="it-IT" sz="2000" dirty="0"/>
-              <a:t>TIME AT WHICH THE SOLUTION IS COMPUTED</a:t>
-            </a:r>
-          </a:p>
-        </p:txBody>
-      </p:sp>
-      <p:sp>
-        <p:nvSpPr>
-          <p:cNvPr id="12" name="Rettangolo 11"/>
+              <a:t>SWRC MODEL</a:t>
+            </a:r>
+          </a:p>
+        </p:txBody>
+      </p:sp>
+      <p:sp>
+        <p:nvSpPr>
+          <p:cNvPr id="32" name="Rettangolo 11">
+            <a:extLst>
+              <a:ext uri="{FF2B5EF4-FFF2-40B4-BE49-F238E27FC236}">
+                <a16:creationId xmlns:a16="http://schemas.microsoft.com/office/drawing/2014/main" id="{EEC8D9E7-A97D-417F-B1E7-99B2280076E3}"/>
+              </a:ext>
+            </a:extLst>
+          </p:cNvPr>
           <p:cNvSpPr/>
           <p:nvPr/>
         </p:nvSpPr>
         <p:spPr>
           <a:xfrm>
-            <a:off x="321968" y="2868710"/>
+            <a:off x="113741" y="2832496"/>
             <a:ext cx="3537419" cy="569893"/>
           </a:xfrm>
           <a:prstGeom prst="rect">
@@ -13758,7 +14238,13 @@
       </p:sp>
       <p:sp>
         <p:nvSpPr>
-          <p:cNvPr id="13" name="Rettangolo 12"/>
+          <p:cNvPr id="33" name="Rettangolo 12">
+            <a:extLst>
+              <a:ext uri="{FF2B5EF4-FFF2-40B4-BE49-F238E27FC236}">
+                <a16:creationId xmlns:a16="http://schemas.microsoft.com/office/drawing/2014/main" id="{CA120679-4F81-49CE-8FC3-D027B16EB76D}"/>
+              </a:ext>
+            </a:extLst>
+          </p:cNvPr>
           <p:cNvSpPr/>
           <p:nvPr/>
         </p:nvSpPr>
@@ -13804,14 +14290,22 @@
       </p:sp>
       <p:cxnSp>
         <p:nvCxnSpPr>
-          <p:cNvPr id="20" name="Connettore 2 19"/>
-          <p:cNvCxnSpPr/>
+          <p:cNvPr id="34" name="Connettore 2 19">
+            <a:extLst>
+              <a:ext uri="{FF2B5EF4-FFF2-40B4-BE49-F238E27FC236}">
+                <a16:creationId xmlns:a16="http://schemas.microsoft.com/office/drawing/2014/main" id="{1F72B98C-50C6-416C-AE49-E36D1A465756}"/>
+              </a:ext>
+            </a:extLst>
+          </p:cNvPr>
+          <p:cNvCxnSpPr>
+            <a:cxnSpLocks/>
+          </p:cNvCxnSpPr>
           <p:nvPr/>
         </p:nvCxnSpPr>
         <p:spPr>
           <a:xfrm>
-            <a:off x="2259187" y="2335310"/>
-            <a:ext cx="0" cy="609600"/>
+            <a:off x="2259187" y="2390115"/>
+            <a:ext cx="0" cy="400894"/>
           </a:xfrm>
           <a:prstGeom prst="straightConnector1">
             <a:avLst/>
@@ -13840,14 +14334,20 @@
       </p:cxnSp>
       <p:sp>
         <p:nvSpPr>
-          <p:cNvPr id="21" name="CasellaDiTesto 20"/>
+          <p:cNvPr id="35" name="CasellaDiTesto 10">
+            <a:extLst>
+              <a:ext uri="{FF2B5EF4-FFF2-40B4-BE49-F238E27FC236}">
+                <a16:creationId xmlns:a16="http://schemas.microsoft.com/office/drawing/2014/main" id="{5288B630-46F3-4A14-9D24-5DAA34433F31}"/>
+              </a:ext>
+            </a:extLst>
+          </p:cNvPr>
           <p:cNvSpPr txBox="1"/>
           <p:nvPr/>
         </p:nvSpPr>
         <p:spPr>
           <a:xfrm>
-            <a:off x="439264" y="5943600"/>
-            <a:ext cx="2403143" cy="400110"/>
+            <a:off x="332307" y="5062813"/>
+            <a:ext cx="6783715" cy="1631216"/>
           </a:xfrm>
           <a:prstGeom prst="rect">
             <a:avLst/>
@@ -13860,302 +14360,43 @@
           </a:bodyPr>
           <a:lstStyle/>
           <a:p>
+            <a:pPr algn="just"/>
             <a:r>
               <a:rPr lang="it-IT" sz="2000" dirty="0"/>
-              <a:t>DEPTH [m]</a:t>
-            </a:r>
-          </a:p>
-        </p:txBody>
-      </p:sp>
-      <p:sp>
-        <p:nvSpPr>
-          <p:cNvPr id="22" name="CasellaDiTesto 21"/>
-          <p:cNvSpPr txBox="1"/>
-          <p:nvPr/>
-        </p:nvSpPr>
-        <p:spPr>
-          <a:xfrm>
-            <a:off x="4352361" y="5871614"/>
-            <a:ext cx="3200400" cy="400110"/>
-          </a:xfrm>
-          <a:prstGeom prst="rect">
-            <a:avLst/>
-          </a:prstGeom>
-          <a:noFill/>
-        </p:spPr>
-        <p:txBody>
-          <a:bodyPr wrap="square" rtlCol="0">
-            <a:spAutoFit/>
-          </a:bodyPr>
-          <a:lstStyle/>
-          <a:p>
+              <a:t>Se:          saturation degree as a function of Psi</a:t>
+            </a:r>
+          </a:p>
+          <a:p>
+            <a:pPr algn="just"/>
             <a:r>
               <a:rPr lang="it-IT" sz="2000" dirty="0"/>
-              <a:t>WATER FLUX [m/s]</a:t>
-            </a:r>
-          </a:p>
-        </p:txBody>
-      </p:sp>
-      <p:sp>
-        <p:nvSpPr>
-          <p:cNvPr id="23" name="Rettangolo 22"/>
-          <p:cNvSpPr/>
-          <p:nvPr/>
-        </p:nvSpPr>
-        <p:spPr>
-          <a:xfrm>
-            <a:off x="3930181" y="5786723"/>
-            <a:ext cx="3537419" cy="569893"/>
-          </a:xfrm>
-          <a:prstGeom prst="rect">
-            <a:avLst/>
-          </a:prstGeom>
-          <a:noFill/>
-          <a:ln w="50800">
-            <a:solidFill>
-              <a:srgbClr val="0070C0"/>
-            </a:solidFill>
-          </a:ln>
-        </p:spPr>
-        <p:style>
-          <a:lnRef idx="2">
-            <a:schemeClr val="accent1">
-              <a:shade val="50000"/>
-            </a:schemeClr>
-          </a:lnRef>
-          <a:fillRef idx="1">
-            <a:schemeClr val="accent1"/>
-          </a:fillRef>
-          <a:effectRef idx="0">
-            <a:schemeClr val="accent1"/>
-          </a:effectRef>
-          <a:fontRef idx="minor">
-            <a:schemeClr val="lt1"/>
-          </a:fontRef>
-        </p:style>
-        <p:txBody>
-          <a:bodyPr rtlCol="0" anchor="ctr"/>
-          <a:lstStyle/>
-          <a:p>
-            <a:pPr algn="ctr"/>
-            <a:endParaRPr lang="it-IT" dirty="0"/>
-          </a:p>
-        </p:txBody>
-      </p:sp>
-      <p:sp>
-        <p:nvSpPr>
-          <p:cNvPr id="24" name="Rettangolo 23"/>
-          <p:cNvSpPr/>
-          <p:nvPr/>
-        </p:nvSpPr>
-        <p:spPr>
-          <a:xfrm>
-            <a:off x="1981200" y="3510319"/>
-            <a:ext cx="4419600" cy="1868507"/>
-          </a:xfrm>
-          <a:prstGeom prst="rect">
-            <a:avLst/>
-          </a:prstGeom>
-          <a:noFill/>
-          <a:ln w="50800">
-            <a:solidFill>
-              <a:srgbClr val="0070C0"/>
-            </a:solidFill>
-          </a:ln>
-        </p:spPr>
-        <p:style>
-          <a:lnRef idx="2">
-            <a:schemeClr val="accent1">
-              <a:shade val="50000"/>
-            </a:schemeClr>
-          </a:lnRef>
-          <a:fillRef idx="1">
-            <a:schemeClr val="accent1"/>
-          </a:fillRef>
-          <a:effectRef idx="0">
-            <a:schemeClr val="accent1"/>
-          </a:effectRef>
-          <a:fontRef idx="minor">
-            <a:schemeClr val="lt1"/>
-          </a:fontRef>
-        </p:style>
-        <p:txBody>
-          <a:bodyPr rtlCol="0" anchor="ctr"/>
-          <a:lstStyle/>
-          <a:p>
-            <a:pPr algn="ctr"/>
-            <a:endParaRPr lang="it-IT" dirty="0"/>
-          </a:p>
-        </p:txBody>
-      </p:sp>
-      <p:cxnSp>
-        <p:nvCxnSpPr>
-          <p:cNvPr id="25" name="Connettore 2 24"/>
-          <p:cNvCxnSpPr/>
-          <p:nvPr/>
-        </p:nvCxnSpPr>
-        <p:spPr>
-          <a:xfrm>
-            <a:off x="5867400" y="5426350"/>
-            <a:ext cx="0" cy="309277"/>
-          </a:xfrm>
-          <a:prstGeom prst="straightConnector1">
-            <a:avLst/>
-          </a:prstGeom>
-          <a:ln w="57150">
-            <a:solidFill>
-              <a:srgbClr val="0070C0"/>
-            </a:solidFill>
-            <a:tailEnd type="arrow"/>
-          </a:ln>
-        </p:spPr>
-        <p:style>
-          <a:lnRef idx="1">
-            <a:schemeClr val="accent1"/>
-          </a:lnRef>
-          <a:fillRef idx="0">
-            <a:schemeClr val="accent1"/>
-          </a:fillRef>
-          <a:effectRef idx="0">
-            <a:schemeClr val="accent1"/>
-          </a:effectRef>
-          <a:fontRef idx="minor">
-            <a:schemeClr val="tx1"/>
-          </a:fontRef>
-        </p:style>
-      </p:cxnSp>
-      <p:sp>
-        <p:nvSpPr>
-          <p:cNvPr id="26" name="Rettangolo 25"/>
-          <p:cNvSpPr/>
-          <p:nvPr/>
-        </p:nvSpPr>
-        <p:spPr>
-          <a:xfrm>
-            <a:off x="360587" y="5807343"/>
-            <a:ext cx="1578639" cy="569893"/>
-          </a:xfrm>
-          <a:prstGeom prst="rect">
-            <a:avLst/>
-          </a:prstGeom>
-          <a:noFill/>
-          <a:ln w="50800">
-            <a:solidFill>
-              <a:srgbClr val="FF0000"/>
-            </a:solidFill>
-          </a:ln>
-        </p:spPr>
-        <p:style>
-          <a:lnRef idx="2">
-            <a:schemeClr val="accent1">
-              <a:shade val="50000"/>
-            </a:schemeClr>
-          </a:lnRef>
-          <a:fillRef idx="1">
-            <a:schemeClr val="accent1"/>
-          </a:fillRef>
-          <a:effectRef idx="0">
-            <a:schemeClr val="accent1"/>
-          </a:effectRef>
-          <a:fontRef idx="minor">
-            <a:schemeClr val="lt1"/>
-          </a:fontRef>
-        </p:style>
-        <p:txBody>
-          <a:bodyPr rtlCol="0" anchor="ctr"/>
-          <a:lstStyle/>
-          <a:p>
-            <a:pPr algn="ctr"/>
-            <a:endParaRPr lang="it-IT" dirty="0"/>
-          </a:p>
-        </p:txBody>
-      </p:sp>
-      <p:cxnSp>
-        <p:nvCxnSpPr>
-          <p:cNvPr id="28" name="Connettore 2 27"/>
-          <p:cNvCxnSpPr/>
-          <p:nvPr/>
-        </p:nvCxnSpPr>
-        <p:spPr>
-          <a:xfrm>
-            <a:off x="1371600" y="5417382"/>
-            <a:ext cx="0" cy="304800"/>
-          </a:xfrm>
-          <a:prstGeom prst="straightConnector1">
-            <a:avLst/>
-          </a:prstGeom>
-          <a:ln w="57150">
-            <a:solidFill>
-              <a:srgbClr val="FF0000"/>
-            </a:solidFill>
-            <a:tailEnd type="arrow"/>
-          </a:ln>
-        </p:spPr>
-        <p:style>
-          <a:lnRef idx="1">
-            <a:schemeClr val="accent1"/>
-          </a:lnRef>
-          <a:fillRef idx="0">
-            <a:schemeClr val="accent1"/>
-          </a:fillRef>
-          <a:effectRef idx="0">
-            <a:schemeClr val="accent1"/>
-          </a:effectRef>
-          <a:fontRef idx="minor">
-            <a:schemeClr val="tx1"/>
-          </a:fontRef>
-        </p:style>
-      </p:cxnSp>
-      <p:sp>
-        <p:nvSpPr>
-          <p:cNvPr id="27" name="Rettangolo 26"/>
-          <p:cNvSpPr/>
-          <p:nvPr/>
-        </p:nvSpPr>
-        <p:spPr>
-          <a:xfrm>
-            <a:off x="304800" y="3510320"/>
-            <a:ext cx="1616497" cy="1835340"/>
-          </a:xfrm>
-          <a:prstGeom prst="rect">
-            <a:avLst/>
-          </a:prstGeom>
-          <a:noFill/>
-          <a:ln w="50800">
-            <a:solidFill>
-              <a:srgbClr val="FF0000"/>
-            </a:solidFill>
-          </a:ln>
-        </p:spPr>
-        <p:style>
-          <a:lnRef idx="2">
-            <a:schemeClr val="accent1">
-              <a:shade val="50000"/>
-            </a:schemeClr>
-          </a:lnRef>
-          <a:fillRef idx="1">
-            <a:schemeClr val="accent1"/>
-          </a:fillRef>
-          <a:effectRef idx="0">
-            <a:schemeClr val="accent1"/>
-          </a:effectRef>
-          <a:fontRef idx="minor">
-            <a:schemeClr val="lt1"/>
-          </a:fontRef>
-        </p:style>
-        <p:txBody>
-          <a:bodyPr rtlCol="0" anchor="ctr"/>
-          <a:lstStyle/>
-          <a:p>
-            <a:pPr algn="ctr"/>
-            <a:endParaRPr lang="it-IT" dirty="0"/>
+              <a:t>Theta:    water content as a function of Psi</a:t>
+            </a:r>
+          </a:p>
+          <a:p>
+            <a:pPr algn="just"/>
+            <a:r>
+              <a:rPr lang="it-IT" sz="2000" dirty="0"/>
+              <a:t>dTheta:  derivative of Theta with respect to Psi</a:t>
+            </a:r>
+          </a:p>
+          <a:p>
+            <a:pPr algn="just"/>
+            <a:r>
+              <a:rPr lang="it-IT" sz="2000" dirty="0"/>
+              <a:t>K:            hydraulic conductivity as a function o Psi</a:t>
+            </a:r>
+          </a:p>
+          <a:p>
+            <a:pPr algn="just"/>
+            <a:endParaRPr lang="it-IT" sz="2000" dirty="0"/>
           </a:p>
         </p:txBody>
       </p:sp>
     </p:spTree>
     <p:extLst>
       <p:ext uri="{BB962C8B-B14F-4D97-AF65-F5344CB8AC3E}">
-        <p14:creationId xmlns:p14="http://schemas.microsoft.com/office/powerpoint/2010/main" val="1222525164"/>
+        <p14:creationId xmlns:p14="http://schemas.microsoft.com/office/powerpoint/2010/main" val="2964650099"/>
       </p:ext>
     </p:extLst>
   </p:cSld>
@@ -14183,9 +14424,69 @@
           <a:chExt cx="0" cy="0"/>
         </a:xfrm>
       </p:grpSpPr>
-      <p:sp>
-        <p:nvSpPr>
-          <p:cNvPr id="154" name="Shape 154"/>
+      <p:pic>
+        <p:nvPicPr>
+          <p:cNvPr id="390" name="image.png"/>
+          <p:cNvPicPr>
+            <a:picLocks/>
+          </p:cNvPicPr>
+          <p:nvPr/>
+        </p:nvPicPr>
+        <p:blipFill>
+          <a:blip r:embed="rId2">
+            <a:extLst/>
+          </a:blip>
+          <a:stretch>
+            <a:fillRect/>
+          </a:stretch>
+        </p:blipFill>
+        <p:spPr>
+          <a:xfrm>
+            <a:off x="3036094" y="2091222"/>
+            <a:ext cx="3071813" cy="2955727"/>
+          </a:xfrm>
+          <a:prstGeom prst="rect">
+            <a:avLst/>
+          </a:prstGeom>
+          <a:ln w="12700">
+            <a:miter lim="400000"/>
+          </a:ln>
+        </p:spPr>
+      </p:pic>
+      <p:sp>
+        <p:nvSpPr>
+          <p:cNvPr id="391" name="Shape 391"/>
+          <p:cNvSpPr>
+            <a:spLocks noGrp="1"/>
+          </p:cNvSpPr>
+          <p:nvPr>
+            <p:ph type="sldNum" sz="quarter" idx="2"/>
+          </p:nvPr>
+        </p:nvSpPr>
+        <p:spPr>
+          <a:prstGeom prst="rect">
+            <a:avLst/>
+          </a:prstGeom>
+          <a:extLst>
+            <a:ext uri="{C572A759-6A51-4108-AA02-DFA0A04FC94B}">
+              <ma14:wrappingTextBoxFlag xmlns:ma14="http://schemas.microsoft.com/office/mac/drawingml/2011/main" xmlns="" val="1"/>
+            </a:ext>
+          </a:extLst>
+        </p:spPr>
+        <p:txBody>
+          <a:bodyPr/>
+          <a:lstStyle/>
+          <a:p>
+            <a:fld id="{86CB4B4D-7CA3-9044-876B-883B54F8677D}" type="slidenum">
+              <a:t>36</a:t>
+            </a:fld>
+            <a:endParaRPr/>
+          </a:p>
+        </p:txBody>
+      </p:sp>
+      <p:sp>
+        <p:nvSpPr>
+          <p:cNvPr id="392" name="Shape 392"/>
           <p:cNvSpPr/>
           <p:nvPr/>
         </p:nvSpPr>
@@ -14202,7 +14503,7 @@
           </a:ln>
           <a:extLst>
             <a:ext uri="{C572A759-6A51-4108-AA02-DFA0A04FC94B}">
-              <ma14:wrappingTextBoxFlag xmlns="" xmlns:ma14="http://schemas.microsoft.com/office/mac/drawingml/2011/main" val="1"/>
+              <ma14:wrappingTextBoxFlag xmlns:ma14="http://schemas.microsoft.com/office/mac/drawingml/2011/main" xmlns="" val="1"/>
             </a:ext>
           </a:extLst>
         </p:spPr>
@@ -14238,24 +14539,23 @@
             </a:lvl1pPr>
           </a:lstStyle>
           <a:p>
-            <a:pPr algn="just"/>
-            <a:r>
-              <a:rPr lang="en-US" dirty="0"/>
-              <a:t>Solving Richards’ equation with OMS console</a:t>
-            </a:r>
-          </a:p>
-        </p:txBody>
-      </p:sp>
-      <p:sp>
-        <p:nvSpPr>
-          <p:cNvPr id="14" name="Shape 154"/>
+            <a:r>
+              <a:rPr dirty="0"/>
+              <a:t>Thank you for your attention !</a:t>
+            </a:r>
+          </a:p>
+        </p:txBody>
+      </p:sp>
+      <p:sp>
+        <p:nvSpPr>
+          <p:cNvPr id="393" name="Shape 393"/>
           <p:cNvSpPr/>
           <p:nvPr/>
         </p:nvSpPr>
         <p:spPr>
-          <a:xfrm>
-            <a:off x="1049289" y="6508869"/>
-            <a:ext cx="2354957" cy="349131"/>
+          <a:xfrm rot="16199996">
+            <a:off x="1625204" y="3642598"/>
+            <a:ext cx="2473524" cy="223243"/>
           </a:xfrm>
           <a:prstGeom prst="rect">
             <a:avLst/>
@@ -14265,532 +14565,7 @@
           </a:ln>
           <a:extLst>
             <a:ext uri="{C572A759-6A51-4108-AA02-DFA0A04FC94B}">
-              <ma14:wrappingTextBoxFlag xmlns="" xmlns:ma14="http://schemas.microsoft.com/office/mac/drawingml/2011/main" val="1"/>
-            </a:ext>
-          </a:extLst>
-        </p:spPr>
-        <p:txBody>
-          <a:bodyPr wrap="square" lIns="35717" tIns="35717" rIns="35717" bIns="35717">
-            <a:spAutoFit/>
-          </a:bodyPr>
-          <a:lstStyle>
-            <a:lvl1pPr algn="l" defTabSz="647700">
-              <a:tabLst>
-                <a:tab pos="355600" algn="l"/>
-                <a:tab pos="711200" algn="l"/>
-                <a:tab pos="1079500" algn="l"/>
-                <a:tab pos="1435100" algn="l"/>
-                <a:tab pos="1790700" algn="l"/>
-                <a:tab pos="2159000" algn="l"/>
-                <a:tab pos="2514600" algn="l"/>
-                <a:tab pos="2870200" algn="l"/>
-                <a:tab pos="3238500" algn="l"/>
-                <a:tab pos="3594100" algn="l"/>
-                <a:tab pos="3949700" algn="l"/>
-                <a:tab pos="4318000" algn="l"/>
-              </a:tabLst>
-              <a:defRPr sz="1800">
-                <a:solidFill>
-                  <a:srgbClr val="F1FEF6"/>
-                </a:solidFill>
-                <a:latin typeface="Lucida Bright"/>
-                <a:ea typeface="Lucida Bright"/>
-                <a:cs typeface="Lucida Bright"/>
-                <a:sym typeface="Lucida Bright"/>
-              </a:defRPr>
-            </a:lvl1pPr>
-          </a:lstStyle>
-          <a:p>
-            <a:r>
-              <a:rPr lang="it-IT" dirty="0"/>
-              <a:t> &amp;  N. Tubini</a:t>
-            </a:r>
-            <a:endParaRPr dirty="0"/>
-          </a:p>
-        </p:txBody>
-      </p:sp>
-      <p:sp>
-        <p:nvSpPr>
-          <p:cNvPr id="2" name="CasellaDiTesto 1"/>
-          <p:cNvSpPr txBox="1"/>
-          <p:nvPr/>
-        </p:nvSpPr>
-        <p:spPr>
-          <a:xfrm>
-            <a:off x="1708712" y="524867"/>
-            <a:ext cx="5726575" cy="707886"/>
-          </a:xfrm>
-          <a:prstGeom prst="rect">
-            <a:avLst/>
-          </a:prstGeom>
-          <a:noFill/>
-        </p:spPr>
-        <p:txBody>
-          <a:bodyPr wrap="square" rtlCol="0">
-            <a:spAutoFit/>
-          </a:bodyPr>
-          <a:lstStyle/>
-          <a:p>
-            <a:pPr algn="ctr"/>
-            <a:r>
-              <a:rPr lang="it-IT" sz="2000" dirty="0"/>
-              <a:t>HYDRAULIC PARAMETRIZATION</a:t>
-            </a:r>
-          </a:p>
-          <a:p>
-            <a:pPr algn="ctr"/>
-            <a:endParaRPr lang="en-GB" sz="2000" dirty="0"/>
-          </a:p>
-        </p:txBody>
-      </p:sp>
-      <p:pic>
-        <p:nvPicPr>
-          <p:cNvPr id="4" name="Picture 3">
-            <a:extLst>
-              <a:ext uri="{FF2B5EF4-FFF2-40B4-BE49-F238E27FC236}">
-                <a16:creationId xmlns:a16="http://schemas.microsoft.com/office/drawing/2014/main" id="{DBB4D081-E821-44CA-A5FA-EAFE93DC2F92}"/>
-              </a:ext>
-            </a:extLst>
-          </p:cNvPr>
-          <p:cNvPicPr>
-            <a:picLocks noChangeAspect="1"/>
-          </p:cNvPicPr>
-          <p:nvPr/>
-        </p:nvPicPr>
-        <p:blipFill>
-          <a:blip r:embed="rId2"/>
-          <a:stretch>
-            <a:fillRect/>
-          </a:stretch>
-        </p:blipFill>
-        <p:spPr>
-          <a:xfrm>
-            <a:off x="124938" y="3143904"/>
-            <a:ext cx="8901367" cy="1656198"/>
-          </a:xfrm>
-          <a:prstGeom prst="rect">
-            <a:avLst/>
-          </a:prstGeom>
-        </p:spPr>
-      </p:pic>
-      <p:sp>
-        <p:nvSpPr>
-          <p:cNvPr id="31" name="CasellaDiTesto 10">
-            <a:extLst>
-              <a:ext uri="{FF2B5EF4-FFF2-40B4-BE49-F238E27FC236}">
-                <a16:creationId xmlns:a16="http://schemas.microsoft.com/office/drawing/2014/main" id="{2BC3C105-B91D-4CB7-9C15-8D98D809FFDB}"/>
-              </a:ext>
-            </a:extLst>
-          </p:cNvPr>
-          <p:cNvSpPr txBox="1"/>
-          <p:nvPr/>
-        </p:nvSpPr>
-        <p:spPr>
-          <a:xfrm>
-            <a:off x="1039987" y="1039910"/>
-            <a:ext cx="4038600" cy="400110"/>
-          </a:xfrm>
-          <a:prstGeom prst="rect">
-            <a:avLst/>
-          </a:prstGeom>
-          <a:noFill/>
-        </p:spPr>
-        <p:txBody>
-          <a:bodyPr wrap="square" rtlCol="0">
-            <a:spAutoFit/>
-          </a:bodyPr>
-          <a:lstStyle/>
-          <a:p>
-            <a:pPr algn="just"/>
-            <a:r>
-              <a:rPr lang="it-IT" sz="2000" dirty="0"/>
-              <a:t>SWRC MODEL</a:t>
-            </a:r>
-          </a:p>
-        </p:txBody>
-      </p:sp>
-      <p:sp>
-        <p:nvSpPr>
-          <p:cNvPr id="32" name="Rettangolo 11">
-            <a:extLst>
-              <a:ext uri="{FF2B5EF4-FFF2-40B4-BE49-F238E27FC236}">
-                <a16:creationId xmlns:a16="http://schemas.microsoft.com/office/drawing/2014/main" id="{EEC8D9E7-A97D-417F-B1E7-99B2280076E3}"/>
-              </a:ext>
-            </a:extLst>
-          </p:cNvPr>
-          <p:cNvSpPr/>
-          <p:nvPr/>
-        </p:nvSpPr>
-        <p:spPr>
-          <a:xfrm>
-            <a:off x="113741" y="2832496"/>
-            <a:ext cx="3537419" cy="569893"/>
-          </a:xfrm>
-          <a:prstGeom prst="rect">
-            <a:avLst/>
-          </a:prstGeom>
-          <a:noFill/>
-          <a:ln w="50800">
-            <a:solidFill>
-              <a:srgbClr val="00B050"/>
-            </a:solidFill>
-          </a:ln>
-        </p:spPr>
-        <p:style>
-          <a:lnRef idx="2">
-            <a:schemeClr val="accent1">
-              <a:shade val="50000"/>
-            </a:schemeClr>
-          </a:lnRef>
-          <a:fillRef idx="1">
-            <a:schemeClr val="accent1"/>
-          </a:fillRef>
-          <a:effectRef idx="0">
-            <a:schemeClr val="accent1"/>
-          </a:effectRef>
-          <a:fontRef idx="minor">
-            <a:schemeClr val="lt1"/>
-          </a:fontRef>
-        </p:style>
-        <p:txBody>
-          <a:bodyPr rtlCol="0" anchor="ctr"/>
-          <a:lstStyle/>
-          <a:p>
-            <a:pPr algn="ctr"/>
-            <a:endParaRPr lang="it-IT" dirty="0"/>
-          </a:p>
-        </p:txBody>
-      </p:sp>
-      <p:sp>
-        <p:nvSpPr>
-          <p:cNvPr id="33" name="Rettangolo 12">
-            <a:extLst>
-              <a:ext uri="{FF2B5EF4-FFF2-40B4-BE49-F238E27FC236}">
-                <a16:creationId xmlns:a16="http://schemas.microsoft.com/office/drawing/2014/main" id="{CA120679-4F81-49CE-8FC3-D027B16EB76D}"/>
-              </a:ext>
-            </a:extLst>
-          </p:cNvPr>
-          <p:cNvSpPr/>
-          <p:nvPr/>
-        </p:nvSpPr>
-        <p:spPr>
-          <a:xfrm>
-            <a:off x="887587" y="1039910"/>
-            <a:ext cx="4191000" cy="1219200"/>
-          </a:xfrm>
-          <a:prstGeom prst="rect">
-            <a:avLst/>
-          </a:prstGeom>
-          <a:noFill/>
-          <a:ln w="50800">
-            <a:solidFill>
-              <a:srgbClr val="00B050"/>
-            </a:solidFill>
-          </a:ln>
-        </p:spPr>
-        <p:style>
-          <a:lnRef idx="2">
-            <a:schemeClr val="accent1">
-              <a:shade val="50000"/>
-            </a:schemeClr>
-          </a:lnRef>
-          <a:fillRef idx="1">
-            <a:schemeClr val="accent1"/>
-          </a:fillRef>
-          <a:effectRef idx="0">
-            <a:schemeClr val="accent1"/>
-          </a:effectRef>
-          <a:fontRef idx="minor">
-            <a:schemeClr val="lt1"/>
-          </a:fontRef>
-        </p:style>
-        <p:txBody>
-          <a:bodyPr rtlCol="0" anchor="ctr"/>
-          <a:lstStyle/>
-          <a:p>
-            <a:pPr algn="ctr"/>
-            <a:endParaRPr lang="it-IT" dirty="0"/>
-          </a:p>
-        </p:txBody>
-      </p:sp>
-      <p:cxnSp>
-        <p:nvCxnSpPr>
-          <p:cNvPr id="34" name="Connettore 2 19">
-            <a:extLst>
-              <a:ext uri="{FF2B5EF4-FFF2-40B4-BE49-F238E27FC236}">
-                <a16:creationId xmlns:a16="http://schemas.microsoft.com/office/drawing/2014/main" id="{1F72B98C-50C6-416C-AE49-E36D1A465756}"/>
-              </a:ext>
-            </a:extLst>
-          </p:cNvPr>
-          <p:cNvCxnSpPr>
-            <a:cxnSpLocks/>
-          </p:cNvCxnSpPr>
-          <p:nvPr/>
-        </p:nvCxnSpPr>
-        <p:spPr>
-          <a:xfrm>
-            <a:off x="2259187" y="2390115"/>
-            <a:ext cx="0" cy="400894"/>
-          </a:xfrm>
-          <a:prstGeom prst="straightConnector1">
-            <a:avLst/>
-          </a:prstGeom>
-          <a:ln w="57150">
-            <a:solidFill>
-              <a:srgbClr val="00B050"/>
-            </a:solidFill>
-            <a:tailEnd type="arrow"/>
-          </a:ln>
-        </p:spPr>
-        <p:style>
-          <a:lnRef idx="1">
-            <a:schemeClr val="accent1"/>
-          </a:lnRef>
-          <a:fillRef idx="0">
-            <a:schemeClr val="accent1"/>
-          </a:fillRef>
-          <a:effectRef idx="0">
-            <a:schemeClr val="accent1"/>
-          </a:effectRef>
-          <a:fontRef idx="minor">
-            <a:schemeClr val="tx1"/>
-          </a:fontRef>
-        </p:style>
-      </p:cxnSp>
-      <p:sp>
-        <p:nvSpPr>
-          <p:cNvPr id="35" name="CasellaDiTesto 10">
-            <a:extLst>
-              <a:ext uri="{FF2B5EF4-FFF2-40B4-BE49-F238E27FC236}">
-                <a16:creationId xmlns:a16="http://schemas.microsoft.com/office/drawing/2014/main" id="{5288B630-46F3-4A14-9D24-5DAA34433F31}"/>
-              </a:ext>
-            </a:extLst>
-          </p:cNvPr>
-          <p:cNvSpPr txBox="1"/>
-          <p:nvPr/>
-        </p:nvSpPr>
-        <p:spPr>
-          <a:xfrm>
-            <a:off x="332307" y="5062813"/>
-            <a:ext cx="6783715" cy="1631216"/>
-          </a:xfrm>
-          <a:prstGeom prst="rect">
-            <a:avLst/>
-          </a:prstGeom>
-          <a:noFill/>
-        </p:spPr>
-        <p:txBody>
-          <a:bodyPr wrap="square" rtlCol="0">
-            <a:spAutoFit/>
-          </a:bodyPr>
-          <a:lstStyle/>
-          <a:p>
-            <a:pPr algn="just"/>
-            <a:r>
-              <a:rPr lang="it-IT" sz="2000" dirty="0"/>
-              <a:t>Se:          saturation degree as a function of Psi</a:t>
-            </a:r>
-          </a:p>
-          <a:p>
-            <a:pPr algn="just"/>
-            <a:r>
-              <a:rPr lang="it-IT" sz="2000" dirty="0"/>
-              <a:t>Theta:    water content as a function of Psi</a:t>
-            </a:r>
-          </a:p>
-          <a:p>
-            <a:pPr algn="just"/>
-            <a:r>
-              <a:rPr lang="it-IT" sz="2000" dirty="0"/>
-              <a:t>dTheta:  derivative of Theta with respect to Psi</a:t>
-            </a:r>
-          </a:p>
-          <a:p>
-            <a:pPr algn="just"/>
-            <a:r>
-              <a:rPr lang="it-IT" sz="2000" dirty="0"/>
-              <a:t>K:            hydraulic conductivity as a function o Psi</a:t>
-            </a:r>
-          </a:p>
-          <a:p>
-            <a:pPr algn="just"/>
-            <a:endParaRPr lang="it-IT" sz="2000" dirty="0"/>
-          </a:p>
-        </p:txBody>
-      </p:sp>
-    </p:spTree>
-    <p:extLst>
-      <p:ext uri="{BB962C8B-B14F-4D97-AF65-F5344CB8AC3E}">
-        <p14:creationId xmlns:p14="http://schemas.microsoft.com/office/powerpoint/2010/main" val="2964650099"/>
-      </p:ext>
-    </p:extLst>
-  </p:cSld>
-  <p:clrMapOvr>
-    <a:masterClrMapping/>
-  </p:clrMapOvr>
-  <p:transition spd="med"/>
-</p:sld>
-</file>
-
-<file path=ppt/slides/slide37.xml><?xml version="1.0" encoding="utf-8"?>
-<p:sld xmlns:a="http://schemas.openxmlformats.org/drawingml/2006/main" xmlns:r="http://schemas.openxmlformats.org/officeDocument/2006/relationships" xmlns:p="http://schemas.openxmlformats.org/presentationml/2006/main">
-  <p:cSld>
-    <p:spTree>
-      <p:nvGrpSpPr>
-        <p:cNvPr id="1" name=""/>
-        <p:cNvGrpSpPr/>
-        <p:nvPr/>
-      </p:nvGrpSpPr>
-      <p:grpSpPr>
-        <a:xfrm>
-          <a:off x="0" y="0"/>
-          <a:ext cx="0" cy="0"/>
-          <a:chOff x="0" y="0"/>
-          <a:chExt cx="0" cy="0"/>
-        </a:xfrm>
-      </p:grpSpPr>
-      <p:pic>
-        <p:nvPicPr>
-          <p:cNvPr id="390" name="image.png"/>
-          <p:cNvPicPr>
-            <a:picLocks/>
-          </p:cNvPicPr>
-          <p:nvPr/>
-        </p:nvPicPr>
-        <p:blipFill>
-          <a:blip r:embed="rId2">
-            <a:extLst/>
-          </a:blip>
-          <a:stretch>
-            <a:fillRect/>
-          </a:stretch>
-        </p:blipFill>
-        <p:spPr>
-          <a:xfrm>
-            <a:off x="3036094" y="2091222"/>
-            <a:ext cx="3071813" cy="2955727"/>
-          </a:xfrm>
-          <a:prstGeom prst="rect">
-            <a:avLst/>
-          </a:prstGeom>
-          <a:ln w="12700">
-            <a:miter lim="400000"/>
-          </a:ln>
-        </p:spPr>
-      </p:pic>
-      <p:sp>
-        <p:nvSpPr>
-          <p:cNvPr id="391" name="Shape 391"/>
-          <p:cNvSpPr>
-            <a:spLocks noGrp="1"/>
-          </p:cNvSpPr>
-          <p:nvPr>
-            <p:ph type="sldNum" sz="quarter" idx="2"/>
-          </p:nvPr>
-        </p:nvSpPr>
-        <p:spPr>
-          <a:prstGeom prst="rect">
-            <a:avLst/>
-          </a:prstGeom>
-          <a:extLst>
-            <a:ext uri="{C572A759-6A51-4108-AA02-DFA0A04FC94B}">
-              <ma14:wrappingTextBoxFlag xmlns="" xmlns:ma14="http://schemas.microsoft.com/office/mac/drawingml/2011/main" val="1"/>
-            </a:ext>
-          </a:extLst>
-        </p:spPr>
-        <p:txBody>
-          <a:bodyPr/>
-          <a:lstStyle/>
-          <a:p>
-            <a:fld id="{86CB4B4D-7CA3-9044-876B-883B54F8677D}" type="slidenum">
-              <a:t>37</a:t>
-            </a:fld>
-            <a:endParaRPr/>
-          </a:p>
-        </p:txBody>
-      </p:sp>
-      <p:sp>
-        <p:nvSpPr>
-          <p:cNvPr id="392" name="Shape 392"/>
-          <p:cNvSpPr/>
-          <p:nvPr/>
-        </p:nvSpPr>
-        <p:spPr>
-          <a:xfrm>
-            <a:off x="0" y="-8930"/>
-            <a:ext cx="7563445" cy="349131"/>
-          </a:xfrm>
-          <a:prstGeom prst="rect">
-            <a:avLst/>
-          </a:prstGeom>
-          <a:ln w="12700">
-            <a:miter lim="400000"/>
-          </a:ln>
-          <a:extLst>
-            <a:ext uri="{C572A759-6A51-4108-AA02-DFA0A04FC94B}">
-              <ma14:wrappingTextBoxFlag xmlns="" xmlns:ma14="http://schemas.microsoft.com/office/mac/drawingml/2011/main" val="1"/>
-            </a:ext>
-          </a:extLst>
-        </p:spPr>
-        <p:txBody>
-          <a:bodyPr lIns="35717" tIns="35717" rIns="35717" bIns="35717">
-            <a:spAutoFit/>
-          </a:bodyPr>
-          <a:lstStyle>
-            <a:lvl1pPr algn="l" defTabSz="647700">
-              <a:tabLst>
-                <a:tab pos="355600" algn="l"/>
-                <a:tab pos="711200" algn="l"/>
-                <a:tab pos="1079500" algn="l"/>
-                <a:tab pos="1435100" algn="l"/>
-                <a:tab pos="1790700" algn="l"/>
-                <a:tab pos="2159000" algn="l"/>
-                <a:tab pos="2514600" algn="l"/>
-                <a:tab pos="2870200" algn="l"/>
-                <a:tab pos="3238500" algn="l"/>
-                <a:tab pos="3594100" algn="l"/>
-                <a:tab pos="3949700" algn="l"/>
-                <a:tab pos="4318000" algn="l"/>
-              </a:tabLst>
-              <a:defRPr sz="1800">
-                <a:solidFill>
-                  <a:srgbClr val="F1FEF6"/>
-                </a:solidFill>
-                <a:latin typeface="Lucida Bright"/>
-                <a:ea typeface="Lucida Bright"/>
-                <a:cs typeface="Lucida Bright"/>
-                <a:sym typeface="Lucida Bright"/>
-              </a:defRPr>
-            </a:lvl1pPr>
-          </a:lstStyle>
-          <a:p>
-            <a:r>
-              <a:rPr dirty="0"/>
-              <a:t>Thank you for your attention !</a:t>
-            </a:r>
-          </a:p>
-        </p:txBody>
-      </p:sp>
-      <p:sp>
-        <p:nvSpPr>
-          <p:cNvPr id="393" name="Shape 393"/>
-          <p:cNvSpPr/>
-          <p:nvPr/>
-        </p:nvSpPr>
-        <p:spPr>
-          <a:xfrm rot="16199996">
-            <a:off x="1625204" y="3642598"/>
-            <a:ext cx="2473524" cy="223243"/>
-          </a:xfrm>
-          <a:prstGeom prst="rect">
-            <a:avLst/>
-          </a:prstGeom>
-          <a:ln w="12700">
-            <a:miter lim="400000"/>
-          </a:ln>
-          <a:extLst>
-            <a:ext uri="{C572A759-6A51-4108-AA02-DFA0A04FC94B}">
-              <ma14:wrappingTextBoxFlag xmlns="" xmlns:ma14="http://schemas.microsoft.com/office/mac/drawingml/2011/main" val="1"/>
+              <ma14:wrappingTextBoxFlag xmlns:ma14="http://schemas.microsoft.com/office/mac/drawingml/2011/main" xmlns="" val="1"/>
             </a:ext>
           </a:extLst>
         </p:spPr>
@@ -14849,7 +14624,7 @@
           </a:ln>
           <a:extLst>
             <a:ext uri="{C572A759-6A51-4108-AA02-DFA0A04FC94B}">
-              <ma14:wrappingTextBoxFlag xmlns="" xmlns:ma14="http://schemas.microsoft.com/office/mac/drawingml/2011/main" val="1"/>
+              <ma14:wrappingTextBoxFlag xmlns:ma14="http://schemas.microsoft.com/office/mac/drawingml/2011/main" xmlns="" val="1"/>
             </a:ext>
           </a:extLst>
         </p:spPr>
@@ -14943,7 +14718,7 @@
           </a:ln>
           <a:extLst>
             <a:ext uri="{C572A759-6A51-4108-AA02-DFA0A04FC94B}">
-              <ma14:wrappingTextBoxFlag xmlns="" xmlns:ma14="http://schemas.microsoft.com/office/mac/drawingml/2011/main" val="1"/>
+              <ma14:wrappingTextBoxFlag xmlns:ma14="http://schemas.microsoft.com/office/mac/drawingml/2011/main" xmlns="" val="1"/>
             </a:ext>
           </a:extLst>
         </p:spPr>
@@ -15006,7 +14781,7 @@
           </a:ln>
           <a:extLst>
             <a:ext uri="{C572A759-6A51-4108-AA02-DFA0A04FC94B}">
-              <ma14:wrappingTextBoxFlag xmlns="" xmlns:ma14="http://schemas.microsoft.com/office/mac/drawingml/2011/main" val="1"/>
+              <ma14:wrappingTextBoxFlag xmlns:ma14="http://schemas.microsoft.com/office/mac/drawingml/2011/main" xmlns="" val="1"/>
             </a:ext>
           </a:extLst>
         </p:spPr>
@@ -15179,7 +14954,7 @@
           </a:ln>
           <a:extLst>
             <a:ext uri="{C572A759-6A51-4108-AA02-DFA0A04FC94B}">
-              <ma14:wrappingTextBoxFlag xmlns="" xmlns:ma14="http://schemas.microsoft.com/office/mac/drawingml/2011/main" val="1"/>
+              <ma14:wrappingTextBoxFlag xmlns:ma14="http://schemas.microsoft.com/office/mac/drawingml/2011/main" xmlns="" val="1"/>
             </a:ext>
           </a:extLst>
         </p:spPr>
@@ -15242,7 +15017,7 @@
           </a:ln>
           <a:extLst>
             <a:ext uri="{C572A759-6A51-4108-AA02-DFA0A04FC94B}">
-              <ma14:wrappingTextBoxFlag xmlns="" xmlns:ma14="http://schemas.microsoft.com/office/mac/drawingml/2011/main" val="1"/>
+              <ma14:wrappingTextBoxFlag xmlns:ma14="http://schemas.microsoft.com/office/mac/drawingml/2011/main" xmlns="" val="1"/>
             </a:ext>
           </a:extLst>
         </p:spPr>
@@ -15407,7 +15182,7 @@
           </a:ln>
           <a:extLst>
             <a:ext uri="{C572A759-6A51-4108-AA02-DFA0A04FC94B}">
-              <ma14:wrappingTextBoxFlag xmlns="" xmlns:ma14="http://schemas.microsoft.com/office/mac/drawingml/2011/main" val="1"/>
+              <ma14:wrappingTextBoxFlag xmlns:ma14="http://schemas.microsoft.com/office/mac/drawingml/2011/main" xmlns="" val="1"/>
             </a:ext>
           </a:extLst>
         </p:spPr>
@@ -15470,7 +15245,7 @@
           </a:ln>
           <a:extLst>
             <a:ext uri="{C572A759-6A51-4108-AA02-DFA0A04FC94B}">
-              <ma14:wrappingTextBoxFlag xmlns="" xmlns:ma14="http://schemas.microsoft.com/office/mac/drawingml/2011/main" val="1"/>
+              <ma14:wrappingTextBoxFlag xmlns:ma14="http://schemas.microsoft.com/office/mac/drawingml/2011/main" xmlns="" val="1"/>
             </a:ext>
           </a:extLst>
         </p:spPr>
@@ -15635,7 +15410,7 @@
           </a:ln>
           <a:extLst>
             <a:ext uri="{C572A759-6A51-4108-AA02-DFA0A04FC94B}">
-              <ma14:wrappingTextBoxFlag xmlns="" xmlns:ma14="http://schemas.microsoft.com/office/mac/drawingml/2011/main" val="1"/>
+              <ma14:wrappingTextBoxFlag xmlns:ma14="http://schemas.microsoft.com/office/mac/drawingml/2011/main" xmlns="" val="1"/>
             </a:ext>
           </a:extLst>
         </p:spPr>
@@ -15698,7 +15473,7 @@
           </a:ln>
           <a:extLst>
             <a:ext uri="{C572A759-6A51-4108-AA02-DFA0A04FC94B}">
-              <ma14:wrappingTextBoxFlag xmlns="" xmlns:ma14="http://schemas.microsoft.com/office/mac/drawingml/2011/main" val="1"/>
+              <ma14:wrappingTextBoxFlag xmlns:ma14="http://schemas.microsoft.com/office/mac/drawingml/2011/main" xmlns="" val="1"/>
             </a:ext>
           </a:extLst>
         </p:spPr>
@@ -15978,7 +15753,7 @@
           </a:ln>
           <a:extLst>
             <a:ext uri="{C572A759-6A51-4108-AA02-DFA0A04FC94B}">
-              <ma14:wrappingTextBoxFlag xmlns="" xmlns:ma14="http://schemas.microsoft.com/office/mac/drawingml/2011/main" val="1"/>
+              <ma14:wrappingTextBoxFlag xmlns:ma14="http://schemas.microsoft.com/office/mac/drawingml/2011/main" xmlns="" val="1"/>
             </a:ext>
           </a:extLst>
         </p:spPr>
@@ -16041,7 +15816,7 @@
           </a:ln>
           <a:extLst>
             <a:ext uri="{C572A759-6A51-4108-AA02-DFA0A04FC94B}">
-              <ma14:wrappingTextBoxFlag xmlns="" xmlns:ma14="http://schemas.microsoft.com/office/mac/drawingml/2011/main" val="1"/>
+              <ma14:wrappingTextBoxFlag xmlns:ma14="http://schemas.microsoft.com/office/mac/drawingml/2011/main" xmlns="" val="1"/>
             </a:ext>
           </a:extLst>
         </p:spPr>
@@ -16303,7 +16078,7 @@
           </a:ln>
           <a:extLst>
             <a:ext uri="{C572A759-6A51-4108-AA02-DFA0A04FC94B}">
-              <ma14:wrappingTextBoxFlag xmlns="" xmlns:ma14="http://schemas.microsoft.com/office/mac/drawingml/2011/main" val="1"/>
+              <ma14:wrappingTextBoxFlag xmlns:ma14="http://schemas.microsoft.com/office/mac/drawingml/2011/main" xmlns="" val="1"/>
             </a:ext>
           </a:extLst>
         </p:spPr>
@@ -16366,7 +16141,7 @@
           </a:ln>
           <a:extLst>
             <a:ext uri="{C572A759-6A51-4108-AA02-DFA0A04FC94B}">
-              <ma14:wrappingTextBoxFlag xmlns="" xmlns:ma14="http://schemas.microsoft.com/office/mac/drawingml/2011/main" val="1"/>
+              <ma14:wrappingTextBoxFlag xmlns:ma14="http://schemas.microsoft.com/office/mac/drawingml/2011/main" xmlns="" val="1"/>
             </a:ext>
           </a:extLst>
         </p:spPr>

--- a/Materials/Richards_English.pptx
+++ b/Materials/Richards_English.pptx
@@ -5,7 +5,7 @@
     <p:sldMasterId id="2147483648" r:id="rId1"/>
   </p:sldMasterIdLst>
   <p:notesMasterIdLst>
-    <p:notesMasterId r:id="rId44"/>
+    <p:notesMasterId r:id="rId45"/>
   </p:notesMasterIdLst>
   <p:sldIdLst>
     <p:sldId id="285" r:id="rId2"/>
@@ -49,7 +49,8 @@
     <p:sldId id="390" r:id="rId40"/>
     <p:sldId id="389" r:id="rId41"/>
     <p:sldId id="391" r:id="rId42"/>
-    <p:sldId id="273" r:id="rId43"/>
+    <p:sldId id="395" r:id="rId43"/>
+    <p:sldId id="273" r:id="rId44"/>
   </p:sldIdLst>
   <p:sldSz cx="9144000" cy="6858000" type="screen4x3"/>
   <p:notesSz cx="6858000" cy="9144000"/>
@@ -249,7 +250,7 @@
           <a:p>
             <a:fld id="{4D0C6883-54F1-064A-A731-D2789FFABA37}" type="datetimeFigureOut">
               <a:rPr lang="it-IT" smtClean="0"/>
-              <a:t>22/05/2018</a:t>
+              <a:t>23/05/2018</a:t>
             </a:fld>
             <a:endParaRPr lang="en-GB"/>
           </a:p>
@@ -1874,7 +1875,7 @@
           <a:p>
             <a:fld id="{D3F618D5-3DB9-B146-87ED-A3BCB7C64B91}" type="datetimeFigureOut">
               <a:rPr lang="it-IT" smtClean="0"/>
-              <a:t>22/05/2018</a:t>
+              <a:t>23/05/2018</a:t>
             </a:fld>
             <a:endParaRPr lang="en-GB"/>
           </a:p>
@@ -2044,7 +2045,7 @@
           <a:p>
             <a:fld id="{D3F618D5-3DB9-B146-87ED-A3BCB7C64B91}" type="datetimeFigureOut">
               <a:rPr lang="it-IT" smtClean="0"/>
-              <a:t>22/05/2018</a:t>
+              <a:t>23/05/2018</a:t>
             </a:fld>
             <a:endParaRPr lang="en-GB"/>
           </a:p>
@@ -2224,7 +2225,7 @@
           <a:p>
             <a:fld id="{D3F618D5-3DB9-B146-87ED-A3BCB7C64B91}" type="datetimeFigureOut">
               <a:rPr lang="it-IT" smtClean="0"/>
-              <a:t>22/05/2018</a:t>
+              <a:t>23/05/2018</a:t>
             </a:fld>
             <a:endParaRPr lang="en-GB"/>
           </a:p>
@@ -2430,7 +2431,7 @@
           </a:ln>
           <a:extLst>
             <a:ext uri="{C572A759-6A51-4108-AA02-DFA0A04FC94B}">
-              <ma14:wrappingTextBoxFlag xmlns="" xmlns:ma14="http://schemas.microsoft.com/office/mac/drawingml/2011/main" val="1"/>
+              <ma14:wrappingTextBoxFlag xmlns:ma14="http://schemas.microsoft.com/office/mac/drawingml/2011/main" xmlns="" val="1"/>
             </a:ext>
           </a:extLst>
         </p:spPr>
@@ -2647,7 +2648,7 @@
           <a:p>
             <a:fld id="{D3F618D5-3DB9-B146-87ED-A3BCB7C64B91}" type="datetimeFigureOut">
               <a:rPr lang="it-IT" smtClean="0"/>
-              <a:t>22/05/2018</a:t>
+              <a:t>23/05/2018</a:t>
             </a:fld>
             <a:endParaRPr lang="en-GB"/>
           </a:p>
@@ -2893,7 +2894,7 @@
           <a:p>
             <a:fld id="{D3F618D5-3DB9-B146-87ED-A3BCB7C64B91}" type="datetimeFigureOut">
               <a:rPr lang="it-IT" smtClean="0"/>
-              <a:t>22/05/2018</a:t>
+              <a:t>23/05/2018</a:t>
             </a:fld>
             <a:endParaRPr lang="en-GB"/>
           </a:p>
@@ -3181,7 +3182,7 @@
           <a:p>
             <a:fld id="{D3F618D5-3DB9-B146-87ED-A3BCB7C64B91}" type="datetimeFigureOut">
               <a:rPr lang="it-IT" smtClean="0"/>
-              <a:t>22/05/2018</a:t>
+              <a:t>23/05/2018</a:t>
             </a:fld>
             <a:endParaRPr lang="en-GB"/>
           </a:p>
@@ -3603,7 +3604,7 @@
           <a:p>
             <a:fld id="{D3F618D5-3DB9-B146-87ED-A3BCB7C64B91}" type="datetimeFigureOut">
               <a:rPr lang="it-IT" smtClean="0"/>
-              <a:t>22/05/2018</a:t>
+              <a:t>23/05/2018</a:t>
             </a:fld>
             <a:endParaRPr lang="en-GB"/>
           </a:p>
@@ -3721,7 +3722,7 @@
           <a:p>
             <a:fld id="{D3F618D5-3DB9-B146-87ED-A3BCB7C64B91}" type="datetimeFigureOut">
               <a:rPr lang="it-IT" smtClean="0"/>
-              <a:t>22/05/2018</a:t>
+              <a:t>23/05/2018</a:t>
             </a:fld>
             <a:endParaRPr lang="en-GB"/>
           </a:p>
@@ -3816,7 +3817,7 @@
           <a:p>
             <a:fld id="{D3F618D5-3DB9-B146-87ED-A3BCB7C64B91}" type="datetimeFigureOut">
               <a:rPr lang="it-IT" smtClean="0"/>
-              <a:t>22/05/2018</a:t>
+              <a:t>23/05/2018</a:t>
             </a:fld>
             <a:endParaRPr lang="en-GB"/>
           </a:p>
@@ -4093,7 +4094,7 @@
           <a:p>
             <a:fld id="{D3F618D5-3DB9-B146-87ED-A3BCB7C64B91}" type="datetimeFigureOut">
               <a:rPr lang="it-IT" smtClean="0"/>
-              <a:t>22/05/2018</a:t>
+              <a:t>23/05/2018</a:t>
             </a:fld>
             <a:endParaRPr lang="en-GB"/>
           </a:p>
@@ -4346,7 +4347,7 @@
           <a:p>
             <a:fld id="{D3F618D5-3DB9-B146-87ED-A3BCB7C64B91}" type="datetimeFigureOut">
               <a:rPr lang="it-IT" smtClean="0"/>
-              <a:t>22/05/2018</a:t>
+              <a:t>23/05/2018</a:t>
             </a:fld>
             <a:endParaRPr lang="en-GB"/>
           </a:p>
@@ -4559,7 +4560,7 @@
           <a:p>
             <a:fld id="{D3F618D5-3DB9-B146-87ED-A3BCB7C64B91}" type="datetimeFigureOut">
               <a:rPr lang="it-IT" smtClean="0"/>
-              <a:t>22/05/2018</a:t>
+              <a:t>23/05/2018</a:t>
             </a:fld>
             <a:endParaRPr lang="en-GB"/>
           </a:p>
@@ -4954,7 +4955,7 @@
           </a:ln>
           <a:extLst>
             <a:ext uri="{C572A759-6A51-4108-AA02-DFA0A04FC94B}">
-              <ma14:wrappingTextBoxFlag xmlns="" xmlns:ma14="http://schemas.microsoft.com/office/mac/drawingml/2011/main" val="1"/>
+              <ma14:wrappingTextBoxFlag xmlns:ma14="http://schemas.microsoft.com/office/mac/drawingml/2011/main" xmlns="" val="1"/>
             </a:ext>
           </a:extLst>
         </p:spPr>
@@ -5054,7 +5055,7 @@
           </a:ln>
           <a:extLst>
             <a:ext uri="{C572A759-6A51-4108-AA02-DFA0A04FC94B}">
-              <ma14:wrappingTextBoxFlag xmlns="" xmlns:ma14="http://schemas.microsoft.com/office/mac/drawingml/2011/main" val="1"/>
+              <ma14:wrappingTextBoxFlag xmlns:ma14="http://schemas.microsoft.com/office/mac/drawingml/2011/main" xmlns="" val="1"/>
             </a:ext>
           </a:extLst>
         </p:spPr>
@@ -5220,7 +5221,7 @@
           </a:ln>
           <a:extLst>
             <a:ext uri="{C572A759-6A51-4108-AA02-DFA0A04FC94B}">
-              <ma14:wrappingTextBoxFlag xmlns="" xmlns:ma14="http://schemas.microsoft.com/office/mac/drawingml/2011/main" val="1"/>
+              <ma14:wrappingTextBoxFlag xmlns:ma14="http://schemas.microsoft.com/office/mac/drawingml/2011/main" xmlns="" val="1"/>
             </a:ext>
           </a:extLst>
         </p:spPr>
@@ -5284,7 +5285,7 @@
           </a:ln>
           <a:extLst>
             <a:ext uri="{C572A759-6A51-4108-AA02-DFA0A04FC94B}">
-              <ma14:wrappingTextBoxFlag xmlns="" xmlns:ma14="http://schemas.microsoft.com/office/mac/drawingml/2011/main" val="1"/>
+              <ma14:wrappingTextBoxFlag xmlns:ma14="http://schemas.microsoft.com/office/mac/drawingml/2011/main" xmlns="" val="1"/>
             </a:ext>
           </a:extLst>
         </p:spPr>
@@ -5462,7 +5463,7 @@
           </a:ln>
           <a:extLst>
             <a:ext uri="{C572A759-6A51-4108-AA02-DFA0A04FC94B}">
-              <ma14:wrappingTextBoxFlag xmlns="" xmlns:ma14="http://schemas.microsoft.com/office/mac/drawingml/2011/main" val="1"/>
+              <ma14:wrappingTextBoxFlag xmlns:ma14="http://schemas.microsoft.com/office/mac/drawingml/2011/main" xmlns="" val="1"/>
             </a:ext>
           </a:extLst>
         </p:spPr>
@@ -5526,7 +5527,7 @@
           </a:ln>
           <a:extLst>
             <a:ext uri="{C572A759-6A51-4108-AA02-DFA0A04FC94B}">
-              <ma14:wrappingTextBoxFlag xmlns="" xmlns:ma14="http://schemas.microsoft.com/office/mac/drawingml/2011/main" val="1"/>
+              <ma14:wrappingTextBoxFlag xmlns:ma14="http://schemas.microsoft.com/office/mac/drawingml/2011/main" xmlns="" val="1"/>
             </a:ext>
           </a:extLst>
         </p:spPr>
@@ -5686,7 +5687,7 @@
           </a:ln>
           <a:extLst>
             <a:ext uri="{C572A759-6A51-4108-AA02-DFA0A04FC94B}">
-              <ma14:wrappingTextBoxFlag xmlns="" xmlns:ma14="http://schemas.microsoft.com/office/mac/drawingml/2011/main" val="1"/>
+              <ma14:wrappingTextBoxFlag xmlns:ma14="http://schemas.microsoft.com/office/mac/drawingml/2011/main" xmlns="" val="1"/>
             </a:ext>
           </a:extLst>
         </p:spPr>
@@ -5750,7 +5751,7 @@
           </a:ln>
           <a:extLst>
             <a:ext uri="{C572A759-6A51-4108-AA02-DFA0A04FC94B}">
-              <ma14:wrappingTextBoxFlag xmlns="" xmlns:ma14="http://schemas.microsoft.com/office/mac/drawingml/2011/main" val="1"/>
+              <ma14:wrappingTextBoxFlag xmlns:ma14="http://schemas.microsoft.com/office/mac/drawingml/2011/main" xmlns="" val="1"/>
             </a:ext>
           </a:extLst>
         </p:spPr>
@@ -6590,7 +6591,7 @@
           </a:ln>
           <a:extLst>
             <a:ext uri="{C572A759-6A51-4108-AA02-DFA0A04FC94B}">
-              <ma14:wrappingTextBoxFlag xmlns="" xmlns:ma14="http://schemas.microsoft.com/office/mac/drawingml/2011/main" val="1"/>
+              <ma14:wrappingTextBoxFlag xmlns:ma14="http://schemas.microsoft.com/office/mac/drawingml/2011/main" xmlns="" val="1"/>
             </a:ext>
           </a:extLst>
         </p:spPr>
@@ -6654,7 +6655,7 @@
           </a:ln>
           <a:extLst>
             <a:ext uri="{C572A759-6A51-4108-AA02-DFA0A04FC94B}">
-              <ma14:wrappingTextBoxFlag xmlns="" xmlns:ma14="http://schemas.microsoft.com/office/mac/drawingml/2011/main" val="1"/>
+              <ma14:wrappingTextBoxFlag xmlns:ma14="http://schemas.microsoft.com/office/mac/drawingml/2011/main" xmlns="" val="1"/>
             </a:ext>
           </a:extLst>
         </p:spPr>
@@ -6928,7 +6929,7 @@
           </a:ln>
           <a:extLst>
             <a:ext uri="{C572A759-6A51-4108-AA02-DFA0A04FC94B}">
-              <ma14:wrappingTextBoxFlag xmlns="" xmlns:ma14="http://schemas.microsoft.com/office/mac/drawingml/2011/main" val="1"/>
+              <ma14:wrappingTextBoxFlag xmlns:ma14="http://schemas.microsoft.com/office/mac/drawingml/2011/main" xmlns="" val="1"/>
             </a:ext>
           </a:extLst>
         </p:spPr>
@@ -6992,7 +6993,7 @@
           </a:ln>
           <a:extLst>
             <a:ext uri="{C572A759-6A51-4108-AA02-DFA0A04FC94B}">
-              <ma14:wrappingTextBoxFlag xmlns="" xmlns:ma14="http://schemas.microsoft.com/office/mac/drawingml/2011/main" val="1"/>
+              <ma14:wrappingTextBoxFlag xmlns:ma14="http://schemas.microsoft.com/office/mac/drawingml/2011/main" xmlns="" val="1"/>
             </a:ext>
           </a:extLst>
         </p:spPr>
@@ -7420,7 +7421,7 @@
           </a:ln>
           <a:extLst>
             <a:ext uri="{C572A759-6A51-4108-AA02-DFA0A04FC94B}">
-              <ma14:wrappingTextBoxFlag xmlns="" xmlns:ma14="http://schemas.microsoft.com/office/mac/drawingml/2011/main" val="1"/>
+              <ma14:wrappingTextBoxFlag xmlns:ma14="http://schemas.microsoft.com/office/mac/drawingml/2011/main" xmlns="" val="1"/>
             </a:ext>
           </a:extLst>
         </p:spPr>
@@ -7484,7 +7485,7 @@
           </a:ln>
           <a:extLst>
             <a:ext uri="{C572A759-6A51-4108-AA02-DFA0A04FC94B}">
-              <ma14:wrappingTextBoxFlag xmlns="" xmlns:ma14="http://schemas.microsoft.com/office/mac/drawingml/2011/main" val="1"/>
+              <ma14:wrappingTextBoxFlag xmlns:ma14="http://schemas.microsoft.com/office/mac/drawingml/2011/main" xmlns="" val="1"/>
             </a:ext>
           </a:extLst>
         </p:spPr>
@@ -7982,7 +7983,7 @@
           </a:ln>
           <a:extLst>
             <a:ext uri="{C572A759-6A51-4108-AA02-DFA0A04FC94B}">
-              <ma14:wrappingTextBoxFlag xmlns="" xmlns:ma14="http://schemas.microsoft.com/office/mac/drawingml/2011/main" val="1"/>
+              <ma14:wrappingTextBoxFlag xmlns:ma14="http://schemas.microsoft.com/office/mac/drawingml/2011/main" xmlns="" val="1"/>
             </a:ext>
           </a:extLst>
         </p:spPr>
@@ -8046,7 +8047,7 @@
           </a:ln>
           <a:extLst>
             <a:ext uri="{C572A759-6A51-4108-AA02-DFA0A04FC94B}">
-              <ma14:wrappingTextBoxFlag xmlns="" xmlns:ma14="http://schemas.microsoft.com/office/mac/drawingml/2011/main" val="1"/>
+              <ma14:wrappingTextBoxFlag xmlns:ma14="http://schemas.microsoft.com/office/mac/drawingml/2011/main" xmlns="" val="1"/>
             </a:ext>
           </a:extLst>
         </p:spPr>
@@ -8395,7 +8396,7 @@
           </a:ln>
           <a:extLst>
             <a:ext uri="{C572A759-6A51-4108-AA02-DFA0A04FC94B}">
-              <ma14:wrappingTextBoxFlag xmlns="" xmlns:ma14="http://schemas.microsoft.com/office/mac/drawingml/2011/main" val="1"/>
+              <ma14:wrappingTextBoxFlag xmlns:ma14="http://schemas.microsoft.com/office/mac/drawingml/2011/main" xmlns="" val="1"/>
             </a:ext>
           </a:extLst>
         </p:spPr>
@@ -8459,7 +8460,7 @@
           </a:ln>
           <a:extLst>
             <a:ext uri="{C572A759-6A51-4108-AA02-DFA0A04FC94B}">
-              <ma14:wrappingTextBoxFlag xmlns="" xmlns:ma14="http://schemas.microsoft.com/office/mac/drawingml/2011/main" val="1"/>
+              <ma14:wrappingTextBoxFlag xmlns:ma14="http://schemas.microsoft.com/office/mac/drawingml/2011/main" xmlns="" val="1"/>
             </a:ext>
           </a:extLst>
         </p:spPr>
@@ -8899,7 +8900,7 @@
           </a:ln>
           <a:extLst>
             <a:ext uri="{C572A759-6A51-4108-AA02-DFA0A04FC94B}">
-              <ma14:wrappingTextBoxFlag xmlns="" xmlns:ma14="http://schemas.microsoft.com/office/mac/drawingml/2011/main" val="1"/>
+              <ma14:wrappingTextBoxFlag xmlns:ma14="http://schemas.microsoft.com/office/mac/drawingml/2011/main" xmlns="" val="1"/>
             </a:ext>
           </a:extLst>
         </p:spPr>
@@ -8963,7 +8964,7 @@
           </a:ln>
           <a:extLst>
             <a:ext uri="{C572A759-6A51-4108-AA02-DFA0A04FC94B}">
-              <ma14:wrappingTextBoxFlag xmlns="" xmlns:ma14="http://schemas.microsoft.com/office/mac/drawingml/2011/main" val="1"/>
+              <ma14:wrappingTextBoxFlag xmlns:ma14="http://schemas.microsoft.com/office/mac/drawingml/2011/main" xmlns="" val="1"/>
             </a:ext>
           </a:extLst>
         </p:spPr>
@@ -9335,7 +9336,7 @@
           </a:ln>
           <a:extLst>
             <a:ext uri="{C572A759-6A51-4108-AA02-DFA0A04FC94B}">
-              <ma14:wrappingTextBoxFlag xmlns="" xmlns:ma14="http://schemas.microsoft.com/office/mac/drawingml/2011/main" val="1"/>
+              <ma14:wrappingTextBoxFlag xmlns:ma14="http://schemas.microsoft.com/office/mac/drawingml/2011/main" xmlns="" val="1"/>
             </a:ext>
           </a:extLst>
         </p:spPr>
@@ -9399,7 +9400,7 @@
           </a:ln>
           <a:extLst>
             <a:ext uri="{C572A759-6A51-4108-AA02-DFA0A04FC94B}">
-              <ma14:wrappingTextBoxFlag xmlns="" xmlns:ma14="http://schemas.microsoft.com/office/mac/drawingml/2011/main" val="1"/>
+              <ma14:wrappingTextBoxFlag xmlns:ma14="http://schemas.microsoft.com/office/mac/drawingml/2011/main" xmlns="" val="1"/>
             </a:ext>
           </a:extLst>
         </p:spPr>
@@ -9926,7 +9927,7 @@
           </a:ln>
           <a:extLst>
             <a:ext uri="{C572A759-6A51-4108-AA02-DFA0A04FC94B}">
-              <ma14:wrappingTextBoxFlag xmlns="" xmlns:ma14="http://schemas.microsoft.com/office/mac/drawingml/2011/main" val="1"/>
+              <ma14:wrappingTextBoxFlag xmlns:ma14="http://schemas.microsoft.com/office/mac/drawingml/2011/main" xmlns="" val="1"/>
             </a:ext>
           </a:extLst>
         </p:spPr>
@@ -9989,7 +9990,7 @@
           </a:ln>
           <a:extLst>
             <a:ext uri="{C572A759-6A51-4108-AA02-DFA0A04FC94B}">
-              <ma14:wrappingTextBoxFlag xmlns="" xmlns:ma14="http://schemas.microsoft.com/office/mac/drawingml/2011/main" val="1"/>
+              <ma14:wrappingTextBoxFlag xmlns:ma14="http://schemas.microsoft.com/office/mac/drawingml/2011/main" xmlns="" val="1"/>
             </a:ext>
           </a:extLst>
         </p:spPr>
@@ -10384,7 +10385,7 @@
           </a:ln>
           <a:extLst>
             <a:ext uri="{C572A759-6A51-4108-AA02-DFA0A04FC94B}">
-              <ma14:wrappingTextBoxFlag xmlns="" xmlns:ma14="http://schemas.microsoft.com/office/mac/drawingml/2011/main" val="1"/>
+              <ma14:wrappingTextBoxFlag xmlns:ma14="http://schemas.microsoft.com/office/mac/drawingml/2011/main" xmlns="" val="1"/>
             </a:ext>
           </a:extLst>
         </p:spPr>
@@ -10448,7 +10449,7 @@
           </a:ln>
           <a:extLst>
             <a:ext uri="{C572A759-6A51-4108-AA02-DFA0A04FC94B}">
-              <ma14:wrappingTextBoxFlag xmlns="" xmlns:ma14="http://schemas.microsoft.com/office/mac/drawingml/2011/main" val="1"/>
+              <ma14:wrappingTextBoxFlag xmlns:ma14="http://schemas.microsoft.com/office/mac/drawingml/2011/main" xmlns="" val="1"/>
             </a:ext>
           </a:extLst>
         </p:spPr>
@@ -10683,7 +10684,7 @@
           </a:ln>
           <a:extLst>
             <a:ext uri="{C572A759-6A51-4108-AA02-DFA0A04FC94B}">
-              <ma14:wrappingTextBoxFlag xmlns="" xmlns:ma14="http://schemas.microsoft.com/office/mac/drawingml/2011/main" val="1"/>
+              <ma14:wrappingTextBoxFlag xmlns:ma14="http://schemas.microsoft.com/office/mac/drawingml/2011/main" xmlns="" val="1"/>
             </a:ext>
           </a:extLst>
         </p:spPr>
@@ -10746,7 +10747,7 @@
           </a:ln>
           <a:extLst>
             <a:ext uri="{C572A759-6A51-4108-AA02-DFA0A04FC94B}">
-              <ma14:wrappingTextBoxFlag xmlns="" xmlns:ma14="http://schemas.microsoft.com/office/mac/drawingml/2011/main" val="1"/>
+              <ma14:wrappingTextBoxFlag xmlns:ma14="http://schemas.microsoft.com/office/mac/drawingml/2011/main" xmlns="" val="1"/>
             </a:ext>
           </a:extLst>
         </p:spPr>
@@ -11144,7 +11145,7 @@
           </a:ln>
           <a:extLst>
             <a:ext uri="{C572A759-6A51-4108-AA02-DFA0A04FC94B}">
-              <ma14:wrappingTextBoxFlag xmlns="" xmlns:ma14="http://schemas.microsoft.com/office/mac/drawingml/2011/main" val="1"/>
+              <ma14:wrappingTextBoxFlag xmlns:ma14="http://schemas.microsoft.com/office/mac/drawingml/2011/main" xmlns="" val="1"/>
             </a:ext>
           </a:extLst>
         </p:spPr>
@@ -11207,7 +11208,7 @@
           </a:ln>
           <a:extLst>
             <a:ext uri="{C572A759-6A51-4108-AA02-DFA0A04FC94B}">
-              <ma14:wrappingTextBoxFlag xmlns="" xmlns:ma14="http://schemas.microsoft.com/office/mac/drawingml/2011/main" val="1"/>
+              <ma14:wrappingTextBoxFlag xmlns:ma14="http://schemas.microsoft.com/office/mac/drawingml/2011/main" xmlns="" val="1"/>
             </a:ext>
           </a:extLst>
         </p:spPr>
@@ -11378,7 +11379,7 @@
           </a:ln>
           <a:extLst>
             <a:ext uri="{C572A759-6A51-4108-AA02-DFA0A04FC94B}">
-              <ma14:wrappingTextBoxFlag xmlns="" xmlns:ma14="http://schemas.microsoft.com/office/mac/drawingml/2011/main" val="1"/>
+              <ma14:wrappingTextBoxFlag xmlns:ma14="http://schemas.microsoft.com/office/mac/drawingml/2011/main" xmlns="" val="1"/>
             </a:ext>
           </a:extLst>
         </p:spPr>
@@ -11441,7 +11442,7 @@
           </a:ln>
           <a:extLst>
             <a:ext uri="{C572A759-6A51-4108-AA02-DFA0A04FC94B}">
-              <ma14:wrappingTextBoxFlag xmlns="" xmlns:ma14="http://schemas.microsoft.com/office/mac/drawingml/2011/main" val="1"/>
+              <ma14:wrappingTextBoxFlag xmlns:ma14="http://schemas.microsoft.com/office/mac/drawingml/2011/main" xmlns="" val="1"/>
             </a:ext>
           </a:extLst>
         </p:spPr>
@@ -11595,7 +11596,7 @@
           </a:ln>
           <a:extLst>
             <a:ext uri="{C572A759-6A51-4108-AA02-DFA0A04FC94B}">
-              <ma14:wrappingTextBoxFlag xmlns="" xmlns:ma14="http://schemas.microsoft.com/office/mac/drawingml/2011/main" val="1"/>
+              <ma14:wrappingTextBoxFlag xmlns:ma14="http://schemas.microsoft.com/office/mac/drawingml/2011/main" xmlns="" val="1"/>
             </a:ext>
           </a:extLst>
         </p:spPr>
@@ -11658,7 +11659,7 @@
           </a:ln>
           <a:extLst>
             <a:ext uri="{C572A759-6A51-4108-AA02-DFA0A04FC94B}">
-              <ma14:wrappingTextBoxFlag xmlns="" xmlns:ma14="http://schemas.microsoft.com/office/mac/drawingml/2011/main" val="1"/>
+              <ma14:wrappingTextBoxFlag xmlns:ma14="http://schemas.microsoft.com/office/mac/drawingml/2011/main" xmlns="" val="1"/>
             </a:ext>
           </a:extLst>
         </p:spPr>
@@ -11812,7 +11813,7 @@
           </a:ln>
           <a:extLst>
             <a:ext uri="{C572A759-6A51-4108-AA02-DFA0A04FC94B}">
-              <ma14:wrappingTextBoxFlag xmlns="" xmlns:ma14="http://schemas.microsoft.com/office/mac/drawingml/2011/main" val="1"/>
+              <ma14:wrappingTextBoxFlag xmlns:ma14="http://schemas.microsoft.com/office/mac/drawingml/2011/main" xmlns="" val="1"/>
             </a:ext>
           </a:extLst>
         </p:spPr>
@@ -11875,7 +11876,7 @@
           </a:ln>
           <a:extLst>
             <a:ext uri="{C572A759-6A51-4108-AA02-DFA0A04FC94B}">
-              <ma14:wrappingTextBoxFlag xmlns="" xmlns:ma14="http://schemas.microsoft.com/office/mac/drawingml/2011/main" val="1"/>
+              <ma14:wrappingTextBoxFlag xmlns:ma14="http://schemas.microsoft.com/office/mac/drawingml/2011/main" xmlns="" val="1"/>
             </a:ext>
           </a:extLst>
         </p:spPr>
@@ -12065,7 +12066,7 @@
           </a:ln>
           <a:extLst>
             <a:ext uri="{C572A759-6A51-4108-AA02-DFA0A04FC94B}">
-              <ma14:wrappingTextBoxFlag xmlns="" xmlns:ma14="http://schemas.microsoft.com/office/mac/drawingml/2011/main" val="1"/>
+              <ma14:wrappingTextBoxFlag xmlns:ma14="http://schemas.microsoft.com/office/mac/drawingml/2011/main" xmlns="" val="1"/>
             </a:ext>
           </a:extLst>
         </p:spPr>
@@ -12128,7 +12129,7 @@
           </a:ln>
           <a:extLst>
             <a:ext uri="{C572A759-6A51-4108-AA02-DFA0A04FC94B}">
-              <ma14:wrappingTextBoxFlag xmlns="" xmlns:ma14="http://schemas.microsoft.com/office/mac/drawingml/2011/main" val="1"/>
+              <ma14:wrappingTextBoxFlag xmlns:ma14="http://schemas.microsoft.com/office/mac/drawingml/2011/main" xmlns="" val="1"/>
             </a:ext>
           </a:extLst>
         </p:spPr>
@@ -12390,7 +12391,7 @@
           </a:ln>
           <a:extLst>
             <a:ext uri="{C572A759-6A51-4108-AA02-DFA0A04FC94B}">
-              <ma14:wrappingTextBoxFlag xmlns="" xmlns:ma14="http://schemas.microsoft.com/office/mac/drawingml/2011/main" val="1"/>
+              <ma14:wrappingTextBoxFlag xmlns:ma14="http://schemas.microsoft.com/office/mac/drawingml/2011/main" xmlns="" val="1"/>
             </a:ext>
           </a:extLst>
         </p:spPr>
@@ -12453,7 +12454,7 @@
           </a:ln>
           <a:extLst>
             <a:ext uri="{C572A759-6A51-4108-AA02-DFA0A04FC94B}">
-              <ma14:wrappingTextBoxFlag xmlns="" xmlns:ma14="http://schemas.microsoft.com/office/mac/drawingml/2011/main" val="1"/>
+              <ma14:wrappingTextBoxFlag xmlns:ma14="http://schemas.microsoft.com/office/mac/drawingml/2011/main" xmlns="" val="1"/>
             </a:ext>
           </a:extLst>
         </p:spPr>
@@ -12607,7 +12608,7 @@
           </a:ln>
           <a:extLst>
             <a:ext uri="{C572A759-6A51-4108-AA02-DFA0A04FC94B}">
-              <ma14:wrappingTextBoxFlag xmlns="" xmlns:ma14="http://schemas.microsoft.com/office/mac/drawingml/2011/main" val="1"/>
+              <ma14:wrappingTextBoxFlag xmlns:ma14="http://schemas.microsoft.com/office/mac/drawingml/2011/main" xmlns="" val="1"/>
             </a:ext>
           </a:extLst>
         </p:spPr>
@@ -12670,7 +12671,7 @@
           </a:ln>
           <a:extLst>
             <a:ext uri="{C572A759-6A51-4108-AA02-DFA0A04FC94B}">
-              <ma14:wrappingTextBoxFlag xmlns="" xmlns:ma14="http://schemas.microsoft.com/office/mac/drawingml/2011/main" val="1"/>
+              <ma14:wrappingTextBoxFlag xmlns:ma14="http://schemas.microsoft.com/office/mac/drawingml/2011/main" xmlns="" val="1"/>
             </a:ext>
           </a:extLst>
         </p:spPr>
@@ -13038,7 +13039,7 @@
           </a:ln>
           <a:extLst>
             <a:ext uri="{C572A759-6A51-4108-AA02-DFA0A04FC94B}">
-              <ma14:wrappingTextBoxFlag xmlns="" xmlns:ma14="http://schemas.microsoft.com/office/mac/drawingml/2011/main" val="1"/>
+              <ma14:wrappingTextBoxFlag xmlns:ma14="http://schemas.microsoft.com/office/mac/drawingml/2011/main" xmlns="" val="1"/>
             </a:ext>
           </a:extLst>
         </p:spPr>
@@ -13101,7 +13102,7 @@
           </a:ln>
           <a:extLst>
             <a:ext uri="{C572A759-6A51-4108-AA02-DFA0A04FC94B}">
-              <ma14:wrappingTextBoxFlag xmlns="" xmlns:ma14="http://schemas.microsoft.com/office/mac/drawingml/2011/main" val="1"/>
+              <ma14:wrappingTextBoxFlag xmlns:ma14="http://schemas.microsoft.com/office/mac/drawingml/2011/main" xmlns="" val="1"/>
             </a:ext>
           </a:extLst>
         </p:spPr>
@@ -13329,7 +13330,7 @@
           </a:ln>
           <a:extLst>
             <a:ext uri="{C572A759-6A51-4108-AA02-DFA0A04FC94B}">
-              <ma14:wrappingTextBoxFlag xmlns="" xmlns:ma14="http://schemas.microsoft.com/office/mac/drawingml/2011/main" val="1"/>
+              <ma14:wrappingTextBoxFlag xmlns:ma14="http://schemas.microsoft.com/office/mac/drawingml/2011/main" xmlns="" val="1"/>
             </a:ext>
           </a:extLst>
         </p:spPr>
@@ -13392,7 +13393,7 @@
           </a:ln>
           <a:extLst>
             <a:ext uri="{C572A759-6A51-4108-AA02-DFA0A04FC94B}">
-              <ma14:wrappingTextBoxFlag xmlns="" xmlns:ma14="http://schemas.microsoft.com/office/mac/drawingml/2011/main" val="1"/>
+              <ma14:wrappingTextBoxFlag xmlns:ma14="http://schemas.microsoft.com/office/mac/drawingml/2011/main" xmlns="" val="1"/>
             </a:ext>
           </a:extLst>
         </p:spPr>
@@ -14018,7 +14019,7 @@
           </a:ln>
           <a:extLst>
             <a:ext uri="{C572A759-6A51-4108-AA02-DFA0A04FC94B}">
-              <ma14:wrappingTextBoxFlag xmlns="" xmlns:ma14="http://schemas.microsoft.com/office/mac/drawingml/2011/main" val="1"/>
+              <ma14:wrappingTextBoxFlag xmlns:ma14="http://schemas.microsoft.com/office/mac/drawingml/2011/main" xmlns="" val="1"/>
             </a:ext>
           </a:extLst>
         </p:spPr>
@@ -14081,7 +14082,7 @@
           </a:ln>
           <a:extLst>
             <a:ext uri="{C572A759-6A51-4108-AA02-DFA0A04FC94B}">
-              <ma14:wrappingTextBoxFlag xmlns="" xmlns:ma14="http://schemas.microsoft.com/office/mac/drawingml/2011/main" val="1"/>
+              <ma14:wrappingTextBoxFlag xmlns:ma14="http://schemas.microsoft.com/office/mac/drawingml/2011/main" xmlns="" val="1"/>
             </a:ext>
           </a:extLst>
         </p:spPr>
@@ -14316,7 +14317,7 @@
           </a:ln>
           <a:extLst>
             <a:ext uri="{C572A759-6A51-4108-AA02-DFA0A04FC94B}">
-              <ma14:wrappingTextBoxFlag xmlns="" xmlns:ma14="http://schemas.microsoft.com/office/mac/drawingml/2011/main" val="1"/>
+              <ma14:wrappingTextBoxFlag xmlns:ma14="http://schemas.microsoft.com/office/mac/drawingml/2011/main" xmlns="" val="1"/>
             </a:ext>
           </a:extLst>
         </p:spPr>
@@ -14379,7 +14380,7 @@
           </a:ln>
           <a:extLst>
             <a:ext uri="{C572A759-6A51-4108-AA02-DFA0A04FC94B}">
-              <ma14:wrappingTextBoxFlag xmlns="" xmlns:ma14="http://schemas.microsoft.com/office/mac/drawingml/2011/main" val="1"/>
+              <ma14:wrappingTextBoxFlag xmlns:ma14="http://schemas.microsoft.com/office/mac/drawingml/2011/main" xmlns="" val="1"/>
             </a:ext>
           </a:extLst>
         </p:spPr>
@@ -14614,7 +14615,7 @@
           </a:ln>
           <a:extLst>
             <a:ext uri="{C572A759-6A51-4108-AA02-DFA0A04FC94B}">
-              <ma14:wrappingTextBoxFlag xmlns="" xmlns:ma14="http://schemas.microsoft.com/office/mac/drawingml/2011/main" val="1"/>
+              <ma14:wrappingTextBoxFlag xmlns:ma14="http://schemas.microsoft.com/office/mac/drawingml/2011/main" xmlns="" val="1"/>
             </a:ext>
           </a:extLst>
         </p:spPr>
@@ -14677,7 +14678,7 @@
           </a:ln>
           <a:extLst>
             <a:ext uri="{C572A759-6A51-4108-AA02-DFA0A04FC94B}">
-              <ma14:wrappingTextBoxFlag xmlns="" xmlns:ma14="http://schemas.microsoft.com/office/mac/drawingml/2011/main" val="1"/>
+              <ma14:wrappingTextBoxFlag xmlns:ma14="http://schemas.microsoft.com/office/mac/drawingml/2011/main" xmlns="" val="1"/>
             </a:ext>
           </a:extLst>
         </p:spPr>
@@ -14912,7 +14913,7 @@
           </a:ln>
           <a:extLst>
             <a:ext uri="{C572A759-6A51-4108-AA02-DFA0A04FC94B}">
-              <ma14:wrappingTextBoxFlag xmlns="" xmlns:ma14="http://schemas.microsoft.com/office/mac/drawingml/2011/main" val="1"/>
+              <ma14:wrappingTextBoxFlag xmlns:ma14="http://schemas.microsoft.com/office/mac/drawingml/2011/main" xmlns="" val="1"/>
             </a:ext>
           </a:extLst>
         </p:spPr>
@@ -14975,7 +14976,7 @@
           </a:ln>
           <a:extLst>
             <a:ext uri="{C572A759-6A51-4108-AA02-DFA0A04FC94B}">
-              <ma14:wrappingTextBoxFlag xmlns="" xmlns:ma14="http://schemas.microsoft.com/office/mac/drawingml/2011/main" val="1"/>
+              <ma14:wrappingTextBoxFlag xmlns:ma14="http://schemas.microsoft.com/office/mac/drawingml/2011/main" xmlns="" val="1"/>
             </a:ext>
           </a:extLst>
         </p:spPr>
@@ -15159,7 +15160,7 @@
           </a:ln>
           <a:extLst>
             <a:ext uri="{C572A759-6A51-4108-AA02-DFA0A04FC94B}">
-              <ma14:wrappingTextBoxFlag xmlns="" xmlns:ma14="http://schemas.microsoft.com/office/mac/drawingml/2011/main" val="1"/>
+              <ma14:wrappingTextBoxFlag xmlns:ma14="http://schemas.microsoft.com/office/mac/drawingml/2011/main" xmlns="" val="1"/>
             </a:ext>
           </a:extLst>
         </p:spPr>
@@ -15222,7 +15223,7 @@
           </a:ln>
           <a:extLst>
             <a:ext uri="{C572A759-6A51-4108-AA02-DFA0A04FC94B}">
-              <ma14:wrappingTextBoxFlag xmlns="" xmlns:ma14="http://schemas.microsoft.com/office/mac/drawingml/2011/main" val="1"/>
+              <ma14:wrappingTextBoxFlag xmlns:ma14="http://schemas.microsoft.com/office/mac/drawingml/2011/main" xmlns="" val="1"/>
             </a:ext>
           </a:extLst>
         </p:spPr>
@@ -15406,7 +15407,7 @@
           </a:ln>
           <a:extLst>
             <a:ext uri="{C572A759-6A51-4108-AA02-DFA0A04FC94B}">
-              <ma14:wrappingTextBoxFlag xmlns="" xmlns:ma14="http://schemas.microsoft.com/office/mac/drawingml/2011/main" val="1"/>
+              <ma14:wrappingTextBoxFlag xmlns:ma14="http://schemas.microsoft.com/office/mac/drawingml/2011/main" xmlns="" val="1"/>
             </a:ext>
           </a:extLst>
         </p:spPr>
@@ -15485,7 +15486,7 @@
           </a:ln>
           <a:extLst>
             <a:ext uri="{C572A759-6A51-4108-AA02-DFA0A04FC94B}">
-              <ma14:wrappingTextBoxFlag xmlns="" xmlns:ma14="http://schemas.microsoft.com/office/mac/drawingml/2011/main" val="1"/>
+              <ma14:wrappingTextBoxFlag xmlns:ma14="http://schemas.microsoft.com/office/mac/drawingml/2011/main" xmlns="" val="1"/>
             </a:ext>
           </a:extLst>
         </p:spPr>
@@ -15764,7 +15765,7 @@
           </a:ln>
           <a:extLst>
             <a:ext uri="{C572A759-6A51-4108-AA02-DFA0A04FC94B}">
-              <ma14:wrappingTextBoxFlag xmlns="" xmlns:ma14="http://schemas.microsoft.com/office/mac/drawingml/2011/main" val="1"/>
+              <ma14:wrappingTextBoxFlag xmlns:ma14="http://schemas.microsoft.com/office/mac/drawingml/2011/main" xmlns="" val="1"/>
             </a:ext>
           </a:extLst>
         </p:spPr>
@@ -15828,7 +15829,7 @@
           </a:ln>
           <a:extLst>
             <a:ext uri="{C572A759-6A51-4108-AA02-DFA0A04FC94B}">
-              <ma14:wrappingTextBoxFlag xmlns="" xmlns:ma14="http://schemas.microsoft.com/office/mac/drawingml/2011/main" val="1"/>
+              <ma14:wrappingTextBoxFlag xmlns:ma14="http://schemas.microsoft.com/office/mac/drawingml/2011/main" xmlns="" val="1"/>
             </a:ext>
           </a:extLst>
         </p:spPr>
@@ -16602,7 +16603,7 @@
           </a:ln>
           <a:extLst>
             <a:ext uri="{C572A759-6A51-4108-AA02-DFA0A04FC94B}">
-              <ma14:wrappingTextBoxFlag xmlns="" xmlns:ma14="http://schemas.microsoft.com/office/mac/drawingml/2011/main" val="1"/>
+              <ma14:wrappingTextBoxFlag xmlns:ma14="http://schemas.microsoft.com/office/mac/drawingml/2011/main" xmlns="" val="1"/>
             </a:ext>
           </a:extLst>
         </p:spPr>
@@ -16666,7 +16667,7 @@
           </a:ln>
           <a:extLst>
             <a:ext uri="{C572A759-6A51-4108-AA02-DFA0A04FC94B}">
-              <ma14:wrappingTextBoxFlag xmlns="" xmlns:ma14="http://schemas.microsoft.com/office/mac/drawingml/2011/main" val="1"/>
+              <ma14:wrappingTextBoxFlag xmlns:ma14="http://schemas.microsoft.com/office/mac/drawingml/2011/main" xmlns="" val="1"/>
             </a:ext>
           </a:extLst>
         </p:spPr>
@@ -16936,7 +16937,7 @@
           </a:ln>
           <a:extLst>
             <a:ext uri="{C572A759-6A51-4108-AA02-DFA0A04FC94B}">
-              <ma14:wrappingTextBoxFlag xmlns="" xmlns:ma14="http://schemas.microsoft.com/office/mac/drawingml/2011/main" val="1"/>
+              <ma14:wrappingTextBoxFlag xmlns:ma14="http://schemas.microsoft.com/office/mac/drawingml/2011/main" xmlns="" val="1"/>
             </a:ext>
           </a:extLst>
         </p:spPr>
@@ -17008,7 +17009,7 @@
           </a:ln>
           <a:extLst>
             <a:ext uri="{C572A759-6A51-4108-AA02-DFA0A04FC94B}">
-              <ma14:wrappingTextBoxFlag xmlns="" xmlns:ma14="http://schemas.microsoft.com/office/mac/drawingml/2011/main" val="1"/>
+              <ma14:wrappingTextBoxFlag xmlns:ma14="http://schemas.microsoft.com/office/mac/drawingml/2011/main" xmlns="" val="1"/>
             </a:ext>
           </a:extLst>
         </p:spPr>
@@ -17386,7 +17387,7 @@
           </a:ln>
           <a:extLst>
             <a:ext uri="{C572A759-6A51-4108-AA02-DFA0A04FC94B}">
-              <ma14:wrappingTextBoxFlag xmlns="" xmlns:ma14="http://schemas.microsoft.com/office/mac/drawingml/2011/main" val="1"/>
+              <ma14:wrappingTextBoxFlag xmlns:ma14="http://schemas.microsoft.com/office/mac/drawingml/2011/main" xmlns="" val="1"/>
             </a:ext>
           </a:extLst>
         </p:spPr>
@@ -17458,7 +17459,7 @@
           </a:ln>
           <a:extLst>
             <a:ext uri="{C572A759-6A51-4108-AA02-DFA0A04FC94B}">
-              <ma14:wrappingTextBoxFlag xmlns="" xmlns:ma14="http://schemas.microsoft.com/office/mac/drawingml/2011/main" val="1"/>
+              <ma14:wrappingTextBoxFlag xmlns:ma14="http://schemas.microsoft.com/office/mac/drawingml/2011/main" xmlns="" val="1"/>
             </a:ext>
           </a:extLst>
         </p:spPr>
@@ -17897,7 +17898,7 @@
           </a:ln>
           <a:extLst>
             <a:ext uri="{C572A759-6A51-4108-AA02-DFA0A04FC94B}">
-              <ma14:wrappingTextBoxFlag xmlns="" xmlns:ma14="http://schemas.microsoft.com/office/mac/drawingml/2011/main" val="1"/>
+              <ma14:wrappingTextBoxFlag xmlns:ma14="http://schemas.microsoft.com/office/mac/drawingml/2011/main" xmlns="" val="1"/>
             </a:ext>
           </a:extLst>
         </p:spPr>
@@ -17960,7 +17961,7 @@
           </a:ln>
           <a:extLst>
             <a:ext uri="{C572A759-6A51-4108-AA02-DFA0A04FC94B}">
-              <ma14:wrappingTextBoxFlag xmlns="" xmlns:ma14="http://schemas.microsoft.com/office/mac/drawingml/2011/main" val="1"/>
+              <ma14:wrappingTextBoxFlag xmlns:ma14="http://schemas.microsoft.com/office/mac/drawingml/2011/main" xmlns="" val="1"/>
             </a:ext>
           </a:extLst>
         </p:spPr>
@@ -18538,7 +18539,7 @@
           </a:ln>
           <a:extLst>
             <a:ext uri="{C572A759-6A51-4108-AA02-DFA0A04FC94B}">
-              <ma14:wrappingTextBoxFlag xmlns="" xmlns:ma14="http://schemas.microsoft.com/office/mac/drawingml/2011/main" val="1"/>
+              <ma14:wrappingTextBoxFlag xmlns:ma14="http://schemas.microsoft.com/office/mac/drawingml/2011/main" xmlns="" val="1"/>
             </a:ext>
           </a:extLst>
         </p:spPr>
@@ -18610,7 +18611,7 @@
           </a:ln>
           <a:extLst>
             <a:ext uri="{C572A759-6A51-4108-AA02-DFA0A04FC94B}">
-              <ma14:wrappingTextBoxFlag xmlns="" xmlns:ma14="http://schemas.microsoft.com/office/mac/drawingml/2011/main" val="1"/>
+              <ma14:wrappingTextBoxFlag xmlns:ma14="http://schemas.microsoft.com/office/mac/drawingml/2011/main" xmlns="" val="1"/>
             </a:ext>
           </a:extLst>
         </p:spPr>
@@ -19471,7 +19472,7 @@
           </a:ln>
           <a:extLst>
             <a:ext uri="{C572A759-6A51-4108-AA02-DFA0A04FC94B}">
-              <ma14:wrappingTextBoxFlag xmlns="" xmlns:ma14="http://schemas.microsoft.com/office/mac/drawingml/2011/main" val="1"/>
+              <ma14:wrappingTextBoxFlag xmlns:ma14="http://schemas.microsoft.com/office/mac/drawingml/2011/main" xmlns="" val="1"/>
             </a:ext>
           </a:extLst>
         </p:spPr>
@@ -19543,7 +19544,7 @@
           </a:ln>
           <a:extLst>
             <a:ext uri="{C572A759-6A51-4108-AA02-DFA0A04FC94B}">
-              <ma14:wrappingTextBoxFlag xmlns="" xmlns:ma14="http://schemas.microsoft.com/office/mac/drawingml/2011/main" val="1"/>
+              <ma14:wrappingTextBoxFlag xmlns:ma14="http://schemas.microsoft.com/office/mac/drawingml/2011/main" xmlns="" val="1"/>
             </a:ext>
           </a:extLst>
         </p:spPr>
@@ -19719,6 +19720,345 @@
 </file>
 
 <file path=ppt/slides/slide42.xml><?xml version="1.0" encoding="utf-8"?>
+<p:sld xmlns:a="http://schemas.openxmlformats.org/drawingml/2006/main" xmlns:r="http://schemas.openxmlformats.org/officeDocument/2006/relationships" xmlns:p="http://schemas.openxmlformats.org/presentationml/2006/main">
+  <p:cSld>
+    <p:spTree>
+      <p:nvGrpSpPr>
+        <p:cNvPr id="1" name=""/>
+        <p:cNvGrpSpPr/>
+        <p:nvPr/>
+      </p:nvGrpSpPr>
+      <p:grpSpPr>
+        <a:xfrm>
+          <a:off x="0" y="0"/>
+          <a:ext cx="0" cy="0"/>
+          <a:chOff x="0" y="0"/>
+          <a:chExt cx="0" cy="0"/>
+        </a:xfrm>
+      </p:grpSpPr>
+      <p:sp>
+        <p:nvSpPr>
+          <p:cNvPr id="154" name="Shape 154"/>
+          <p:cNvSpPr/>
+          <p:nvPr/>
+        </p:nvSpPr>
+        <p:spPr>
+          <a:xfrm>
+            <a:off x="0" y="-8930"/>
+            <a:ext cx="7563445" cy="349131"/>
+          </a:xfrm>
+          <a:prstGeom prst="rect">
+            <a:avLst/>
+          </a:prstGeom>
+          <a:ln w="12700">
+            <a:miter lim="400000"/>
+          </a:ln>
+          <a:extLst>
+            <a:ext uri="{C572A759-6A51-4108-AA02-DFA0A04FC94B}">
+              <ma14:wrappingTextBoxFlag xmlns:ma14="http://schemas.microsoft.com/office/mac/drawingml/2011/main" xmlns="" val="1"/>
+            </a:ext>
+          </a:extLst>
+        </p:spPr>
+        <p:txBody>
+          <a:bodyPr lIns="35717" tIns="35717" rIns="35717" bIns="35717">
+            <a:spAutoFit/>
+          </a:bodyPr>
+          <a:lstStyle>
+            <a:lvl1pPr algn="l" defTabSz="647700">
+              <a:tabLst>
+                <a:tab pos="355600" algn="l"/>
+                <a:tab pos="711200" algn="l"/>
+                <a:tab pos="1079500" algn="l"/>
+                <a:tab pos="1435100" algn="l"/>
+                <a:tab pos="1790700" algn="l"/>
+                <a:tab pos="2159000" algn="l"/>
+                <a:tab pos="2514600" algn="l"/>
+                <a:tab pos="2870200" algn="l"/>
+                <a:tab pos="3238500" algn="l"/>
+                <a:tab pos="3594100" algn="l"/>
+                <a:tab pos="3949700" algn="l"/>
+                <a:tab pos="4318000" algn="l"/>
+              </a:tabLst>
+              <a:defRPr sz="1800">
+                <a:solidFill>
+                  <a:srgbClr val="F1FEF6"/>
+                </a:solidFill>
+                <a:latin typeface="Lucida Bright"/>
+                <a:ea typeface="Lucida Bright"/>
+                <a:cs typeface="Lucida Bright"/>
+                <a:sym typeface="Lucida Bright"/>
+              </a:defRPr>
+            </a:lvl1pPr>
+          </a:lstStyle>
+          <a:p>
+            <a:pPr algn="just"/>
+            <a:r>
+              <a:rPr lang="en-US" dirty="0"/>
+              <a:t>Feedback</a:t>
+            </a:r>
+          </a:p>
+        </p:txBody>
+      </p:sp>
+      <p:sp>
+        <p:nvSpPr>
+          <p:cNvPr id="14" name="Shape 154"/>
+          <p:cNvSpPr/>
+          <p:nvPr/>
+        </p:nvSpPr>
+        <p:spPr>
+          <a:xfrm>
+            <a:off x="1049289" y="6508869"/>
+            <a:ext cx="2354957" cy="349131"/>
+          </a:xfrm>
+          <a:prstGeom prst="rect">
+            <a:avLst/>
+          </a:prstGeom>
+          <a:ln w="12700">
+            <a:miter lim="400000"/>
+          </a:ln>
+          <a:extLst>
+            <a:ext uri="{C572A759-6A51-4108-AA02-DFA0A04FC94B}">
+              <ma14:wrappingTextBoxFlag xmlns:ma14="http://schemas.microsoft.com/office/mac/drawingml/2011/main" xmlns="" val="1"/>
+            </a:ext>
+          </a:extLst>
+        </p:spPr>
+        <p:txBody>
+          <a:bodyPr wrap="square" lIns="35717" tIns="35717" rIns="35717" bIns="35717">
+            <a:spAutoFit/>
+          </a:bodyPr>
+          <a:lstStyle>
+            <a:lvl1pPr algn="l" defTabSz="647700">
+              <a:tabLst>
+                <a:tab pos="355600" algn="l"/>
+                <a:tab pos="711200" algn="l"/>
+                <a:tab pos="1079500" algn="l"/>
+                <a:tab pos="1435100" algn="l"/>
+                <a:tab pos="1790700" algn="l"/>
+                <a:tab pos="2159000" algn="l"/>
+                <a:tab pos="2514600" algn="l"/>
+                <a:tab pos="2870200" algn="l"/>
+                <a:tab pos="3238500" algn="l"/>
+                <a:tab pos="3594100" algn="l"/>
+                <a:tab pos="3949700" algn="l"/>
+                <a:tab pos="4318000" algn="l"/>
+              </a:tabLst>
+              <a:defRPr sz="1800">
+                <a:solidFill>
+                  <a:srgbClr val="F1FEF6"/>
+                </a:solidFill>
+                <a:latin typeface="Lucida Bright"/>
+                <a:ea typeface="Lucida Bright"/>
+                <a:cs typeface="Lucida Bright"/>
+                <a:sym typeface="Lucida Bright"/>
+              </a:defRPr>
+            </a:lvl1pPr>
+          </a:lstStyle>
+          <a:p>
+            <a:r>
+              <a:rPr lang="it-IT" dirty="0"/>
+              <a:t> &amp;  N. Tubini</a:t>
+            </a:r>
+            <a:endParaRPr dirty="0"/>
+          </a:p>
+        </p:txBody>
+      </p:sp>
+      <p:sp>
+        <p:nvSpPr>
+          <p:cNvPr id="3" name="TextBox 2">
+            <a:extLst>
+              <a:ext uri="{FF2B5EF4-FFF2-40B4-BE49-F238E27FC236}">
+                <a16:creationId xmlns:a16="http://schemas.microsoft.com/office/drawing/2014/main" id="{CA28BDC6-A8AD-46E5-A4E7-9CB61C05660A}"/>
+              </a:ext>
+            </a:extLst>
+          </p:cNvPr>
+          <p:cNvSpPr txBox="1"/>
+          <p:nvPr/>
+        </p:nvSpPr>
+        <p:spPr>
+          <a:xfrm>
+            <a:off x="84841" y="1707608"/>
+            <a:ext cx="8880050" cy="1938992"/>
+          </a:xfrm>
+          <a:prstGeom prst="rect">
+            <a:avLst/>
+          </a:prstGeom>
+          <a:noFill/>
+        </p:spPr>
+        <p:txBody>
+          <a:bodyPr wrap="square" rtlCol="0">
+            <a:spAutoFit/>
+          </a:bodyPr>
+          <a:lstStyle/>
+          <a:p>
+            <a:pPr algn="ctr"/>
+            <a:r>
+              <a:rPr lang="en-US" sz="2000" dirty="0" err="1"/>
+              <a:t>All’indirizzo</a:t>
+            </a:r>
+            <a:r>
+              <a:rPr lang="en-US" sz="2000" dirty="0"/>
+              <a:t>:</a:t>
+            </a:r>
+          </a:p>
+          <a:p>
+            <a:pPr algn="ctr"/>
+            <a:endParaRPr lang="en-US" sz="2000" dirty="0"/>
+          </a:p>
+          <a:p>
+            <a:pPr algn="ctr"/>
+            <a:r>
+              <a:rPr lang="en-US" sz="2000" i="1" dirty="0" err="1">
+                <a:solidFill>
+                  <a:srgbClr val="FF0000"/>
+                </a:solidFill>
+              </a:rPr>
+              <a:t>Indirizzo</a:t>
+            </a:r>
+            <a:r>
+              <a:rPr lang="en-US" sz="2000" i="1" dirty="0">
+                <a:solidFill>
+                  <a:srgbClr val="FF0000"/>
+                </a:solidFill>
+              </a:rPr>
+              <a:t> di una </a:t>
+            </a:r>
+            <a:r>
+              <a:rPr lang="en-US" sz="2000" i="1" dirty="0" err="1">
+                <a:solidFill>
+                  <a:srgbClr val="FF0000"/>
+                </a:solidFill>
+              </a:rPr>
+              <a:t>componente</a:t>
+            </a:r>
+            <a:r>
+              <a:rPr lang="en-US" sz="2000" i="1" dirty="0">
+                <a:solidFill>
+                  <a:srgbClr val="FF0000"/>
+                </a:solidFill>
+              </a:rPr>
+              <a:t> OSF</a:t>
+            </a:r>
+          </a:p>
+          <a:p>
+            <a:pPr algn="ctr"/>
+            <a:endParaRPr lang="en-US" sz="2000" i="1" dirty="0"/>
+          </a:p>
+          <a:p>
+            <a:pPr algn="ctr"/>
+            <a:r>
+              <a:rPr lang="en-US" sz="2000" dirty="0" err="1"/>
+              <a:t>potete</a:t>
+            </a:r>
+            <a:r>
+              <a:rPr lang="en-US" sz="2000" dirty="0"/>
+              <a:t> </a:t>
+            </a:r>
+            <a:r>
+              <a:rPr lang="en-US" sz="2000" dirty="0" err="1"/>
+              <a:t>lasciare</a:t>
+            </a:r>
+            <a:r>
+              <a:rPr lang="en-US" sz="2000" dirty="0"/>
+              <a:t> </a:t>
+            </a:r>
+            <a:r>
+              <a:rPr lang="en-US" sz="2000" dirty="0" err="1"/>
+              <a:t>qualche</a:t>
+            </a:r>
+            <a:r>
+              <a:rPr lang="en-US" sz="2000" dirty="0"/>
+              <a:t> comment/</a:t>
+            </a:r>
+            <a:r>
+              <a:rPr lang="en-US" sz="2000" dirty="0" err="1"/>
+              <a:t>osservazione</a:t>
+            </a:r>
+            <a:r>
+              <a:rPr lang="en-US" sz="2000" dirty="0"/>
+              <a:t> </a:t>
+            </a:r>
+            <a:r>
+              <a:rPr lang="en-US" sz="2000" dirty="0" err="1"/>
+              <a:t>su</a:t>
+            </a:r>
+            <a:r>
+              <a:rPr lang="en-US" sz="2000" dirty="0"/>
+              <a:t> </a:t>
+            </a:r>
+            <a:r>
+              <a:rPr lang="en-US" sz="2000" dirty="0" err="1"/>
+              <a:t>eventuali</a:t>
+            </a:r>
+            <a:r>
+              <a:rPr lang="en-US" sz="2000" dirty="0"/>
+              <a:t> </a:t>
+            </a:r>
+            <a:r>
+              <a:rPr lang="en-US" sz="2000" dirty="0" err="1"/>
+              <a:t>modifiche</a:t>
+            </a:r>
+            <a:r>
+              <a:rPr lang="en-US" sz="2000" dirty="0"/>
+              <a:t> e/o </a:t>
+            </a:r>
+            <a:r>
+              <a:rPr lang="en-US" sz="2000" dirty="0" err="1"/>
+              <a:t>difficolta</a:t>
+            </a:r>
+            <a:r>
+              <a:rPr lang="en-US" sz="2000" dirty="0"/>
+              <a:t>` </a:t>
+            </a:r>
+            <a:r>
+              <a:rPr lang="en-US" sz="2000" dirty="0" err="1"/>
+              <a:t>trovate</a:t>
+            </a:r>
+            <a:r>
+              <a:rPr lang="en-US" sz="2000" dirty="0"/>
+              <a:t> </a:t>
+            </a:r>
+            <a:r>
+              <a:rPr lang="en-US" sz="2000" dirty="0" err="1"/>
+              <a:t>nell’utilizzo</a:t>
+            </a:r>
+            <a:r>
+              <a:rPr lang="en-US" sz="2000" dirty="0"/>
+              <a:t> </a:t>
+            </a:r>
+            <a:r>
+              <a:rPr lang="en-US" sz="2000" dirty="0" err="1"/>
+              <a:t>della</a:t>
+            </a:r>
+            <a:r>
+              <a:rPr lang="en-US" sz="2000" dirty="0"/>
+              <a:t> </a:t>
+            </a:r>
+            <a:r>
+              <a:rPr lang="en-US" sz="2000" dirty="0" err="1"/>
+              <a:t>componente</a:t>
+            </a:r>
+            <a:r>
+              <a:rPr lang="en-US" sz="2000" dirty="0"/>
+              <a:t> Richards1D.</a:t>
+            </a:r>
+          </a:p>
+        </p:txBody>
+      </p:sp>
+    </p:spTree>
+    <p:extLst>
+      <p:ext uri="{BB962C8B-B14F-4D97-AF65-F5344CB8AC3E}">
+        <p14:creationId xmlns:p14="http://schemas.microsoft.com/office/powerpoint/2010/main" val="1856955866"/>
+      </p:ext>
+    </p:extLst>
+  </p:cSld>
+  <p:clrMapOvr>
+    <a:masterClrMapping/>
+  </p:clrMapOvr>
+  <p:transition spd="med"/>
+</p:sld>
+</file>
+
+<file path=ppt/slides/slide43.xml><?xml version="1.0" encoding="utf-8"?>
 <p:sld xmlns:a="http://schemas.openxmlformats.org/drawingml/2006/main" xmlns:r="http://schemas.openxmlformats.org/officeDocument/2006/relationships" xmlns:p="http://schemas.openxmlformats.org/presentationml/2006/main">
   <p:cSld>
     <p:spTree>
@@ -19780,7 +20120,7 @@
           </a:prstGeom>
           <a:extLst>
             <a:ext uri="{C572A759-6A51-4108-AA02-DFA0A04FC94B}">
-              <ma14:wrappingTextBoxFlag xmlns="" xmlns:ma14="http://schemas.microsoft.com/office/mac/drawingml/2011/main" val="1"/>
+              <ma14:wrappingTextBoxFlag xmlns:ma14="http://schemas.microsoft.com/office/mac/drawingml/2011/main" xmlns="" val="1"/>
             </a:ext>
           </a:extLst>
         </p:spPr>
@@ -19789,7 +20129,7 @@
           <a:lstStyle/>
           <a:p>
             <a:fld id="{86CB4B4D-7CA3-9044-876B-883B54F8677D}" type="slidenum">
-              <a:t>42</a:t>
+              <a:t>43</a:t>
             </a:fld>
             <a:endParaRPr/>
           </a:p>
@@ -19814,7 +20154,7 @@
           </a:ln>
           <a:extLst>
             <a:ext uri="{C572A759-6A51-4108-AA02-DFA0A04FC94B}">
-              <ma14:wrappingTextBoxFlag xmlns="" xmlns:ma14="http://schemas.microsoft.com/office/mac/drawingml/2011/main" val="1"/>
+              <ma14:wrappingTextBoxFlag xmlns:ma14="http://schemas.microsoft.com/office/mac/drawingml/2011/main" xmlns="" val="1"/>
             </a:ext>
           </a:extLst>
         </p:spPr>
@@ -19876,7 +20216,7 @@
           </a:ln>
           <a:extLst>
             <a:ext uri="{C572A759-6A51-4108-AA02-DFA0A04FC94B}">
-              <ma14:wrappingTextBoxFlag xmlns="" xmlns:ma14="http://schemas.microsoft.com/office/mac/drawingml/2011/main" val="1"/>
+              <ma14:wrappingTextBoxFlag xmlns:ma14="http://schemas.microsoft.com/office/mac/drawingml/2011/main" xmlns="" val="1"/>
             </a:ext>
           </a:extLst>
         </p:spPr>
@@ -19935,7 +20275,7 @@
           </a:ln>
           <a:extLst>
             <a:ext uri="{C572A759-6A51-4108-AA02-DFA0A04FC94B}">
-              <ma14:wrappingTextBoxFlag xmlns="" xmlns:ma14="http://schemas.microsoft.com/office/mac/drawingml/2011/main" val="1"/>
+              <ma14:wrappingTextBoxFlag xmlns:ma14="http://schemas.microsoft.com/office/mac/drawingml/2011/main" xmlns="" val="1"/>
             </a:ext>
           </a:extLst>
         </p:spPr>
@@ -20029,7 +20369,7 @@
           </a:ln>
           <a:extLst>
             <a:ext uri="{C572A759-6A51-4108-AA02-DFA0A04FC94B}">
-              <ma14:wrappingTextBoxFlag xmlns="" xmlns:ma14="http://schemas.microsoft.com/office/mac/drawingml/2011/main" val="1"/>
+              <ma14:wrappingTextBoxFlag xmlns:ma14="http://schemas.microsoft.com/office/mac/drawingml/2011/main" xmlns="" val="1"/>
             </a:ext>
           </a:extLst>
         </p:spPr>
@@ -20093,7 +20433,7 @@
           </a:ln>
           <a:extLst>
             <a:ext uri="{C572A759-6A51-4108-AA02-DFA0A04FC94B}">
-              <ma14:wrappingTextBoxFlag xmlns="" xmlns:ma14="http://schemas.microsoft.com/office/mac/drawingml/2011/main" val="1"/>
+              <ma14:wrappingTextBoxFlag xmlns:ma14="http://schemas.microsoft.com/office/mac/drawingml/2011/main" xmlns="" val="1"/>
             </a:ext>
           </a:extLst>
         </p:spPr>
@@ -20623,7 +20963,7 @@
           </a:ln>
           <a:extLst>
             <a:ext uri="{C572A759-6A51-4108-AA02-DFA0A04FC94B}">
-              <ma14:wrappingTextBoxFlag xmlns="" xmlns:ma14="http://schemas.microsoft.com/office/mac/drawingml/2011/main" val="1"/>
+              <ma14:wrappingTextBoxFlag xmlns:ma14="http://schemas.microsoft.com/office/mac/drawingml/2011/main" xmlns="" val="1"/>
             </a:ext>
           </a:extLst>
         </p:spPr>
@@ -20687,7 +21027,7 @@
           </a:ln>
           <a:extLst>
             <a:ext uri="{C572A759-6A51-4108-AA02-DFA0A04FC94B}">
-              <ma14:wrappingTextBoxFlag xmlns="" xmlns:ma14="http://schemas.microsoft.com/office/mac/drawingml/2011/main" val="1"/>
+              <ma14:wrappingTextBoxFlag xmlns:ma14="http://schemas.microsoft.com/office/mac/drawingml/2011/main" xmlns="" val="1"/>
             </a:ext>
           </a:extLst>
         </p:spPr>
@@ -20857,7 +21197,7 @@
           </a:ln>
           <a:extLst>
             <a:ext uri="{C572A759-6A51-4108-AA02-DFA0A04FC94B}">
-              <ma14:wrappingTextBoxFlag xmlns="" xmlns:ma14="http://schemas.microsoft.com/office/mac/drawingml/2011/main" val="1"/>
+              <ma14:wrappingTextBoxFlag xmlns:ma14="http://schemas.microsoft.com/office/mac/drawingml/2011/main" xmlns="" val="1"/>
             </a:ext>
           </a:extLst>
         </p:spPr>
@@ -20921,7 +21261,7 @@
           </a:ln>
           <a:extLst>
             <a:ext uri="{C572A759-6A51-4108-AA02-DFA0A04FC94B}">
-              <ma14:wrappingTextBoxFlag xmlns="" xmlns:ma14="http://schemas.microsoft.com/office/mac/drawingml/2011/main" val="1"/>
+              <ma14:wrappingTextBoxFlag xmlns:ma14="http://schemas.microsoft.com/office/mac/drawingml/2011/main" xmlns="" val="1"/>
             </a:ext>
           </a:extLst>
         </p:spPr>
@@ -21195,7 +21535,7 @@
           </a:ln>
           <a:extLst>
             <a:ext uri="{C572A759-6A51-4108-AA02-DFA0A04FC94B}">
-              <ma14:wrappingTextBoxFlag xmlns="" xmlns:ma14="http://schemas.microsoft.com/office/mac/drawingml/2011/main" val="1"/>
+              <ma14:wrappingTextBoxFlag xmlns:ma14="http://schemas.microsoft.com/office/mac/drawingml/2011/main" xmlns="" val="1"/>
             </a:ext>
           </a:extLst>
         </p:spPr>
@@ -21259,7 +21599,7 @@
           </a:ln>
           <a:extLst>
             <a:ext uri="{C572A759-6A51-4108-AA02-DFA0A04FC94B}">
-              <ma14:wrappingTextBoxFlag xmlns="" xmlns:ma14="http://schemas.microsoft.com/office/mac/drawingml/2011/main" val="1"/>
+              <ma14:wrappingTextBoxFlag xmlns:ma14="http://schemas.microsoft.com/office/mac/drawingml/2011/main" xmlns="" val="1"/>
             </a:ext>
           </a:extLst>
         </p:spPr>
@@ -21533,7 +21873,7 @@
           </a:ln>
           <a:extLst>
             <a:ext uri="{C572A759-6A51-4108-AA02-DFA0A04FC94B}">
-              <ma14:wrappingTextBoxFlag xmlns="" xmlns:ma14="http://schemas.microsoft.com/office/mac/drawingml/2011/main" val="1"/>
+              <ma14:wrappingTextBoxFlag xmlns:ma14="http://schemas.microsoft.com/office/mac/drawingml/2011/main" xmlns="" val="1"/>
             </a:ext>
           </a:extLst>
         </p:spPr>
@@ -21597,7 +21937,7 @@
           </a:ln>
           <a:extLst>
             <a:ext uri="{C572A759-6A51-4108-AA02-DFA0A04FC94B}">
-              <ma14:wrappingTextBoxFlag xmlns="" xmlns:ma14="http://schemas.microsoft.com/office/mac/drawingml/2011/main" val="1"/>
+              <ma14:wrappingTextBoxFlag xmlns:ma14="http://schemas.microsoft.com/office/mac/drawingml/2011/main" xmlns="" val="1"/>
             </a:ext>
           </a:extLst>
         </p:spPr>

--- a/Materials/Richards_English.pptx
+++ b/Materials/Richards_English.pptx
@@ -5,7 +5,7 @@
     <p:sldMasterId id="2147483648" r:id="rId1"/>
   </p:sldMasterIdLst>
   <p:notesMasterIdLst>
-    <p:notesMasterId r:id="rId45"/>
+    <p:notesMasterId r:id="rId46"/>
   </p:notesMasterIdLst>
   <p:sldIdLst>
     <p:sldId id="285" r:id="rId2"/>
@@ -38,19 +38,20 @@
     <p:sldId id="348" r:id="rId29"/>
     <p:sldId id="361" r:id="rId30"/>
     <p:sldId id="334" r:id="rId31"/>
-    <p:sldId id="335" r:id="rId32"/>
-    <p:sldId id="337" r:id="rId33"/>
-    <p:sldId id="338" r:id="rId34"/>
-    <p:sldId id="386" r:id="rId35"/>
-    <p:sldId id="387" r:id="rId36"/>
-    <p:sldId id="393" r:id="rId37"/>
-    <p:sldId id="394" r:id="rId38"/>
-    <p:sldId id="388" r:id="rId39"/>
-    <p:sldId id="390" r:id="rId40"/>
-    <p:sldId id="389" r:id="rId41"/>
-    <p:sldId id="391" r:id="rId42"/>
-    <p:sldId id="395" r:id="rId43"/>
-    <p:sldId id="273" r:id="rId44"/>
+    <p:sldId id="396" r:id="rId32"/>
+    <p:sldId id="335" r:id="rId33"/>
+    <p:sldId id="337" r:id="rId34"/>
+    <p:sldId id="338" r:id="rId35"/>
+    <p:sldId id="386" r:id="rId36"/>
+    <p:sldId id="387" r:id="rId37"/>
+    <p:sldId id="393" r:id="rId38"/>
+    <p:sldId id="394" r:id="rId39"/>
+    <p:sldId id="388" r:id="rId40"/>
+    <p:sldId id="390" r:id="rId41"/>
+    <p:sldId id="389" r:id="rId42"/>
+    <p:sldId id="391" r:id="rId43"/>
+    <p:sldId id="395" r:id="rId44"/>
+    <p:sldId id="273" r:id="rId45"/>
   </p:sldIdLst>
   <p:sldSz cx="9144000" cy="6858000" type="screen4x3"/>
   <p:notesSz cx="6858000" cy="9144000"/>
@@ -2431,7 +2432,7 @@
           </a:ln>
           <a:extLst>
             <a:ext uri="{C572A759-6A51-4108-AA02-DFA0A04FC94B}">
-              <ma14:wrappingTextBoxFlag xmlns:ma14="http://schemas.microsoft.com/office/mac/drawingml/2011/main" xmlns="" val="1"/>
+              <ma14:wrappingTextBoxFlag xmlns="" xmlns:ma14="http://schemas.microsoft.com/office/mac/drawingml/2011/main" val="1"/>
             </a:ext>
           </a:extLst>
         </p:spPr>
@@ -4955,7 +4956,7 @@
           </a:ln>
           <a:extLst>
             <a:ext uri="{C572A759-6A51-4108-AA02-DFA0A04FC94B}">
-              <ma14:wrappingTextBoxFlag xmlns:ma14="http://schemas.microsoft.com/office/mac/drawingml/2011/main" xmlns="" val="1"/>
+              <ma14:wrappingTextBoxFlag xmlns="" xmlns:ma14="http://schemas.microsoft.com/office/mac/drawingml/2011/main" val="1"/>
             </a:ext>
           </a:extLst>
         </p:spPr>
@@ -5055,7 +5056,7 @@
           </a:ln>
           <a:extLst>
             <a:ext uri="{C572A759-6A51-4108-AA02-DFA0A04FC94B}">
-              <ma14:wrappingTextBoxFlag xmlns:ma14="http://schemas.microsoft.com/office/mac/drawingml/2011/main" xmlns="" val="1"/>
+              <ma14:wrappingTextBoxFlag xmlns="" xmlns:ma14="http://schemas.microsoft.com/office/mac/drawingml/2011/main" val="1"/>
             </a:ext>
           </a:extLst>
         </p:spPr>
@@ -5221,7 +5222,7 @@
           </a:ln>
           <a:extLst>
             <a:ext uri="{C572A759-6A51-4108-AA02-DFA0A04FC94B}">
-              <ma14:wrappingTextBoxFlag xmlns:ma14="http://schemas.microsoft.com/office/mac/drawingml/2011/main" xmlns="" val="1"/>
+              <ma14:wrappingTextBoxFlag xmlns="" xmlns:ma14="http://schemas.microsoft.com/office/mac/drawingml/2011/main" val="1"/>
             </a:ext>
           </a:extLst>
         </p:spPr>
@@ -5285,7 +5286,7 @@
           </a:ln>
           <a:extLst>
             <a:ext uri="{C572A759-6A51-4108-AA02-DFA0A04FC94B}">
-              <ma14:wrappingTextBoxFlag xmlns:ma14="http://schemas.microsoft.com/office/mac/drawingml/2011/main" xmlns="" val="1"/>
+              <ma14:wrappingTextBoxFlag xmlns="" xmlns:ma14="http://schemas.microsoft.com/office/mac/drawingml/2011/main" val="1"/>
             </a:ext>
           </a:extLst>
         </p:spPr>
@@ -5463,7 +5464,7 @@
           </a:ln>
           <a:extLst>
             <a:ext uri="{C572A759-6A51-4108-AA02-DFA0A04FC94B}">
-              <ma14:wrappingTextBoxFlag xmlns:ma14="http://schemas.microsoft.com/office/mac/drawingml/2011/main" xmlns="" val="1"/>
+              <ma14:wrappingTextBoxFlag xmlns="" xmlns:ma14="http://schemas.microsoft.com/office/mac/drawingml/2011/main" val="1"/>
             </a:ext>
           </a:extLst>
         </p:spPr>
@@ -5527,7 +5528,7 @@
           </a:ln>
           <a:extLst>
             <a:ext uri="{C572A759-6A51-4108-AA02-DFA0A04FC94B}">
-              <ma14:wrappingTextBoxFlag xmlns:ma14="http://schemas.microsoft.com/office/mac/drawingml/2011/main" xmlns="" val="1"/>
+              <ma14:wrappingTextBoxFlag xmlns="" xmlns:ma14="http://schemas.microsoft.com/office/mac/drawingml/2011/main" val="1"/>
             </a:ext>
           </a:extLst>
         </p:spPr>
@@ -5687,7 +5688,7 @@
           </a:ln>
           <a:extLst>
             <a:ext uri="{C572A759-6A51-4108-AA02-DFA0A04FC94B}">
-              <ma14:wrappingTextBoxFlag xmlns:ma14="http://schemas.microsoft.com/office/mac/drawingml/2011/main" xmlns="" val="1"/>
+              <ma14:wrappingTextBoxFlag xmlns="" xmlns:ma14="http://schemas.microsoft.com/office/mac/drawingml/2011/main" val="1"/>
             </a:ext>
           </a:extLst>
         </p:spPr>
@@ -5751,7 +5752,7 @@
           </a:ln>
           <a:extLst>
             <a:ext uri="{C572A759-6A51-4108-AA02-DFA0A04FC94B}">
-              <ma14:wrappingTextBoxFlag xmlns:ma14="http://schemas.microsoft.com/office/mac/drawingml/2011/main" xmlns="" val="1"/>
+              <ma14:wrappingTextBoxFlag xmlns="" xmlns:ma14="http://schemas.microsoft.com/office/mac/drawingml/2011/main" val="1"/>
             </a:ext>
           </a:extLst>
         </p:spPr>
@@ -6591,7 +6592,7 @@
           </a:ln>
           <a:extLst>
             <a:ext uri="{C572A759-6A51-4108-AA02-DFA0A04FC94B}">
-              <ma14:wrappingTextBoxFlag xmlns:ma14="http://schemas.microsoft.com/office/mac/drawingml/2011/main" xmlns="" val="1"/>
+              <ma14:wrappingTextBoxFlag xmlns="" xmlns:ma14="http://schemas.microsoft.com/office/mac/drawingml/2011/main" val="1"/>
             </a:ext>
           </a:extLst>
         </p:spPr>
@@ -6655,7 +6656,7 @@
           </a:ln>
           <a:extLst>
             <a:ext uri="{C572A759-6A51-4108-AA02-DFA0A04FC94B}">
-              <ma14:wrappingTextBoxFlag xmlns:ma14="http://schemas.microsoft.com/office/mac/drawingml/2011/main" xmlns="" val="1"/>
+              <ma14:wrappingTextBoxFlag xmlns="" xmlns:ma14="http://schemas.microsoft.com/office/mac/drawingml/2011/main" val="1"/>
             </a:ext>
           </a:extLst>
         </p:spPr>
@@ -6929,7 +6930,7 @@
           </a:ln>
           <a:extLst>
             <a:ext uri="{C572A759-6A51-4108-AA02-DFA0A04FC94B}">
-              <ma14:wrappingTextBoxFlag xmlns:ma14="http://schemas.microsoft.com/office/mac/drawingml/2011/main" xmlns="" val="1"/>
+              <ma14:wrappingTextBoxFlag xmlns="" xmlns:ma14="http://schemas.microsoft.com/office/mac/drawingml/2011/main" val="1"/>
             </a:ext>
           </a:extLst>
         </p:spPr>
@@ -6993,7 +6994,7 @@
           </a:ln>
           <a:extLst>
             <a:ext uri="{C572A759-6A51-4108-AA02-DFA0A04FC94B}">
-              <ma14:wrappingTextBoxFlag xmlns:ma14="http://schemas.microsoft.com/office/mac/drawingml/2011/main" xmlns="" val="1"/>
+              <ma14:wrappingTextBoxFlag xmlns="" xmlns:ma14="http://schemas.microsoft.com/office/mac/drawingml/2011/main" val="1"/>
             </a:ext>
           </a:extLst>
         </p:spPr>
@@ -7421,7 +7422,7 @@
           </a:ln>
           <a:extLst>
             <a:ext uri="{C572A759-6A51-4108-AA02-DFA0A04FC94B}">
-              <ma14:wrappingTextBoxFlag xmlns:ma14="http://schemas.microsoft.com/office/mac/drawingml/2011/main" xmlns="" val="1"/>
+              <ma14:wrappingTextBoxFlag xmlns="" xmlns:ma14="http://schemas.microsoft.com/office/mac/drawingml/2011/main" val="1"/>
             </a:ext>
           </a:extLst>
         </p:spPr>
@@ -7485,7 +7486,7 @@
           </a:ln>
           <a:extLst>
             <a:ext uri="{C572A759-6A51-4108-AA02-DFA0A04FC94B}">
-              <ma14:wrappingTextBoxFlag xmlns:ma14="http://schemas.microsoft.com/office/mac/drawingml/2011/main" xmlns="" val="1"/>
+              <ma14:wrappingTextBoxFlag xmlns="" xmlns:ma14="http://schemas.microsoft.com/office/mac/drawingml/2011/main" val="1"/>
             </a:ext>
           </a:extLst>
         </p:spPr>
@@ -7983,7 +7984,7 @@
           </a:ln>
           <a:extLst>
             <a:ext uri="{C572A759-6A51-4108-AA02-DFA0A04FC94B}">
-              <ma14:wrappingTextBoxFlag xmlns:ma14="http://schemas.microsoft.com/office/mac/drawingml/2011/main" xmlns="" val="1"/>
+              <ma14:wrappingTextBoxFlag xmlns="" xmlns:ma14="http://schemas.microsoft.com/office/mac/drawingml/2011/main" val="1"/>
             </a:ext>
           </a:extLst>
         </p:spPr>
@@ -8047,7 +8048,7 @@
           </a:ln>
           <a:extLst>
             <a:ext uri="{C572A759-6A51-4108-AA02-DFA0A04FC94B}">
-              <ma14:wrappingTextBoxFlag xmlns:ma14="http://schemas.microsoft.com/office/mac/drawingml/2011/main" xmlns="" val="1"/>
+              <ma14:wrappingTextBoxFlag xmlns="" xmlns:ma14="http://schemas.microsoft.com/office/mac/drawingml/2011/main" val="1"/>
             </a:ext>
           </a:extLst>
         </p:spPr>
@@ -8396,7 +8397,7 @@
           </a:ln>
           <a:extLst>
             <a:ext uri="{C572A759-6A51-4108-AA02-DFA0A04FC94B}">
-              <ma14:wrappingTextBoxFlag xmlns:ma14="http://schemas.microsoft.com/office/mac/drawingml/2011/main" xmlns="" val="1"/>
+              <ma14:wrappingTextBoxFlag xmlns="" xmlns:ma14="http://schemas.microsoft.com/office/mac/drawingml/2011/main" val="1"/>
             </a:ext>
           </a:extLst>
         </p:spPr>
@@ -8460,7 +8461,7 @@
           </a:ln>
           <a:extLst>
             <a:ext uri="{C572A759-6A51-4108-AA02-DFA0A04FC94B}">
-              <ma14:wrappingTextBoxFlag xmlns:ma14="http://schemas.microsoft.com/office/mac/drawingml/2011/main" xmlns="" val="1"/>
+              <ma14:wrappingTextBoxFlag xmlns="" xmlns:ma14="http://schemas.microsoft.com/office/mac/drawingml/2011/main" val="1"/>
             </a:ext>
           </a:extLst>
         </p:spPr>
@@ -8900,7 +8901,7 @@
           </a:ln>
           <a:extLst>
             <a:ext uri="{C572A759-6A51-4108-AA02-DFA0A04FC94B}">
-              <ma14:wrappingTextBoxFlag xmlns:ma14="http://schemas.microsoft.com/office/mac/drawingml/2011/main" xmlns="" val="1"/>
+              <ma14:wrappingTextBoxFlag xmlns="" xmlns:ma14="http://schemas.microsoft.com/office/mac/drawingml/2011/main" val="1"/>
             </a:ext>
           </a:extLst>
         </p:spPr>
@@ -8964,7 +8965,7 @@
           </a:ln>
           <a:extLst>
             <a:ext uri="{C572A759-6A51-4108-AA02-DFA0A04FC94B}">
-              <ma14:wrappingTextBoxFlag xmlns:ma14="http://schemas.microsoft.com/office/mac/drawingml/2011/main" xmlns="" val="1"/>
+              <ma14:wrappingTextBoxFlag xmlns="" xmlns:ma14="http://schemas.microsoft.com/office/mac/drawingml/2011/main" val="1"/>
             </a:ext>
           </a:extLst>
         </p:spPr>
@@ -9336,7 +9337,7 @@
           </a:ln>
           <a:extLst>
             <a:ext uri="{C572A759-6A51-4108-AA02-DFA0A04FC94B}">
-              <ma14:wrappingTextBoxFlag xmlns:ma14="http://schemas.microsoft.com/office/mac/drawingml/2011/main" xmlns="" val="1"/>
+              <ma14:wrappingTextBoxFlag xmlns="" xmlns:ma14="http://schemas.microsoft.com/office/mac/drawingml/2011/main" val="1"/>
             </a:ext>
           </a:extLst>
         </p:spPr>
@@ -9400,7 +9401,7 @@
           </a:ln>
           <a:extLst>
             <a:ext uri="{C572A759-6A51-4108-AA02-DFA0A04FC94B}">
-              <ma14:wrappingTextBoxFlag xmlns:ma14="http://schemas.microsoft.com/office/mac/drawingml/2011/main" xmlns="" val="1"/>
+              <ma14:wrappingTextBoxFlag xmlns="" xmlns:ma14="http://schemas.microsoft.com/office/mac/drawingml/2011/main" val="1"/>
             </a:ext>
           </a:extLst>
         </p:spPr>
@@ -9927,7 +9928,7 @@
           </a:ln>
           <a:extLst>
             <a:ext uri="{C572A759-6A51-4108-AA02-DFA0A04FC94B}">
-              <ma14:wrappingTextBoxFlag xmlns:ma14="http://schemas.microsoft.com/office/mac/drawingml/2011/main" xmlns="" val="1"/>
+              <ma14:wrappingTextBoxFlag xmlns="" xmlns:ma14="http://schemas.microsoft.com/office/mac/drawingml/2011/main" val="1"/>
             </a:ext>
           </a:extLst>
         </p:spPr>
@@ -9990,7 +9991,7 @@
           </a:ln>
           <a:extLst>
             <a:ext uri="{C572A759-6A51-4108-AA02-DFA0A04FC94B}">
-              <ma14:wrappingTextBoxFlag xmlns:ma14="http://schemas.microsoft.com/office/mac/drawingml/2011/main" xmlns="" val="1"/>
+              <ma14:wrappingTextBoxFlag xmlns="" xmlns:ma14="http://schemas.microsoft.com/office/mac/drawingml/2011/main" val="1"/>
             </a:ext>
           </a:extLst>
         </p:spPr>
@@ -10385,7 +10386,7 @@
           </a:ln>
           <a:extLst>
             <a:ext uri="{C572A759-6A51-4108-AA02-DFA0A04FC94B}">
-              <ma14:wrappingTextBoxFlag xmlns:ma14="http://schemas.microsoft.com/office/mac/drawingml/2011/main" xmlns="" val="1"/>
+              <ma14:wrappingTextBoxFlag xmlns="" xmlns:ma14="http://schemas.microsoft.com/office/mac/drawingml/2011/main" val="1"/>
             </a:ext>
           </a:extLst>
         </p:spPr>
@@ -10449,7 +10450,7 @@
           </a:ln>
           <a:extLst>
             <a:ext uri="{C572A759-6A51-4108-AA02-DFA0A04FC94B}">
-              <ma14:wrappingTextBoxFlag xmlns:ma14="http://schemas.microsoft.com/office/mac/drawingml/2011/main" xmlns="" val="1"/>
+              <ma14:wrappingTextBoxFlag xmlns="" xmlns:ma14="http://schemas.microsoft.com/office/mac/drawingml/2011/main" val="1"/>
             </a:ext>
           </a:extLst>
         </p:spPr>
@@ -10684,7 +10685,7 @@
           </a:ln>
           <a:extLst>
             <a:ext uri="{C572A759-6A51-4108-AA02-DFA0A04FC94B}">
-              <ma14:wrappingTextBoxFlag xmlns:ma14="http://schemas.microsoft.com/office/mac/drawingml/2011/main" xmlns="" val="1"/>
+              <ma14:wrappingTextBoxFlag xmlns="" xmlns:ma14="http://schemas.microsoft.com/office/mac/drawingml/2011/main" val="1"/>
             </a:ext>
           </a:extLst>
         </p:spPr>
@@ -10747,7 +10748,7 @@
           </a:ln>
           <a:extLst>
             <a:ext uri="{C572A759-6A51-4108-AA02-DFA0A04FC94B}">
-              <ma14:wrappingTextBoxFlag xmlns:ma14="http://schemas.microsoft.com/office/mac/drawingml/2011/main" xmlns="" val="1"/>
+              <ma14:wrappingTextBoxFlag xmlns="" xmlns:ma14="http://schemas.microsoft.com/office/mac/drawingml/2011/main" val="1"/>
             </a:ext>
           </a:extLst>
         </p:spPr>
@@ -11145,7 +11146,7 @@
           </a:ln>
           <a:extLst>
             <a:ext uri="{C572A759-6A51-4108-AA02-DFA0A04FC94B}">
-              <ma14:wrappingTextBoxFlag xmlns:ma14="http://schemas.microsoft.com/office/mac/drawingml/2011/main" xmlns="" val="1"/>
+              <ma14:wrappingTextBoxFlag xmlns="" xmlns:ma14="http://schemas.microsoft.com/office/mac/drawingml/2011/main" val="1"/>
             </a:ext>
           </a:extLst>
         </p:spPr>
@@ -11208,7 +11209,7 @@
           </a:ln>
           <a:extLst>
             <a:ext uri="{C572A759-6A51-4108-AA02-DFA0A04FC94B}">
-              <ma14:wrappingTextBoxFlag xmlns:ma14="http://schemas.microsoft.com/office/mac/drawingml/2011/main" xmlns="" val="1"/>
+              <ma14:wrappingTextBoxFlag xmlns="" xmlns:ma14="http://schemas.microsoft.com/office/mac/drawingml/2011/main" val="1"/>
             </a:ext>
           </a:extLst>
         </p:spPr>
@@ -11379,7 +11380,7 @@
           </a:ln>
           <a:extLst>
             <a:ext uri="{C572A759-6A51-4108-AA02-DFA0A04FC94B}">
-              <ma14:wrappingTextBoxFlag xmlns:ma14="http://schemas.microsoft.com/office/mac/drawingml/2011/main" xmlns="" val="1"/>
+              <ma14:wrappingTextBoxFlag xmlns="" xmlns:ma14="http://schemas.microsoft.com/office/mac/drawingml/2011/main" val="1"/>
             </a:ext>
           </a:extLst>
         </p:spPr>
@@ -11442,7 +11443,7 @@
           </a:ln>
           <a:extLst>
             <a:ext uri="{C572A759-6A51-4108-AA02-DFA0A04FC94B}">
-              <ma14:wrappingTextBoxFlag xmlns:ma14="http://schemas.microsoft.com/office/mac/drawingml/2011/main" xmlns="" val="1"/>
+              <ma14:wrappingTextBoxFlag xmlns="" xmlns:ma14="http://schemas.microsoft.com/office/mac/drawingml/2011/main" val="1"/>
             </a:ext>
           </a:extLst>
         </p:spPr>
@@ -11596,7 +11597,7 @@
           </a:ln>
           <a:extLst>
             <a:ext uri="{C572A759-6A51-4108-AA02-DFA0A04FC94B}">
-              <ma14:wrappingTextBoxFlag xmlns:ma14="http://schemas.microsoft.com/office/mac/drawingml/2011/main" xmlns="" val="1"/>
+              <ma14:wrappingTextBoxFlag xmlns="" xmlns:ma14="http://schemas.microsoft.com/office/mac/drawingml/2011/main" val="1"/>
             </a:ext>
           </a:extLst>
         </p:spPr>
@@ -11659,7 +11660,7 @@
           </a:ln>
           <a:extLst>
             <a:ext uri="{C572A759-6A51-4108-AA02-DFA0A04FC94B}">
-              <ma14:wrappingTextBoxFlag xmlns:ma14="http://schemas.microsoft.com/office/mac/drawingml/2011/main" xmlns="" val="1"/>
+              <ma14:wrappingTextBoxFlag xmlns="" xmlns:ma14="http://schemas.microsoft.com/office/mac/drawingml/2011/main" val="1"/>
             </a:ext>
           </a:extLst>
         </p:spPr>
@@ -11813,7 +11814,7 @@
           </a:ln>
           <a:extLst>
             <a:ext uri="{C572A759-6A51-4108-AA02-DFA0A04FC94B}">
-              <ma14:wrappingTextBoxFlag xmlns:ma14="http://schemas.microsoft.com/office/mac/drawingml/2011/main" xmlns="" val="1"/>
+              <ma14:wrappingTextBoxFlag xmlns="" xmlns:ma14="http://schemas.microsoft.com/office/mac/drawingml/2011/main" val="1"/>
             </a:ext>
           </a:extLst>
         </p:spPr>
@@ -11876,7 +11877,7 @@
           </a:ln>
           <a:extLst>
             <a:ext uri="{C572A759-6A51-4108-AA02-DFA0A04FC94B}">
-              <ma14:wrappingTextBoxFlag xmlns:ma14="http://schemas.microsoft.com/office/mac/drawingml/2011/main" xmlns="" val="1"/>
+              <ma14:wrappingTextBoxFlag xmlns="" xmlns:ma14="http://schemas.microsoft.com/office/mac/drawingml/2011/main" val="1"/>
             </a:ext>
           </a:extLst>
         </p:spPr>
@@ -12066,7 +12067,7 @@
           </a:ln>
           <a:extLst>
             <a:ext uri="{C572A759-6A51-4108-AA02-DFA0A04FC94B}">
-              <ma14:wrappingTextBoxFlag xmlns:ma14="http://schemas.microsoft.com/office/mac/drawingml/2011/main" xmlns="" val="1"/>
+              <ma14:wrappingTextBoxFlag xmlns="" xmlns:ma14="http://schemas.microsoft.com/office/mac/drawingml/2011/main" val="1"/>
             </a:ext>
           </a:extLst>
         </p:spPr>
@@ -12129,7 +12130,7 @@
           </a:ln>
           <a:extLst>
             <a:ext uri="{C572A759-6A51-4108-AA02-DFA0A04FC94B}">
-              <ma14:wrappingTextBoxFlag xmlns:ma14="http://schemas.microsoft.com/office/mac/drawingml/2011/main" xmlns="" val="1"/>
+              <ma14:wrappingTextBoxFlag xmlns="" xmlns:ma14="http://schemas.microsoft.com/office/mac/drawingml/2011/main" val="1"/>
             </a:ext>
           </a:extLst>
         </p:spPr>
@@ -12313,28 +12314,28 @@
       </p:sp>
       <p:pic>
         <p:nvPicPr>
-          <p:cNvPr id="3" name="Immagine 2"/>
+          <p:cNvPr id="5" name="Picture 4">
+            <a:extLst>
+              <a:ext uri="{FF2B5EF4-FFF2-40B4-BE49-F238E27FC236}">
+                <a16:creationId xmlns:a16="http://schemas.microsoft.com/office/drawing/2014/main" id="{76CA9DAC-B908-4AAB-8625-5011F5153B7A}"/>
+              </a:ext>
+            </a:extLst>
+          </p:cNvPr>
           <p:cNvPicPr>
             <a:picLocks noChangeAspect="1"/>
           </p:cNvPicPr>
           <p:nvPr/>
         </p:nvPicPr>
         <p:blipFill>
-          <a:blip r:embed="rId2">
-            <a:extLst>
-              <a:ext uri="{28A0092B-C50C-407E-A947-70E740481C1C}">
-                <a14:useLocalDpi xmlns:a14="http://schemas.microsoft.com/office/drawing/2010/main" val="0"/>
-              </a:ext>
-            </a:extLst>
-          </a:blip>
+          <a:blip r:embed="rId2"/>
           <a:stretch>
             <a:fillRect/>
           </a:stretch>
         </p:blipFill>
         <p:spPr>
           <a:xfrm>
-            <a:off x="897643" y="2882896"/>
-            <a:ext cx="7456854" cy="2132691"/>
+            <a:off x="820990" y="2798441"/>
+            <a:ext cx="8323010" cy="2547588"/>
           </a:xfrm>
           <a:prstGeom prst="rect">
             <a:avLst/>
@@ -12391,7 +12392,7 @@
           </a:ln>
           <a:extLst>
             <a:ext uri="{C572A759-6A51-4108-AA02-DFA0A04FC94B}">
-              <ma14:wrappingTextBoxFlag xmlns:ma14="http://schemas.microsoft.com/office/mac/drawingml/2011/main" xmlns="" val="1"/>
+              <ma14:wrappingTextBoxFlag xmlns="" xmlns:ma14="http://schemas.microsoft.com/office/mac/drawingml/2011/main" val="1"/>
             </a:ext>
           </a:extLst>
         </p:spPr>
@@ -12454,7 +12455,7 @@
           </a:ln>
           <a:extLst>
             <a:ext uri="{C572A759-6A51-4108-AA02-DFA0A04FC94B}">
-              <ma14:wrappingTextBoxFlag xmlns:ma14="http://schemas.microsoft.com/office/mac/drawingml/2011/main" xmlns="" val="1"/>
+              <ma14:wrappingTextBoxFlag xmlns="" xmlns:ma14="http://schemas.microsoft.com/office/mac/drawingml/2011/main" val="1"/>
             </a:ext>
           </a:extLst>
         </p:spPr>
@@ -12608,7 +12609,7 @@
           </a:ln>
           <a:extLst>
             <a:ext uri="{C572A759-6A51-4108-AA02-DFA0A04FC94B}">
-              <ma14:wrappingTextBoxFlag xmlns:ma14="http://schemas.microsoft.com/office/mac/drawingml/2011/main" xmlns="" val="1"/>
+              <ma14:wrappingTextBoxFlag xmlns="" xmlns:ma14="http://schemas.microsoft.com/office/mac/drawingml/2011/main" val="1"/>
             </a:ext>
           </a:extLst>
         </p:spPr>
@@ -12671,7 +12672,7 @@
           </a:ln>
           <a:extLst>
             <a:ext uri="{C572A759-6A51-4108-AA02-DFA0A04FC94B}">
-              <ma14:wrappingTextBoxFlag xmlns:ma14="http://schemas.microsoft.com/office/mac/drawingml/2011/main" xmlns="" val="1"/>
+              <ma14:wrappingTextBoxFlag xmlns="" xmlns:ma14="http://schemas.microsoft.com/office/mac/drawingml/2011/main" val="1"/>
             </a:ext>
           </a:extLst>
         </p:spPr>
@@ -13039,7 +13040,7 @@
           </a:ln>
           <a:extLst>
             <a:ext uri="{C572A759-6A51-4108-AA02-DFA0A04FC94B}">
-              <ma14:wrappingTextBoxFlag xmlns:ma14="http://schemas.microsoft.com/office/mac/drawingml/2011/main" xmlns="" val="1"/>
+              <ma14:wrappingTextBoxFlag xmlns="" xmlns:ma14="http://schemas.microsoft.com/office/mac/drawingml/2011/main" val="1"/>
             </a:ext>
           </a:extLst>
         </p:spPr>
@@ -13102,7 +13103,7 @@
           </a:ln>
           <a:extLst>
             <a:ext uri="{C572A759-6A51-4108-AA02-DFA0A04FC94B}">
-              <ma14:wrappingTextBoxFlag xmlns:ma14="http://schemas.microsoft.com/office/mac/drawingml/2011/main" xmlns="" val="1"/>
+              <ma14:wrappingTextBoxFlag xmlns="" xmlns:ma14="http://schemas.microsoft.com/office/mac/drawingml/2011/main" val="1"/>
             </a:ext>
           </a:extLst>
         </p:spPr>
@@ -13330,7 +13331,7 @@
           </a:ln>
           <a:extLst>
             <a:ext uri="{C572A759-6A51-4108-AA02-DFA0A04FC94B}">
-              <ma14:wrappingTextBoxFlag xmlns:ma14="http://schemas.microsoft.com/office/mac/drawingml/2011/main" xmlns="" val="1"/>
+              <ma14:wrappingTextBoxFlag xmlns="" xmlns:ma14="http://schemas.microsoft.com/office/mac/drawingml/2011/main" val="1"/>
             </a:ext>
           </a:extLst>
         </p:spPr>
@@ -13393,7 +13394,7 @@
           </a:ln>
           <a:extLst>
             <a:ext uri="{C572A759-6A51-4108-AA02-DFA0A04FC94B}">
-              <ma14:wrappingTextBoxFlag xmlns:ma14="http://schemas.microsoft.com/office/mac/drawingml/2011/main" xmlns="" val="1"/>
+              <ma14:wrappingTextBoxFlag xmlns="" xmlns:ma14="http://schemas.microsoft.com/office/mac/drawingml/2011/main" val="1"/>
             </a:ext>
           </a:extLst>
         </p:spPr>
@@ -14019,7 +14020,7 @@
           </a:ln>
           <a:extLst>
             <a:ext uri="{C572A759-6A51-4108-AA02-DFA0A04FC94B}">
-              <ma14:wrappingTextBoxFlag xmlns:ma14="http://schemas.microsoft.com/office/mac/drawingml/2011/main" xmlns="" val="1"/>
+              <ma14:wrappingTextBoxFlag xmlns="" xmlns:ma14="http://schemas.microsoft.com/office/mac/drawingml/2011/main" val="1"/>
             </a:ext>
           </a:extLst>
         </p:spPr>
@@ -14082,7 +14083,7 @@
           </a:ln>
           <a:extLst>
             <a:ext uri="{C572A759-6A51-4108-AA02-DFA0A04FC94B}">
-              <ma14:wrappingTextBoxFlag xmlns:ma14="http://schemas.microsoft.com/office/mac/drawingml/2011/main" xmlns="" val="1"/>
+              <ma14:wrappingTextBoxFlag xmlns="" xmlns:ma14="http://schemas.microsoft.com/office/mac/drawingml/2011/main" val="1"/>
             </a:ext>
           </a:extLst>
         </p:spPr>
@@ -14317,7 +14318,7 @@
           </a:ln>
           <a:extLst>
             <a:ext uri="{C572A759-6A51-4108-AA02-DFA0A04FC94B}">
-              <ma14:wrappingTextBoxFlag xmlns:ma14="http://schemas.microsoft.com/office/mac/drawingml/2011/main" xmlns="" val="1"/>
+              <ma14:wrappingTextBoxFlag xmlns="" xmlns:ma14="http://schemas.microsoft.com/office/mac/drawingml/2011/main" val="1"/>
             </a:ext>
           </a:extLst>
         </p:spPr>
@@ -14380,7 +14381,251 @@
           </a:ln>
           <a:extLst>
             <a:ext uri="{C572A759-6A51-4108-AA02-DFA0A04FC94B}">
-              <ma14:wrappingTextBoxFlag xmlns:ma14="http://schemas.microsoft.com/office/mac/drawingml/2011/main" xmlns="" val="1"/>
+              <ma14:wrappingTextBoxFlag xmlns="" xmlns:ma14="http://schemas.microsoft.com/office/mac/drawingml/2011/main" val="1"/>
+            </a:ext>
+          </a:extLst>
+        </p:spPr>
+        <p:txBody>
+          <a:bodyPr wrap="square" lIns="35717" tIns="35717" rIns="35717" bIns="35717">
+            <a:spAutoFit/>
+          </a:bodyPr>
+          <a:lstStyle>
+            <a:lvl1pPr algn="l" defTabSz="647700">
+              <a:tabLst>
+                <a:tab pos="355600" algn="l"/>
+                <a:tab pos="711200" algn="l"/>
+                <a:tab pos="1079500" algn="l"/>
+                <a:tab pos="1435100" algn="l"/>
+                <a:tab pos="1790700" algn="l"/>
+                <a:tab pos="2159000" algn="l"/>
+                <a:tab pos="2514600" algn="l"/>
+                <a:tab pos="2870200" algn="l"/>
+                <a:tab pos="3238500" algn="l"/>
+                <a:tab pos="3594100" algn="l"/>
+                <a:tab pos="3949700" algn="l"/>
+                <a:tab pos="4318000" algn="l"/>
+              </a:tabLst>
+              <a:defRPr sz="1800">
+                <a:solidFill>
+                  <a:srgbClr val="F1FEF6"/>
+                </a:solidFill>
+                <a:latin typeface="Lucida Bright"/>
+                <a:ea typeface="Lucida Bright"/>
+                <a:cs typeface="Lucida Bright"/>
+                <a:sym typeface="Lucida Bright"/>
+              </a:defRPr>
+            </a:lvl1pPr>
+          </a:lstStyle>
+          <a:p>
+            <a:r>
+              <a:rPr lang="it-IT" dirty="0"/>
+              <a:t> &amp;  N. Tubini</a:t>
+            </a:r>
+            <a:endParaRPr dirty="0"/>
+          </a:p>
+        </p:txBody>
+      </p:sp>
+      <p:sp>
+        <p:nvSpPr>
+          <p:cNvPr id="2" name="CasellaDiTesto 1"/>
+          <p:cNvSpPr txBox="1"/>
+          <p:nvPr/>
+        </p:nvSpPr>
+        <p:spPr>
+          <a:xfrm>
+            <a:off x="1708712" y="524867"/>
+            <a:ext cx="5726575" cy="400110"/>
+          </a:xfrm>
+          <a:prstGeom prst="rect">
+            <a:avLst/>
+          </a:prstGeom>
+          <a:noFill/>
+        </p:spPr>
+        <p:txBody>
+          <a:bodyPr wrap="square" rtlCol="0">
+            <a:spAutoFit/>
+          </a:bodyPr>
+          <a:lstStyle/>
+          <a:p>
+            <a:pPr algn="ctr"/>
+            <a:r>
+              <a:rPr lang="en-GB" sz="2000" dirty="0"/>
+              <a:t>.sim file: parameters </a:t>
+            </a:r>
+          </a:p>
+        </p:txBody>
+      </p:sp>
+      <p:sp>
+        <p:nvSpPr>
+          <p:cNvPr id="5" name="Titolo 1"/>
+          <p:cNvSpPr txBox="1">
+            <a:spLocks/>
+          </p:cNvSpPr>
+          <p:nvPr/>
+        </p:nvSpPr>
+        <p:spPr>
+          <a:xfrm>
+            <a:off x="533400" y="1739152"/>
+            <a:ext cx="8229600" cy="775447"/>
+          </a:xfrm>
+          <a:prstGeom prst="rect">
+            <a:avLst/>
+          </a:prstGeom>
+        </p:spPr>
+        <p:txBody>
+          <a:bodyPr>
+            <a:noAutofit/>
+          </a:bodyPr>
+          <a:lstStyle>
+            <a:lvl1pPr algn="ctr" defTabSz="457200" rtl="0" eaLnBrk="1" latinLnBrk="0" hangingPunct="1">
+              <a:spcBef>
+                <a:spcPct val="0"/>
+              </a:spcBef>
+              <a:buNone/>
+              <a:defRPr sz="4400" kern="1200">
+                <a:solidFill>
+                  <a:schemeClr val="tx1"/>
+                </a:solidFill>
+                <a:latin typeface="+mj-lt"/>
+                <a:ea typeface="+mj-ea"/>
+                <a:cs typeface="+mj-cs"/>
+              </a:defRPr>
+            </a:lvl1pPr>
+          </a:lstStyle>
+          <a:p>
+            <a:pPr algn="l"/>
+            <a:r>
+              <a:rPr lang="it-IT" sz="2000" dirty="0"/>
+              <a:t>Se possibile meglio utilizzare serie temporali con intervalli di campionamento di 5 minuti. </a:t>
+            </a:r>
+          </a:p>
+          <a:p>
+            <a:pPr algn="l"/>
+            <a:endParaRPr lang="it-IT" sz="2000" dirty="0"/>
+          </a:p>
+          <a:p>
+            <a:pPr algn="l"/>
+            <a:r>
+              <a:rPr lang="it-IT" sz="2000" dirty="0"/>
+              <a:t>Se cio` non fosse possibile, per avere una buona accuratezza della soluzione conviene ridurre la variabile timeDelta. Cosi` facendo l’intervallo di campionamento viene risolto in piu` time step migliorando l’accuratezza.</a:t>
+            </a:r>
+          </a:p>
+        </p:txBody>
+      </p:sp>
+    </p:spTree>
+    <p:extLst>
+      <p:ext uri="{BB962C8B-B14F-4D97-AF65-F5344CB8AC3E}">
+        <p14:creationId xmlns:p14="http://schemas.microsoft.com/office/powerpoint/2010/main" val="786127413"/>
+      </p:ext>
+    </p:extLst>
+  </p:cSld>
+  <p:clrMapOvr>
+    <a:masterClrMapping/>
+  </p:clrMapOvr>
+  <p:transition spd="med"/>
+</p:sld>
+</file>
+
+<file path=ppt/slides/slide32.xml><?xml version="1.0" encoding="utf-8"?>
+<p:sld xmlns:a="http://schemas.openxmlformats.org/drawingml/2006/main" xmlns:r="http://schemas.openxmlformats.org/officeDocument/2006/relationships" xmlns:p="http://schemas.openxmlformats.org/presentationml/2006/main">
+  <p:cSld>
+    <p:spTree>
+      <p:nvGrpSpPr>
+        <p:cNvPr id="1" name=""/>
+        <p:cNvGrpSpPr/>
+        <p:nvPr/>
+      </p:nvGrpSpPr>
+      <p:grpSpPr>
+        <a:xfrm>
+          <a:off x="0" y="0"/>
+          <a:ext cx="0" cy="0"/>
+          <a:chOff x="0" y="0"/>
+          <a:chExt cx="0" cy="0"/>
+        </a:xfrm>
+      </p:grpSpPr>
+      <p:sp>
+        <p:nvSpPr>
+          <p:cNvPr id="154" name="Shape 154"/>
+          <p:cNvSpPr/>
+          <p:nvPr/>
+        </p:nvSpPr>
+        <p:spPr>
+          <a:xfrm>
+            <a:off x="0" y="-8930"/>
+            <a:ext cx="7563445" cy="349131"/>
+          </a:xfrm>
+          <a:prstGeom prst="rect">
+            <a:avLst/>
+          </a:prstGeom>
+          <a:ln w="12700">
+            <a:miter lim="400000"/>
+          </a:ln>
+          <a:extLst>
+            <a:ext uri="{C572A759-6A51-4108-AA02-DFA0A04FC94B}">
+              <ma14:wrappingTextBoxFlag xmlns="" xmlns:ma14="http://schemas.microsoft.com/office/mac/drawingml/2011/main" val="1"/>
+            </a:ext>
+          </a:extLst>
+        </p:spPr>
+        <p:txBody>
+          <a:bodyPr lIns="35717" tIns="35717" rIns="35717" bIns="35717">
+            <a:spAutoFit/>
+          </a:bodyPr>
+          <a:lstStyle>
+            <a:lvl1pPr algn="l" defTabSz="647700">
+              <a:tabLst>
+                <a:tab pos="355600" algn="l"/>
+                <a:tab pos="711200" algn="l"/>
+                <a:tab pos="1079500" algn="l"/>
+                <a:tab pos="1435100" algn="l"/>
+                <a:tab pos="1790700" algn="l"/>
+                <a:tab pos="2159000" algn="l"/>
+                <a:tab pos="2514600" algn="l"/>
+                <a:tab pos="2870200" algn="l"/>
+                <a:tab pos="3238500" algn="l"/>
+                <a:tab pos="3594100" algn="l"/>
+                <a:tab pos="3949700" algn="l"/>
+                <a:tab pos="4318000" algn="l"/>
+              </a:tabLst>
+              <a:defRPr sz="1800">
+                <a:solidFill>
+                  <a:srgbClr val="F1FEF6"/>
+                </a:solidFill>
+                <a:latin typeface="Lucida Bright"/>
+                <a:ea typeface="Lucida Bright"/>
+                <a:cs typeface="Lucida Bright"/>
+                <a:sym typeface="Lucida Bright"/>
+              </a:defRPr>
+            </a:lvl1pPr>
+          </a:lstStyle>
+          <a:p>
+            <a:pPr algn="just"/>
+            <a:r>
+              <a:rPr lang="en-US" dirty="0"/>
+              <a:t>Solving Richards’ equation with OMS console</a:t>
+            </a:r>
+          </a:p>
+        </p:txBody>
+      </p:sp>
+      <p:sp>
+        <p:nvSpPr>
+          <p:cNvPr id="14" name="Shape 154"/>
+          <p:cNvSpPr/>
+          <p:nvPr/>
+        </p:nvSpPr>
+        <p:spPr>
+          <a:xfrm>
+            <a:off x="1049289" y="6508869"/>
+            <a:ext cx="2354957" cy="349131"/>
+          </a:xfrm>
+          <a:prstGeom prst="rect">
+            <a:avLst/>
+          </a:prstGeom>
+          <a:ln w="12700">
+            <a:miter lim="400000"/>
+          </a:ln>
+          <a:extLst>
+            <a:ext uri="{C572A759-6A51-4108-AA02-DFA0A04FC94B}">
+              <ma14:wrappingTextBoxFlag xmlns="" xmlns:ma14="http://schemas.microsoft.com/office/mac/drawingml/2011/main" val="1"/>
             </a:ext>
           </a:extLst>
         </p:spPr>
@@ -14579,7 +14824,7 @@
 </p:sld>
 </file>
 
-<file path=ppt/slides/slide32.xml><?xml version="1.0" encoding="utf-8"?>
+<file path=ppt/slides/slide33.xml><?xml version="1.0" encoding="utf-8"?>
 <p:sld xmlns:a="http://schemas.openxmlformats.org/drawingml/2006/main" xmlns:r="http://schemas.openxmlformats.org/officeDocument/2006/relationships" xmlns:p="http://schemas.openxmlformats.org/presentationml/2006/main">
   <p:cSld>
     <p:spTree>
@@ -14615,7 +14860,7 @@
           </a:ln>
           <a:extLst>
             <a:ext uri="{C572A759-6A51-4108-AA02-DFA0A04FC94B}">
-              <ma14:wrappingTextBoxFlag xmlns:ma14="http://schemas.microsoft.com/office/mac/drawingml/2011/main" xmlns="" val="1"/>
+              <ma14:wrappingTextBoxFlag xmlns="" xmlns:ma14="http://schemas.microsoft.com/office/mac/drawingml/2011/main" val="1"/>
             </a:ext>
           </a:extLst>
         </p:spPr>
@@ -14678,7 +14923,7 @@
           </a:ln>
           <a:extLst>
             <a:ext uri="{C572A759-6A51-4108-AA02-DFA0A04FC94B}">
-              <ma14:wrappingTextBoxFlag xmlns:ma14="http://schemas.microsoft.com/office/mac/drawingml/2011/main" xmlns="" val="1"/>
+              <ma14:wrappingTextBoxFlag xmlns="" xmlns:ma14="http://schemas.microsoft.com/office/mac/drawingml/2011/main" val="1"/>
             </a:ext>
           </a:extLst>
         </p:spPr>
@@ -14877,7 +15122,7 @@
 </p:sld>
 </file>
 
-<file path=ppt/slides/slide33.xml><?xml version="1.0" encoding="utf-8"?>
+<file path=ppt/slides/slide34.xml><?xml version="1.0" encoding="utf-8"?>
 <p:sld xmlns:a="http://schemas.openxmlformats.org/drawingml/2006/main" xmlns:r="http://schemas.openxmlformats.org/officeDocument/2006/relationships" xmlns:p="http://schemas.openxmlformats.org/presentationml/2006/main">
   <p:cSld>
     <p:spTree>
@@ -14913,7 +15158,7 @@
           </a:ln>
           <a:extLst>
             <a:ext uri="{C572A759-6A51-4108-AA02-DFA0A04FC94B}">
-              <ma14:wrappingTextBoxFlag xmlns:ma14="http://schemas.microsoft.com/office/mac/drawingml/2011/main" xmlns="" val="1"/>
+              <ma14:wrappingTextBoxFlag xmlns="" xmlns:ma14="http://schemas.microsoft.com/office/mac/drawingml/2011/main" val="1"/>
             </a:ext>
           </a:extLst>
         </p:spPr>
@@ -14976,7 +15221,7 @@
           </a:ln>
           <a:extLst>
             <a:ext uri="{C572A759-6A51-4108-AA02-DFA0A04FC94B}">
-              <ma14:wrappingTextBoxFlag xmlns:ma14="http://schemas.microsoft.com/office/mac/drawingml/2011/main" xmlns="" val="1"/>
+              <ma14:wrappingTextBoxFlag xmlns="" xmlns:ma14="http://schemas.microsoft.com/office/mac/drawingml/2011/main" val="1"/>
             </a:ext>
           </a:extLst>
         </p:spPr>
@@ -15124,7 +15369,7 @@
 </p:sld>
 </file>
 
-<file path=ppt/slides/slide34.xml><?xml version="1.0" encoding="utf-8"?>
+<file path=ppt/slides/slide35.xml><?xml version="1.0" encoding="utf-8"?>
 <p:sld xmlns:a="http://schemas.openxmlformats.org/drawingml/2006/main" xmlns:r="http://schemas.openxmlformats.org/officeDocument/2006/relationships" xmlns:p="http://schemas.openxmlformats.org/presentationml/2006/main">
   <p:cSld>
     <p:spTree>
@@ -15160,7 +15405,7 @@
           </a:ln>
           <a:extLst>
             <a:ext uri="{C572A759-6A51-4108-AA02-DFA0A04FC94B}">
-              <ma14:wrappingTextBoxFlag xmlns:ma14="http://schemas.microsoft.com/office/mac/drawingml/2011/main" xmlns="" val="1"/>
+              <ma14:wrappingTextBoxFlag xmlns="" xmlns:ma14="http://schemas.microsoft.com/office/mac/drawingml/2011/main" val="1"/>
             </a:ext>
           </a:extLst>
         </p:spPr>
@@ -15223,7 +15468,7 @@
           </a:ln>
           <a:extLst>
             <a:ext uri="{C572A759-6A51-4108-AA02-DFA0A04FC94B}">
-              <ma14:wrappingTextBoxFlag xmlns:ma14="http://schemas.microsoft.com/office/mac/drawingml/2011/main" xmlns="" val="1"/>
+              <ma14:wrappingTextBoxFlag xmlns="" xmlns:ma14="http://schemas.microsoft.com/office/mac/drawingml/2011/main" val="1"/>
             </a:ext>
           </a:extLst>
         </p:spPr>
@@ -15371,7 +15616,7 @@
 </p:sld>
 </file>
 
-<file path=ppt/slides/slide35.xml><?xml version="1.0" encoding="utf-8"?>
+<file path=ppt/slides/slide36.xml><?xml version="1.0" encoding="utf-8"?>
 <p:sld xmlns:a="http://schemas.openxmlformats.org/drawingml/2006/main" xmlns:r="http://schemas.openxmlformats.org/officeDocument/2006/relationships" xmlns:p="http://schemas.openxmlformats.org/presentationml/2006/main">
   <p:cSld>
     <p:spTree>
@@ -15407,7 +15652,7 @@
           </a:ln>
           <a:extLst>
             <a:ext uri="{C572A759-6A51-4108-AA02-DFA0A04FC94B}">
-              <ma14:wrappingTextBoxFlag xmlns:ma14="http://schemas.microsoft.com/office/mac/drawingml/2011/main" xmlns="" val="1"/>
+              <ma14:wrappingTextBoxFlag xmlns="" xmlns:ma14="http://schemas.microsoft.com/office/mac/drawingml/2011/main" val="1"/>
             </a:ext>
           </a:extLst>
         </p:spPr>
@@ -15486,7 +15731,7 @@
           </a:ln>
           <a:extLst>
             <a:ext uri="{C572A759-6A51-4108-AA02-DFA0A04FC94B}">
-              <ma14:wrappingTextBoxFlag xmlns:ma14="http://schemas.microsoft.com/office/mac/drawingml/2011/main" xmlns="" val="1"/>
+              <ma14:wrappingTextBoxFlag xmlns="" xmlns:ma14="http://schemas.microsoft.com/office/mac/drawingml/2011/main" val="1"/>
             </a:ext>
           </a:extLst>
         </p:spPr>
@@ -15729,7 +15974,7 @@
 </p:sld>
 </file>
 
-<file path=ppt/slides/slide36.xml><?xml version="1.0" encoding="utf-8"?>
+<file path=ppt/slides/slide37.xml><?xml version="1.0" encoding="utf-8"?>
 <p:sld xmlns:a="http://schemas.openxmlformats.org/drawingml/2006/main" xmlns:r="http://schemas.openxmlformats.org/officeDocument/2006/relationships" xmlns:p="http://schemas.openxmlformats.org/presentationml/2006/main">
   <p:cSld>
     <p:spTree>
@@ -15765,7 +16010,7 @@
           </a:ln>
           <a:extLst>
             <a:ext uri="{C572A759-6A51-4108-AA02-DFA0A04FC94B}">
-              <ma14:wrappingTextBoxFlag xmlns:ma14="http://schemas.microsoft.com/office/mac/drawingml/2011/main" xmlns="" val="1"/>
+              <ma14:wrappingTextBoxFlag xmlns="" xmlns:ma14="http://schemas.microsoft.com/office/mac/drawingml/2011/main" val="1"/>
             </a:ext>
           </a:extLst>
         </p:spPr>
@@ -15829,7 +16074,7 @@
           </a:ln>
           <a:extLst>
             <a:ext uri="{C572A759-6A51-4108-AA02-DFA0A04FC94B}">
-              <ma14:wrappingTextBoxFlag xmlns:ma14="http://schemas.microsoft.com/office/mac/drawingml/2011/main" xmlns="" val="1"/>
+              <ma14:wrappingTextBoxFlag xmlns="" xmlns:ma14="http://schemas.microsoft.com/office/mac/drawingml/2011/main" val="1"/>
             </a:ext>
           </a:extLst>
         </p:spPr>
@@ -16567,7 +16812,7 @@
 </p:sld>
 </file>
 
-<file path=ppt/slides/slide37.xml><?xml version="1.0" encoding="utf-8"?>
+<file path=ppt/slides/slide38.xml><?xml version="1.0" encoding="utf-8"?>
 <p:sld xmlns:a="http://schemas.openxmlformats.org/drawingml/2006/main" xmlns:r="http://schemas.openxmlformats.org/officeDocument/2006/relationships" xmlns:p="http://schemas.openxmlformats.org/presentationml/2006/main">
   <p:cSld>
     <p:spTree>
@@ -16603,7 +16848,7 @@
           </a:ln>
           <a:extLst>
             <a:ext uri="{C572A759-6A51-4108-AA02-DFA0A04FC94B}">
-              <ma14:wrappingTextBoxFlag xmlns:ma14="http://schemas.microsoft.com/office/mac/drawingml/2011/main" xmlns="" val="1"/>
+              <ma14:wrappingTextBoxFlag xmlns="" xmlns:ma14="http://schemas.microsoft.com/office/mac/drawingml/2011/main" val="1"/>
             </a:ext>
           </a:extLst>
         </p:spPr>
@@ -16667,7 +16912,7 @@
           </a:ln>
           <a:extLst>
             <a:ext uri="{C572A759-6A51-4108-AA02-DFA0A04FC94B}">
-              <ma14:wrappingTextBoxFlag xmlns:ma14="http://schemas.microsoft.com/office/mac/drawingml/2011/main" xmlns="" val="1"/>
+              <ma14:wrappingTextBoxFlag xmlns="" xmlns:ma14="http://schemas.microsoft.com/office/mac/drawingml/2011/main" val="1"/>
             </a:ext>
           </a:extLst>
         </p:spPr>
@@ -16901,7 +17146,7 @@
 </p:sld>
 </file>
 
-<file path=ppt/slides/slide38.xml><?xml version="1.0" encoding="utf-8"?>
+<file path=ppt/slides/slide39.xml><?xml version="1.0" encoding="utf-8"?>
 <p:sld xmlns:a="http://schemas.openxmlformats.org/drawingml/2006/main" xmlns:r="http://schemas.openxmlformats.org/officeDocument/2006/relationships" xmlns:p="http://schemas.openxmlformats.org/presentationml/2006/main">
   <p:cSld>
     <p:spTree>
@@ -16937,7 +17182,7 @@
           </a:ln>
           <a:extLst>
             <a:ext uri="{C572A759-6A51-4108-AA02-DFA0A04FC94B}">
-              <ma14:wrappingTextBoxFlag xmlns:ma14="http://schemas.microsoft.com/office/mac/drawingml/2011/main" xmlns="" val="1"/>
+              <ma14:wrappingTextBoxFlag xmlns="" xmlns:ma14="http://schemas.microsoft.com/office/mac/drawingml/2011/main" val="1"/>
             </a:ext>
           </a:extLst>
         </p:spPr>
@@ -17009,7 +17254,7 @@
           </a:ln>
           <a:extLst>
             <a:ext uri="{C572A759-6A51-4108-AA02-DFA0A04FC94B}">
-              <ma14:wrappingTextBoxFlag xmlns:ma14="http://schemas.microsoft.com/office/mac/drawingml/2011/main" xmlns="" val="1"/>
+              <ma14:wrappingTextBoxFlag xmlns="" xmlns:ma14="http://schemas.microsoft.com/office/mac/drawingml/2011/main" val="1"/>
             </a:ext>
           </a:extLst>
         </p:spPr>
@@ -17351,7 +17596,7 @@
 </p:sld>
 </file>
 
-<file path=ppt/slides/slide39.xml><?xml version="1.0" encoding="utf-8"?>
+<file path=ppt/slides/slide4.xml><?xml version="1.0" encoding="utf-8"?>
 <p:sld xmlns:a="http://schemas.openxmlformats.org/drawingml/2006/main" xmlns:r="http://schemas.openxmlformats.org/officeDocument/2006/relationships" xmlns:p="http://schemas.openxmlformats.org/presentationml/2006/main">
   <p:cSld>
     <p:spTree>
@@ -17376,7 +17621,7 @@
         </p:nvSpPr>
         <p:spPr>
           <a:xfrm>
-            <a:off x="0" y="-8930"/>
+            <a:off x="0" y="-25708"/>
             <a:ext cx="7563445" cy="349131"/>
           </a:xfrm>
           <a:prstGeom prst="rect">
@@ -17387,7 +17632,7 @@
           </a:ln>
           <a:extLst>
             <a:ext uri="{C572A759-6A51-4108-AA02-DFA0A04FC94B}">
-              <ma14:wrappingTextBoxFlag xmlns:ma14="http://schemas.microsoft.com/office/mac/drawingml/2011/main" xmlns="" val="1"/>
+              <ma14:wrappingTextBoxFlag xmlns="" xmlns:ma14="http://schemas.microsoft.com/office/mac/drawingml/2011/main" val="1"/>
             </a:ext>
           </a:extLst>
         </p:spPr>
@@ -17425,18 +17670,9 @@
           <a:p>
             <a:pPr algn="just"/>
             <a:r>
-              <a:rPr lang="en-US" dirty="0" err="1"/>
-              <a:t>Qualche</a:t>
-            </a:r>
-            <a:r>
               <a:rPr lang="en-US" dirty="0"/>
-              <a:t> </a:t>
-            </a:r>
-            <a:r>
-              <a:rPr lang="en-US" dirty="0" err="1"/>
-              <a:t>suggerimento</a:t>
-            </a:r>
-            <a:endParaRPr lang="en-US" dirty="0"/>
+              <a:t>Flow chart</a:t>
+            </a:r>
           </a:p>
         </p:txBody>
       </p:sp>
@@ -17459,509 +17695,7 @@
           </a:ln>
           <a:extLst>
             <a:ext uri="{C572A759-6A51-4108-AA02-DFA0A04FC94B}">
-              <ma14:wrappingTextBoxFlag xmlns:ma14="http://schemas.microsoft.com/office/mac/drawingml/2011/main" xmlns="" val="1"/>
-            </a:ext>
-          </a:extLst>
-        </p:spPr>
-        <p:txBody>
-          <a:bodyPr wrap="square" lIns="35717" tIns="35717" rIns="35717" bIns="35717">
-            <a:spAutoFit/>
-          </a:bodyPr>
-          <a:lstStyle>
-            <a:lvl1pPr algn="l" defTabSz="647700">
-              <a:tabLst>
-                <a:tab pos="355600" algn="l"/>
-                <a:tab pos="711200" algn="l"/>
-                <a:tab pos="1079500" algn="l"/>
-                <a:tab pos="1435100" algn="l"/>
-                <a:tab pos="1790700" algn="l"/>
-                <a:tab pos="2159000" algn="l"/>
-                <a:tab pos="2514600" algn="l"/>
-                <a:tab pos="2870200" algn="l"/>
-                <a:tab pos="3238500" algn="l"/>
-                <a:tab pos="3594100" algn="l"/>
-                <a:tab pos="3949700" algn="l"/>
-                <a:tab pos="4318000" algn="l"/>
-              </a:tabLst>
-              <a:defRPr sz="1800">
-                <a:solidFill>
-                  <a:srgbClr val="F1FEF6"/>
-                </a:solidFill>
-                <a:latin typeface="Lucida Bright"/>
-                <a:ea typeface="Lucida Bright"/>
-                <a:cs typeface="Lucida Bright"/>
-                <a:sym typeface="Lucida Bright"/>
-              </a:defRPr>
-            </a:lvl1pPr>
-          </a:lstStyle>
-          <a:p>
-            <a:r>
-              <a:rPr lang="it-IT" dirty="0"/>
-              <a:t> &amp;  N. Tubini</a:t>
-            </a:r>
-            <a:endParaRPr dirty="0"/>
-          </a:p>
-        </p:txBody>
-      </p:sp>
-      <p:sp>
-        <p:nvSpPr>
-          <p:cNvPr id="3" name="TextBox 2">
-            <a:extLst>
-              <a:ext uri="{FF2B5EF4-FFF2-40B4-BE49-F238E27FC236}">
-                <a16:creationId xmlns:a16="http://schemas.microsoft.com/office/drawing/2014/main" id="{CA28BDC6-A8AD-46E5-A4E7-9CB61C05660A}"/>
-              </a:ext>
-            </a:extLst>
-          </p:cNvPr>
-          <p:cNvSpPr txBox="1"/>
-          <p:nvPr/>
-        </p:nvSpPr>
-        <p:spPr>
-          <a:xfrm>
-            <a:off x="84841" y="340201"/>
-            <a:ext cx="8880050" cy="1631216"/>
-          </a:xfrm>
-          <a:prstGeom prst="rect">
-            <a:avLst/>
-          </a:prstGeom>
-          <a:noFill/>
-        </p:spPr>
-        <p:txBody>
-          <a:bodyPr wrap="square" rtlCol="0">
-            <a:spAutoFit/>
-          </a:bodyPr>
-          <a:lstStyle/>
-          <a:p>
-            <a:pPr marL="285750" indent="-285750">
-              <a:buFont typeface="Arial" panose="020B0604020202020204" pitchFamily="34" charset="0"/>
-              <a:buChar char="•"/>
-            </a:pPr>
-            <a:r>
-              <a:rPr lang="en-US" sz="2000" dirty="0"/>
-              <a:t>I </a:t>
-            </a:r>
-            <a:r>
-              <a:rPr lang="en-US" sz="2000" dirty="0" err="1"/>
-              <a:t>NetCDF</a:t>
-            </a:r>
-            <a:r>
-              <a:rPr lang="en-US" sz="2000" dirty="0"/>
-              <a:t> </a:t>
-            </a:r>
-            <a:r>
-              <a:rPr lang="en-US" sz="2000" dirty="0" err="1"/>
-              <a:t>sono</a:t>
-            </a:r>
-            <a:r>
-              <a:rPr lang="en-US" sz="2000" dirty="0"/>
-              <a:t> file </a:t>
-            </a:r>
-            <a:r>
-              <a:rPr lang="en-US" sz="2000" dirty="0" err="1"/>
-              <a:t>autoesplicativi</a:t>
-            </a:r>
-            <a:r>
-              <a:rPr lang="en-US" sz="2000" dirty="0"/>
-              <a:t>: e` possible </a:t>
-            </a:r>
-            <a:r>
-              <a:rPr lang="en-US" sz="2000" dirty="0" err="1"/>
-              <a:t>aggiungere</a:t>
-            </a:r>
-            <a:r>
-              <a:rPr lang="en-US" sz="2000" dirty="0"/>
-              <a:t> una </a:t>
-            </a:r>
-            <a:r>
-              <a:rPr lang="en-US" sz="2000" dirty="0" err="1"/>
-              <a:t>descrizione</a:t>
-            </a:r>
-            <a:r>
-              <a:rPr lang="en-US" sz="2000" dirty="0"/>
-              <a:t> del </a:t>
-            </a:r>
-            <a:r>
-              <a:rPr lang="en-US" sz="2000" dirty="0" err="1"/>
-              <a:t>contenuto</a:t>
-            </a:r>
-            <a:r>
-              <a:rPr lang="en-US" sz="2000" dirty="0"/>
-              <a:t> del file </a:t>
-            </a:r>
-            <a:r>
-              <a:rPr lang="en-US" sz="2000" dirty="0" err="1"/>
-              <a:t>piu</a:t>
-            </a:r>
-            <a:r>
-              <a:rPr lang="en-US" sz="2000" dirty="0"/>
-              <a:t>` o </a:t>
-            </a:r>
-            <a:r>
-              <a:rPr lang="en-US" sz="2000" dirty="0" err="1"/>
-              <a:t>meno</a:t>
-            </a:r>
-            <a:r>
-              <a:rPr lang="en-US" sz="2000" dirty="0"/>
-              <a:t> </a:t>
-            </a:r>
-            <a:r>
-              <a:rPr lang="en-US" sz="2000" dirty="0" err="1"/>
-              <a:t>dettagliata</a:t>
-            </a:r>
-            <a:r>
-              <a:rPr lang="en-US" sz="2000" dirty="0"/>
-              <a:t>. Il </a:t>
-            </a:r>
-            <a:r>
-              <a:rPr lang="en-US" sz="2000" dirty="0" err="1"/>
-              <a:t>consiglio</a:t>
-            </a:r>
-            <a:r>
-              <a:rPr lang="en-US" sz="2000" dirty="0"/>
-              <a:t> e` di </a:t>
-            </a:r>
-            <a:r>
-              <a:rPr lang="en-US" sz="2000" dirty="0" err="1"/>
-              <a:t>investire</a:t>
-            </a:r>
-            <a:r>
-              <a:rPr lang="en-US" sz="2000" dirty="0"/>
-              <a:t> del tempo </a:t>
-            </a:r>
-            <a:r>
-              <a:rPr lang="en-US" sz="2000" dirty="0" err="1"/>
-              <a:t>nello</a:t>
-            </a:r>
-            <a:r>
-              <a:rPr lang="en-US" sz="2000" dirty="0"/>
-              <a:t> </a:t>
-            </a:r>
-            <a:r>
-              <a:rPr lang="en-US" sz="2000" dirty="0" err="1"/>
-              <a:t>scrivere</a:t>
-            </a:r>
-            <a:r>
-              <a:rPr lang="en-US" sz="2000" dirty="0"/>
-              <a:t> un comment al file in modo da </a:t>
-            </a:r>
-            <a:r>
-              <a:rPr lang="en-US" sz="2000" dirty="0" err="1"/>
-              <a:t>poter</a:t>
-            </a:r>
-            <a:r>
-              <a:rPr lang="en-US" sz="2000" dirty="0"/>
-              <a:t> </a:t>
-            </a:r>
-            <a:r>
-              <a:rPr lang="en-US" sz="2000" dirty="0" err="1"/>
-              <a:t>sempre</a:t>
-            </a:r>
-            <a:r>
-              <a:rPr lang="en-US" sz="2000" dirty="0"/>
-              <a:t> </a:t>
-            </a:r>
-            <a:r>
-              <a:rPr lang="en-US" sz="2000" dirty="0" err="1"/>
-              <a:t>sapere</a:t>
-            </a:r>
-            <a:r>
-              <a:rPr lang="en-US" sz="2000" dirty="0"/>
-              <a:t>, </a:t>
-            </a:r>
-            <a:r>
-              <a:rPr lang="en-US" sz="2000" dirty="0" err="1"/>
-              <a:t>anche</a:t>
-            </a:r>
-            <a:r>
-              <a:rPr lang="en-US" sz="2000" dirty="0"/>
-              <a:t> a </a:t>
-            </a:r>
-            <a:r>
-              <a:rPr lang="en-US" sz="2000" dirty="0" err="1"/>
-              <a:t>distanza</a:t>
-            </a:r>
-            <a:r>
-              <a:rPr lang="en-US" sz="2000" dirty="0"/>
-              <a:t> di tempo, </a:t>
-            </a:r>
-            <a:r>
-              <a:rPr lang="en-US" sz="2000" dirty="0" err="1"/>
-              <a:t>i</a:t>
-            </a:r>
-            <a:r>
-              <a:rPr lang="en-US" sz="2000" dirty="0"/>
-              <a:t> </a:t>
-            </a:r>
-            <a:r>
-              <a:rPr lang="en-US" sz="2000" dirty="0" err="1"/>
-              <a:t>dati</a:t>
-            </a:r>
-            <a:r>
-              <a:rPr lang="en-US" sz="2000" dirty="0"/>
-              <a:t> di input </a:t>
-            </a:r>
-            <a:r>
-              <a:rPr lang="en-US" sz="2000" dirty="0" err="1"/>
-              <a:t>utilizzati</a:t>
-            </a:r>
-            <a:r>
-              <a:rPr lang="en-US" sz="2000" dirty="0"/>
-              <a:t> per la </a:t>
-            </a:r>
-            <a:r>
-              <a:rPr lang="en-US" sz="2000" dirty="0" err="1"/>
-              <a:t>simulazione</a:t>
-            </a:r>
-            <a:r>
-              <a:rPr lang="en-US" sz="2000" dirty="0"/>
-              <a:t>. </a:t>
-            </a:r>
-            <a:r>
-              <a:rPr lang="en-US" sz="2000" dirty="0" err="1"/>
-              <a:t>Questo</a:t>
-            </a:r>
-            <a:r>
-              <a:rPr lang="en-US" sz="2000" dirty="0"/>
-              <a:t> e` possible </a:t>
-            </a:r>
-            <a:r>
-              <a:rPr lang="en-US" sz="2000" dirty="0" err="1"/>
-              <a:t>farlo</a:t>
-            </a:r>
-            <a:r>
-              <a:rPr lang="en-US" sz="2000" dirty="0"/>
-              <a:t> </a:t>
-            </a:r>
-            <a:r>
-              <a:rPr lang="en-US" sz="2000" dirty="0" err="1"/>
-              <a:t>sia</a:t>
-            </a:r>
-            <a:r>
-              <a:rPr lang="en-US" sz="2000" dirty="0"/>
-              <a:t> con la </a:t>
-            </a:r>
-            <a:r>
-              <a:rPr lang="en-US" sz="2000" dirty="0" err="1"/>
-              <a:t>simulazione</a:t>
-            </a:r>
-            <a:r>
-              <a:rPr lang="en-US" sz="2000" dirty="0"/>
-              <a:t> OMS:</a:t>
-            </a:r>
-          </a:p>
-        </p:txBody>
-      </p:sp>
-      <p:pic>
-        <p:nvPicPr>
-          <p:cNvPr id="5" name="Picture 4">
-            <a:extLst>
-              <a:ext uri="{FF2B5EF4-FFF2-40B4-BE49-F238E27FC236}">
-                <a16:creationId xmlns:a16="http://schemas.microsoft.com/office/drawing/2014/main" id="{7D85087A-0C57-4A71-B239-80AD7022133B}"/>
-              </a:ext>
-            </a:extLst>
-          </p:cNvPr>
-          <p:cNvPicPr>
-            <a:picLocks noChangeAspect="1"/>
-          </p:cNvPicPr>
-          <p:nvPr/>
-        </p:nvPicPr>
-        <p:blipFill rotWithShape="1">
-          <a:blip r:embed="rId2"/>
-          <a:srcRect t="59650"/>
-          <a:stretch/>
-        </p:blipFill>
-        <p:spPr>
-          <a:xfrm>
-            <a:off x="1708712" y="2181137"/>
-            <a:ext cx="6093056" cy="586103"/>
-          </a:xfrm>
-          <a:prstGeom prst="rect">
-            <a:avLst/>
-          </a:prstGeom>
-        </p:spPr>
-      </p:pic>
-      <p:sp>
-        <p:nvSpPr>
-          <p:cNvPr id="10" name="TextBox 9">
-            <a:extLst>
-              <a:ext uri="{FF2B5EF4-FFF2-40B4-BE49-F238E27FC236}">
-                <a16:creationId xmlns:a16="http://schemas.microsoft.com/office/drawing/2014/main" id="{F090EC7D-6B81-4858-99CE-0E606CC497DB}"/>
-              </a:ext>
-            </a:extLst>
-          </p:cNvPr>
-          <p:cNvSpPr txBox="1"/>
-          <p:nvPr/>
-        </p:nvSpPr>
-        <p:spPr>
-          <a:xfrm>
-            <a:off x="245630" y="3604920"/>
-            <a:ext cx="8880050" cy="400110"/>
-          </a:xfrm>
-          <a:prstGeom prst="rect">
-            <a:avLst/>
-          </a:prstGeom>
-          <a:noFill/>
-        </p:spPr>
-        <p:txBody>
-          <a:bodyPr wrap="square" rtlCol="0">
-            <a:spAutoFit/>
-          </a:bodyPr>
-          <a:lstStyle/>
-          <a:p>
-            <a:r>
-              <a:rPr lang="en-US" sz="2000" dirty="0" err="1"/>
-              <a:t>Esempio</a:t>
-            </a:r>
-            <a:r>
-              <a:rPr lang="en-US" sz="2000" dirty="0"/>
-              <a:t>:</a:t>
-            </a:r>
-          </a:p>
-        </p:txBody>
-      </p:sp>
-      <p:pic>
-        <p:nvPicPr>
-          <p:cNvPr id="8" name="Picture 7">
-            <a:extLst>
-              <a:ext uri="{FF2B5EF4-FFF2-40B4-BE49-F238E27FC236}">
-                <a16:creationId xmlns:a16="http://schemas.microsoft.com/office/drawing/2014/main" id="{4D7D19D6-F10A-4744-A2DA-9B30E16F5BC0}"/>
-              </a:ext>
-            </a:extLst>
-          </p:cNvPr>
-          <p:cNvPicPr>
-            <a:picLocks noChangeAspect="1"/>
-          </p:cNvPicPr>
-          <p:nvPr/>
-        </p:nvPicPr>
-        <p:blipFill>
-          <a:blip r:embed="rId3"/>
-          <a:stretch>
-            <a:fillRect/>
-          </a:stretch>
-        </p:blipFill>
-        <p:spPr>
-          <a:xfrm>
-            <a:off x="10921" y="4019637"/>
-            <a:ext cx="8738796" cy="2214464"/>
-          </a:xfrm>
-          <a:prstGeom prst="rect">
-            <a:avLst/>
-          </a:prstGeom>
-        </p:spPr>
-      </p:pic>
-    </p:spTree>
-    <p:extLst>
-      <p:ext uri="{BB962C8B-B14F-4D97-AF65-F5344CB8AC3E}">
-        <p14:creationId xmlns:p14="http://schemas.microsoft.com/office/powerpoint/2010/main" val="2354719659"/>
-      </p:ext>
-    </p:extLst>
-  </p:cSld>
-  <p:clrMapOvr>
-    <a:masterClrMapping/>
-  </p:clrMapOvr>
-  <p:transition spd="med"/>
-</p:sld>
-</file>
-
-<file path=ppt/slides/slide4.xml><?xml version="1.0" encoding="utf-8"?>
-<p:sld xmlns:a="http://schemas.openxmlformats.org/drawingml/2006/main" xmlns:r="http://schemas.openxmlformats.org/officeDocument/2006/relationships" xmlns:p="http://schemas.openxmlformats.org/presentationml/2006/main">
-  <p:cSld>
-    <p:spTree>
-      <p:nvGrpSpPr>
-        <p:cNvPr id="1" name=""/>
-        <p:cNvGrpSpPr/>
-        <p:nvPr/>
-      </p:nvGrpSpPr>
-      <p:grpSpPr>
-        <a:xfrm>
-          <a:off x="0" y="0"/>
-          <a:ext cx="0" cy="0"/>
-          <a:chOff x="0" y="0"/>
-          <a:chExt cx="0" cy="0"/>
-        </a:xfrm>
-      </p:grpSpPr>
-      <p:sp>
-        <p:nvSpPr>
-          <p:cNvPr id="154" name="Shape 154"/>
-          <p:cNvSpPr/>
-          <p:nvPr/>
-        </p:nvSpPr>
-        <p:spPr>
-          <a:xfrm>
-            <a:off x="0" y="-25708"/>
-            <a:ext cx="7563445" cy="349131"/>
-          </a:xfrm>
-          <a:prstGeom prst="rect">
-            <a:avLst/>
-          </a:prstGeom>
-          <a:ln w="12700">
-            <a:miter lim="400000"/>
-          </a:ln>
-          <a:extLst>
-            <a:ext uri="{C572A759-6A51-4108-AA02-DFA0A04FC94B}">
-              <ma14:wrappingTextBoxFlag xmlns:ma14="http://schemas.microsoft.com/office/mac/drawingml/2011/main" xmlns="" val="1"/>
-            </a:ext>
-          </a:extLst>
-        </p:spPr>
-        <p:txBody>
-          <a:bodyPr lIns="35717" tIns="35717" rIns="35717" bIns="35717">
-            <a:spAutoFit/>
-          </a:bodyPr>
-          <a:lstStyle>
-            <a:lvl1pPr algn="l" defTabSz="647700">
-              <a:tabLst>
-                <a:tab pos="355600" algn="l"/>
-                <a:tab pos="711200" algn="l"/>
-                <a:tab pos="1079500" algn="l"/>
-                <a:tab pos="1435100" algn="l"/>
-                <a:tab pos="1790700" algn="l"/>
-                <a:tab pos="2159000" algn="l"/>
-                <a:tab pos="2514600" algn="l"/>
-                <a:tab pos="2870200" algn="l"/>
-                <a:tab pos="3238500" algn="l"/>
-                <a:tab pos="3594100" algn="l"/>
-                <a:tab pos="3949700" algn="l"/>
-                <a:tab pos="4318000" algn="l"/>
-              </a:tabLst>
-              <a:defRPr sz="1800">
-                <a:solidFill>
-                  <a:srgbClr val="F1FEF6"/>
-                </a:solidFill>
-                <a:latin typeface="Lucida Bright"/>
-                <a:ea typeface="Lucida Bright"/>
-                <a:cs typeface="Lucida Bright"/>
-                <a:sym typeface="Lucida Bright"/>
-              </a:defRPr>
-            </a:lvl1pPr>
-          </a:lstStyle>
-          <a:p>
-            <a:pPr algn="just"/>
-            <a:r>
-              <a:rPr lang="en-US" dirty="0"/>
-              <a:t>Flow chart</a:t>
-            </a:r>
-          </a:p>
-        </p:txBody>
-      </p:sp>
-      <p:sp>
-        <p:nvSpPr>
-          <p:cNvPr id="14" name="Shape 154"/>
-          <p:cNvSpPr/>
-          <p:nvPr/>
-        </p:nvSpPr>
-        <p:spPr>
-          <a:xfrm>
-            <a:off x="1049289" y="6508869"/>
-            <a:ext cx="2354957" cy="349131"/>
-          </a:xfrm>
-          <a:prstGeom prst="rect">
-            <a:avLst/>
-          </a:prstGeom>
-          <a:ln w="12700">
-            <a:miter lim="400000"/>
-          </a:ln>
-          <a:extLst>
-            <a:ext uri="{C572A759-6A51-4108-AA02-DFA0A04FC94B}">
-              <ma14:wrappingTextBoxFlag xmlns:ma14="http://schemas.microsoft.com/office/mac/drawingml/2011/main" xmlns="" val="1"/>
+              <ma14:wrappingTextBoxFlag xmlns="" xmlns:ma14="http://schemas.microsoft.com/office/mac/drawingml/2011/main" val="1"/>
             </a:ext>
           </a:extLst>
         </p:spPr>
@@ -18539,7 +18273,7 @@
           </a:ln>
           <a:extLst>
             <a:ext uri="{C572A759-6A51-4108-AA02-DFA0A04FC94B}">
-              <ma14:wrappingTextBoxFlag xmlns:ma14="http://schemas.microsoft.com/office/mac/drawingml/2011/main" xmlns="" val="1"/>
+              <ma14:wrappingTextBoxFlag xmlns="" xmlns:ma14="http://schemas.microsoft.com/office/mac/drawingml/2011/main" val="1"/>
             </a:ext>
           </a:extLst>
         </p:spPr>
@@ -18611,7 +18345,7 @@
           </a:ln>
           <a:extLst>
             <a:ext uri="{C572A759-6A51-4108-AA02-DFA0A04FC94B}">
-              <ma14:wrappingTextBoxFlag xmlns:ma14="http://schemas.microsoft.com/office/mac/drawingml/2011/main" xmlns="" val="1"/>
+              <ma14:wrappingTextBoxFlag xmlns="" xmlns:ma14="http://schemas.microsoft.com/office/mac/drawingml/2011/main" val="1"/>
             </a:ext>
           </a:extLst>
         </p:spPr>
@@ -18670,7 +18404,7 @@
         <p:spPr>
           <a:xfrm>
             <a:off x="84841" y="340201"/>
-            <a:ext cx="8880050" cy="5632311"/>
+            <a:ext cx="8880050" cy="1631216"/>
           </a:xfrm>
           <a:prstGeom prst="rect">
             <a:avLst/>
@@ -18689,205 +18423,139 @@
             </a:pPr>
             <a:r>
               <a:rPr lang="en-US" sz="2000" dirty="0"/>
-              <a:t>Per fare </a:t>
-            </a:r>
-            <a:r>
-              <a:rPr lang="en-US" sz="2000" dirty="0" err="1"/>
-              <a:t>dei</a:t>
-            </a:r>
-            <a:r>
-              <a:rPr lang="en-US" sz="2000" dirty="0"/>
-              <a:t> </a:t>
-            </a:r>
-            <a:r>
-              <a:rPr lang="en-US" sz="2000" dirty="0" err="1"/>
-              <a:t>confronti</a:t>
-            </a:r>
-            <a:r>
-              <a:rPr lang="en-US" sz="2000" dirty="0"/>
-              <a:t> </a:t>
-            </a:r>
-            <a:r>
-              <a:rPr lang="en-US" sz="2000" dirty="0" err="1"/>
-              <a:t>sulla</a:t>
-            </a:r>
-            <a:r>
-              <a:rPr lang="en-US" sz="2000" dirty="0"/>
-              <a:t> </a:t>
-            </a:r>
-            <a:r>
-              <a:rPr lang="en-US" sz="2000" dirty="0" err="1"/>
-              <a:t>dinamica</a:t>
-            </a:r>
-            <a:r>
-              <a:rPr lang="en-US" sz="2000" dirty="0"/>
-              <a:t> </a:t>
-            </a:r>
-            <a:r>
-              <a:rPr lang="en-US" sz="2000" dirty="0" err="1"/>
-              <a:t>dell’infiltrazione</a:t>
-            </a:r>
-            <a:r>
-              <a:rPr lang="en-US" sz="2000" dirty="0"/>
-              <a:t> in due </a:t>
-            </a:r>
-            <a:r>
-              <a:rPr lang="en-US" sz="2000" dirty="0" err="1"/>
-              <a:t>suoli</a:t>
-            </a:r>
-            <a:r>
-              <a:rPr lang="en-US" sz="2000" dirty="0"/>
-              <a:t> </a:t>
-            </a:r>
-            <a:r>
-              <a:rPr lang="en-US" sz="2000" dirty="0" err="1"/>
-              <a:t>scegliere</a:t>
-            </a:r>
-            <a:r>
-              <a:rPr lang="en-US" sz="2000" dirty="0"/>
-              <a:t> </a:t>
-            </a:r>
-            <a:r>
-              <a:rPr lang="en-US" sz="2000" dirty="0" err="1"/>
-              <a:t>suoli</a:t>
-            </a:r>
-            <a:r>
-              <a:rPr lang="en-US" sz="2000" dirty="0"/>
-              <a:t> </a:t>
-            </a:r>
-            <a:r>
-              <a:rPr lang="en-US" sz="2000" dirty="0" err="1"/>
-              <a:t>tra</a:t>
-            </a:r>
-            <a:r>
-              <a:rPr lang="en-US" sz="2000" dirty="0"/>
-              <a:t> </a:t>
-            </a:r>
-            <a:r>
-              <a:rPr lang="en-US" sz="2000" dirty="0" err="1"/>
-              <a:t>loro</a:t>
-            </a:r>
-            <a:r>
-              <a:rPr lang="en-US" sz="2000" dirty="0"/>
-              <a:t> </a:t>
-            </a:r>
-            <a:r>
-              <a:rPr lang="en-US" sz="2000" dirty="0" err="1"/>
-              <a:t>abbastanza</a:t>
-            </a:r>
-            <a:r>
-              <a:rPr lang="en-US" sz="2000" dirty="0"/>
-              <a:t> </a:t>
-            </a:r>
-            <a:r>
-              <a:rPr lang="en-US" sz="2000" dirty="0" err="1"/>
-              <a:t>diversi</a:t>
-            </a:r>
-            <a:r>
-              <a:rPr lang="en-US" sz="2000" dirty="0"/>
-              <a:t> (es. </a:t>
-            </a:r>
-            <a:r>
-              <a:rPr lang="en-US" sz="2000" dirty="0" err="1"/>
-              <a:t>sabbia-argilla</a:t>
-            </a:r>
-            <a:r>
-              <a:rPr lang="en-US" sz="2000" dirty="0"/>
-              <a:t> </a:t>
-            </a:r>
-            <a:r>
-              <a:rPr lang="en-US" sz="2000" dirty="0" err="1"/>
-              <a:t>sabbia</a:t>
-            </a:r>
-            <a:r>
-              <a:rPr lang="en-US" sz="2000" dirty="0"/>
-              <a:t>-limo) e </a:t>
-            </a:r>
-            <a:r>
-              <a:rPr lang="en-US" sz="2000" dirty="0" err="1"/>
-              <a:t>mantenere</a:t>
-            </a:r>
-            <a:r>
-              <a:rPr lang="en-US" sz="2000" dirty="0"/>
-              <a:t> </a:t>
-            </a:r>
-            <a:r>
-              <a:rPr lang="en-US" sz="2000" dirty="0" err="1"/>
-              <a:t>condizioni</a:t>
-            </a:r>
-            <a:r>
-              <a:rPr lang="en-US" sz="2000" dirty="0"/>
-              <a:t> </a:t>
-            </a:r>
-            <a:r>
-              <a:rPr lang="en-US" sz="2000" dirty="0" err="1"/>
-              <a:t>iniziali</a:t>
-            </a:r>
-            <a:r>
-              <a:rPr lang="en-US" sz="2000" dirty="0"/>
-              <a:t>, al </a:t>
-            </a:r>
-            <a:r>
-              <a:rPr lang="en-US" sz="2000" dirty="0" err="1"/>
-              <a:t>contorno</a:t>
-            </a:r>
-            <a:r>
-              <a:rPr lang="en-US" sz="2000" dirty="0"/>
-              <a:t>  </a:t>
-            </a:r>
-            <a:r>
-              <a:rPr lang="en-US" sz="2000" dirty="0" err="1"/>
-              <a:t>uguali</a:t>
-            </a:r>
-            <a:r>
-              <a:rPr lang="en-US" sz="2000" dirty="0"/>
-              <a:t>;</a:t>
-            </a:r>
-          </a:p>
-          <a:p>
-            <a:pPr marL="285750" indent="-285750">
-              <a:buFont typeface="Arial" panose="020B0604020202020204" pitchFamily="34" charset="0"/>
-              <a:buChar char="•"/>
-            </a:pPr>
-            <a:r>
-              <a:rPr lang="en-US" sz="2000" dirty="0"/>
-              <a:t>Le prime volte </a:t>
-            </a:r>
-            <a:r>
-              <a:rPr lang="en-US" sz="2000" dirty="0" err="1"/>
-              <a:t>utilizzare</a:t>
-            </a:r>
-            <a:r>
-              <a:rPr lang="en-US" sz="2000" dirty="0"/>
-              <a:t> </a:t>
-            </a:r>
-            <a:r>
-              <a:rPr lang="en-US" sz="2000" dirty="0" err="1"/>
-              <a:t>degli</a:t>
-            </a:r>
-            <a:r>
-              <a:rPr lang="en-US" sz="2000" dirty="0"/>
-              <a:t> </a:t>
-            </a:r>
-            <a:r>
-              <a:rPr lang="en-US" sz="2000" dirty="0" err="1"/>
-              <a:t>ietogrammi</a:t>
-            </a:r>
-            <a:r>
-              <a:rPr lang="en-US" sz="2000" dirty="0"/>
-              <a:t> </a:t>
-            </a:r>
-            <a:r>
-              <a:rPr lang="en-US" sz="2000" dirty="0" err="1"/>
-              <a:t>sintetici</a:t>
-            </a:r>
-            <a:r>
-              <a:rPr lang="en-US" sz="2000" dirty="0"/>
-              <a:t> </a:t>
-            </a:r>
-            <a:r>
-              <a:rPr lang="en-US" sz="2000" dirty="0" err="1"/>
-              <a:t>possibilmente</a:t>
+              <a:t>I </a:t>
+            </a:r>
+            <a:r>
+              <a:rPr lang="en-US" sz="2000" dirty="0" err="1"/>
+              <a:t>NetCDF</a:t>
+            </a:r>
+            <a:r>
+              <a:rPr lang="en-US" sz="2000" dirty="0"/>
+              <a:t> </a:t>
+            </a:r>
+            <a:r>
+              <a:rPr lang="en-US" sz="2000" dirty="0" err="1"/>
+              <a:t>sono</a:t>
+            </a:r>
+            <a:r>
+              <a:rPr lang="en-US" sz="2000" dirty="0"/>
+              <a:t> file </a:t>
+            </a:r>
+            <a:r>
+              <a:rPr lang="en-US" sz="2000" dirty="0" err="1"/>
+              <a:t>autoesplicativi</a:t>
+            </a:r>
+            <a:r>
+              <a:rPr lang="en-US" sz="2000" dirty="0"/>
+              <a:t>: e` possible </a:t>
+            </a:r>
+            <a:r>
+              <a:rPr lang="en-US" sz="2000" dirty="0" err="1"/>
+              <a:t>aggiungere</a:t>
+            </a:r>
+            <a:r>
+              <a:rPr lang="en-US" sz="2000" dirty="0"/>
+              <a:t> una </a:t>
+            </a:r>
+            <a:r>
+              <a:rPr lang="en-US" sz="2000" dirty="0" err="1"/>
+              <a:t>descrizione</a:t>
+            </a:r>
+            <a:r>
+              <a:rPr lang="en-US" sz="2000" dirty="0"/>
+              <a:t> del </a:t>
+            </a:r>
+            <a:r>
+              <a:rPr lang="en-US" sz="2000" dirty="0" err="1"/>
+              <a:t>contenuto</a:t>
+            </a:r>
+            <a:r>
+              <a:rPr lang="en-US" sz="2000" dirty="0"/>
+              <a:t> del file </a:t>
+            </a:r>
+            <a:r>
+              <a:rPr lang="en-US" sz="2000" dirty="0" err="1"/>
+              <a:t>piu</a:t>
+            </a:r>
+            <a:r>
+              <a:rPr lang="en-US" sz="2000" dirty="0"/>
+              <a:t>` o </a:t>
+            </a:r>
+            <a:r>
+              <a:rPr lang="en-US" sz="2000" dirty="0" err="1"/>
+              <a:t>meno</a:t>
+            </a:r>
+            <a:r>
+              <a:rPr lang="en-US" sz="2000" dirty="0"/>
+              <a:t> </a:t>
+            </a:r>
+            <a:r>
+              <a:rPr lang="en-US" sz="2000" dirty="0" err="1"/>
+              <a:t>dettagliata</a:t>
+            </a:r>
+            <a:r>
+              <a:rPr lang="en-US" sz="2000" dirty="0"/>
+              <a:t>. Il </a:t>
+            </a:r>
+            <a:r>
+              <a:rPr lang="en-US" sz="2000" dirty="0" err="1"/>
+              <a:t>consiglio</a:t>
+            </a:r>
+            <a:r>
+              <a:rPr lang="en-US" sz="2000" dirty="0"/>
+              <a:t> e` di </a:t>
+            </a:r>
+            <a:r>
+              <a:rPr lang="en-US" sz="2000" dirty="0" err="1"/>
+              <a:t>investire</a:t>
+            </a:r>
+            <a:r>
+              <a:rPr lang="en-US" sz="2000" dirty="0"/>
+              <a:t> del tempo </a:t>
+            </a:r>
+            <a:r>
+              <a:rPr lang="en-US" sz="2000" dirty="0" err="1"/>
+              <a:t>nello</a:t>
+            </a:r>
+            <a:r>
+              <a:rPr lang="en-US" sz="2000" dirty="0"/>
+              <a:t> </a:t>
+            </a:r>
+            <a:r>
+              <a:rPr lang="en-US" sz="2000" dirty="0" err="1"/>
+              <a:t>scrivere</a:t>
+            </a:r>
+            <a:r>
+              <a:rPr lang="en-US" sz="2000" dirty="0"/>
+              <a:t> un comment al file in modo da </a:t>
+            </a:r>
+            <a:r>
+              <a:rPr lang="en-US" sz="2000" dirty="0" err="1"/>
+              <a:t>poter</a:t>
+            </a:r>
+            <a:r>
+              <a:rPr lang="en-US" sz="2000" dirty="0"/>
+              <a:t> </a:t>
+            </a:r>
+            <a:r>
+              <a:rPr lang="en-US" sz="2000" dirty="0" err="1"/>
+              <a:t>sempre</a:t>
+            </a:r>
+            <a:r>
+              <a:rPr lang="en-US" sz="2000" dirty="0"/>
+              <a:t> </a:t>
+            </a:r>
+            <a:r>
+              <a:rPr lang="en-US" sz="2000" dirty="0" err="1"/>
+              <a:t>sapere</a:t>
+            </a:r>
+            <a:r>
+              <a:rPr lang="en-US" sz="2000" dirty="0"/>
+              <a:t>, </a:t>
+            </a:r>
+            <a:r>
+              <a:rPr lang="en-US" sz="2000" dirty="0" err="1"/>
+              <a:t>anche</a:t>
             </a:r>
             <a:r>
               <a:rPr lang="en-US" sz="2000" dirty="0"/>
@@ -18895,95 +18563,63 @@
             </a:r>
             <a:r>
               <a:rPr lang="en-US" sz="2000" dirty="0" err="1"/>
-              <a:t>gradino</a:t>
-            </a:r>
-            <a:r>
-              <a:rPr lang="en-US" sz="2000" dirty="0"/>
-              <a:t> in modo da </a:t>
-            </a:r>
-            <a:r>
-              <a:rPr lang="en-US" sz="2000" dirty="0" err="1"/>
-              <a:t>individuare</a:t>
-            </a:r>
-            <a:r>
-              <a:rPr lang="en-US" sz="2000" dirty="0"/>
-              <a:t> </a:t>
-            </a:r>
-            <a:r>
-              <a:rPr lang="en-US" sz="2000" dirty="0" err="1"/>
-              <a:t>correttamente</a:t>
-            </a:r>
-            <a:r>
-              <a:rPr lang="en-US" sz="2000" dirty="0"/>
-              <a:t> </a:t>
-            </a:r>
-            <a:r>
-              <a:rPr lang="en-US" sz="2000" dirty="0" err="1"/>
-              <a:t>l’inizio</a:t>
-            </a:r>
-            <a:r>
-              <a:rPr lang="en-US" sz="2000" dirty="0"/>
-              <a:t> e la fine </a:t>
-            </a:r>
-            <a:r>
-              <a:rPr lang="en-US" sz="2000" dirty="0" err="1"/>
-              <a:t>della</a:t>
-            </a:r>
-            <a:r>
-              <a:rPr lang="en-US" sz="2000" dirty="0"/>
-              <a:t> </a:t>
-            </a:r>
-            <a:r>
-              <a:rPr lang="en-US" sz="2000" dirty="0" err="1"/>
-              <a:t>precipitazione</a:t>
-            </a:r>
-            <a:r>
-              <a:rPr lang="en-US" sz="2000" dirty="0"/>
-              <a:t>. Nella </a:t>
-            </a:r>
-            <a:r>
-              <a:rPr lang="en-US" sz="2000" dirty="0" err="1"/>
-              <a:t>definizione</a:t>
-            </a:r>
-            <a:r>
-              <a:rPr lang="en-US" sz="2000" dirty="0"/>
-              <a:t> </a:t>
-            </a:r>
-            <a:r>
-              <a:rPr lang="en-US" sz="2000" dirty="0" err="1"/>
-              <a:t>degli</a:t>
-            </a:r>
-            <a:r>
-              <a:rPr lang="en-US" sz="2000" dirty="0"/>
-              <a:t> </a:t>
-            </a:r>
-            <a:r>
-              <a:rPr lang="en-US" sz="2000" dirty="0" err="1"/>
-              <a:t>ietogrammi</a:t>
-            </a:r>
-            <a:r>
-              <a:rPr lang="en-US" sz="2000" dirty="0"/>
-              <a:t> </a:t>
-            </a:r>
-            <a:r>
-              <a:rPr lang="en-US" sz="2000" dirty="0" err="1"/>
-              <a:t>confrontare</a:t>
-            </a:r>
-            <a:r>
-              <a:rPr lang="en-US" sz="2000" dirty="0"/>
-              <a:t> </a:t>
-            </a:r>
-            <a:r>
-              <a:rPr lang="en-US" sz="2000" dirty="0" err="1"/>
-              <a:t>l’intensita</a:t>
-            </a:r>
-            <a:r>
-              <a:rPr lang="en-US" sz="2000" dirty="0"/>
-              <a:t>` di </a:t>
-            </a:r>
-            <a:r>
-              <a:rPr lang="en-US" sz="2000" dirty="0" err="1"/>
-              <a:t>precipitazione</a:t>
+              <a:t>distanza</a:t>
+            </a:r>
+            <a:r>
+              <a:rPr lang="en-US" sz="2000" dirty="0"/>
+              <a:t> di tempo, </a:t>
+            </a:r>
+            <a:r>
+              <a:rPr lang="en-US" sz="2000" dirty="0" err="1"/>
+              <a:t>i</a:t>
+            </a:r>
+            <a:r>
+              <a:rPr lang="en-US" sz="2000" dirty="0"/>
+              <a:t> </a:t>
+            </a:r>
+            <a:r>
+              <a:rPr lang="en-US" sz="2000" dirty="0" err="1"/>
+              <a:t>dati</a:t>
+            </a:r>
+            <a:r>
+              <a:rPr lang="en-US" sz="2000" dirty="0"/>
+              <a:t> di input </a:t>
+            </a:r>
+            <a:r>
+              <a:rPr lang="en-US" sz="2000" dirty="0" err="1"/>
+              <a:t>utilizzati</a:t>
+            </a:r>
+            <a:r>
+              <a:rPr lang="en-US" sz="2000" dirty="0"/>
+              <a:t> per la </a:t>
+            </a:r>
+            <a:r>
+              <a:rPr lang="en-US" sz="2000" dirty="0" err="1"/>
+              <a:t>simulazione</a:t>
+            </a:r>
+            <a:r>
+              <a:rPr lang="en-US" sz="2000" dirty="0"/>
+              <a:t>. </a:t>
+            </a:r>
+            <a:r>
+              <a:rPr lang="en-US" sz="2000" dirty="0" err="1"/>
+              <a:t>Questo</a:t>
+            </a:r>
+            <a:r>
+              <a:rPr lang="en-US" sz="2000" dirty="0"/>
+              <a:t> e` possible </a:t>
+            </a:r>
+            <a:r>
+              <a:rPr lang="en-US" sz="2000" dirty="0" err="1"/>
+              <a:t>farlo</a:t>
+            </a:r>
+            <a:r>
+              <a:rPr lang="en-US" sz="2000" dirty="0"/>
+              <a:t> </a:t>
+            </a:r>
+            <a:r>
+              <a:rPr lang="en-US" sz="2000" dirty="0" err="1"/>
+              <a:t>sia</a:t>
             </a:r>
             <a:r>
               <a:rPr lang="en-US" sz="2000" dirty="0"/>
@@ -18991,441 +18627,117 @@
             </a:r>
             <a:r>
               <a:rPr lang="en-US" sz="2000" dirty="0" err="1"/>
-              <a:t>conducibilita</a:t>
-            </a:r>
-            <a:r>
-              <a:rPr lang="en-US" sz="2000" dirty="0"/>
-              <a:t>` </a:t>
-            </a:r>
-            <a:r>
-              <a:rPr lang="en-US" sz="2000" dirty="0" err="1"/>
-              <a:t>idraulica</a:t>
-            </a:r>
-            <a:r>
-              <a:rPr lang="en-US" sz="2000" dirty="0"/>
-              <a:t> a </a:t>
-            </a:r>
-            <a:r>
-              <a:rPr lang="en-US" sz="2000" dirty="0" err="1"/>
-              <a:t>saturazione</a:t>
-            </a:r>
-            <a:r>
-              <a:rPr lang="en-US" sz="2000" dirty="0"/>
-              <a:t> e </a:t>
-            </a:r>
-            <a:r>
-              <a:rPr lang="en-US" sz="2000" dirty="0" err="1"/>
-              <a:t>l’altezza</a:t>
-            </a:r>
-            <a:r>
-              <a:rPr lang="en-US" sz="2000" dirty="0"/>
-              <a:t> di </a:t>
-            </a:r>
-            <a:r>
-              <a:rPr lang="en-US" sz="2000" dirty="0" err="1"/>
-              <a:t>precipitazione</a:t>
-            </a:r>
-            <a:r>
-              <a:rPr lang="en-US" sz="2000" dirty="0"/>
-              <a:t> cumulate con </a:t>
-            </a:r>
-            <a:r>
-              <a:rPr lang="en-US" sz="2000" dirty="0" err="1"/>
-              <a:t>il</a:t>
-            </a:r>
-            <a:r>
-              <a:rPr lang="en-US" sz="2000" dirty="0"/>
-              <a:t> volume </a:t>
-            </a:r>
-            <a:r>
-              <a:rPr lang="en-US" sz="2000" dirty="0" err="1"/>
-              <a:t>disponibile</a:t>
-            </a:r>
-            <a:r>
-              <a:rPr lang="en-US" sz="2000" dirty="0"/>
-              <a:t> </a:t>
-            </a:r>
-            <a:r>
-              <a:rPr lang="en-US" sz="2000" dirty="0" err="1"/>
-              <a:t>all’infiltrazione</a:t>
-            </a:r>
-            <a:r>
-              <a:rPr lang="en-US" sz="2000" dirty="0"/>
-              <a:t>;</a:t>
-            </a:r>
-          </a:p>
-          <a:p>
-            <a:pPr marL="285750" indent="-285750">
-              <a:buFont typeface="Arial" panose="020B0604020202020204" pitchFamily="34" charset="0"/>
-              <a:buChar char="•"/>
-            </a:pPr>
-            <a:r>
-              <a:rPr lang="en-US" sz="2000" dirty="0"/>
-              <a:t>Per lo </a:t>
-            </a:r>
-            <a:r>
-              <a:rPr lang="en-US" sz="2000" dirty="0" err="1"/>
-              <a:t>stesso</a:t>
-            </a:r>
-            <a:r>
-              <a:rPr lang="en-US" sz="2000" dirty="0"/>
-              <a:t> </a:t>
-            </a:r>
-            <a:r>
-              <a:rPr lang="en-US" sz="2000" dirty="0" err="1"/>
-              <a:t>tipo</a:t>
-            </a:r>
-            <a:r>
-              <a:rPr lang="en-US" sz="2000" dirty="0"/>
-              <a:t> di </a:t>
-            </a:r>
-            <a:r>
-              <a:rPr lang="en-US" sz="2000" dirty="0" err="1"/>
-              <a:t>suolo</a:t>
-            </a:r>
-            <a:r>
-              <a:rPr lang="en-US" sz="2000" dirty="0"/>
-              <a:t>, a </a:t>
-            </a:r>
-            <a:r>
-              <a:rPr lang="en-US" sz="2000" dirty="0" err="1"/>
-              <a:t>parita</a:t>
-            </a:r>
-            <a:r>
-              <a:rPr lang="en-US" sz="2000" dirty="0"/>
-              <a:t>` di </a:t>
-            </a:r>
-            <a:r>
-              <a:rPr lang="en-US" sz="2000" dirty="0" err="1"/>
-              <a:t>condizioni</a:t>
-            </a:r>
-            <a:r>
-              <a:rPr lang="en-US" sz="2000" dirty="0"/>
-              <a:t> </a:t>
-            </a:r>
-            <a:r>
-              <a:rPr lang="en-US" sz="2000" dirty="0" err="1"/>
-              <a:t>iniziali</a:t>
-            </a:r>
-            <a:r>
-              <a:rPr lang="en-US" sz="2000" dirty="0"/>
-              <a:t> </a:t>
-            </a:r>
-            <a:r>
-              <a:rPr lang="en-US" sz="2000" dirty="0" err="1"/>
-              <a:t>variare</a:t>
-            </a:r>
-            <a:r>
-              <a:rPr lang="en-US" sz="2000" dirty="0"/>
-              <a:t> una ad una le </a:t>
-            </a:r>
-            <a:r>
-              <a:rPr lang="en-US" sz="2000" dirty="0" err="1"/>
-              <a:t>condizioni</a:t>
-            </a:r>
-            <a:r>
-              <a:rPr lang="en-US" sz="2000" dirty="0"/>
-              <a:t> al </a:t>
-            </a:r>
-            <a:r>
-              <a:rPr lang="en-US" sz="2000" dirty="0" err="1"/>
-              <a:t>contorno</a:t>
-            </a:r>
-            <a:r>
-              <a:rPr lang="en-US" sz="2000" dirty="0"/>
-              <a:t>;</a:t>
-            </a:r>
-          </a:p>
-          <a:p>
-            <a:pPr marL="285750" indent="-285750">
-              <a:buFont typeface="Arial" panose="020B0604020202020204" pitchFamily="34" charset="0"/>
-              <a:buChar char="•"/>
-            </a:pPr>
-            <a:r>
-              <a:rPr lang="en-US" sz="2000" dirty="0" err="1"/>
-              <a:t>Considerare</a:t>
-            </a:r>
-            <a:r>
-              <a:rPr lang="en-US" sz="2000" dirty="0"/>
-              <a:t> un </a:t>
-            </a:r>
-            <a:r>
-              <a:rPr lang="en-US" sz="2000" dirty="0" err="1"/>
-              <a:t>suolo</a:t>
-            </a:r>
-            <a:r>
-              <a:rPr lang="en-US" sz="2000" dirty="0"/>
-              <a:t> con due layer </a:t>
-            </a:r>
-            <a:r>
-              <a:rPr lang="en-US" sz="2000" dirty="0" err="1"/>
-              <a:t>diversi</a:t>
-            </a:r>
-            <a:r>
-              <a:rPr lang="en-US" sz="2000" dirty="0"/>
-              <a:t> e a </a:t>
-            </a:r>
-            <a:r>
-              <a:rPr lang="en-US" sz="2000" dirty="0" err="1"/>
-              <a:t>parita</a:t>
-            </a:r>
-            <a:r>
-              <a:rPr lang="en-US" sz="2000" dirty="0"/>
-              <a:t>` di </a:t>
-            </a:r>
-            <a:r>
-              <a:rPr lang="en-US" sz="2000" dirty="0" err="1"/>
-              <a:t>tutte</a:t>
-            </a:r>
-            <a:r>
-              <a:rPr lang="en-US" sz="2000" dirty="0"/>
-              <a:t> le alter </a:t>
-            </a:r>
-            <a:r>
-              <a:rPr lang="en-US" sz="2000" dirty="0" err="1"/>
-              <a:t>condizioni</a:t>
-            </a:r>
-            <a:r>
-              <a:rPr lang="en-US" sz="2000" dirty="0"/>
-              <a:t> fare un </a:t>
-            </a:r>
-            <a:r>
-              <a:rPr lang="en-US" sz="2000" dirty="0" err="1"/>
-              <a:t>confronto</a:t>
-            </a:r>
-            <a:r>
-              <a:rPr lang="en-US" sz="2000" dirty="0"/>
-              <a:t> con un </a:t>
-            </a:r>
-            <a:r>
-              <a:rPr lang="en-US" sz="2000" dirty="0" err="1"/>
-              <a:t>suolo</a:t>
-            </a:r>
-            <a:r>
-              <a:rPr lang="en-US" sz="2000" dirty="0"/>
-              <a:t> con </a:t>
-            </a:r>
-            <a:r>
-              <a:rPr lang="en-US" sz="2000" dirty="0" err="1"/>
-              <a:t>i</a:t>
-            </a:r>
-            <a:r>
-              <a:rPr lang="en-US" sz="2000" dirty="0"/>
-              <a:t> layer ‘</a:t>
-            </a:r>
-            <a:r>
-              <a:rPr lang="en-US" sz="2000" dirty="0" err="1"/>
-              <a:t>invertiti</a:t>
-            </a:r>
-            <a:r>
-              <a:rPr lang="en-US" sz="2000" dirty="0"/>
-              <a:t>’</a:t>
-            </a:r>
-          </a:p>
-          <a:p>
-            <a:pPr marL="285750" indent="-285750">
-              <a:buFont typeface="Arial" panose="020B0604020202020204" pitchFamily="34" charset="0"/>
-              <a:buChar char="•"/>
-            </a:pPr>
-            <a:r>
-              <a:rPr lang="en-US" sz="2000" dirty="0" err="1"/>
-              <a:t>Considerare</a:t>
-            </a:r>
-            <a:r>
-              <a:rPr lang="en-US" sz="2000" dirty="0"/>
-              <a:t> </a:t>
-            </a:r>
-            <a:r>
-              <a:rPr lang="en-US" sz="2000" dirty="0" err="1"/>
-              <a:t>il</a:t>
-            </a:r>
-            <a:r>
-              <a:rPr lang="en-US" sz="2000" dirty="0"/>
-              <a:t> </a:t>
-            </a:r>
-            <a:r>
-              <a:rPr lang="en-US" sz="2000" dirty="0" err="1"/>
-              <a:t>problema</a:t>
-            </a:r>
-            <a:r>
-              <a:rPr lang="en-US" sz="2000" dirty="0"/>
-              <a:t> di un </a:t>
-            </a:r>
-            <a:r>
-              <a:rPr lang="en-US" sz="2000" dirty="0" err="1"/>
-              <a:t>suolo</a:t>
-            </a:r>
-            <a:r>
-              <a:rPr lang="en-US" sz="2000" dirty="0"/>
-              <a:t> con </a:t>
-            </a:r>
-            <a:r>
-              <a:rPr lang="en-US" sz="2000" dirty="0" err="1"/>
-              <a:t>condizione</a:t>
-            </a:r>
-            <a:r>
-              <a:rPr lang="en-US" sz="2000" dirty="0"/>
-              <a:t> al </a:t>
-            </a:r>
-            <a:r>
-              <a:rPr lang="en-US" sz="2000" dirty="0" err="1"/>
-              <a:t>contorno</a:t>
-            </a:r>
-            <a:r>
-              <a:rPr lang="en-US" sz="2000" dirty="0"/>
-              <a:t> al </a:t>
-            </a:r>
-            <a:r>
-              <a:rPr lang="en-US" sz="2000" dirty="0" err="1"/>
-              <a:t>fondo</a:t>
-            </a:r>
-            <a:r>
-              <a:rPr lang="en-US" sz="2000" dirty="0"/>
-              <a:t> ‘Impervious’ e una </a:t>
-            </a:r>
-            <a:r>
-              <a:rPr lang="en-US" sz="2000" dirty="0" err="1"/>
-              <a:t>precipitazione</a:t>
-            </a:r>
-            <a:r>
-              <a:rPr lang="en-US" sz="2000" dirty="0"/>
-              <a:t> tale da </a:t>
-            </a:r>
-            <a:r>
-              <a:rPr lang="en-US" sz="2000" dirty="0" err="1"/>
-              <a:t>saturarlo</a:t>
-            </a:r>
-            <a:r>
-              <a:rPr lang="en-US" sz="2000" dirty="0"/>
-              <a:t> </a:t>
-            </a:r>
-            <a:r>
-              <a:rPr lang="en-US" sz="2000" dirty="0" err="1"/>
-              <a:t>completamente</a:t>
-            </a:r>
-            <a:r>
-              <a:rPr lang="en-US" sz="2000" dirty="0"/>
-              <a:t>. </a:t>
-            </a:r>
-            <a:r>
-              <a:rPr lang="en-US" sz="2000" dirty="0" err="1"/>
-              <a:t>Utilizzando</a:t>
-            </a:r>
-            <a:r>
-              <a:rPr lang="en-US" sz="2000" dirty="0"/>
-              <a:t> </a:t>
-            </a:r>
-            <a:r>
-              <a:rPr lang="en-US" sz="2000" dirty="0" err="1"/>
-              <a:t>il</a:t>
-            </a:r>
-            <a:r>
-              <a:rPr lang="en-US" sz="2000" dirty="0"/>
-              <a:t> notebook check_ponding_depth_and_cumulative_infiltration_for_simulations_with_impervious_bottom_BC </a:t>
-            </a:r>
-            <a:r>
-              <a:rPr lang="en-US" sz="2000" dirty="0" err="1"/>
-              <a:t>confrontare</a:t>
-            </a:r>
-            <a:r>
-              <a:rPr lang="en-US" sz="2000" dirty="0"/>
-              <a:t> </a:t>
-            </a:r>
-            <a:r>
-              <a:rPr lang="en-US" sz="2000" dirty="0" err="1"/>
-              <a:t>l’accumulo</a:t>
-            </a:r>
-            <a:r>
-              <a:rPr lang="en-US" sz="2000" dirty="0"/>
-              <a:t> di </a:t>
-            </a:r>
-            <a:r>
-              <a:rPr lang="en-US" sz="2000" dirty="0" err="1"/>
-              <a:t>acqua</a:t>
-            </a:r>
-            <a:r>
-              <a:rPr lang="en-US" sz="2000" dirty="0"/>
-              <a:t> </a:t>
-            </a:r>
-            <a:r>
-              <a:rPr lang="en-US" sz="2000" dirty="0" err="1"/>
-              <a:t>sulla</a:t>
-            </a:r>
-            <a:r>
-              <a:rPr lang="en-US" sz="2000" dirty="0"/>
-              <a:t> </a:t>
-            </a:r>
-            <a:r>
-              <a:rPr lang="en-US" sz="2000" dirty="0" err="1"/>
-              <a:t>superficie</a:t>
-            </a:r>
-            <a:r>
-              <a:rPr lang="en-US" sz="2000" dirty="0"/>
-              <a:t> </a:t>
-            </a:r>
-            <a:r>
-              <a:rPr lang="en-US" sz="2000" dirty="0" err="1"/>
-              <a:t>calcolato</a:t>
-            </a:r>
-            <a:r>
-              <a:rPr lang="en-US" sz="2000" dirty="0"/>
-              <a:t> </a:t>
-            </a:r>
-            <a:r>
-              <a:rPr lang="en-US" sz="2000" dirty="0" err="1"/>
-              <a:t>facendo</a:t>
-            </a:r>
-            <a:r>
-              <a:rPr lang="en-US" sz="2000" dirty="0"/>
-              <a:t> un </a:t>
-            </a:r>
-            <a:r>
-              <a:rPr lang="en-US" sz="2000" dirty="0" err="1"/>
-              <a:t>bilancio</a:t>
-            </a:r>
-            <a:r>
-              <a:rPr lang="en-US" sz="2000" dirty="0"/>
-              <a:t> sui volume e </a:t>
-            </a:r>
-            <a:r>
-              <a:rPr lang="en-US" sz="2000" dirty="0" err="1"/>
-              <a:t>quello</a:t>
-            </a:r>
-            <a:r>
-              <a:rPr lang="en-US" sz="2000" dirty="0"/>
-              <a:t> </a:t>
-            </a:r>
-            <a:r>
-              <a:rPr lang="en-US" sz="2000" dirty="0" err="1"/>
-              <a:t>ottenuto</a:t>
-            </a:r>
-            <a:r>
-              <a:rPr lang="en-US" sz="2000" dirty="0"/>
-              <a:t> </a:t>
-            </a:r>
-            <a:r>
-              <a:rPr lang="en-US" sz="2000" dirty="0" err="1"/>
-              <a:t>dalla</a:t>
-            </a:r>
-            <a:r>
-              <a:rPr lang="en-US" sz="2000" dirty="0"/>
-              <a:t> </a:t>
-            </a:r>
-            <a:r>
-              <a:rPr lang="en-US" sz="2000" dirty="0" err="1"/>
               <a:t>simulazione</a:t>
             </a:r>
             <a:r>
               <a:rPr lang="en-US" sz="2000" dirty="0"/>
-              <a:t>.</a:t>
-            </a:r>
-          </a:p>
-        </p:txBody>
-      </p:sp>
+              <a:t> OMS:</a:t>
+            </a:r>
+          </a:p>
+        </p:txBody>
+      </p:sp>
+      <p:pic>
+        <p:nvPicPr>
+          <p:cNvPr id="5" name="Picture 4">
+            <a:extLst>
+              <a:ext uri="{FF2B5EF4-FFF2-40B4-BE49-F238E27FC236}">
+                <a16:creationId xmlns:a16="http://schemas.microsoft.com/office/drawing/2014/main" id="{7D85087A-0C57-4A71-B239-80AD7022133B}"/>
+              </a:ext>
+            </a:extLst>
+          </p:cNvPr>
+          <p:cNvPicPr>
+            <a:picLocks noChangeAspect="1"/>
+          </p:cNvPicPr>
+          <p:nvPr/>
+        </p:nvPicPr>
+        <p:blipFill rotWithShape="1">
+          <a:blip r:embed="rId2"/>
+          <a:srcRect t="59650"/>
+          <a:stretch/>
+        </p:blipFill>
+        <p:spPr>
+          <a:xfrm>
+            <a:off x="1708712" y="2181137"/>
+            <a:ext cx="6093056" cy="586103"/>
+          </a:xfrm>
+          <a:prstGeom prst="rect">
+            <a:avLst/>
+          </a:prstGeom>
+        </p:spPr>
+      </p:pic>
+      <p:sp>
+        <p:nvSpPr>
+          <p:cNvPr id="10" name="TextBox 9">
+            <a:extLst>
+              <a:ext uri="{FF2B5EF4-FFF2-40B4-BE49-F238E27FC236}">
+                <a16:creationId xmlns:a16="http://schemas.microsoft.com/office/drawing/2014/main" id="{F090EC7D-6B81-4858-99CE-0E606CC497DB}"/>
+              </a:ext>
+            </a:extLst>
+          </p:cNvPr>
+          <p:cNvSpPr txBox="1"/>
+          <p:nvPr/>
+        </p:nvSpPr>
+        <p:spPr>
+          <a:xfrm>
+            <a:off x="245630" y="3604920"/>
+            <a:ext cx="8880050" cy="400110"/>
+          </a:xfrm>
+          <a:prstGeom prst="rect">
+            <a:avLst/>
+          </a:prstGeom>
+          <a:noFill/>
+        </p:spPr>
+        <p:txBody>
+          <a:bodyPr wrap="square" rtlCol="0">
+            <a:spAutoFit/>
+          </a:bodyPr>
+          <a:lstStyle/>
+          <a:p>
+            <a:r>
+              <a:rPr lang="en-US" sz="2000" dirty="0" err="1"/>
+              <a:t>Esempio</a:t>
+            </a:r>
+            <a:r>
+              <a:rPr lang="en-US" sz="2000" dirty="0"/>
+              <a:t>:</a:t>
+            </a:r>
+          </a:p>
+        </p:txBody>
+      </p:sp>
+      <p:pic>
+        <p:nvPicPr>
+          <p:cNvPr id="8" name="Picture 7">
+            <a:extLst>
+              <a:ext uri="{FF2B5EF4-FFF2-40B4-BE49-F238E27FC236}">
+                <a16:creationId xmlns:a16="http://schemas.microsoft.com/office/drawing/2014/main" id="{4D7D19D6-F10A-4744-A2DA-9B30E16F5BC0}"/>
+              </a:ext>
+            </a:extLst>
+          </p:cNvPr>
+          <p:cNvPicPr>
+            <a:picLocks noChangeAspect="1"/>
+          </p:cNvPicPr>
+          <p:nvPr/>
+        </p:nvPicPr>
+        <p:blipFill>
+          <a:blip r:embed="rId3"/>
+          <a:stretch>
+            <a:fillRect/>
+          </a:stretch>
+        </p:blipFill>
+        <p:spPr>
+          <a:xfrm>
+            <a:off x="10921" y="4019637"/>
+            <a:ext cx="8738796" cy="2214464"/>
+          </a:xfrm>
+          <a:prstGeom prst="rect">
+            <a:avLst/>
+          </a:prstGeom>
+        </p:spPr>
+      </p:pic>
     </p:spTree>
     <p:extLst>
       <p:ext uri="{BB962C8B-B14F-4D97-AF65-F5344CB8AC3E}">
-        <p14:creationId xmlns:p14="http://schemas.microsoft.com/office/powerpoint/2010/main" val="3640489117"/>
+        <p14:creationId xmlns:p14="http://schemas.microsoft.com/office/powerpoint/2010/main" val="2354719659"/>
       </p:ext>
     </p:extLst>
   </p:cSld>
@@ -19472,7 +18784,7 @@
           </a:ln>
           <a:extLst>
             <a:ext uri="{C572A759-6A51-4108-AA02-DFA0A04FC94B}">
-              <ma14:wrappingTextBoxFlag xmlns:ma14="http://schemas.microsoft.com/office/mac/drawingml/2011/main" xmlns="" val="1"/>
+              <ma14:wrappingTextBoxFlag xmlns="" xmlns:ma14="http://schemas.microsoft.com/office/mac/drawingml/2011/main" val="1"/>
             </a:ext>
           </a:extLst>
         </p:spPr>
@@ -19544,7 +18856,7 @@
           </a:ln>
           <a:extLst>
             <a:ext uri="{C572A759-6A51-4108-AA02-DFA0A04FC94B}">
-              <ma14:wrappingTextBoxFlag xmlns:ma14="http://schemas.microsoft.com/office/mac/drawingml/2011/main" xmlns="" val="1"/>
+              <ma14:wrappingTextBoxFlag xmlns="" xmlns:ma14="http://schemas.microsoft.com/office/mac/drawingml/2011/main" val="1"/>
             </a:ext>
           </a:extLst>
         </p:spPr>
@@ -19602,8 +18914,8 @@
         </p:nvSpPr>
         <p:spPr>
           <a:xfrm>
-            <a:off x="84841" y="1707608"/>
-            <a:ext cx="8880050" cy="707886"/>
+            <a:off x="84841" y="340201"/>
+            <a:ext cx="8880050" cy="5632311"/>
           </a:xfrm>
           <a:prstGeom prst="rect">
             <a:avLst/>
@@ -19616,21 +18928,247 @@
           </a:bodyPr>
           <a:lstStyle/>
           <a:p>
-            <a:pPr marL="342900" indent="-342900">
+            <a:pPr marL="285750" indent="-285750">
               <a:buFont typeface="Arial" panose="020B0604020202020204" pitchFamily="34" charset="0"/>
               <a:buChar char="•"/>
             </a:pPr>
             <a:r>
               <a:rPr lang="en-US" sz="2000" dirty="0"/>
-              <a:t>I </a:t>
-            </a:r>
-            <a:r>
-              <a:rPr lang="en-US" sz="2000" dirty="0" err="1"/>
-              <a:t>valori</a:t>
-            </a:r>
-            <a:r>
-              <a:rPr lang="en-US" sz="2000" dirty="0"/>
-              <a:t> </a:t>
+              <a:t>Per fare </a:t>
+            </a:r>
+            <a:r>
+              <a:rPr lang="en-US" sz="2000" dirty="0" err="1"/>
+              <a:t>dei</a:t>
+            </a:r>
+            <a:r>
+              <a:rPr lang="en-US" sz="2000" dirty="0"/>
+              <a:t> </a:t>
+            </a:r>
+            <a:r>
+              <a:rPr lang="en-US" sz="2000" dirty="0" err="1"/>
+              <a:t>confronti</a:t>
+            </a:r>
+            <a:r>
+              <a:rPr lang="en-US" sz="2000" dirty="0"/>
+              <a:t> </a:t>
+            </a:r>
+            <a:r>
+              <a:rPr lang="en-US" sz="2000" dirty="0" err="1"/>
+              <a:t>sulla</a:t>
+            </a:r>
+            <a:r>
+              <a:rPr lang="en-US" sz="2000" dirty="0"/>
+              <a:t> </a:t>
+            </a:r>
+            <a:r>
+              <a:rPr lang="en-US" sz="2000" dirty="0" err="1"/>
+              <a:t>dinamica</a:t>
+            </a:r>
+            <a:r>
+              <a:rPr lang="en-US" sz="2000" dirty="0"/>
+              <a:t> </a:t>
+            </a:r>
+            <a:r>
+              <a:rPr lang="en-US" sz="2000" dirty="0" err="1"/>
+              <a:t>dell’infiltrazione</a:t>
+            </a:r>
+            <a:r>
+              <a:rPr lang="en-US" sz="2000" dirty="0"/>
+              <a:t> in due </a:t>
+            </a:r>
+            <a:r>
+              <a:rPr lang="en-US" sz="2000" dirty="0" err="1"/>
+              <a:t>suoli</a:t>
+            </a:r>
+            <a:r>
+              <a:rPr lang="en-US" sz="2000" dirty="0"/>
+              <a:t> </a:t>
+            </a:r>
+            <a:r>
+              <a:rPr lang="en-US" sz="2000" dirty="0" err="1"/>
+              <a:t>scegliere</a:t>
+            </a:r>
+            <a:r>
+              <a:rPr lang="en-US" sz="2000" dirty="0"/>
+              <a:t> </a:t>
+            </a:r>
+            <a:r>
+              <a:rPr lang="en-US" sz="2000" dirty="0" err="1"/>
+              <a:t>suoli</a:t>
+            </a:r>
+            <a:r>
+              <a:rPr lang="en-US" sz="2000" dirty="0"/>
+              <a:t> </a:t>
+            </a:r>
+            <a:r>
+              <a:rPr lang="en-US" sz="2000" dirty="0" err="1"/>
+              <a:t>tra</a:t>
+            </a:r>
+            <a:r>
+              <a:rPr lang="en-US" sz="2000" dirty="0"/>
+              <a:t> </a:t>
+            </a:r>
+            <a:r>
+              <a:rPr lang="en-US" sz="2000" dirty="0" err="1"/>
+              <a:t>loro</a:t>
+            </a:r>
+            <a:r>
+              <a:rPr lang="en-US" sz="2000" dirty="0"/>
+              <a:t> </a:t>
+            </a:r>
+            <a:r>
+              <a:rPr lang="en-US" sz="2000" dirty="0" err="1"/>
+              <a:t>abbastanza</a:t>
+            </a:r>
+            <a:r>
+              <a:rPr lang="en-US" sz="2000" dirty="0"/>
+              <a:t> </a:t>
+            </a:r>
+            <a:r>
+              <a:rPr lang="en-US" sz="2000" dirty="0" err="1"/>
+              <a:t>diversi</a:t>
+            </a:r>
+            <a:r>
+              <a:rPr lang="en-US" sz="2000" dirty="0"/>
+              <a:t> (es. </a:t>
+            </a:r>
+            <a:r>
+              <a:rPr lang="en-US" sz="2000" dirty="0" err="1"/>
+              <a:t>sabbia-argilla</a:t>
+            </a:r>
+            <a:r>
+              <a:rPr lang="en-US" sz="2000" dirty="0"/>
+              <a:t> </a:t>
+            </a:r>
+            <a:r>
+              <a:rPr lang="en-US" sz="2000" dirty="0" err="1"/>
+              <a:t>sabbia</a:t>
+            </a:r>
+            <a:r>
+              <a:rPr lang="en-US" sz="2000" dirty="0"/>
+              <a:t>-limo) e </a:t>
+            </a:r>
+            <a:r>
+              <a:rPr lang="en-US" sz="2000" dirty="0" err="1"/>
+              <a:t>mantenere</a:t>
+            </a:r>
+            <a:r>
+              <a:rPr lang="en-US" sz="2000" dirty="0"/>
+              <a:t> </a:t>
+            </a:r>
+            <a:r>
+              <a:rPr lang="en-US" sz="2000" dirty="0" err="1"/>
+              <a:t>condizioni</a:t>
+            </a:r>
+            <a:r>
+              <a:rPr lang="en-US" sz="2000" dirty="0"/>
+              <a:t> </a:t>
+            </a:r>
+            <a:r>
+              <a:rPr lang="en-US" sz="2000" dirty="0" err="1"/>
+              <a:t>iniziali</a:t>
+            </a:r>
+            <a:r>
+              <a:rPr lang="en-US" sz="2000" dirty="0"/>
+              <a:t>, al </a:t>
+            </a:r>
+            <a:r>
+              <a:rPr lang="en-US" sz="2000" dirty="0" err="1"/>
+              <a:t>contorno</a:t>
+            </a:r>
+            <a:r>
+              <a:rPr lang="en-US" sz="2000" dirty="0"/>
+              <a:t>  </a:t>
+            </a:r>
+            <a:r>
+              <a:rPr lang="en-US" sz="2000" dirty="0" err="1"/>
+              <a:t>uguali</a:t>
+            </a:r>
+            <a:r>
+              <a:rPr lang="en-US" sz="2000" dirty="0"/>
+              <a:t>;</a:t>
+            </a:r>
+          </a:p>
+          <a:p>
+            <a:pPr marL="285750" indent="-285750">
+              <a:buFont typeface="Arial" panose="020B0604020202020204" pitchFamily="34" charset="0"/>
+              <a:buChar char="•"/>
+            </a:pPr>
+            <a:r>
+              <a:rPr lang="en-US" sz="2000" dirty="0"/>
+              <a:t>Le prime volte </a:t>
+            </a:r>
+            <a:r>
+              <a:rPr lang="en-US" sz="2000" dirty="0" err="1"/>
+              <a:t>utilizzare</a:t>
+            </a:r>
+            <a:r>
+              <a:rPr lang="en-US" sz="2000" dirty="0"/>
+              <a:t> </a:t>
+            </a:r>
+            <a:r>
+              <a:rPr lang="en-US" sz="2000" dirty="0" err="1"/>
+              <a:t>degli</a:t>
+            </a:r>
+            <a:r>
+              <a:rPr lang="en-US" sz="2000" dirty="0"/>
+              <a:t> </a:t>
+            </a:r>
+            <a:r>
+              <a:rPr lang="en-US" sz="2000" dirty="0" err="1"/>
+              <a:t>ietogrammi</a:t>
+            </a:r>
+            <a:r>
+              <a:rPr lang="en-US" sz="2000" dirty="0"/>
+              <a:t> </a:t>
+            </a:r>
+            <a:r>
+              <a:rPr lang="en-US" sz="2000" dirty="0" err="1"/>
+              <a:t>sintetici</a:t>
+            </a:r>
+            <a:r>
+              <a:rPr lang="en-US" sz="2000" dirty="0"/>
+              <a:t> </a:t>
+            </a:r>
+            <a:r>
+              <a:rPr lang="en-US" sz="2000" dirty="0" err="1"/>
+              <a:t>possibilmente</a:t>
+            </a:r>
+            <a:r>
+              <a:rPr lang="en-US" sz="2000" dirty="0"/>
+              <a:t> a </a:t>
+            </a:r>
+            <a:r>
+              <a:rPr lang="en-US" sz="2000" dirty="0" err="1"/>
+              <a:t>gradino</a:t>
+            </a:r>
+            <a:r>
+              <a:rPr lang="en-US" sz="2000" dirty="0"/>
+              <a:t> in modo da </a:t>
+            </a:r>
+            <a:r>
+              <a:rPr lang="en-US" sz="2000" dirty="0" err="1"/>
+              <a:t>individuare</a:t>
+            </a:r>
+            <a:r>
+              <a:rPr lang="en-US" sz="2000" dirty="0"/>
+              <a:t> </a:t>
+            </a:r>
+            <a:r>
+              <a:rPr lang="en-US" sz="2000" dirty="0" err="1"/>
+              <a:t>correttamente</a:t>
+            </a:r>
+            <a:r>
+              <a:rPr lang="en-US" sz="2000" dirty="0"/>
+              <a:t> </a:t>
+            </a:r>
+            <a:r>
+              <a:rPr lang="en-US" sz="2000" dirty="0" err="1"/>
+              <a:t>l’inizio</a:t>
+            </a:r>
+            <a:r>
+              <a:rPr lang="en-US" sz="2000" dirty="0"/>
+              <a:t> e la fine </a:t>
             </a:r>
             <a:r>
               <a:rPr lang="en-US" sz="2000" dirty="0" err="1"/>
@@ -19642,7 +19180,63 @@
             </a:r>
             <a:r>
               <a:rPr lang="en-US" sz="2000" dirty="0" err="1"/>
-              <a:t>storativita</a:t>
+              <a:t>precipitazione</a:t>
+            </a:r>
+            <a:r>
+              <a:rPr lang="en-US" sz="2000" dirty="0"/>
+              <a:t>. Nella </a:t>
+            </a:r>
+            <a:r>
+              <a:rPr lang="en-US" sz="2000" dirty="0" err="1"/>
+              <a:t>definizione</a:t>
+            </a:r>
+            <a:r>
+              <a:rPr lang="en-US" sz="2000" dirty="0"/>
+              <a:t> </a:t>
+            </a:r>
+            <a:r>
+              <a:rPr lang="en-US" sz="2000" dirty="0" err="1"/>
+              <a:t>degli</a:t>
+            </a:r>
+            <a:r>
+              <a:rPr lang="en-US" sz="2000" dirty="0"/>
+              <a:t> </a:t>
+            </a:r>
+            <a:r>
+              <a:rPr lang="en-US" sz="2000" dirty="0" err="1"/>
+              <a:t>ietogrammi</a:t>
+            </a:r>
+            <a:r>
+              <a:rPr lang="en-US" sz="2000" dirty="0"/>
+              <a:t> </a:t>
+            </a:r>
+            <a:r>
+              <a:rPr lang="en-US" sz="2000" dirty="0" err="1"/>
+              <a:t>confrontare</a:t>
+            </a:r>
+            <a:r>
+              <a:rPr lang="en-US" sz="2000" dirty="0"/>
+              <a:t> </a:t>
+            </a:r>
+            <a:r>
+              <a:rPr lang="en-US" sz="2000" dirty="0" err="1"/>
+              <a:t>l’intensita</a:t>
+            </a:r>
+            <a:r>
+              <a:rPr lang="en-US" sz="2000" dirty="0"/>
+              <a:t>` di </a:t>
+            </a:r>
+            <a:r>
+              <a:rPr lang="en-US" sz="2000" dirty="0" err="1"/>
+              <a:t>precipitazione</a:t>
+            </a:r>
+            <a:r>
+              <a:rPr lang="en-US" sz="2000" dirty="0"/>
+              <a:t> con la </a:t>
+            </a:r>
+            <a:r>
+              <a:rPr lang="en-US" sz="2000" dirty="0" err="1"/>
+              <a:t>conducibilita</a:t>
             </a:r>
             <a:r>
               <a:rPr lang="en-US" sz="2000" dirty="0"/>
@@ -19650,65 +19244,433 @@
             </a:r>
             <a:r>
               <a:rPr lang="en-US" sz="2000" dirty="0" err="1"/>
-              <a:t>si</a:t>
-            </a:r>
-            <a:r>
-              <a:rPr lang="en-US" sz="2000" dirty="0"/>
-              <a:t> </a:t>
-            </a:r>
-            <a:r>
-              <a:rPr lang="en-US" sz="2000" dirty="0" err="1"/>
-              <a:t>possono</a:t>
-            </a:r>
-            <a:r>
-              <a:rPr lang="en-US" sz="2000" dirty="0"/>
-              <a:t> </a:t>
-            </a:r>
-            <a:r>
-              <a:rPr lang="en-US" sz="2000" dirty="0" err="1"/>
-              <a:t>trovare</a:t>
-            </a:r>
-            <a:r>
-              <a:rPr lang="en-US" sz="2000" dirty="0"/>
-              <a:t> </a:t>
-            </a:r>
-            <a:r>
-              <a:rPr lang="en-US" sz="2000" dirty="0" err="1"/>
-              <a:t>alla</a:t>
-            </a:r>
-            <a:r>
-              <a:rPr lang="en-US" sz="2000" dirty="0"/>
-              <a:t> </a:t>
-            </a:r>
-            <a:r>
-              <a:rPr lang="en-US" sz="2000" dirty="0" err="1"/>
-              <a:t>pagina</a:t>
-            </a:r>
-            <a:r>
-              <a:rPr lang="en-US" sz="2000" dirty="0"/>
-              <a:t> web</a:t>
-            </a:r>
-          </a:p>
-          <a:p>
-            <a:pPr algn="ctr"/>
-            <a:r>
-              <a:rPr lang="en-US" sz="2000" dirty="0"/>
-              <a:t>	</a:t>
-            </a:r>
-            <a:r>
-              <a:rPr lang="en-US" sz="2000" dirty="0">
-                <a:hlinkClick r:id="rId2"/>
-              </a:rPr>
-              <a:t>http://www.aqtesolv.com/aquifer-tests/aquifer_properties.htm</a:t>
-            </a:r>
-            <a:endParaRPr lang="en-US" sz="2000" dirty="0"/>
+              <a:t>idraulica</a:t>
+            </a:r>
+            <a:r>
+              <a:rPr lang="en-US" sz="2000" dirty="0"/>
+              <a:t> a </a:t>
+            </a:r>
+            <a:r>
+              <a:rPr lang="en-US" sz="2000" dirty="0" err="1"/>
+              <a:t>saturazione</a:t>
+            </a:r>
+            <a:r>
+              <a:rPr lang="en-US" sz="2000" dirty="0"/>
+              <a:t> e </a:t>
+            </a:r>
+            <a:r>
+              <a:rPr lang="en-US" sz="2000" dirty="0" err="1"/>
+              <a:t>l’altezza</a:t>
+            </a:r>
+            <a:r>
+              <a:rPr lang="en-US" sz="2000" dirty="0"/>
+              <a:t> di </a:t>
+            </a:r>
+            <a:r>
+              <a:rPr lang="en-US" sz="2000" dirty="0" err="1"/>
+              <a:t>precipitazione</a:t>
+            </a:r>
+            <a:r>
+              <a:rPr lang="en-US" sz="2000" dirty="0"/>
+              <a:t> cumulate con </a:t>
+            </a:r>
+            <a:r>
+              <a:rPr lang="en-US" sz="2000" dirty="0" err="1"/>
+              <a:t>il</a:t>
+            </a:r>
+            <a:r>
+              <a:rPr lang="en-US" sz="2000" dirty="0"/>
+              <a:t> volume </a:t>
+            </a:r>
+            <a:r>
+              <a:rPr lang="en-US" sz="2000" dirty="0" err="1"/>
+              <a:t>disponibile</a:t>
+            </a:r>
+            <a:r>
+              <a:rPr lang="en-US" sz="2000" dirty="0"/>
+              <a:t> </a:t>
+            </a:r>
+            <a:r>
+              <a:rPr lang="en-US" sz="2000" dirty="0" err="1"/>
+              <a:t>all’infiltrazione</a:t>
+            </a:r>
+            <a:r>
+              <a:rPr lang="en-US" sz="2000" dirty="0"/>
+              <a:t>;</a:t>
+            </a:r>
+          </a:p>
+          <a:p>
+            <a:pPr marL="285750" indent="-285750">
+              <a:buFont typeface="Arial" panose="020B0604020202020204" pitchFamily="34" charset="0"/>
+              <a:buChar char="•"/>
+            </a:pPr>
+            <a:r>
+              <a:rPr lang="en-US" sz="2000" dirty="0"/>
+              <a:t>Per lo </a:t>
+            </a:r>
+            <a:r>
+              <a:rPr lang="en-US" sz="2000" dirty="0" err="1"/>
+              <a:t>stesso</a:t>
+            </a:r>
+            <a:r>
+              <a:rPr lang="en-US" sz="2000" dirty="0"/>
+              <a:t> </a:t>
+            </a:r>
+            <a:r>
+              <a:rPr lang="en-US" sz="2000" dirty="0" err="1"/>
+              <a:t>tipo</a:t>
+            </a:r>
+            <a:r>
+              <a:rPr lang="en-US" sz="2000" dirty="0"/>
+              <a:t> di </a:t>
+            </a:r>
+            <a:r>
+              <a:rPr lang="en-US" sz="2000" dirty="0" err="1"/>
+              <a:t>suolo</a:t>
+            </a:r>
+            <a:r>
+              <a:rPr lang="en-US" sz="2000" dirty="0"/>
+              <a:t>, a </a:t>
+            </a:r>
+            <a:r>
+              <a:rPr lang="en-US" sz="2000" dirty="0" err="1"/>
+              <a:t>parita</a:t>
+            </a:r>
+            <a:r>
+              <a:rPr lang="en-US" sz="2000" dirty="0"/>
+              <a:t>` di </a:t>
+            </a:r>
+            <a:r>
+              <a:rPr lang="en-US" sz="2000" dirty="0" err="1"/>
+              <a:t>condizioni</a:t>
+            </a:r>
+            <a:r>
+              <a:rPr lang="en-US" sz="2000" dirty="0"/>
+              <a:t> </a:t>
+            </a:r>
+            <a:r>
+              <a:rPr lang="en-US" sz="2000" dirty="0" err="1"/>
+              <a:t>iniziali</a:t>
+            </a:r>
+            <a:r>
+              <a:rPr lang="en-US" sz="2000" dirty="0"/>
+              <a:t> </a:t>
+            </a:r>
+            <a:r>
+              <a:rPr lang="en-US" sz="2000" dirty="0" err="1"/>
+              <a:t>variare</a:t>
+            </a:r>
+            <a:r>
+              <a:rPr lang="en-US" sz="2000" dirty="0"/>
+              <a:t> una ad una le </a:t>
+            </a:r>
+            <a:r>
+              <a:rPr lang="en-US" sz="2000" dirty="0" err="1"/>
+              <a:t>condizioni</a:t>
+            </a:r>
+            <a:r>
+              <a:rPr lang="en-US" sz="2000" dirty="0"/>
+              <a:t> al </a:t>
+            </a:r>
+            <a:r>
+              <a:rPr lang="en-US" sz="2000" dirty="0" err="1"/>
+              <a:t>contorno</a:t>
+            </a:r>
+            <a:r>
+              <a:rPr lang="en-US" sz="2000" dirty="0"/>
+              <a:t>;</a:t>
+            </a:r>
+          </a:p>
+          <a:p>
+            <a:pPr marL="285750" indent="-285750">
+              <a:buFont typeface="Arial" panose="020B0604020202020204" pitchFamily="34" charset="0"/>
+              <a:buChar char="•"/>
+            </a:pPr>
+            <a:r>
+              <a:rPr lang="en-US" sz="2000" dirty="0" err="1"/>
+              <a:t>Considerare</a:t>
+            </a:r>
+            <a:r>
+              <a:rPr lang="en-US" sz="2000" dirty="0"/>
+              <a:t> un </a:t>
+            </a:r>
+            <a:r>
+              <a:rPr lang="en-US" sz="2000" dirty="0" err="1"/>
+              <a:t>suolo</a:t>
+            </a:r>
+            <a:r>
+              <a:rPr lang="en-US" sz="2000" dirty="0"/>
+              <a:t> con due layer </a:t>
+            </a:r>
+            <a:r>
+              <a:rPr lang="en-US" sz="2000" dirty="0" err="1"/>
+              <a:t>diversi</a:t>
+            </a:r>
+            <a:r>
+              <a:rPr lang="en-US" sz="2000" dirty="0"/>
+              <a:t> e a </a:t>
+            </a:r>
+            <a:r>
+              <a:rPr lang="en-US" sz="2000" dirty="0" err="1"/>
+              <a:t>parita</a:t>
+            </a:r>
+            <a:r>
+              <a:rPr lang="en-US" sz="2000" dirty="0"/>
+              <a:t>` di </a:t>
+            </a:r>
+            <a:r>
+              <a:rPr lang="en-US" sz="2000" dirty="0" err="1"/>
+              <a:t>tutte</a:t>
+            </a:r>
+            <a:r>
+              <a:rPr lang="en-US" sz="2000" dirty="0"/>
+              <a:t> le alter </a:t>
+            </a:r>
+            <a:r>
+              <a:rPr lang="en-US" sz="2000" dirty="0" err="1"/>
+              <a:t>condizioni</a:t>
+            </a:r>
+            <a:r>
+              <a:rPr lang="en-US" sz="2000" dirty="0"/>
+              <a:t> fare un </a:t>
+            </a:r>
+            <a:r>
+              <a:rPr lang="en-US" sz="2000" dirty="0" err="1"/>
+              <a:t>confronto</a:t>
+            </a:r>
+            <a:r>
+              <a:rPr lang="en-US" sz="2000" dirty="0"/>
+              <a:t> con un </a:t>
+            </a:r>
+            <a:r>
+              <a:rPr lang="en-US" sz="2000" dirty="0" err="1"/>
+              <a:t>suolo</a:t>
+            </a:r>
+            <a:r>
+              <a:rPr lang="en-US" sz="2000" dirty="0"/>
+              <a:t> con </a:t>
+            </a:r>
+            <a:r>
+              <a:rPr lang="en-US" sz="2000" dirty="0" err="1"/>
+              <a:t>i</a:t>
+            </a:r>
+            <a:r>
+              <a:rPr lang="en-US" sz="2000" dirty="0"/>
+              <a:t> layer ‘</a:t>
+            </a:r>
+            <a:r>
+              <a:rPr lang="en-US" sz="2000" dirty="0" err="1"/>
+              <a:t>invertiti</a:t>
+            </a:r>
+            <a:r>
+              <a:rPr lang="en-US" sz="2000" dirty="0"/>
+              <a:t>’</a:t>
+            </a:r>
+          </a:p>
+          <a:p>
+            <a:pPr marL="285750" indent="-285750">
+              <a:buFont typeface="Arial" panose="020B0604020202020204" pitchFamily="34" charset="0"/>
+              <a:buChar char="•"/>
+            </a:pPr>
+            <a:r>
+              <a:rPr lang="en-US" sz="2000" dirty="0" err="1"/>
+              <a:t>Considerare</a:t>
+            </a:r>
+            <a:r>
+              <a:rPr lang="en-US" sz="2000" dirty="0"/>
+              <a:t> </a:t>
+            </a:r>
+            <a:r>
+              <a:rPr lang="en-US" sz="2000" dirty="0" err="1"/>
+              <a:t>il</a:t>
+            </a:r>
+            <a:r>
+              <a:rPr lang="en-US" sz="2000" dirty="0"/>
+              <a:t> </a:t>
+            </a:r>
+            <a:r>
+              <a:rPr lang="en-US" sz="2000" dirty="0" err="1"/>
+              <a:t>problema</a:t>
+            </a:r>
+            <a:r>
+              <a:rPr lang="en-US" sz="2000" dirty="0"/>
+              <a:t> di un </a:t>
+            </a:r>
+            <a:r>
+              <a:rPr lang="en-US" sz="2000" dirty="0" err="1"/>
+              <a:t>suolo</a:t>
+            </a:r>
+            <a:r>
+              <a:rPr lang="en-US" sz="2000" dirty="0"/>
+              <a:t> con </a:t>
+            </a:r>
+            <a:r>
+              <a:rPr lang="en-US" sz="2000" dirty="0" err="1"/>
+              <a:t>condizione</a:t>
+            </a:r>
+            <a:r>
+              <a:rPr lang="en-US" sz="2000" dirty="0"/>
+              <a:t> al </a:t>
+            </a:r>
+            <a:r>
+              <a:rPr lang="en-US" sz="2000" dirty="0" err="1"/>
+              <a:t>contorno</a:t>
+            </a:r>
+            <a:r>
+              <a:rPr lang="en-US" sz="2000" dirty="0"/>
+              <a:t> al </a:t>
+            </a:r>
+            <a:r>
+              <a:rPr lang="en-US" sz="2000" dirty="0" err="1"/>
+              <a:t>fondo</a:t>
+            </a:r>
+            <a:r>
+              <a:rPr lang="en-US" sz="2000" dirty="0"/>
+              <a:t> ‘Impervious’ e una </a:t>
+            </a:r>
+            <a:r>
+              <a:rPr lang="en-US" sz="2000" dirty="0" err="1"/>
+              <a:t>precipitazione</a:t>
+            </a:r>
+            <a:r>
+              <a:rPr lang="en-US" sz="2000" dirty="0"/>
+              <a:t> tale da </a:t>
+            </a:r>
+            <a:r>
+              <a:rPr lang="en-US" sz="2000" dirty="0" err="1"/>
+              <a:t>saturarlo</a:t>
+            </a:r>
+            <a:r>
+              <a:rPr lang="en-US" sz="2000" dirty="0"/>
+              <a:t> </a:t>
+            </a:r>
+            <a:r>
+              <a:rPr lang="en-US" sz="2000" dirty="0" err="1"/>
+              <a:t>completamente</a:t>
+            </a:r>
+            <a:r>
+              <a:rPr lang="en-US" sz="2000" dirty="0"/>
+              <a:t>. </a:t>
+            </a:r>
+            <a:r>
+              <a:rPr lang="en-US" sz="2000" dirty="0" err="1"/>
+              <a:t>Utilizzando</a:t>
+            </a:r>
+            <a:r>
+              <a:rPr lang="en-US" sz="2000" dirty="0"/>
+              <a:t> </a:t>
+            </a:r>
+            <a:r>
+              <a:rPr lang="en-US" sz="2000" dirty="0" err="1"/>
+              <a:t>il</a:t>
+            </a:r>
+            <a:r>
+              <a:rPr lang="en-US" sz="2000" dirty="0"/>
+              <a:t> notebook check_ponding_depth_and_cumulative_infiltration_for_simulations_with_impervious_bottom_BC </a:t>
+            </a:r>
+            <a:r>
+              <a:rPr lang="en-US" sz="2000" dirty="0" err="1"/>
+              <a:t>confrontare</a:t>
+            </a:r>
+            <a:r>
+              <a:rPr lang="en-US" sz="2000" dirty="0"/>
+              <a:t> </a:t>
+            </a:r>
+            <a:r>
+              <a:rPr lang="en-US" sz="2000" dirty="0" err="1"/>
+              <a:t>l’accumulo</a:t>
+            </a:r>
+            <a:r>
+              <a:rPr lang="en-US" sz="2000" dirty="0"/>
+              <a:t> di </a:t>
+            </a:r>
+            <a:r>
+              <a:rPr lang="en-US" sz="2000" dirty="0" err="1"/>
+              <a:t>acqua</a:t>
+            </a:r>
+            <a:r>
+              <a:rPr lang="en-US" sz="2000" dirty="0"/>
+              <a:t> </a:t>
+            </a:r>
+            <a:r>
+              <a:rPr lang="en-US" sz="2000" dirty="0" err="1"/>
+              <a:t>sulla</a:t>
+            </a:r>
+            <a:r>
+              <a:rPr lang="en-US" sz="2000" dirty="0"/>
+              <a:t> </a:t>
+            </a:r>
+            <a:r>
+              <a:rPr lang="en-US" sz="2000" dirty="0" err="1"/>
+              <a:t>superficie</a:t>
+            </a:r>
+            <a:r>
+              <a:rPr lang="en-US" sz="2000" dirty="0"/>
+              <a:t> </a:t>
+            </a:r>
+            <a:r>
+              <a:rPr lang="en-US" sz="2000" dirty="0" err="1"/>
+              <a:t>calcolato</a:t>
+            </a:r>
+            <a:r>
+              <a:rPr lang="en-US" sz="2000" dirty="0"/>
+              <a:t> </a:t>
+            </a:r>
+            <a:r>
+              <a:rPr lang="en-US" sz="2000" dirty="0" err="1"/>
+              <a:t>facendo</a:t>
+            </a:r>
+            <a:r>
+              <a:rPr lang="en-US" sz="2000" dirty="0"/>
+              <a:t> un </a:t>
+            </a:r>
+            <a:r>
+              <a:rPr lang="en-US" sz="2000" dirty="0" err="1"/>
+              <a:t>bilancio</a:t>
+            </a:r>
+            <a:r>
+              <a:rPr lang="en-US" sz="2000" dirty="0"/>
+              <a:t> sui volume e </a:t>
+            </a:r>
+            <a:r>
+              <a:rPr lang="en-US" sz="2000" dirty="0" err="1"/>
+              <a:t>quello</a:t>
+            </a:r>
+            <a:r>
+              <a:rPr lang="en-US" sz="2000" dirty="0"/>
+              <a:t> </a:t>
+            </a:r>
+            <a:r>
+              <a:rPr lang="en-US" sz="2000" dirty="0" err="1"/>
+              <a:t>ottenuto</a:t>
+            </a:r>
+            <a:r>
+              <a:rPr lang="en-US" sz="2000" dirty="0"/>
+              <a:t> </a:t>
+            </a:r>
+            <a:r>
+              <a:rPr lang="en-US" sz="2000" dirty="0" err="1"/>
+              <a:t>dalla</a:t>
+            </a:r>
+            <a:r>
+              <a:rPr lang="en-US" sz="2000" dirty="0"/>
+              <a:t> </a:t>
+            </a:r>
+            <a:r>
+              <a:rPr lang="en-US" sz="2000" dirty="0" err="1"/>
+              <a:t>simulazione</a:t>
+            </a:r>
+            <a:r>
+              <a:rPr lang="en-US" sz="2000" dirty="0"/>
+              <a:t>.</a:t>
+            </a:r>
           </a:p>
         </p:txBody>
       </p:sp>
     </p:spTree>
     <p:extLst>
       <p:ext uri="{BB962C8B-B14F-4D97-AF65-F5344CB8AC3E}">
-        <p14:creationId xmlns:p14="http://schemas.microsoft.com/office/powerpoint/2010/main" val="2172097807"/>
+        <p14:creationId xmlns:p14="http://schemas.microsoft.com/office/powerpoint/2010/main" val="3640489117"/>
       </p:ext>
     </p:extLst>
   </p:cSld>
@@ -19755,7 +19717,7 @@
           </a:ln>
           <a:extLst>
             <a:ext uri="{C572A759-6A51-4108-AA02-DFA0A04FC94B}">
-              <ma14:wrappingTextBoxFlag xmlns:ma14="http://schemas.microsoft.com/office/mac/drawingml/2011/main" xmlns="" val="1"/>
+              <ma14:wrappingTextBoxFlag xmlns="" xmlns:ma14="http://schemas.microsoft.com/office/mac/drawingml/2011/main" val="1"/>
             </a:ext>
           </a:extLst>
         </p:spPr>
@@ -19793,9 +19755,18 @@
           <a:p>
             <a:pPr algn="just"/>
             <a:r>
+              <a:rPr lang="en-US" dirty="0" err="1"/>
+              <a:t>Qualche</a:t>
+            </a:r>
+            <a:r>
               <a:rPr lang="en-US" dirty="0"/>
-              <a:t>Feedback</a:t>
-            </a:r>
+              <a:t> </a:t>
+            </a:r>
+            <a:r>
+              <a:rPr lang="en-US" dirty="0" err="1"/>
+              <a:t>suggerimento</a:t>
+            </a:r>
+            <a:endParaRPr lang="en-US" dirty="0"/>
           </a:p>
         </p:txBody>
       </p:sp>
@@ -19818,7 +19789,7 @@
           </a:ln>
           <a:extLst>
             <a:ext uri="{C572A759-6A51-4108-AA02-DFA0A04FC94B}">
-              <ma14:wrappingTextBoxFlag xmlns:ma14="http://schemas.microsoft.com/office/mac/drawingml/2011/main" xmlns="" val="1"/>
+              <ma14:wrappingTextBoxFlag xmlns="" xmlns:ma14="http://schemas.microsoft.com/office/mac/drawingml/2011/main" val="1"/>
             </a:ext>
           </a:extLst>
         </p:spPr>
@@ -19877,6 +19848,280 @@
         <p:spPr>
           <a:xfrm>
             <a:off x="84841" y="1707608"/>
+            <a:ext cx="8880050" cy="707886"/>
+          </a:xfrm>
+          <a:prstGeom prst="rect">
+            <a:avLst/>
+          </a:prstGeom>
+          <a:noFill/>
+        </p:spPr>
+        <p:txBody>
+          <a:bodyPr wrap="square" rtlCol="0">
+            <a:spAutoFit/>
+          </a:bodyPr>
+          <a:lstStyle/>
+          <a:p>
+            <a:pPr marL="342900" indent="-342900">
+              <a:buFont typeface="Arial" panose="020B0604020202020204" pitchFamily="34" charset="0"/>
+              <a:buChar char="•"/>
+            </a:pPr>
+            <a:r>
+              <a:rPr lang="en-US" sz="2000" dirty="0"/>
+              <a:t>I </a:t>
+            </a:r>
+            <a:r>
+              <a:rPr lang="en-US" sz="2000" dirty="0" err="1"/>
+              <a:t>valori</a:t>
+            </a:r>
+            <a:r>
+              <a:rPr lang="en-US" sz="2000" dirty="0"/>
+              <a:t> </a:t>
+            </a:r>
+            <a:r>
+              <a:rPr lang="en-US" sz="2000" dirty="0" err="1"/>
+              <a:t>della</a:t>
+            </a:r>
+            <a:r>
+              <a:rPr lang="en-US" sz="2000" dirty="0"/>
+              <a:t> </a:t>
+            </a:r>
+            <a:r>
+              <a:rPr lang="en-US" sz="2000" dirty="0" err="1"/>
+              <a:t>storativita</a:t>
+            </a:r>
+            <a:r>
+              <a:rPr lang="en-US" sz="2000" dirty="0"/>
+              <a:t>` </a:t>
+            </a:r>
+            <a:r>
+              <a:rPr lang="en-US" sz="2000" dirty="0" err="1"/>
+              <a:t>si</a:t>
+            </a:r>
+            <a:r>
+              <a:rPr lang="en-US" sz="2000" dirty="0"/>
+              <a:t> </a:t>
+            </a:r>
+            <a:r>
+              <a:rPr lang="en-US" sz="2000" dirty="0" err="1"/>
+              <a:t>possono</a:t>
+            </a:r>
+            <a:r>
+              <a:rPr lang="en-US" sz="2000" dirty="0"/>
+              <a:t> </a:t>
+            </a:r>
+            <a:r>
+              <a:rPr lang="en-US" sz="2000" dirty="0" err="1"/>
+              <a:t>trovare</a:t>
+            </a:r>
+            <a:r>
+              <a:rPr lang="en-US" sz="2000" dirty="0"/>
+              <a:t> </a:t>
+            </a:r>
+            <a:r>
+              <a:rPr lang="en-US" sz="2000" dirty="0" err="1"/>
+              <a:t>alla</a:t>
+            </a:r>
+            <a:r>
+              <a:rPr lang="en-US" sz="2000" dirty="0"/>
+              <a:t> </a:t>
+            </a:r>
+            <a:r>
+              <a:rPr lang="en-US" sz="2000" dirty="0" err="1"/>
+              <a:t>pagina</a:t>
+            </a:r>
+            <a:r>
+              <a:rPr lang="en-US" sz="2000" dirty="0"/>
+              <a:t> web</a:t>
+            </a:r>
+          </a:p>
+          <a:p>
+            <a:pPr algn="ctr"/>
+            <a:r>
+              <a:rPr lang="en-US" sz="2000" dirty="0"/>
+              <a:t>	</a:t>
+            </a:r>
+            <a:r>
+              <a:rPr lang="en-US" sz="2000" dirty="0">
+                <a:hlinkClick r:id="rId2"/>
+              </a:rPr>
+              <a:t>http://www.aqtesolv.com/aquifer-tests/aquifer_properties.htm</a:t>
+            </a:r>
+            <a:endParaRPr lang="en-US" sz="2000" dirty="0"/>
+          </a:p>
+        </p:txBody>
+      </p:sp>
+    </p:spTree>
+    <p:extLst>
+      <p:ext uri="{BB962C8B-B14F-4D97-AF65-F5344CB8AC3E}">
+        <p14:creationId xmlns:p14="http://schemas.microsoft.com/office/powerpoint/2010/main" val="2172097807"/>
+      </p:ext>
+    </p:extLst>
+  </p:cSld>
+  <p:clrMapOvr>
+    <a:masterClrMapping/>
+  </p:clrMapOvr>
+  <p:transition spd="med"/>
+</p:sld>
+</file>
+
+<file path=ppt/slides/slide43.xml><?xml version="1.0" encoding="utf-8"?>
+<p:sld xmlns:a="http://schemas.openxmlformats.org/drawingml/2006/main" xmlns:r="http://schemas.openxmlformats.org/officeDocument/2006/relationships" xmlns:p="http://schemas.openxmlformats.org/presentationml/2006/main">
+  <p:cSld>
+    <p:spTree>
+      <p:nvGrpSpPr>
+        <p:cNvPr id="1" name=""/>
+        <p:cNvGrpSpPr/>
+        <p:nvPr/>
+      </p:nvGrpSpPr>
+      <p:grpSpPr>
+        <a:xfrm>
+          <a:off x="0" y="0"/>
+          <a:ext cx="0" cy="0"/>
+          <a:chOff x="0" y="0"/>
+          <a:chExt cx="0" cy="0"/>
+        </a:xfrm>
+      </p:grpSpPr>
+      <p:sp>
+        <p:nvSpPr>
+          <p:cNvPr id="154" name="Shape 154"/>
+          <p:cNvSpPr/>
+          <p:nvPr/>
+        </p:nvSpPr>
+        <p:spPr>
+          <a:xfrm>
+            <a:off x="0" y="-8930"/>
+            <a:ext cx="7563445" cy="349131"/>
+          </a:xfrm>
+          <a:prstGeom prst="rect">
+            <a:avLst/>
+          </a:prstGeom>
+          <a:ln w="12700">
+            <a:miter lim="400000"/>
+          </a:ln>
+          <a:extLst>
+            <a:ext uri="{C572A759-6A51-4108-AA02-DFA0A04FC94B}">
+              <ma14:wrappingTextBoxFlag xmlns="" xmlns:ma14="http://schemas.microsoft.com/office/mac/drawingml/2011/main" val="1"/>
+            </a:ext>
+          </a:extLst>
+        </p:spPr>
+        <p:txBody>
+          <a:bodyPr lIns="35717" tIns="35717" rIns="35717" bIns="35717">
+            <a:spAutoFit/>
+          </a:bodyPr>
+          <a:lstStyle>
+            <a:lvl1pPr algn="l" defTabSz="647700">
+              <a:tabLst>
+                <a:tab pos="355600" algn="l"/>
+                <a:tab pos="711200" algn="l"/>
+                <a:tab pos="1079500" algn="l"/>
+                <a:tab pos="1435100" algn="l"/>
+                <a:tab pos="1790700" algn="l"/>
+                <a:tab pos="2159000" algn="l"/>
+                <a:tab pos="2514600" algn="l"/>
+                <a:tab pos="2870200" algn="l"/>
+                <a:tab pos="3238500" algn="l"/>
+                <a:tab pos="3594100" algn="l"/>
+                <a:tab pos="3949700" algn="l"/>
+                <a:tab pos="4318000" algn="l"/>
+              </a:tabLst>
+              <a:defRPr sz="1800">
+                <a:solidFill>
+                  <a:srgbClr val="F1FEF6"/>
+                </a:solidFill>
+                <a:latin typeface="Lucida Bright"/>
+                <a:ea typeface="Lucida Bright"/>
+                <a:cs typeface="Lucida Bright"/>
+                <a:sym typeface="Lucida Bright"/>
+              </a:defRPr>
+            </a:lvl1pPr>
+          </a:lstStyle>
+          <a:p>
+            <a:pPr algn="just"/>
+            <a:r>
+              <a:rPr lang="en-US" dirty="0"/>
+              <a:t>Feedback</a:t>
+            </a:r>
+          </a:p>
+        </p:txBody>
+      </p:sp>
+      <p:sp>
+        <p:nvSpPr>
+          <p:cNvPr id="14" name="Shape 154"/>
+          <p:cNvSpPr/>
+          <p:nvPr/>
+        </p:nvSpPr>
+        <p:spPr>
+          <a:xfrm>
+            <a:off x="1049289" y="6508869"/>
+            <a:ext cx="2354957" cy="349131"/>
+          </a:xfrm>
+          <a:prstGeom prst="rect">
+            <a:avLst/>
+          </a:prstGeom>
+          <a:ln w="12700">
+            <a:miter lim="400000"/>
+          </a:ln>
+          <a:extLst>
+            <a:ext uri="{C572A759-6A51-4108-AA02-DFA0A04FC94B}">
+              <ma14:wrappingTextBoxFlag xmlns="" xmlns:ma14="http://schemas.microsoft.com/office/mac/drawingml/2011/main" val="1"/>
+            </a:ext>
+          </a:extLst>
+        </p:spPr>
+        <p:txBody>
+          <a:bodyPr wrap="square" lIns="35717" tIns="35717" rIns="35717" bIns="35717">
+            <a:spAutoFit/>
+          </a:bodyPr>
+          <a:lstStyle>
+            <a:lvl1pPr algn="l" defTabSz="647700">
+              <a:tabLst>
+                <a:tab pos="355600" algn="l"/>
+                <a:tab pos="711200" algn="l"/>
+                <a:tab pos="1079500" algn="l"/>
+                <a:tab pos="1435100" algn="l"/>
+                <a:tab pos="1790700" algn="l"/>
+                <a:tab pos="2159000" algn="l"/>
+                <a:tab pos="2514600" algn="l"/>
+                <a:tab pos="2870200" algn="l"/>
+                <a:tab pos="3238500" algn="l"/>
+                <a:tab pos="3594100" algn="l"/>
+                <a:tab pos="3949700" algn="l"/>
+                <a:tab pos="4318000" algn="l"/>
+              </a:tabLst>
+              <a:defRPr sz="1800">
+                <a:solidFill>
+                  <a:srgbClr val="F1FEF6"/>
+                </a:solidFill>
+                <a:latin typeface="Lucida Bright"/>
+                <a:ea typeface="Lucida Bright"/>
+                <a:cs typeface="Lucida Bright"/>
+                <a:sym typeface="Lucida Bright"/>
+              </a:defRPr>
+            </a:lvl1pPr>
+          </a:lstStyle>
+          <a:p>
+            <a:r>
+              <a:rPr lang="it-IT" dirty="0"/>
+              <a:t> &amp;  N. Tubini</a:t>
+            </a:r>
+            <a:endParaRPr dirty="0"/>
+          </a:p>
+        </p:txBody>
+      </p:sp>
+      <p:sp>
+        <p:nvSpPr>
+          <p:cNvPr id="3" name="TextBox 2">
+            <a:extLst>
+              <a:ext uri="{FF2B5EF4-FFF2-40B4-BE49-F238E27FC236}">
+                <a16:creationId xmlns:a16="http://schemas.microsoft.com/office/drawing/2014/main" id="{CA28BDC6-A8AD-46E5-A4E7-9CB61C05660A}"/>
+              </a:ext>
+            </a:extLst>
+          </p:cNvPr>
+          <p:cNvSpPr txBox="1"/>
+          <p:nvPr/>
+        </p:nvSpPr>
+        <p:spPr>
+          <a:xfrm>
+            <a:off x="84841" y="1707608"/>
             <a:ext cx="8880050" cy="1938992"/>
           </a:xfrm>
           <a:prstGeom prst="rect">
@@ -20058,7 +20303,7 @@
 </p:sld>
 </file>
 
-<file path=ppt/slides/slide43.xml><?xml version="1.0" encoding="utf-8"?>
+<file path=ppt/slides/slide44.xml><?xml version="1.0" encoding="utf-8"?>
 <p:sld xmlns:a="http://schemas.openxmlformats.org/drawingml/2006/main" xmlns:r="http://schemas.openxmlformats.org/officeDocument/2006/relationships" xmlns:p="http://schemas.openxmlformats.org/presentationml/2006/main">
   <p:cSld>
     <p:spTree>
@@ -20120,7 +20365,7 @@
           </a:prstGeom>
           <a:extLst>
             <a:ext uri="{C572A759-6A51-4108-AA02-DFA0A04FC94B}">
-              <ma14:wrappingTextBoxFlag xmlns:ma14="http://schemas.microsoft.com/office/mac/drawingml/2011/main" xmlns="" val="1"/>
+              <ma14:wrappingTextBoxFlag xmlns="" xmlns:ma14="http://schemas.microsoft.com/office/mac/drawingml/2011/main" val="1"/>
             </a:ext>
           </a:extLst>
         </p:spPr>
@@ -20129,7 +20374,7 @@
           <a:lstStyle/>
           <a:p>
             <a:fld id="{86CB4B4D-7CA3-9044-876B-883B54F8677D}" type="slidenum">
-              <a:t>43</a:t>
+              <a:t>44</a:t>
             </a:fld>
             <a:endParaRPr/>
           </a:p>
@@ -20154,7 +20399,7 @@
           </a:ln>
           <a:extLst>
             <a:ext uri="{C572A759-6A51-4108-AA02-DFA0A04FC94B}">
-              <ma14:wrappingTextBoxFlag xmlns:ma14="http://schemas.microsoft.com/office/mac/drawingml/2011/main" xmlns="" val="1"/>
+              <ma14:wrappingTextBoxFlag xmlns="" xmlns:ma14="http://schemas.microsoft.com/office/mac/drawingml/2011/main" val="1"/>
             </a:ext>
           </a:extLst>
         </p:spPr>
@@ -20216,7 +20461,7 @@
           </a:ln>
           <a:extLst>
             <a:ext uri="{C572A759-6A51-4108-AA02-DFA0A04FC94B}">
-              <ma14:wrappingTextBoxFlag xmlns:ma14="http://schemas.microsoft.com/office/mac/drawingml/2011/main" xmlns="" val="1"/>
+              <ma14:wrappingTextBoxFlag xmlns="" xmlns:ma14="http://schemas.microsoft.com/office/mac/drawingml/2011/main" val="1"/>
             </a:ext>
           </a:extLst>
         </p:spPr>
@@ -20275,7 +20520,7 @@
           </a:ln>
           <a:extLst>
             <a:ext uri="{C572A759-6A51-4108-AA02-DFA0A04FC94B}">
-              <ma14:wrappingTextBoxFlag xmlns:ma14="http://schemas.microsoft.com/office/mac/drawingml/2011/main" xmlns="" val="1"/>
+              <ma14:wrappingTextBoxFlag xmlns="" xmlns:ma14="http://schemas.microsoft.com/office/mac/drawingml/2011/main" val="1"/>
             </a:ext>
           </a:extLst>
         </p:spPr>
@@ -20369,7 +20614,7 @@
           </a:ln>
           <a:extLst>
             <a:ext uri="{C572A759-6A51-4108-AA02-DFA0A04FC94B}">
-              <ma14:wrappingTextBoxFlag xmlns:ma14="http://schemas.microsoft.com/office/mac/drawingml/2011/main" xmlns="" val="1"/>
+              <ma14:wrappingTextBoxFlag xmlns="" xmlns:ma14="http://schemas.microsoft.com/office/mac/drawingml/2011/main" val="1"/>
             </a:ext>
           </a:extLst>
         </p:spPr>
@@ -20433,7 +20678,7 @@
           </a:ln>
           <a:extLst>
             <a:ext uri="{C572A759-6A51-4108-AA02-DFA0A04FC94B}">
-              <ma14:wrappingTextBoxFlag xmlns:ma14="http://schemas.microsoft.com/office/mac/drawingml/2011/main" xmlns="" val="1"/>
+              <ma14:wrappingTextBoxFlag xmlns="" xmlns:ma14="http://schemas.microsoft.com/office/mac/drawingml/2011/main" val="1"/>
             </a:ext>
           </a:extLst>
         </p:spPr>
@@ -20963,7 +21208,7 @@
           </a:ln>
           <a:extLst>
             <a:ext uri="{C572A759-6A51-4108-AA02-DFA0A04FC94B}">
-              <ma14:wrappingTextBoxFlag xmlns:ma14="http://schemas.microsoft.com/office/mac/drawingml/2011/main" xmlns="" val="1"/>
+              <ma14:wrappingTextBoxFlag xmlns="" xmlns:ma14="http://schemas.microsoft.com/office/mac/drawingml/2011/main" val="1"/>
             </a:ext>
           </a:extLst>
         </p:spPr>
@@ -21027,7 +21272,7 @@
           </a:ln>
           <a:extLst>
             <a:ext uri="{C572A759-6A51-4108-AA02-DFA0A04FC94B}">
-              <ma14:wrappingTextBoxFlag xmlns:ma14="http://schemas.microsoft.com/office/mac/drawingml/2011/main" xmlns="" val="1"/>
+              <ma14:wrappingTextBoxFlag xmlns="" xmlns:ma14="http://schemas.microsoft.com/office/mac/drawingml/2011/main" val="1"/>
             </a:ext>
           </a:extLst>
         </p:spPr>
@@ -21197,7 +21442,7 @@
           </a:ln>
           <a:extLst>
             <a:ext uri="{C572A759-6A51-4108-AA02-DFA0A04FC94B}">
-              <ma14:wrappingTextBoxFlag xmlns:ma14="http://schemas.microsoft.com/office/mac/drawingml/2011/main" xmlns="" val="1"/>
+              <ma14:wrappingTextBoxFlag xmlns="" xmlns:ma14="http://schemas.microsoft.com/office/mac/drawingml/2011/main" val="1"/>
             </a:ext>
           </a:extLst>
         </p:spPr>
@@ -21261,7 +21506,7 @@
           </a:ln>
           <a:extLst>
             <a:ext uri="{C572A759-6A51-4108-AA02-DFA0A04FC94B}">
-              <ma14:wrappingTextBoxFlag xmlns:ma14="http://schemas.microsoft.com/office/mac/drawingml/2011/main" xmlns="" val="1"/>
+              <ma14:wrappingTextBoxFlag xmlns="" xmlns:ma14="http://schemas.microsoft.com/office/mac/drawingml/2011/main" val="1"/>
             </a:ext>
           </a:extLst>
         </p:spPr>
@@ -21535,7 +21780,7 @@
           </a:ln>
           <a:extLst>
             <a:ext uri="{C572A759-6A51-4108-AA02-DFA0A04FC94B}">
-              <ma14:wrappingTextBoxFlag xmlns:ma14="http://schemas.microsoft.com/office/mac/drawingml/2011/main" xmlns="" val="1"/>
+              <ma14:wrappingTextBoxFlag xmlns="" xmlns:ma14="http://schemas.microsoft.com/office/mac/drawingml/2011/main" val="1"/>
             </a:ext>
           </a:extLst>
         </p:spPr>
@@ -21599,7 +21844,7 @@
           </a:ln>
           <a:extLst>
             <a:ext uri="{C572A759-6A51-4108-AA02-DFA0A04FC94B}">
-              <ma14:wrappingTextBoxFlag xmlns:ma14="http://schemas.microsoft.com/office/mac/drawingml/2011/main" xmlns="" val="1"/>
+              <ma14:wrappingTextBoxFlag xmlns="" xmlns:ma14="http://schemas.microsoft.com/office/mac/drawingml/2011/main" val="1"/>
             </a:ext>
           </a:extLst>
         </p:spPr>
@@ -21873,7 +22118,7 @@
           </a:ln>
           <a:extLst>
             <a:ext uri="{C572A759-6A51-4108-AA02-DFA0A04FC94B}">
-              <ma14:wrappingTextBoxFlag xmlns:ma14="http://schemas.microsoft.com/office/mac/drawingml/2011/main" xmlns="" val="1"/>
+              <ma14:wrappingTextBoxFlag xmlns="" xmlns:ma14="http://schemas.microsoft.com/office/mac/drawingml/2011/main" val="1"/>
             </a:ext>
           </a:extLst>
         </p:spPr>
@@ -21937,7 +22182,7 @@
           </a:ln>
           <a:extLst>
             <a:ext uri="{C572A759-6A51-4108-AA02-DFA0A04FC94B}">
-              <ma14:wrappingTextBoxFlag xmlns:ma14="http://schemas.microsoft.com/office/mac/drawingml/2011/main" xmlns="" val="1"/>
+              <ma14:wrappingTextBoxFlag xmlns="" xmlns:ma14="http://schemas.microsoft.com/office/mac/drawingml/2011/main" val="1"/>
             </a:ext>
           </a:extLst>
         </p:spPr>

--- a/Materials/Richards_English.pptx
+++ b/Materials/Richards_English.pptx
@@ -5,7 +5,7 @@
     <p:sldMasterId id="2147483648" r:id="rId1"/>
   </p:sldMasterIdLst>
   <p:notesMasterIdLst>
-    <p:notesMasterId r:id="rId49"/>
+    <p:notesMasterId r:id="rId50"/>
   </p:notesMasterIdLst>
   <p:sldIdLst>
     <p:sldId id="256" r:id="rId2"/>
@@ -46,15 +46,16 @@
     <p:sldId id="288" r:id="rId37"/>
     <p:sldId id="289" r:id="rId38"/>
     <p:sldId id="290" r:id="rId39"/>
-    <p:sldId id="291" r:id="rId40"/>
-    <p:sldId id="292" r:id="rId41"/>
-    <p:sldId id="293" r:id="rId42"/>
-    <p:sldId id="294" r:id="rId43"/>
-    <p:sldId id="295" r:id="rId44"/>
-    <p:sldId id="299" r:id="rId45"/>
-    <p:sldId id="296" r:id="rId46"/>
-    <p:sldId id="300" r:id="rId47"/>
-    <p:sldId id="297" r:id="rId48"/>
+    <p:sldId id="303" r:id="rId40"/>
+    <p:sldId id="291" r:id="rId41"/>
+    <p:sldId id="292" r:id="rId42"/>
+    <p:sldId id="293" r:id="rId43"/>
+    <p:sldId id="294" r:id="rId44"/>
+    <p:sldId id="295" r:id="rId45"/>
+    <p:sldId id="299" r:id="rId46"/>
+    <p:sldId id="296" r:id="rId47"/>
+    <p:sldId id="300" r:id="rId48"/>
+    <p:sldId id="297" r:id="rId49"/>
   </p:sldIdLst>
   <p:sldSz cx="9144000" cy="6858000" type="screen4x3"/>
   <p:notesSz cx="6858000" cy="9144000"/>
@@ -8018,8 +8019,8 @@
           </a:p>
         </p:txBody>
       </p:sp>
-      <mc:AlternateContent xmlns:mc="http://schemas.openxmlformats.org/markup-compatibility/2006">
-        <mc:Choice xmlns:a14="http://schemas.microsoft.com/office/drawing/2010/main" Requires="a14">
+      <mc:AlternateContent xmlns:mc="http://schemas.openxmlformats.org/markup-compatibility/2006" xmlns:a14="http://schemas.microsoft.com/office/drawing/2010/main">
+        <mc:Choice Requires="a14">
           <p:graphicFrame>
             <p:nvGraphicFramePr>
               <p:cNvPr id="2" name="Table 1">
@@ -8491,7 +8492,7 @@
             </a:graphic>
           </p:graphicFrame>
         </mc:Choice>
-        <mc:Fallback>
+        <mc:Fallback xmlns="">
           <p:graphicFrame>
             <p:nvGraphicFramePr>
               <p:cNvPr id="2" name="Table 1">
@@ -10695,73 +10696,223 @@
           <a:lstStyle/>
           <a:p>
             <a:r>
-              <a:t>Nella cartella</a:t>
-            </a:r>
-          </a:p>
-          <a:p>
-            <a:r>
+              <a:rPr dirty="0"/>
+              <a:t>Nella </a:t>
+            </a:r>
+            <a:r>
+              <a:rPr dirty="0" err="1"/>
+              <a:t>cartella</a:t>
+            </a:r>
+            <a:endParaRPr dirty="0"/>
+          </a:p>
+          <a:p>
+            <a:r>
+              <a:rPr dirty="0"/>
               <a:t> </a:t>
             </a:r>
           </a:p>
           <a:p>
             <a:pPr algn="ctr"/>
             <a:r>
-              <a:t>data/RichardsMeshGen_input</a:t>
-            </a:r>
-          </a:p>
-          <a:p>
-            <a:endParaRPr/>
-          </a:p>
-          <a:p>
-            <a:r>
-              <a:t>sono presenti 4 esempi di file </a:t>
-            </a:r>
-            <a:r>
-              <a:rPr i="1"/>
+              <a:rPr dirty="0"/>
+              <a:t>data/</a:t>
+            </a:r>
+            <a:r>
+              <a:rPr dirty="0" err="1"/>
+              <a:t>RichardsMeshGen_input</a:t>
+            </a:r>
+            <a:endParaRPr dirty="0"/>
+          </a:p>
+          <a:p>
+            <a:endParaRPr dirty="0"/>
+          </a:p>
+          <a:p>
+            <a:r>
+              <a:rPr dirty="0" err="1"/>
+              <a:t>sono</a:t>
+            </a:r>
+            <a:r>
+              <a:rPr dirty="0"/>
+              <a:t> </a:t>
+            </a:r>
+            <a:r>
+              <a:rPr dirty="0" err="1"/>
+              <a:t>presenti</a:t>
+            </a:r>
+            <a:r>
+              <a:rPr dirty="0"/>
+              <a:t> 4 </a:t>
+            </a:r>
+            <a:r>
+              <a:rPr dirty="0" err="1"/>
+              <a:t>esempi</a:t>
+            </a:r>
+            <a:r>
+              <a:rPr dirty="0"/>
+              <a:t> di file </a:t>
+            </a:r>
+            <a:r>
+              <a:rPr i="1" dirty="0"/>
               <a:t>.csv </a:t>
             </a:r>
             <a:r>
-              <a:t>e delle figure che rappresentano I 4 tipi di suolo presi in esame.</a:t>
-            </a:r>
-          </a:p>
-          <a:p>
-            <a:endParaRPr/>
-          </a:p>
-          <a:p>
-            <a:endParaRPr/>
-          </a:p>
-          <a:p>
-            <a:endParaRPr/>
-          </a:p>
-          <a:p>
-            <a:r>
-              <a:t>Nella cartella</a:t>
-            </a:r>
-          </a:p>
-          <a:p>
-            <a:endParaRPr/>
+              <a:rPr dirty="0"/>
+              <a:t>e </a:t>
+            </a:r>
+            <a:r>
+              <a:rPr dirty="0" err="1"/>
+              <a:t>delle</a:t>
+            </a:r>
+            <a:r>
+              <a:rPr dirty="0"/>
+              <a:t> figure </a:t>
+            </a:r>
+            <a:r>
+              <a:rPr dirty="0" err="1"/>
+              <a:t>che</a:t>
+            </a:r>
+            <a:r>
+              <a:rPr dirty="0"/>
+              <a:t> </a:t>
+            </a:r>
+            <a:r>
+              <a:rPr dirty="0" err="1"/>
+              <a:t>rappresentano</a:t>
+            </a:r>
+            <a:r>
+              <a:rPr dirty="0"/>
+              <a:t> I 4 tipi di </a:t>
+            </a:r>
+            <a:r>
+              <a:rPr dirty="0" err="1"/>
+              <a:t>suolo</a:t>
+            </a:r>
+            <a:r>
+              <a:rPr dirty="0"/>
+              <a:t> </a:t>
+            </a:r>
+            <a:r>
+              <a:rPr dirty="0" err="1"/>
+              <a:t>presi</a:t>
+            </a:r>
+            <a:r>
+              <a:rPr dirty="0"/>
+              <a:t> in </a:t>
+            </a:r>
+            <a:r>
+              <a:rPr dirty="0" err="1"/>
+              <a:t>esame</a:t>
+            </a:r>
+            <a:r>
+              <a:rPr dirty="0"/>
+              <a:t>.</a:t>
+            </a:r>
+          </a:p>
+          <a:p>
+            <a:endParaRPr dirty="0"/>
+          </a:p>
+          <a:p>
+            <a:endParaRPr dirty="0"/>
+          </a:p>
+          <a:p>
+            <a:endParaRPr dirty="0"/>
+          </a:p>
+          <a:p>
+            <a:r>
+              <a:rPr dirty="0"/>
+              <a:t>Nella </a:t>
+            </a:r>
+            <a:r>
+              <a:rPr dirty="0" err="1"/>
+              <a:t>cartella</a:t>
+            </a:r>
+            <a:endParaRPr dirty="0"/>
+          </a:p>
+          <a:p>
+            <a:endParaRPr dirty="0"/>
           </a:p>
           <a:p>
             <a:pPr algn="ctr"/>
             <a:r>
-              <a:t>data/Grid_NetCDF</a:t>
-            </a:r>
+              <a:rPr dirty="0"/>
+              <a:t>data/</a:t>
+            </a:r>
+            <a:r>
+              <a:rPr dirty="0" err="1"/>
+              <a:t>Grid_NetCDF</a:t>
+            </a:r>
+            <a:endParaRPr dirty="0"/>
           </a:p>
           <a:p>
             <a:pPr algn="ctr"/>
-            <a:endParaRPr/>
-          </a:p>
-          <a:p>
-            <a:r>
-              <a:t>si possono trovare i 4 file </a:t>
-            </a:r>
-            <a:r>
-              <a:rPr i="1"/>
-              <a:t>.nc </a:t>
-            </a:r>
-            <a:r>
-              <a:t>ottenuti con il notebook RichardsMeshGen.ipynb</a:t>
-            </a:r>
+            <a:endParaRPr dirty="0"/>
+          </a:p>
+          <a:p>
+            <a:r>
+              <a:rPr dirty="0" err="1"/>
+              <a:t>si</a:t>
+            </a:r>
+            <a:r>
+              <a:rPr dirty="0"/>
+              <a:t> </a:t>
+            </a:r>
+            <a:r>
+              <a:rPr dirty="0" err="1"/>
+              <a:t>possono</a:t>
+            </a:r>
+            <a:r>
+              <a:rPr dirty="0"/>
+              <a:t> </a:t>
+            </a:r>
+            <a:r>
+              <a:rPr dirty="0" err="1"/>
+              <a:t>trovare</a:t>
+            </a:r>
+            <a:r>
+              <a:rPr dirty="0"/>
+              <a:t> </a:t>
+            </a:r>
+            <a:r>
+              <a:rPr dirty="0" err="1"/>
+              <a:t>i</a:t>
+            </a:r>
+            <a:r>
+              <a:rPr dirty="0"/>
+              <a:t> 4 file </a:t>
+            </a:r>
+            <a:r>
+              <a:rPr i="1" dirty="0"/>
+              <a:t>.</a:t>
+            </a:r>
+            <a:r>
+              <a:rPr i="1" dirty="0" err="1"/>
+              <a:t>nc</a:t>
+            </a:r>
+            <a:r>
+              <a:rPr i="1" dirty="0"/>
+              <a:t> </a:t>
+            </a:r>
+            <a:r>
+              <a:rPr dirty="0" err="1"/>
+              <a:t>ottenuti</a:t>
+            </a:r>
+            <a:r>
+              <a:rPr dirty="0"/>
+              <a:t> con </a:t>
+            </a:r>
+            <a:r>
+              <a:rPr dirty="0" err="1"/>
+              <a:t>il</a:t>
+            </a:r>
+            <a:r>
+              <a:rPr dirty="0"/>
+              <a:t> notebook </a:t>
+            </a:r>
+            <a:r>
+              <a:rPr dirty="0" err="1"/>
+              <a:t>RichardsMeshGen.ipynb</a:t>
+            </a:r>
+            <a:endParaRPr dirty="0"/>
           </a:p>
         </p:txBody>
       </p:sp>
@@ -16184,7 +16335,7 @@
         <p:spPr>
           <a:xfrm>
             <a:off x="-1" y="-8931"/>
-            <a:ext cx="7563447" cy="338135"/>
+            <a:ext cx="7563447" cy="349128"/>
           </a:xfrm>
           <a:prstGeom prst="rect">
             <a:avLst/>
@@ -16231,8 +16382,10 @@
           </a:lstStyle>
           <a:p>
             <a:r>
-              <a:t>How to read a NetCDF with Jupyter Notebook</a:t>
-            </a:r>
+              <a:rPr lang="en-US" dirty="0"/>
+              <a:t>Postprocessing</a:t>
+            </a:r>
+            <a:endParaRPr dirty="0"/>
           </a:p>
         </p:txBody>
       </p:sp>
@@ -16299,85 +16452,862 @@
       </p:sp>
       <p:sp>
         <p:nvSpPr>
-          <p:cNvPr id="377" name="TextBox 3"/>
+          <p:cNvPr id="2" name="TextBox 1">
+            <a:extLst>
+              <a:ext uri="{FF2B5EF4-FFF2-40B4-BE49-F238E27FC236}">
+                <a16:creationId xmlns:a16="http://schemas.microsoft.com/office/drawing/2014/main" id="{52317855-1A78-4371-91A6-2DFEE5C1016A}"/>
+              </a:ext>
+            </a:extLst>
+          </p:cNvPr>
           <p:cNvSpPr txBox="1"/>
           <p:nvPr/>
         </p:nvSpPr>
         <p:spPr>
           <a:xfrm>
-            <a:off x="131974" y="2009610"/>
-            <a:ext cx="8880052" cy="701041"/>
-          </a:xfrm>
-          <a:prstGeom prst="rect">
-            <a:avLst/>
-          </a:prstGeom>
-          <a:ln w="12700">
+            <a:off x="115330" y="1779373"/>
+            <a:ext cx="8765060" cy="2308322"/>
+          </a:xfrm>
+          <a:prstGeom prst="rect">
+            <a:avLst/>
+          </a:prstGeom>
+          <a:noFill/>
+          <a:ln w="12700" cap="flat">
+            <a:noFill/>
             <a:miter lim="400000"/>
           </a:ln>
-          <a:extLst>
-            <a:ext uri="{C572A759-6A51-4108-AA02-DFA0A04FC94B}">
-              <ma14:wrappingTextBoxFlag xmlns:ma14="http://schemas.microsoft.com/office/mac/drawingml/2011/main" xmlns="" val="1"/>
-            </a:ext>
-          </a:extLst>
-        </p:spPr>
+          <a:effectLst/>
+          <a:sp3d/>
+        </p:spPr>
+        <p:style>
+          <a:lnRef idx="0">
+            <a:scrgbClr r="0" g="0" b="0"/>
+          </a:lnRef>
+          <a:fillRef idx="0">
+            <a:scrgbClr r="0" g="0" b="0"/>
+          </a:fillRef>
+          <a:effectRef idx="0">
+            <a:scrgbClr r="0" g="0" b="0"/>
+          </a:effectRef>
+          <a:fontRef idx="none"/>
+        </p:style>
         <p:txBody>
-          <a:bodyPr lIns="45719" rIns="45719">
-            <a:spAutoFit/>
-          </a:bodyPr>
-          <a:lstStyle>
-            <a:lvl1pPr algn="ctr">
-              <a:defRPr sz="2000"/>
-            </a:lvl1pPr>
-          </a:lstStyle>
-          <a:p>
-            <a:r>
-              <a:t>Per la lettura di un file formato NetCDF (.nc) guardare il Notebook How_to_Read_NetCDF.ipynb</a:t>
-            </a:r>
-          </a:p>
-        </p:txBody>
-      </p:sp>
-      <p:sp>
-        <p:nvSpPr>
-          <p:cNvPr id="378" name="TextBox 5"/>
-          <p:cNvSpPr txBox="1"/>
-          <p:nvPr/>
-        </p:nvSpPr>
-        <p:spPr>
-          <a:xfrm>
-            <a:off x="133372" y="4494152"/>
-            <a:ext cx="8880052" cy="701041"/>
-          </a:xfrm>
-          <a:prstGeom prst="rect">
-            <a:avLst/>
-          </a:prstGeom>
-          <a:ln w="12700">
-            <a:miter lim="400000"/>
-          </a:ln>
-          <a:extLst>
-            <a:ext uri="{C572A759-6A51-4108-AA02-DFA0A04FC94B}">
-              <ma14:wrappingTextBoxFlag xmlns:ma14="http://schemas.microsoft.com/office/mac/drawingml/2011/main" xmlns="" val="1"/>
-            </a:ext>
-          </a:extLst>
-        </p:spPr>
-        <p:txBody>
-          <a:bodyPr lIns="45719" rIns="45719">
+          <a:bodyPr rot="0" spcFirstLastPara="1" vertOverflow="overflow" horzOverflow="overflow" vert="horz" wrap="square" lIns="45719" tIns="45719" rIns="45719" bIns="45719" numCol="1" spcCol="38100" rtlCol="0" anchor="t">
             <a:spAutoFit/>
           </a:bodyPr>
           <a:lstStyle/>
           <a:p>
-            <a:pPr algn="ctr">
-              <a:defRPr sz="2000"/>
+            <a:pPr marL="0" marR="0" indent="0" algn="l" defTabSz="457200" rtl="0" fontAlgn="auto" latinLnBrk="0" hangingPunct="0">
+              <a:lnSpc>
+                <a:spcPct val="100000"/>
+              </a:lnSpc>
+              <a:spcBef>
+                <a:spcPts val="0"/>
+              </a:spcBef>
+              <a:spcAft>
+                <a:spcPts val="0"/>
+              </a:spcAft>
+              <a:buClrTx/>
+              <a:buSzTx/>
+              <a:buFontTx/>
+              <a:buNone/>
+              <a:tabLst/>
             </a:pPr>
             <a:r>
-              <a:t>Ricordarsi di chiudere sempre il file in lettura con il comando</a:t>
-            </a:r>
-          </a:p>
-          <a:p>
-            <a:pPr algn="ctr">
-              <a:defRPr sz="2000"/>
+              <a:rPr kumimoji="0" lang="en-US" sz="1800" b="0" i="0" u="none" strike="noStrike" cap="none" spc="0" normalizeH="0" baseline="0" dirty="0">
+                <a:ln>
+                  <a:noFill/>
+                </a:ln>
+                <a:solidFill>
+                  <a:srgbClr val="000000"/>
+                </a:solidFill>
+                <a:effectLst/>
+                <a:uFillTx/>
+                <a:latin typeface="+mj-lt"/>
+                <a:ea typeface="+mj-ea"/>
+                <a:cs typeface="+mj-cs"/>
+                <a:sym typeface="Calibri"/>
+              </a:rPr>
+              <a:t>Per la </a:t>
+            </a:r>
+            <a:r>
+              <a:rPr kumimoji="0" lang="en-US" sz="1800" b="0" i="0" u="none" strike="noStrike" cap="none" spc="0" normalizeH="0" baseline="0" dirty="0" err="1">
+                <a:ln>
+                  <a:noFill/>
+                </a:ln>
+                <a:solidFill>
+                  <a:srgbClr val="000000"/>
+                </a:solidFill>
+                <a:effectLst/>
+                <a:uFillTx/>
+                <a:latin typeface="+mj-lt"/>
+                <a:ea typeface="+mj-ea"/>
+                <a:cs typeface="+mj-cs"/>
+                <a:sym typeface="Calibri"/>
+              </a:rPr>
+              <a:t>visualizzazione</a:t>
+            </a:r>
+            <a:r>
+              <a:rPr kumimoji="0" lang="en-US" sz="1800" b="0" i="0" u="none" strike="noStrike" cap="none" spc="0" normalizeH="0" baseline="0" dirty="0">
+                <a:ln>
+                  <a:noFill/>
+                </a:ln>
+                <a:solidFill>
+                  <a:srgbClr val="000000"/>
+                </a:solidFill>
+                <a:effectLst/>
+                <a:uFillTx/>
+                <a:latin typeface="+mj-lt"/>
+                <a:ea typeface="+mj-ea"/>
+                <a:cs typeface="+mj-cs"/>
+                <a:sym typeface="Calibri"/>
+              </a:rPr>
+              <a:t> </a:t>
+            </a:r>
+            <a:r>
+              <a:rPr kumimoji="0" lang="en-US" sz="1800" b="0" i="0" u="none" strike="noStrike" cap="none" spc="0" normalizeH="0" baseline="0" dirty="0" err="1">
+                <a:ln>
+                  <a:noFill/>
+                </a:ln>
+                <a:solidFill>
+                  <a:srgbClr val="000000"/>
+                </a:solidFill>
+                <a:effectLst/>
+                <a:uFillTx/>
+                <a:latin typeface="+mj-lt"/>
+                <a:ea typeface="+mj-ea"/>
+                <a:cs typeface="+mj-cs"/>
+                <a:sym typeface="Calibri"/>
+              </a:rPr>
+              <a:t>degli</a:t>
+            </a:r>
+            <a:r>
+              <a:rPr kumimoji="0" lang="en-US" sz="1800" b="0" i="0" u="none" strike="noStrike" cap="none" spc="0" normalizeH="0" baseline="0" dirty="0">
+                <a:ln>
+                  <a:noFill/>
+                </a:ln>
+                <a:solidFill>
+                  <a:srgbClr val="000000"/>
+                </a:solidFill>
+                <a:effectLst/>
+                <a:uFillTx/>
+                <a:latin typeface="+mj-lt"/>
+                <a:ea typeface="+mj-ea"/>
+                <a:cs typeface="+mj-cs"/>
+                <a:sym typeface="Calibri"/>
+              </a:rPr>
+              <a:t> output </a:t>
+            </a:r>
+            <a:r>
+              <a:rPr kumimoji="0" lang="en-US" sz="1800" b="0" i="0" u="none" strike="noStrike" cap="none" spc="0" normalizeH="0" baseline="0" dirty="0" err="1">
+                <a:ln>
+                  <a:noFill/>
+                </a:ln>
+                <a:solidFill>
+                  <a:srgbClr val="000000"/>
+                </a:solidFill>
+                <a:effectLst/>
+                <a:uFillTx/>
+                <a:latin typeface="+mj-lt"/>
+                <a:ea typeface="+mj-ea"/>
+                <a:cs typeface="+mj-cs"/>
+                <a:sym typeface="Calibri"/>
+              </a:rPr>
+              <a:t>delle</a:t>
+            </a:r>
+            <a:r>
+              <a:rPr kumimoji="0" lang="en-US" sz="1800" b="0" i="0" u="none" strike="noStrike" cap="none" spc="0" normalizeH="0" baseline="0" dirty="0">
+                <a:ln>
+                  <a:noFill/>
+                </a:ln>
+                <a:solidFill>
+                  <a:srgbClr val="000000"/>
+                </a:solidFill>
+                <a:effectLst/>
+                <a:uFillTx/>
+                <a:latin typeface="+mj-lt"/>
+                <a:ea typeface="+mj-ea"/>
+                <a:cs typeface="+mj-cs"/>
+                <a:sym typeface="Calibri"/>
+              </a:rPr>
+              <a:t> </a:t>
+            </a:r>
+            <a:r>
+              <a:rPr kumimoji="0" lang="en-US" sz="1800" b="0" i="0" u="none" strike="noStrike" cap="none" spc="0" normalizeH="0" baseline="0" dirty="0" err="1">
+                <a:ln>
+                  <a:noFill/>
+                </a:ln>
+                <a:solidFill>
+                  <a:srgbClr val="000000"/>
+                </a:solidFill>
+                <a:effectLst/>
+                <a:uFillTx/>
+                <a:latin typeface="+mj-lt"/>
+                <a:ea typeface="+mj-ea"/>
+                <a:cs typeface="+mj-cs"/>
+                <a:sym typeface="Calibri"/>
+              </a:rPr>
+              <a:t>simulazioni</a:t>
+            </a:r>
+            <a:r>
+              <a:rPr kumimoji="0" lang="en-US" sz="1800" b="0" i="0" u="none" strike="noStrike" cap="none" spc="0" normalizeH="0" baseline="0" dirty="0">
+                <a:ln>
+                  <a:noFill/>
+                </a:ln>
+                <a:solidFill>
+                  <a:srgbClr val="000000"/>
+                </a:solidFill>
+                <a:effectLst/>
+                <a:uFillTx/>
+                <a:latin typeface="+mj-lt"/>
+                <a:ea typeface="+mj-ea"/>
+                <a:cs typeface="+mj-cs"/>
+                <a:sym typeface="Calibri"/>
+              </a:rPr>
+              <a:t> </a:t>
+            </a:r>
+            <a:r>
+              <a:rPr kumimoji="0" lang="en-US" sz="1800" b="0" i="0" u="none" strike="noStrike" cap="none" spc="0" normalizeH="0" baseline="0" dirty="0" err="1">
+                <a:ln>
+                  <a:noFill/>
+                </a:ln>
+                <a:solidFill>
+                  <a:srgbClr val="000000"/>
+                </a:solidFill>
+                <a:effectLst/>
+                <a:uFillTx/>
+                <a:latin typeface="+mj-lt"/>
+                <a:ea typeface="+mj-ea"/>
+                <a:cs typeface="+mj-cs"/>
+                <a:sym typeface="Calibri"/>
+              </a:rPr>
+              <a:t>sono</a:t>
+            </a:r>
+            <a:r>
+              <a:rPr kumimoji="0" lang="en-US" sz="1800" b="0" i="0" u="none" strike="noStrike" cap="none" spc="0" normalizeH="0" baseline="0" dirty="0">
+                <a:ln>
+                  <a:noFill/>
+                </a:ln>
+                <a:solidFill>
+                  <a:srgbClr val="000000"/>
+                </a:solidFill>
+                <a:effectLst/>
+                <a:uFillTx/>
+                <a:latin typeface="+mj-lt"/>
+                <a:ea typeface="+mj-ea"/>
+                <a:cs typeface="+mj-cs"/>
+                <a:sym typeface="Calibri"/>
+              </a:rPr>
+              <a:t> </a:t>
+            </a:r>
+            <a:r>
+              <a:rPr kumimoji="0" lang="en-US" sz="1800" b="0" i="0" u="none" strike="noStrike" cap="none" spc="0" normalizeH="0" baseline="0" dirty="0" err="1">
+                <a:ln>
+                  <a:noFill/>
+                </a:ln>
+                <a:solidFill>
+                  <a:srgbClr val="000000"/>
+                </a:solidFill>
+                <a:effectLst/>
+                <a:uFillTx/>
+                <a:latin typeface="+mj-lt"/>
+                <a:ea typeface="+mj-ea"/>
+                <a:cs typeface="+mj-cs"/>
+                <a:sym typeface="Calibri"/>
+              </a:rPr>
+              <a:t>disponibili</a:t>
+            </a:r>
+            <a:r>
+              <a:rPr kumimoji="0" lang="en-US" sz="1800" b="0" i="0" u="none" strike="noStrike" cap="none" spc="0" normalizeH="0" baseline="0" dirty="0">
+                <a:ln>
+                  <a:noFill/>
+                </a:ln>
+                <a:solidFill>
+                  <a:srgbClr val="000000"/>
+                </a:solidFill>
+                <a:effectLst/>
+                <a:uFillTx/>
+                <a:latin typeface="+mj-lt"/>
+                <a:ea typeface="+mj-ea"/>
+                <a:cs typeface="+mj-cs"/>
+                <a:sym typeface="Calibri"/>
+              </a:rPr>
+              <a:t> due notebooks:</a:t>
+            </a:r>
+          </a:p>
+          <a:p>
+            <a:pPr marL="0" marR="0" indent="0" algn="l" defTabSz="457200" rtl="0" fontAlgn="auto" latinLnBrk="0" hangingPunct="0">
+              <a:lnSpc>
+                <a:spcPct val="100000"/>
+              </a:lnSpc>
+              <a:spcBef>
+                <a:spcPts val="0"/>
+              </a:spcBef>
+              <a:spcAft>
+                <a:spcPts val="0"/>
+              </a:spcAft>
+              <a:buClrTx/>
+              <a:buSzTx/>
+              <a:buFontTx/>
+              <a:buNone/>
+              <a:tabLst/>
             </a:pPr>
-            <a:r>
-              <a:t>ncfile.close()</a:t>
+            <a:endParaRPr lang="en-US" dirty="0"/>
+          </a:p>
+          <a:p>
+            <a:pPr marL="285750" indent="-285750">
+              <a:buFont typeface="Arial" panose="020B0604020202020204" pitchFamily="34" charset="0"/>
+              <a:buChar char="•"/>
+            </a:pPr>
+            <a:r>
+              <a:rPr kumimoji="0" lang="en-US" sz="1800" b="1" i="0" u="none" strike="noStrike" cap="none" spc="0" normalizeH="0" baseline="0" dirty="0">
+                <a:ln>
+                  <a:noFill/>
+                </a:ln>
+                <a:solidFill>
+                  <a:srgbClr val="000000"/>
+                </a:solidFill>
+                <a:effectLst/>
+                <a:uFillTx/>
+                <a:latin typeface="+mj-lt"/>
+                <a:ea typeface="+mj-ea"/>
+                <a:cs typeface="+mj-cs"/>
+                <a:sym typeface="Calibri"/>
+              </a:rPr>
+              <a:t>2_Richards1DOutput</a:t>
+            </a:r>
+            <a:r>
+              <a:rPr lang="en-US" b="1" dirty="0"/>
+              <a:t>.ipynb</a:t>
+            </a:r>
+            <a:r>
+              <a:rPr lang="en-US" dirty="0"/>
+              <a:t>: </a:t>
+            </a:r>
+            <a:r>
+              <a:rPr lang="en-US" dirty="0" err="1"/>
+              <a:t>questo</a:t>
+            </a:r>
+            <a:r>
+              <a:rPr lang="en-US" dirty="0"/>
+              <a:t> notebook </a:t>
+            </a:r>
+            <a:r>
+              <a:rPr lang="en-US" dirty="0" err="1"/>
+              <a:t>consente</a:t>
+            </a:r>
+            <a:r>
+              <a:rPr lang="en-US" dirty="0"/>
+              <a:t> di </a:t>
+            </a:r>
+            <a:r>
+              <a:rPr lang="en-US" dirty="0" err="1"/>
+              <a:t>graficare</a:t>
+            </a:r>
+            <a:r>
+              <a:rPr lang="en-US" dirty="0"/>
+              <a:t> </a:t>
+            </a:r>
+            <a:r>
+              <a:rPr lang="en-US" dirty="0" err="1"/>
+              <a:t>il</a:t>
+            </a:r>
+            <a:r>
+              <a:rPr lang="en-US" dirty="0"/>
+              <a:t> </a:t>
+            </a:r>
+            <a:r>
+              <a:rPr lang="en-US" dirty="0" err="1"/>
+              <a:t>profilo</a:t>
+            </a:r>
+            <a:r>
+              <a:rPr lang="en-US" dirty="0"/>
+              <a:t> </a:t>
+            </a:r>
+            <a:r>
+              <a:rPr lang="en-US" dirty="0" err="1"/>
+              <a:t>della</a:t>
+            </a:r>
+            <a:r>
+              <a:rPr lang="en-US" dirty="0"/>
+              <a:t> </a:t>
+            </a:r>
+            <a:r>
+              <a:rPr lang="en-US" dirty="0" err="1"/>
+              <a:t>suzione</a:t>
+            </a:r>
+            <a:r>
+              <a:rPr lang="en-US" dirty="0"/>
+              <a:t>, del </a:t>
+            </a:r>
+            <a:r>
+              <a:rPr lang="en-US" dirty="0" err="1"/>
+              <a:t>carico</a:t>
+            </a:r>
+            <a:r>
+              <a:rPr lang="en-US" dirty="0"/>
+              <a:t> </a:t>
+            </a:r>
+            <a:r>
+              <a:rPr lang="en-US" dirty="0" err="1"/>
+              <a:t>idraulico</a:t>
+            </a:r>
+            <a:r>
+              <a:rPr lang="en-US" dirty="0"/>
+              <a:t>,  </a:t>
+            </a:r>
+            <a:r>
+              <a:rPr lang="en-US" dirty="0" err="1"/>
+              <a:t>contenuto</a:t>
+            </a:r>
+            <a:r>
+              <a:rPr lang="en-US" dirty="0"/>
+              <a:t> </a:t>
+            </a:r>
+            <a:r>
+              <a:rPr lang="en-US" dirty="0" err="1"/>
+              <a:t>d’acqua</a:t>
+            </a:r>
+            <a:r>
+              <a:rPr lang="en-US" dirty="0"/>
+              <a:t> e </a:t>
+            </a:r>
+            <a:r>
+              <a:rPr lang="en-US" dirty="0" err="1"/>
+              <a:t>delle</a:t>
+            </a:r>
+            <a:r>
+              <a:rPr lang="en-US" dirty="0"/>
+              <a:t> </a:t>
+            </a:r>
+            <a:r>
+              <a:rPr lang="en-US" dirty="0" err="1"/>
+              <a:t>velocita</a:t>
+            </a:r>
+            <a:r>
+              <a:rPr lang="en-US" dirty="0"/>
+              <a:t>` per un timestep </a:t>
+            </a:r>
+            <a:r>
+              <a:rPr lang="en-US" dirty="0" err="1"/>
+              <a:t>della</a:t>
+            </a:r>
+            <a:r>
+              <a:rPr lang="en-US" dirty="0"/>
+              <a:t> </a:t>
+            </a:r>
+            <a:r>
+              <a:rPr lang="en-US" dirty="0" err="1"/>
+              <a:t>simulazione</a:t>
+            </a:r>
+            <a:r>
+              <a:rPr lang="en-US" dirty="0"/>
+              <a:t> </a:t>
+            </a:r>
+            <a:r>
+              <a:rPr lang="en-US" dirty="0" err="1"/>
+              <a:t>prefissato</a:t>
+            </a:r>
+            <a:r>
+              <a:rPr lang="en-US" dirty="0"/>
+              <a:t> </a:t>
+            </a:r>
+            <a:r>
+              <a:rPr lang="en-US" dirty="0" err="1"/>
+              <a:t>dell’utente</a:t>
+            </a:r>
+            <a:r>
+              <a:rPr lang="en-US" dirty="0"/>
+              <a:t>.</a:t>
+            </a:r>
+            <a:endParaRPr kumimoji="0" lang="en-US" sz="1800" b="0" i="0" u="none" strike="noStrike" cap="none" spc="0" normalizeH="0" baseline="0" dirty="0">
+              <a:ln>
+                <a:noFill/>
+              </a:ln>
+              <a:solidFill>
+                <a:srgbClr val="000000"/>
+              </a:solidFill>
+              <a:effectLst/>
+              <a:uFillTx/>
+              <a:latin typeface="+mj-lt"/>
+              <a:ea typeface="+mj-ea"/>
+              <a:cs typeface="+mj-cs"/>
+              <a:sym typeface="Calibri"/>
+            </a:endParaRPr>
+          </a:p>
+          <a:p>
+            <a:pPr marL="285750" marR="0" indent="-285750" algn="l" defTabSz="457200" rtl="0" fontAlgn="auto" latinLnBrk="0" hangingPunct="0">
+              <a:lnSpc>
+                <a:spcPct val="100000"/>
+              </a:lnSpc>
+              <a:spcBef>
+                <a:spcPts val="0"/>
+              </a:spcBef>
+              <a:spcAft>
+                <a:spcPts val="0"/>
+              </a:spcAft>
+              <a:buClrTx/>
+              <a:buSzTx/>
+              <a:buFont typeface="Arial" panose="020B0604020202020204" pitchFamily="34" charset="0"/>
+              <a:buChar char="•"/>
+              <a:tabLst/>
+            </a:pPr>
+            <a:endParaRPr lang="en-US" dirty="0"/>
+          </a:p>
+          <a:p>
+            <a:pPr marL="285750" marR="0" indent="-285750" algn="l" defTabSz="457200" rtl="0" fontAlgn="auto" latinLnBrk="0" hangingPunct="0">
+              <a:lnSpc>
+                <a:spcPct val="100000"/>
+              </a:lnSpc>
+              <a:spcBef>
+                <a:spcPts val="0"/>
+              </a:spcBef>
+              <a:spcAft>
+                <a:spcPts val="0"/>
+              </a:spcAft>
+              <a:buClrTx/>
+              <a:buSzTx/>
+              <a:buFont typeface="Arial" panose="020B0604020202020204" pitchFamily="34" charset="0"/>
+              <a:buChar char="•"/>
+              <a:tabLst/>
+            </a:pPr>
+            <a:r>
+              <a:rPr kumimoji="0" lang="en-US" sz="1800" b="1" i="0" u="none" strike="noStrike" cap="none" spc="0" normalizeH="0" baseline="0" dirty="0">
+                <a:ln>
+                  <a:noFill/>
+                </a:ln>
+                <a:solidFill>
+                  <a:srgbClr val="000000"/>
+                </a:solidFill>
+                <a:effectLst/>
+                <a:uFillTx/>
+                <a:latin typeface="+mj-lt"/>
+                <a:ea typeface="+mj-ea"/>
+                <a:cs typeface="+mj-cs"/>
+                <a:sym typeface="Calibri"/>
+              </a:rPr>
+              <a:t>3_Richards1DOutput._animation.ipynb</a:t>
+            </a:r>
+            <a:r>
+              <a:rPr kumimoji="0" lang="en-US" sz="1800" b="0" i="0" u="none" strike="noStrike" cap="none" spc="0" normalizeH="0" baseline="0" dirty="0">
+                <a:ln>
+                  <a:noFill/>
+                </a:ln>
+                <a:solidFill>
+                  <a:srgbClr val="000000"/>
+                </a:solidFill>
+                <a:effectLst/>
+                <a:uFillTx/>
+                <a:latin typeface="+mj-lt"/>
+                <a:ea typeface="+mj-ea"/>
+                <a:cs typeface="+mj-cs"/>
+                <a:sym typeface="Calibri"/>
+              </a:rPr>
+              <a:t>: </a:t>
+            </a:r>
+            <a:r>
+              <a:rPr kumimoji="0" lang="en-US" sz="1800" b="0" i="0" u="none" strike="noStrike" cap="none" spc="0" normalizeH="0" baseline="0" dirty="0" err="1">
+                <a:ln>
+                  <a:noFill/>
+                </a:ln>
+                <a:solidFill>
+                  <a:srgbClr val="000000"/>
+                </a:solidFill>
+                <a:effectLst/>
+                <a:uFillTx/>
+                <a:latin typeface="+mj-lt"/>
+                <a:ea typeface="+mj-ea"/>
+                <a:cs typeface="+mj-cs"/>
+                <a:sym typeface="Calibri"/>
+              </a:rPr>
+              <a:t>questo</a:t>
+            </a:r>
+            <a:r>
+              <a:rPr kumimoji="0" lang="en-US" sz="1800" b="0" i="0" u="none" strike="noStrike" cap="none" spc="0" normalizeH="0" baseline="0" dirty="0">
+                <a:ln>
+                  <a:noFill/>
+                </a:ln>
+                <a:solidFill>
+                  <a:srgbClr val="000000"/>
+                </a:solidFill>
+                <a:effectLst/>
+                <a:uFillTx/>
+                <a:latin typeface="+mj-lt"/>
+                <a:ea typeface="+mj-ea"/>
+                <a:cs typeface="+mj-cs"/>
+                <a:sym typeface="Calibri"/>
+              </a:rPr>
+              <a:t> notebook </a:t>
+            </a:r>
+            <a:r>
+              <a:rPr kumimoji="0" lang="en-US" sz="1800" b="0" i="0" u="none" strike="noStrike" cap="none" spc="0" normalizeH="0" baseline="0" dirty="0" err="1">
+                <a:ln>
+                  <a:noFill/>
+                </a:ln>
+                <a:solidFill>
+                  <a:srgbClr val="000000"/>
+                </a:solidFill>
+                <a:effectLst/>
+                <a:uFillTx/>
+                <a:latin typeface="+mj-lt"/>
+                <a:ea typeface="+mj-ea"/>
+                <a:cs typeface="+mj-cs"/>
+                <a:sym typeface="Calibri"/>
+              </a:rPr>
+              <a:t>consente</a:t>
+            </a:r>
+            <a:r>
+              <a:rPr kumimoji="0" lang="en-US" sz="1800" b="0" i="0" u="none" strike="noStrike" cap="none" spc="0" normalizeH="0" baseline="0" dirty="0">
+                <a:ln>
+                  <a:noFill/>
+                </a:ln>
+                <a:solidFill>
+                  <a:srgbClr val="000000"/>
+                </a:solidFill>
+                <a:effectLst/>
+                <a:uFillTx/>
+                <a:latin typeface="+mj-lt"/>
+                <a:ea typeface="+mj-ea"/>
+                <a:cs typeface="+mj-cs"/>
+                <a:sym typeface="Calibri"/>
+              </a:rPr>
+              <a:t> di </a:t>
+            </a:r>
+            <a:r>
+              <a:rPr kumimoji="0" lang="en-US" sz="1800" b="0" i="0" u="none" strike="noStrike" cap="none" spc="0" normalizeH="0" baseline="0" dirty="0" err="1">
+                <a:ln>
+                  <a:noFill/>
+                </a:ln>
+                <a:solidFill>
+                  <a:srgbClr val="000000"/>
+                </a:solidFill>
+                <a:effectLst/>
+                <a:uFillTx/>
+                <a:latin typeface="+mj-lt"/>
+                <a:ea typeface="+mj-ea"/>
+                <a:cs typeface="+mj-cs"/>
+                <a:sym typeface="Calibri"/>
+              </a:rPr>
+              <a:t>graficar</a:t>
+            </a:r>
+            <a:r>
+              <a:rPr lang="en-US" dirty="0" err="1"/>
+              <a:t>e</a:t>
+            </a:r>
+            <a:r>
+              <a:rPr lang="en-US" dirty="0"/>
+              <a:t> </a:t>
+            </a:r>
+            <a:r>
+              <a:rPr lang="en-US" dirty="0" err="1"/>
+              <a:t>il</a:t>
+            </a:r>
+            <a:r>
+              <a:rPr lang="en-US" dirty="0"/>
+              <a:t> </a:t>
+            </a:r>
+            <a:r>
+              <a:rPr kumimoji="0" lang="en-US" sz="1800" b="0" i="0" u="none" strike="noStrike" cap="none" spc="0" normalizeH="0" baseline="0" dirty="0" err="1">
+                <a:ln>
+                  <a:noFill/>
+                </a:ln>
+                <a:solidFill>
+                  <a:srgbClr val="000000"/>
+                </a:solidFill>
+                <a:effectLst/>
+                <a:uFillTx/>
+                <a:latin typeface="+mj-lt"/>
+                <a:ea typeface="+mj-ea"/>
+                <a:cs typeface="+mj-cs"/>
+                <a:sym typeface="Calibri"/>
+              </a:rPr>
+              <a:t>profilo</a:t>
+            </a:r>
+            <a:r>
+              <a:rPr kumimoji="0" lang="en-US" sz="1800" b="0" i="0" u="none" strike="noStrike" cap="none" spc="0" normalizeH="0" baseline="0" dirty="0">
+                <a:ln>
+                  <a:noFill/>
+                </a:ln>
+                <a:solidFill>
+                  <a:srgbClr val="000000"/>
+                </a:solidFill>
+                <a:effectLst/>
+                <a:uFillTx/>
+                <a:latin typeface="+mj-lt"/>
+                <a:ea typeface="+mj-ea"/>
+                <a:cs typeface="+mj-cs"/>
+                <a:sym typeface="Calibri"/>
+              </a:rPr>
+              <a:t> </a:t>
+            </a:r>
+            <a:r>
+              <a:rPr kumimoji="0" lang="en-US" sz="1800" b="0" i="0" u="none" strike="noStrike" cap="none" spc="0" normalizeH="0" baseline="0" dirty="0" err="1">
+                <a:ln>
+                  <a:noFill/>
+                </a:ln>
+                <a:solidFill>
+                  <a:srgbClr val="000000"/>
+                </a:solidFill>
+                <a:effectLst/>
+                <a:uFillTx/>
+                <a:latin typeface="+mj-lt"/>
+                <a:ea typeface="+mj-ea"/>
+                <a:cs typeface="+mj-cs"/>
+                <a:sym typeface="Calibri"/>
+              </a:rPr>
+              <a:t>della</a:t>
+            </a:r>
+            <a:r>
+              <a:rPr kumimoji="0" lang="en-US" sz="1800" b="0" i="0" u="none" strike="noStrike" cap="none" spc="0" normalizeH="0" baseline="0" dirty="0">
+                <a:ln>
+                  <a:noFill/>
+                </a:ln>
+                <a:solidFill>
+                  <a:srgbClr val="000000"/>
+                </a:solidFill>
+                <a:effectLst/>
+                <a:uFillTx/>
+                <a:latin typeface="+mj-lt"/>
+                <a:ea typeface="+mj-ea"/>
+                <a:cs typeface="+mj-cs"/>
+                <a:sym typeface="Calibri"/>
+              </a:rPr>
+              <a:t> </a:t>
+            </a:r>
+            <a:r>
+              <a:rPr kumimoji="0" lang="en-US" sz="1800" b="0" i="0" u="none" strike="noStrike" cap="none" spc="0" normalizeH="0" baseline="0" dirty="0" err="1">
+                <a:ln>
+                  <a:noFill/>
+                </a:ln>
+                <a:solidFill>
+                  <a:srgbClr val="000000"/>
+                </a:solidFill>
+                <a:effectLst/>
+                <a:uFillTx/>
+                <a:latin typeface="+mj-lt"/>
+                <a:ea typeface="+mj-ea"/>
+                <a:cs typeface="+mj-cs"/>
+                <a:sym typeface="Calibri"/>
+              </a:rPr>
+              <a:t>suzione</a:t>
+            </a:r>
+            <a:r>
+              <a:rPr kumimoji="0" lang="en-US" sz="1800" b="0" i="0" u="none" strike="noStrike" cap="none" spc="0" normalizeH="0" baseline="0" dirty="0">
+                <a:ln>
+                  <a:noFill/>
+                </a:ln>
+                <a:solidFill>
+                  <a:srgbClr val="000000"/>
+                </a:solidFill>
+                <a:effectLst/>
+                <a:uFillTx/>
+                <a:latin typeface="+mj-lt"/>
+                <a:ea typeface="+mj-ea"/>
+                <a:cs typeface="+mj-cs"/>
+                <a:sym typeface="Calibri"/>
+              </a:rPr>
+              <a:t> e del </a:t>
+            </a:r>
+            <a:r>
+              <a:rPr kumimoji="0" lang="en-US" sz="1800" b="0" i="0" u="none" strike="noStrike" cap="none" spc="0" normalizeH="0" baseline="0" dirty="0" err="1">
+                <a:ln>
+                  <a:noFill/>
+                </a:ln>
+                <a:solidFill>
+                  <a:srgbClr val="000000"/>
+                </a:solidFill>
+                <a:effectLst/>
+                <a:uFillTx/>
+                <a:latin typeface="+mj-lt"/>
+                <a:ea typeface="+mj-ea"/>
+                <a:cs typeface="+mj-cs"/>
+                <a:sym typeface="Calibri"/>
+              </a:rPr>
+              <a:t>contenuto</a:t>
+            </a:r>
+            <a:r>
+              <a:rPr kumimoji="0" lang="en-US" sz="1800" b="0" i="0" u="none" strike="noStrike" cap="none" spc="0" normalizeH="0" baseline="0" dirty="0">
+                <a:ln>
+                  <a:noFill/>
+                </a:ln>
+                <a:solidFill>
+                  <a:srgbClr val="000000"/>
+                </a:solidFill>
+                <a:effectLst/>
+                <a:uFillTx/>
+                <a:latin typeface="+mj-lt"/>
+                <a:ea typeface="+mj-ea"/>
+                <a:cs typeface="+mj-cs"/>
+                <a:sym typeface="Calibri"/>
+              </a:rPr>
+              <a:t> </a:t>
+            </a:r>
+            <a:r>
+              <a:rPr kumimoji="0" lang="en-US" sz="1800" b="0" i="0" u="none" strike="noStrike" cap="none" spc="0" normalizeH="0" baseline="0" dirty="0" err="1">
+                <a:ln>
+                  <a:noFill/>
+                </a:ln>
+                <a:solidFill>
+                  <a:srgbClr val="000000"/>
+                </a:solidFill>
+                <a:effectLst/>
+                <a:uFillTx/>
+                <a:latin typeface="+mj-lt"/>
+                <a:ea typeface="+mj-ea"/>
+                <a:cs typeface="+mj-cs"/>
+                <a:sym typeface="Calibri"/>
+              </a:rPr>
+              <a:t>d’acqua</a:t>
+            </a:r>
+            <a:r>
+              <a:rPr kumimoji="0" lang="en-US" sz="1800" b="0" i="0" u="none" strike="noStrike" cap="none" spc="0" normalizeH="0" baseline="0" dirty="0">
+                <a:ln>
+                  <a:noFill/>
+                </a:ln>
+                <a:solidFill>
+                  <a:srgbClr val="000000"/>
+                </a:solidFill>
+                <a:effectLst/>
+                <a:uFillTx/>
+                <a:latin typeface="+mj-lt"/>
+                <a:ea typeface="+mj-ea"/>
+                <a:cs typeface="+mj-cs"/>
+                <a:sym typeface="Calibri"/>
+              </a:rPr>
+              <a:t> con </a:t>
+            </a:r>
+            <a:r>
+              <a:rPr kumimoji="0" lang="en-US" sz="1800" b="0" i="0" u="none" strike="noStrike" cap="none" spc="0" normalizeH="0" baseline="0" dirty="0" err="1">
+                <a:ln>
+                  <a:noFill/>
+                </a:ln>
+                <a:solidFill>
+                  <a:srgbClr val="000000"/>
+                </a:solidFill>
+                <a:effectLst/>
+                <a:uFillTx/>
+                <a:latin typeface="+mj-lt"/>
+                <a:ea typeface="+mj-ea"/>
+                <a:cs typeface="+mj-cs"/>
+                <a:sym typeface="Calibri"/>
+              </a:rPr>
+              <a:t>un’animazione</a:t>
+            </a:r>
+            <a:r>
+              <a:rPr kumimoji="0" lang="en-US" sz="1800" b="0" i="0" u="none" strike="noStrike" cap="none" spc="0" normalizeH="0" baseline="0" dirty="0">
+                <a:ln>
+                  <a:noFill/>
+                </a:ln>
+                <a:solidFill>
+                  <a:srgbClr val="000000"/>
+                </a:solidFill>
+                <a:effectLst/>
+                <a:uFillTx/>
+                <a:latin typeface="+mj-lt"/>
+                <a:ea typeface="+mj-ea"/>
+                <a:cs typeface="+mj-cs"/>
+                <a:sym typeface="Calibri"/>
+              </a:rPr>
+              <a:t>.</a:t>
             </a:r>
           </a:p>
         </p:txBody>
@@ -16410,7 +17340,7 @@
       </p:grpSpPr>
       <p:sp>
         <p:nvSpPr>
-          <p:cNvPr id="380" name="Shape 154"/>
+          <p:cNvPr id="375" name="Shape 154"/>
           <p:cNvSpPr txBox="1"/>
           <p:nvPr/>
         </p:nvSpPr>
@@ -16464,14 +17394,14 @@
           </a:lstStyle>
           <a:p>
             <a:r>
-              <a:t>Check_ponding_depth_and_cumulative_infiltration.ipybn</a:t>
+              <a:t>How to read a NetCDF with Jupyter Notebook</a:t>
             </a:r>
           </a:p>
         </p:txBody>
       </p:sp>
       <p:sp>
         <p:nvSpPr>
-          <p:cNvPr id="381" name="Shape 154"/>
+          <p:cNvPr id="376" name="Shape 154"/>
           <p:cNvSpPr txBox="1"/>
           <p:nvPr/>
         </p:nvSpPr>
@@ -16532,14 +17462,14 @@
       </p:sp>
       <p:sp>
         <p:nvSpPr>
-          <p:cNvPr id="382" name="TextBox 6"/>
+          <p:cNvPr id="377" name="TextBox 3"/>
           <p:cNvSpPr txBox="1"/>
           <p:nvPr/>
         </p:nvSpPr>
         <p:spPr>
           <a:xfrm>
-            <a:off x="84840" y="340201"/>
-            <a:ext cx="8880052" cy="5882641"/>
+            <a:off x="131974" y="2009610"/>
+            <a:ext cx="8880052" cy="701041"/>
           </a:xfrm>
           <a:prstGeom prst="rect">
             <a:avLst/>
@@ -16557,157 +17487,124 @@
           <a:bodyPr lIns="45719" rIns="45719">
             <a:spAutoFit/>
           </a:bodyPr>
+          <a:lstStyle>
+            <a:lvl1pPr algn="ctr">
+              <a:defRPr sz="2000"/>
+            </a:lvl1pPr>
+          </a:lstStyle>
+          <a:p>
+            <a:r>
+              <a:rPr dirty="0"/>
+              <a:t>Per la </a:t>
+            </a:r>
+            <a:r>
+              <a:rPr dirty="0" err="1"/>
+              <a:t>lettura</a:t>
+            </a:r>
+            <a:r>
+              <a:rPr dirty="0"/>
+              <a:t> di un file </a:t>
+            </a:r>
+            <a:r>
+              <a:rPr dirty="0" err="1"/>
+              <a:t>formato</a:t>
+            </a:r>
+            <a:r>
+              <a:rPr dirty="0"/>
+              <a:t> </a:t>
+            </a:r>
+            <a:r>
+              <a:rPr dirty="0" err="1"/>
+              <a:t>NetCDF</a:t>
+            </a:r>
+            <a:r>
+              <a:rPr dirty="0"/>
+              <a:t> (.</a:t>
+            </a:r>
+            <a:r>
+              <a:rPr dirty="0" err="1"/>
+              <a:t>nc</a:t>
+            </a:r>
+            <a:r>
+              <a:rPr dirty="0"/>
+              <a:t>) </a:t>
+            </a:r>
+            <a:r>
+              <a:rPr dirty="0" err="1"/>
+              <a:t>guardare</a:t>
+            </a:r>
+            <a:r>
+              <a:rPr dirty="0"/>
+              <a:t> </a:t>
+            </a:r>
+            <a:r>
+              <a:rPr dirty="0" err="1"/>
+              <a:t>il</a:t>
+            </a:r>
+            <a:r>
+              <a:rPr dirty="0"/>
+              <a:t> Notebook </a:t>
+            </a:r>
+            <a:r>
+              <a:rPr b="1" dirty="0" err="1"/>
+              <a:t>How_to_Read_NetCDF.ipynb</a:t>
+            </a:r>
+            <a:endParaRPr b="1" dirty="0"/>
+          </a:p>
+        </p:txBody>
+      </p:sp>
+      <p:sp>
+        <p:nvSpPr>
+          <p:cNvPr id="378" name="TextBox 5"/>
+          <p:cNvSpPr txBox="1"/>
+          <p:nvPr/>
+        </p:nvSpPr>
+        <p:spPr>
+          <a:xfrm>
+            <a:off x="133372" y="4494152"/>
+            <a:ext cx="8880052" cy="701041"/>
+          </a:xfrm>
+          <a:prstGeom prst="rect">
+            <a:avLst/>
+          </a:prstGeom>
+          <a:ln w="12700">
+            <a:miter lim="400000"/>
+          </a:ln>
+          <a:extLst>
+            <a:ext uri="{C572A759-6A51-4108-AA02-DFA0A04FC94B}">
+              <ma14:wrappingTextBoxFlag xmlns:ma14="http://schemas.microsoft.com/office/mac/drawingml/2011/main" xmlns="" val="1"/>
+            </a:ext>
+          </a:extLst>
+        </p:spPr>
+        <p:txBody>
+          <a:bodyPr lIns="45719" rIns="45719">
+            <a:spAutoFit/>
+          </a:bodyPr>
           <a:lstStyle/>
           <a:p>
-            <a:pPr>
+            <a:pPr algn="ctr">
               <a:defRPr sz="2000"/>
             </a:pPr>
             <a:r>
-              <a:t>E` possible confrontare la soluzione numerica ottenuta con la componente OMS Richards1D con una soluzione analitica per il caso in cui al fondo si assegna una condizione al contorno di tipo </a:t>
-            </a:r>
-            <a:r>
-              <a:rPr i="1"/>
-              <a:t>impervious bottom</a:t>
-            </a:r>
-            <a:r>
-              <a:t> e la precipitazione e` tale da saturare l’intera Colonna di suolo al punto da determinare l’accumulo di acqua sulla superficie.</a:t>
-            </a:r>
-          </a:p>
-          <a:p>
-            <a:pPr>
+              <a:t>Ricordarsi di chiudere sempre il file in lettura con il comando</a:t>
+            </a:r>
+          </a:p>
+          <a:p>
+            <a:pPr algn="ctr">
               <a:defRPr sz="2000"/>
             </a:pPr>
-            <a:endParaRPr/>
-          </a:p>
-          <a:p>
-            <a:pPr>
-              <a:defRPr sz="2000"/>
-            </a:pPr>
-            <a:r>
-              <a:t>In questo caso infatti e` possible calcolare analiticamente l’accumulo d’acqua alla superficie facendo un semplice bilancio tra di volume. Dalla condizione iniziale e` possibile calcolare il volume d’acqua infiltrabile come</a:t>
-            </a:r>
-          </a:p>
-          <a:p>
-            <a:pPr>
-              <a:defRPr sz="2000"/>
-            </a:pPr>
-            <a:endParaRPr/>
-          </a:p>
-          <a:p>
-            <a:pPr>
-              <a:defRPr sz="2000"/>
-            </a:pPr>
-            <a:endParaRPr/>
-          </a:p>
-          <a:p>
-            <a:pPr>
-              <a:defRPr sz="2000"/>
-            </a:pPr>
-            <a:endParaRPr/>
-          </a:p>
-          <a:p>
-            <a:pPr>
-              <a:defRPr sz="2000"/>
-            </a:pPr>
-            <a:r>
-              <a:t>Quindi il volume d’acqua che si accumula sulla superficie sara` pari a:</a:t>
-            </a:r>
-          </a:p>
-          <a:p>
-            <a:pPr>
-              <a:defRPr sz="2000"/>
-            </a:pPr>
-            <a:endParaRPr/>
-          </a:p>
-          <a:p>
-            <a:pPr>
-              <a:defRPr sz="2000"/>
-            </a:pPr>
-            <a:endParaRPr/>
-          </a:p>
-          <a:p>
-            <a:pPr>
-              <a:defRPr sz="2000"/>
-            </a:pPr>
-            <a:endParaRPr/>
-          </a:p>
-          <a:p>
-            <a:pPr>
-              <a:defRPr sz="2000"/>
-            </a:pPr>
-            <a:r>
-              <a:t>Nel caso 1D anziche` lavorare con i volume risulta piu` semplice lavorare con le altezze che altro non sono che i volume per unita` di area.</a:t>
-            </a:r>
-          </a:p>
-          <a:p>
-            <a:pPr>
-              <a:defRPr sz="2000"/>
-            </a:pPr>
-            <a:r>
-              <a:t> </a:t>
+            <a:r>
+              <a:t>ncfile.close()</a:t>
             </a:r>
           </a:p>
         </p:txBody>
       </p:sp>
-      <p:pic>
-        <p:nvPicPr>
-          <p:cNvPr id="383" name="Picture 7" descr="Picture 7"/>
-          <p:cNvPicPr>
-            <a:picLocks noChangeAspect="1"/>
-          </p:cNvPicPr>
-          <p:nvPr/>
-        </p:nvPicPr>
-        <p:blipFill>
-          <a:blip r:embed="rId2">
-            <a:extLst/>
-          </a:blip>
-          <a:stretch>
-            <a:fillRect/>
-          </a:stretch>
-        </p:blipFill>
-        <p:spPr>
-          <a:xfrm>
-            <a:off x="2432915" y="4584601"/>
-            <a:ext cx="3917553" cy="576933"/>
-          </a:xfrm>
-          <a:prstGeom prst="rect">
-            <a:avLst/>
-          </a:prstGeom>
-          <a:ln w="12700">
-            <a:miter lim="400000"/>
-          </a:ln>
-        </p:spPr>
-      </p:pic>
-      <p:pic>
-        <p:nvPicPr>
-          <p:cNvPr id="384" name="Picture 14" descr="Picture 14"/>
-          <p:cNvPicPr>
-            <a:picLocks noChangeAspect="1"/>
-          </p:cNvPicPr>
-          <p:nvPr/>
-        </p:nvPicPr>
-        <p:blipFill>
-          <a:blip r:embed="rId3">
-            <a:extLst/>
-          </a:blip>
-          <a:stretch>
-            <a:fillRect/>
-          </a:stretch>
-        </p:blipFill>
-        <p:spPr>
-          <a:xfrm>
-            <a:off x="2121421" y="3198401"/>
-            <a:ext cx="5072722" cy="690041"/>
-          </a:xfrm>
-          <a:prstGeom prst="rect">
-            <a:avLst/>
-          </a:prstGeom>
-          <a:ln w="12700">
-            <a:miter lim="400000"/>
-          </a:ln>
-        </p:spPr>
-      </p:pic>
     </p:spTree>
+    <p:extLst>
+      <p:ext uri="{BB962C8B-B14F-4D97-AF65-F5344CB8AC3E}">
+        <p14:creationId xmlns:p14="http://schemas.microsoft.com/office/powerpoint/2010/main" val="2155633644"/>
+      </p:ext>
+    </p:extLst>
   </p:cSld>
   <p:clrMapOvr>
     <a:masterClrMapping/>
@@ -17550,14 +18447,14 @@
       </p:grpSpPr>
       <p:sp>
         <p:nvSpPr>
-          <p:cNvPr id="386" name="Shape 154"/>
+          <p:cNvPr id="380" name="Shape 154"/>
           <p:cNvSpPr txBox="1"/>
           <p:nvPr/>
         </p:nvSpPr>
         <p:spPr>
           <a:xfrm>
             <a:off x="-1" y="-8931"/>
-            <a:ext cx="7563447" cy="338135"/>
+            <a:ext cx="7563447" cy="349128"/>
           </a:xfrm>
           <a:prstGeom prst="rect">
             <a:avLst/>
@@ -17604,14 +18501,20 @@
           </a:lstStyle>
           <a:p>
             <a:r>
-              <a:t>Check_ponding_depth_and_cumulative_infiltration.ipybn</a:t>
-            </a:r>
+              <a:rPr dirty="0" err="1"/>
+              <a:t>Check_ponding_depth_and_cumulative_infiltration.ipyn</a:t>
+            </a:r>
+            <a:r>
+              <a:rPr lang="en-US" dirty="0" err="1"/>
+              <a:t>b</a:t>
+            </a:r>
+            <a:endParaRPr dirty="0"/>
           </a:p>
         </p:txBody>
       </p:sp>
       <p:sp>
         <p:nvSpPr>
-          <p:cNvPr id="387" name="Shape 154"/>
+          <p:cNvPr id="381" name="Shape 154"/>
           <p:cNvSpPr txBox="1"/>
           <p:nvPr/>
         </p:nvSpPr>
@@ -17672,14 +18575,14 @@
       </p:sp>
       <p:sp>
         <p:nvSpPr>
-          <p:cNvPr id="388" name="TextBox 6"/>
+          <p:cNvPr id="382" name="TextBox 6"/>
           <p:cNvSpPr txBox="1"/>
           <p:nvPr/>
         </p:nvSpPr>
         <p:spPr>
           <a:xfrm>
-            <a:off x="131974" y="2408870"/>
-            <a:ext cx="8880052" cy="1005841"/>
+            <a:off x="84840" y="340201"/>
+            <a:ext cx="8880052" cy="5882641"/>
           </a:xfrm>
           <a:prstGeom prst="rect">
             <a:avLst/>
@@ -17697,18 +18600,156 @@
           <a:bodyPr lIns="45719" rIns="45719">
             <a:spAutoFit/>
           </a:bodyPr>
-          <a:lstStyle>
-            <a:lvl1pPr algn="ctr">
+          <a:lstStyle/>
+          <a:p>
+            <a:pPr>
               <a:defRPr sz="2000"/>
-            </a:lvl1pPr>
-          </a:lstStyle>
-          <a:p>
-            <a:r>
-              <a:t>Il valore cosi` calcolato puo` essere confrontato con il valore ottenuto dalla simulazione e quindi valutare l’errore della soluzione numerica.</a:t>
+            </a:pPr>
+            <a:r>
+              <a:t>E` possible confrontare la soluzione numerica ottenuta con la componente OMS Richards1D con una soluzione analitica per il caso in cui al fondo si assegna una condizione al contorno di tipo </a:t>
+            </a:r>
+            <a:r>
+              <a:rPr i="1"/>
+              <a:t>impervious bottom</a:t>
+            </a:r>
+            <a:r>
+              <a:t> e la precipitazione e` tale da saturare l’intera Colonna di suolo al punto da determinare l’accumulo di acqua sulla superficie.</a:t>
+            </a:r>
+          </a:p>
+          <a:p>
+            <a:pPr>
+              <a:defRPr sz="2000"/>
+            </a:pPr>
+            <a:endParaRPr/>
+          </a:p>
+          <a:p>
+            <a:pPr>
+              <a:defRPr sz="2000"/>
+            </a:pPr>
+            <a:r>
+              <a:t>In questo caso infatti e` possible calcolare analiticamente l’accumulo d’acqua alla superficie facendo un semplice bilancio tra di volume. Dalla condizione iniziale e` possibile calcolare il volume d’acqua infiltrabile come</a:t>
+            </a:r>
+          </a:p>
+          <a:p>
+            <a:pPr>
+              <a:defRPr sz="2000"/>
+            </a:pPr>
+            <a:endParaRPr/>
+          </a:p>
+          <a:p>
+            <a:pPr>
+              <a:defRPr sz="2000"/>
+            </a:pPr>
+            <a:endParaRPr/>
+          </a:p>
+          <a:p>
+            <a:pPr>
+              <a:defRPr sz="2000"/>
+            </a:pPr>
+            <a:endParaRPr/>
+          </a:p>
+          <a:p>
+            <a:pPr>
+              <a:defRPr sz="2000"/>
+            </a:pPr>
+            <a:r>
+              <a:t>Quindi il volume d’acqua che si accumula sulla superficie sara` pari a:</a:t>
+            </a:r>
+          </a:p>
+          <a:p>
+            <a:pPr>
+              <a:defRPr sz="2000"/>
+            </a:pPr>
+            <a:endParaRPr/>
+          </a:p>
+          <a:p>
+            <a:pPr>
+              <a:defRPr sz="2000"/>
+            </a:pPr>
+            <a:endParaRPr/>
+          </a:p>
+          <a:p>
+            <a:pPr>
+              <a:defRPr sz="2000"/>
+            </a:pPr>
+            <a:endParaRPr/>
+          </a:p>
+          <a:p>
+            <a:pPr>
+              <a:defRPr sz="2000"/>
+            </a:pPr>
+            <a:r>
+              <a:t>Nel caso 1D anziche` lavorare con i volume risulta piu` semplice lavorare con le altezze che altro non sono che i volume per unita` di area.</a:t>
+            </a:r>
+          </a:p>
+          <a:p>
+            <a:pPr>
+              <a:defRPr sz="2000"/>
+            </a:pPr>
+            <a:r>
+              <a:t> </a:t>
             </a:r>
           </a:p>
         </p:txBody>
       </p:sp>
+      <p:pic>
+        <p:nvPicPr>
+          <p:cNvPr id="383" name="Picture 7" descr="Picture 7"/>
+          <p:cNvPicPr>
+            <a:picLocks noChangeAspect="1"/>
+          </p:cNvPicPr>
+          <p:nvPr/>
+        </p:nvPicPr>
+        <p:blipFill>
+          <a:blip r:embed="rId2">
+            <a:extLst/>
+          </a:blip>
+          <a:stretch>
+            <a:fillRect/>
+          </a:stretch>
+        </p:blipFill>
+        <p:spPr>
+          <a:xfrm>
+            <a:off x="2432915" y="4584601"/>
+            <a:ext cx="3917553" cy="576933"/>
+          </a:xfrm>
+          <a:prstGeom prst="rect">
+            <a:avLst/>
+          </a:prstGeom>
+          <a:ln w="12700">
+            <a:miter lim="400000"/>
+          </a:ln>
+        </p:spPr>
+      </p:pic>
+      <p:pic>
+        <p:nvPicPr>
+          <p:cNvPr id="384" name="Picture 14" descr="Picture 14"/>
+          <p:cNvPicPr>
+            <a:picLocks noChangeAspect="1"/>
+          </p:cNvPicPr>
+          <p:nvPr/>
+        </p:nvPicPr>
+        <p:blipFill>
+          <a:blip r:embed="rId3">
+            <a:extLst/>
+          </a:blip>
+          <a:stretch>
+            <a:fillRect/>
+          </a:stretch>
+        </p:blipFill>
+        <p:spPr>
+          <a:xfrm>
+            <a:off x="2121421" y="3198401"/>
+            <a:ext cx="5072722" cy="690041"/>
+          </a:xfrm>
+          <a:prstGeom prst="rect">
+            <a:avLst/>
+          </a:prstGeom>
+          <a:ln w="12700">
+            <a:miter lim="400000"/>
+          </a:ln>
+        </p:spPr>
+      </p:pic>
     </p:spTree>
   </p:cSld>
   <p:clrMapOvr>
@@ -17737,14 +18778,14 @@
       </p:grpSpPr>
       <p:sp>
         <p:nvSpPr>
-          <p:cNvPr id="390" name="Shape 154"/>
+          <p:cNvPr id="386" name="Shape 154"/>
           <p:cNvSpPr txBox="1"/>
           <p:nvPr/>
         </p:nvSpPr>
         <p:spPr>
           <a:xfrm>
             <a:off x="-1" y="-8931"/>
-            <a:ext cx="7563447" cy="338135"/>
+            <a:ext cx="7563447" cy="349128"/>
           </a:xfrm>
           <a:prstGeom prst="rect">
             <a:avLst/>
@@ -17791,14 +18832,20 @@
           </a:lstStyle>
           <a:p>
             <a:r>
-              <a:t>Qualche suggerimento</a:t>
-            </a:r>
+              <a:rPr dirty="0" err="1"/>
+              <a:t>Check_ponding_depth_and_cumulative_infiltration.ipyn</a:t>
+            </a:r>
+            <a:r>
+              <a:rPr lang="en-US" dirty="0" err="1"/>
+              <a:t>b</a:t>
+            </a:r>
+            <a:endParaRPr dirty="0"/>
           </a:p>
         </p:txBody>
       </p:sp>
       <p:sp>
         <p:nvSpPr>
-          <p:cNvPr id="391" name="Shape 154"/>
+          <p:cNvPr id="387" name="Shape 154"/>
           <p:cNvSpPr txBox="1"/>
           <p:nvPr/>
         </p:nvSpPr>
@@ -17859,14 +18906,14 @@
       </p:sp>
       <p:sp>
         <p:nvSpPr>
-          <p:cNvPr id="392" name="TextBox 2"/>
+          <p:cNvPr id="388" name="TextBox 6"/>
           <p:cNvSpPr txBox="1"/>
           <p:nvPr/>
         </p:nvSpPr>
         <p:spPr>
           <a:xfrm>
-            <a:off x="84840" y="340201"/>
-            <a:ext cx="8880052" cy="1615441"/>
+            <a:off x="131974" y="2408870"/>
+            <a:ext cx="8880052" cy="1005841"/>
           </a:xfrm>
           <a:prstGeom prst="rect">
             <a:avLst/>
@@ -17885,50 +18932,17 @@
             <a:spAutoFit/>
           </a:bodyPr>
           <a:lstStyle>
-            <a:lvl1pPr marL="285750" indent="-285750">
-              <a:buSzPct val="100000"/>
-              <a:buFont typeface="Arial"/>
-              <a:buChar char="•"/>
+            <a:lvl1pPr algn="ctr">
               <a:defRPr sz="2000"/>
             </a:lvl1pPr>
           </a:lstStyle>
           <a:p>
             <a:r>
-              <a:t>I NetCDF sono file autoesplicativi: e` possible aggiungere una descrizione del contenuto del file piu` o meno dettagliata. Il consiglio e` di investire del tempo nello scrivere un comment al file in modo da poter sempre sapere, anche a distanza di tempo, i dati di input utilizzati per la simulazione. Questo e` possible farlo sia con il notebook RichardsMeshGen.ipybn:</a:t>
+              <a:t>Il valore cosi` calcolato puo` essere confrontato con il valore ottenuto dalla simulazione e quindi valutare l’errore della soluzione numerica.</a:t>
             </a:r>
           </a:p>
         </p:txBody>
       </p:sp>
-      <p:pic>
-        <p:nvPicPr>
-          <p:cNvPr id="393" name="Picture 6" descr="Picture 6"/>
-          <p:cNvPicPr>
-            <a:picLocks noChangeAspect="1"/>
-          </p:cNvPicPr>
-          <p:nvPr/>
-        </p:nvPicPr>
-        <p:blipFill>
-          <a:blip r:embed="rId2">
-            <a:extLst/>
-          </a:blip>
-          <a:srcRect t="40495"/>
-          <a:stretch>
-            <a:fillRect/>
-          </a:stretch>
-        </p:blipFill>
-        <p:spPr>
-          <a:xfrm>
-            <a:off x="893211" y="2340441"/>
-            <a:ext cx="8071680" cy="1409523"/>
-          </a:xfrm>
-          <a:prstGeom prst="rect">
-            <a:avLst/>
-          </a:prstGeom>
-          <a:ln w="12700">
-            <a:miter lim="400000"/>
-          </a:ln>
-        </p:spPr>
-      </p:pic>
     </p:spTree>
   </p:cSld>
   <p:clrMapOvr>
@@ -17957,7 +18971,7 @@
       </p:grpSpPr>
       <p:sp>
         <p:nvSpPr>
-          <p:cNvPr id="395" name="Shape 154"/>
+          <p:cNvPr id="390" name="Shape 154"/>
           <p:cNvSpPr txBox="1"/>
           <p:nvPr/>
         </p:nvSpPr>
@@ -18018,7 +19032,7 @@
       </p:sp>
       <p:sp>
         <p:nvSpPr>
-          <p:cNvPr id="396" name="Shape 154"/>
+          <p:cNvPr id="391" name="Shape 154"/>
           <p:cNvSpPr txBox="1"/>
           <p:nvPr/>
         </p:nvSpPr>
@@ -18079,7 +19093,7 @@
       </p:sp>
       <p:sp>
         <p:nvSpPr>
-          <p:cNvPr id="397" name="TextBox 2"/>
+          <p:cNvPr id="392" name="TextBox 2"/>
           <p:cNvSpPr txBox="1"/>
           <p:nvPr/>
         </p:nvSpPr>
@@ -18114,14 +19128,235 @@
           </a:lstStyle>
           <a:p>
             <a:r>
-              <a:t>I NetCDF sono file autoesplicativi: e` possible aggiungere una descrizione del contenuto del file piu` o meno dettagliata. Il consiglio e` di investire del tempo nello scrivere un comment al file in modo da poter sempre sapere, anche a distanza di tempo, i dati di input utilizzati per la simulazione. Questo e` possible farlo sia con la simulazione OMS:</a:t>
+              <a:rPr dirty="0"/>
+              <a:t>I </a:t>
+            </a:r>
+            <a:r>
+              <a:rPr dirty="0" err="1"/>
+              <a:t>NetCDF</a:t>
+            </a:r>
+            <a:r>
+              <a:rPr dirty="0"/>
+              <a:t> </a:t>
+            </a:r>
+            <a:r>
+              <a:rPr dirty="0" err="1"/>
+              <a:t>sono</a:t>
+            </a:r>
+            <a:r>
+              <a:rPr dirty="0"/>
+              <a:t> file </a:t>
+            </a:r>
+            <a:r>
+              <a:rPr dirty="0" err="1"/>
+              <a:t>autoesplicativi</a:t>
+            </a:r>
+            <a:r>
+              <a:rPr dirty="0"/>
+              <a:t>: e` possible </a:t>
+            </a:r>
+            <a:r>
+              <a:rPr dirty="0" err="1"/>
+              <a:t>aggiungere</a:t>
+            </a:r>
+            <a:r>
+              <a:rPr dirty="0"/>
+              <a:t> una </a:t>
+            </a:r>
+            <a:r>
+              <a:rPr dirty="0" err="1"/>
+              <a:t>descrizione</a:t>
+            </a:r>
+            <a:r>
+              <a:rPr dirty="0"/>
+              <a:t> del </a:t>
+            </a:r>
+            <a:r>
+              <a:rPr dirty="0" err="1"/>
+              <a:t>contenuto</a:t>
+            </a:r>
+            <a:r>
+              <a:rPr dirty="0"/>
+              <a:t> del file </a:t>
+            </a:r>
+            <a:r>
+              <a:rPr dirty="0" err="1"/>
+              <a:t>piu</a:t>
+            </a:r>
+            <a:r>
+              <a:rPr dirty="0"/>
+              <a:t>` o </a:t>
+            </a:r>
+            <a:r>
+              <a:rPr dirty="0" err="1"/>
+              <a:t>meno</a:t>
+            </a:r>
+            <a:r>
+              <a:rPr dirty="0"/>
+              <a:t> </a:t>
+            </a:r>
+            <a:r>
+              <a:rPr dirty="0" err="1"/>
+              <a:t>dettagliata</a:t>
+            </a:r>
+            <a:r>
+              <a:rPr dirty="0"/>
+              <a:t>. Il </a:t>
+            </a:r>
+            <a:r>
+              <a:rPr dirty="0" err="1"/>
+              <a:t>consiglio</a:t>
+            </a:r>
+            <a:r>
+              <a:rPr dirty="0"/>
+              <a:t> e` di </a:t>
+            </a:r>
+            <a:r>
+              <a:rPr dirty="0" err="1"/>
+              <a:t>investire</a:t>
+            </a:r>
+            <a:r>
+              <a:rPr dirty="0"/>
+              <a:t> del tempo </a:t>
+            </a:r>
+            <a:r>
+              <a:rPr dirty="0" err="1"/>
+              <a:t>nello</a:t>
+            </a:r>
+            <a:r>
+              <a:rPr dirty="0"/>
+              <a:t> </a:t>
+            </a:r>
+            <a:r>
+              <a:rPr dirty="0" err="1"/>
+              <a:t>scrivere</a:t>
+            </a:r>
+            <a:r>
+              <a:rPr dirty="0"/>
+              <a:t> un comment al file in modo da </a:t>
+            </a:r>
+            <a:r>
+              <a:rPr dirty="0" err="1"/>
+              <a:t>poter</a:t>
+            </a:r>
+            <a:r>
+              <a:rPr dirty="0"/>
+              <a:t> </a:t>
+            </a:r>
+            <a:r>
+              <a:rPr dirty="0" err="1"/>
+              <a:t>sempre</a:t>
+            </a:r>
+            <a:r>
+              <a:rPr dirty="0"/>
+              <a:t> </a:t>
+            </a:r>
+            <a:r>
+              <a:rPr dirty="0" err="1"/>
+              <a:t>sapere</a:t>
+            </a:r>
+            <a:r>
+              <a:rPr dirty="0"/>
+              <a:t>, </a:t>
+            </a:r>
+            <a:r>
+              <a:rPr dirty="0" err="1"/>
+              <a:t>anche</a:t>
+            </a:r>
+            <a:r>
+              <a:rPr dirty="0"/>
+              <a:t> a </a:t>
+            </a:r>
+            <a:r>
+              <a:rPr dirty="0" err="1"/>
+              <a:t>distanza</a:t>
+            </a:r>
+            <a:r>
+              <a:rPr dirty="0"/>
+              <a:t> di tempo, </a:t>
+            </a:r>
+            <a:r>
+              <a:rPr dirty="0" err="1"/>
+              <a:t>i</a:t>
+            </a:r>
+            <a:r>
+              <a:rPr dirty="0"/>
+              <a:t> </a:t>
+            </a:r>
+            <a:r>
+              <a:rPr dirty="0" err="1"/>
+              <a:t>dati</a:t>
+            </a:r>
+            <a:r>
+              <a:rPr dirty="0"/>
+              <a:t> di input </a:t>
+            </a:r>
+            <a:r>
+              <a:rPr dirty="0" err="1"/>
+              <a:t>utilizzati</a:t>
+            </a:r>
+            <a:r>
+              <a:rPr dirty="0"/>
+              <a:t> per la </a:t>
+            </a:r>
+            <a:r>
+              <a:rPr dirty="0" err="1"/>
+              <a:t>simulazione</a:t>
+            </a:r>
+            <a:r>
+              <a:rPr dirty="0"/>
+              <a:t>. </a:t>
+            </a:r>
+            <a:r>
+              <a:rPr dirty="0" err="1"/>
+              <a:t>Questo</a:t>
+            </a:r>
+            <a:r>
+              <a:rPr dirty="0"/>
+              <a:t> e` possible </a:t>
+            </a:r>
+            <a:r>
+              <a:rPr dirty="0" err="1"/>
+              <a:t>farlo</a:t>
+            </a:r>
+            <a:r>
+              <a:rPr dirty="0"/>
+              <a:t> </a:t>
+            </a:r>
+            <a:r>
+              <a:rPr dirty="0" err="1"/>
+              <a:t>sia</a:t>
+            </a:r>
+            <a:r>
+              <a:rPr dirty="0"/>
+              <a:t> con </a:t>
+            </a:r>
+            <a:r>
+              <a:rPr dirty="0" err="1"/>
+              <a:t>il</a:t>
+            </a:r>
+            <a:r>
+              <a:rPr dirty="0"/>
+              <a:t> notebook </a:t>
+            </a:r>
+            <a:r>
+              <a:rPr dirty="0" err="1"/>
+              <a:t>RichardsMeshGen.ipyn</a:t>
+            </a:r>
+            <a:r>
+              <a:rPr lang="en-US" dirty="0" err="1"/>
+              <a:t>b</a:t>
+            </a:r>
+            <a:r>
+              <a:rPr dirty="0"/>
+              <a:t>:</a:t>
             </a:r>
           </a:p>
         </p:txBody>
       </p:sp>
       <p:pic>
         <p:nvPicPr>
-          <p:cNvPr id="398" name="Picture 4" descr="Picture 4"/>
+          <p:cNvPr id="393" name="Picture 6" descr="Picture 6"/>
           <p:cNvPicPr>
             <a:picLocks noChangeAspect="1"/>
           </p:cNvPicPr>
@@ -18131,83 +19366,15 @@
           <a:blip r:embed="rId2">
             <a:extLst/>
           </a:blip>
-          <a:srcRect t="59649"/>
+          <a:srcRect t="40495"/>
           <a:stretch>
             <a:fillRect/>
           </a:stretch>
         </p:blipFill>
         <p:spPr>
           <a:xfrm>
-            <a:off x="1708711" y="2181137"/>
-            <a:ext cx="6093057" cy="586104"/>
-          </a:xfrm>
-          <a:prstGeom prst="rect">
-            <a:avLst/>
-          </a:prstGeom>
-          <a:ln w="12700">
-            <a:miter lim="400000"/>
-          </a:ln>
-        </p:spPr>
-      </p:pic>
-      <p:sp>
-        <p:nvSpPr>
-          <p:cNvPr id="399" name="TextBox 9"/>
-          <p:cNvSpPr txBox="1"/>
-          <p:nvPr/>
-        </p:nvSpPr>
-        <p:spPr>
-          <a:xfrm>
-            <a:off x="245629" y="3604919"/>
-            <a:ext cx="8880052" cy="396241"/>
-          </a:xfrm>
-          <a:prstGeom prst="rect">
-            <a:avLst/>
-          </a:prstGeom>
-          <a:ln w="12700">
-            <a:miter lim="400000"/>
-          </a:ln>
-          <a:extLst>
-            <a:ext uri="{C572A759-6A51-4108-AA02-DFA0A04FC94B}">
-              <ma14:wrappingTextBoxFlag xmlns:ma14="http://schemas.microsoft.com/office/mac/drawingml/2011/main" xmlns="" val="1"/>
-            </a:ext>
-          </a:extLst>
-        </p:spPr>
-        <p:txBody>
-          <a:bodyPr lIns="45719" rIns="45719">
-            <a:spAutoFit/>
-          </a:bodyPr>
-          <a:lstStyle>
-            <a:lvl1pPr>
-              <a:defRPr sz="2000"/>
-            </a:lvl1pPr>
-          </a:lstStyle>
-          <a:p>
-            <a:r>
-              <a:t>Esempio:</a:t>
-            </a:r>
-          </a:p>
-        </p:txBody>
-      </p:sp>
-      <p:pic>
-        <p:nvPicPr>
-          <p:cNvPr id="400" name="Picture 7" descr="Picture 7"/>
-          <p:cNvPicPr>
-            <a:picLocks noChangeAspect="1"/>
-          </p:cNvPicPr>
-          <p:nvPr/>
-        </p:nvPicPr>
-        <p:blipFill>
-          <a:blip r:embed="rId3">
-            <a:extLst/>
-          </a:blip>
-          <a:stretch>
-            <a:fillRect/>
-          </a:stretch>
-        </p:blipFill>
-        <p:spPr>
-          <a:xfrm>
-            <a:off x="10921" y="4019636"/>
-            <a:ext cx="8738797" cy="2214465"/>
+            <a:off x="893211" y="2340441"/>
+            <a:ext cx="8071680" cy="1409523"/>
           </a:xfrm>
           <a:prstGeom prst="rect">
             <a:avLst/>
@@ -18245,7 +19412,7 @@
       </p:grpSpPr>
       <p:sp>
         <p:nvSpPr>
-          <p:cNvPr id="402" name="Shape 154"/>
+          <p:cNvPr id="395" name="Shape 154"/>
           <p:cNvSpPr txBox="1"/>
           <p:nvPr/>
         </p:nvSpPr>
@@ -18306,7 +19473,7 @@
       </p:sp>
       <p:sp>
         <p:nvSpPr>
-          <p:cNvPr id="403" name="Shape 154"/>
+          <p:cNvPr id="396" name="Shape 154"/>
           <p:cNvSpPr txBox="1"/>
           <p:nvPr/>
         </p:nvSpPr>
@@ -18367,14 +19534,14 @@
       </p:sp>
       <p:sp>
         <p:nvSpPr>
-          <p:cNvPr id="404" name="TextBox 2"/>
+          <p:cNvPr id="397" name="TextBox 2"/>
           <p:cNvSpPr txBox="1"/>
           <p:nvPr/>
         </p:nvSpPr>
         <p:spPr>
           <a:xfrm>
-            <a:off x="131974" y="1864200"/>
-            <a:ext cx="8880052" cy="2554545"/>
+            <a:off x="84840" y="340201"/>
+            <a:ext cx="8880052" cy="1615441"/>
           </a:xfrm>
           <a:prstGeom prst="rect">
             <a:avLst/>
@@ -18392,232 +19559,119 @@
           <a:bodyPr lIns="45719" rIns="45719">
             <a:spAutoFit/>
           </a:bodyPr>
-          <a:lstStyle/>
-          <a:p>
-            <a:pPr marL="285750" indent="-285750">
+          <a:lstStyle>
+            <a:lvl1pPr marL="285750" indent="-285750">
               <a:buSzPct val="100000"/>
               <a:buFont typeface="Arial"/>
               <a:buChar char="•"/>
               <a:defRPr sz="2000"/>
-            </a:pPr>
-            <a:r>
-              <a:rPr lang="en-US" dirty="0"/>
-              <a:t>Prima di </a:t>
-            </a:r>
-            <a:r>
-              <a:rPr lang="en-US" dirty="0" err="1"/>
-              <a:t>controllare</a:t>
-            </a:r>
-            <a:r>
-              <a:rPr lang="en-US" dirty="0"/>
-              <a:t> </a:t>
-            </a:r>
-            <a:r>
-              <a:rPr lang="en-US" dirty="0" err="1"/>
-              <a:t>gli</a:t>
-            </a:r>
-            <a:r>
-              <a:rPr lang="en-US" dirty="0"/>
-              <a:t> output </a:t>
-            </a:r>
-            <a:r>
-              <a:rPr lang="en-US" dirty="0" err="1"/>
-              <a:t>della</a:t>
-            </a:r>
-            <a:r>
-              <a:rPr lang="en-US" dirty="0"/>
-              <a:t> </a:t>
-            </a:r>
-            <a:r>
-              <a:rPr lang="en-US" dirty="0" err="1"/>
-              <a:t>simulazione</a:t>
-            </a:r>
-            <a:r>
-              <a:rPr lang="en-US" dirty="0"/>
-              <a:t> </a:t>
-            </a:r>
-            <a:r>
-              <a:rPr lang="en-US" dirty="0" err="1"/>
-              <a:t>pensa</a:t>
-            </a:r>
-            <a:r>
-              <a:rPr lang="en-US" dirty="0"/>
-              <a:t> a </a:t>
-            </a:r>
-            <a:r>
-              <a:rPr lang="en-US" dirty="0" err="1"/>
-              <a:t>cosa</a:t>
-            </a:r>
-            <a:r>
-              <a:rPr lang="en-US" dirty="0"/>
-              <a:t> </a:t>
-            </a:r>
-            <a:r>
-              <a:rPr lang="en-US" dirty="0" err="1"/>
-              <a:t>ti</a:t>
-            </a:r>
-            <a:r>
-              <a:rPr lang="en-US" dirty="0"/>
-              <a:t> </a:t>
-            </a:r>
-            <a:r>
-              <a:rPr lang="en-US" dirty="0" err="1"/>
-              <a:t>aspetti</a:t>
-            </a:r>
-            <a:r>
-              <a:rPr lang="en-US" dirty="0"/>
-              <a:t> </a:t>
-            </a:r>
-            <a:r>
-              <a:rPr lang="en-US" dirty="0" err="1"/>
-              <a:t>dovrebbe</a:t>
-            </a:r>
-            <a:r>
-              <a:rPr lang="en-US" dirty="0"/>
-              <a:t> </a:t>
-            </a:r>
-            <a:r>
-              <a:rPr lang="en-US" dirty="0" err="1"/>
-              <a:t>succedere</a:t>
-            </a:r>
-            <a:r>
-              <a:rPr lang="en-US" dirty="0"/>
-              <a:t>;</a:t>
-            </a:r>
-          </a:p>
-          <a:p>
-            <a:pPr marL="285750" indent="-285750">
-              <a:buSzPct val="100000"/>
-              <a:buFont typeface="Arial"/>
-              <a:buChar char="•"/>
-              <a:defRPr sz="2000"/>
-            </a:pPr>
-            <a:r>
-              <a:rPr lang="en-US" dirty="0" err="1"/>
-              <a:t>Nei</a:t>
-            </a:r>
-            <a:r>
-              <a:rPr lang="en-US" dirty="0"/>
-              <a:t> plot </a:t>
-            </a:r>
-            <a:r>
-              <a:rPr lang="en-US" dirty="0" err="1"/>
-              <a:t>controlla</a:t>
-            </a:r>
-            <a:r>
-              <a:rPr lang="en-US" dirty="0"/>
-              <a:t> </a:t>
-            </a:r>
-            <a:r>
-              <a:rPr lang="en-US" dirty="0" err="1"/>
-              <a:t>il</a:t>
-            </a:r>
-            <a:r>
-              <a:rPr lang="en-US" dirty="0"/>
-              <a:t> </a:t>
-            </a:r>
-            <a:r>
-              <a:rPr lang="en-US" dirty="0" err="1"/>
-              <a:t>profilo</a:t>
-            </a:r>
-            <a:r>
-              <a:rPr lang="en-US" dirty="0"/>
-              <a:t> </a:t>
-            </a:r>
-            <a:r>
-              <a:rPr lang="en-US" dirty="0" err="1"/>
-              <a:t>della</a:t>
-            </a:r>
-            <a:r>
-              <a:rPr lang="en-US" dirty="0"/>
-              <a:t> </a:t>
-            </a:r>
-            <a:r>
-              <a:rPr lang="en-US" dirty="0" err="1"/>
-              <a:t>suzione</a:t>
-            </a:r>
-            <a:r>
-              <a:rPr lang="en-US" dirty="0"/>
-              <a:t>, ma </a:t>
-            </a:r>
-            <a:r>
-              <a:rPr lang="en-US" dirty="0" err="1"/>
-              <a:t>ricorda</a:t>
-            </a:r>
-            <a:r>
-              <a:rPr lang="en-US" dirty="0"/>
-              <a:t> </a:t>
-            </a:r>
-            <a:r>
-              <a:rPr lang="en-US" dirty="0" err="1"/>
-              <a:t>che</a:t>
-            </a:r>
-            <a:r>
-              <a:rPr lang="en-US" dirty="0"/>
-              <a:t> </a:t>
-            </a:r>
-            <a:r>
-              <a:rPr lang="en-US" dirty="0" err="1"/>
-              <a:t>il</a:t>
-            </a:r>
-            <a:r>
-              <a:rPr lang="en-US" dirty="0"/>
-              <a:t> moto e` </a:t>
-            </a:r>
-            <a:r>
-              <a:rPr lang="en-US" dirty="0" err="1"/>
-              <a:t>controllato</a:t>
-            </a:r>
-            <a:r>
-              <a:rPr lang="en-US" dirty="0"/>
-              <a:t> dal </a:t>
-            </a:r>
-            <a:r>
-              <a:rPr lang="en-US" dirty="0" err="1"/>
-              <a:t>gradiente</a:t>
-            </a:r>
-            <a:r>
-              <a:rPr lang="en-US" dirty="0"/>
-              <a:t> del </a:t>
-            </a:r>
-            <a:r>
-              <a:rPr lang="en-US" dirty="0" err="1"/>
-              <a:t>carico</a:t>
-            </a:r>
-            <a:r>
-              <a:rPr lang="en-US" dirty="0"/>
-              <a:t> </a:t>
-            </a:r>
-            <a:r>
-              <a:rPr lang="en-US" dirty="0" err="1"/>
-              <a:t>idraulico</a:t>
-            </a:r>
-            <a:r>
-              <a:rPr lang="en-US" dirty="0"/>
-              <a:t> ;</a:t>
-            </a:r>
-          </a:p>
-          <a:p>
-            <a:pPr marL="285750" indent="-285750">
-              <a:buSzPct val="100000"/>
-              <a:buFont typeface="Arial"/>
-              <a:buChar char="•"/>
-              <a:defRPr sz="2000"/>
-            </a:pPr>
-            <a:r>
-              <a:rPr lang="it-IT" dirty="0"/>
-              <a:t>Per fare dei confronti sulla dinamica dell’infiltrazione in due suoli scegliere suoli tra loro abbastanza diversi (es. sabbia-argilla sabbia-limo) e mantenere condizioni iniziali, al contorno  uguali;</a:t>
-            </a:r>
-          </a:p>
-          <a:p>
-            <a:pPr>
-              <a:buSzPct val="100000"/>
-              <a:defRPr sz="2000"/>
-            </a:pPr>
-            <a:endParaRPr dirty="0"/>
+            </a:lvl1pPr>
+          </a:lstStyle>
+          <a:p>
+            <a:r>
+              <a:t>I NetCDF sono file autoesplicativi: e` possible aggiungere una descrizione del contenuto del file piu` o meno dettagliata. Il consiglio e` di investire del tempo nello scrivere un comment al file in modo da poter sempre sapere, anche a distanza di tempo, i dati di input utilizzati per la simulazione. Questo e` possible farlo sia con la simulazione OMS:</a:t>
+            </a:r>
           </a:p>
         </p:txBody>
       </p:sp>
+      <p:pic>
+        <p:nvPicPr>
+          <p:cNvPr id="398" name="Picture 4" descr="Picture 4"/>
+          <p:cNvPicPr>
+            <a:picLocks noChangeAspect="1"/>
+          </p:cNvPicPr>
+          <p:nvPr/>
+        </p:nvPicPr>
+        <p:blipFill>
+          <a:blip r:embed="rId2">
+            <a:extLst/>
+          </a:blip>
+          <a:srcRect t="59649"/>
+          <a:stretch>
+            <a:fillRect/>
+          </a:stretch>
+        </p:blipFill>
+        <p:spPr>
+          <a:xfrm>
+            <a:off x="1708711" y="2181137"/>
+            <a:ext cx="6093057" cy="586104"/>
+          </a:xfrm>
+          <a:prstGeom prst="rect">
+            <a:avLst/>
+          </a:prstGeom>
+          <a:ln w="12700">
+            <a:miter lim="400000"/>
+          </a:ln>
+        </p:spPr>
+      </p:pic>
+      <p:sp>
+        <p:nvSpPr>
+          <p:cNvPr id="399" name="TextBox 9"/>
+          <p:cNvSpPr txBox="1"/>
+          <p:nvPr/>
+        </p:nvSpPr>
+        <p:spPr>
+          <a:xfrm>
+            <a:off x="245629" y="3604919"/>
+            <a:ext cx="8880052" cy="396241"/>
+          </a:xfrm>
+          <a:prstGeom prst="rect">
+            <a:avLst/>
+          </a:prstGeom>
+          <a:ln w="12700">
+            <a:miter lim="400000"/>
+          </a:ln>
+          <a:extLst>
+            <a:ext uri="{C572A759-6A51-4108-AA02-DFA0A04FC94B}">
+              <ma14:wrappingTextBoxFlag xmlns:ma14="http://schemas.microsoft.com/office/mac/drawingml/2011/main" xmlns="" val="1"/>
+            </a:ext>
+          </a:extLst>
+        </p:spPr>
+        <p:txBody>
+          <a:bodyPr lIns="45719" rIns="45719">
+            <a:spAutoFit/>
+          </a:bodyPr>
+          <a:lstStyle>
+            <a:lvl1pPr>
+              <a:defRPr sz="2000"/>
+            </a:lvl1pPr>
+          </a:lstStyle>
+          <a:p>
+            <a:r>
+              <a:t>Esempio:</a:t>
+            </a:r>
+          </a:p>
+        </p:txBody>
+      </p:sp>
+      <p:pic>
+        <p:nvPicPr>
+          <p:cNvPr id="400" name="Picture 7" descr="Picture 7"/>
+          <p:cNvPicPr>
+            <a:picLocks noChangeAspect="1"/>
+          </p:cNvPicPr>
+          <p:nvPr/>
+        </p:nvPicPr>
+        <p:blipFill>
+          <a:blip r:embed="rId3">
+            <a:extLst/>
+          </a:blip>
+          <a:stretch>
+            <a:fillRect/>
+          </a:stretch>
+        </p:blipFill>
+        <p:spPr>
+          <a:xfrm>
+            <a:off x="10921" y="4019636"/>
+            <a:ext cx="8738797" cy="2214465"/>
+          </a:xfrm>
+          <a:prstGeom prst="rect">
+            <a:avLst/>
+          </a:prstGeom>
+          <a:ln w="12700">
+            <a:miter lim="400000"/>
+          </a:ln>
+        </p:spPr>
+      </p:pic>
     </p:spTree>
   </p:cSld>
   <p:clrMapOvr>
@@ -18774,8 +19828,8 @@
         </p:nvSpPr>
         <p:spPr>
           <a:xfrm>
-            <a:off x="131974" y="982751"/>
-            <a:ext cx="8880052" cy="4708981"/>
+            <a:off x="131974" y="1864200"/>
+            <a:ext cx="8880052" cy="2554545"/>
           </a:xfrm>
           <a:prstGeom prst="rect">
             <a:avLst/>
@@ -18802,207 +19856,87 @@
               <a:defRPr sz="2000"/>
             </a:pPr>
             <a:r>
-              <a:rPr dirty="0"/>
-              <a:t>Le prime volte </a:t>
-            </a:r>
-            <a:r>
-              <a:rPr dirty="0" err="1"/>
-              <a:t>utilizzare</a:t>
-            </a:r>
-            <a:r>
-              <a:rPr dirty="0"/>
+              <a:rPr lang="en-US" dirty="0"/>
+              <a:t>Prima di </a:t>
+            </a:r>
+            <a:r>
+              <a:rPr lang="en-US" dirty="0" err="1"/>
+              <a:t>controllare</a:t>
+            </a:r>
+            <a:r>
+              <a:rPr lang="en-US" dirty="0"/>
               <a:t> </a:t>
             </a:r>
             <a:r>
-              <a:rPr dirty="0" err="1"/>
-              <a:t>degli</a:t>
-            </a:r>
-            <a:r>
-              <a:rPr dirty="0"/>
+              <a:rPr lang="en-US" dirty="0" err="1"/>
+              <a:t>gli</a:t>
+            </a:r>
+            <a:r>
+              <a:rPr lang="en-US" dirty="0"/>
+              <a:t> output </a:t>
+            </a:r>
+            <a:r>
+              <a:rPr lang="en-US" dirty="0" err="1"/>
+              <a:t>della</a:t>
+            </a:r>
+            <a:r>
+              <a:rPr lang="en-US" dirty="0"/>
               <a:t> </a:t>
             </a:r>
             <a:r>
-              <a:rPr dirty="0" err="1"/>
-              <a:t>ietogrammi</a:t>
-            </a:r>
-            <a:r>
-              <a:rPr dirty="0"/>
+              <a:rPr lang="en-US" dirty="0" err="1"/>
+              <a:t>simulazione</a:t>
+            </a:r>
+            <a:r>
+              <a:rPr lang="en-US" dirty="0"/>
               <a:t> </a:t>
             </a:r>
             <a:r>
-              <a:rPr dirty="0" err="1"/>
-              <a:t>sintetici</a:t>
-            </a:r>
-            <a:r>
-              <a:rPr dirty="0"/>
+              <a:rPr lang="en-US" dirty="0" err="1"/>
+              <a:t>pensa</a:t>
+            </a:r>
+            <a:r>
+              <a:rPr lang="en-US" dirty="0"/>
+              <a:t> a </a:t>
+            </a:r>
+            <a:r>
+              <a:rPr lang="en-US" dirty="0" err="1"/>
+              <a:t>cosa</a:t>
+            </a:r>
+            <a:r>
+              <a:rPr lang="en-US" dirty="0"/>
               <a:t> </a:t>
             </a:r>
             <a:r>
-              <a:rPr dirty="0" err="1"/>
-              <a:t>possibilmente</a:t>
-            </a:r>
-            <a:r>
-              <a:rPr dirty="0"/>
-              <a:t> a </a:t>
-            </a:r>
-            <a:r>
-              <a:rPr dirty="0" err="1"/>
-              <a:t>gradino</a:t>
-            </a:r>
-            <a:r>
-              <a:rPr dirty="0"/>
-              <a:t> in modo da </a:t>
-            </a:r>
-            <a:r>
-              <a:rPr dirty="0" err="1"/>
-              <a:t>individuare</a:t>
-            </a:r>
-            <a:r>
-              <a:rPr dirty="0"/>
+              <a:rPr lang="en-US" dirty="0" err="1"/>
+              <a:t>ti</a:t>
+            </a:r>
+            <a:r>
+              <a:rPr lang="en-US" dirty="0"/>
               <a:t> </a:t>
             </a:r>
             <a:r>
-              <a:rPr dirty="0" err="1"/>
-              <a:t>correttamente</a:t>
-            </a:r>
-            <a:r>
-              <a:rPr dirty="0"/>
+              <a:rPr lang="en-US" dirty="0" err="1"/>
+              <a:t>aspetti</a:t>
+            </a:r>
+            <a:r>
+              <a:rPr lang="en-US" dirty="0"/>
               <a:t> </a:t>
             </a:r>
             <a:r>
-              <a:rPr dirty="0" err="1"/>
-              <a:t>l’inizio</a:t>
-            </a:r>
-            <a:r>
-              <a:rPr dirty="0"/>
-              <a:t> e la fine </a:t>
-            </a:r>
-            <a:r>
-              <a:rPr dirty="0" err="1"/>
-              <a:t>della</a:t>
-            </a:r>
-            <a:r>
-              <a:rPr dirty="0"/>
+              <a:rPr lang="en-US" dirty="0" err="1"/>
+              <a:t>dovrebbe</a:t>
+            </a:r>
+            <a:r>
+              <a:rPr lang="en-US" dirty="0"/>
               <a:t> </a:t>
             </a:r>
             <a:r>
-              <a:rPr dirty="0" err="1"/>
-              <a:t>precipitazione</a:t>
-            </a:r>
-            <a:r>
-              <a:rPr dirty="0"/>
-              <a:t>. Nella </a:t>
-            </a:r>
-            <a:r>
-              <a:rPr dirty="0" err="1"/>
-              <a:t>definizione</a:t>
-            </a:r>
-            <a:r>
-              <a:rPr dirty="0"/>
-              <a:t> </a:t>
-            </a:r>
-            <a:r>
-              <a:rPr dirty="0" err="1"/>
-              <a:t>degli</a:t>
-            </a:r>
-            <a:r>
-              <a:rPr dirty="0"/>
-              <a:t> </a:t>
-            </a:r>
-            <a:r>
-              <a:rPr dirty="0" err="1"/>
-              <a:t>ietogrammi</a:t>
-            </a:r>
-            <a:r>
-              <a:rPr dirty="0"/>
-              <a:t> </a:t>
-            </a:r>
-            <a:r>
-              <a:rPr dirty="0" err="1"/>
-              <a:t>confrontare</a:t>
-            </a:r>
-            <a:r>
-              <a:rPr dirty="0"/>
-              <a:t> </a:t>
-            </a:r>
-            <a:r>
-              <a:rPr dirty="0" err="1"/>
-              <a:t>l’intensita</a:t>
-            </a:r>
-            <a:r>
-              <a:rPr dirty="0"/>
-              <a:t>` di </a:t>
-            </a:r>
-            <a:r>
-              <a:rPr dirty="0" err="1"/>
-              <a:t>precipitazione</a:t>
-            </a:r>
-            <a:r>
-              <a:rPr dirty="0"/>
-              <a:t> con la </a:t>
-            </a:r>
-            <a:r>
-              <a:rPr dirty="0" err="1"/>
-              <a:t>conducibilita</a:t>
-            </a:r>
-            <a:r>
-              <a:rPr dirty="0"/>
-              <a:t>` </a:t>
-            </a:r>
-            <a:r>
-              <a:rPr dirty="0" err="1"/>
-              <a:t>idraulica</a:t>
-            </a:r>
-            <a:r>
-              <a:rPr dirty="0"/>
-              <a:t> a </a:t>
-            </a:r>
-            <a:r>
-              <a:rPr dirty="0" err="1"/>
-              <a:t>saturazione</a:t>
-            </a:r>
-            <a:r>
-              <a:rPr dirty="0"/>
-              <a:t> e </a:t>
-            </a:r>
-            <a:r>
-              <a:rPr dirty="0" err="1"/>
-              <a:t>l’altezza</a:t>
-            </a:r>
-            <a:r>
-              <a:rPr dirty="0"/>
-              <a:t> di </a:t>
-            </a:r>
-            <a:r>
-              <a:rPr dirty="0" err="1"/>
-              <a:t>precipitazione</a:t>
-            </a:r>
-            <a:r>
-              <a:rPr dirty="0"/>
-              <a:t> cumulate con </a:t>
-            </a:r>
-            <a:r>
-              <a:rPr dirty="0" err="1"/>
-              <a:t>il</a:t>
-            </a:r>
-            <a:r>
-              <a:rPr dirty="0"/>
-              <a:t> volume </a:t>
-            </a:r>
-            <a:r>
-              <a:rPr dirty="0" err="1"/>
-              <a:t>disponibile</a:t>
-            </a:r>
-            <a:r>
-              <a:rPr dirty="0"/>
-              <a:t> </a:t>
-            </a:r>
-            <a:r>
-              <a:rPr dirty="0" err="1"/>
-              <a:t>all’infiltrazione</a:t>
-            </a:r>
-            <a:r>
-              <a:rPr dirty="0"/>
+              <a:rPr lang="en-US" dirty="0" err="1"/>
+              <a:t>succedere</a:t>
+            </a:r>
+            <a:r>
+              <a:rPr lang="en-US" dirty="0"/>
               <a:t>;</a:t>
             </a:r>
           </a:p>
@@ -19014,80 +19948,108 @@
               <a:defRPr sz="2000"/>
             </a:pPr>
             <a:r>
-              <a:rPr dirty="0"/>
-              <a:t>Per lo </a:t>
-            </a:r>
-            <a:r>
-              <a:rPr dirty="0" err="1"/>
-              <a:t>stesso</a:t>
-            </a:r>
-            <a:r>
-              <a:rPr dirty="0"/>
+              <a:rPr lang="en-US" dirty="0" err="1"/>
+              <a:t>Nei</a:t>
+            </a:r>
+            <a:r>
+              <a:rPr lang="en-US" dirty="0"/>
+              <a:t> plot </a:t>
+            </a:r>
+            <a:r>
+              <a:rPr lang="en-US" dirty="0" err="1"/>
+              <a:t>controlla</a:t>
+            </a:r>
+            <a:r>
+              <a:rPr lang="en-US" dirty="0"/>
               <a:t> </a:t>
             </a:r>
             <a:r>
-              <a:rPr dirty="0" err="1"/>
-              <a:t>tipo</a:t>
-            </a:r>
-            <a:r>
-              <a:rPr dirty="0"/>
-              <a:t> di </a:t>
-            </a:r>
-            <a:r>
-              <a:rPr dirty="0" err="1"/>
-              <a:t>suolo</a:t>
-            </a:r>
-            <a:r>
-              <a:rPr dirty="0"/>
-              <a:t>, a </a:t>
-            </a:r>
-            <a:r>
-              <a:rPr dirty="0" err="1"/>
-              <a:t>parita</a:t>
-            </a:r>
-            <a:r>
-              <a:rPr dirty="0"/>
-              <a:t>` di </a:t>
-            </a:r>
-            <a:r>
-              <a:rPr dirty="0" err="1"/>
-              <a:t>condizioni</a:t>
-            </a:r>
-            <a:r>
-              <a:rPr dirty="0"/>
+              <a:rPr lang="en-US" dirty="0" err="1"/>
+              <a:t>il</a:t>
+            </a:r>
+            <a:r>
+              <a:rPr lang="en-US" dirty="0"/>
               <a:t> </a:t>
             </a:r>
             <a:r>
-              <a:rPr dirty="0" err="1"/>
-              <a:t>iniziali</a:t>
-            </a:r>
-            <a:r>
-              <a:rPr dirty="0"/>
+              <a:rPr lang="en-US" dirty="0" err="1"/>
+              <a:t>profilo</a:t>
+            </a:r>
+            <a:r>
+              <a:rPr lang="en-US" dirty="0"/>
               <a:t> </a:t>
             </a:r>
             <a:r>
-              <a:rPr dirty="0" err="1"/>
-              <a:t>variare</a:t>
-            </a:r>
-            <a:r>
-              <a:rPr dirty="0"/>
-              <a:t> una ad una le </a:t>
-            </a:r>
-            <a:r>
-              <a:rPr dirty="0" err="1"/>
-              <a:t>condizioni</a:t>
-            </a:r>
-            <a:r>
-              <a:rPr dirty="0"/>
-              <a:t> al </a:t>
-            </a:r>
-            <a:r>
-              <a:rPr dirty="0" err="1"/>
-              <a:t>contorno</a:t>
-            </a:r>
-            <a:r>
-              <a:rPr dirty="0"/>
-              <a:t>;</a:t>
+              <a:rPr lang="en-US" dirty="0" err="1"/>
+              <a:t>della</a:t>
+            </a:r>
+            <a:r>
+              <a:rPr lang="en-US" dirty="0"/>
+              <a:t> </a:t>
+            </a:r>
+            <a:r>
+              <a:rPr lang="en-US" dirty="0" err="1"/>
+              <a:t>suzione</a:t>
+            </a:r>
+            <a:r>
+              <a:rPr lang="en-US" dirty="0"/>
+              <a:t>, ma </a:t>
+            </a:r>
+            <a:r>
+              <a:rPr lang="en-US" dirty="0" err="1"/>
+              <a:t>ricorda</a:t>
+            </a:r>
+            <a:r>
+              <a:rPr lang="en-US" dirty="0"/>
+              <a:t> </a:t>
+            </a:r>
+            <a:r>
+              <a:rPr lang="en-US" dirty="0" err="1"/>
+              <a:t>che</a:t>
+            </a:r>
+            <a:r>
+              <a:rPr lang="en-US" dirty="0"/>
+              <a:t> </a:t>
+            </a:r>
+            <a:r>
+              <a:rPr lang="en-US" dirty="0" err="1"/>
+              <a:t>il</a:t>
+            </a:r>
+            <a:r>
+              <a:rPr lang="en-US" dirty="0"/>
+              <a:t> moto e` </a:t>
+            </a:r>
+            <a:r>
+              <a:rPr lang="en-US" dirty="0" err="1"/>
+              <a:t>controllato</a:t>
+            </a:r>
+            <a:r>
+              <a:rPr lang="en-US" dirty="0"/>
+              <a:t> dal </a:t>
+            </a:r>
+            <a:r>
+              <a:rPr lang="en-US" dirty="0" err="1"/>
+              <a:t>gradiente</a:t>
+            </a:r>
+            <a:r>
+              <a:rPr lang="en-US" dirty="0"/>
+              <a:t> del </a:t>
+            </a:r>
+            <a:r>
+              <a:rPr lang="en-US" dirty="0" err="1"/>
+              <a:t>carico</a:t>
+            </a:r>
+            <a:r>
+              <a:rPr lang="en-US" dirty="0"/>
+              <a:t> </a:t>
+            </a:r>
+            <a:r>
+              <a:rPr lang="en-US" dirty="0" err="1"/>
+              <a:t>idraulico</a:t>
+            </a:r>
+            <a:r>
+              <a:rPr lang="en-US" dirty="0"/>
+              <a:t> ;</a:t>
             </a:r>
           </a:p>
           <a:p>
@@ -19098,306 +20060,20 @@
               <a:defRPr sz="2000"/>
             </a:pPr>
             <a:r>
-              <a:rPr dirty="0" err="1"/>
-              <a:t>Considerare</a:t>
-            </a:r>
-            <a:r>
-              <a:rPr dirty="0"/>
-              <a:t> un </a:t>
-            </a:r>
-            <a:r>
-              <a:rPr dirty="0" err="1"/>
-              <a:t>suolo</a:t>
-            </a:r>
-            <a:r>
-              <a:rPr dirty="0"/>
-              <a:t> con due layer </a:t>
-            </a:r>
-            <a:r>
-              <a:rPr dirty="0" err="1"/>
-              <a:t>diversi</a:t>
-            </a:r>
-            <a:r>
-              <a:rPr dirty="0"/>
-              <a:t> e a </a:t>
-            </a:r>
-            <a:r>
-              <a:rPr dirty="0" err="1"/>
-              <a:t>parita</a:t>
-            </a:r>
-            <a:r>
-              <a:rPr dirty="0"/>
-              <a:t>` di </a:t>
-            </a:r>
-            <a:r>
-              <a:rPr dirty="0" err="1"/>
-              <a:t>tutte</a:t>
-            </a:r>
-            <a:r>
-              <a:rPr dirty="0"/>
-              <a:t> le </a:t>
-            </a:r>
-            <a:r>
-              <a:rPr dirty="0" err="1"/>
-              <a:t>altr</a:t>
-            </a:r>
-            <a:r>
-              <a:rPr lang="en-US" dirty="0" err="1"/>
-              <a:t>e</a:t>
-            </a:r>
-            <a:r>
-              <a:rPr dirty="0"/>
-              <a:t> </a:t>
-            </a:r>
-            <a:r>
-              <a:rPr dirty="0" err="1"/>
-              <a:t>condizioni</a:t>
-            </a:r>
-            <a:r>
-              <a:rPr dirty="0"/>
-              <a:t> fare un </a:t>
-            </a:r>
-            <a:r>
-              <a:rPr dirty="0" err="1"/>
-              <a:t>confronto</a:t>
-            </a:r>
-            <a:r>
-              <a:rPr dirty="0"/>
-              <a:t> con un </a:t>
-            </a:r>
-            <a:r>
-              <a:rPr dirty="0" err="1"/>
-              <a:t>suolo</a:t>
-            </a:r>
-            <a:r>
-              <a:rPr dirty="0"/>
-              <a:t> con </a:t>
-            </a:r>
-            <a:r>
-              <a:rPr dirty="0" err="1"/>
-              <a:t>i</a:t>
-            </a:r>
-            <a:r>
-              <a:rPr dirty="0"/>
-              <a:t> layer ‘</a:t>
-            </a:r>
-            <a:r>
-              <a:rPr dirty="0" err="1"/>
-              <a:t>invertiti</a:t>
-            </a:r>
-            <a:r>
-              <a:rPr dirty="0"/>
-              <a:t>’</a:t>
-            </a:r>
-          </a:p>
-          <a:p>
-            <a:pPr marL="285750" indent="-285750">
+              <a:rPr lang="it-IT" dirty="0"/>
+              <a:t>Per fare dei confronti sulla dinamica dell’infiltrazione in due suoli scegliere suoli tra loro abbastanza diversi (es. sabbia-argilla sabbia-limo) e mantenere condizioni iniziali, al contorno  uguali;</a:t>
+            </a:r>
+          </a:p>
+          <a:p>
+            <a:pPr>
               <a:buSzPct val="100000"/>
-              <a:buFont typeface="Arial"/>
-              <a:buChar char="•"/>
               <a:defRPr sz="2000"/>
             </a:pPr>
-            <a:r>
-              <a:rPr dirty="0" err="1"/>
-              <a:t>Considerare</a:t>
-            </a:r>
-            <a:r>
-              <a:rPr dirty="0"/>
-              <a:t> </a:t>
-            </a:r>
-            <a:r>
-              <a:rPr dirty="0" err="1"/>
-              <a:t>il</a:t>
-            </a:r>
-            <a:r>
-              <a:rPr dirty="0"/>
-              <a:t> </a:t>
-            </a:r>
-            <a:r>
-              <a:rPr dirty="0" err="1"/>
-              <a:t>problema</a:t>
-            </a:r>
-            <a:r>
-              <a:rPr dirty="0"/>
-              <a:t> di un </a:t>
-            </a:r>
-            <a:r>
-              <a:rPr dirty="0" err="1"/>
-              <a:t>suolo</a:t>
-            </a:r>
-            <a:r>
-              <a:rPr dirty="0"/>
-              <a:t> con </a:t>
-            </a:r>
-            <a:r>
-              <a:rPr dirty="0" err="1"/>
-              <a:t>condizione</a:t>
-            </a:r>
-            <a:r>
-              <a:rPr dirty="0"/>
-              <a:t> al </a:t>
-            </a:r>
-            <a:r>
-              <a:rPr dirty="0" err="1"/>
-              <a:t>contorno</a:t>
-            </a:r>
-            <a:r>
-              <a:rPr dirty="0"/>
-              <a:t> al </a:t>
-            </a:r>
-            <a:r>
-              <a:rPr dirty="0" err="1"/>
-              <a:t>fondo</a:t>
-            </a:r>
-            <a:r>
-              <a:rPr dirty="0"/>
-              <a:t> ‘Impervious’ e una </a:t>
-            </a:r>
-            <a:r>
-              <a:rPr dirty="0" err="1"/>
-              <a:t>precipitazione</a:t>
-            </a:r>
-            <a:r>
-              <a:rPr dirty="0"/>
-              <a:t> tale da </a:t>
-            </a:r>
-            <a:r>
-              <a:rPr dirty="0" err="1"/>
-              <a:t>saturarlo</a:t>
-            </a:r>
-            <a:r>
-              <a:rPr dirty="0"/>
-              <a:t> </a:t>
-            </a:r>
-            <a:r>
-              <a:rPr dirty="0" err="1"/>
-              <a:t>completamente</a:t>
-            </a:r>
-            <a:r>
-              <a:rPr dirty="0"/>
-              <a:t>. </a:t>
-            </a:r>
-            <a:r>
-              <a:rPr dirty="0" err="1"/>
-              <a:t>Utilizzando</a:t>
-            </a:r>
-            <a:r>
-              <a:rPr dirty="0"/>
-              <a:t> </a:t>
-            </a:r>
-            <a:r>
-              <a:rPr dirty="0" err="1"/>
-              <a:t>il</a:t>
-            </a:r>
-            <a:r>
-              <a:rPr dirty="0"/>
-              <a:t> notebook check_ponding_depth_and_cumulative_infiltration_for_simulations_with_impervious_bottom_BC </a:t>
-            </a:r>
-            <a:r>
-              <a:rPr dirty="0" err="1"/>
-              <a:t>confrontare</a:t>
-            </a:r>
-            <a:r>
-              <a:rPr dirty="0"/>
-              <a:t> </a:t>
-            </a:r>
-            <a:r>
-              <a:rPr dirty="0" err="1"/>
-              <a:t>l’accumulo</a:t>
-            </a:r>
-            <a:r>
-              <a:rPr dirty="0"/>
-              <a:t> di </a:t>
-            </a:r>
-            <a:r>
-              <a:rPr dirty="0" err="1"/>
-              <a:t>acqua</a:t>
-            </a:r>
-            <a:r>
-              <a:rPr dirty="0"/>
-              <a:t> </a:t>
-            </a:r>
-            <a:r>
-              <a:rPr dirty="0" err="1"/>
-              <a:t>sulla</a:t>
-            </a:r>
-            <a:r>
-              <a:rPr dirty="0"/>
-              <a:t> </a:t>
-            </a:r>
-            <a:r>
-              <a:rPr dirty="0" err="1"/>
-              <a:t>superficie</a:t>
-            </a:r>
-            <a:r>
-              <a:rPr dirty="0"/>
-              <a:t> </a:t>
-            </a:r>
-            <a:r>
-              <a:rPr dirty="0" err="1"/>
-              <a:t>calcolato</a:t>
-            </a:r>
-            <a:r>
-              <a:rPr dirty="0"/>
-              <a:t> </a:t>
-            </a:r>
-            <a:r>
-              <a:rPr dirty="0" err="1"/>
-              <a:t>facendo</a:t>
-            </a:r>
-            <a:r>
-              <a:rPr dirty="0"/>
-              <a:t> un </a:t>
-            </a:r>
-            <a:r>
-              <a:rPr dirty="0" err="1"/>
-              <a:t>bilancio</a:t>
-            </a:r>
-            <a:r>
-              <a:rPr dirty="0"/>
-              <a:t> sui volume e </a:t>
-            </a:r>
-            <a:r>
-              <a:rPr dirty="0" err="1"/>
-              <a:t>quello</a:t>
-            </a:r>
-            <a:r>
-              <a:rPr dirty="0"/>
-              <a:t> </a:t>
-            </a:r>
-            <a:r>
-              <a:rPr dirty="0" err="1"/>
-              <a:t>ottenuto</a:t>
-            </a:r>
-            <a:r>
-              <a:rPr dirty="0"/>
-              <a:t> </a:t>
-            </a:r>
-            <a:r>
-              <a:rPr dirty="0" err="1"/>
-              <a:t>dalla</a:t>
-            </a:r>
-            <a:r>
-              <a:rPr dirty="0"/>
-              <a:t> </a:t>
-            </a:r>
-            <a:r>
-              <a:rPr dirty="0" err="1"/>
-              <a:t>simulazione</a:t>
-            </a:r>
-            <a:r>
-              <a:rPr dirty="0"/>
-              <a:t>.</a:t>
-            </a:r>
+            <a:endParaRPr dirty="0"/>
           </a:p>
         </p:txBody>
       </p:sp>
     </p:spTree>
-    <p:extLst>
-      <p:ext uri="{BB962C8B-B14F-4D97-AF65-F5344CB8AC3E}">
-        <p14:creationId xmlns:p14="http://schemas.microsoft.com/office/powerpoint/2010/main" val="2922330936"/>
-      </p:ext>
-    </p:extLst>
   </p:cSld>
   <p:clrMapOvr>
     <a:masterClrMapping/>
@@ -19425,7 +20101,7 @@
       </p:grpSpPr>
       <p:sp>
         <p:nvSpPr>
-          <p:cNvPr id="406" name="Shape 154"/>
+          <p:cNvPr id="402" name="Shape 154"/>
           <p:cNvSpPr txBox="1"/>
           <p:nvPr/>
         </p:nvSpPr>
@@ -19486,7 +20162,7 @@
       </p:sp>
       <p:sp>
         <p:nvSpPr>
-          <p:cNvPr id="407" name="Shape 154"/>
+          <p:cNvPr id="403" name="Shape 154"/>
           <p:cNvSpPr txBox="1"/>
           <p:nvPr/>
         </p:nvSpPr>
@@ -19547,14 +20223,14 @@
       </p:sp>
       <p:sp>
         <p:nvSpPr>
-          <p:cNvPr id="408" name="TextBox 2"/>
+          <p:cNvPr id="404" name="TextBox 2"/>
           <p:cNvSpPr txBox="1"/>
           <p:nvPr/>
         </p:nvSpPr>
         <p:spPr>
           <a:xfrm>
-            <a:off x="84840" y="1707607"/>
-            <a:ext cx="8880052" cy="701041"/>
+            <a:off x="131974" y="982751"/>
+            <a:ext cx="8880052" cy="4708981"/>
           </a:xfrm>
           <a:prstGeom prst="rect">
             <a:avLst/>
@@ -19574,41 +20250,633 @@
           </a:bodyPr>
           <a:lstStyle/>
           <a:p>
-            <a:pPr marL="342900" indent="-342900">
+            <a:pPr marL="285750" indent="-285750">
               <a:buSzPct val="100000"/>
               <a:buFont typeface="Arial"/>
               <a:buChar char="•"/>
               <a:defRPr sz="2000"/>
             </a:pPr>
             <a:r>
-              <a:t>I valori della storativita` si possono trovare alla pagina web</a:t>
-            </a:r>
-          </a:p>
-          <a:p>
-            <a:pPr algn="ctr">
+              <a:rPr dirty="0"/>
+              <a:t>Le prime volte </a:t>
+            </a:r>
+            <a:r>
+              <a:rPr dirty="0" err="1"/>
+              <a:t>utilizzare</a:t>
+            </a:r>
+            <a:r>
+              <a:rPr dirty="0"/>
+              <a:t> </a:t>
+            </a:r>
+            <a:r>
+              <a:rPr dirty="0" err="1"/>
+              <a:t>degli</a:t>
+            </a:r>
+            <a:r>
+              <a:rPr dirty="0"/>
+              <a:t> </a:t>
+            </a:r>
+            <a:r>
+              <a:rPr dirty="0" err="1"/>
+              <a:t>ietogrammi</a:t>
+            </a:r>
+            <a:r>
+              <a:rPr dirty="0"/>
+              <a:t> </a:t>
+            </a:r>
+            <a:r>
+              <a:rPr dirty="0" err="1"/>
+              <a:t>sintetici</a:t>
+            </a:r>
+            <a:r>
+              <a:rPr dirty="0"/>
+              <a:t> </a:t>
+            </a:r>
+            <a:r>
+              <a:rPr dirty="0" err="1"/>
+              <a:t>possibilmente</a:t>
+            </a:r>
+            <a:r>
+              <a:rPr dirty="0"/>
+              <a:t> a </a:t>
+            </a:r>
+            <a:r>
+              <a:rPr dirty="0" err="1"/>
+              <a:t>gradino</a:t>
+            </a:r>
+            <a:r>
+              <a:rPr dirty="0"/>
+              <a:t> in modo da </a:t>
+            </a:r>
+            <a:r>
+              <a:rPr dirty="0" err="1"/>
+              <a:t>individuare</a:t>
+            </a:r>
+            <a:r>
+              <a:rPr dirty="0"/>
+              <a:t> </a:t>
+            </a:r>
+            <a:r>
+              <a:rPr dirty="0" err="1"/>
+              <a:t>correttamente</a:t>
+            </a:r>
+            <a:r>
+              <a:rPr dirty="0"/>
+              <a:t> </a:t>
+            </a:r>
+            <a:r>
+              <a:rPr dirty="0" err="1"/>
+              <a:t>l’inizio</a:t>
+            </a:r>
+            <a:r>
+              <a:rPr dirty="0"/>
+              <a:t> e la fine </a:t>
+            </a:r>
+            <a:r>
+              <a:rPr dirty="0" err="1"/>
+              <a:t>della</a:t>
+            </a:r>
+            <a:r>
+              <a:rPr dirty="0"/>
+              <a:t> </a:t>
+            </a:r>
+            <a:r>
+              <a:rPr dirty="0" err="1"/>
+              <a:t>precipitazione</a:t>
+            </a:r>
+            <a:r>
+              <a:rPr dirty="0"/>
+              <a:t>. Nella </a:t>
+            </a:r>
+            <a:r>
+              <a:rPr dirty="0" err="1"/>
+              <a:t>definizione</a:t>
+            </a:r>
+            <a:r>
+              <a:rPr dirty="0"/>
+              <a:t> </a:t>
+            </a:r>
+            <a:r>
+              <a:rPr dirty="0" err="1"/>
+              <a:t>degli</a:t>
+            </a:r>
+            <a:r>
+              <a:rPr dirty="0"/>
+              <a:t> </a:t>
+            </a:r>
+            <a:r>
+              <a:rPr dirty="0" err="1"/>
+              <a:t>ietogrammi</a:t>
+            </a:r>
+            <a:r>
+              <a:rPr dirty="0"/>
+              <a:t> </a:t>
+            </a:r>
+            <a:r>
+              <a:rPr dirty="0" err="1"/>
+              <a:t>confrontare</a:t>
+            </a:r>
+            <a:r>
+              <a:rPr dirty="0"/>
+              <a:t> </a:t>
+            </a:r>
+            <a:r>
+              <a:rPr dirty="0" err="1"/>
+              <a:t>l’intensita</a:t>
+            </a:r>
+            <a:r>
+              <a:rPr dirty="0"/>
+              <a:t>` di </a:t>
+            </a:r>
+            <a:r>
+              <a:rPr dirty="0" err="1"/>
+              <a:t>precipitazione</a:t>
+            </a:r>
+            <a:r>
+              <a:rPr dirty="0"/>
+              <a:t> con la </a:t>
+            </a:r>
+            <a:r>
+              <a:rPr dirty="0" err="1"/>
+              <a:t>conducibilita</a:t>
+            </a:r>
+            <a:r>
+              <a:rPr dirty="0"/>
+              <a:t>` </a:t>
+            </a:r>
+            <a:r>
+              <a:rPr dirty="0" err="1"/>
+              <a:t>idraulica</a:t>
+            </a:r>
+            <a:r>
+              <a:rPr dirty="0"/>
+              <a:t> a </a:t>
+            </a:r>
+            <a:r>
+              <a:rPr dirty="0" err="1"/>
+              <a:t>saturazione</a:t>
+            </a:r>
+            <a:r>
+              <a:rPr dirty="0"/>
+              <a:t> e </a:t>
+            </a:r>
+            <a:r>
+              <a:rPr dirty="0" err="1"/>
+              <a:t>l’altezza</a:t>
+            </a:r>
+            <a:r>
+              <a:rPr dirty="0"/>
+              <a:t> di </a:t>
+            </a:r>
+            <a:r>
+              <a:rPr dirty="0" err="1"/>
+              <a:t>precipitazione</a:t>
+            </a:r>
+            <a:r>
+              <a:rPr dirty="0"/>
+              <a:t> cumulate con </a:t>
+            </a:r>
+            <a:r>
+              <a:rPr dirty="0" err="1"/>
+              <a:t>il</a:t>
+            </a:r>
+            <a:r>
+              <a:rPr dirty="0"/>
+              <a:t> volume </a:t>
+            </a:r>
+            <a:r>
+              <a:rPr dirty="0" err="1"/>
+              <a:t>disponibile</a:t>
+            </a:r>
+            <a:r>
+              <a:rPr dirty="0"/>
+              <a:t> </a:t>
+            </a:r>
+            <a:r>
+              <a:rPr dirty="0" err="1"/>
+              <a:t>all’infiltrazione</a:t>
+            </a:r>
+            <a:r>
+              <a:rPr dirty="0"/>
+              <a:t>;</a:t>
+            </a:r>
+          </a:p>
+          <a:p>
+            <a:pPr marL="285750" indent="-285750">
+              <a:buSzPct val="100000"/>
+              <a:buFont typeface="Arial"/>
+              <a:buChar char="•"/>
               <a:defRPr sz="2000"/>
             </a:pPr>
             <a:r>
-              <a:t>	</a:t>
-            </a:r>
-            <a:r>
-              <a:rPr u="sng">
-                <a:solidFill>
-                  <a:srgbClr val="0000FF"/>
-                </a:solidFill>
-                <a:uFill>
-                  <a:solidFill>
-                    <a:srgbClr val="0000FF"/>
-                  </a:solidFill>
-                </a:uFill>
-                <a:hlinkClick r:id="rId2"/>
-              </a:rPr>
-              <a:t>http://www.aqtesolv.com/aquifer-tests/aquifer_properties.htm</a:t>
+              <a:rPr dirty="0"/>
+              <a:t>Per lo </a:t>
+            </a:r>
+            <a:r>
+              <a:rPr dirty="0" err="1"/>
+              <a:t>stesso</a:t>
+            </a:r>
+            <a:r>
+              <a:rPr dirty="0"/>
+              <a:t> </a:t>
+            </a:r>
+            <a:r>
+              <a:rPr dirty="0" err="1"/>
+              <a:t>tipo</a:t>
+            </a:r>
+            <a:r>
+              <a:rPr dirty="0"/>
+              <a:t> di </a:t>
+            </a:r>
+            <a:r>
+              <a:rPr dirty="0" err="1"/>
+              <a:t>suolo</a:t>
+            </a:r>
+            <a:r>
+              <a:rPr dirty="0"/>
+              <a:t>, a </a:t>
+            </a:r>
+            <a:r>
+              <a:rPr dirty="0" err="1"/>
+              <a:t>parita</a:t>
+            </a:r>
+            <a:r>
+              <a:rPr dirty="0"/>
+              <a:t>` di </a:t>
+            </a:r>
+            <a:r>
+              <a:rPr dirty="0" err="1"/>
+              <a:t>condizioni</a:t>
+            </a:r>
+            <a:r>
+              <a:rPr dirty="0"/>
+              <a:t> </a:t>
+            </a:r>
+            <a:r>
+              <a:rPr dirty="0" err="1"/>
+              <a:t>iniziali</a:t>
+            </a:r>
+            <a:r>
+              <a:rPr dirty="0"/>
+              <a:t> </a:t>
+            </a:r>
+            <a:r>
+              <a:rPr dirty="0" err="1"/>
+              <a:t>variare</a:t>
+            </a:r>
+            <a:r>
+              <a:rPr dirty="0"/>
+              <a:t> una ad una le </a:t>
+            </a:r>
+            <a:r>
+              <a:rPr dirty="0" err="1"/>
+              <a:t>condizioni</a:t>
+            </a:r>
+            <a:r>
+              <a:rPr dirty="0"/>
+              <a:t> al </a:t>
+            </a:r>
+            <a:r>
+              <a:rPr dirty="0" err="1"/>
+              <a:t>contorno</a:t>
+            </a:r>
+            <a:r>
+              <a:rPr dirty="0"/>
+              <a:t>;</a:t>
+            </a:r>
+          </a:p>
+          <a:p>
+            <a:pPr marL="285750" indent="-285750">
+              <a:buSzPct val="100000"/>
+              <a:buFont typeface="Arial"/>
+              <a:buChar char="•"/>
+              <a:defRPr sz="2000"/>
+            </a:pPr>
+            <a:r>
+              <a:rPr dirty="0" err="1"/>
+              <a:t>Considerare</a:t>
+            </a:r>
+            <a:r>
+              <a:rPr dirty="0"/>
+              <a:t> un </a:t>
+            </a:r>
+            <a:r>
+              <a:rPr dirty="0" err="1"/>
+              <a:t>suolo</a:t>
+            </a:r>
+            <a:r>
+              <a:rPr dirty="0"/>
+              <a:t> con due layer </a:t>
+            </a:r>
+            <a:r>
+              <a:rPr dirty="0" err="1"/>
+              <a:t>diversi</a:t>
+            </a:r>
+            <a:r>
+              <a:rPr dirty="0"/>
+              <a:t> e a </a:t>
+            </a:r>
+            <a:r>
+              <a:rPr dirty="0" err="1"/>
+              <a:t>parita</a:t>
+            </a:r>
+            <a:r>
+              <a:rPr dirty="0"/>
+              <a:t>` di </a:t>
+            </a:r>
+            <a:r>
+              <a:rPr dirty="0" err="1"/>
+              <a:t>tutte</a:t>
+            </a:r>
+            <a:r>
+              <a:rPr dirty="0"/>
+              <a:t> le </a:t>
+            </a:r>
+            <a:r>
+              <a:rPr dirty="0" err="1"/>
+              <a:t>altr</a:t>
+            </a:r>
+            <a:r>
+              <a:rPr lang="en-US" dirty="0" err="1"/>
+              <a:t>e</a:t>
+            </a:r>
+            <a:r>
+              <a:rPr dirty="0"/>
+              <a:t> </a:t>
+            </a:r>
+            <a:r>
+              <a:rPr dirty="0" err="1"/>
+              <a:t>condizioni</a:t>
+            </a:r>
+            <a:r>
+              <a:rPr dirty="0"/>
+              <a:t> fare un </a:t>
+            </a:r>
+            <a:r>
+              <a:rPr dirty="0" err="1"/>
+              <a:t>confronto</a:t>
+            </a:r>
+            <a:r>
+              <a:rPr dirty="0"/>
+              <a:t> con un </a:t>
+            </a:r>
+            <a:r>
+              <a:rPr dirty="0" err="1"/>
+              <a:t>suolo</a:t>
+            </a:r>
+            <a:r>
+              <a:rPr dirty="0"/>
+              <a:t> con </a:t>
+            </a:r>
+            <a:r>
+              <a:rPr dirty="0" err="1"/>
+              <a:t>i</a:t>
+            </a:r>
+            <a:r>
+              <a:rPr dirty="0"/>
+              <a:t> layer ‘</a:t>
+            </a:r>
+            <a:r>
+              <a:rPr dirty="0" err="1"/>
+              <a:t>invertiti</a:t>
+            </a:r>
+            <a:r>
+              <a:rPr dirty="0"/>
+              <a:t>’</a:t>
+            </a:r>
+          </a:p>
+          <a:p>
+            <a:pPr marL="285750" indent="-285750">
+              <a:buSzPct val="100000"/>
+              <a:buFont typeface="Arial"/>
+              <a:buChar char="•"/>
+              <a:defRPr sz="2000"/>
+            </a:pPr>
+            <a:r>
+              <a:rPr dirty="0" err="1"/>
+              <a:t>Considerare</a:t>
+            </a:r>
+            <a:r>
+              <a:rPr dirty="0"/>
+              <a:t> </a:t>
+            </a:r>
+            <a:r>
+              <a:rPr dirty="0" err="1"/>
+              <a:t>il</a:t>
+            </a:r>
+            <a:r>
+              <a:rPr dirty="0"/>
+              <a:t> </a:t>
+            </a:r>
+            <a:r>
+              <a:rPr dirty="0" err="1"/>
+              <a:t>problema</a:t>
+            </a:r>
+            <a:r>
+              <a:rPr dirty="0"/>
+              <a:t> di un </a:t>
+            </a:r>
+            <a:r>
+              <a:rPr dirty="0" err="1"/>
+              <a:t>suolo</a:t>
+            </a:r>
+            <a:r>
+              <a:rPr dirty="0"/>
+              <a:t> con </a:t>
+            </a:r>
+            <a:r>
+              <a:rPr dirty="0" err="1"/>
+              <a:t>condizione</a:t>
+            </a:r>
+            <a:r>
+              <a:rPr dirty="0"/>
+              <a:t> al </a:t>
+            </a:r>
+            <a:r>
+              <a:rPr dirty="0" err="1"/>
+              <a:t>contorno</a:t>
+            </a:r>
+            <a:r>
+              <a:rPr dirty="0"/>
+              <a:t> al </a:t>
+            </a:r>
+            <a:r>
+              <a:rPr dirty="0" err="1"/>
+              <a:t>fondo</a:t>
+            </a:r>
+            <a:r>
+              <a:rPr dirty="0"/>
+              <a:t> ‘Impervious’ e una </a:t>
+            </a:r>
+            <a:r>
+              <a:rPr dirty="0" err="1"/>
+              <a:t>precipitazione</a:t>
+            </a:r>
+            <a:r>
+              <a:rPr dirty="0"/>
+              <a:t> tale da </a:t>
+            </a:r>
+            <a:r>
+              <a:rPr dirty="0" err="1"/>
+              <a:t>saturarlo</a:t>
+            </a:r>
+            <a:r>
+              <a:rPr dirty="0"/>
+              <a:t> </a:t>
+            </a:r>
+            <a:r>
+              <a:rPr dirty="0" err="1"/>
+              <a:t>completamente</a:t>
+            </a:r>
+            <a:r>
+              <a:rPr dirty="0"/>
+              <a:t>. </a:t>
+            </a:r>
+            <a:r>
+              <a:rPr dirty="0" err="1"/>
+              <a:t>Utilizzando</a:t>
+            </a:r>
+            <a:r>
+              <a:rPr dirty="0"/>
+              <a:t> </a:t>
+            </a:r>
+            <a:r>
+              <a:rPr dirty="0" err="1"/>
+              <a:t>il</a:t>
+            </a:r>
+            <a:r>
+              <a:rPr dirty="0"/>
+              <a:t> notebook </a:t>
+            </a:r>
+            <a:r>
+              <a:rPr b="1" dirty="0"/>
+              <a:t>check_ponding_depth_and_cumulative_infiltration_for_simulations_with_impervious_bottom_BC</a:t>
+            </a:r>
+            <a:r>
+              <a:rPr lang="en-US" b="1" dirty="0"/>
+              <a:t>.ipynb</a:t>
+            </a:r>
+            <a:r>
+              <a:rPr b="1" dirty="0"/>
+              <a:t> </a:t>
+            </a:r>
+            <a:r>
+              <a:rPr dirty="0" err="1"/>
+              <a:t>confrontare</a:t>
+            </a:r>
+            <a:r>
+              <a:rPr dirty="0"/>
+              <a:t> </a:t>
+            </a:r>
+            <a:r>
+              <a:rPr dirty="0" err="1"/>
+              <a:t>l’accumulo</a:t>
+            </a:r>
+            <a:r>
+              <a:rPr dirty="0"/>
+              <a:t> di </a:t>
+            </a:r>
+            <a:r>
+              <a:rPr dirty="0" err="1"/>
+              <a:t>acqua</a:t>
+            </a:r>
+            <a:r>
+              <a:rPr dirty="0"/>
+              <a:t> </a:t>
+            </a:r>
+            <a:r>
+              <a:rPr dirty="0" err="1"/>
+              <a:t>sulla</a:t>
+            </a:r>
+            <a:r>
+              <a:rPr dirty="0"/>
+              <a:t> </a:t>
+            </a:r>
+            <a:r>
+              <a:rPr dirty="0" err="1"/>
+              <a:t>superficie</a:t>
+            </a:r>
+            <a:r>
+              <a:rPr dirty="0"/>
+              <a:t> </a:t>
+            </a:r>
+            <a:r>
+              <a:rPr dirty="0" err="1"/>
+              <a:t>calcolato</a:t>
+            </a:r>
+            <a:r>
+              <a:rPr dirty="0"/>
+              <a:t> </a:t>
+            </a:r>
+            <a:r>
+              <a:rPr dirty="0" err="1"/>
+              <a:t>facendo</a:t>
+            </a:r>
+            <a:r>
+              <a:rPr dirty="0"/>
+              <a:t> un </a:t>
+            </a:r>
+            <a:r>
+              <a:rPr dirty="0" err="1"/>
+              <a:t>bilancio</a:t>
+            </a:r>
+            <a:r>
+              <a:rPr dirty="0"/>
+              <a:t> </a:t>
+            </a:r>
+            <a:r>
+              <a:rPr dirty="0" err="1"/>
+              <a:t>su</a:t>
+            </a:r>
+            <a:r>
+              <a:rPr lang="en-US" dirty="0" err="1"/>
+              <a:t>l</a:t>
+            </a:r>
+            <a:r>
+              <a:rPr dirty="0"/>
+              <a:t> volume e </a:t>
+            </a:r>
+            <a:r>
+              <a:rPr dirty="0" err="1"/>
+              <a:t>quello</a:t>
+            </a:r>
+            <a:r>
+              <a:rPr dirty="0"/>
+              <a:t> </a:t>
+            </a:r>
+            <a:r>
+              <a:rPr dirty="0" err="1"/>
+              <a:t>ottenuto</a:t>
+            </a:r>
+            <a:r>
+              <a:rPr dirty="0"/>
+              <a:t> </a:t>
+            </a:r>
+            <a:r>
+              <a:rPr dirty="0" err="1"/>
+              <a:t>dalla</a:t>
+            </a:r>
+            <a:r>
+              <a:rPr dirty="0"/>
+              <a:t> </a:t>
+            </a:r>
+            <a:r>
+              <a:rPr dirty="0" err="1"/>
+              <a:t>simulazione</a:t>
+            </a:r>
+            <a:r>
+              <a:rPr dirty="0"/>
+              <a:t>.</a:t>
             </a:r>
           </a:p>
         </p:txBody>
       </p:sp>
     </p:spTree>
+    <p:extLst>
+      <p:ext uri="{BB962C8B-B14F-4D97-AF65-F5344CB8AC3E}">
+        <p14:creationId xmlns:p14="http://schemas.microsoft.com/office/powerpoint/2010/main" val="2922330936"/>
+      </p:ext>
+    </p:extLst>
   </p:cSld>
   <p:clrMapOvr>
     <a:masterClrMapping/>
@@ -19643,7 +20911,7 @@
         <p:spPr>
           <a:xfrm>
             <a:off x="-1" y="-8931"/>
-            <a:ext cx="7563447" cy="349128"/>
+            <a:ext cx="7563447" cy="338135"/>
           </a:xfrm>
           <a:prstGeom prst="rect">
             <a:avLst/>
@@ -19690,10 +20958,8 @@
           </a:lstStyle>
           <a:p>
             <a:r>
-              <a:rPr lang="en-US" dirty="0"/>
-              <a:t>Feedback</a:t>
-            </a:r>
-            <a:endParaRPr dirty="0"/>
+              <a:t>Qualche suggerimento</a:t>
+            </a:r>
           </a:p>
         </p:txBody>
       </p:sp>
@@ -19760,6 +21026,219 @@
       </p:sp>
       <p:sp>
         <p:nvSpPr>
+          <p:cNvPr id="408" name="TextBox 2"/>
+          <p:cNvSpPr txBox="1"/>
+          <p:nvPr/>
+        </p:nvSpPr>
+        <p:spPr>
+          <a:xfrm>
+            <a:off x="84840" y="1707607"/>
+            <a:ext cx="8880052" cy="701041"/>
+          </a:xfrm>
+          <a:prstGeom prst="rect">
+            <a:avLst/>
+          </a:prstGeom>
+          <a:ln w="12700">
+            <a:miter lim="400000"/>
+          </a:ln>
+          <a:extLst>
+            <a:ext uri="{C572A759-6A51-4108-AA02-DFA0A04FC94B}">
+              <ma14:wrappingTextBoxFlag xmlns:ma14="http://schemas.microsoft.com/office/mac/drawingml/2011/main" xmlns="" val="1"/>
+            </a:ext>
+          </a:extLst>
+        </p:spPr>
+        <p:txBody>
+          <a:bodyPr lIns="45719" rIns="45719">
+            <a:spAutoFit/>
+          </a:bodyPr>
+          <a:lstStyle/>
+          <a:p>
+            <a:pPr marL="342900" indent="-342900">
+              <a:buSzPct val="100000"/>
+              <a:buFont typeface="Arial"/>
+              <a:buChar char="•"/>
+              <a:defRPr sz="2000"/>
+            </a:pPr>
+            <a:r>
+              <a:t>I valori della storativita` si possono trovare alla pagina web</a:t>
+            </a:r>
+          </a:p>
+          <a:p>
+            <a:pPr algn="ctr">
+              <a:defRPr sz="2000"/>
+            </a:pPr>
+            <a:r>
+              <a:t>	</a:t>
+            </a:r>
+            <a:r>
+              <a:rPr u="sng">
+                <a:solidFill>
+                  <a:srgbClr val="0000FF"/>
+                </a:solidFill>
+                <a:uFill>
+                  <a:solidFill>
+                    <a:srgbClr val="0000FF"/>
+                  </a:solidFill>
+                </a:uFill>
+                <a:hlinkClick r:id="rId2"/>
+              </a:rPr>
+              <a:t>http://www.aqtesolv.com/aquifer-tests/aquifer_properties.htm</a:t>
+            </a:r>
+          </a:p>
+        </p:txBody>
+      </p:sp>
+    </p:spTree>
+  </p:cSld>
+  <p:clrMapOvr>
+    <a:masterClrMapping/>
+  </p:clrMapOvr>
+  <p:transition spd="med"/>
+</p:sld>
+</file>
+
+<file path=ppt/slides/slide47.xml><?xml version="1.0" encoding="utf-8"?>
+<p:sld xmlns:a="http://schemas.openxmlformats.org/drawingml/2006/main" xmlns:r="http://schemas.openxmlformats.org/officeDocument/2006/relationships" xmlns:p="http://schemas.openxmlformats.org/presentationml/2006/main">
+  <p:cSld>
+    <p:spTree>
+      <p:nvGrpSpPr>
+        <p:cNvPr id="1" name=""/>
+        <p:cNvGrpSpPr/>
+        <p:nvPr/>
+      </p:nvGrpSpPr>
+      <p:grpSpPr>
+        <a:xfrm>
+          <a:off x="0" y="0"/>
+          <a:ext cx="0" cy="0"/>
+          <a:chOff x="0" y="0"/>
+          <a:chExt cx="0" cy="0"/>
+        </a:xfrm>
+      </p:grpSpPr>
+      <p:sp>
+        <p:nvSpPr>
+          <p:cNvPr id="406" name="Shape 154"/>
+          <p:cNvSpPr txBox="1"/>
+          <p:nvPr/>
+        </p:nvSpPr>
+        <p:spPr>
+          <a:xfrm>
+            <a:off x="-1" y="-8931"/>
+            <a:ext cx="7563447" cy="349128"/>
+          </a:xfrm>
+          <a:prstGeom prst="rect">
+            <a:avLst/>
+          </a:prstGeom>
+          <a:ln w="12700">
+            <a:miter lim="400000"/>
+          </a:ln>
+          <a:extLst>
+            <a:ext uri="{C572A759-6A51-4108-AA02-DFA0A04FC94B}">
+              <ma14:wrappingTextBoxFlag xmlns:ma14="http://schemas.microsoft.com/office/mac/drawingml/2011/main" xmlns="" val="1"/>
+            </a:ext>
+          </a:extLst>
+        </p:spPr>
+        <p:txBody>
+          <a:bodyPr lIns="35716" tIns="35716" rIns="35716" bIns="35716">
+            <a:spAutoFit/>
+          </a:bodyPr>
+          <a:lstStyle>
+            <a:lvl1pPr algn="just" defTabSz="647700">
+              <a:tabLst>
+                <a:tab pos="355600" algn="l"/>
+                <a:tab pos="711200" algn="l"/>
+                <a:tab pos="1079500" algn="l"/>
+                <a:tab pos="1435100" algn="l"/>
+                <a:tab pos="1790700" algn="l"/>
+                <a:tab pos="2159000" algn="l"/>
+                <a:tab pos="2514600" algn="l"/>
+                <a:tab pos="2870200" algn="l"/>
+                <a:tab pos="3238500" algn="l"/>
+                <a:tab pos="3594100" algn="l"/>
+                <a:tab pos="3949700" algn="l"/>
+                <a:tab pos="4318000" algn="l"/>
+              </a:tabLst>
+              <a:defRPr>
+                <a:solidFill>
+                  <a:srgbClr val="F1FEF6"/>
+                </a:solidFill>
+                <a:latin typeface="Lucida Bright"/>
+                <a:ea typeface="Lucida Bright"/>
+                <a:cs typeface="Lucida Bright"/>
+                <a:sym typeface="Lucida Bright"/>
+              </a:defRPr>
+            </a:lvl1pPr>
+          </a:lstStyle>
+          <a:p>
+            <a:r>
+              <a:rPr lang="en-US" dirty="0"/>
+              <a:t>Feedback</a:t>
+            </a:r>
+            <a:endParaRPr dirty="0"/>
+          </a:p>
+        </p:txBody>
+      </p:sp>
+      <p:sp>
+        <p:nvSpPr>
+          <p:cNvPr id="407" name="Shape 154"/>
+          <p:cNvSpPr txBox="1"/>
+          <p:nvPr/>
+        </p:nvSpPr>
+        <p:spPr>
+          <a:xfrm>
+            <a:off x="1049288" y="6508869"/>
+            <a:ext cx="2354958" cy="338135"/>
+          </a:xfrm>
+          <a:prstGeom prst="rect">
+            <a:avLst/>
+          </a:prstGeom>
+          <a:ln w="12700">
+            <a:miter lim="400000"/>
+          </a:ln>
+          <a:extLst>
+            <a:ext uri="{C572A759-6A51-4108-AA02-DFA0A04FC94B}">
+              <ma14:wrappingTextBoxFlag xmlns:ma14="http://schemas.microsoft.com/office/mac/drawingml/2011/main" xmlns="" val="1"/>
+            </a:ext>
+          </a:extLst>
+        </p:spPr>
+        <p:txBody>
+          <a:bodyPr lIns="35716" tIns="35716" rIns="35716" bIns="35716">
+            <a:spAutoFit/>
+          </a:bodyPr>
+          <a:lstStyle>
+            <a:lvl1pPr defTabSz="647700">
+              <a:tabLst>
+                <a:tab pos="355600" algn="l"/>
+                <a:tab pos="711200" algn="l"/>
+                <a:tab pos="1079500" algn="l"/>
+                <a:tab pos="1435100" algn="l"/>
+                <a:tab pos="1790700" algn="l"/>
+                <a:tab pos="2159000" algn="l"/>
+                <a:tab pos="2514600" algn="l"/>
+                <a:tab pos="2870200" algn="l"/>
+                <a:tab pos="3238500" algn="l"/>
+                <a:tab pos="3594100" algn="l"/>
+                <a:tab pos="3949700" algn="l"/>
+                <a:tab pos="4318000" algn="l"/>
+              </a:tabLst>
+              <a:defRPr>
+                <a:solidFill>
+                  <a:srgbClr val="F1FEF6"/>
+                </a:solidFill>
+                <a:latin typeface="Lucida Bright"/>
+                <a:ea typeface="Lucida Bright"/>
+                <a:cs typeface="Lucida Bright"/>
+                <a:sym typeface="Lucida Bright"/>
+              </a:defRPr>
+            </a:lvl1pPr>
+          </a:lstStyle>
+          <a:p>
+            <a:r>
+              <a:t> &amp;  N. Tubini</a:t>
+            </a:r>
+          </a:p>
+        </p:txBody>
+      </p:sp>
+      <p:sp>
+        <p:nvSpPr>
           <p:cNvPr id="2" name="TextBox 1">
             <a:extLst>
               <a:ext uri="{FF2B5EF4-FFF2-40B4-BE49-F238E27FC236}">
@@ -20131,7 +21610,7 @@
 </p:sld>
 </file>
 
-<file path=ppt/slides/slide47.xml><?xml version="1.0" encoding="utf-8"?>
+<file path=ppt/slides/slide48.xml><?xml version="1.0" encoding="utf-8"?>
 <p:sld xmlns:a="http://schemas.openxmlformats.org/drawingml/2006/main" xmlns:r="http://schemas.openxmlformats.org/officeDocument/2006/relationships" xmlns:p="http://schemas.openxmlformats.org/presentationml/2006/main">
   <p:cSld>
     <p:spTree>
@@ -20228,7 +21707,7 @@
           </a:lstStyle>
           <a:p>
             <a:fld id="{86CB4B4D-7CA3-9044-876B-883B54F8677D}" type="slidenum">
-              <a:t>47</a:t>
+              <a:t>48</a:t>
             </a:fld>
             <a:endParaRPr/>
           </a:p>

--- a/Materials/Richards_English.pptx
+++ b/Materials/Richards_English.pptx
@@ -1123,7 +1123,7 @@
           </a:ln>
           <a:extLst>
             <a:ext uri="{C572A759-6A51-4108-AA02-DFA0A04FC94B}">
-              <ma14:wrappingTextBoxFlag xmlns:ma14="http://schemas.microsoft.com/office/mac/drawingml/2011/main" xmlns="" val="1"/>
+              <ma14:wrappingTextBoxFlag xmlns="" xmlns:ma14="http://schemas.microsoft.com/office/mac/drawingml/2011/main" val="1"/>
             </a:ext>
           </a:extLst>
         </p:spPr>
@@ -2587,7 +2587,7 @@
           </a:ln>
           <a:extLst>
             <a:ext uri="{C572A759-6A51-4108-AA02-DFA0A04FC94B}">
-              <ma14:wrappingTextBoxFlag xmlns:ma14="http://schemas.microsoft.com/office/mac/drawingml/2011/main" xmlns="" val="1"/>
+              <ma14:wrappingTextBoxFlag xmlns="" xmlns:ma14="http://schemas.microsoft.com/office/mac/drawingml/2011/main" val="1"/>
             </a:ext>
           </a:extLst>
         </p:spPr>
@@ -2626,7 +2626,7 @@
           </a:ln>
           <a:extLst>
             <a:ext uri="{C572A759-6A51-4108-AA02-DFA0A04FC94B}">
-              <ma14:wrappingTextBoxFlag xmlns:ma14="http://schemas.microsoft.com/office/mac/drawingml/2011/main" xmlns="" val="1"/>
+              <ma14:wrappingTextBoxFlag xmlns="" xmlns:ma14="http://schemas.microsoft.com/office/mac/drawingml/2011/main" val="1"/>
             </a:ext>
           </a:extLst>
         </p:spPr>
@@ -3558,7 +3558,7 @@
           </a:ln>
           <a:extLst>
             <a:ext uri="{C572A759-6A51-4108-AA02-DFA0A04FC94B}">
-              <ma14:wrappingTextBoxFlag xmlns:ma14="http://schemas.microsoft.com/office/mac/drawingml/2011/main" xmlns="" val="1"/>
+              <ma14:wrappingTextBoxFlag xmlns="" xmlns:ma14="http://schemas.microsoft.com/office/mac/drawingml/2011/main" val="1"/>
             </a:ext>
           </a:extLst>
         </p:spPr>
@@ -3649,7 +3649,7 @@
           </a:ln>
           <a:extLst>
             <a:ext uri="{C572A759-6A51-4108-AA02-DFA0A04FC94B}">
-              <ma14:wrappingTextBoxFlag xmlns:ma14="http://schemas.microsoft.com/office/mac/drawingml/2011/main" xmlns="" val="1"/>
+              <ma14:wrappingTextBoxFlag xmlns="" xmlns:ma14="http://schemas.microsoft.com/office/mac/drawingml/2011/main" val="1"/>
             </a:ext>
           </a:extLst>
         </p:spPr>
@@ -3739,7 +3739,7 @@
           </a:ln>
           <a:extLst>
             <a:ext uri="{C572A759-6A51-4108-AA02-DFA0A04FC94B}">
-              <ma14:wrappingTextBoxFlag xmlns:ma14="http://schemas.microsoft.com/office/mac/drawingml/2011/main" xmlns="" val="1"/>
+              <ma14:wrappingTextBoxFlag xmlns="" xmlns:ma14="http://schemas.microsoft.com/office/mac/drawingml/2011/main" val="1"/>
             </a:ext>
           </a:extLst>
         </p:spPr>
@@ -3808,7 +3808,7 @@
           </a:ln>
           <a:extLst>
             <a:ext uri="{C572A759-6A51-4108-AA02-DFA0A04FC94B}">
-              <ma14:wrappingTextBoxFlag xmlns:ma14="http://schemas.microsoft.com/office/mac/drawingml/2011/main" xmlns="" val="1"/>
+              <ma14:wrappingTextBoxFlag xmlns="" xmlns:ma14="http://schemas.microsoft.com/office/mac/drawingml/2011/main" val="1"/>
             </a:ext>
           </a:extLst>
         </p:spPr>
@@ -3869,7 +3869,7 @@
           </a:ln>
           <a:extLst>
             <a:ext uri="{C572A759-6A51-4108-AA02-DFA0A04FC94B}">
-              <ma14:wrappingTextBoxFlag xmlns:ma14="http://schemas.microsoft.com/office/mac/drawingml/2011/main" xmlns="" val="1"/>
+              <ma14:wrappingTextBoxFlag xmlns="" xmlns:ma14="http://schemas.microsoft.com/office/mac/drawingml/2011/main" val="1"/>
             </a:ext>
           </a:extLst>
         </p:spPr>
@@ -3930,7 +3930,7 @@
           </a:ln>
           <a:extLst>
             <a:ext uri="{C572A759-6A51-4108-AA02-DFA0A04FC94B}">
-              <ma14:wrappingTextBoxFlag xmlns:ma14="http://schemas.microsoft.com/office/mac/drawingml/2011/main" xmlns="" val="1"/>
+              <ma14:wrappingTextBoxFlag xmlns="" xmlns:ma14="http://schemas.microsoft.com/office/mac/drawingml/2011/main" val="1"/>
             </a:ext>
           </a:extLst>
         </p:spPr>
@@ -4035,7 +4035,7 @@
           </a:ln>
           <a:extLst>
             <a:ext uri="{C572A759-6A51-4108-AA02-DFA0A04FC94B}">
-              <ma14:wrappingTextBoxFlag xmlns:ma14="http://schemas.microsoft.com/office/mac/drawingml/2011/main" xmlns="" val="1"/>
+              <ma14:wrappingTextBoxFlag xmlns="" xmlns:ma14="http://schemas.microsoft.com/office/mac/drawingml/2011/main" val="1"/>
             </a:ext>
           </a:extLst>
         </p:spPr>
@@ -4129,7 +4129,7 @@
           </a:ln>
           <a:extLst>
             <a:ext uri="{C572A759-6A51-4108-AA02-DFA0A04FC94B}">
-              <ma14:wrappingTextBoxFlag xmlns:ma14="http://schemas.microsoft.com/office/mac/drawingml/2011/main" xmlns="" val="1"/>
+              <ma14:wrappingTextBoxFlag xmlns="" xmlns:ma14="http://schemas.microsoft.com/office/mac/drawingml/2011/main" val="1"/>
             </a:ext>
           </a:extLst>
         </p:spPr>
@@ -4190,7 +4190,7 @@
           </a:ln>
           <a:extLst>
             <a:ext uri="{C572A759-6A51-4108-AA02-DFA0A04FC94B}">
-              <ma14:wrappingTextBoxFlag xmlns:ma14="http://schemas.microsoft.com/office/mac/drawingml/2011/main" xmlns="" val="1"/>
+              <ma14:wrappingTextBoxFlag xmlns="" xmlns:ma14="http://schemas.microsoft.com/office/mac/drawingml/2011/main" val="1"/>
             </a:ext>
           </a:extLst>
         </p:spPr>
@@ -4251,7 +4251,7 @@
           </a:ln>
           <a:extLst>
             <a:ext uri="{C572A759-6A51-4108-AA02-DFA0A04FC94B}">
-              <ma14:wrappingTextBoxFlag xmlns:ma14="http://schemas.microsoft.com/office/mac/drawingml/2011/main" xmlns="" val="1"/>
+              <ma14:wrappingTextBoxFlag xmlns="" xmlns:ma14="http://schemas.microsoft.com/office/mac/drawingml/2011/main" val="1"/>
             </a:ext>
           </a:extLst>
         </p:spPr>
@@ -4316,7 +4316,7 @@
           </a:ln>
           <a:extLst>
             <a:ext uri="{C572A759-6A51-4108-AA02-DFA0A04FC94B}">
-              <ma14:wrappingTextBoxFlag xmlns:ma14="http://schemas.microsoft.com/office/mac/drawingml/2011/main" xmlns="" val="1"/>
+              <ma14:wrappingTextBoxFlag xmlns="" xmlns:ma14="http://schemas.microsoft.com/office/mac/drawingml/2011/main" val="1"/>
             </a:ext>
           </a:extLst>
         </p:spPr>
@@ -4377,7 +4377,7 @@
           </a:ln>
           <a:extLst>
             <a:ext uri="{C572A759-6A51-4108-AA02-DFA0A04FC94B}">
-              <ma14:wrappingTextBoxFlag xmlns:ma14="http://schemas.microsoft.com/office/mac/drawingml/2011/main" xmlns="" val="1"/>
+              <ma14:wrappingTextBoxFlag xmlns="" xmlns:ma14="http://schemas.microsoft.com/office/mac/drawingml/2011/main" val="1"/>
             </a:ext>
           </a:extLst>
         </p:spPr>
@@ -4598,7 +4598,7 @@
             </a:pPr>
             <a:r>
               <a:rPr lang="en-US" noProof="1"/>
-              <a:t>SWRC: Van Genuchte</a:t>
+              <a:t>SWRC: Van Genuchten</a:t>
             </a:r>
           </a:p>
           <a:p>
@@ -4732,7 +4732,7 @@
           </a:ln>
           <a:extLst>
             <a:ext uri="{C572A759-6A51-4108-AA02-DFA0A04FC94B}">
-              <ma14:wrappingTextBoxFlag xmlns:ma14="http://schemas.microsoft.com/office/mac/drawingml/2011/main" xmlns="" val="1"/>
+              <ma14:wrappingTextBoxFlag xmlns="" xmlns:ma14="http://schemas.microsoft.com/office/mac/drawingml/2011/main" val="1"/>
             </a:ext>
           </a:extLst>
         </p:spPr>
@@ -4793,7 +4793,7 @@
           </a:ln>
           <a:extLst>
             <a:ext uri="{C572A759-6A51-4108-AA02-DFA0A04FC94B}">
-              <ma14:wrappingTextBoxFlag xmlns:ma14="http://schemas.microsoft.com/office/mac/drawingml/2011/main" xmlns="" val="1"/>
+              <ma14:wrappingTextBoxFlag xmlns="" xmlns:ma14="http://schemas.microsoft.com/office/mac/drawingml/2011/main" val="1"/>
             </a:ext>
           </a:extLst>
         </p:spPr>
@@ -4915,7 +4915,7 @@
           </a:ln>
           <a:extLst>
             <a:ext uri="{C572A759-6A51-4108-AA02-DFA0A04FC94B}">
-              <ma14:wrappingTextBoxFlag xmlns:ma14="http://schemas.microsoft.com/office/mac/drawingml/2011/main" xmlns="" val="1"/>
+              <ma14:wrappingTextBoxFlag xmlns="" xmlns:ma14="http://schemas.microsoft.com/office/mac/drawingml/2011/main" val="1"/>
             </a:ext>
           </a:extLst>
         </p:spPr>
@@ -4976,7 +4976,7 @@
           </a:ln>
           <a:extLst>
             <a:ext uri="{C572A759-6A51-4108-AA02-DFA0A04FC94B}">
-              <ma14:wrappingTextBoxFlag xmlns:ma14="http://schemas.microsoft.com/office/mac/drawingml/2011/main" xmlns="" val="1"/>
+              <ma14:wrappingTextBoxFlag xmlns="" xmlns:ma14="http://schemas.microsoft.com/office/mac/drawingml/2011/main" val="1"/>
             </a:ext>
           </a:extLst>
         </p:spPr>
@@ -5098,7 +5098,7 @@
           </a:ln>
           <a:extLst>
             <a:ext uri="{C572A759-6A51-4108-AA02-DFA0A04FC94B}">
-              <ma14:wrappingTextBoxFlag xmlns:ma14="http://schemas.microsoft.com/office/mac/drawingml/2011/main" xmlns="" val="1"/>
+              <ma14:wrappingTextBoxFlag xmlns="" xmlns:ma14="http://schemas.microsoft.com/office/mac/drawingml/2011/main" val="1"/>
             </a:ext>
           </a:extLst>
         </p:spPr>
@@ -5159,7 +5159,7 @@
           </a:ln>
           <a:extLst>
             <a:ext uri="{C572A759-6A51-4108-AA02-DFA0A04FC94B}">
-              <ma14:wrappingTextBoxFlag xmlns:ma14="http://schemas.microsoft.com/office/mac/drawingml/2011/main" xmlns="" val="1"/>
+              <ma14:wrappingTextBoxFlag xmlns="" xmlns:ma14="http://schemas.microsoft.com/office/mac/drawingml/2011/main" val="1"/>
             </a:ext>
           </a:extLst>
         </p:spPr>
@@ -5220,7 +5220,7 @@
           </a:ln>
           <a:extLst>
             <a:ext uri="{C572A759-6A51-4108-AA02-DFA0A04FC94B}">
-              <ma14:wrappingTextBoxFlag xmlns:ma14="http://schemas.microsoft.com/office/mac/drawingml/2011/main" xmlns="" val="1"/>
+              <ma14:wrappingTextBoxFlag xmlns="" xmlns:ma14="http://schemas.microsoft.com/office/mac/drawingml/2011/main" val="1"/>
             </a:ext>
           </a:extLst>
         </p:spPr>
@@ -5242,10 +5242,10 @@
       </p:sp>
       <p:pic>
         <p:nvPicPr>
-          <p:cNvPr id="2" name="Picture 1">
+          <p:cNvPr id="4" name="Picture 3">
             <a:extLst>
               <a:ext uri="{FF2B5EF4-FFF2-40B4-BE49-F238E27FC236}">
-                <a16:creationId xmlns:a16="http://schemas.microsoft.com/office/drawing/2014/main" id="{215F943B-ADD2-49EA-BC63-BC7380C8DB5B}"/>
+                <a16:creationId xmlns:a16="http://schemas.microsoft.com/office/drawing/2014/main" id="{4B877374-54A8-43CB-8CFF-F60C0A1B0098}"/>
               </a:ext>
             </a:extLst>
           </p:cNvPr>
@@ -5262,8 +5262,8 @@
         </p:blipFill>
         <p:spPr>
           <a:xfrm>
-            <a:off x="0" y="3921378"/>
-            <a:ext cx="9144000" cy="1579337"/>
+            <a:off x="-1" y="1357285"/>
+            <a:ext cx="9144000" cy="1155581"/>
           </a:xfrm>
           <a:prstGeom prst="rect">
             <a:avLst/>
@@ -5272,10 +5272,10 @@
       </p:pic>
       <p:pic>
         <p:nvPicPr>
-          <p:cNvPr id="3" name="Picture 2">
+          <p:cNvPr id="5" name="Picture 4">
             <a:extLst>
               <a:ext uri="{FF2B5EF4-FFF2-40B4-BE49-F238E27FC236}">
-                <a16:creationId xmlns:a16="http://schemas.microsoft.com/office/drawing/2014/main" id="{39946DAF-A121-46E3-877C-D19B8C905451}"/>
+                <a16:creationId xmlns:a16="http://schemas.microsoft.com/office/drawing/2014/main" id="{B4242886-AD4F-4128-AF85-6E242C562460}"/>
               </a:ext>
             </a:extLst>
           </p:cNvPr>
@@ -5292,8 +5292,8 @@
         </p:blipFill>
         <p:spPr>
           <a:xfrm>
-            <a:off x="0" y="1613159"/>
-            <a:ext cx="9144000" cy="1143000"/>
+            <a:off x="0" y="3602473"/>
+            <a:ext cx="9144000" cy="1632857"/>
           </a:xfrm>
           <a:prstGeom prst="rect">
             <a:avLst/>
@@ -5374,7 +5374,7 @@
           </a:ln>
           <a:extLst>
             <a:ext uri="{C572A759-6A51-4108-AA02-DFA0A04FC94B}">
-              <ma14:wrappingTextBoxFlag xmlns:ma14="http://schemas.microsoft.com/office/mac/drawingml/2011/main" xmlns="" val="1"/>
+              <ma14:wrappingTextBoxFlag xmlns="" xmlns:ma14="http://schemas.microsoft.com/office/mac/drawingml/2011/main" val="1"/>
             </a:ext>
           </a:extLst>
         </p:spPr>
@@ -5435,7 +5435,7 @@
           </a:ln>
           <a:extLst>
             <a:ext uri="{C572A759-6A51-4108-AA02-DFA0A04FC94B}">
-              <ma14:wrappingTextBoxFlag xmlns:ma14="http://schemas.microsoft.com/office/mac/drawingml/2011/main" xmlns="" val="1"/>
+              <ma14:wrappingTextBoxFlag xmlns="" xmlns:ma14="http://schemas.microsoft.com/office/mac/drawingml/2011/main" val="1"/>
             </a:ext>
           </a:extLst>
         </p:spPr>
@@ -5496,7 +5496,7 @@
           </a:ln>
           <a:extLst>
             <a:ext uri="{C572A759-6A51-4108-AA02-DFA0A04FC94B}">
-              <ma14:wrappingTextBoxFlag xmlns:ma14="http://schemas.microsoft.com/office/mac/drawingml/2011/main" xmlns="" val="1"/>
+              <ma14:wrappingTextBoxFlag xmlns="" xmlns:ma14="http://schemas.microsoft.com/office/mac/drawingml/2011/main" val="1"/>
             </a:ext>
           </a:extLst>
         </p:spPr>
@@ -5537,7 +5537,7 @@
               </a:ln>
               <a:extLst>
                 <a:ext uri="{C572A759-6A51-4108-AA02-DFA0A04FC94B}">
-                  <ma14:wrappingTextBoxFlag xmlns:ma14="http://schemas.microsoft.com/office/mac/drawingml/2011/main" xmlns="" val="1"/>
+                  <ma14:wrappingTextBoxFlag xmlns="" xmlns:ma14="http://schemas.microsoft.com/office/mac/drawingml/2011/main" val="1"/>
                 </a:ext>
               </a:extLst>
             </p:spPr>
@@ -6398,7 +6398,7 @@
           </a:ln>
           <a:extLst>
             <a:ext uri="{C572A759-6A51-4108-AA02-DFA0A04FC94B}">
-              <ma14:wrappingTextBoxFlag xmlns:ma14="http://schemas.microsoft.com/office/mac/drawingml/2011/main" xmlns="" val="1"/>
+              <ma14:wrappingTextBoxFlag xmlns="" xmlns:ma14="http://schemas.microsoft.com/office/mac/drawingml/2011/main" val="1"/>
             </a:ext>
           </a:extLst>
         </p:spPr>
@@ -6459,7 +6459,7 @@
           </a:ln>
           <a:extLst>
             <a:ext uri="{C572A759-6A51-4108-AA02-DFA0A04FC94B}">
-              <ma14:wrappingTextBoxFlag xmlns:ma14="http://schemas.microsoft.com/office/mac/drawingml/2011/main" xmlns="" val="1"/>
+              <ma14:wrappingTextBoxFlag xmlns="" xmlns:ma14="http://schemas.microsoft.com/office/mac/drawingml/2011/main" val="1"/>
             </a:ext>
           </a:extLst>
         </p:spPr>
@@ -6520,7 +6520,7 @@
           </a:ln>
           <a:extLst>
             <a:ext uri="{C572A759-6A51-4108-AA02-DFA0A04FC94B}">
-              <ma14:wrappingTextBoxFlag xmlns:ma14="http://schemas.microsoft.com/office/mac/drawingml/2011/main" xmlns="" val="1"/>
+              <ma14:wrappingTextBoxFlag xmlns="" xmlns:ma14="http://schemas.microsoft.com/office/mac/drawingml/2011/main" val="1"/>
             </a:ext>
           </a:extLst>
         </p:spPr>
@@ -6619,7 +6619,7 @@
               </a:ln>
               <a:extLst>
                 <a:ext uri="{C572A759-6A51-4108-AA02-DFA0A04FC94B}">
-                  <ma14:wrappingTextBoxFlag xmlns:ma14="http://schemas.microsoft.com/office/mac/drawingml/2011/main" xmlns="" val="1"/>
+                  <ma14:wrappingTextBoxFlag xmlns="" xmlns:ma14="http://schemas.microsoft.com/office/mac/drawingml/2011/main" val="1"/>
                 </a:ext>
               </a:extLst>
             </p:spPr>
@@ -6860,7 +6860,7 @@
           </a:ln>
           <a:extLst>
             <a:ext uri="{C572A759-6A51-4108-AA02-DFA0A04FC94B}">
-              <ma14:wrappingTextBoxFlag xmlns:ma14="http://schemas.microsoft.com/office/mac/drawingml/2011/main" xmlns="" val="1"/>
+              <ma14:wrappingTextBoxFlag xmlns="" xmlns:ma14="http://schemas.microsoft.com/office/mac/drawingml/2011/main" val="1"/>
             </a:ext>
           </a:extLst>
         </p:spPr>
@@ -6921,7 +6921,7 @@
           </a:ln>
           <a:extLst>
             <a:ext uri="{C572A759-6A51-4108-AA02-DFA0A04FC94B}">
-              <ma14:wrappingTextBoxFlag xmlns:ma14="http://schemas.microsoft.com/office/mac/drawingml/2011/main" xmlns="" val="1"/>
+              <ma14:wrappingTextBoxFlag xmlns="" xmlns:ma14="http://schemas.microsoft.com/office/mac/drawingml/2011/main" val="1"/>
             </a:ext>
           </a:extLst>
         </p:spPr>
@@ -6982,7 +6982,7 @@
           </a:ln>
           <a:extLst>
             <a:ext uri="{C572A759-6A51-4108-AA02-DFA0A04FC94B}">
-              <ma14:wrappingTextBoxFlag xmlns:ma14="http://schemas.microsoft.com/office/mac/drawingml/2011/main" xmlns="" val="1"/>
+              <ma14:wrappingTextBoxFlag xmlns="" xmlns:ma14="http://schemas.microsoft.com/office/mac/drawingml/2011/main" val="1"/>
             </a:ext>
           </a:extLst>
         </p:spPr>
@@ -7021,7 +7021,7 @@
           </a:ln>
           <a:extLst>
             <a:ext uri="{C572A759-6A51-4108-AA02-DFA0A04FC94B}">
-              <ma14:wrappingTextBoxFlag xmlns:ma14="http://schemas.microsoft.com/office/mac/drawingml/2011/main" xmlns="" val="1"/>
+              <ma14:wrappingTextBoxFlag xmlns="" xmlns:ma14="http://schemas.microsoft.com/office/mac/drawingml/2011/main" val="1"/>
             </a:ext>
           </a:extLst>
         </p:spPr>
@@ -7680,7 +7680,7 @@
           </a:ln>
           <a:extLst>
             <a:ext uri="{C572A759-6A51-4108-AA02-DFA0A04FC94B}">
-              <ma14:wrappingTextBoxFlag xmlns:ma14="http://schemas.microsoft.com/office/mac/drawingml/2011/main" xmlns="" val="1"/>
+              <ma14:wrappingTextBoxFlag xmlns="" xmlns:ma14="http://schemas.microsoft.com/office/mac/drawingml/2011/main" val="1"/>
             </a:ext>
           </a:extLst>
         </p:spPr>
@@ -7741,7 +7741,7 @@
           </a:ln>
           <a:extLst>
             <a:ext uri="{C572A759-6A51-4108-AA02-DFA0A04FC94B}">
-              <ma14:wrappingTextBoxFlag xmlns:ma14="http://schemas.microsoft.com/office/mac/drawingml/2011/main" xmlns="" val="1"/>
+              <ma14:wrappingTextBoxFlag xmlns="" xmlns:ma14="http://schemas.microsoft.com/office/mac/drawingml/2011/main" val="1"/>
             </a:ext>
           </a:extLst>
         </p:spPr>
@@ -7802,7 +7802,7 @@
           </a:ln>
           <a:extLst>
             <a:ext uri="{C572A759-6A51-4108-AA02-DFA0A04FC94B}">
-              <ma14:wrappingTextBoxFlag xmlns:ma14="http://schemas.microsoft.com/office/mac/drawingml/2011/main" xmlns="" val="1"/>
+              <ma14:wrappingTextBoxFlag xmlns="" xmlns:ma14="http://schemas.microsoft.com/office/mac/drawingml/2011/main" val="1"/>
             </a:ext>
           </a:extLst>
         </p:spPr>
@@ -7841,7 +7841,7 @@
           </a:ln>
           <a:extLst>
             <a:ext uri="{C572A759-6A51-4108-AA02-DFA0A04FC94B}">
-              <ma14:wrappingTextBoxFlag xmlns:ma14="http://schemas.microsoft.com/office/mac/drawingml/2011/main" xmlns="" val="1"/>
+              <ma14:wrappingTextBoxFlag xmlns="" xmlns:ma14="http://schemas.microsoft.com/office/mac/drawingml/2011/main" val="1"/>
             </a:ext>
           </a:extLst>
         </p:spPr>
@@ -8312,7 +8312,7 @@
           </a:prstGeom>
           <a:extLst>
             <a:ext uri="{C572A759-6A51-4108-AA02-DFA0A04FC94B}">
-              <ma14:wrappingTextBoxFlag xmlns="" xmlns:ma14="http://schemas.microsoft.com/office/mac/drawingml/2011/main" val="1"/>
+              <ma14:wrappingTextBoxFlag xmlns:ma14="http://schemas.microsoft.com/office/mac/drawingml/2011/main" xmlns="" val="1"/>
             </a:ext>
           </a:extLst>
         </p:spPr>
@@ -8346,7 +8346,7 @@
           </a:ln>
           <a:extLst>
             <a:ext uri="{C572A759-6A51-4108-AA02-DFA0A04FC94B}">
-              <ma14:wrappingTextBoxFlag xmlns="" xmlns:ma14="http://schemas.microsoft.com/office/mac/drawingml/2011/main" val="1"/>
+              <ma14:wrappingTextBoxFlag xmlns:ma14="http://schemas.microsoft.com/office/mac/drawingml/2011/main" xmlns="" val="1"/>
             </a:ext>
           </a:extLst>
         </p:spPr>
@@ -8639,35 +8639,6 @@
           <a:chExt cx="0" cy="0"/>
         </a:xfrm>
       </p:grpSpPr>
-      <p:pic>
-        <p:nvPicPr>
-          <p:cNvPr id="9" name="Picture 8">
-            <a:extLst>
-              <a:ext uri="{FF2B5EF4-FFF2-40B4-BE49-F238E27FC236}">
-                <a16:creationId xmlns:a16="http://schemas.microsoft.com/office/drawing/2014/main" id="{57800755-4CE4-4045-827A-1DD98ADC2BBB}"/>
-              </a:ext>
-            </a:extLst>
-          </p:cNvPr>
-          <p:cNvPicPr>
-            <a:picLocks noChangeAspect="1"/>
-          </p:cNvPicPr>
-          <p:nvPr/>
-        </p:nvPicPr>
-        <p:blipFill rotWithShape="1">
-          <a:blip r:embed="rId2"/>
-          <a:srcRect r="3505"/>
-          <a:stretch/>
-        </p:blipFill>
-        <p:spPr>
-          <a:xfrm>
-            <a:off x="160263" y="895374"/>
-            <a:ext cx="8823475" cy="1579337"/>
-          </a:xfrm>
-          <a:prstGeom prst="rect">
-            <a:avLst/>
-          </a:prstGeom>
-        </p:spPr>
-      </p:pic>
       <p:sp>
         <p:nvSpPr>
           <p:cNvPr id="236" name="Shape 154"/>
@@ -8687,7 +8658,7 @@
           </a:ln>
           <a:extLst>
             <a:ext uri="{C572A759-6A51-4108-AA02-DFA0A04FC94B}">
-              <ma14:wrappingTextBoxFlag xmlns:ma14="http://schemas.microsoft.com/office/mac/drawingml/2011/main" xmlns="" val="1"/>
+              <ma14:wrappingTextBoxFlag xmlns="" xmlns:ma14="http://schemas.microsoft.com/office/mac/drawingml/2011/main" val="1"/>
             </a:ext>
           </a:extLst>
         </p:spPr>
@@ -8748,7 +8719,7 @@
           </a:ln>
           <a:extLst>
             <a:ext uri="{C572A759-6A51-4108-AA02-DFA0A04FC94B}">
-              <ma14:wrappingTextBoxFlag xmlns:ma14="http://schemas.microsoft.com/office/mac/drawingml/2011/main" xmlns="" val="1"/>
+              <ma14:wrappingTextBoxFlag xmlns="" xmlns:ma14="http://schemas.microsoft.com/office/mac/drawingml/2011/main" val="1"/>
             </a:ext>
           </a:extLst>
         </p:spPr>
@@ -8809,7 +8780,7 @@
           </a:ln>
           <a:extLst>
             <a:ext uri="{C572A759-6A51-4108-AA02-DFA0A04FC94B}">
-              <ma14:wrappingTextBoxFlag xmlns:ma14="http://schemas.microsoft.com/office/mac/drawingml/2011/main" xmlns="" val="1"/>
+              <ma14:wrappingTextBoxFlag xmlns="" xmlns:ma14="http://schemas.microsoft.com/office/mac/drawingml/2011/main" val="1"/>
             </a:ext>
           </a:extLst>
         </p:spPr>
@@ -8887,750 +8858,136 @@
           </a:p>
         </p:txBody>
       </p:sp>
-      <mc:AlternateContent xmlns:mc="http://schemas.openxmlformats.org/markup-compatibility/2006" xmlns:a14="http://schemas.microsoft.com/office/drawing/2010/main">
-        <mc:Choice Requires="a14">
-          <p:graphicFrame>
-            <p:nvGraphicFramePr>
-              <p:cNvPr id="2" name="Table 1">
-                <a:extLst>
-                  <a:ext uri="{FF2B5EF4-FFF2-40B4-BE49-F238E27FC236}">
-                    <a16:creationId xmlns:a16="http://schemas.microsoft.com/office/drawing/2014/main" id="{370BE14D-CFCE-4328-A0FA-A8483200FDFB}"/>
-                  </a:ext>
-                </a:extLst>
-              </p:cNvPr>
-              <p:cNvGraphicFramePr>
-                <a:graphicFrameLocks noGrp="1"/>
-              </p:cNvGraphicFramePr>
-              <p:nvPr>
-                <p:extLst>
-                  <p:ext uri="{D42A27DB-BD31-4B8C-83A1-F6EECF244321}">
-                    <p14:modId xmlns:p14="http://schemas.microsoft.com/office/powerpoint/2010/main" val="2339416881"/>
-                  </p:ext>
-                </p:extLst>
-              </p:nvPr>
-            </p:nvGraphicFramePr>
-            <p:xfrm>
-              <a:off x="326874" y="2669059"/>
-              <a:ext cx="8656863" cy="2878766"/>
-            </p:xfrm>
-            <a:graphic>
-              <a:graphicData uri="http://schemas.openxmlformats.org/drawingml/2006/table">
-                <a:tbl>
-                  <a:tblPr firstRow="1" bandRow="1">
-                    <a:tableStyleId>{5940675A-B579-460E-94D1-54222C63F5DA}</a:tableStyleId>
-                  </a:tblPr>
-                  <a:tblGrid>
-                    <a:gridCol w="2276075">
-                      <a:extLst>
-                        <a:ext uri="{9D8B030D-6E8A-4147-A177-3AD203B41FA5}">
-                          <a16:colId xmlns:a16="http://schemas.microsoft.com/office/drawing/2014/main" val="2985785280"/>
-                        </a:ext>
-                      </a:extLst>
-                    </a:gridCol>
-                    <a:gridCol w="3048310">
-                      <a:extLst>
-                        <a:ext uri="{9D8B030D-6E8A-4147-A177-3AD203B41FA5}">
-                          <a16:colId xmlns:a16="http://schemas.microsoft.com/office/drawing/2014/main" val="2014759438"/>
-                        </a:ext>
-                      </a:extLst>
-                    </a:gridCol>
-                    <a:gridCol w="3332478">
-                      <a:extLst>
-                        <a:ext uri="{9D8B030D-6E8A-4147-A177-3AD203B41FA5}">
-                          <a16:colId xmlns:a16="http://schemas.microsoft.com/office/drawing/2014/main" val="719717789"/>
-                        </a:ext>
-                      </a:extLst>
-                    </a:gridCol>
-                  </a:tblGrid>
-                  <a:tr h="585943">
-                    <a:tc>
-                      <a:txBody>
-                        <a:bodyPr/>
-                        <a:lstStyle/>
-                        <a:p>
-                          <a:pPr algn="ctr"/>
-                          <a:r>
-                            <a:rPr lang="en-US" sz="1800" dirty="0"/>
-                            <a:t>SWRC MODEL</a:t>
-                          </a:r>
-                        </a:p>
-                      </a:txBody>
-                      <a:tcPr/>
-                    </a:tc>
-                    <a:tc gridSpan="2">
-                      <a:txBody>
-                        <a:bodyPr/>
-                        <a:lstStyle/>
-                        <a:p>
-                          <a:pPr algn="ctr"/>
-                          <a:r>
-                            <a:rPr lang="en-US" sz="1800" b="1" dirty="0"/>
-                            <a:t>Headers</a:t>
-                          </a:r>
-                        </a:p>
-                      </a:txBody>
-                      <a:tcPr/>
-                    </a:tc>
-                    <a:tc hMerge="1">
-                      <a:txBody>
-                        <a:bodyPr/>
-                        <a:lstStyle/>
-                        <a:p>
-                          <a:pPr algn="ctr"/>
-                          <a:endParaRPr lang="en-US" sz="1800" b="1" dirty="0"/>
-                        </a:p>
-                      </a:txBody>
-                      <a:tcPr/>
-                    </a:tc>
-                    <a:extLst>
-                      <a:ext uri="{0D108BD9-81ED-4DB2-BD59-A6C34878D82A}">
-                        <a16:rowId xmlns:a16="http://schemas.microsoft.com/office/drawing/2014/main" val="913471802"/>
-                      </a:ext>
-                    </a:extLst>
-                  </a:tr>
-                  <a:tr h="585943">
-                    <a:tc>
-                      <a:txBody>
-                        <a:bodyPr/>
-                        <a:lstStyle/>
-                        <a:p>
-                          <a:pPr algn="ctr"/>
-                          <a:r>
-                            <a:rPr lang="en-US" sz="1800" dirty="0"/>
-                            <a:t>Van </a:t>
-                          </a:r>
-                          <a:r>
-                            <a:rPr lang="en-US" sz="1800" dirty="0" err="1"/>
-                            <a:t>Genuchten</a:t>
-                          </a:r>
-                          <a:endParaRPr lang="en-US" sz="1800" dirty="0"/>
-                        </a:p>
-                      </a:txBody>
-                      <a:tcPr/>
-                    </a:tc>
-                    <a:tc>
-                      <a:txBody>
-                        <a:bodyPr/>
-                        <a:lstStyle/>
-                        <a:p>
-                          <a:pPr algn="ctr"/>
-                          <a:r>
-                            <a:rPr lang="en-US" sz="2000" dirty="0"/>
-                            <a:t>n (n [-])</a:t>
-                          </a:r>
-                        </a:p>
-                      </a:txBody>
-                      <a:tcPr/>
-                    </a:tc>
-                    <a:tc>
-                      <a:txBody>
-                        <a:bodyPr/>
-                        <a:lstStyle/>
-                        <a:p>
-                          <a:pPr algn="ctr"/>
-                          <a:r>
-                            <a:rPr lang="en-US" sz="2000" dirty="0"/>
-                            <a:t>alpha (</a:t>
-                          </a:r>
-                          <a:r>
-                            <a:rPr lang="el-GR" sz="2000" dirty="0"/>
-                            <a:t>α</a:t>
-                          </a:r>
-                          <a:r>
-                            <a:rPr lang="en-US" sz="2000" dirty="0"/>
-                            <a:t> [</a:t>
-                          </a:r>
-                          <a14:m>
-                            <m:oMath xmlns:m="http://schemas.openxmlformats.org/officeDocument/2006/math">
-                              <m:r>
-                                <a:rPr lang="en-US" sz="2000" b="0" i="1" dirty="0" smtClean="0">
-                                  <a:latin typeface="Cambria Math" panose="02040503050406030204" pitchFamily="18" charset="0"/>
-                                  <a:ea typeface="Cambria Math" panose="02040503050406030204" pitchFamily="18" charset="0"/>
-                                </a:rPr>
-                                <m:t>𝑚</m:t>
-                              </m:r>
-                            </m:oMath>
-                          </a14:m>
-                          <a:r>
-                            <a:rPr lang="en-US" sz="2000" dirty="0"/>
-                            <a:t>])</a:t>
-                          </a:r>
-                        </a:p>
-                      </a:txBody>
-                      <a:tcPr/>
-                    </a:tc>
-                    <a:extLst>
-                      <a:ext uri="{0D108BD9-81ED-4DB2-BD59-A6C34878D82A}">
-                        <a16:rowId xmlns:a16="http://schemas.microsoft.com/office/drawing/2014/main" val="3380346555"/>
-                      </a:ext>
-                    </a:extLst>
-                  </a:tr>
-                  <a:tr h="585943">
-                    <a:tc>
-                      <a:txBody>
-                        <a:bodyPr/>
-                        <a:lstStyle/>
-                        <a:p>
-                          <a:pPr algn="ctr"/>
-                          <a:r>
-                            <a:rPr lang="en-US" sz="1800" dirty="0"/>
-                            <a:t>Brooks Corey</a:t>
-                          </a:r>
-                        </a:p>
-                      </a:txBody>
-                      <a:tcPr/>
-                    </a:tc>
-                    <a:tc>
-                      <a:txBody>
-                        <a:bodyPr/>
-                        <a:lstStyle/>
-                        <a:p>
-                          <a:pPr algn="ctr"/>
-                          <a:r>
-                            <a:rPr lang="en-US" sz="2000" dirty="0"/>
-                            <a:t>n (n [-])</a:t>
-                          </a:r>
-                        </a:p>
-                      </a:txBody>
-                      <a:tcPr/>
-                    </a:tc>
-                    <a:tc>
-                      <a:txBody>
-                        <a:bodyPr/>
-                        <a:lstStyle/>
-                        <a:p>
-                          <a:pPr algn="ctr"/>
-                          <a:r>
-                            <a:rPr lang="en-US" sz="2000" b="0" dirty="0" err="1">
-                              <a:ea typeface="Cambria Math" panose="02040503050406030204" pitchFamily="18" charset="0"/>
-                            </a:rPr>
-                            <a:t>psiD</a:t>
-                          </a:r>
-                          <a:r>
-                            <a:rPr lang="en-US" sz="2000" b="0" dirty="0">
-                              <a:ea typeface="Cambria Math" panose="02040503050406030204" pitchFamily="18" charset="0"/>
-                            </a:rPr>
-                            <a:t> (</a:t>
-                          </a:r>
-                          <a14:m>
-                            <m:oMath xmlns:m="http://schemas.openxmlformats.org/officeDocument/2006/math">
-                              <m:sSub>
-                                <m:sSubPr>
-                                  <m:ctrlPr>
-                                    <a:rPr lang="en-US" sz="2000" b="0" i="1" smtClean="0">
-                                      <a:latin typeface="Cambria Math" panose="02040503050406030204" pitchFamily="18" charset="0"/>
-                                      <a:ea typeface="Cambria Math" panose="02040503050406030204" pitchFamily="18" charset="0"/>
-                                    </a:rPr>
-                                  </m:ctrlPr>
-                                </m:sSubPr>
-                                <m:e>
-                                  <m:r>
-                                    <a:rPr lang="en-US" sz="2000" i="1" smtClean="0">
-                                      <a:latin typeface="Cambria Math" panose="02040503050406030204" pitchFamily="18" charset="0"/>
-                                      <a:ea typeface="Cambria Math" panose="02040503050406030204" pitchFamily="18" charset="0"/>
-                                    </a:rPr>
-                                    <m:t>𝜓</m:t>
-                                  </m:r>
-                                </m:e>
-                                <m:sub>
-                                  <m:r>
-                                    <a:rPr lang="en-US" sz="2000" b="0" i="1" smtClean="0">
-                                      <a:latin typeface="Cambria Math" panose="02040503050406030204" pitchFamily="18" charset="0"/>
-                                      <a:ea typeface="Cambria Math" panose="02040503050406030204" pitchFamily="18" charset="0"/>
-                                    </a:rPr>
-                                    <m:t>𝐷</m:t>
-                                  </m:r>
-                                </m:sub>
-                              </m:sSub>
-                            </m:oMath>
-                          </a14:m>
-                          <a:r>
-                            <a:rPr lang="en-US" sz="2000" b="0" dirty="0">
-                              <a:ea typeface="Cambria Math" panose="02040503050406030204" pitchFamily="18" charset="0"/>
-                            </a:rPr>
-                            <a:t> [</a:t>
-                          </a:r>
-                          <a14:m>
-                            <m:oMath xmlns:m="http://schemas.openxmlformats.org/officeDocument/2006/math">
-                              <m:r>
-                                <a:rPr lang="en-US" sz="2000" b="0" i="1" dirty="0" smtClean="0">
-                                  <a:latin typeface="Cambria Math" panose="02040503050406030204" pitchFamily="18" charset="0"/>
-                                  <a:ea typeface="Cambria Math" panose="02040503050406030204" pitchFamily="18" charset="0"/>
-                                </a:rPr>
-                                <m:t>𝑚</m:t>
-                              </m:r>
-                            </m:oMath>
-                          </a14:m>
-                          <a:r>
-                            <a:rPr lang="en-US" sz="2000" b="0" dirty="0">
-                              <a:ea typeface="Cambria Math" panose="02040503050406030204" pitchFamily="18" charset="0"/>
-                            </a:rPr>
-                            <a:t>])</a:t>
-                          </a:r>
-                        </a:p>
-                        <a:p>
-                          <a:pPr algn="ctr"/>
-                          <a:endParaRPr lang="en-US" sz="2000" dirty="0"/>
-                        </a:p>
-                      </a:txBody>
-                      <a:tcPr/>
-                    </a:tc>
-                    <a:extLst>
-                      <a:ext uri="{0D108BD9-81ED-4DB2-BD59-A6C34878D82A}">
-                        <a16:rowId xmlns:a16="http://schemas.microsoft.com/office/drawing/2014/main" val="4292269813"/>
-                      </a:ext>
-                    </a:extLst>
-                  </a:tr>
-                  <a:tr h="585943">
-                    <a:tc>
-                      <a:txBody>
-                        <a:bodyPr/>
-                        <a:lstStyle/>
-                        <a:p>
-                          <a:pPr algn="ctr"/>
-                          <a:r>
-                            <a:rPr lang="en-US" sz="1800" dirty="0" err="1"/>
-                            <a:t>Kosugi</a:t>
-                          </a:r>
-                          <a:endParaRPr lang="en-US" sz="1800" dirty="0"/>
-                        </a:p>
-                      </a:txBody>
-                      <a:tcPr/>
-                    </a:tc>
-                    <a:tc>
-                      <a:txBody>
-                        <a:bodyPr/>
-                        <a:lstStyle/>
-                        <a:p>
-                          <a:pPr algn="ctr"/>
-                          <a:r>
-                            <a:rPr lang="en-US" sz="1800" dirty="0"/>
-                            <a:t>r </a:t>
-                          </a:r>
-                        </a:p>
-                        <a:p>
-                          <a:pPr algn="ctr"/>
-                          <a:r>
-                            <a:rPr lang="en-US" sz="1800" dirty="0"/>
-                            <a:t>(</a:t>
-                          </a:r>
-                          <a:r>
-                            <a:rPr lang="en-US" sz="1800" dirty="0" err="1"/>
-                            <a:t>Mediana</a:t>
-                          </a:r>
-                          <a:r>
-                            <a:rPr lang="en-US" sz="1800" dirty="0"/>
-                            <a:t> </a:t>
-                          </a:r>
-                          <a:r>
-                            <a:rPr lang="en-US" sz="1800" dirty="0" err="1"/>
-                            <a:t>della</a:t>
-                          </a:r>
-                          <a:r>
-                            <a:rPr lang="en-US" sz="1800" dirty="0"/>
-                            <a:t> </a:t>
-                          </a:r>
-                          <a:r>
-                            <a:rPr lang="en-US" sz="1800" dirty="0" err="1"/>
-                            <a:t>distribuzione</a:t>
-                          </a:r>
-                          <a:r>
-                            <a:rPr lang="en-US" sz="1800" dirty="0"/>
-                            <a:t> </a:t>
-                          </a:r>
-                          <a:r>
-                            <a:rPr lang="en-US" sz="1800" dirty="0" err="1"/>
-                            <a:t>dei</a:t>
-                          </a:r>
-                          <a:r>
-                            <a:rPr lang="en-US" sz="1800" dirty="0"/>
-                            <a:t> </a:t>
-                          </a:r>
-                          <a:r>
-                            <a:rPr lang="en-US" sz="1800" dirty="0" err="1"/>
-                            <a:t>pori</a:t>
-                          </a:r>
-                          <a:r>
-                            <a:rPr lang="en-US" sz="1800" dirty="0"/>
-                            <a:t> [</a:t>
-                          </a:r>
-                          <a14:m>
-                            <m:oMath xmlns:m="http://schemas.openxmlformats.org/officeDocument/2006/math">
-                              <m:r>
-                                <a:rPr lang="en-US" sz="1800" b="0" i="1" dirty="0" smtClean="0">
-                                  <a:latin typeface="Cambria Math" panose="02040503050406030204" pitchFamily="18" charset="0"/>
-                                  <a:ea typeface="Cambria Math" panose="02040503050406030204" pitchFamily="18" charset="0"/>
-                                </a:rPr>
-                                <m:t>𝑚</m:t>
-                              </m:r>
-                            </m:oMath>
-                          </a14:m>
-                          <a:r>
-                            <a:rPr lang="en-US" sz="1800" dirty="0"/>
-                            <a:t>])</a:t>
-                          </a:r>
-                        </a:p>
-                      </a:txBody>
-                      <a:tcPr/>
-                    </a:tc>
-                    <a:tc>
-                      <a:txBody>
-                        <a:bodyPr/>
-                        <a:lstStyle/>
-                        <a:p>
-                          <a:pPr algn="ctr"/>
-                          <a:r>
-                            <a:rPr lang="en-US" sz="2000" dirty="0"/>
-                            <a:t>sigma</a:t>
-                          </a:r>
-                        </a:p>
-                        <a:p>
-                          <a:pPr algn="ctr"/>
-                          <a:r>
-                            <a:rPr lang="en-US" sz="2000" dirty="0"/>
-                            <a:t>(</a:t>
-                          </a:r>
-                          <a:r>
-                            <a:rPr lang="en-US" sz="2000" dirty="0" err="1"/>
-                            <a:t>Deviazione</a:t>
-                          </a:r>
-                          <a:r>
-                            <a:rPr lang="en-US" sz="2000" dirty="0"/>
-                            <a:t> standard </a:t>
-                          </a:r>
-                          <a:r>
-                            <a:rPr lang="en-US" sz="2000" dirty="0" err="1"/>
-                            <a:t>della</a:t>
-                          </a:r>
-                          <a:r>
-                            <a:rPr lang="en-US" sz="2000" dirty="0"/>
-                            <a:t> </a:t>
-                          </a:r>
-                          <a:r>
-                            <a:rPr lang="en-US" sz="2000" dirty="0" err="1"/>
-                            <a:t>distribuzione</a:t>
-                          </a:r>
-                          <a:r>
-                            <a:rPr lang="en-US" sz="2000" dirty="0"/>
-                            <a:t> </a:t>
-                          </a:r>
-                          <a:r>
-                            <a:rPr lang="en-US" sz="2000" dirty="0" err="1"/>
-                            <a:t>dei</a:t>
-                          </a:r>
-                          <a:r>
-                            <a:rPr lang="en-US" sz="2000" dirty="0"/>
-                            <a:t> </a:t>
-                          </a:r>
-                          <a:r>
-                            <a:rPr lang="en-US" sz="2000" dirty="0" err="1"/>
-                            <a:t>pori</a:t>
-                          </a:r>
-                          <a:r>
-                            <a:rPr lang="en-US" sz="2000" dirty="0"/>
-                            <a:t> [</a:t>
-                          </a:r>
-                          <a14:m>
-                            <m:oMath xmlns:m="http://schemas.openxmlformats.org/officeDocument/2006/math">
-                              <m:r>
-                                <a:rPr lang="en-US" sz="2000" b="0" i="1" dirty="0" smtClean="0">
-                                  <a:latin typeface="Cambria Math" panose="02040503050406030204" pitchFamily="18" charset="0"/>
-                                  <a:ea typeface="Cambria Math" panose="02040503050406030204" pitchFamily="18" charset="0"/>
-                                </a:rPr>
-                                <m:t>𝑚</m:t>
-                              </m:r>
-                            </m:oMath>
-                          </a14:m>
-                          <a:r>
-                            <a:rPr lang="en-US" sz="2000" dirty="0"/>
-                            <a:t>])</a:t>
-                          </a:r>
-                        </a:p>
-                      </a:txBody>
-                      <a:tcPr/>
-                    </a:tc>
-                    <a:extLst>
-                      <a:ext uri="{0D108BD9-81ED-4DB2-BD59-A6C34878D82A}">
-                        <a16:rowId xmlns:a16="http://schemas.microsoft.com/office/drawing/2014/main" val="2167767968"/>
-                      </a:ext>
-                    </a:extLst>
-                  </a:tr>
-                </a:tbl>
-              </a:graphicData>
-            </a:graphic>
-          </p:graphicFrame>
-        </mc:Choice>
-        <mc:Fallback xmlns="">
-          <p:graphicFrame>
-            <p:nvGraphicFramePr>
-              <p:cNvPr id="2" name="Table 1">
-                <a:extLst>
-                  <a:ext uri="{FF2B5EF4-FFF2-40B4-BE49-F238E27FC236}">
-                    <a16:creationId xmlns:a16="http://schemas.microsoft.com/office/drawing/2014/main" id="{370BE14D-CFCE-4328-A0FA-A8483200FDFB}"/>
-                  </a:ext>
-                </a:extLst>
-              </p:cNvPr>
-              <p:cNvGraphicFramePr>
-                <a:graphicFrameLocks noGrp="1"/>
-              </p:cNvGraphicFramePr>
-              <p:nvPr>
-                <p:extLst>
-                  <p:ext uri="{D42A27DB-BD31-4B8C-83A1-F6EECF244321}">
-                    <p14:modId xmlns:p14="http://schemas.microsoft.com/office/powerpoint/2010/main" val="2339416881"/>
-                  </p:ext>
-                </p:extLst>
-              </p:nvPr>
-            </p:nvGraphicFramePr>
-            <p:xfrm>
-              <a:off x="326874" y="2669059"/>
-              <a:ext cx="8656863" cy="2878766"/>
-            </p:xfrm>
-            <a:graphic>
-              <a:graphicData uri="http://schemas.openxmlformats.org/drawingml/2006/table">
-                <a:tbl>
-                  <a:tblPr firstRow="1" bandRow="1">
-                    <a:tableStyleId>{5940675A-B579-460E-94D1-54222C63F5DA}</a:tableStyleId>
-                  </a:tblPr>
-                  <a:tblGrid>
-                    <a:gridCol w="2276075">
-                      <a:extLst>
-                        <a:ext uri="{9D8B030D-6E8A-4147-A177-3AD203B41FA5}">
-                          <a16:colId xmlns:a16="http://schemas.microsoft.com/office/drawing/2014/main" val="2985785280"/>
-                        </a:ext>
-                      </a:extLst>
-                    </a:gridCol>
-                    <a:gridCol w="3048310">
-                      <a:extLst>
-                        <a:ext uri="{9D8B030D-6E8A-4147-A177-3AD203B41FA5}">
-                          <a16:colId xmlns:a16="http://schemas.microsoft.com/office/drawing/2014/main" val="2014759438"/>
-                        </a:ext>
-                      </a:extLst>
-                    </a:gridCol>
-                    <a:gridCol w="3332478">
-                      <a:extLst>
-                        <a:ext uri="{9D8B030D-6E8A-4147-A177-3AD203B41FA5}">
-                          <a16:colId xmlns:a16="http://schemas.microsoft.com/office/drawing/2014/main" val="719717789"/>
-                        </a:ext>
-                      </a:extLst>
-                    </a:gridCol>
-                  </a:tblGrid>
-                  <a:tr h="585943">
-                    <a:tc>
-                      <a:txBody>
-                        <a:bodyPr/>
-                        <a:lstStyle/>
-                        <a:p>
-                          <a:pPr algn="ctr"/>
-                          <a:r>
-                            <a:rPr lang="en-US" sz="1800" dirty="0"/>
-                            <a:t>SWRC MODEL</a:t>
-                          </a:r>
-                        </a:p>
-                      </a:txBody>
-                      <a:tcPr/>
-                    </a:tc>
-                    <a:tc gridSpan="2">
-                      <a:txBody>
-                        <a:bodyPr/>
-                        <a:lstStyle/>
-                        <a:p>
-                          <a:pPr algn="ctr"/>
-                          <a:r>
-                            <a:rPr lang="en-US" sz="1800" b="1" dirty="0"/>
-                            <a:t>Headers</a:t>
-                          </a:r>
-                        </a:p>
-                      </a:txBody>
-                      <a:tcPr/>
-                    </a:tc>
-                    <a:tc hMerge="1">
-                      <a:txBody>
-                        <a:bodyPr/>
-                        <a:lstStyle/>
-                        <a:p>
-                          <a:pPr algn="ctr"/>
-                          <a:endParaRPr lang="en-US" sz="1800" b="1" dirty="0"/>
-                        </a:p>
-                      </a:txBody>
-                      <a:tcPr/>
-                    </a:tc>
-                    <a:extLst>
-                      <a:ext uri="{0D108BD9-81ED-4DB2-BD59-A6C34878D82A}">
-                        <a16:rowId xmlns:a16="http://schemas.microsoft.com/office/drawing/2014/main" val="913471802"/>
-                      </a:ext>
-                    </a:extLst>
-                  </a:tr>
-                  <a:tr h="585943">
-                    <a:tc>
-                      <a:txBody>
-                        <a:bodyPr/>
-                        <a:lstStyle/>
-                        <a:p>
-                          <a:pPr algn="ctr"/>
-                          <a:r>
-                            <a:rPr lang="en-US" sz="1800" dirty="0"/>
-                            <a:t>Van </a:t>
-                          </a:r>
-                          <a:r>
-                            <a:rPr lang="en-US" sz="1800" dirty="0" err="1"/>
-                            <a:t>Genuchten</a:t>
-                          </a:r>
-                          <a:endParaRPr lang="en-US" sz="1800" dirty="0"/>
-                        </a:p>
-                      </a:txBody>
-                      <a:tcPr/>
-                    </a:tc>
-                    <a:tc>
-                      <a:txBody>
-                        <a:bodyPr/>
-                        <a:lstStyle/>
-                        <a:p>
-                          <a:pPr algn="ctr"/>
-                          <a:r>
-                            <a:rPr lang="en-US" sz="2000" dirty="0"/>
-                            <a:t>n (n [-])</a:t>
-                          </a:r>
-                        </a:p>
-                      </a:txBody>
-                      <a:tcPr/>
-                    </a:tc>
-                    <a:tc>
-                      <a:txBody>
-                        <a:bodyPr/>
-                        <a:lstStyle/>
-                        <a:p>
-                          <a:endParaRPr lang="en-US"/>
-                        </a:p>
-                      </a:txBody>
-                      <a:tcPr>
-                        <a:blipFill>
-                          <a:blip r:embed="rId3"/>
-                          <a:stretch>
-                            <a:fillRect l="-159963" t="-104124" r="-366" b="-308247"/>
-                          </a:stretch>
-                        </a:blipFill>
-                      </a:tcPr>
-                    </a:tc>
-                    <a:extLst>
-                      <a:ext uri="{0D108BD9-81ED-4DB2-BD59-A6C34878D82A}">
-                        <a16:rowId xmlns:a16="http://schemas.microsoft.com/office/drawing/2014/main" val="3380346555"/>
-                      </a:ext>
-                    </a:extLst>
-                  </a:tr>
-                  <a:tr h="701040">
-                    <a:tc>
-                      <a:txBody>
-                        <a:bodyPr/>
-                        <a:lstStyle/>
-                        <a:p>
-                          <a:pPr algn="ctr"/>
-                          <a:r>
-                            <a:rPr lang="en-US" sz="1800" dirty="0"/>
-                            <a:t>Brooks Corey</a:t>
-                          </a:r>
-                        </a:p>
-                      </a:txBody>
-                      <a:tcPr/>
-                    </a:tc>
-                    <a:tc>
-                      <a:txBody>
-                        <a:bodyPr/>
-                        <a:lstStyle/>
-                        <a:p>
-                          <a:pPr algn="ctr"/>
-                          <a:r>
-                            <a:rPr lang="en-US" sz="2000" dirty="0"/>
-                            <a:t>n (n [-])</a:t>
-                          </a:r>
-                        </a:p>
-                      </a:txBody>
-                      <a:tcPr/>
-                    </a:tc>
-                    <a:tc>
-                      <a:txBody>
-                        <a:bodyPr/>
-                        <a:lstStyle/>
-                        <a:p>
-                          <a:endParaRPr lang="en-US"/>
-                        </a:p>
-                      </a:txBody>
-                      <a:tcPr>
-                        <a:blipFill>
-                          <a:blip r:embed="rId3"/>
-                          <a:stretch>
-                            <a:fillRect l="-159963" t="-172174" r="-366" b="-160000"/>
-                          </a:stretch>
-                        </a:blipFill>
-                      </a:tcPr>
-                    </a:tc>
-                    <a:extLst>
-                      <a:ext uri="{0D108BD9-81ED-4DB2-BD59-A6C34878D82A}">
-                        <a16:rowId xmlns:a16="http://schemas.microsoft.com/office/drawing/2014/main" val="4292269813"/>
-                      </a:ext>
-                    </a:extLst>
-                  </a:tr>
-                  <a:tr h="1005840">
-                    <a:tc>
-                      <a:txBody>
-                        <a:bodyPr/>
-                        <a:lstStyle/>
-                        <a:p>
-                          <a:pPr algn="ctr"/>
-                          <a:r>
-                            <a:rPr lang="en-US" sz="1800" dirty="0" err="1"/>
-                            <a:t>Kosugi</a:t>
-                          </a:r>
-                          <a:endParaRPr lang="en-US" sz="1800" dirty="0"/>
-                        </a:p>
-                      </a:txBody>
-                      <a:tcPr/>
-                    </a:tc>
-                    <a:tc>
-                      <a:txBody>
-                        <a:bodyPr/>
-                        <a:lstStyle/>
-                        <a:p>
-                          <a:endParaRPr lang="en-US"/>
-                        </a:p>
-                      </a:txBody>
-                      <a:tcPr>
-                        <a:blipFill>
-                          <a:blip r:embed="rId3"/>
-                          <a:stretch>
-                            <a:fillRect l="-75000" t="-188554" r="-109800" b="-10843"/>
-                          </a:stretch>
-                        </a:blipFill>
-                      </a:tcPr>
-                    </a:tc>
-                    <a:tc>
-                      <a:txBody>
-                        <a:bodyPr/>
-                        <a:lstStyle/>
-                        <a:p>
-                          <a:endParaRPr lang="en-US"/>
-                        </a:p>
-                      </a:txBody>
-                      <a:tcPr>
-                        <a:blipFill>
-                          <a:blip r:embed="rId3"/>
-                          <a:stretch>
-                            <a:fillRect l="-159963" t="-188554" r="-366" b="-10843"/>
-                          </a:stretch>
-                        </a:blipFill>
-                      </a:tcPr>
-                    </a:tc>
-                    <a:extLst>
-                      <a:ext uri="{0D108BD9-81ED-4DB2-BD59-A6C34878D82A}">
-                        <a16:rowId xmlns:a16="http://schemas.microsoft.com/office/drawing/2014/main" val="2167767968"/>
-                      </a:ext>
-                    </a:extLst>
-                  </a:tr>
-                </a:tbl>
-              </a:graphicData>
-            </a:graphic>
-          </p:graphicFrame>
-        </mc:Fallback>
-      </mc:AlternateContent>
+      <p:pic>
+        <p:nvPicPr>
+          <p:cNvPr id="3" name="Picture 2">
+            <a:extLst>
+              <a:ext uri="{FF2B5EF4-FFF2-40B4-BE49-F238E27FC236}">
+                <a16:creationId xmlns:a16="http://schemas.microsoft.com/office/drawing/2014/main" id="{41586A0A-1E69-46C3-B1CE-A1CFA8451BF8}"/>
+              </a:ext>
+            </a:extLst>
+          </p:cNvPr>
+          <p:cNvPicPr>
+            <a:picLocks noChangeAspect="1"/>
+          </p:cNvPicPr>
+          <p:nvPr/>
+        </p:nvPicPr>
+        <p:blipFill>
+          <a:blip r:embed="rId2"/>
+          <a:stretch>
+            <a:fillRect/>
+          </a:stretch>
+        </p:blipFill>
+        <p:spPr>
+          <a:xfrm>
+            <a:off x="0" y="851827"/>
+            <a:ext cx="9144000" cy="1632857"/>
+          </a:xfrm>
+          <a:prstGeom prst="rect">
+            <a:avLst/>
+          </a:prstGeom>
+        </p:spPr>
+      </p:pic>
+      <p:sp>
+        <p:nvSpPr>
+          <p:cNvPr id="10" name="Rectangle">
+            <a:extLst>
+              <a:ext uri="{FF2B5EF4-FFF2-40B4-BE49-F238E27FC236}">
+                <a16:creationId xmlns:a16="http://schemas.microsoft.com/office/drawing/2014/main" id="{4D10C7D5-6074-4041-AB5A-98A751EB5261}"/>
+              </a:ext>
+            </a:extLst>
+          </p:cNvPr>
+          <p:cNvSpPr/>
+          <p:nvPr/>
+        </p:nvSpPr>
+        <p:spPr>
+          <a:xfrm>
+            <a:off x="867524" y="901224"/>
+            <a:ext cx="6695921" cy="1553915"/>
+          </a:xfrm>
+          <a:prstGeom prst="rect">
+            <a:avLst/>
+          </a:prstGeom>
+          <a:solidFill>
+            <a:srgbClr val="FFFFFF"/>
+          </a:solidFill>
+          <a:ln w="12700">
+            <a:miter lim="400000"/>
+          </a:ln>
+        </p:spPr>
+        <p:txBody>
+          <a:bodyPr lIns="45719" rIns="45719" anchor="ctr"/>
+          <a:lstStyle/>
+          <a:p>
+            <a:endParaRPr/>
+          </a:p>
+        </p:txBody>
+      </p:sp>
+      <p:sp>
+        <p:nvSpPr>
+          <p:cNvPr id="11" name="Rectangle">
+            <a:extLst>
+              <a:ext uri="{FF2B5EF4-FFF2-40B4-BE49-F238E27FC236}">
+                <a16:creationId xmlns:a16="http://schemas.microsoft.com/office/drawing/2014/main" id="{6424515A-7010-42B8-807E-C5AB4822BA5E}"/>
+              </a:ext>
+            </a:extLst>
+          </p:cNvPr>
+          <p:cNvSpPr/>
+          <p:nvPr/>
+        </p:nvSpPr>
+        <p:spPr>
+          <a:xfrm>
+            <a:off x="8639663" y="891297"/>
+            <a:ext cx="504338" cy="1553915"/>
+          </a:xfrm>
+          <a:prstGeom prst="rect">
+            <a:avLst/>
+          </a:prstGeom>
+          <a:solidFill>
+            <a:srgbClr val="FFFFFF"/>
+          </a:solidFill>
+          <a:ln w="12700">
+            <a:miter lim="400000"/>
+          </a:ln>
+        </p:spPr>
+        <p:txBody>
+          <a:bodyPr lIns="45719" rIns="45719" anchor="ctr"/>
+          <a:lstStyle/>
+          <a:p>
+            <a:endParaRPr/>
+          </a:p>
+        </p:txBody>
+      </p:sp>
+      <p:pic>
+        <p:nvPicPr>
+          <p:cNvPr id="5" name="Picture 4">
+            <a:extLst>
+              <a:ext uri="{FF2B5EF4-FFF2-40B4-BE49-F238E27FC236}">
+                <a16:creationId xmlns:a16="http://schemas.microsoft.com/office/drawing/2014/main" id="{75CD213C-5567-4586-AEAD-1AC80092FC8B}"/>
+              </a:ext>
+            </a:extLst>
+          </p:cNvPr>
+          <p:cNvPicPr>
+            <a:picLocks noChangeAspect="1"/>
+          </p:cNvPicPr>
+          <p:nvPr/>
+        </p:nvPicPr>
+        <p:blipFill>
+          <a:blip r:embed="rId3"/>
+          <a:stretch>
+            <a:fillRect/>
+          </a:stretch>
+        </p:blipFill>
+        <p:spPr>
+          <a:xfrm>
+            <a:off x="1304925" y="2753773"/>
+            <a:ext cx="6534150" cy="2038350"/>
+          </a:xfrm>
+          <a:prstGeom prst="rect">
+            <a:avLst/>
+          </a:prstGeom>
+        </p:spPr>
+      </p:pic>
     </p:spTree>
   </p:cSld>
   <p:clrMapOvr>
@@ -9705,7 +9062,7 @@
           </a:ln>
           <a:extLst>
             <a:ext uri="{C572A759-6A51-4108-AA02-DFA0A04FC94B}">
-              <ma14:wrappingTextBoxFlag xmlns:ma14="http://schemas.microsoft.com/office/mac/drawingml/2011/main" xmlns="" val="1"/>
+              <ma14:wrappingTextBoxFlag xmlns="" xmlns:ma14="http://schemas.microsoft.com/office/mac/drawingml/2011/main" val="1"/>
             </a:ext>
           </a:extLst>
         </p:spPr>
@@ -9766,7 +9123,7 @@
           </a:ln>
           <a:extLst>
             <a:ext uri="{C572A759-6A51-4108-AA02-DFA0A04FC94B}">
-              <ma14:wrappingTextBoxFlag xmlns:ma14="http://schemas.microsoft.com/office/mac/drawingml/2011/main" xmlns="" val="1"/>
+              <ma14:wrappingTextBoxFlag xmlns="" xmlns:ma14="http://schemas.microsoft.com/office/mac/drawingml/2011/main" val="1"/>
             </a:ext>
           </a:extLst>
         </p:spPr>
@@ -9827,7 +9184,7 @@
           </a:ln>
           <a:extLst>
             <a:ext uri="{C572A759-6A51-4108-AA02-DFA0A04FC94B}">
-              <ma14:wrappingTextBoxFlag xmlns:ma14="http://schemas.microsoft.com/office/mac/drawingml/2011/main" xmlns="" val="1"/>
+              <ma14:wrappingTextBoxFlag xmlns="" xmlns:ma14="http://schemas.microsoft.com/office/mac/drawingml/2011/main" val="1"/>
             </a:ext>
           </a:extLst>
         </p:spPr>
@@ -9868,7 +9225,7 @@
               </a:ln>
               <a:extLst>
                 <a:ext uri="{C572A759-6A51-4108-AA02-DFA0A04FC94B}">
-                  <ma14:wrappingTextBoxFlag xmlns:ma14="http://schemas.microsoft.com/office/mac/drawingml/2011/main" xmlns="" val="1"/>
+                  <ma14:wrappingTextBoxFlag xmlns="" xmlns:ma14="http://schemas.microsoft.com/office/mac/drawingml/2011/main" val="1"/>
                 </a:ext>
               </a:extLst>
             </p:spPr>
@@ -10261,36 +9618,6 @@
           <a:chExt cx="0" cy="0"/>
         </a:xfrm>
       </p:grpSpPr>
-      <p:pic>
-        <p:nvPicPr>
-          <p:cNvPr id="9" name="Picture 8">
-            <a:extLst>
-              <a:ext uri="{FF2B5EF4-FFF2-40B4-BE49-F238E27FC236}">
-                <a16:creationId xmlns:a16="http://schemas.microsoft.com/office/drawing/2014/main" id="{7FAACFBB-71B0-4257-B71B-EF006336C7AB}"/>
-              </a:ext>
-            </a:extLst>
-          </p:cNvPr>
-          <p:cNvPicPr>
-            <a:picLocks noChangeAspect="1"/>
-          </p:cNvPicPr>
-          <p:nvPr/>
-        </p:nvPicPr>
-        <p:blipFill>
-          <a:blip r:embed="rId2"/>
-          <a:stretch>
-            <a:fillRect/>
-          </a:stretch>
-        </p:blipFill>
-        <p:spPr>
-          <a:xfrm>
-            <a:off x="0" y="949292"/>
-            <a:ext cx="9144000" cy="1579337"/>
-          </a:xfrm>
-          <a:prstGeom prst="rect">
-            <a:avLst/>
-          </a:prstGeom>
-        </p:spPr>
-      </p:pic>
       <p:sp>
         <p:nvSpPr>
           <p:cNvPr id="254" name="Shape 154"/>
@@ -10310,7 +9637,7 @@
           </a:ln>
           <a:extLst>
             <a:ext uri="{C572A759-6A51-4108-AA02-DFA0A04FC94B}">
-              <ma14:wrappingTextBoxFlag xmlns:ma14="http://schemas.microsoft.com/office/mac/drawingml/2011/main" xmlns="" val="1"/>
+              <ma14:wrappingTextBoxFlag xmlns="" xmlns:ma14="http://schemas.microsoft.com/office/mac/drawingml/2011/main" val="1"/>
             </a:ext>
           </a:extLst>
         </p:spPr>
@@ -10371,7 +9698,7 @@
           </a:ln>
           <a:extLst>
             <a:ext uri="{C572A759-6A51-4108-AA02-DFA0A04FC94B}">
-              <ma14:wrappingTextBoxFlag xmlns:ma14="http://schemas.microsoft.com/office/mac/drawingml/2011/main" xmlns="" val="1"/>
+              <ma14:wrappingTextBoxFlag xmlns="" xmlns:ma14="http://schemas.microsoft.com/office/mac/drawingml/2011/main" val="1"/>
             </a:ext>
           </a:extLst>
         </p:spPr>
@@ -10432,7 +9759,7 @@
           </a:ln>
           <a:extLst>
             <a:ext uri="{C572A759-6A51-4108-AA02-DFA0A04FC94B}">
-              <ma14:wrappingTextBoxFlag xmlns:ma14="http://schemas.microsoft.com/office/mac/drawingml/2011/main" xmlns="" val="1"/>
+              <ma14:wrappingTextBoxFlag xmlns="" xmlns:ma14="http://schemas.microsoft.com/office/mac/drawingml/2011/main" val="1"/>
             </a:ext>
           </a:extLst>
         </p:spPr>
@@ -11120,6 +10447,106 @@
           </p:sp>
         </mc:Fallback>
       </mc:AlternateContent>
+      <p:pic>
+        <p:nvPicPr>
+          <p:cNvPr id="8" name="Picture 7">
+            <a:extLst>
+              <a:ext uri="{FF2B5EF4-FFF2-40B4-BE49-F238E27FC236}">
+                <a16:creationId xmlns:a16="http://schemas.microsoft.com/office/drawing/2014/main" id="{4A8F1DEF-CC4F-417B-BA75-D5C464469210}"/>
+              </a:ext>
+            </a:extLst>
+          </p:cNvPr>
+          <p:cNvPicPr>
+            <a:picLocks noChangeAspect="1"/>
+          </p:cNvPicPr>
+          <p:nvPr/>
+        </p:nvPicPr>
+        <p:blipFill>
+          <a:blip r:embed="rId4"/>
+          <a:stretch>
+            <a:fillRect/>
+          </a:stretch>
+        </p:blipFill>
+        <p:spPr>
+          <a:xfrm>
+            <a:off x="0" y="851827"/>
+            <a:ext cx="9144000" cy="1632857"/>
+          </a:xfrm>
+          <a:prstGeom prst="rect">
+            <a:avLst/>
+          </a:prstGeom>
+        </p:spPr>
+      </p:pic>
+      <p:sp>
+        <p:nvSpPr>
+          <p:cNvPr id="10" name="Rectangle">
+            <a:extLst>
+              <a:ext uri="{FF2B5EF4-FFF2-40B4-BE49-F238E27FC236}">
+                <a16:creationId xmlns:a16="http://schemas.microsoft.com/office/drawing/2014/main" id="{E8519385-D166-4B89-962A-4F97491B2884}"/>
+              </a:ext>
+            </a:extLst>
+          </p:cNvPr>
+          <p:cNvSpPr/>
+          <p:nvPr/>
+        </p:nvSpPr>
+        <p:spPr>
+          <a:xfrm>
+            <a:off x="867525" y="888524"/>
+            <a:ext cx="3394082" cy="1553915"/>
+          </a:xfrm>
+          <a:prstGeom prst="rect">
+            <a:avLst/>
+          </a:prstGeom>
+          <a:solidFill>
+            <a:srgbClr val="FFFFFF"/>
+          </a:solidFill>
+          <a:ln w="12700">
+            <a:miter lim="400000"/>
+          </a:ln>
+        </p:spPr>
+        <p:txBody>
+          <a:bodyPr lIns="45719" rIns="45719" anchor="ctr"/>
+          <a:lstStyle/>
+          <a:p>
+            <a:endParaRPr/>
+          </a:p>
+        </p:txBody>
+      </p:sp>
+      <p:sp>
+        <p:nvSpPr>
+          <p:cNvPr id="11" name="Rectangle">
+            <a:extLst>
+              <a:ext uri="{FF2B5EF4-FFF2-40B4-BE49-F238E27FC236}">
+                <a16:creationId xmlns:a16="http://schemas.microsoft.com/office/drawing/2014/main" id="{B8703197-988F-4397-A50C-C81A16BB190A}"/>
+              </a:ext>
+            </a:extLst>
+          </p:cNvPr>
+          <p:cNvSpPr/>
+          <p:nvPr/>
+        </p:nvSpPr>
+        <p:spPr>
+          <a:xfrm>
+            <a:off x="7587258" y="888524"/>
+            <a:ext cx="1103737" cy="1553915"/>
+          </a:xfrm>
+          <a:prstGeom prst="rect">
+            <a:avLst/>
+          </a:prstGeom>
+          <a:solidFill>
+            <a:srgbClr val="FFFFFF"/>
+          </a:solidFill>
+          <a:ln w="12700">
+            <a:miter lim="400000"/>
+          </a:ln>
+        </p:spPr>
+        <p:txBody>
+          <a:bodyPr lIns="45719" rIns="45719" anchor="ctr"/>
+          <a:lstStyle/>
+          <a:p>
+            <a:endParaRPr/>
+          </a:p>
+        </p:txBody>
+      </p:sp>
     </p:spTree>
   </p:cSld>
   <p:clrMapOvr>
@@ -11165,7 +10592,7 @@
           </a:ln>
           <a:extLst>
             <a:ext uri="{C572A759-6A51-4108-AA02-DFA0A04FC94B}">
-              <ma14:wrappingTextBoxFlag xmlns:ma14="http://schemas.microsoft.com/office/mac/drawingml/2011/main" xmlns="" val="1"/>
+              <ma14:wrappingTextBoxFlag xmlns="" xmlns:ma14="http://schemas.microsoft.com/office/mac/drawingml/2011/main" val="1"/>
             </a:ext>
           </a:extLst>
         </p:spPr>
@@ -11226,7 +10653,7 @@
           </a:ln>
           <a:extLst>
             <a:ext uri="{C572A759-6A51-4108-AA02-DFA0A04FC94B}">
-              <ma14:wrappingTextBoxFlag xmlns:ma14="http://schemas.microsoft.com/office/mac/drawingml/2011/main" xmlns="" val="1"/>
+              <ma14:wrappingTextBoxFlag xmlns="" xmlns:ma14="http://schemas.microsoft.com/office/mac/drawingml/2011/main" val="1"/>
             </a:ext>
           </a:extLst>
         </p:spPr>
@@ -11287,7 +10714,7 @@
           </a:ln>
           <a:extLst>
             <a:ext uri="{C572A759-6A51-4108-AA02-DFA0A04FC94B}">
-              <ma14:wrappingTextBoxFlag xmlns:ma14="http://schemas.microsoft.com/office/mac/drawingml/2011/main" xmlns="" val="1"/>
+              <ma14:wrappingTextBoxFlag xmlns="" xmlns:ma14="http://schemas.microsoft.com/office/mac/drawingml/2011/main" val="1"/>
             </a:ext>
           </a:extLst>
         </p:spPr>
@@ -11326,7 +10753,7 @@
           </a:ln>
           <a:extLst>
             <a:ext uri="{C572A759-6A51-4108-AA02-DFA0A04FC94B}">
-              <ma14:wrappingTextBoxFlag xmlns:ma14="http://schemas.microsoft.com/office/mac/drawingml/2011/main" xmlns="" val="1"/>
+              <ma14:wrappingTextBoxFlag xmlns="" xmlns:ma14="http://schemas.microsoft.com/office/mac/drawingml/2011/main" val="1"/>
             </a:ext>
           </a:extLst>
         </p:spPr>
@@ -11602,7 +11029,7 @@
           </a:ln>
           <a:extLst>
             <a:ext uri="{C572A759-6A51-4108-AA02-DFA0A04FC94B}">
-              <ma14:wrappingTextBoxFlag xmlns:ma14="http://schemas.microsoft.com/office/mac/drawingml/2011/main" xmlns="" val="1"/>
+              <ma14:wrappingTextBoxFlag xmlns="" xmlns:ma14="http://schemas.microsoft.com/office/mac/drawingml/2011/main" val="1"/>
             </a:ext>
           </a:extLst>
         </p:spPr>
@@ -11663,7 +11090,7 @@
           </a:ln>
           <a:extLst>
             <a:ext uri="{C572A759-6A51-4108-AA02-DFA0A04FC94B}">
-              <ma14:wrappingTextBoxFlag xmlns:ma14="http://schemas.microsoft.com/office/mac/drawingml/2011/main" xmlns="" val="1"/>
+              <ma14:wrappingTextBoxFlag xmlns="" xmlns:ma14="http://schemas.microsoft.com/office/mac/drawingml/2011/main" val="1"/>
             </a:ext>
           </a:extLst>
         </p:spPr>
@@ -11724,7 +11151,7 @@
           </a:ln>
           <a:extLst>
             <a:ext uri="{C572A759-6A51-4108-AA02-DFA0A04FC94B}">
-              <ma14:wrappingTextBoxFlag xmlns:ma14="http://schemas.microsoft.com/office/mac/drawingml/2011/main" xmlns="" val="1"/>
+              <ma14:wrappingTextBoxFlag xmlns="" xmlns:ma14="http://schemas.microsoft.com/office/mac/drawingml/2011/main" val="1"/>
             </a:ext>
           </a:extLst>
         </p:spPr>
@@ -11763,7 +11190,7 @@
           </a:ln>
           <a:extLst>
             <a:ext uri="{C572A759-6A51-4108-AA02-DFA0A04FC94B}">
-              <ma14:wrappingTextBoxFlag xmlns:ma14="http://schemas.microsoft.com/office/mac/drawingml/2011/main" xmlns="" val="1"/>
+              <ma14:wrappingTextBoxFlag xmlns="" xmlns:ma14="http://schemas.microsoft.com/office/mac/drawingml/2011/main" val="1"/>
             </a:ext>
           </a:extLst>
         </p:spPr>
@@ -11802,7 +11229,7 @@
           </a:ln>
           <a:extLst>
             <a:ext uri="{C572A759-6A51-4108-AA02-DFA0A04FC94B}">
-              <ma14:wrappingTextBoxFlag xmlns:ma14="http://schemas.microsoft.com/office/mac/drawingml/2011/main" xmlns="" val="1"/>
+              <ma14:wrappingTextBoxFlag xmlns="" xmlns:ma14="http://schemas.microsoft.com/office/mac/drawingml/2011/main" val="1"/>
             </a:ext>
           </a:extLst>
         </p:spPr>
@@ -11893,7 +11320,7 @@
           </a:ln>
           <a:extLst>
             <a:ext uri="{C572A759-6A51-4108-AA02-DFA0A04FC94B}">
-              <ma14:wrappingTextBoxFlag xmlns:ma14="http://schemas.microsoft.com/office/mac/drawingml/2011/main" xmlns="" val="1"/>
+              <ma14:wrappingTextBoxFlag xmlns="" xmlns:ma14="http://schemas.microsoft.com/office/mac/drawingml/2011/main" val="1"/>
             </a:ext>
           </a:extLst>
         </p:spPr>
@@ -11954,7 +11381,7 @@
           </a:ln>
           <a:extLst>
             <a:ext uri="{C572A759-6A51-4108-AA02-DFA0A04FC94B}">
-              <ma14:wrappingTextBoxFlag xmlns:ma14="http://schemas.microsoft.com/office/mac/drawingml/2011/main" xmlns="" val="1"/>
+              <ma14:wrappingTextBoxFlag xmlns="" xmlns:ma14="http://schemas.microsoft.com/office/mac/drawingml/2011/main" val="1"/>
             </a:ext>
           </a:extLst>
         </p:spPr>
@@ -12015,7 +11442,7 @@
           </a:ln>
           <a:extLst>
             <a:ext uri="{C572A759-6A51-4108-AA02-DFA0A04FC94B}">
-              <ma14:wrappingTextBoxFlag xmlns:ma14="http://schemas.microsoft.com/office/mac/drawingml/2011/main" xmlns="" val="1"/>
+              <ma14:wrappingTextBoxFlag xmlns="" xmlns:ma14="http://schemas.microsoft.com/office/mac/drawingml/2011/main" val="1"/>
             </a:ext>
           </a:extLst>
         </p:spPr>
@@ -12054,7 +11481,7 @@
           </a:ln>
           <a:extLst>
             <a:ext uri="{C572A759-6A51-4108-AA02-DFA0A04FC94B}">
-              <ma14:wrappingTextBoxFlag xmlns:ma14="http://schemas.microsoft.com/office/mac/drawingml/2011/main" xmlns="" val="1"/>
+              <ma14:wrappingTextBoxFlag xmlns="" xmlns:ma14="http://schemas.microsoft.com/office/mac/drawingml/2011/main" val="1"/>
             </a:ext>
           </a:extLst>
         </p:spPr>
@@ -12516,7 +11943,7 @@
           </a:ln>
           <a:extLst>
             <a:ext uri="{C572A759-6A51-4108-AA02-DFA0A04FC94B}">
-              <ma14:wrappingTextBoxFlag xmlns:ma14="http://schemas.microsoft.com/office/mac/drawingml/2011/main" xmlns="" val="1"/>
+              <ma14:wrappingTextBoxFlag xmlns="" xmlns:ma14="http://schemas.microsoft.com/office/mac/drawingml/2011/main" val="1"/>
             </a:ext>
           </a:extLst>
         </p:spPr>
@@ -12577,7 +12004,7 @@
           </a:ln>
           <a:extLst>
             <a:ext uri="{C572A759-6A51-4108-AA02-DFA0A04FC94B}">
-              <ma14:wrappingTextBoxFlag xmlns:ma14="http://schemas.microsoft.com/office/mac/drawingml/2011/main" xmlns="" val="1"/>
+              <ma14:wrappingTextBoxFlag xmlns="" xmlns:ma14="http://schemas.microsoft.com/office/mac/drawingml/2011/main" val="1"/>
             </a:ext>
           </a:extLst>
         </p:spPr>
@@ -12638,7 +12065,7 @@
           </a:ln>
           <a:extLst>
             <a:ext uri="{C572A759-6A51-4108-AA02-DFA0A04FC94B}">
-              <ma14:wrappingTextBoxFlag xmlns:ma14="http://schemas.microsoft.com/office/mac/drawingml/2011/main" xmlns="" val="1"/>
+              <ma14:wrappingTextBoxFlag xmlns="" xmlns:ma14="http://schemas.microsoft.com/office/mac/drawingml/2011/main" val="1"/>
             </a:ext>
           </a:extLst>
         </p:spPr>
@@ -12720,7 +12147,7 @@
           </a:ln>
           <a:extLst>
             <a:ext uri="{C572A759-6A51-4108-AA02-DFA0A04FC94B}">
-              <ma14:wrappingTextBoxFlag xmlns:ma14="http://schemas.microsoft.com/office/mac/drawingml/2011/main" xmlns="" val="1"/>
+              <ma14:wrappingTextBoxFlag xmlns="" xmlns:ma14="http://schemas.microsoft.com/office/mac/drawingml/2011/main" val="1"/>
             </a:ext>
           </a:extLst>
         </p:spPr>
@@ -12759,7 +12186,7 @@
           </a:ln>
           <a:extLst>
             <a:ext uri="{C572A759-6A51-4108-AA02-DFA0A04FC94B}">
-              <ma14:wrappingTextBoxFlag xmlns:ma14="http://schemas.microsoft.com/office/mac/drawingml/2011/main" xmlns="" val="1"/>
+              <ma14:wrappingTextBoxFlag xmlns="" xmlns:ma14="http://schemas.microsoft.com/office/mac/drawingml/2011/main" val="1"/>
             </a:ext>
           </a:extLst>
         </p:spPr>
@@ -12798,7 +12225,7 @@
           </a:ln>
           <a:extLst>
             <a:ext uri="{C572A759-6A51-4108-AA02-DFA0A04FC94B}">
-              <ma14:wrappingTextBoxFlag xmlns:ma14="http://schemas.microsoft.com/office/mac/drawingml/2011/main" xmlns="" val="1"/>
+              <ma14:wrappingTextBoxFlag xmlns="" xmlns:ma14="http://schemas.microsoft.com/office/mac/drawingml/2011/main" val="1"/>
             </a:ext>
           </a:extLst>
         </p:spPr>
@@ -12965,7 +12392,7 @@
           </a:ln>
           <a:extLst>
             <a:ext uri="{C572A759-6A51-4108-AA02-DFA0A04FC94B}">
-              <ma14:wrappingTextBoxFlag xmlns:ma14="http://schemas.microsoft.com/office/mac/drawingml/2011/main" xmlns="" val="1"/>
+              <ma14:wrappingTextBoxFlag xmlns="" xmlns:ma14="http://schemas.microsoft.com/office/mac/drawingml/2011/main" val="1"/>
             </a:ext>
           </a:extLst>
         </p:spPr>
@@ -13026,7 +12453,7 @@
           </a:ln>
           <a:extLst>
             <a:ext uri="{C572A759-6A51-4108-AA02-DFA0A04FC94B}">
-              <ma14:wrappingTextBoxFlag xmlns:ma14="http://schemas.microsoft.com/office/mac/drawingml/2011/main" xmlns="" val="1"/>
+              <ma14:wrappingTextBoxFlag xmlns="" xmlns:ma14="http://schemas.microsoft.com/office/mac/drawingml/2011/main" val="1"/>
             </a:ext>
           </a:extLst>
         </p:spPr>
@@ -13087,7 +12514,7 @@
           </a:ln>
           <a:extLst>
             <a:ext uri="{C572A759-6A51-4108-AA02-DFA0A04FC94B}">
-              <ma14:wrappingTextBoxFlag xmlns:ma14="http://schemas.microsoft.com/office/mac/drawingml/2011/main" xmlns="" val="1"/>
+              <ma14:wrappingTextBoxFlag xmlns="" xmlns:ma14="http://schemas.microsoft.com/office/mac/drawingml/2011/main" val="1"/>
             </a:ext>
           </a:extLst>
         </p:spPr>
@@ -13194,7 +12621,7 @@
           </a:ln>
           <a:extLst>
             <a:ext uri="{C572A759-6A51-4108-AA02-DFA0A04FC94B}">
-              <ma14:wrappingTextBoxFlag xmlns:ma14="http://schemas.microsoft.com/office/mac/drawingml/2011/main" xmlns="" val="1"/>
+              <ma14:wrappingTextBoxFlag xmlns="" xmlns:ma14="http://schemas.microsoft.com/office/mac/drawingml/2011/main" val="1"/>
             </a:ext>
           </a:extLst>
         </p:spPr>
@@ -13255,7 +12682,7 @@
           </a:ln>
           <a:extLst>
             <a:ext uri="{C572A759-6A51-4108-AA02-DFA0A04FC94B}">
-              <ma14:wrappingTextBoxFlag xmlns:ma14="http://schemas.microsoft.com/office/mac/drawingml/2011/main" xmlns="" val="1"/>
+              <ma14:wrappingTextBoxFlag xmlns="" xmlns:ma14="http://schemas.microsoft.com/office/mac/drawingml/2011/main" val="1"/>
             </a:ext>
           </a:extLst>
         </p:spPr>
@@ -13316,7 +12743,7 @@
           </a:ln>
           <a:extLst>
             <a:ext uri="{C572A759-6A51-4108-AA02-DFA0A04FC94B}">
-              <ma14:wrappingTextBoxFlag xmlns:ma14="http://schemas.microsoft.com/office/mac/drawingml/2011/main" xmlns="" val="1"/>
+              <ma14:wrappingTextBoxFlag xmlns="" xmlns:ma14="http://schemas.microsoft.com/office/mac/drawingml/2011/main" val="1"/>
             </a:ext>
           </a:extLst>
         </p:spPr>
@@ -13410,7 +12837,7 @@
           </a:ln>
           <a:extLst>
             <a:ext uri="{C572A759-6A51-4108-AA02-DFA0A04FC94B}">
-              <ma14:wrappingTextBoxFlag xmlns:ma14="http://schemas.microsoft.com/office/mac/drawingml/2011/main" xmlns="" val="1"/>
+              <ma14:wrappingTextBoxFlag xmlns="" xmlns:ma14="http://schemas.microsoft.com/office/mac/drawingml/2011/main" val="1"/>
             </a:ext>
           </a:extLst>
         </p:spPr>
@@ -13471,7 +12898,7 @@
           </a:ln>
           <a:extLst>
             <a:ext uri="{C572A759-6A51-4108-AA02-DFA0A04FC94B}">
-              <ma14:wrappingTextBoxFlag xmlns:ma14="http://schemas.microsoft.com/office/mac/drawingml/2011/main" xmlns="" val="1"/>
+              <ma14:wrappingTextBoxFlag xmlns="" xmlns:ma14="http://schemas.microsoft.com/office/mac/drawingml/2011/main" val="1"/>
             </a:ext>
           </a:extLst>
         </p:spPr>
@@ -13532,7 +12959,7 @@
           </a:ln>
           <a:extLst>
             <a:ext uri="{C572A759-6A51-4108-AA02-DFA0A04FC94B}">
-              <ma14:wrappingTextBoxFlag xmlns:ma14="http://schemas.microsoft.com/office/mac/drawingml/2011/main" xmlns="" val="1"/>
+              <ma14:wrappingTextBoxFlag xmlns="" xmlns:ma14="http://schemas.microsoft.com/office/mac/drawingml/2011/main" val="1"/>
             </a:ext>
           </a:extLst>
         </p:spPr>
@@ -13554,10 +12981,10 @@
       </p:sp>
       <p:pic>
         <p:nvPicPr>
-          <p:cNvPr id="2" name="Picture 1">
+          <p:cNvPr id="3" name="Picture 2">
             <a:extLst>
               <a:ext uri="{FF2B5EF4-FFF2-40B4-BE49-F238E27FC236}">
-                <a16:creationId xmlns:a16="http://schemas.microsoft.com/office/drawing/2014/main" id="{E73EE88A-C9C1-4C70-9A60-5635C9A2F08E}"/>
+                <a16:creationId xmlns:a16="http://schemas.microsoft.com/office/drawing/2014/main" id="{1905D9BF-511D-4703-B4E2-AB8A9493E01F}"/>
               </a:ext>
             </a:extLst>
           </p:cNvPr>
@@ -13574,8 +13001,8 @@
         </p:blipFill>
         <p:spPr>
           <a:xfrm>
-            <a:off x="1714710" y="2713981"/>
-            <a:ext cx="5714579" cy="1858019"/>
+            <a:off x="2202876" y="2379589"/>
+            <a:ext cx="4738247" cy="2098821"/>
           </a:xfrm>
           <a:prstGeom prst="rect">
             <a:avLst/>
@@ -13627,7 +13054,7 @@
           </a:ln>
           <a:extLst>
             <a:ext uri="{C572A759-6A51-4108-AA02-DFA0A04FC94B}">
-              <ma14:wrappingTextBoxFlag xmlns:ma14="http://schemas.microsoft.com/office/mac/drawingml/2011/main" xmlns="" val="1"/>
+              <ma14:wrappingTextBoxFlag xmlns="" xmlns:ma14="http://schemas.microsoft.com/office/mac/drawingml/2011/main" val="1"/>
             </a:ext>
           </a:extLst>
         </p:spPr>
@@ -13688,7 +13115,7 @@
           </a:ln>
           <a:extLst>
             <a:ext uri="{C572A759-6A51-4108-AA02-DFA0A04FC94B}">
-              <ma14:wrappingTextBoxFlag xmlns:ma14="http://schemas.microsoft.com/office/mac/drawingml/2011/main" xmlns="" val="1"/>
+              <ma14:wrappingTextBoxFlag xmlns="" xmlns:ma14="http://schemas.microsoft.com/office/mac/drawingml/2011/main" val="1"/>
             </a:ext>
           </a:extLst>
         </p:spPr>
@@ -13749,7 +13176,7 @@
           </a:ln>
           <a:extLst>
             <a:ext uri="{C572A759-6A51-4108-AA02-DFA0A04FC94B}">
-              <ma14:wrappingTextBoxFlag xmlns:ma14="http://schemas.microsoft.com/office/mac/drawingml/2011/main" xmlns="" val="1"/>
+              <ma14:wrappingTextBoxFlag xmlns="" xmlns:ma14="http://schemas.microsoft.com/office/mac/drawingml/2011/main" val="1"/>
             </a:ext>
           </a:extLst>
         </p:spPr>
@@ -13890,7 +13317,7 @@
           </a:ln>
           <a:extLst>
             <a:ext uri="{C572A759-6A51-4108-AA02-DFA0A04FC94B}">
-              <ma14:wrappingTextBoxFlag xmlns:ma14="http://schemas.microsoft.com/office/mac/drawingml/2011/main" xmlns="" val="1"/>
+              <ma14:wrappingTextBoxFlag xmlns="" xmlns:ma14="http://schemas.microsoft.com/office/mac/drawingml/2011/main" val="1"/>
             </a:ext>
           </a:extLst>
         </p:spPr>
@@ -13951,7 +13378,7 @@
           </a:ln>
           <a:extLst>
             <a:ext uri="{C572A759-6A51-4108-AA02-DFA0A04FC94B}">
-              <ma14:wrappingTextBoxFlag xmlns:ma14="http://schemas.microsoft.com/office/mac/drawingml/2011/main" xmlns="" val="1"/>
+              <ma14:wrappingTextBoxFlag xmlns="" xmlns:ma14="http://schemas.microsoft.com/office/mac/drawingml/2011/main" val="1"/>
             </a:ext>
           </a:extLst>
         </p:spPr>
@@ -14012,7 +13439,7 @@
           </a:ln>
           <a:extLst>
             <a:ext uri="{C572A759-6A51-4108-AA02-DFA0A04FC94B}">
-              <ma14:wrappingTextBoxFlag xmlns:ma14="http://schemas.microsoft.com/office/mac/drawingml/2011/main" xmlns="" val="1"/>
+              <ma14:wrappingTextBoxFlag xmlns="" xmlns:ma14="http://schemas.microsoft.com/office/mac/drawingml/2011/main" val="1"/>
             </a:ext>
           </a:extLst>
         </p:spPr>
@@ -14060,7 +13487,7 @@
               </a:ln>
               <a:extLst>
                 <a:ext uri="{C572A759-6A51-4108-AA02-DFA0A04FC94B}">
-                  <ma14:wrappingTextBoxFlag xmlns:ma14="http://schemas.microsoft.com/office/mac/drawingml/2011/main" xmlns="" val="1"/>
+                  <ma14:wrappingTextBoxFlag xmlns="" xmlns:ma14="http://schemas.microsoft.com/office/mac/drawingml/2011/main" val="1"/>
                 </a:ext>
               </a:extLst>
             </p:spPr>
@@ -14218,7 +13645,7 @@
           </a:ln>
           <a:extLst>
             <a:ext uri="{C572A759-6A51-4108-AA02-DFA0A04FC94B}">
-              <ma14:wrappingTextBoxFlag xmlns:ma14="http://schemas.microsoft.com/office/mac/drawingml/2011/main" xmlns="" val="1"/>
+              <ma14:wrappingTextBoxFlag xmlns="" xmlns:ma14="http://schemas.microsoft.com/office/mac/drawingml/2011/main" val="1"/>
             </a:ext>
           </a:extLst>
         </p:spPr>
@@ -14279,7 +13706,7 @@
           </a:ln>
           <a:extLst>
             <a:ext uri="{C572A759-6A51-4108-AA02-DFA0A04FC94B}">
-              <ma14:wrappingTextBoxFlag xmlns:ma14="http://schemas.microsoft.com/office/mac/drawingml/2011/main" xmlns="" val="1"/>
+              <ma14:wrappingTextBoxFlag xmlns="" xmlns:ma14="http://schemas.microsoft.com/office/mac/drawingml/2011/main" val="1"/>
             </a:ext>
           </a:extLst>
         </p:spPr>
@@ -14340,7 +13767,7 @@
           </a:ln>
           <a:extLst>
             <a:ext uri="{C572A759-6A51-4108-AA02-DFA0A04FC94B}">
-              <ma14:wrappingTextBoxFlag xmlns:ma14="http://schemas.microsoft.com/office/mac/drawingml/2011/main" xmlns="" val="1"/>
+              <ma14:wrappingTextBoxFlag xmlns="" xmlns:ma14="http://schemas.microsoft.com/office/mac/drawingml/2011/main" val="1"/>
             </a:ext>
           </a:extLst>
         </p:spPr>
@@ -14386,7 +13813,7 @@
           </a:ln>
           <a:extLst>
             <a:ext uri="{C572A759-6A51-4108-AA02-DFA0A04FC94B}">
-              <ma14:wrappingTextBoxFlag xmlns:ma14="http://schemas.microsoft.com/office/mac/drawingml/2011/main" xmlns="" val="1"/>
+              <ma14:wrappingTextBoxFlag xmlns="" xmlns:ma14="http://schemas.microsoft.com/office/mac/drawingml/2011/main" val="1"/>
             </a:ext>
           </a:extLst>
         </p:spPr>
@@ -14467,7 +13894,7 @@
               </a:ln>
               <a:extLst>
                 <a:ext uri="{C572A759-6A51-4108-AA02-DFA0A04FC94B}">
-                  <ma14:wrappingTextBoxFlag xmlns:ma14="http://schemas.microsoft.com/office/mac/drawingml/2011/main" xmlns="" val="1"/>
+                  <ma14:wrappingTextBoxFlag xmlns="" xmlns:ma14="http://schemas.microsoft.com/office/mac/drawingml/2011/main" val="1"/>
                 </a:ext>
               </a:extLst>
             </p:spPr>
@@ -14626,7 +14053,7 @@
           </a:ln>
           <a:extLst>
             <a:ext uri="{C572A759-6A51-4108-AA02-DFA0A04FC94B}">
-              <ma14:wrappingTextBoxFlag xmlns:ma14="http://schemas.microsoft.com/office/mac/drawingml/2011/main" xmlns="" val="1"/>
+              <ma14:wrappingTextBoxFlag xmlns="" xmlns:ma14="http://schemas.microsoft.com/office/mac/drawingml/2011/main" val="1"/>
             </a:ext>
           </a:extLst>
         </p:spPr>
@@ -14687,7 +14114,7 @@
           </a:ln>
           <a:extLst>
             <a:ext uri="{C572A759-6A51-4108-AA02-DFA0A04FC94B}">
-              <ma14:wrappingTextBoxFlag xmlns:ma14="http://schemas.microsoft.com/office/mac/drawingml/2011/main" xmlns="" val="1"/>
+              <ma14:wrappingTextBoxFlag xmlns="" xmlns:ma14="http://schemas.microsoft.com/office/mac/drawingml/2011/main" val="1"/>
             </a:ext>
           </a:extLst>
         </p:spPr>
@@ -14748,7 +14175,7 @@
           </a:ln>
           <a:extLst>
             <a:ext uri="{C572A759-6A51-4108-AA02-DFA0A04FC94B}">
-              <ma14:wrappingTextBoxFlag xmlns:ma14="http://schemas.microsoft.com/office/mac/drawingml/2011/main" xmlns="" val="1"/>
+              <ma14:wrappingTextBoxFlag xmlns="" xmlns:ma14="http://schemas.microsoft.com/office/mac/drawingml/2011/main" val="1"/>
             </a:ext>
           </a:extLst>
         </p:spPr>
@@ -14842,7 +14269,7 @@
           </a:ln>
           <a:extLst>
             <a:ext uri="{C572A759-6A51-4108-AA02-DFA0A04FC94B}">
-              <ma14:wrappingTextBoxFlag xmlns:ma14="http://schemas.microsoft.com/office/mac/drawingml/2011/main" xmlns="" val="1"/>
+              <ma14:wrappingTextBoxFlag xmlns="" xmlns:ma14="http://schemas.microsoft.com/office/mac/drawingml/2011/main" val="1"/>
             </a:ext>
           </a:extLst>
         </p:spPr>
@@ -14903,7 +14330,7 @@
           </a:ln>
           <a:extLst>
             <a:ext uri="{C572A759-6A51-4108-AA02-DFA0A04FC94B}">
-              <ma14:wrappingTextBoxFlag xmlns:ma14="http://schemas.microsoft.com/office/mac/drawingml/2011/main" xmlns="" val="1"/>
+              <ma14:wrappingTextBoxFlag xmlns="" xmlns:ma14="http://schemas.microsoft.com/office/mac/drawingml/2011/main" val="1"/>
             </a:ext>
           </a:extLst>
         </p:spPr>
@@ -14964,7 +14391,7 @@
           </a:ln>
           <a:extLst>
             <a:ext uri="{C572A759-6A51-4108-AA02-DFA0A04FC94B}">
-              <ma14:wrappingTextBoxFlag xmlns:ma14="http://schemas.microsoft.com/office/mac/drawingml/2011/main" xmlns="" val="1"/>
+              <ma14:wrappingTextBoxFlag xmlns="" xmlns:ma14="http://schemas.microsoft.com/office/mac/drawingml/2011/main" val="1"/>
             </a:ext>
           </a:extLst>
         </p:spPr>
@@ -15086,7 +14513,7 @@
             <a:effectLst/>
             <a:extLst>
               <a:ext uri="{C572A759-6A51-4108-AA02-DFA0A04FC94B}">
-                <ma14:wrappingTextBoxFlag xmlns:ma14="http://schemas.microsoft.com/office/mac/drawingml/2011/main" xmlns="" val="1"/>
+                <ma14:wrappingTextBoxFlag xmlns="" xmlns:ma14="http://schemas.microsoft.com/office/mac/drawingml/2011/main" val="1"/>
               </a:ext>
             </a:extLst>
           </p:spPr>
@@ -15151,7 +14578,7 @@
           </a:ln>
           <a:extLst>
             <a:ext uri="{C572A759-6A51-4108-AA02-DFA0A04FC94B}">
-              <ma14:wrappingTextBoxFlag xmlns:ma14="http://schemas.microsoft.com/office/mac/drawingml/2011/main" xmlns="" val="1"/>
+              <ma14:wrappingTextBoxFlag xmlns="" xmlns:ma14="http://schemas.microsoft.com/office/mac/drawingml/2011/main" val="1"/>
             </a:ext>
           </a:extLst>
         </p:spPr>
@@ -15216,7 +14643,7 @@
           </a:ln>
           <a:extLst>
             <a:ext uri="{C572A759-6A51-4108-AA02-DFA0A04FC94B}">
-              <ma14:wrappingTextBoxFlag xmlns:ma14="http://schemas.microsoft.com/office/mac/drawingml/2011/main" xmlns="" val="1"/>
+              <ma14:wrappingTextBoxFlag xmlns="" xmlns:ma14="http://schemas.microsoft.com/office/mac/drawingml/2011/main" val="1"/>
             </a:ext>
           </a:extLst>
         </p:spPr>
@@ -15277,7 +14704,7 @@
           </a:ln>
           <a:extLst>
             <a:ext uri="{C572A759-6A51-4108-AA02-DFA0A04FC94B}">
-              <ma14:wrappingTextBoxFlag xmlns:ma14="http://schemas.microsoft.com/office/mac/drawingml/2011/main" xmlns="" val="1"/>
+              <ma14:wrappingTextBoxFlag xmlns="" xmlns:ma14="http://schemas.microsoft.com/office/mac/drawingml/2011/main" val="1"/>
             </a:ext>
           </a:extLst>
         </p:spPr>
@@ -15338,7 +14765,7 @@
           </a:ln>
           <a:extLst>
             <a:ext uri="{C572A759-6A51-4108-AA02-DFA0A04FC94B}">
-              <ma14:wrappingTextBoxFlag xmlns:ma14="http://schemas.microsoft.com/office/mac/drawingml/2011/main" xmlns="" val="1"/>
+              <ma14:wrappingTextBoxFlag xmlns="" xmlns:ma14="http://schemas.microsoft.com/office/mac/drawingml/2011/main" val="1"/>
             </a:ext>
           </a:extLst>
         </p:spPr>
@@ -15435,7 +14862,7 @@
           </a:ln>
           <a:extLst>
             <a:ext uri="{C572A759-6A51-4108-AA02-DFA0A04FC94B}">
-              <ma14:wrappingTextBoxFlag xmlns:ma14="http://schemas.microsoft.com/office/mac/drawingml/2011/main" xmlns="" val="1"/>
+              <ma14:wrappingTextBoxFlag xmlns="" xmlns:ma14="http://schemas.microsoft.com/office/mac/drawingml/2011/main" val="1"/>
             </a:ext>
           </a:extLst>
         </p:spPr>
@@ -15496,7 +14923,7 @@
           </a:ln>
           <a:extLst>
             <a:ext uri="{C572A759-6A51-4108-AA02-DFA0A04FC94B}">
-              <ma14:wrappingTextBoxFlag xmlns:ma14="http://schemas.microsoft.com/office/mac/drawingml/2011/main" xmlns="" val="1"/>
+              <ma14:wrappingTextBoxFlag xmlns="" xmlns:ma14="http://schemas.microsoft.com/office/mac/drawingml/2011/main" val="1"/>
             </a:ext>
           </a:extLst>
         </p:spPr>
@@ -15557,7 +14984,7 @@
           </a:ln>
           <a:extLst>
             <a:ext uri="{C572A759-6A51-4108-AA02-DFA0A04FC94B}">
-              <ma14:wrappingTextBoxFlag xmlns:ma14="http://schemas.microsoft.com/office/mac/drawingml/2011/main" xmlns="" val="1"/>
+              <ma14:wrappingTextBoxFlag xmlns="" xmlns:ma14="http://schemas.microsoft.com/office/mac/drawingml/2011/main" val="1"/>
             </a:ext>
           </a:extLst>
         </p:spPr>
@@ -15618,7 +15045,7 @@
           </a:ln>
           <a:extLst>
             <a:ext uri="{C572A759-6A51-4108-AA02-DFA0A04FC94B}">
-              <ma14:wrappingTextBoxFlag xmlns:ma14="http://schemas.microsoft.com/office/mac/drawingml/2011/main" xmlns="" val="1"/>
+              <ma14:wrappingTextBoxFlag xmlns="" xmlns:ma14="http://schemas.microsoft.com/office/mac/drawingml/2011/main" val="1"/>
             </a:ext>
           </a:extLst>
         </p:spPr>
@@ -15657,7 +15084,7 @@
           </a:ln>
           <a:extLst>
             <a:ext uri="{C572A759-6A51-4108-AA02-DFA0A04FC94B}">
-              <ma14:wrappingTextBoxFlag xmlns:ma14="http://schemas.microsoft.com/office/mac/drawingml/2011/main" xmlns="" val="1"/>
+              <ma14:wrappingTextBoxFlag xmlns="" xmlns:ma14="http://schemas.microsoft.com/office/mac/drawingml/2011/main" val="1"/>
             </a:ext>
           </a:extLst>
         </p:spPr>
@@ -15780,7 +15207,7 @@
           </a:ln>
           <a:extLst>
             <a:ext uri="{C572A759-6A51-4108-AA02-DFA0A04FC94B}">
-              <ma14:wrappingTextBoxFlag xmlns:ma14="http://schemas.microsoft.com/office/mac/drawingml/2011/main" xmlns="" val="1"/>
+              <ma14:wrappingTextBoxFlag xmlns="" xmlns:ma14="http://schemas.microsoft.com/office/mac/drawingml/2011/main" val="1"/>
             </a:ext>
           </a:extLst>
         </p:spPr>
@@ -15841,7 +15268,7 @@
           </a:ln>
           <a:extLst>
             <a:ext uri="{C572A759-6A51-4108-AA02-DFA0A04FC94B}">
-              <ma14:wrappingTextBoxFlag xmlns:ma14="http://schemas.microsoft.com/office/mac/drawingml/2011/main" xmlns="" val="1"/>
+              <ma14:wrappingTextBoxFlag xmlns="" xmlns:ma14="http://schemas.microsoft.com/office/mac/drawingml/2011/main" val="1"/>
             </a:ext>
           </a:extLst>
         </p:spPr>
@@ -15902,7 +15329,7 @@
           </a:ln>
           <a:extLst>
             <a:ext uri="{C572A759-6A51-4108-AA02-DFA0A04FC94B}">
-              <ma14:wrappingTextBoxFlag xmlns:ma14="http://schemas.microsoft.com/office/mac/drawingml/2011/main" xmlns="" val="1"/>
+              <ma14:wrappingTextBoxFlag xmlns="" xmlns:ma14="http://schemas.microsoft.com/office/mac/drawingml/2011/main" val="1"/>
             </a:ext>
           </a:extLst>
         </p:spPr>
@@ -15941,7 +15368,7 @@
           </a:ln>
           <a:extLst>
             <a:ext uri="{C572A759-6A51-4108-AA02-DFA0A04FC94B}">
-              <ma14:wrappingTextBoxFlag xmlns:ma14="http://schemas.microsoft.com/office/mac/drawingml/2011/main" xmlns="" val="1"/>
+              <ma14:wrappingTextBoxFlag xmlns="" xmlns:ma14="http://schemas.microsoft.com/office/mac/drawingml/2011/main" val="1"/>
             </a:ext>
           </a:extLst>
         </p:spPr>
@@ -16064,7 +15491,7 @@
           </a:ln>
           <a:extLst>
             <a:ext uri="{C572A759-6A51-4108-AA02-DFA0A04FC94B}">
-              <ma14:wrappingTextBoxFlag xmlns:ma14="http://schemas.microsoft.com/office/mac/drawingml/2011/main" xmlns="" val="1"/>
+              <ma14:wrappingTextBoxFlag xmlns="" xmlns:ma14="http://schemas.microsoft.com/office/mac/drawingml/2011/main" val="1"/>
             </a:ext>
           </a:extLst>
         </p:spPr>
@@ -16125,7 +15552,7 @@
           </a:ln>
           <a:extLst>
             <a:ext uri="{C572A759-6A51-4108-AA02-DFA0A04FC94B}">
-              <ma14:wrappingTextBoxFlag xmlns:ma14="http://schemas.microsoft.com/office/mac/drawingml/2011/main" xmlns="" val="1"/>
+              <ma14:wrappingTextBoxFlag xmlns="" xmlns:ma14="http://schemas.microsoft.com/office/mac/drawingml/2011/main" val="1"/>
             </a:ext>
           </a:extLst>
         </p:spPr>
@@ -16186,7 +15613,7 @@
           </a:ln>
           <a:extLst>
             <a:ext uri="{C572A759-6A51-4108-AA02-DFA0A04FC94B}">
-              <ma14:wrappingTextBoxFlag xmlns:ma14="http://schemas.microsoft.com/office/mac/drawingml/2011/main" xmlns="" val="1"/>
+              <ma14:wrappingTextBoxFlag xmlns="" xmlns:ma14="http://schemas.microsoft.com/office/mac/drawingml/2011/main" val="1"/>
             </a:ext>
           </a:extLst>
         </p:spPr>
@@ -16225,7 +15652,7 @@
           </a:ln>
           <a:extLst>
             <a:ext uri="{C572A759-6A51-4108-AA02-DFA0A04FC94B}">
-              <ma14:wrappingTextBoxFlag xmlns:ma14="http://schemas.microsoft.com/office/mac/drawingml/2011/main" xmlns="" val="1"/>
+              <ma14:wrappingTextBoxFlag xmlns="" xmlns:ma14="http://schemas.microsoft.com/office/mac/drawingml/2011/main" val="1"/>
             </a:ext>
           </a:extLst>
         </p:spPr>
@@ -16348,7 +15775,7 @@
           </a:ln>
           <a:extLst>
             <a:ext uri="{C572A759-6A51-4108-AA02-DFA0A04FC94B}">
-              <ma14:wrappingTextBoxFlag xmlns:ma14="http://schemas.microsoft.com/office/mac/drawingml/2011/main" xmlns="" val="1"/>
+              <ma14:wrappingTextBoxFlag xmlns="" xmlns:ma14="http://schemas.microsoft.com/office/mac/drawingml/2011/main" val="1"/>
             </a:ext>
           </a:extLst>
         </p:spPr>
@@ -16409,7 +15836,7 @@
           </a:ln>
           <a:extLst>
             <a:ext uri="{C572A759-6A51-4108-AA02-DFA0A04FC94B}">
-              <ma14:wrappingTextBoxFlag xmlns:ma14="http://schemas.microsoft.com/office/mac/drawingml/2011/main" xmlns="" val="1"/>
+              <ma14:wrappingTextBoxFlag xmlns="" xmlns:ma14="http://schemas.microsoft.com/office/mac/drawingml/2011/main" val="1"/>
             </a:ext>
           </a:extLst>
         </p:spPr>
@@ -16470,7 +15897,7 @@
           </a:ln>
           <a:extLst>
             <a:ext uri="{C572A759-6A51-4108-AA02-DFA0A04FC94B}">
-              <ma14:wrappingTextBoxFlag xmlns:ma14="http://schemas.microsoft.com/office/mac/drawingml/2011/main" xmlns="" val="1"/>
+              <ma14:wrappingTextBoxFlag xmlns="" xmlns:ma14="http://schemas.microsoft.com/office/mac/drawingml/2011/main" val="1"/>
             </a:ext>
           </a:extLst>
         </p:spPr>
@@ -16492,60 +15919,32 @@
       </p:sp>
       <p:pic>
         <p:nvPicPr>
-          <p:cNvPr id="366" name="Picture 4" descr="Picture 4"/>
+          <p:cNvPr id="2" name="Picture 1">
+            <a:extLst>
+              <a:ext uri="{FF2B5EF4-FFF2-40B4-BE49-F238E27FC236}">
+                <a16:creationId xmlns:a16="http://schemas.microsoft.com/office/drawing/2014/main" id="{80DA26FA-4155-43BC-B462-9BB63C3D36FB}"/>
+              </a:ext>
+            </a:extLst>
+          </p:cNvPr>
           <p:cNvPicPr>
             <a:picLocks noChangeAspect="1"/>
           </p:cNvPicPr>
           <p:nvPr/>
         </p:nvPicPr>
         <p:blipFill>
-          <a:blip r:embed="rId2">
-            <a:extLst/>
-          </a:blip>
+          <a:blip r:embed="rId2"/>
           <a:stretch>
             <a:fillRect/>
           </a:stretch>
         </p:blipFill>
         <p:spPr>
           <a:xfrm>
-            <a:off x="1185909" y="4898847"/>
-            <a:ext cx="5177182" cy="1361771"/>
-          </a:xfrm>
-          <a:prstGeom prst="rect">
-            <a:avLst/>
-          </a:prstGeom>
-          <a:ln w="12700">
-            <a:miter lim="400000"/>
-          </a:ln>
-        </p:spPr>
-      </p:pic>
-      <p:pic>
-        <p:nvPicPr>
-          <p:cNvPr id="367" name="Picture 2" descr="Picture 2"/>
-          <p:cNvPicPr>
-            <a:picLocks noChangeAspect="1"/>
-          </p:cNvPicPr>
-          <p:nvPr/>
-        </p:nvPicPr>
-        <p:blipFill>
-          <a:blip r:embed="rId3">
-            <a:extLst/>
-          </a:blip>
-          <a:stretch>
-            <a:fillRect/>
-          </a:stretch>
-        </p:blipFill>
-        <p:spPr>
-          <a:xfrm>
-            <a:off x="996002" y="983809"/>
-            <a:ext cx="5771512" cy="3743345"/>
-          </a:xfrm>
-          <a:prstGeom prst="rect">
-            <a:avLst/>
-          </a:prstGeom>
-          <a:ln w="12700">
-            <a:miter lim="400000"/>
-          </a:ln>
+            <a:off x="1049287" y="921107"/>
+            <a:ext cx="5177181" cy="4794520"/>
+          </a:xfrm>
+          <a:prstGeom prst="rect">
+            <a:avLst/>
+          </a:prstGeom>
         </p:spPr>
       </p:pic>
     </p:spTree>
@@ -16593,7 +15992,7 @@
           </a:ln>
           <a:extLst>
             <a:ext uri="{C572A759-6A51-4108-AA02-DFA0A04FC94B}">
-              <ma14:wrappingTextBoxFlag xmlns:ma14="http://schemas.microsoft.com/office/mac/drawingml/2011/main" xmlns="" val="1"/>
+              <ma14:wrappingTextBoxFlag xmlns="" xmlns:ma14="http://schemas.microsoft.com/office/mac/drawingml/2011/main" val="1"/>
             </a:ext>
           </a:extLst>
         </p:spPr>
@@ -16654,7 +16053,7 @@
           </a:ln>
           <a:extLst>
             <a:ext uri="{C572A759-6A51-4108-AA02-DFA0A04FC94B}">
-              <ma14:wrappingTextBoxFlag xmlns:ma14="http://schemas.microsoft.com/office/mac/drawingml/2011/main" xmlns="" val="1"/>
+              <ma14:wrappingTextBoxFlag xmlns="" xmlns:ma14="http://schemas.microsoft.com/office/mac/drawingml/2011/main" val="1"/>
             </a:ext>
           </a:extLst>
         </p:spPr>
@@ -16715,7 +16114,7 @@
           </a:ln>
           <a:extLst>
             <a:ext uri="{C572A759-6A51-4108-AA02-DFA0A04FC94B}">
-              <ma14:wrappingTextBoxFlag xmlns:ma14="http://schemas.microsoft.com/office/mac/drawingml/2011/main" xmlns="" val="1"/>
+              <ma14:wrappingTextBoxFlag xmlns="" xmlns:ma14="http://schemas.microsoft.com/office/mac/drawingml/2011/main" val="1"/>
             </a:ext>
           </a:extLst>
         </p:spPr>
@@ -16753,7 +16152,7 @@
         </p:blipFill>
         <p:spPr>
           <a:xfrm>
-            <a:off x="886953" y="1187777"/>
+            <a:off x="886953" y="2412571"/>
             <a:ext cx="5822578" cy="1928175"/>
           </a:xfrm>
           <a:prstGeom prst="rect">
@@ -16782,8 +16181,43 @@
         </p:blipFill>
         <p:spPr>
           <a:xfrm>
-            <a:off x="711083" y="3240784"/>
+            <a:off x="711083" y="4264242"/>
             <a:ext cx="7410453" cy="2075934"/>
+          </a:xfrm>
+          <a:prstGeom prst="rect">
+            <a:avLst/>
+          </a:prstGeom>
+          <a:ln w="12700">
+            <a:miter lim="400000"/>
+          </a:ln>
+        </p:spPr>
+      </p:pic>
+      <p:pic>
+        <p:nvPicPr>
+          <p:cNvPr id="7" name="Picture 4" descr="Picture 4">
+            <a:extLst>
+              <a:ext uri="{FF2B5EF4-FFF2-40B4-BE49-F238E27FC236}">
+                <a16:creationId xmlns:a16="http://schemas.microsoft.com/office/drawing/2014/main" id="{F20EFF4F-FD17-439B-8B3F-CF200C5B020D}"/>
+              </a:ext>
+            </a:extLst>
+          </p:cNvPr>
+          <p:cNvPicPr>
+            <a:picLocks noChangeAspect="1"/>
+          </p:cNvPicPr>
+          <p:nvPr/>
+        </p:nvPicPr>
+        <p:blipFill>
+          <a:blip r:embed="rId4">
+            <a:extLst/>
+          </a:blip>
+          <a:stretch>
+            <a:fillRect/>
+          </a:stretch>
+        </p:blipFill>
+        <p:spPr>
+          <a:xfrm>
+            <a:off x="886953" y="1089800"/>
+            <a:ext cx="5177182" cy="1361771"/>
           </a:xfrm>
           <a:prstGeom prst="rect">
             <a:avLst/>
@@ -16838,7 +16272,7 @@
           </a:ln>
           <a:extLst>
             <a:ext uri="{C572A759-6A51-4108-AA02-DFA0A04FC94B}">
-              <ma14:wrappingTextBoxFlag xmlns:ma14="http://schemas.microsoft.com/office/mac/drawingml/2011/main" xmlns="" val="1"/>
+              <ma14:wrappingTextBoxFlag xmlns="" xmlns:ma14="http://schemas.microsoft.com/office/mac/drawingml/2011/main" val="1"/>
             </a:ext>
           </a:extLst>
         </p:spPr>
@@ -16899,7 +16333,7 @@
           </a:ln>
           <a:extLst>
             <a:ext uri="{C572A759-6A51-4108-AA02-DFA0A04FC94B}">
-              <ma14:wrappingTextBoxFlag xmlns:ma14="http://schemas.microsoft.com/office/mac/drawingml/2011/main" xmlns="" val="1"/>
+              <ma14:wrappingTextBoxFlag xmlns="" xmlns:ma14="http://schemas.microsoft.com/office/mac/drawingml/2011/main" val="1"/>
             </a:ext>
           </a:extLst>
         </p:spPr>
@@ -16990,7 +16424,7 @@
           </a:ln>
           <a:extLst>
             <a:ext uri="{C572A759-6A51-4108-AA02-DFA0A04FC94B}">
-              <ma14:wrappingTextBoxFlag xmlns:ma14="http://schemas.microsoft.com/office/mac/drawingml/2011/main" xmlns="" val="1"/>
+              <ma14:wrappingTextBoxFlag xmlns="" xmlns:ma14="http://schemas.microsoft.com/office/mac/drawingml/2011/main" val="1"/>
             </a:ext>
           </a:extLst>
         </p:spPr>
@@ -17249,7 +16683,7 @@
           </a:ln>
           <a:extLst>
             <a:ext uri="{C572A759-6A51-4108-AA02-DFA0A04FC94B}">
-              <ma14:wrappingTextBoxFlag xmlns:ma14="http://schemas.microsoft.com/office/mac/drawingml/2011/main" xmlns="" val="1"/>
+              <ma14:wrappingTextBoxFlag xmlns="" xmlns:ma14="http://schemas.microsoft.com/office/mac/drawingml/2011/main" val="1"/>
             </a:ext>
           </a:extLst>
         </p:spPr>
@@ -17312,7 +16746,7 @@
           </a:ln>
           <a:extLst>
             <a:ext uri="{C572A759-6A51-4108-AA02-DFA0A04FC94B}">
-              <ma14:wrappingTextBoxFlag xmlns:ma14="http://schemas.microsoft.com/office/mac/drawingml/2011/main" xmlns="" val="1"/>
+              <ma14:wrappingTextBoxFlag xmlns="" xmlns:ma14="http://schemas.microsoft.com/office/mac/drawingml/2011/main" val="1"/>
             </a:ext>
           </a:extLst>
         </p:spPr>
@@ -18261,7 +17695,7 @@
           </a:ln>
           <a:extLst>
             <a:ext uri="{C572A759-6A51-4108-AA02-DFA0A04FC94B}">
-              <ma14:wrappingTextBoxFlag xmlns:ma14="http://schemas.microsoft.com/office/mac/drawingml/2011/main" xmlns="" val="1"/>
+              <ma14:wrappingTextBoxFlag xmlns="" xmlns:ma14="http://schemas.microsoft.com/office/mac/drawingml/2011/main" val="1"/>
             </a:ext>
           </a:extLst>
         </p:spPr>
@@ -18322,7 +17756,7 @@
           </a:ln>
           <a:extLst>
             <a:ext uri="{C572A759-6A51-4108-AA02-DFA0A04FC94B}">
-              <ma14:wrappingTextBoxFlag xmlns:ma14="http://schemas.microsoft.com/office/mac/drawingml/2011/main" xmlns="" val="1"/>
+              <ma14:wrappingTextBoxFlag xmlns="" xmlns:ma14="http://schemas.microsoft.com/office/mac/drawingml/2011/main" val="1"/>
             </a:ext>
           </a:extLst>
         </p:spPr>
@@ -18383,7 +17817,7 @@
           </a:ln>
           <a:extLst>
             <a:ext uri="{C572A759-6A51-4108-AA02-DFA0A04FC94B}">
-              <ma14:wrappingTextBoxFlag xmlns:ma14="http://schemas.microsoft.com/office/mac/drawingml/2011/main" xmlns="" val="1"/>
+              <ma14:wrappingTextBoxFlag xmlns="" xmlns:ma14="http://schemas.microsoft.com/office/mac/drawingml/2011/main" val="1"/>
             </a:ext>
           </a:extLst>
         </p:spPr>
@@ -18476,7 +17910,7 @@
           </a:ln>
           <a:extLst>
             <a:ext uri="{C572A759-6A51-4108-AA02-DFA0A04FC94B}">
-              <ma14:wrappingTextBoxFlag xmlns:ma14="http://schemas.microsoft.com/office/mac/drawingml/2011/main" xmlns="" val="1"/>
+              <ma14:wrappingTextBoxFlag xmlns="" xmlns:ma14="http://schemas.microsoft.com/office/mac/drawingml/2011/main" val="1"/>
             </a:ext>
           </a:extLst>
         </p:spPr>
@@ -18553,7 +17987,7 @@
           </a:ln>
           <a:extLst>
             <a:ext uri="{C572A759-6A51-4108-AA02-DFA0A04FC94B}">
-              <ma14:wrappingTextBoxFlag xmlns:ma14="http://schemas.microsoft.com/office/mac/drawingml/2011/main" xmlns="" val="1"/>
+              <ma14:wrappingTextBoxFlag xmlns="" xmlns:ma14="http://schemas.microsoft.com/office/mac/drawingml/2011/main" val="1"/>
             </a:ext>
           </a:extLst>
         </p:spPr>
@@ -18620,7 +18054,7 @@
           </a:ln>
           <a:extLst>
             <a:ext uri="{C572A759-6A51-4108-AA02-DFA0A04FC94B}">
-              <ma14:wrappingTextBoxFlag xmlns:ma14="http://schemas.microsoft.com/office/mac/drawingml/2011/main" xmlns="" val="1"/>
+              <ma14:wrappingTextBoxFlag xmlns="" xmlns:ma14="http://schemas.microsoft.com/office/mac/drawingml/2011/main" val="1"/>
             </a:ext>
           </a:extLst>
         </p:spPr>
@@ -18681,7 +18115,7 @@
           </a:ln>
           <a:extLst>
             <a:ext uri="{C572A759-6A51-4108-AA02-DFA0A04FC94B}">
-              <ma14:wrappingTextBoxFlag xmlns:ma14="http://schemas.microsoft.com/office/mac/drawingml/2011/main" xmlns="" val="1"/>
+              <ma14:wrappingTextBoxFlag xmlns="" xmlns:ma14="http://schemas.microsoft.com/office/mac/drawingml/2011/main" val="1"/>
             </a:ext>
           </a:extLst>
         </p:spPr>
@@ -18884,7 +18318,7 @@
           </a:ln>
           <a:extLst>
             <a:ext uri="{C572A759-6A51-4108-AA02-DFA0A04FC94B}">
-              <ma14:wrappingTextBoxFlag xmlns:ma14="http://schemas.microsoft.com/office/mac/drawingml/2011/main" xmlns="" val="1"/>
+              <ma14:wrappingTextBoxFlag xmlns="" xmlns:ma14="http://schemas.microsoft.com/office/mac/drawingml/2011/main" val="1"/>
             </a:ext>
           </a:extLst>
         </p:spPr>
@@ -18951,7 +18385,7 @@
           </a:ln>
           <a:extLst>
             <a:ext uri="{C572A759-6A51-4108-AA02-DFA0A04FC94B}">
-              <ma14:wrappingTextBoxFlag xmlns:ma14="http://schemas.microsoft.com/office/mac/drawingml/2011/main" xmlns="" val="1"/>
+              <ma14:wrappingTextBoxFlag xmlns="" xmlns:ma14="http://schemas.microsoft.com/office/mac/drawingml/2011/main" val="1"/>
             </a:ext>
           </a:extLst>
         </p:spPr>
@@ -19012,7 +18446,7 @@
           </a:ln>
           <a:extLst>
             <a:ext uri="{C572A759-6A51-4108-AA02-DFA0A04FC94B}">
-              <ma14:wrappingTextBoxFlag xmlns:ma14="http://schemas.microsoft.com/office/mac/drawingml/2011/main" xmlns="" val="1"/>
+              <ma14:wrappingTextBoxFlag xmlns="" xmlns:ma14="http://schemas.microsoft.com/office/mac/drawingml/2011/main" val="1"/>
             </a:ext>
           </a:extLst>
         </p:spPr>
@@ -19077,7 +18511,7 @@
           </a:ln>
           <a:extLst>
             <a:ext uri="{C572A759-6A51-4108-AA02-DFA0A04FC94B}">
-              <ma14:wrappingTextBoxFlag xmlns:ma14="http://schemas.microsoft.com/office/mac/drawingml/2011/main" xmlns="" val="1"/>
+              <ma14:wrappingTextBoxFlag xmlns="" xmlns:ma14="http://schemas.microsoft.com/office/mac/drawingml/2011/main" val="1"/>
             </a:ext>
           </a:extLst>
         </p:spPr>
@@ -19138,7 +18572,7 @@
           </a:ln>
           <a:extLst>
             <a:ext uri="{C572A759-6A51-4108-AA02-DFA0A04FC94B}">
-              <ma14:wrappingTextBoxFlag xmlns:ma14="http://schemas.microsoft.com/office/mac/drawingml/2011/main" xmlns="" val="1"/>
+              <ma14:wrappingTextBoxFlag xmlns="" xmlns:ma14="http://schemas.microsoft.com/office/mac/drawingml/2011/main" val="1"/>
             </a:ext>
           </a:extLst>
         </p:spPr>
@@ -19199,7 +18633,7 @@
           </a:ln>
           <a:extLst>
             <a:ext uri="{C572A759-6A51-4108-AA02-DFA0A04FC94B}">
-              <ma14:wrappingTextBoxFlag xmlns:ma14="http://schemas.microsoft.com/office/mac/drawingml/2011/main" xmlns="" val="1"/>
+              <ma14:wrappingTextBoxFlag xmlns="" xmlns:ma14="http://schemas.microsoft.com/office/mac/drawingml/2011/main" val="1"/>
             </a:ext>
           </a:extLst>
         </p:spPr>
@@ -19518,7 +18952,7 @@
           </a:ln>
           <a:extLst>
             <a:ext uri="{C572A759-6A51-4108-AA02-DFA0A04FC94B}">
-              <ma14:wrappingTextBoxFlag xmlns:ma14="http://schemas.microsoft.com/office/mac/drawingml/2011/main" xmlns="" val="1"/>
+              <ma14:wrappingTextBoxFlag xmlns="" xmlns:ma14="http://schemas.microsoft.com/office/mac/drawingml/2011/main" val="1"/>
             </a:ext>
           </a:extLst>
         </p:spPr>
@@ -19579,7 +19013,7 @@
           </a:ln>
           <a:extLst>
             <a:ext uri="{C572A759-6A51-4108-AA02-DFA0A04FC94B}">
-              <ma14:wrappingTextBoxFlag xmlns:ma14="http://schemas.microsoft.com/office/mac/drawingml/2011/main" xmlns="" val="1"/>
+              <ma14:wrappingTextBoxFlag xmlns="" xmlns:ma14="http://schemas.microsoft.com/office/mac/drawingml/2011/main" val="1"/>
             </a:ext>
           </a:extLst>
         </p:spPr>
@@ -19640,7 +19074,7 @@
           </a:ln>
           <a:extLst>
             <a:ext uri="{C572A759-6A51-4108-AA02-DFA0A04FC94B}">
-              <ma14:wrappingTextBoxFlag xmlns:ma14="http://schemas.microsoft.com/office/mac/drawingml/2011/main" xmlns="" val="1"/>
+              <ma14:wrappingTextBoxFlag xmlns="" xmlns:ma14="http://schemas.microsoft.com/office/mac/drawingml/2011/main" val="1"/>
             </a:ext>
           </a:extLst>
         </p:spPr>
@@ -19712,7 +19146,7 @@
           </a:ln>
           <a:extLst>
             <a:ext uri="{C572A759-6A51-4108-AA02-DFA0A04FC94B}">
-              <ma14:wrappingTextBoxFlag xmlns:ma14="http://schemas.microsoft.com/office/mac/drawingml/2011/main" xmlns="" val="1"/>
+              <ma14:wrappingTextBoxFlag xmlns="" xmlns:ma14="http://schemas.microsoft.com/office/mac/drawingml/2011/main" val="1"/>
             </a:ext>
           </a:extLst>
         </p:spPr>
@@ -19806,7 +19240,7 @@
           </a:ln>
           <a:extLst>
             <a:ext uri="{C572A759-6A51-4108-AA02-DFA0A04FC94B}">
-              <ma14:wrappingTextBoxFlag xmlns:ma14="http://schemas.microsoft.com/office/mac/drawingml/2011/main" xmlns="" val="1"/>
+              <ma14:wrappingTextBoxFlag xmlns="" xmlns:ma14="http://schemas.microsoft.com/office/mac/drawingml/2011/main" val="1"/>
             </a:ext>
           </a:extLst>
         </p:spPr>
@@ -19867,7 +19301,7 @@
           </a:ln>
           <a:extLst>
             <a:ext uri="{C572A759-6A51-4108-AA02-DFA0A04FC94B}">
-              <ma14:wrappingTextBoxFlag xmlns:ma14="http://schemas.microsoft.com/office/mac/drawingml/2011/main" xmlns="" val="1"/>
+              <ma14:wrappingTextBoxFlag xmlns="" xmlns:ma14="http://schemas.microsoft.com/office/mac/drawingml/2011/main" val="1"/>
             </a:ext>
           </a:extLst>
         </p:spPr>
@@ -19928,7 +19362,7 @@
           </a:ln>
           <a:extLst>
             <a:ext uri="{C572A759-6A51-4108-AA02-DFA0A04FC94B}">
-              <ma14:wrappingTextBoxFlag xmlns:ma14="http://schemas.microsoft.com/office/mac/drawingml/2011/main" xmlns="" val="1"/>
+              <ma14:wrappingTextBoxFlag xmlns="" xmlns:ma14="http://schemas.microsoft.com/office/mac/drawingml/2011/main" val="1"/>
             </a:ext>
           </a:extLst>
         </p:spPr>
@@ -20207,7 +19641,7 @@
           </a:ln>
           <a:extLst>
             <a:ext uri="{C572A759-6A51-4108-AA02-DFA0A04FC94B}">
-              <ma14:wrappingTextBoxFlag xmlns:ma14="http://schemas.microsoft.com/office/mac/drawingml/2011/main" xmlns="" val="1"/>
+              <ma14:wrappingTextBoxFlag xmlns="" xmlns:ma14="http://schemas.microsoft.com/office/mac/drawingml/2011/main" val="1"/>
             </a:ext>
           </a:extLst>
         </p:spPr>
@@ -20268,7 +19702,7 @@
           </a:ln>
           <a:extLst>
             <a:ext uri="{C572A759-6A51-4108-AA02-DFA0A04FC94B}">
-              <ma14:wrappingTextBoxFlag xmlns:ma14="http://schemas.microsoft.com/office/mac/drawingml/2011/main" xmlns="" val="1"/>
+              <ma14:wrappingTextBoxFlag xmlns="" xmlns:ma14="http://schemas.microsoft.com/office/mac/drawingml/2011/main" val="1"/>
             </a:ext>
           </a:extLst>
         </p:spPr>
@@ -20329,7 +19763,7 @@
           </a:ln>
           <a:extLst>
             <a:ext uri="{C572A759-6A51-4108-AA02-DFA0A04FC94B}">
-              <ma14:wrappingTextBoxFlag xmlns:ma14="http://schemas.microsoft.com/office/mac/drawingml/2011/main" xmlns="" val="1"/>
+              <ma14:wrappingTextBoxFlag xmlns="" xmlns:ma14="http://schemas.microsoft.com/office/mac/drawingml/2011/main" val="1"/>
             </a:ext>
           </a:extLst>
         </p:spPr>
@@ -21010,7 +20444,7 @@
           </a:ln>
           <a:extLst>
             <a:ext uri="{C572A759-6A51-4108-AA02-DFA0A04FC94B}">
-              <ma14:wrappingTextBoxFlag xmlns:ma14="http://schemas.microsoft.com/office/mac/drawingml/2011/main" xmlns="" val="1"/>
+              <ma14:wrappingTextBoxFlag xmlns="" xmlns:ma14="http://schemas.microsoft.com/office/mac/drawingml/2011/main" val="1"/>
             </a:ext>
           </a:extLst>
         </p:spPr>
@@ -21071,7 +20505,7 @@
           </a:ln>
           <a:extLst>
             <a:ext uri="{C572A759-6A51-4108-AA02-DFA0A04FC94B}">
-              <ma14:wrappingTextBoxFlag xmlns:ma14="http://schemas.microsoft.com/office/mac/drawingml/2011/main" xmlns="" val="1"/>
+              <ma14:wrappingTextBoxFlag xmlns="" xmlns:ma14="http://schemas.microsoft.com/office/mac/drawingml/2011/main" val="1"/>
             </a:ext>
           </a:extLst>
         </p:spPr>
@@ -21132,7 +20566,7 @@
           </a:ln>
           <a:extLst>
             <a:ext uri="{C572A759-6A51-4108-AA02-DFA0A04FC94B}">
-              <ma14:wrappingTextBoxFlag xmlns:ma14="http://schemas.microsoft.com/office/mac/drawingml/2011/main" xmlns="" val="1"/>
+              <ma14:wrappingTextBoxFlag xmlns="" xmlns:ma14="http://schemas.microsoft.com/office/mac/drawingml/2011/main" val="1"/>
             </a:ext>
           </a:extLst>
         </p:spPr>
@@ -21221,7 +20655,7 @@
           </a:ln>
           <a:extLst>
             <a:ext uri="{C572A759-6A51-4108-AA02-DFA0A04FC94B}">
-              <ma14:wrappingTextBoxFlag xmlns:ma14="http://schemas.microsoft.com/office/mac/drawingml/2011/main" xmlns="" val="1"/>
+              <ma14:wrappingTextBoxFlag xmlns="" xmlns:ma14="http://schemas.microsoft.com/office/mac/drawingml/2011/main" val="1"/>
             </a:ext>
           </a:extLst>
         </p:spPr>
@@ -21284,7 +20718,7 @@
           </a:ln>
           <a:extLst>
             <a:ext uri="{C572A759-6A51-4108-AA02-DFA0A04FC94B}">
-              <ma14:wrappingTextBoxFlag xmlns:ma14="http://schemas.microsoft.com/office/mac/drawingml/2011/main" xmlns="" val="1"/>
+              <ma14:wrappingTextBoxFlag xmlns="" xmlns:ma14="http://schemas.microsoft.com/office/mac/drawingml/2011/main" val="1"/>
             </a:ext>
           </a:extLst>
         </p:spPr>
@@ -21735,7 +21169,7 @@
           </a:ln>
           <a:extLst>
             <a:ext uri="{C572A759-6A51-4108-AA02-DFA0A04FC94B}">
-              <ma14:wrappingTextBoxFlag xmlns:ma14="http://schemas.microsoft.com/office/mac/drawingml/2011/main" xmlns="" val="1"/>
+              <ma14:wrappingTextBoxFlag xmlns="" xmlns:ma14="http://schemas.microsoft.com/office/mac/drawingml/2011/main" val="1"/>
             </a:ext>
           </a:extLst>
         </p:spPr>
@@ -21796,7 +21230,7 @@
           </a:ln>
           <a:extLst>
             <a:ext uri="{C572A759-6A51-4108-AA02-DFA0A04FC94B}">
-              <ma14:wrappingTextBoxFlag xmlns:ma14="http://schemas.microsoft.com/office/mac/drawingml/2011/main" xmlns="" val="1"/>
+              <ma14:wrappingTextBoxFlag xmlns="" xmlns:ma14="http://schemas.microsoft.com/office/mac/drawingml/2011/main" val="1"/>
             </a:ext>
           </a:extLst>
         </p:spPr>
@@ -21917,7 +21351,7 @@
             <a:effectLst/>
             <a:extLst>
               <a:ext uri="{C572A759-6A51-4108-AA02-DFA0A04FC94B}">
-                <ma14:wrappingTextBoxFlag xmlns:ma14="http://schemas.microsoft.com/office/mac/drawingml/2011/main" xmlns="" val="1"/>
+                <ma14:wrappingTextBoxFlag xmlns="" xmlns:ma14="http://schemas.microsoft.com/office/mac/drawingml/2011/main" val="1"/>
               </a:ext>
             </a:extLst>
           </p:spPr>
@@ -22054,7 +21488,7 @@
               <a:effectLst/>
               <a:extLst>
                 <a:ext uri="{C572A759-6A51-4108-AA02-DFA0A04FC94B}">
-                  <ma14:wrappingTextBoxFlag xmlns:ma14="http://schemas.microsoft.com/office/mac/drawingml/2011/main" xmlns="" val="1"/>
+                  <ma14:wrappingTextBoxFlag xmlns="" xmlns:ma14="http://schemas.microsoft.com/office/mac/drawingml/2011/main" val="1"/>
                 </a:ext>
               </a:extLst>
             </p:spPr>
@@ -22108,7 +21542,7 @@
             <a:effectLst/>
             <a:extLst>
               <a:ext uri="{C572A759-6A51-4108-AA02-DFA0A04FC94B}">
-                <ma14:wrappingTextBoxFlag xmlns:ma14="http://schemas.microsoft.com/office/mac/drawingml/2011/main" xmlns="" val="1"/>
+                <ma14:wrappingTextBoxFlag xmlns="" xmlns:ma14="http://schemas.microsoft.com/office/mac/drawingml/2011/main" val="1"/>
               </a:ext>
             </a:extLst>
           </p:spPr>
@@ -22292,7 +21726,7 @@
               <a:effectLst/>
               <a:extLst>
                 <a:ext uri="{C572A759-6A51-4108-AA02-DFA0A04FC94B}">
-                  <ma14:wrappingTextBoxFlag xmlns:ma14="http://schemas.microsoft.com/office/mac/drawingml/2011/main" xmlns="" val="1"/>
+                  <ma14:wrappingTextBoxFlag xmlns="" xmlns:ma14="http://schemas.microsoft.com/office/mac/drawingml/2011/main" val="1"/>
                 </a:ext>
               </a:extLst>
             </p:spPr>
@@ -22335,7 +21769,7 @@
             <a:effectLst/>
             <a:extLst>
               <a:ext uri="{C572A759-6A51-4108-AA02-DFA0A04FC94B}">
-                <ma14:wrappingTextBoxFlag xmlns:ma14="http://schemas.microsoft.com/office/mac/drawingml/2011/main" xmlns="" val="1"/>
+                <ma14:wrappingTextBoxFlag xmlns="" xmlns:ma14="http://schemas.microsoft.com/office/mac/drawingml/2011/main" val="1"/>
               </a:ext>
             </a:extLst>
           </p:spPr>
@@ -22583,7 +22017,7 @@
           </a:solidFill>
           <a:extLst>
             <a:ext uri="{C572A759-6A51-4108-AA02-DFA0A04FC94B}">
-              <ma14:wrappingTextBoxFlag xmlns:ma14="http://schemas.microsoft.com/office/mac/drawingml/2011/main" xmlns="" val="1"/>
+              <ma14:wrappingTextBoxFlag xmlns="" xmlns:ma14="http://schemas.microsoft.com/office/mac/drawingml/2011/main" val="1"/>
             </a:ext>
           </a:extLst>
         </p:spPr>
@@ -22636,7 +22070,7 @@
           </a:ln>
           <a:extLst>
             <a:ext uri="{C572A759-6A51-4108-AA02-DFA0A04FC94B}">
-              <ma14:wrappingTextBoxFlag xmlns:ma14="http://schemas.microsoft.com/office/mac/drawingml/2011/main" xmlns="" val="1"/>
+              <ma14:wrappingTextBoxFlag xmlns="" xmlns:ma14="http://schemas.microsoft.com/office/mac/drawingml/2011/main" val="1"/>
             </a:ext>
           </a:extLst>
         </p:spPr>
@@ -22697,7 +22131,7 @@
           </a:ln>
           <a:extLst>
             <a:ext uri="{C572A759-6A51-4108-AA02-DFA0A04FC94B}">
-              <ma14:wrappingTextBoxFlag xmlns:ma14="http://schemas.microsoft.com/office/mac/drawingml/2011/main" xmlns="" val="1"/>
+              <ma14:wrappingTextBoxFlag xmlns="" xmlns:ma14="http://schemas.microsoft.com/office/mac/drawingml/2011/main" val="1"/>
             </a:ext>
           </a:extLst>
         </p:spPr>
@@ -22755,7 +22189,7 @@
           </a:ln>
           <a:extLst>
             <a:ext uri="{C572A759-6A51-4108-AA02-DFA0A04FC94B}">
-              <ma14:wrappingTextBoxFlag xmlns:ma14="http://schemas.microsoft.com/office/mac/drawingml/2011/main" xmlns="" val="1"/>
+              <ma14:wrappingTextBoxFlag xmlns="" xmlns:ma14="http://schemas.microsoft.com/office/mac/drawingml/2011/main" val="1"/>
             </a:ext>
           </a:extLst>
         </p:spPr>
@@ -22842,7 +22276,7 @@
           </a:ln>
           <a:extLst>
             <a:ext uri="{C572A759-6A51-4108-AA02-DFA0A04FC94B}">
-              <ma14:wrappingTextBoxFlag xmlns:ma14="http://schemas.microsoft.com/office/mac/drawingml/2011/main" xmlns="" val="1"/>
+              <ma14:wrappingTextBoxFlag xmlns="" xmlns:ma14="http://schemas.microsoft.com/office/mac/drawingml/2011/main" val="1"/>
             </a:ext>
           </a:extLst>
         </p:spPr>
@@ -22903,7 +22337,7 @@
           </a:ln>
           <a:extLst>
             <a:ext uri="{C572A759-6A51-4108-AA02-DFA0A04FC94B}">
-              <ma14:wrappingTextBoxFlag xmlns:ma14="http://schemas.microsoft.com/office/mac/drawingml/2011/main" xmlns="" val="1"/>
+              <ma14:wrappingTextBoxFlag xmlns="" xmlns:ma14="http://schemas.microsoft.com/office/mac/drawingml/2011/main" val="1"/>
             </a:ext>
           </a:extLst>
         </p:spPr>
@@ -22964,7 +22398,7 @@
           </a:ln>
           <a:extLst>
             <a:ext uri="{C572A759-6A51-4108-AA02-DFA0A04FC94B}">
-              <ma14:wrappingTextBoxFlag xmlns:ma14="http://schemas.microsoft.com/office/mac/drawingml/2011/main" xmlns="" val="1"/>
+              <ma14:wrappingTextBoxFlag xmlns="" xmlns:ma14="http://schemas.microsoft.com/office/mac/drawingml/2011/main" val="1"/>
             </a:ext>
           </a:extLst>
         </p:spPr>
@@ -23076,7 +22510,7 @@
           </a:ln>
           <a:extLst>
             <a:ext uri="{C572A759-6A51-4108-AA02-DFA0A04FC94B}">
-              <ma14:wrappingTextBoxFlag xmlns:ma14="http://schemas.microsoft.com/office/mac/drawingml/2011/main" xmlns="" val="1"/>
+              <ma14:wrappingTextBoxFlag xmlns="" xmlns:ma14="http://schemas.microsoft.com/office/mac/drawingml/2011/main" val="1"/>
             </a:ext>
           </a:extLst>
         </p:spPr>
@@ -23151,7 +22585,7 @@
           </a:ln>
           <a:extLst>
             <a:ext uri="{C572A759-6A51-4108-AA02-DFA0A04FC94B}">
-              <ma14:wrappingTextBoxFlag xmlns:ma14="http://schemas.microsoft.com/office/mac/drawingml/2011/main" xmlns="" val="1"/>
+              <ma14:wrappingTextBoxFlag xmlns="" xmlns:ma14="http://schemas.microsoft.com/office/mac/drawingml/2011/main" val="1"/>
             </a:ext>
           </a:extLst>
         </p:spPr>
@@ -23216,7 +22650,7 @@
           </a:ln>
           <a:extLst>
             <a:ext uri="{C572A759-6A51-4108-AA02-DFA0A04FC94B}">
-              <ma14:wrappingTextBoxFlag xmlns:ma14="http://schemas.microsoft.com/office/mac/drawingml/2011/main" xmlns="" val="1"/>
+              <ma14:wrappingTextBoxFlag xmlns="" xmlns:ma14="http://schemas.microsoft.com/office/mac/drawingml/2011/main" val="1"/>
             </a:ext>
           </a:extLst>
         </p:spPr>
@@ -23277,7 +22711,7 @@
           </a:ln>
           <a:extLst>
             <a:ext uri="{C572A759-6A51-4108-AA02-DFA0A04FC94B}">
-              <ma14:wrappingTextBoxFlag xmlns:ma14="http://schemas.microsoft.com/office/mac/drawingml/2011/main" xmlns="" val="1"/>
+              <ma14:wrappingTextBoxFlag xmlns="" xmlns:ma14="http://schemas.microsoft.com/office/mac/drawingml/2011/main" val="1"/>
             </a:ext>
           </a:extLst>
         </p:spPr>
@@ -23338,7 +22772,7 @@
           </a:ln>
           <a:extLst>
             <a:ext uri="{C572A759-6A51-4108-AA02-DFA0A04FC94B}">
-              <ma14:wrappingTextBoxFlag xmlns:ma14="http://schemas.microsoft.com/office/mac/drawingml/2011/main" xmlns="" val="1"/>
+              <ma14:wrappingTextBoxFlag xmlns="" xmlns:ma14="http://schemas.microsoft.com/office/mac/drawingml/2011/main" val="1"/>
             </a:ext>
           </a:extLst>
         </p:spPr>
@@ -23403,7 +22837,7 @@
           </a:ln>
           <a:extLst>
             <a:ext uri="{C572A759-6A51-4108-AA02-DFA0A04FC94B}">
-              <ma14:wrappingTextBoxFlag xmlns:ma14="http://schemas.microsoft.com/office/mac/drawingml/2011/main" xmlns="" val="1"/>
+              <ma14:wrappingTextBoxFlag xmlns="" xmlns:ma14="http://schemas.microsoft.com/office/mac/drawingml/2011/main" val="1"/>
             </a:ext>
           </a:extLst>
         </p:spPr>
@@ -23464,7 +22898,7 @@
           </a:ln>
           <a:extLst>
             <a:ext uri="{C572A759-6A51-4108-AA02-DFA0A04FC94B}">
-              <ma14:wrappingTextBoxFlag xmlns:ma14="http://schemas.microsoft.com/office/mac/drawingml/2011/main" xmlns="" val="1"/>
+              <ma14:wrappingTextBoxFlag xmlns="" xmlns:ma14="http://schemas.microsoft.com/office/mac/drawingml/2011/main" val="1"/>
             </a:ext>
           </a:extLst>
         </p:spPr>
@@ -23525,7 +22959,7 @@
           </a:ln>
           <a:extLst>
             <a:ext uri="{C572A759-6A51-4108-AA02-DFA0A04FC94B}">
-              <ma14:wrappingTextBoxFlag xmlns:ma14="http://schemas.microsoft.com/office/mac/drawingml/2011/main" xmlns="" val="1"/>
+              <ma14:wrappingTextBoxFlag xmlns="" xmlns:ma14="http://schemas.microsoft.com/office/mac/drawingml/2011/main" val="1"/>
             </a:ext>
           </a:extLst>
         </p:spPr>
@@ -23594,7 +23028,7 @@
           </a:ln>
           <a:extLst>
             <a:ext uri="{C572A759-6A51-4108-AA02-DFA0A04FC94B}">
-              <ma14:wrappingTextBoxFlag xmlns:ma14="http://schemas.microsoft.com/office/mac/drawingml/2011/main" xmlns="" val="1"/>
+              <ma14:wrappingTextBoxFlag xmlns="" xmlns:ma14="http://schemas.microsoft.com/office/mac/drawingml/2011/main" val="1"/>
             </a:ext>
           </a:extLst>
         </p:spPr>
@@ -23730,7 +23164,7 @@
           </a:ln>
           <a:extLst>
             <a:ext uri="{C572A759-6A51-4108-AA02-DFA0A04FC94B}">
-              <ma14:wrappingTextBoxFlag xmlns:ma14="http://schemas.microsoft.com/office/mac/drawingml/2011/main" xmlns="" val="1"/>
+              <ma14:wrappingTextBoxFlag xmlns="" xmlns:ma14="http://schemas.microsoft.com/office/mac/drawingml/2011/main" val="1"/>
             </a:ext>
           </a:extLst>
         </p:spPr>
@@ -23791,7 +23225,7 @@
           </a:ln>
           <a:extLst>
             <a:ext uri="{C572A759-6A51-4108-AA02-DFA0A04FC94B}">
-              <ma14:wrappingTextBoxFlag xmlns:ma14="http://schemas.microsoft.com/office/mac/drawingml/2011/main" xmlns="" val="1"/>
+              <ma14:wrappingTextBoxFlag xmlns="" xmlns:ma14="http://schemas.microsoft.com/office/mac/drawingml/2011/main" val="1"/>
             </a:ext>
           </a:extLst>
         </p:spPr>
@@ -23852,7 +23286,7 @@
           </a:ln>
           <a:extLst>
             <a:ext uri="{C572A759-6A51-4108-AA02-DFA0A04FC94B}">
-              <ma14:wrappingTextBoxFlag xmlns:ma14="http://schemas.microsoft.com/office/mac/drawingml/2011/main" xmlns="" val="1"/>
+              <ma14:wrappingTextBoxFlag xmlns="" xmlns:ma14="http://schemas.microsoft.com/office/mac/drawingml/2011/main" val="1"/>
             </a:ext>
           </a:extLst>
         </p:spPr>
@@ -23921,7 +23355,7 @@
           </a:ln>
           <a:extLst>
             <a:ext uri="{C572A759-6A51-4108-AA02-DFA0A04FC94B}">
-              <ma14:wrappingTextBoxFlag xmlns:ma14="http://schemas.microsoft.com/office/mac/drawingml/2011/main" xmlns="" val="1"/>
+              <ma14:wrappingTextBoxFlag xmlns="" xmlns:ma14="http://schemas.microsoft.com/office/mac/drawingml/2011/main" val="1"/>
             </a:ext>
           </a:extLst>
         </p:spPr>
